--- a/notes/graphs.pptx
+++ b/notes/graphs.pptx
@@ -5,10 +5,10 @@
     <p:sldMasterId id="2147483672" r:id="rId1"/>
   </p:sldMasterIdLst>
   <p:notesMasterIdLst>
-    <p:notesMasterId r:id="rId11"/>
+    <p:notesMasterId r:id="rId12"/>
   </p:notesMasterIdLst>
   <p:handoutMasterIdLst>
-    <p:handoutMasterId r:id="rId12"/>
+    <p:handoutMasterId r:id="rId13"/>
   </p:handoutMasterIdLst>
   <p:sldIdLst>
     <p:sldId id="256" r:id="rId2"/>
@@ -18,8 +18,9 @@
     <p:sldId id="294" r:id="rId6"/>
     <p:sldId id="293" r:id="rId7"/>
     <p:sldId id="295" r:id="rId8"/>
-    <p:sldId id="297" r:id="rId9"/>
-    <p:sldId id="296" r:id="rId10"/>
+    <p:sldId id="296" r:id="rId9"/>
+    <p:sldId id="297" r:id="rId10"/>
+    <p:sldId id="298" r:id="rId11"/>
   </p:sldIdLst>
   <p:sldSz cx="12192000" cy="6858000"/>
   <p:notesSz cx="9144000" cy="6858000"/>
@@ -4044,6 +4045,770 @@
 </p:sld>
 </file>
 
+<file path=ppt/slides/slide10.xml><?xml version="1.0" encoding="utf-8"?>
+<p:sld xmlns:a="http://schemas.openxmlformats.org/drawingml/2006/main" xmlns:r="http://schemas.openxmlformats.org/officeDocument/2006/relationships" xmlns:p="http://schemas.openxmlformats.org/presentationml/2006/main">
+  <p:cSld>
+    <p:spTree>
+      <p:nvGrpSpPr>
+        <p:cNvPr id="1" name=""/>
+        <p:cNvGrpSpPr/>
+        <p:nvPr/>
+      </p:nvGrpSpPr>
+      <p:grpSpPr>
+        <a:xfrm>
+          <a:off x="0" y="0"/>
+          <a:ext cx="0" cy="0"/>
+          <a:chOff x="0" y="0"/>
+          <a:chExt cx="0" cy="0"/>
+        </a:xfrm>
+      </p:grpSpPr>
+      <p:sp>
+        <p:nvSpPr>
+          <p:cNvPr id="2" name="Title 1"/>
+          <p:cNvSpPr>
+            <a:spLocks noGrp="1"/>
+          </p:cNvSpPr>
+          <p:nvPr>
+            <p:ph type="title"/>
+          </p:nvPr>
+        </p:nvSpPr>
+        <p:spPr/>
+        <p:txBody>
+          <a:bodyPr/>
+          <a:lstStyle/>
+          <a:p>
+            <a:r>
+              <a:rPr lang="en-US" dirty="0" smtClean="0"/>
+              <a:t>What is path from p to q?</a:t>
+            </a:r>
+            <a:endParaRPr lang="en-US" dirty="0"/>
+          </a:p>
+        </p:txBody>
+      </p:sp>
+      <p:sp>
+        <p:nvSpPr>
+          <p:cNvPr id="4" name="TextBox 3">
+            <a:extLst>
+              <a:ext uri="{FF2B5EF4-FFF2-40B4-BE49-F238E27FC236}">
+                <a16:creationId xmlns:a16="http://schemas.microsoft.com/office/drawing/2014/main" xmlns="" id="{15368C9B-01DB-BD48-B437-681E9C29166D}"/>
+              </a:ext>
+            </a:extLst>
+          </p:cNvPr>
+          <p:cNvSpPr txBox="1"/>
+          <p:nvPr/>
+        </p:nvSpPr>
+        <p:spPr>
+          <a:xfrm>
+            <a:off x="222250" y="1552752"/>
+            <a:ext cx="8132041" cy="3816429"/>
+          </a:xfrm>
+          <a:prstGeom prst="rect">
+            <a:avLst/>
+          </a:prstGeom>
+          <a:noFill/>
+          <a:ln>
+            <a:solidFill>
+              <a:schemeClr val="accent1"/>
+            </a:solidFill>
+          </a:ln>
+        </p:spPr>
+        <p:txBody>
+          <a:bodyPr wrap="square" rtlCol="0">
+            <a:spAutoFit/>
+          </a:bodyPr>
+          <a:lstStyle/>
+          <a:p>
+            <a:r>
+              <a:rPr lang="en-US" sz="2200" dirty="0" err="1">
+                <a:latin typeface="Monaco" charset="0"/>
+                <a:ea typeface="Monaco" charset="0"/>
+                <a:cs typeface="Monaco" charset="0"/>
+              </a:rPr>
+              <a:t>def</a:t>
+            </a:r>
+            <a:r>
+              <a:rPr lang="en-US" sz="2200" dirty="0">
+                <a:latin typeface="Monaco" charset="0"/>
+                <a:ea typeface="Monaco" charset="0"/>
+                <a:cs typeface="Monaco" charset="0"/>
+              </a:rPr>
+              <a:t> path(</a:t>
+            </a:r>
+            <a:r>
+              <a:rPr lang="en-US" sz="2200" dirty="0" err="1">
+                <a:latin typeface="Monaco" charset="0"/>
+                <a:ea typeface="Monaco" charset="0"/>
+                <a:cs typeface="Monaco" charset="0"/>
+              </a:rPr>
+              <a:t>p:Node</a:t>
+            </a:r>
+            <a:r>
+              <a:rPr lang="en-US" sz="2200" dirty="0">
+                <a:latin typeface="Monaco" charset="0"/>
+                <a:ea typeface="Monaco" charset="0"/>
+                <a:cs typeface="Monaco" charset="0"/>
+              </a:rPr>
+              <a:t>, </a:t>
+            </a:r>
+            <a:r>
+              <a:rPr lang="en-US" sz="2200" dirty="0" err="1">
+                <a:latin typeface="Monaco" charset="0"/>
+                <a:ea typeface="Monaco" charset="0"/>
+                <a:cs typeface="Monaco" charset="0"/>
+              </a:rPr>
+              <a:t>q:Node</a:t>
+            </a:r>
+            <a:r>
+              <a:rPr lang="en-US" sz="2200" dirty="0">
+                <a:latin typeface="Monaco" charset="0"/>
+                <a:ea typeface="Monaco" charset="0"/>
+                <a:cs typeface="Monaco" charset="0"/>
+              </a:rPr>
+              <a:t>) -&gt; </a:t>
+            </a:r>
+            <a:r>
+              <a:rPr lang="en-US" sz="2200" dirty="0">
+                <a:solidFill>
+                  <a:schemeClr val="accent1"/>
+                </a:solidFill>
+                <a:latin typeface="Monaco" charset="0"/>
+                <a:ea typeface="Monaco" charset="0"/>
+                <a:cs typeface="Monaco" charset="0"/>
+              </a:rPr>
+              <a:t>list</a:t>
+            </a:r>
+            <a:r>
+              <a:rPr lang="en-US" sz="2200" dirty="0">
+                <a:latin typeface="Monaco" charset="0"/>
+                <a:ea typeface="Monaco" charset="0"/>
+                <a:cs typeface="Monaco" charset="0"/>
+              </a:rPr>
+              <a:t>:</a:t>
+            </a:r>
+          </a:p>
+          <a:p>
+            <a:r>
+              <a:rPr lang="mr-IN" sz="2200" dirty="0">
+                <a:latin typeface="Monaco" charset="0"/>
+                <a:ea typeface="Monaco" charset="0"/>
+                <a:cs typeface="Monaco" charset="0"/>
+              </a:rPr>
+              <a:t>    </a:t>
+            </a:r>
+            <a:r>
+              <a:rPr lang="mr-IN" sz="2200" dirty="0" err="1">
+                <a:latin typeface="Monaco" charset="0"/>
+                <a:ea typeface="Monaco" charset="0"/>
+                <a:cs typeface="Monaco" charset="0"/>
+              </a:rPr>
+              <a:t>return</a:t>
+            </a:r>
+            <a:r>
+              <a:rPr lang="mr-IN" sz="2200" dirty="0">
+                <a:latin typeface="Monaco" charset="0"/>
+                <a:ea typeface="Monaco" charset="0"/>
+                <a:cs typeface="Monaco" charset="0"/>
+              </a:rPr>
+              <a:t> </a:t>
+            </a:r>
+            <a:r>
+              <a:rPr lang="mr-IN" sz="2200" dirty="0" err="1">
+                <a:latin typeface="Monaco" charset="0"/>
+                <a:ea typeface="Monaco" charset="0"/>
+                <a:cs typeface="Monaco" charset="0"/>
+              </a:rPr>
+              <a:t>path</a:t>
+            </a:r>
+            <a:r>
+              <a:rPr lang="mr-IN" sz="2200" dirty="0">
+                <a:latin typeface="Monaco" charset="0"/>
+                <a:ea typeface="Monaco" charset="0"/>
+                <a:cs typeface="Monaco" charset="0"/>
+              </a:rPr>
+              <a:t>_(</a:t>
+            </a:r>
+            <a:r>
+              <a:rPr lang="mr-IN" sz="2200" dirty="0" err="1">
+                <a:latin typeface="Monaco" charset="0"/>
+                <a:ea typeface="Monaco" charset="0"/>
+                <a:cs typeface="Monaco" charset="0"/>
+              </a:rPr>
+              <a:t>p</a:t>
+            </a:r>
+            <a:r>
+              <a:rPr lang="mr-IN" sz="2200" dirty="0">
+                <a:latin typeface="Monaco" charset="0"/>
+                <a:ea typeface="Monaco" charset="0"/>
+                <a:cs typeface="Monaco" charset="0"/>
+              </a:rPr>
+              <a:t>, </a:t>
+            </a:r>
+            <a:r>
+              <a:rPr lang="mr-IN" sz="2200" dirty="0" err="1">
+                <a:latin typeface="Monaco" charset="0"/>
+                <a:ea typeface="Monaco" charset="0"/>
+                <a:cs typeface="Monaco" charset="0"/>
+              </a:rPr>
+              <a:t>q</a:t>
+            </a:r>
+            <a:r>
+              <a:rPr lang="mr-IN" sz="2200" dirty="0">
+                <a:latin typeface="Monaco" charset="0"/>
+                <a:ea typeface="Monaco" charset="0"/>
+                <a:cs typeface="Monaco" charset="0"/>
+              </a:rPr>
+              <a:t>, </a:t>
+            </a:r>
+            <a:r>
+              <a:rPr lang="mr-IN" sz="2200" dirty="0">
+                <a:solidFill>
+                  <a:schemeClr val="accent1"/>
+                </a:solidFill>
+                <a:latin typeface="Monaco" charset="0"/>
+                <a:ea typeface="Monaco" charset="0"/>
+                <a:cs typeface="Monaco" charset="0"/>
+              </a:rPr>
+              <a:t>[</a:t>
+            </a:r>
+            <a:r>
+              <a:rPr lang="mr-IN" sz="2200" dirty="0" err="1">
+                <a:solidFill>
+                  <a:schemeClr val="accent1"/>
+                </a:solidFill>
+                <a:latin typeface="Monaco" charset="0"/>
+                <a:ea typeface="Monaco" charset="0"/>
+                <a:cs typeface="Monaco" charset="0"/>
+              </a:rPr>
+              <a:t>p</a:t>
+            </a:r>
+            <a:r>
+              <a:rPr lang="mr-IN" sz="2200" dirty="0">
+                <a:solidFill>
+                  <a:schemeClr val="accent1"/>
+                </a:solidFill>
+                <a:latin typeface="Monaco" charset="0"/>
+                <a:ea typeface="Monaco" charset="0"/>
+                <a:cs typeface="Monaco" charset="0"/>
+              </a:rPr>
+              <a:t>]</a:t>
+            </a:r>
+            <a:r>
+              <a:rPr lang="mr-IN" sz="2200" dirty="0">
+                <a:latin typeface="Monaco" charset="0"/>
+                <a:ea typeface="Monaco" charset="0"/>
+                <a:cs typeface="Monaco" charset="0"/>
+              </a:rPr>
+              <a:t>, </a:t>
+            </a:r>
+            <a:r>
+              <a:rPr lang="mr-IN" sz="2200" dirty="0" err="1">
+                <a:latin typeface="Monaco" charset="0"/>
+                <a:ea typeface="Monaco" charset="0"/>
+                <a:cs typeface="Monaco" charset="0"/>
+              </a:rPr>
+              <a:t>set</a:t>
+            </a:r>
+            <a:r>
+              <a:rPr lang="mr-IN" sz="2200" dirty="0">
+                <a:latin typeface="Monaco" charset="0"/>
+                <a:ea typeface="Monaco" charset="0"/>
+                <a:cs typeface="Monaco" charset="0"/>
+              </a:rPr>
+              <a:t>())</a:t>
+            </a:r>
+          </a:p>
+          <a:p>
+            <a:endParaRPr lang="mr-IN" sz="2200" dirty="0">
+              <a:latin typeface="Monaco" charset="0"/>
+              <a:ea typeface="Monaco" charset="0"/>
+              <a:cs typeface="Monaco" charset="0"/>
+            </a:endParaRPr>
+          </a:p>
+          <a:p>
+            <a:r>
+              <a:rPr lang="en-US" sz="2200" dirty="0" err="1">
+                <a:latin typeface="Monaco" charset="0"/>
+                <a:ea typeface="Monaco" charset="0"/>
+                <a:cs typeface="Monaco" charset="0"/>
+              </a:rPr>
+              <a:t>def</a:t>
+            </a:r>
+            <a:r>
+              <a:rPr lang="en-US" sz="2200" dirty="0">
+                <a:latin typeface="Monaco" charset="0"/>
+                <a:ea typeface="Monaco" charset="0"/>
+                <a:cs typeface="Monaco" charset="0"/>
+              </a:rPr>
+              <a:t> path_(</a:t>
+            </a:r>
+            <a:r>
+              <a:rPr lang="en-US" sz="2200" dirty="0" err="1">
+                <a:latin typeface="Monaco" charset="0"/>
+                <a:ea typeface="Monaco" charset="0"/>
+                <a:cs typeface="Monaco" charset="0"/>
+              </a:rPr>
+              <a:t>p:Node</a:t>
+            </a:r>
+            <a:r>
+              <a:rPr lang="en-US" sz="2200" dirty="0">
+                <a:latin typeface="Monaco" charset="0"/>
+                <a:ea typeface="Monaco" charset="0"/>
+                <a:cs typeface="Monaco" charset="0"/>
+              </a:rPr>
+              <a:t>, </a:t>
+            </a:r>
+            <a:r>
+              <a:rPr lang="en-US" sz="2200" dirty="0" err="1">
+                <a:latin typeface="Monaco" charset="0"/>
+                <a:ea typeface="Monaco" charset="0"/>
+                <a:cs typeface="Monaco" charset="0"/>
+              </a:rPr>
+              <a:t>q:Node</a:t>
+            </a:r>
+            <a:r>
+              <a:rPr lang="en-US" sz="2200" dirty="0">
+                <a:latin typeface="Monaco" charset="0"/>
+                <a:ea typeface="Monaco" charset="0"/>
+                <a:cs typeface="Monaco" charset="0"/>
+              </a:rPr>
+              <a:t>, </a:t>
+            </a:r>
+            <a:r>
+              <a:rPr lang="en-US" sz="2200" dirty="0" err="1">
+                <a:solidFill>
+                  <a:schemeClr val="accent1"/>
+                </a:solidFill>
+                <a:latin typeface="Monaco" charset="0"/>
+                <a:ea typeface="Monaco" charset="0"/>
+                <a:cs typeface="Monaco" charset="0"/>
+              </a:rPr>
+              <a:t>path:list</a:t>
+            </a:r>
+            <a:r>
+              <a:rPr lang="en-US" sz="2200" dirty="0">
+                <a:latin typeface="Monaco" charset="0"/>
+                <a:ea typeface="Monaco" charset="0"/>
+                <a:cs typeface="Monaco" charset="0"/>
+              </a:rPr>
+              <a:t>, </a:t>
+            </a:r>
+            <a:r>
+              <a:rPr lang="en-US" sz="2200" dirty="0" err="1">
+                <a:latin typeface="Monaco" charset="0"/>
+                <a:ea typeface="Monaco" charset="0"/>
+                <a:cs typeface="Monaco" charset="0"/>
+              </a:rPr>
+              <a:t>seen:set</a:t>
+            </a:r>
+            <a:r>
+              <a:rPr lang="en-US" sz="2200" dirty="0" smtClean="0">
+                <a:latin typeface="Monaco" charset="0"/>
+                <a:ea typeface="Monaco" charset="0"/>
+                <a:cs typeface="Monaco" charset="0"/>
+              </a:rPr>
+              <a:t>):</a:t>
+            </a:r>
+            <a:endParaRPr lang="en-US" sz="2200" dirty="0">
+              <a:latin typeface="Monaco" charset="0"/>
+              <a:ea typeface="Monaco" charset="0"/>
+              <a:cs typeface="Monaco" charset="0"/>
+            </a:endParaRPr>
+          </a:p>
+          <a:p>
+            <a:r>
+              <a:rPr lang="en-US" sz="2200" dirty="0">
+                <a:latin typeface="Monaco" charset="0"/>
+                <a:ea typeface="Monaco" charset="0"/>
+                <a:cs typeface="Monaco" charset="0"/>
+              </a:rPr>
+              <a:t>    </a:t>
+            </a:r>
+            <a:r>
+              <a:rPr lang="en-US" sz="2200" dirty="0">
+                <a:solidFill>
+                  <a:schemeClr val="accent1"/>
+                </a:solidFill>
+                <a:latin typeface="Monaco" charset="0"/>
+                <a:ea typeface="Monaco" charset="0"/>
+                <a:cs typeface="Monaco" charset="0"/>
+              </a:rPr>
+              <a:t>if p is q: return path</a:t>
+            </a:r>
+          </a:p>
+          <a:p>
+            <a:r>
+              <a:rPr lang="en-US" sz="2200" dirty="0">
+                <a:latin typeface="Monaco" charset="0"/>
+                <a:ea typeface="Monaco" charset="0"/>
+                <a:cs typeface="Monaco" charset="0"/>
+              </a:rPr>
+              <a:t>    if p in seen: return </a:t>
+            </a:r>
+            <a:r>
+              <a:rPr lang="en-US" sz="2200" dirty="0">
+                <a:solidFill>
+                  <a:schemeClr val="accent1"/>
+                </a:solidFill>
+                <a:latin typeface="Monaco" charset="0"/>
+                <a:ea typeface="Monaco" charset="0"/>
+                <a:cs typeface="Monaco" charset="0"/>
+              </a:rPr>
+              <a:t>None</a:t>
+            </a:r>
+          </a:p>
+          <a:p>
+            <a:r>
+              <a:rPr lang="mr-IN" sz="2200" dirty="0">
+                <a:latin typeface="Monaco" charset="0"/>
+                <a:ea typeface="Monaco" charset="0"/>
+                <a:cs typeface="Monaco" charset="0"/>
+              </a:rPr>
+              <a:t>    </a:t>
+            </a:r>
+            <a:r>
+              <a:rPr lang="mr-IN" sz="2200" dirty="0" err="1">
+                <a:latin typeface="Monaco" charset="0"/>
+                <a:ea typeface="Monaco" charset="0"/>
+                <a:cs typeface="Monaco" charset="0"/>
+              </a:rPr>
+              <a:t>seen.add</a:t>
+            </a:r>
+            <a:r>
+              <a:rPr lang="mr-IN" sz="2200" dirty="0">
+                <a:latin typeface="Monaco" charset="0"/>
+                <a:ea typeface="Monaco" charset="0"/>
+                <a:cs typeface="Monaco" charset="0"/>
+              </a:rPr>
+              <a:t>(</a:t>
+            </a:r>
+            <a:r>
+              <a:rPr lang="mr-IN" sz="2200" dirty="0" err="1">
+                <a:latin typeface="Monaco" charset="0"/>
+                <a:ea typeface="Monaco" charset="0"/>
+                <a:cs typeface="Monaco" charset="0"/>
+              </a:rPr>
+              <a:t>p</a:t>
+            </a:r>
+            <a:r>
+              <a:rPr lang="mr-IN" sz="2200" dirty="0">
+                <a:latin typeface="Monaco" charset="0"/>
+                <a:ea typeface="Monaco" charset="0"/>
+                <a:cs typeface="Monaco" charset="0"/>
+              </a:rPr>
+              <a:t>)</a:t>
+            </a:r>
+          </a:p>
+          <a:p>
+            <a:r>
+              <a:rPr lang="en-US" sz="2200" dirty="0">
+                <a:latin typeface="Monaco" charset="0"/>
+                <a:ea typeface="Monaco" charset="0"/>
+                <a:cs typeface="Monaco" charset="0"/>
+              </a:rPr>
+              <a:t>    for t in </a:t>
+            </a:r>
+            <a:r>
+              <a:rPr lang="en-US" sz="2200" dirty="0" err="1">
+                <a:latin typeface="Monaco" charset="0"/>
+                <a:ea typeface="Monaco" charset="0"/>
+                <a:cs typeface="Monaco" charset="0"/>
+              </a:rPr>
+              <a:t>p.edges</a:t>
+            </a:r>
+            <a:r>
+              <a:rPr lang="en-US" sz="2200" dirty="0">
+                <a:latin typeface="Monaco" charset="0"/>
+                <a:ea typeface="Monaco" charset="0"/>
+                <a:cs typeface="Monaco" charset="0"/>
+              </a:rPr>
+              <a:t>:</a:t>
+            </a:r>
+          </a:p>
+          <a:p>
+            <a:r>
+              <a:rPr lang="mr-IN" sz="2200" dirty="0">
+                <a:latin typeface="Monaco" charset="0"/>
+                <a:ea typeface="Monaco" charset="0"/>
+                <a:cs typeface="Monaco" charset="0"/>
+              </a:rPr>
+              <a:t>        </a:t>
+            </a:r>
+            <a:r>
+              <a:rPr lang="mr-IN" sz="2200" dirty="0" err="1">
+                <a:latin typeface="Monaco" charset="0"/>
+                <a:ea typeface="Monaco" charset="0"/>
+                <a:cs typeface="Monaco" charset="0"/>
+              </a:rPr>
+              <a:t>pa</a:t>
+            </a:r>
+            <a:r>
+              <a:rPr lang="mr-IN" sz="2200" dirty="0">
+                <a:latin typeface="Monaco" charset="0"/>
+                <a:ea typeface="Monaco" charset="0"/>
+                <a:cs typeface="Monaco" charset="0"/>
+              </a:rPr>
+              <a:t> = </a:t>
+            </a:r>
+            <a:r>
+              <a:rPr lang="mr-IN" sz="2200" dirty="0" err="1">
+                <a:latin typeface="Monaco" charset="0"/>
+                <a:ea typeface="Monaco" charset="0"/>
+                <a:cs typeface="Monaco" charset="0"/>
+              </a:rPr>
+              <a:t>path</a:t>
+            </a:r>
+            <a:r>
+              <a:rPr lang="mr-IN" sz="2200" dirty="0">
+                <a:latin typeface="Monaco" charset="0"/>
+                <a:ea typeface="Monaco" charset="0"/>
+                <a:cs typeface="Monaco" charset="0"/>
+              </a:rPr>
+              <a:t>_(</a:t>
+            </a:r>
+            <a:r>
+              <a:rPr lang="mr-IN" sz="2200" dirty="0" err="1">
+                <a:latin typeface="Monaco" charset="0"/>
+                <a:ea typeface="Monaco" charset="0"/>
+                <a:cs typeface="Monaco" charset="0"/>
+              </a:rPr>
+              <a:t>t</a:t>
+            </a:r>
+            <a:r>
+              <a:rPr lang="mr-IN" sz="2200" dirty="0">
+                <a:latin typeface="Monaco" charset="0"/>
+                <a:ea typeface="Monaco" charset="0"/>
+                <a:cs typeface="Monaco" charset="0"/>
+              </a:rPr>
+              <a:t>, </a:t>
+            </a:r>
+            <a:r>
+              <a:rPr lang="mr-IN" sz="2200" dirty="0" err="1">
+                <a:latin typeface="Monaco" charset="0"/>
+                <a:ea typeface="Monaco" charset="0"/>
+                <a:cs typeface="Monaco" charset="0"/>
+              </a:rPr>
+              <a:t>q</a:t>
+            </a:r>
+            <a:r>
+              <a:rPr lang="mr-IN" sz="2200" dirty="0">
+                <a:latin typeface="Monaco" charset="0"/>
+                <a:ea typeface="Monaco" charset="0"/>
+                <a:cs typeface="Monaco" charset="0"/>
+              </a:rPr>
+              <a:t>, </a:t>
+            </a:r>
+            <a:r>
+              <a:rPr lang="mr-IN" sz="2200" dirty="0" err="1">
+                <a:solidFill>
+                  <a:schemeClr val="accent1"/>
+                </a:solidFill>
+                <a:latin typeface="Monaco" charset="0"/>
+                <a:ea typeface="Monaco" charset="0"/>
+                <a:cs typeface="Monaco" charset="0"/>
+              </a:rPr>
+              <a:t>path</a:t>
+            </a:r>
+            <a:r>
+              <a:rPr lang="mr-IN" sz="2200" dirty="0">
+                <a:solidFill>
+                  <a:schemeClr val="accent1"/>
+                </a:solidFill>
+                <a:latin typeface="Monaco" charset="0"/>
+                <a:ea typeface="Monaco" charset="0"/>
+                <a:cs typeface="Monaco" charset="0"/>
+              </a:rPr>
+              <a:t>+[</a:t>
+            </a:r>
+            <a:r>
+              <a:rPr lang="mr-IN" sz="2200" dirty="0" err="1">
+                <a:solidFill>
+                  <a:schemeClr val="accent1"/>
+                </a:solidFill>
+                <a:latin typeface="Monaco" charset="0"/>
+                <a:ea typeface="Monaco" charset="0"/>
+                <a:cs typeface="Monaco" charset="0"/>
+              </a:rPr>
+              <a:t>t</a:t>
+            </a:r>
+            <a:r>
+              <a:rPr lang="mr-IN" sz="2200" dirty="0">
+                <a:solidFill>
+                  <a:schemeClr val="accent1"/>
+                </a:solidFill>
+                <a:latin typeface="Monaco" charset="0"/>
+                <a:ea typeface="Monaco" charset="0"/>
+                <a:cs typeface="Monaco" charset="0"/>
+              </a:rPr>
+              <a:t>]</a:t>
+            </a:r>
+            <a:r>
+              <a:rPr lang="mr-IN" sz="2200" dirty="0">
+                <a:latin typeface="Monaco" charset="0"/>
+                <a:ea typeface="Monaco" charset="0"/>
+                <a:cs typeface="Monaco" charset="0"/>
+              </a:rPr>
+              <a:t>, </a:t>
+            </a:r>
+            <a:r>
+              <a:rPr lang="mr-IN" sz="2200" dirty="0" err="1">
+                <a:latin typeface="Monaco" charset="0"/>
+                <a:ea typeface="Monaco" charset="0"/>
+                <a:cs typeface="Monaco" charset="0"/>
+              </a:rPr>
+              <a:t>seen</a:t>
+            </a:r>
+            <a:r>
+              <a:rPr lang="mr-IN" sz="2200" dirty="0">
+                <a:latin typeface="Monaco" charset="0"/>
+                <a:ea typeface="Monaco" charset="0"/>
+                <a:cs typeface="Monaco" charset="0"/>
+              </a:rPr>
+              <a:t>)</a:t>
+            </a:r>
+          </a:p>
+          <a:p>
+            <a:r>
+              <a:rPr lang="en-US" sz="2200" dirty="0">
+                <a:latin typeface="Monaco" charset="0"/>
+                <a:ea typeface="Monaco" charset="0"/>
+                <a:cs typeface="Monaco" charset="0"/>
+              </a:rPr>
+              <a:t>        </a:t>
+            </a:r>
+            <a:r>
+              <a:rPr lang="en-US" sz="2200" dirty="0">
+                <a:solidFill>
+                  <a:schemeClr val="accent1"/>
+                </a:solidFill>
+                <a:latin typeface="Monaco" charset="0"/>
+                <a:ea typeface="Monaco" charset="0"/>
+                <a:cs typeface="Monaco" charset="0"/>
+              </a:rPr>
+              <a:t>if pa is not None: return pa</a:t>
+            </a:r>
+          </a:p>
+          <a:p>
+            <a:r>
+              <a:rPr lang="en-US" sz="2200" dirty="0">
+                <a:latin typeface="Monaco" charset="0"/>
+                <a:ea typeface="Monaco" charset="0"/>
+                <a:cs typeface="Monaco" charset="0"/>
+              </a:rPr>
+              <a:t>    </a:t>
+            </a:r>
+            <a:r>
+              <a:rPr lang="en-US" sz="2200" dirty="0">
+                <a:solidFill>
+                  <a:schemeClr val="accent1"/>
+                </a:solidFill>
+                <a:latin typeface="Monaco" charset="0"/>
+                <a:ea typeface="Monaco" charset="0"/>
+                <a:cs typeface="Monaco" charset="0"/>
+              </a:rPr>
+              <a:t>return None</a:t>
+            </a:r>
+            <a:endParaRPr lang="en-US" sz="2200" dirty="0" smtClean="0">
+              <a:solidFill>
+                <a:schemeClr val="accent1"/>
+              </a:solidFill>
+              <a:latin typeface="Monaco" charset="0"/>
+              <a:ea typeface="Monaco" charset="0"/>
+              <a:cs typeface="Monaco" charset="0"/>
+            </a:endParaRPr>
+          </a:p>
+        </p:txBody>
+      </p:sp>
+      <p:pic>
+        <p:nvPicPr>
+          <p:cNvPr id="7" name="Picture 6"/>
+          <p:cNvPicPr>
+            <a:picLocks noChangeAspect="1"/>
+          </p:cNvPicPr>
+          <p:nvPr/>
+        </p:nvPicPr>
+        <p:blipFill>
+          <a:blip r:embed="rId2"/>
+          <a:stretch>
+            <a:fillRect/>
+          </a:stretch>
+        </p:blipFill>
+        <p:spPr>
+          <a:xfrm>
+            <a:off x="8970241" y="230693"/>
+            <a:ext cx="2603500" cy="1600200"/>
+          </a:xfrm>
+          <a:prstGeom prst="rect">
+            <a:avLst/>
+          </a:prstGeom>
+        </p:spPr>
+      </p:pic>
+      <p:pic>
+        <p:nvPicPr>
+          <p:cNvPr id="8" name="Picture 7"/>
+          <p:cNvPicPr>
+            <a:picLocks noChangeAspect="1"/>
+          </p:cNvPicPr>
+          <p:nvPr/>
+        </p:nvPicPr>
+        <p:blipFill>
+          <a:blip r:embed="rId3"/>
+          <a:stretch>
+            <a:fillRect/>
+          </a:stretch>
+        </p:blipFill>
+        <p:spPr>
+          <a:xfrm>
+            <a:off x="8717971" y="2459401"/>
+            <a:ext cx="3267430" cy="2517843"/>
+          </a:xfrm>
+          <a:prstGeom prst="rect">
+            <a:avLst/>
+          </a:prstGeom>
+        </p:spPr>
+      </p:pic>
+      <p:sp>
+        <p:nvSpPr>
+          <p:cNvPr id="9" name="TextBox 8"/>
+          <p:cNvSpPr txBox="1"/>
+          <p:nvPr/>
+        </p:nvSpPr>
+        <p:spPr>
+          <a:xfrm>
+            <a:off x="9560444" y="5246595"/>
+            <a:ext cx="1595309" cy="369332"/>
+          </a:xfrm>
+          <a:prstGeom prst="rect">
+            <a:avLst/>
+          </a:prstGeom>
+          <a:noFill/>
+        </p:spPr>
+        <p:txBody>
+          <a:bodyPr wrap="none" rtlCol="0">
+            <a:spAutoFit/>
+          </a:bodyPr>
+          <a:lstStyle/>
+          <a:p>
+            <a:r>
+              <a:rPr lang="en-US" i="1" dirty="0" smtClean="0"/>
+              <a:t>recursion tree</a:t>
+            </a:r>
+            <a:endParaRPr lang="en-US" i="1" dirty="0"/>
+          </a:p>
+        </p:txBody>
+      </p:sp>
+    </p:spTree>
+    <p:extLst>
+      <p:ext uri="{BB962C8B-B14F-4D97-AF65-F5344CB8AC3E}">
+        <p14:creationId xmlns:p14="http://schemas.microsoft.com/office/powerpoint/2010/main" val="464601169"/>
+      </p:ext>
+    </p:extLst>
+  </p:cSld>
+  <p:clrMapOvr>
+    <a:masterClrMapping/>
+  </p:clrMapOvr>
+</p:sld>
+</file>
+
 <file path=ppt/slides/slide2.xml><?xml version="1.0" encoding="utf-8"?>
 <p:sld xmlns:a="http://schemas.openxmlformats.org/drawingml/2006/main" xmlns:r="http://schemas.openxmlformats.org/officeDocument/2006/relationships" xmlns:p="http://schemas.openxmlformats.org/presentationml/2006/main">
   <p:cSld>
@@ -4408,7 +5173,7 @@
           <a:p>
             <a:r>
               <a:rPr lang="en-US" dirty="0" smtClean="0"/>
-              <a:t>How many edges are on path between p and q?</a:t>
+              <a:t>How many edges are on paths between p and q?</a:t>
             </a:r>
           </a:p>
           <a:p>
@@ -5596,7 +6361,7 @@
           <a:p>
             <a:r>
               <a:rPr lang="en-US" dirty="0" smtClean="0"/>
-              <a:t>Can p reach q?</a:t>
+              <a:t>Are there cycles?</a:t>
             </a:r>
             <a:endParaRPr lang="en-US" dirty="0"/>
           </a:p>
@@ -5619,7 +6384,7 @@
           <a:p>
             <a:r>
               <a:rPr lang="en-US" dirty="0" smtClean="0"/>
-              <a:t>Need two sets, one for avoiding cycles, another for reached</a:t>
+              <a:t>If we run into same node in seen set, return True</a:t>
             </a:r>
             <a:endParaRPr lang="en-US" dirty="0"/>
           </a:p>
@@ -5639,8 +6404,8 @@
         </p:nvSpPr>
         <p:spPr>
           <a:xfrm>
-            <a:off x="1964748" y="2360534"/>
-            <a:ext cx="8262504" cy="3816429"/>
+            <a:off x="2263487" y="2349747"/>
+            <a:ext cx="7914408" cy="3785652"/>
           </a:xfrm>
           <a:prstGeom prst="rect">
             <a:avLst/>
@@ -5659,7 +6424,7 @@
           <a:lstStyle/>
           <a:p>
             <a:r>
-              <a:rPr lang="en-US" sz="2200" dirty="0" err="1">
+              <a:rPr lang="en-US" sz="2400" dirty="0" err="1">
                 <a:latin typeface="Monaco" charset="0"/>
                 <a:ea typeface="Monaco" charset="0"/>
                 <a:cs typeface="Monaco" charset="0"/>
@@ -5667,15 +6432,31 @@
               <a:t>def</a:t>
             </a:r>
             <a:r>
-              <a:rPr lang="en-US" sz="2200" dirty="0">
-                <a:latin typeface="Monaco" charset="0"/>
-                <a:ea typeface="Monaco" charset="0"/>
-                <a:cs typeface="Monaco" charset="0"/>
-              </a:rPr>
-              <a:t> reachable(</a:t>
-            </a:r>
-            <a:r>
-              <a:rPr lang="en-US" sz="2200" dirty="0" err="1">
+              <a:rPr lang="en-US" sz="2400" dirty="0">
+                <a:latin typeface="Monaco" charset="0"/>
+                <a:ea typeface="Monaco" charset="0"/>
+                <a:cs typeface="Monaco" charset="0"/>
+              </a:rPr>
+              <a:t> </a:t>
+            </a:r>
+            <a:r>
+              <a:rPr lang="en-US" sz="2400" dirty="0" err="1" smtClean="0">
+                <a:latin typeface="Monaco" charset="0"/>
+                <a:ea typeface="Monaco" charset="0"/>
+                <a:cs typeface="Monaco" charset="0"/>
+              </a:rPr>
+              <a:t>iscyclic</a:t>
+            </a:r>
+            <a:r>
+              <a:rPr lang="en-US" sz="2400" dirty="0" smtClean="0">
+                <a:latin typeface="Monaco" charset="0"/>
+                <a:ea typeface="Monaco" charset="0"/>
+                <a:cs typeface="Monaco" charset="0"/>
+              </a:rPr>
+              <a:t>_(</a:t>
+            </a:r>
+            <a:r>
+              <a:rPr lang="en-US" sz="2400" dirty="0" err="1" smtClean="0">
                 <a:latin typeface="Monaco" charset="0"/>
                 <a:ea typeface="Monaco" charset="0"/>
                 <a:cs typeface="Monaco" charset="0"/>
@@ -5683,78 +6464,41 @@
               <a:t>p:Node</a:t>
             </a:r>
             <a:r>
-              <a:rPr lang="en-US" sz="2200" dirty="0">
-                <a:latin typeface="Monaco" charset="0"/>
-                <a:ea typeface="Monaco" charset="0"/>
-                <a:cs typeface="Monaco" charset="0"/>
-              </a:rPr>
-              <a:t>) -&gt; set:</a:t>
-            </a:r>
-          </a:p>
-          <a:p>
-            <a:r>
-              <a:rPr lang="mr-IN" sz="2200" dirty="0">
-                <a:latin typeface="Monaco" charset="0"/>
-                <a:ea typeface="Monaco" charset="0"/>
-                <a:cs typeface="Monaco" charset="0"/>
-              </a:rPr>
-              <a:t>    </a:t>
-            </a:r>
-            <a:r>
-              <a:rPr lang="mr-IN" sz="2200" dirty="0" err="1">
-                <a:latin typeface="Monaco" charset="0"/>
-                <a:ea typeface="Monaco" charset="0"/>
-                <a:cs typeface="Monaco" charset="0"/>
-              </a:rPr>
-              <a:t>reaches</a:t>
-            </a:r>
-            <a:r>
-              <a:rPr lang="mr-IN" sz="2200" dirty="0">
-                <a:latin typeface="Monaco" charset="0"/>
-                <a:ea typeface="Monaco" charset="0"/>
-                <a:cs typeface="Monaco" charset="0"/>
-              </a:rPr>
-              <a:t> = </a:t>
-            </a:r>
-            <a:r>
-              <a:rPr lang="mr-IN" sz="2200" dirty="0" err="1">
-                <a:latin typeface="Monaco" charset="0"/>
-                <a:ea typeface="Monaco" charset="0"/>
-                <a:cs typeface="Monaco" charset="0"/>
-              </a:rPr>
-              <a:t>set</a:t>
-            </a:r>
-            <a:r>
-              <a:rPr lang="mr-IN" sz="2200" dirty="0">
-                <a:latin typeface="Monaco" charset="0"/>
-                <a:ea typeface="Monaco" charset="0"/>
-                <a:cs typeface="Monaco" charset="0"/>
-              </a:rPr>
-              <a:t>();</a:t>
-            </a:r>
-          </a:p>
-          <a:p>
-            <a:r>
-              <a:rPr lang="en-US" sz="2200" dirty="0">
-                <a:latin typeface="Monaco" charset="0"/>
-                <a:ea typeface="Monaco" charset="0"/>
-                <a:cs typeface="Monaco" charset="0"/>
-              </a:rPr>
-              <a:t>    reachable_(p, reaches, set())</a:t>
-            </a:r>
-          </a:p>
-          <a:p>
-            <a:r>
-              <a:rPr lang="en-US" sz="2200" dirty="0">
-                <a:latin typeface="Monaco" charset="0"/>
-                <a:ea typeface="Monaco" charset="0"/>
-                <a:cs typeface="Monaco" charset="0"/>
-              </a:rPr>
-              <a:t>    return reaches</a:t>
-            </a:r>
-          </a:p>
-          <a:p>
-            <a:endParaRPr lang="en-US" sz="2200" dirty="0">
+              <a:rPr lang="en-US" sz="2400" dirty="0" smtClean="0">
+                <a:latin typeface="Monaco" charset="0"/>
+                <a:ea typeface="Monaco" charset="0"/>
+                <a:cs typeface="Monaco" charset="0"/>
+              </a:rPr>
+              <a:t>) </a:t>
+            </a:r>
+            <a:r>
+              <a:rPr lang="en-US" sz="2400" dirty="0">
+                <a:latin typeface="Monaco" charset="0"/>
+                <a:ea typeface="Monaco" charset="0"/>
+                <a:cs typeface="Monaco" charset="0"/>
+              </a:rPr>
+              <a:t>-&gt; </a:t>
+            </a:r>
+            <a:r>
+              <a:rPr lang="en-US" sz="2400" dirty="0" smtClean="0">
+                <a:solidFill>
+                  <a:schemeClr val="accent1"/>
+                </a:solidFill>
+                <a:latin typeface="Monaco" charset="0"/>
+                <a:ea typeface="Monaco" charset="0"/>
+                <a:cs typeface="Monaco" charset="0"/>
+              </a:rPr>
+              <a:t>bool</a:t>
+            </a:r>
+            <a:r>
+              <a:rPr lang="en-US" sz="2400" dirty="0" smtClean="0">
+                <a:latin typeface="Monaco" charset="0"/>
+                <a:ea typeface="Monaco" charset="0"/>
+                <a:cs typeface="Monaco" charset="0"/>
+              </a:rPr>
+              <a:t>:</a:t>
+            </a:r>
+            <a:endParaRPr lang="en-US" sz="2400" dirty="0">
               <a:latin typeface="Monaco" charset="0"/>
               <a:ea typeface="Monaco" charset="0"/>
               <a:cs typeface="Monaco" charset="0"/>
@@ -5762,83 +6506,7 @@
           </a:p>
           <a:p>
             <a:r>
-              <a:rPr lang="en-US" sz="2200" dirty="0" err="1">
-                <a:latin typeface="Monaco" charset="0"/>
-                <a:ea typeface="Monaco" charset="0"/>
-                <a:cs typeface="Monaco" charset="0"/>
-              </a:rPr>
-              <a:t>def</a:t>
-            </a:r>
-            <a:r>
-              <a:rPr lang="en-US" sz="2200" dirty="0">
-                <a:latin typeface="Monaco" charset="0"/>
-                <a:ea typeface="Monaco" charset="0"/>
-                <a:cs typeface="Monaco" charset="0"/>
-              </a:rPr>
-              <a:t> reachable_(</a:t>
-            </a:r>
-            <a:r>
-              <a:rPr lang="en-US" sz="2200" dirty="0" err="1">
-                <a:latin typeface="Monaco" charset="0"/>
-                <a:ea typeface="Monaco" charset="0"/>
-                <a:cs typeface="Monaco" charset="0"/>
-              </a:rPr>
-              <a:t>p:Node</a:t>
-            </a:r>
-            <a:r>
-              <a:rPr lang="en-US" sz="2200" dirty="0">
-                <a:latin typeface="Monaco" charset="0"/>
-                <a:ea typeface="Monaco" charset="0"/>
-                <a:cs typeface="Monaco" charset="0"/>
-              </a:rPr>
-              <a:t>, </a:t>
-            </a:r>
-            <a:r>
-              <a:rPr lang="en-US" sz="2200" dirty="0" err="1">
-                <a:latin typeface="Monaco" charset="0"/>
-                <a:ea typeface="Monaco" charset="0"/>
-                <a:cs typeface="Monaco" charset="0"/>
-              </a:rPr>
-              <a:t>reaches:set</a:t>
-            </a:r>
-            <a:r>
-              <a:rPr lang="en-US" sz="2200" dirty="0">
-                <a:latin typeface="Monaco" charset="0"/>
-                <a:ea typeface="Monaco" charset="0"/>
-                <a:cs typeface="Monaco" charset="0"/>
-              </a:rPr>
-              <a:t>, </a:t>
-            </a:r>
-            <a:r>
-              <a:rPr lang="en-US" sz="2200" dirty="0" err="1">
-                <a:latin typeface="Monaco" charset="0"/>
-                <a:ea typeface="Monaco" charset="0"/>
-                <a:cs typeface="Monaco" charset="0"/>
-              </a:rPr>
-              <a:t>seen:set</a:t>
-            </a:r>
-            <a:r>
-              <a:rPr lang="en-US" sz="2200" dirty="0">
-                <a:latin typeface="Monaco" charset="0"/>
-                <a:ea typeface="Monaco" charset="0"/>
-                <a:cs typeface="Monaco" charset="0"/>
-              </a:rPr>
-              <a:t>):</a:t>
-            </a:r>
-          </a:p>
-          <a:p>
-            <a:r>
-              <a:rPr lang="en-US" sz="2200" dirty="0">
-                <a:latin typeface="Monaco" charset="0"/>
-                <a:ea typeface="Monaco" charset="0"/>
-                <a:cs typeface="Monaco" charset="0"/>
-              </a:rPr>
-              <a:t>    if p in seen: return</a:t>
-            </a:r>
-          </a:p>
-          <a:p>
-            <a:r>
-              <a:rPr lang="mr-IN" sz="2200" dirty="0">
+              <a:rPr lang="en-US" sz="2400" dirty="0" smtClean="0">
                 <a:latin typeface="Monaco" charset="0"/>
                 <a:ea typeface="Monaco" charset="0"/>
                 <a:cs typeface="Monaco" charset="0"/>
@@ -5846,127 +6514,412 @@
               <a:t>    </a:t>
             </a:r>
             <a:r>
-              <a:rPr lang="mr-IN" sz="2200" dirty="0" err="1">
-                <a:latin typeface="Monaco" charset="0"/>
-                <a:ea typeface="Monaco" charset="0"/>
-                <a:cs typeface="Monaco" charset="0"/>
-              </a:rPr>
-              <a:t>seen.add</a:t>
-            </a:r>
-            <a:r>
-              <a:rPr lang="mr-IN" sz="2200" dirty="0">
-                <a:latin typeface="Monaco" charset="0"/>
-                <a:ea typeface="Monaco" charset="0"/>
-                <a:cs typeface="Monaco" charset="0"/>
-              </a:rPr>
-              <a:t>(</a:t>
-            </a:r>
-            <a:r>
-              <a:rPr lang="mr-IN" sz="2200" dirty="0" err="1">
-                <a:latin typeface="Monaco" charset="0"/>
-                <a:ea typeface="Monaco" charset="0"/>
-                <a:cs typeface="Monaco" charset="0"/>
-              </a:rPr>
-              <a:t>p</a:t>
-            </a:r>
-            <a:r>
-              <a:rPr lang="mr-IN" sz="2200" dirty="0">
-                <a:latin typeface="Monaco" charset="0"/>
-                <a:ea typeface="Monaco" charset="0"/>
-                <a:cs typeface="Monaco" charset="0"/>
-              </a:rPr>
-              <a:t>)</a:t>
-            </a:r>
-          </a:p>
-          <a:p>
-            <a:r>
-              <a:rPr lang="en-US" sz="2200" dirty="0">
-                <a:latin typeface="Monaco" charset="0"/>
-                <a:ea typeface="Monaco" charset="0"/>
-                <a:cs typeface="Monaco" charset="0"/>
-              </a:rPr>
-              <a:t>    for q in </a:t>
-            </a:r>
-            <a:r>
-              <a:rPr lang="en-US" sz="2200" dirty="0" err="1">
-                <a:latin typeface="Monaco" charset="0"/>
-                <a:ea typeface="Monaco" charset="0"/>
-                <a:cs typeface="Monaco" charset="0"/>
-              </a:rPr>
-              <a:t>p.edges</a:t>
-            </a:r>
-            <a:r>
-              <a:rPr lang="en-US" sz="2200" dirty="0">
-                <a:latin typeface="Monaco" charset="0"/>
-                <a:ea typeface="Monaco" charset="0"/>
-                <a:cs typeface="Monaco" charset="0"/>
-              </a:rPr>
-              <a:t>:</a:t>
-            </a:r>
-          </a:p>
-          <a:p>
-            <a:r>
-              <a:rPr lang="mr-IN" sz="2200" dirty="0">
-                <a:latin typeface="Monaco" charset="0"/>
-                <a:ea typeface="Monaco" charset="0"/>
-                <a:cs typeface="Monaco" charset="0"/>
-              </a:rPr>
-              <a:t>        </a:t>
-            </a:r>
-            <a:r>
-              <a:rPr lang="mr-IN" sz="2200" dirty="0" err="1">
-                <a:latin typeface="Monaco" charset="0"/>
-                <a:ea typeface="Monaco" charset="0"/>
-                <a:cs typeface="Monaco" charset="0"/>
-              </a:rPr>
-              <a:t>reaches.add</a:t>
-            </a:r>
-            <a:r>
-              <a:rPr lang="mr-IN" sz="2200" dirty="0">
-                <a:latin typeface="Monaco" charset="0"/>
-                <a:ea typeface="Monaco" charset="0"/>
-                <a:cs typeface="Monaco" charset="0"/>
-              </a:rPr>
-              <a:t>(</a:t>
-            </a:r>
-            <a:r>
-              <a:rPr lang="mr-IN" sz="2200" dirty="0" err="1">
-                <a:latin typeface="Monaco" charset="0"/>
-                <a:ea typeface="Monaco" charset="0"/>
-                <a:cs typeface="Monaco" charset="0"/>
-              </a:rPr>
-              <a:t>q</a:t>
-            </a:r>
-            <a:r>
-              <a:rPr lang="mr-IN" sz="2200" dirty="0">
-                <a:latin typeface="Monaco" charset="0"/>
-                <a:ea typeface="Monaco" charset="0"/>
-                <a:cs typeface="Monaco" charset="0"/>
-              </a:rPr>
-              <a:t>)</a:t>
-            </a:r>
-          </a:p>
-          <a:p>
-            <a:r>
-              <a:rPr lang="en-US" sz="2200" dirty="0">
-                <a:latin typeface="Monaco" charset="0"/>
-                <a:ea typeface="Monaco" charset="0"/>
-                <a:cs typeface="Monaco" charset="0"/>
-              </a:rPr>
-              <a:t>        reachable_(q, reaches, seen)</a:t>
-            </a:r>
-            <a:endParaRPr lang="en-US" sz="2200" dirty="0" smtClean="0">
+              <a:rPr lang="en-US" sz="2400" dirty="0" smtClean="0">
+                <a:solidFill>
+                  <a:schemeClr val="accent1"/>
+                </a:solidFill>
+                <a:latin typeface="Monaco" charset="0"/>
+                <a:ea typeface="Monaco" charset="0"/>
+                <a:cs typeface="Monaco" charset="0"/>
+              </a:rPr>
+              <a:t>return</a:t>
+            </a:r>
+            <a:r>
+              <a:rPr lang="en-US" sz="2400" dirty="0" smtClean="0">
+                <a:latin typeface="Monaco" charset="0"/>
+                <a:ea typeface="Monaco" charset="0"/>
+                <a:cs typeface="Monaco" charset="0"/>
+              </a:rPr>
+              <a:t> </a:t>
+            </a:r>
+            <a:r>
+              <a:rPr lang="en-US" sz="2400" dirty="0" err="1" smtClean="0">
+                <a:latin typeface="Monaco" charset="0"/>
+                <a:ea typeface="Monaco" charset="0"/>
+                <a:cs typeface="Monaco" charset="0"/>
+              </a:rPr>
+              <a:t>iscyclic</a:t>
+            </a:r>
+            <a:r>
+              <a:rPr lang="en-US" sz="2400" dirty="0" smtClean="0">
+                <a:latin typeface="Monaco" charset="0"/>
+                <a:ea typeface="Monaco" charset="0"/>
+                <a:cs typeface="Monaco" charset="0"/>
+              </a:rPr>
+              <a:t>_(</a:t>
+            </a:r>
+            <a:r>
+              <a:rPr lang="en-US" sz="2400" dirty="0" smtClean="0">
+                <a:latin typeface="Monaco" charset="0"/>
+                <a:ea typeface="Monaco" charset="0"/>
+                <a:cs typeface="Monaco" charset="0"/>
+              </a:rPr>
+              <a:t>p, set())</a:t>
+            </a:r>
+          </a:p>
+          <a:p>
+            <a:endParaRPr lang="en-US" sz="2400" dirty="0" smtClean="0">
               <a:latin typeface="Monaco" charset="0"/>
               <a:ea typeface="Monaco" charset="0"/>
               <a:cs typeface="Monaco" charset="0"/>
             </a:endParaRPr>
           </a:p>
+          <a:p>
+            <a:r>
+              <a:rPr lang="en-US" sz="2400" dirty="0" err="1" smtClean="0">
+                <a:latin typeface="Monaco" charset="0"/>
+                <a:ea typeface="Monaco" charset="0"/>
+                <a:cs typeface="Monaco" charset="0"/>
+              </a:rPr>
+              <a:t>def</a:t>
+            </a:r>
+            <a:r>
+              <a:rPr lang="en-US" sz="2400" dirty="0">
+                <a:latin typeface="Monaco" charset="0"/>
+                <a:ea typeface="Monaco" charset="0"/>
+                <a:cs typeface="Monaco" charset="0"/>
+              </a:rPr>
+              <a:t> </a:t>
+            </a:r>
+            <a:r>
+              <a:rPr lang="en-US" sz="2400" dirty="0" err="1" smtClean="0">
+                <a:latin typeface="Monaco" charset="0"/>
+                <a:ea typeface="Monaco" charset="0"/>
+                <a:cs typeface="Monaco" charset="0"/>
+              </a:rPr>
+              <a:t>iscyclic</a:t>
+            </a:r>
+            <a:r>
+              <a:rPr lang="en-US" sz="2400" dirty="0" smtClean="0">
+                <a:latin typeface="Monaco" charset="0"/>
+                <a:ea typeface="Monaco" charset="0"/>
+                <a:cs typeface="Monaco" charset="0"/>
+              </a:rPr>
+              <a:t>_(</a:t>
+            </a:r>
+            <a:r>
+              <a:rPr lang="en-US" sz="2400" dirty="0" err="1">
+                <a:latin typeface="Monaco" charset="0"/>
+                <a:ea typeface="Monaco" charset="0"/>
+                <a:cs typeface="Monaco" charset="0"/>
+              </a:rPr>
+              <a:t>p:Node</a:t>
+            </a:r>
+            <a:r>
+              <a:rPr lang="en-US" sz="2400" dirty="0">
+                <a:latin typeface="Monaco" charset="0"/>
+                <a:ea typeface="Monaco" charset="0"/>
+                <a:cs typeface="Monaco" charset="0"/>
+              </a:rPr>
+              <a:t>, </a:t>
+            </a:r>
+            <a:r>
+              <a:rPr lang="en-US" sz="2400" dirty="0" err="1" smtClean="0">
+                <a:latin typeface="Monaco" charset="0"/>
+                <a:ea typeface="Monaco" charset="0"/>
+                <a:cs typeface="Monaco" charset="0"/>
+              </a:rPr>
+              <a:t>seen:set</a:t>
+            </a:r>
+            <a:r>
+              <a:rPr lang="en-US" sz="2400" dirty="0" smtClean="0">
+                <a:latin typeface="Monaco" charset="0"/>
+                <a:ea typeface="Monaco" charset="0"/>
+                <a:cs typeface="Monaco" charset="0"/>
+              </a:rPr>
+              <a:t>) </a:t>
+            </a:r>
+            <a:r>
+              <a:rPr lang="en-US" sz="2400" dirty="0">
+                <a:latin typeface="Monaco" charset="0"/>
+                <a:ea typeface="Monaco" charset="0"/>
+                <a:cs typeface="Monaco" charset="0"/>
+              </a:rPr>
+              <a:t>-&gt; </a:t>
+            </a:r>
+            <a:r>
+              <a:rPr lang="en-US" sz="2400" dirty="0" smtClean="0">
+                <a:latin typeface="Monaco" charset="0"/>
+                <a:ea typeface="Monaco" charset="0"/>
+                <a:cs typeface="Monaco" charset="0"/>
+              </a:rPr>
+              <a:t>bool:</a:t>
+            </a:r>
+            <a:endParaRPr lang="en-US" sz="2400" dirty="0">
+              <a:latin typeface="Monaco" charset="0"/>
+              <a:ea typeface="Monaco" charset="0"/>
+              <a:cs typeface="Monaco" charset="0"/>
+            </a:endParaRPr>
+          </a:p>
+          <a:p>
+            <a:r>
+              <a:rPr lang="en-US" sz="2400" dirty="0" smtClean="0">
+                <a:latin typeface="Monaco" charset="0"/>
+                <a:ea typeface="Monaco" charset="0"/>
+                <a:cs typeface="Monaco" charset="0"/>
+              </a:rPr>
+              <a:t>    if </a:t>
+            </a:r>
+            <a:r>
+              <a:rPr lang="en-US" sz="2400" dirty="0">
+                <a:latin typeface="Monaco" charset="0"/>
+                <a:ea typeface="Monaco" charset="0"/>
+                <a:cs typeface="Monaco" charset="0"/>
+              </a:rPr>
+              <a:t>p in seen: </a:t>
+            </a:r>
+            <a:r>
+              <a:rPr lang="en-US" sz="2400" dirty="0" smtClean="0">
+                <a:latin typeface="Monaco" charset="0"/>
+                <a:ea typeface="Monaco" charset="0"/>
+                <a:cs typeface="Monaco" charset="0"/>
+              </a:rPr>
+              <a:t>return </a:t>
+            </a:r>
+            <a:r>
+              <a:rPr lang="en-US" sz="2400" dirty="0" smtClean="0">
+                <a:solidFill>
+                  <a:schemeClr val="accent1"/>
+                </a:solidFill>
+                <a:latin typeface="Monaco" charset="0"/>
+                <a:ea typeface="Monaco" charset="0"/>
+                <a:cs typeface="Monaco" charset="0"/>
+              </a:rPr>
+              <a:t>True</a:t>
+            </a:r>
+            <a:endParaRPr lang="en-US" sz="2400" dirty="0">
+              <a:solidFill>
+                <a:schemeClr val="accent1"/>
+              </a:solidFill>
+              <a:latin typeface="Monaco" charset="0"/>
+              <a:ea typeface="Monaco" charset="0"/>
+              <a:cs typeface="Monaco" charset="0"/>
+            </a:endParaRPr>
+          </a:p>
+          <a:p>
+            <a:r>
+              <a:rPr lang="en-US" sz="2400" dirty="0">
+                <a:latin typeface="Monaco" charset="0"/>
+                <a:ea typeface="Monaco" charset="0"/>
+                <a:cs typeface="Monaco" charset="0"/>
+              </a:rPr>
+              <a:t>    </a:t>
+            </a:r>
+            <a:r>
+              <a:rPr lang="en-US" sz="2400" dirty="0" err="1">
+                <a:latin typeface="Monaco" charset="0"/>
+                <a:ea typeface="Monaco" charset="0"/>
+                <a:cs typeface="Monaco" charset="0"/>
+              </a:rPr>
+              <a:t>seen.add</a:t>
+            </a:r>
+            <a:r>
+              <a:rPr lang="en-US" sz="2400" dirty="0">
+                <a:latin typeface="Monaco" charset="0"/>
+                <a:ea typeface="Monaco" charset="0"/>
+                <a:cs typeface="Monaco" charset="0"/>
+              </a:rPr>
+              <a:t>(p)</a:t>
+            </a:r>
+          </a:p>
+          <a:p>
+            <a:r>
+              <a:rPr lang="en-US" sz="2400" dirty="0" smtClean="0">
+                <a:latin typeface="Monaco" charset="0"/>
+                <a:ea typeface="Monaco" charset="0"/>
+                <a:cs typeface="Monaco" charset="0"/>
+              </a:rPr>
+              <a:t>    for </a:t>
+            </a:r>
+            <a:r>
+              <a:rPr lang="en-US" sz="2400" dirty="0">
+                <a:latin typeface="Monaco" charset="0"/>
+                <a:ea typeface="Monaco" charset="0"/>
+                <a:cs typeface="Monaco" charset="0"/>
+              </a:rPr>
+              <a:t>q in </a:t>
+            </a:r>
+            <a:r>
+              <a:rPr lang="en-US" sz="2400" dirty="0" err="1">
+                <a:latin typeface="Monaco" charset="0"/>
+                <a:ea typeface="Monaco" charset="0"/>
+                <a:cs typeface="Monaco" charset="0"/>
+              </a:rPr>
+              <a:t>p.edges</a:t>
+            </a:r>
+            <a:r>
+              <a:rPr lang="en-US" sz="2400" dirty="0">
+                <a:latin typeface="Monaco" charset="0"/>
+                <a:ea typeface="Monaco" charset="0"/>
+                <a:cs typeface="Monaco" charset="0"/>
+              </a:rPr>
+              <a:t>:</a:t>
+            </a:r>
+          </a:p>
+          <a:p>
+            <a:r>
+              <a:rPr lang="en-US" sz="2400" dirty="0" smtClean="0">
+                <a:latin typeface="Monaco" charset="0"/>
+                <a:ea typeface="Monaco" charset="0"/>
+                <a:cs typeface="Monaco" charset="0"/>
+              </a:rPr>
+              <a:t>        c = </a:t>
+            </a:r>
+            <a:r>
+              <a:rPr lang="en-US" sz="2400" dirty="0" err="1" smtClean="0">
+                <a:latin typeface="Monaco" charset="0"/>
+                <a:ea typeface="Monaco" charset="0"/>
+                <a:cs typeface="Monaco" charset="0"/>
+              </a:rPr>
+              <a:t>iscyclic</a:t>
+            </a:r>
+            <a:r>
+              <a:rPr lang="en-US" sz="2400" dirty="0" smtClean="0">
+                <a:latin typeface="Monaco" charset="0"/>
+                <a:ea typeface="Monaco" charset="0"/>
+                <a:cs typeface="Monaco" charset="0"/>
+              </a:rPr>
+              <a:t>_(</a:t>
+            </a:r>
+            <a:r>
+              <a:rPr lang="en-US" sz="2400" dirty="0">
+                <a:latin typeface="Monaco" charset="0"/>
+                <a:ea typeface="Monaco" charset="0"/>
+                <a:cs typeface="Monaco" charset="0"/>
+              </a:rPr>
+              <a:t>q, seen</a:t>
+            </a:r>
+            <a:r>
+              <a:rPr lang="en-US" sz="2400" dirty="0" smtClean="0">
+                <a:latin typeface="Monaco" charset="0"/>
+                <a:ea typeface="Monaco" charset="0"/>
+                <a:cs typeface="Monaco" charset="0"/>
+              </a:rPr>
+              <a:t>)</a:t>
+            </a:r>
+          </a:p>
+          <a:p>
+            <a:r>
+              <a:rPr lang="en-US" sz="2400" dirty="0">
+                <a:latin typeface="Monaco" charset="0"/>
+                <a:ea typeface="Monaco" charset="0"/>
+                <a:cs typeface="Monaco" charset="0"/>
+              </a:rPr>
+              <a:t> </a:t>
+            </a:r>
+            <a:r>
+              <a:rPr lang="en-US" sz="2400" dirty="0" smtClean="0">
+                <a:latin typeface="Monaco" charset="0"/>
+                <a:ea typeface="Monaco" charset="0"/>
+                <a:cs typeface="Monaco" charset="0"/>
+              </a:rPr>
+              <a:t>       </a:t>
+            </a:r>
+            <a:r>
+              <a:rPr lang="en-US" sz="2400" dirty="0" smtClean="0">
+                <a:solidFill>
+                  <a:schemeClr val="accent1"/>
+                </a:solidFill>
+                <a:latin typeface="Monaco" charset="0"/>
+                <a:ea typeface="Monaco" charset="0"/>
+                <a:cs typeface="Monaco" charset="0"/>
+              </a:rPr>
+              <a:t>if c: return True # we can stop</a:t>
+            </a:r>
+          </a:p>
+          <a:p>
+            <a:r>
+              <a:rPr lang="en-US" sz="2400" dirty="0">
+                <a:latin typeface="Monaco" charset="0"/>
+                <a:ea typeface="Monaco" charset="0"/>
+                <a:cs typeface="Monaco" charset="0"/>
+              </a:rPr>
+              <a:t> </a:t>
+            </a:r>
+            <a:r>
+              <a:rPr lang="en-US" sz="2400" dirty="0" smtClean="0">
+                <a:latin typeface="Monaco" charset="0"/>
+                <a:ea typeface="Monaco" charset="0"/>
+                <a:cs typeface="Monaco" charset="0"/>
+              </a:rPr>
+              <a:t>   return </a:t>
+            </a:r>
+            <a:r>
+              <a:rPr lang="en-US" sz="2400" dirty="0" smtClean="0">
+                <a:solidFill>
+                  <a:schemeClr val="accent1"/>
+                </a:solidFill>
+                <a:latin typeface="Monaco" charset="0"/>
+                <a:ea typeface="Monaco" charset="0"/>
+                <a:cs typeface="Monaco" charset="0"/>
+              </a:rPr>
+              <a:t>False</a:t>
+            </a:r>
+            <a:endParaRPr lang="en-US" sz="2400" dirty="0">
+              <a:solidFill>
+                <a:schemeClr val="accent1"/>
+              </a:solidFill>
+              <a:latin typeface="Monaco" charset="0"/>
+              <a:ea typeface="Monaco" charset="0"/>
+              <a:cs typeface="Monaco" charset="0"/>
+            </a:endParaRPr>
+          </a:p>
+        </p:txBody>
+      </p:sp>
+      <p:sp>
+        <p:nvSpPr>
+          <p:cNvPr id="5" name="TextBox 4"/>
+          <p:cNvSpPr txBox="1"/>
+          <p:nvPr/>
+        </p:nvSpPr>
+        <p:spPr>
+          <a:xfrm>
+            <a:off x="1076677" y="6176963"/>
+            <a:ext cx="5283819" cy="430887"/>
+          </a:xfrm>
+          <a:prstGeom prst="rect">
+            <a:avLst/>
+          </a:prstGeom>
+          <a:noFill/>
+        </p:spPr>
+        <p:txBody>
+          <a:bodyPr wrap="none" rtlCol="0">
+            <a:spAutoFit/>
+          </a:bodyPr>
+          <a:lstStyle/>
+          <a:p>
+            <a:r>
+              <a:rPr lang="en-US" sz="2200" dirty="0" smtClean="0"/>
+              <a:t>Could also test “</a:t>
+            </a:r>
+            <a:r>
+              <a:rPr lang="en-US" sz="2200" dirty="0" smtClean="0">
+                <a:latin typeface="Monaco" charset="0"/>
+                <a:ea typeface="Monaco" charset="0"/>
+                <a:cs typeface="Monaco" charset="0"/>
+              </a:rPr>
+              <a:t>p in reachable(p)</a:t>
+            </a:r>
+            <a:r>
+              <a:rPr lang="en-US" sz="2200" dirty="0" smtClean="0">
+                <a:latin typeface="Arial" charset="0"/>
+                <a:ea typeface="Arial" charset="0"/>
+                <a:cs typeface="Arial" charset="0"/>
+              </a:rPr>
+              <a:t>”</a:t>
+            </a:r>
+            <a:endParaRPr lang="en-US" sz="2200" dirty="0">
+              <a:latin typeface="Arial" charset="0"/>
+              <a:ea typeface="Arial" charset="0"/>
+              <a:cs typeface="Arial" charset="0"/>
+            </a:endParaRPr>
+          </a:p>
         </p:txBody>
       </p:sp>
     </p:spTree>
     <p:extLst>
       <p:ext uri="{BB962C8B-B14F-4D97-AF65-F5344CB8AC3E}">
-        <p14:creationId xmlns:p14="http://schemas.microsoft.com/office/powerpoint/2010/main" val="1619132646"/>
+        <p14:creationId xmlns:p14="http://schemas.microsoft.com/office/powerpoint/2010/main" val="2109500284"/>
       </p:ext>
     </p:extLst>
   </p:cSld>
@@ -6010,7 +6963,7 @@
           <a:p>
             <a:r>
               <a:rPr lang="en-US" dirty="0" smtClean="0"/>
-              <a:t>Are there cycles?</a:t>
+              <a:t>Can p reach q?</a:t>
             </a:r>
             <a:endParaRPr lang="en-US" dirty="0"/>
           </a:p>
@@ -6033,7 +6986,7 @@
           <a:p>
             <a:r>
               <a:rPr lang="en-US" dirty="0" smtClean="0"/>
-              <a:t>If we run into same node in seen set, return True</a:t>
+              <a:t>Need two sets, one for avoiding cycles, another for reached</a:t>
             </a:r>
             <a:endParaRPr lang="en-US" dirty="0"/>
           </a:p>
@@ -6053,8 +7006,8 @@
         </p:nvSpPr>
         <p:spPr>
           <a:xfrm>
-            <a:off x="2325832" y="2477800"/>
-            <a:ext cx="7914408" cy="3416320"/>
+            <a:off x="1964748" y="2495471"/>
+            <a:ext cx="8262504" cy="3816429"/>
           </a:xfrm>
           <a:prstGeom prst="rect">
             <a:avLst/>
@@ -6073,7 +7026,7 @@
           <a:lstStyle/>
           <a:p>
             <a:r>
-              <a:rPr lang="en-US" sz="2400" dirty="0" err="1">
+              <a:rPr lang="en-US" sz="2200" dirty="0" err="1">
                 <a:latin typeface="Monaco" charset="0"/>
                 <a:ea typeface="Monaco" charset="0"/>
                 <a:cs typeface="Monaco" charset="0"/>
@@ -6081,31 +7034,15 @@
               <a:t>def</a:t>
             </a:r>
             <a:r>
-              <a:rPr lang="en-US" sz="2400" dirty="0">
-                <a:latin typeface="Monaco" charset="0"/>
-                <a:ea typeface="Monaco" charset="0"/>
-                <a:cs typeface="Monaco" charset="0"/>
-              </a:rPr>
-              <a:t> </a:t>
-            </a:r>
-            <a:r>
-              <a:rPr lang="en-US" sz="2400" dirty="0" err="1" smtClean="0">
-                <a:latin typeface="Monaco" charset="0"/>
-                <a:ea typeface="Monaco" charset="0"/>
-                <a:cs typeface="Monaco" charset="0"/>
-              </a:rPr>
-              <a:t>iscyclic</a:t>
-            </a:r>
-            <a:r>
-              <a:rPr lang="en-US" sz="2400" dirty="0" smtClean="0">
-                <a:latin typeface="Monaco" charset="0"/>
-                <a:ea typeface="Monaco" charset="0"/>
-                <a:cs typeface="Monaco" charset="0"/>
-              </a:rPr>
-              <a:t>_(</a:t>
-            </a:r>
-            <a:r>
-              <a:rPr lang="en-US" sz="2400" dirty="0" err="1" smtClean="0">
+              <a:rPr lang="en-US" sz="2200" dirty="0">
+                <a:latin typeface="Monaco" charset="0"/>
+                <a:ea typeface="Monaco" charset="0"/>
+                <a:cs typeface="Monaco" charset="0"/>
+              </a:rPr>
+              <a:t> reachable(</a:t>
+            </a:r>
+            <a:r>
+              <a:rPr lang="en-US" sz="2200" dirty="0" err="1">
                 <a:latin typeface="Monaco" charset="0"/>
                 <a:ea typeface="Monaco" charset="0"/>
                 <a:cs typeface="Monaco" charset="0"/>
@@ -6113,30 +7050,127 @@
               <a:t>p:Node</a:t>
             </a:r>
             <a:r>
-              <a:rPr lang="en-US" sz="2400" dirty="0" smtClean="0">
-                <a:latin typeface="Monaco" charset="0"/>
-                <a:ea typeface="Monaco" charset="0"/>
-                <a:cs typeface="Monaco" charset="0"/>
-              </a:rPr>
-              <a:t>) </a:t>
-            </a:r>
-            <a:r>
-              <a:rPr lang="en-US" sz="2400" dirty="0">
-                <a:latin typeface="Monaco" charset="0"/>
-                <a:ea typeface="Monaco" charset="0"/>
-                <a:cs typeface="Monaco" charset="0"/>
-              </a:rPr>
-              <a:t>-&gt; </a:t>
-            </a:r>
-            <a:r>
-              <a:rPr lang="en-US" sz="2400" dirty="0" smtClean="0">
-                <a:latin typeface="Monaco" charset="0"/>
-                <a:ea typeface="Monaco" charset="0"/>
-                <a:cs typeface="Monaco" charset="0"/>
-              </a:rPr>
-              <a:t>bool:</a:t>
-            </a:r>
-            <a:endParaRPr lang="en-US" sz="2400" dirty="0">
+              <a:rPr lang="en-US" sz="2200" dirty="0">
+                <a:latin typeface="Monaco" charset="0"/>
+                <a:ea typeface="Monaco" charset="0"/>
+                <a:cs typeface="Monaco" charset="0"/>
+              </a:rPr>
+              <a:t>) -&gt; </a:t>
+            </a:r>
+            <a:r>
+              <a:rPr lang="en-US" sz="2200" dirty="0">
+                <a:solidFill>
+                  <a:schemeClr val="accent1"/>
+                </a:solidFill>
+                <a:latin typeface="Monaco" charset="0"/>
+                <a:ea typeface="Monaco" charset="0"/>
+                <a:cs typeface="Monaco" charset="0"/>
+              </a:rPr>
+              <a:t>set</a:t>
+            </a:r>
+            <a:r>
+              <a:rPr lang="en-US" sz="2200" dirty="0">
+                <a:latin typeface="Monaco" charset="0"/>
+                <a:ea typeface="Monaco" charset="0"/>
+                <a:cs typeface="Monaco" charset="0"/>
+              </a:rPr>
+              <a:t>:</a:t>
+            </a:r>
+          </a:p>
+          <a:p>
+            <a:r>
+              <a:rPr lang="mr-IN" sz="2200" dirty="0">
+                <a:latin typeface="Monaco" charset="0"/>
+                <a:ea typeface="Monaco" charset="0"/>
+                <a:cs typeface="Monaco" charset="0"/>
+              </a:rPr>
+              <a:t>    </a:t>
+            </a:r>
+            <a:r>
+              <a:rPr lang="mr-IN" sz="2200" dirty="0" err="1">
+                <a:latin typeface="Monaco" charset="0"/>
+                <a:ea typeface="Monaco" charset="0"/>
+                <a:cs typeface="Monaco" charset="0"/>
+              </a:rPr>
+              <a:t>reaches</a:t>
+            </a:r>
+            <a:r>
+              <a:rPr lang="mr-IN" sz="2200" dirty="0">
+                <a:latin typeface="Monaco" charset="0"/>
+                <a:ea typeface="Monaco" charset="0"/>
+                <a:cs typeface="Monaco" charset="0"/>
+              </a:rPr>
+              <a:t> = </a:t>
+            </a:r>
+            <a:r>
+              <a:rPr lang="mr-IN" sz="2200" dirty="0" err="1">
+                <a:latin typeface="Monaco" charset="0"/>
+                <a:ea typeface="Monaco" charset="0"/>
+                <a:cs typeface="Monaco" charset="0"/>
+              </a:rPr>
+              <a:t>set</a:t>
+            </a:r>
+            <a:r>
+              <a:rPr lang="mr-IN" sz="2200" dirty="0">
+                <a:latin typeface="Monaco" charset="0"/>
+                <a:ea typeface="Monaco" charset="0"/>
+                <a:cs typeface="Monaco" charset="0"/>
+              </a:rPr>
+              <a:t>();</a:t>
+            </a:r>
+          </a:p>
+          <a:p>
+            <a:r>
+              <a:rPr lang="en-US" sz="2200" dirty="0">
+                <a:latin typeface="Monaco" charset="0"/>
+                <a:ea typeface="Monaco" charset="0"/>
+                <a:cs typeface="Monaco" charset="0"/>
+              </a:rPr>
+              <a:t>    reachable_(p, </a:t>
+            </a:r>
+            <a:r>
+              <a:rPr lang="en-US" sz="2200" dirty="0">
+                <a:solidFill>
+                  <a:schemeClr val="accent1"/>
+                </a:solidFill>
+                <a:latin typeface="Monaco" charset="0"/>
+                <a:ea typeface="Monaco" charset="0"/>
+                <a:cs typeface="Monaco" charset="0"/>
+              </a:rPr>
+              <a:t>reaches</a:t>
+            </a:r>
+            <a:r>
+              <a:rPr lang="en-US" sz="2200" dirty="0">
+                <a:latin typeface="Monaco" charset="0"/>
+                <a:ea typeface="Monaco" charset="0"/>
+                <a:cs typeface="Monaco" charset="0"/>
+              </a:rPr>
+              <a:t>, set())</a:t>
+            </a:r>
+          </a:p>
+          <a:p>
+            <a:r>
+              <a:rPr lang="en-US" sz="2200" dirty="0">
+                <a:latin typeface="Monaco" charset="0"/>
+                <a:ea typeface="Monaco" charset="0"/>
+                <a:cs typeface="Monaco" charset="0"/>
+              </a:rPr>
+              <a:t>    </a:t>
+            </a:r>
+            <a:r>
+              <a:rPr lang="en-US" sz="2200" dirty="0">
+                <a:solidFill>
+                  <a:schemeClr val="accent1"/>
+                </a:solidFill>
+                <a:latin typeface="Monaco" charset="0"/>
+                <a:ea typeface="Monaco" charset="0"/>
+                <a:cs typeface="Monaco" charset="0"/>
+              </a:rPr>
+              <a:t>return reaches</a:t>
+            </a:r>
+          </a:p>
+          <a:p>
+            <a:endParaRPr lang="en-US" sz="2200" dirty="0">
               <a:latin typeface="Monaco" charset="0"/>
               <a:ea typeface="Monaco" charset="0"/>
               <a:cs typeface="Monaco" charset="0"/>
@@ -6144,294 +7178,226 @@
           </a:p>
           <a:p>
             <a:r>
-              <a:rPr lang="en-US" sz="2400" dirty="0" smtClean="0">
-                <a:latin typeface="Monaco" charset="0"/>
-                <a:ea typeface="Monaco" charset="0"/>
-                <a:cs typeface="Monaco" charset="0"/>
-              </a:rPr>
-              <a:t>    return </a:t>
-            </a:r>
-            <a:r>
-              <a:rPr lang="en-US" sz="2400" dirty="0" err="1" smtClean="0">
-                <a:latin typeface="Monaco" charset="0"/>
-                <a:ea typeface="Monaco" charset="0"/>
-                <a:cs typeface="Monaco" charset="0"/>
-              </a:rPr>
-              <a:t>iscyclic</a:t>
-            </a:r>
-            <a:r>
-              <a:rPr lang="en-US" sz="2400" dirty="0" smtClean="0">
-                <a:latin typeface="Monaco" charset="0"/>
-                <a:ea typeface="Monaco" charset="0"/>
-                <a:cs typeface="Monaco" charset="0"/>
-              </a:rPr>
-              <a:t>_(</a:t>
-            </a:r>
-            <a:r>
-              <a:rPr lang="en-US" sz="2400" dirty="0" smtClean="0">
-                <a:latin typeface="Monaco" charset="0"/>
-                <a:ea typeface="Monaco" charset="0"/>
-                <a:cs typeface="Monaco" charset="0"/>
-              </a:rPr>
-              <a:t>p, set())</a:t>
-            </a:r>
-          </a:p>
-          <a:p>
-            <a:endParaRPr lang="en-US" sz="2400" dirty="0" smtClean="0">
+              <a:rPr lang="en-US" sz="2200" dirty="0" err="1">
+                <a:latin typeface="Monaco" charset="0"/>
+                <a:ea typeface="Monaco" charset="0"/>
+                <a:cs typeface="Monaco" charset="0"/>
+              </a:rPr>
+              <a:t>def</a:t>
+            </a:r>
+            <a:r>
+              <a:rPr lang="en-US" sz="2200" dirty="0">
+                <a:latin typeface="Monaco" charset="0"/>
+                <a:ea typeface="Monaco" charset="0"/>
+                <a:cs typeface="Monaco" charset="0"/>
+              </a:rPr>
+              <a:t> reachable_(</a:t>
+            </a:r>
+            <a:r>
+              <a:rPr lang="en-US" sz="2200" dirty="0" err="1">
+                <a:latin typeface="Monaco" charset="0"/>
+                <a:ea typeface="Monaco" charset="0"/>
+                <a:cs typeface="Monaco" charset="0"/>
+              </a:rPr>
+              <a:t>p:Node</a:t>
+            </a:r>
+            <a:r>
+              <a:rPr lang="en-US" sz="2200" dirty="0">
+                <a:latin typeface="Monaco" charset="0"/>
+                <a:ea typeface="Monaco" charset="0"/>
+                <a:cs typeface="Monaco" charset="0"/>
+              </a:rPr>
+              <a:t>, </a:t>
+            </a:r>
+            <a:r>
+              <a:rPr lang="en-US" sz="2200" dirty="0" err="1">
+                <a:solidFill>
+                  <a:schemeClr val="accent1"/>
+                </a:solidFill>
+                <a:latin typeface="Monaco" charset="0"/>
+                <a:ea typeface="Monaco" charset="0"/>
+                <a:cs typeface="Monaco" charset="0"/>
+              </a:rPr>
+              <a:t>reaches:set</a:t>
+            </a:r>
+            <a:r>
+              <a:rPr lang="en-US" sz="2200" dirty="0">
+                <a:latin typeface="Monaco" charset="0"/>
+                <a:ea typeface="Monaco" charset="0"/>
+                <a:cs typeface="Monaco" charset="0"/>
+              </a:rPr>
+              <a:t>, </a:t>
+            </a:r>
+            <a:r>
+              <a:rPr lang="en-US" sz="2200" dirty="0" err="1">
+                <a:latin typeface="Monaco" charset="0"/>
+                <a:ea typeface="Monaco" charset="0"/>
+                <a:cs typeface="Monaco" charset="0"/>
+              </a:rPr>
+              <a:t>seen:set</a:t>
+            </a:r>
+            <a:r>
+              <a:rPr lang="en-US" sz="2200" dirty="0">
+                <a:latin typeface="Monaco" charset="0"/>
+                <a:ea typeface="Monaco" charset="0"/>
+                <a:cs typeface="Monaco" charset="0"/>
+              </a:rPr>
+              <a:t>):</a:t>
+            </a:r>
+          </a:p>
+          <a:p>
+            <a:r>
+              <a:rPr lang="en-US" sz="2200" dirty="0">
+                <a:latin typeface="Monaco" charset="0"/>
+                <a:ea typeface="Monaco" charset="0"/>
+                <a:cs typeface="Monaco" charset="0"/>
+              </a:rPr>
+              <a:t>    if p in seen: return</a:t>
+            </a:r>
+          </a:p>
+          <a:p>
+            <a:r>
+              <a:rPr lang="mr-IN" sz="2200" dirty="0">
+                <a:latin typeface="Monaco" charset="0"/>
+                <a:ea typeface="Monaco" charset="0"/>
+                <a:cs typeface="Monaco" charset="0"/>
+              </a:rPr>
+              <a:t>    </a:t>
+            </a:r>
+            <a:r>
+              <a:rPr lang="mr-IN" sz="2200" dirty="0" err="1">
+                <a:latin typeface="Monaco" charset="0"/>
+                <a:ea typeface="Monaco" charset="0"/>
+                <a:cs typeface="Monaco" charset="0"/>
+              </a:rPr>
+              <a:t>seen.add</a:t>
+            </a:r>
+            <a:r>
+              <a:rPr lang="mr-IN" sz="2200" dirty="0">
+                <a:latin typeface="Monaco" charset="0"/>
+                <a:ea typeface="Monaco" charset="0"/>
+                <a:cs typeface="Monaco" charset="0"/>
+              </a:rPr>
+              <a:t>(</a:t>
+            </a:r>
+            <a:r>
+              <a:rPr lang="mr-IN" sz="2200" dirty="0" err="1">
+                <a:latin typeface="Monaco" charset="0"/>
+                <a:ea typeface="Monaco" charset="0"/>
+                <a:cs typeface="Monaco" charset="0"/>
+              </a:rPr>
+              <a:t>p</a:t>
+            </a:r>
+            <a:r>
+              <a:rPr lang="mr-IN" sz="2200" dirty="0">
+                <a:latin typeface="Monaco" charset="0"/>
+                <a:ea typeface="Monaco" charset="0"/>
+                <a:cs typeface="Monaco" charset="0"/>
+              </a:rPr>
+              <a:t>)</a:t>
+            </a:r>
+          </a:p>
+          <a:p>
+            <a:r>
+              <a:rPr lang="en-US" sz="2200" dirty="0">
+                <a:latin typeface="Monaco" charset="0"/>
+                <a:ea typeface="Monaco" charset="0"/>
+                <a:cs typeface="Monaco" charset="0"/>
+              </a:rPr>
+              <a:t>    for q in </a:t>
+            </a:r>
+            <a:r>
+              <a:rPr lang="en-US" sz="2200" dirty="0" err="1">
+                <a:latin typeface="Monaco" charset="0"/>
+                <a:ea typeface="Monaco" charset="0"/>
+                <a:cs typeface="Monaco" charset="0"/>
+              </a:rPr>
+              <a:t>p.edges</a:t>
+            </a:r>
+            <a:r>
+              <a:rPr lang="en-US" sz="2200" dirty="0">
+                <a:latin typeface="Monaco" charset="0"/>
+                <a:ea typeface="Monaco" charset="0"/>
+                <a:cs typeface="Monaco" charset="0"/>
+              </a:rPr>
+              <a:t>:</a:t>
+            </a:r>
+          </a:p>
+          <a:p>
+            <a:r>
+              <a:rPr lang="mr-IN" sz="2200" dirty="0">
+                <a:latin typeface="Monaco" charset="0"/>
+                <a:ea typeface="Monaco" charset="0"/>
+                <a:cs typeface="Monaco" charset="0"/>
+              </a:rPr>
+              <a:t>        </a:t>
+            </a:r>
+            <a:r>
+              <a:rPr lang="mr-IN" sz="2200" dirty="0" err="1">
+                <a:solidFill>
+                  <a:schemeClr val="accent1"/>
+                </a:solidFill>
+                <a:latin typeface="Monaco" charset="0"/>
+                <a:ea typeface="Monaco" charset="0"/>
+                <a:cs typeface="Monaco" charset="0"/>
+              </a:rPr>
+              <a:t>reaches.add</a:t>
+            </a:r>
+            <a:r>
+              <a:rPr lang="mr-IN" sz="2200" dirty="0">
+                <a:solidFill>
+                  <a:schemeClr val="accent1"/>
+                </a:solidFill>
+                <a:latin typeface="Monaco" charset="0"/>
+                <a:ea typeface="Monaco" charset="0"/>
+                <a:cs typeface="Monaco" charset="0"/>
+              </a:rPr>
+              <a:t>(</a:t>
+            </a:r>
+            <a:r>
+              <a:rPr lang="mr-IN" sz="2200" dirty="0" err="1">
+                <a:solidFill>
+                  <a:schemeClr val="accent1"/>
+                </a:solidFill>
+                <a:latin typeface="Monaco" charset="0"/>
+                <a:ea typeface="Monaco" charset="0"/>
+                <a:cs typeface="Monaco" charset="0"/>
+              </a:rPr>
+              <a:t>q</a:t>
+            </a:r>
+            <a:r>
+              <a:rPr lang="mr-IN" sz="2200" dirty="0">
+                <a:solidFill>
+                  <a:schemeClr val="accent1"/>
+                </a:solidFill>
+                <a:latin typeface="Monaco" charset="0"/>
+                <a:ea typeface="Monaco" charset="0"/>
+                <a:cs typeface="Monaco" charset="0"/>
+              </a:rPr>
+              <a:t>)</a:t>
+            </a:r>
+          </a:p>
+          <a:p>
+            <a:r>
+              <a:rPr lang="en-US" sz="2200" dirty="0">
+                <a:latin typeface="Monaco" charset="0"/>
+                <a:ea typeface="Monaco" charset="0"/>
+                <a:cs typeface="Monaco" charset="0"/>
+              </a:rPr>
+              <a:t>        reachable_(q, reaches, seen)</a:t>
+            </a:r>
+            <a:endParaRPr lang="en-US" sz="2200" dirty="0" smtClean="0">
               <a:latin typeface="Monaco" charset="0"/>
               <a:ea typeface="Monaco" charset="0"/>
               <a:cs typeface="Monaco" charset="0"/>
             </a:endParaRPr>
           </a:p>
-          <a:p>
-            <a:r>
-              <a:rPr lang="en-US" sz="2400" dirty="0" err="1" smtClean="0">
-                <a:latin typeface="Monaco" charset="0"/>
-                <a:ea typeface="Monaco" charset="0"/>
-                <a:cs typeface="Monaco" charset="0"/>
-              </a:rPr>
-              <a:t>def</a:t>
-            </a:r>
-            <a:r>
-              <a:rPr lang="en-US" sz="2400" dirty="0">
-                <a:latin typeface="Monaco" charset="0"/>
-                <a:ea typeface="Monaco" charset="0"/>
-                <a:cs typeface="Monaco" charset="0"/>
-              </a:rPr>
-              <a:t> </a:t>
-            </a:r>
-            <a:r>
-              <a:rPr lang="en-US" sz="2400" dirty="0" err="1" smtClean="0">
-                <a:latin typeface="Monaco" charset="0"/>
-                <a:ea typeface="Monaco" charset="0"/>
-                <a:cs typeface="Monaco" charset="0"/>
-              </a:rPr>
-              <a:t>iscyclic</a:t>
-            </a:r>
-            <a:r>
-              <a:rPr lang="en-US" sz="2400" dirty="0" smtClean="0">
-                <a:latin typeface="Monaco" charset="0"/>
-                <a:ea typeface="Monaco" charset="0"/>
-                <a:cs typeface="Monaco" charset="0"/>
-              </a:rPr>
-              <a:t>_(</a:t>
-            </a:r>
-            <a:r>
-              <a:rPr lang="en-US" sz="2400" dirty="0" err="1">
-                <a:latin typeface="Monaco" charset="0"/>
-                <a:ea typeface="Monaco" charset="0"/>
-                <a:cs typeface="Monaco" charset="0"/>
-              </a:rPr>
-              <a:t>p:Node</a:t>
-            </a:r>
-            <a:r>
-              <a:rPr lang="en-US" sz="2400" dirty="0">
-                <a:latin typeface="Monaco" charset="0"/>
-                <a:ea typeface="Monaco" charset="0"/>
-                <a:cs typeface="Monaco" charset="0"/>
-              </a:rPr>
-              <a:t>, </a:t>
-            </a:r>
-            <a:r>
-              <a:rPr lang="en-US" sz="2400" dirty="0" err="1" smtClean="0">
-                <a:latin typeface="Monaco" charset="0"/>
-                <a:ea typeface="Monaco" charset="0"/>
-                <a:cs typeface="Monaco" charset="0"/>
-              </a:rPr>
-              <a:t>seen:set</a:t>
-            </a:r>
-            <a:r>
-              <a:rPr lang="en-US" sz="2400" dirty="0" smtClean="0">
-                <a:latin typeface="Monaco" charset="0"/>
-                <a:ea typeface="Monaco" charset="0"/>
-                <a:cs typeface="Monaco" charset="0"/>
-              </a:rPr>
-              <a:t>) </a:t>
-            </a:r>
-            <a:r>
-              <a:rPr lang="en-US" sz="2400" dirty="0">
-                <a:latin typeface="Monaco" charset="0"/>
-                <a:ea typeface="Monaco" charset="0"/>
-                <a:cs typeface="Monaco" charset="0"/>
-              </a:rPr>
-              <a:t>-&gt; </a:t>
-            </a:r>
-            <a:r>
-              <a:rPr lang="en-US" sz="2400" dirty="0" smtClean="0">
-                <a:latin typeface="Monaco" charset="0"/>
-                <a:ea typeface="Monaco" charset="0"/>
-                <a:cs typeface="Monaco" charset="0"/>
-              </a:rPr>
-              <a:t>bool:</a:t>
-            </a:r>
-            <a:endParaRPr lang="en-US" sz="2400" dirty="0">
-              <a:latin typeface="Monaco" charset="0"/>
-              <a:ea typeface="Monaco" charset="0"/>
-              <a:cs typeface="Monaco" charset="0"/>
-            </a:endParaRPr>
-          </a:p>
-          <a:p>
-            <a:r>
-              <a:rPr lang="en-US" sz="2400" dirty="0" smtClean="0">
-                <a:latin typeface="Monaco" charset="0"/>
-                <a:ea typeface="Monaco" charset="0"/>
-                <a:cs typeface="Monaco" charset="0"/>
-              </a:rPr>
-              <a:t>    if </a:t>
-            </a:r>
-            <a:r>
-              <a:rPr lang="en-US" sz="2400" dirty="0">
-                <a:latin typeface="Monaco" charset="0"/>
-                <a:ea typeface="Monaco" charset="0"/>
-                <a:cs typeface="Monaco" charset="0"/>
-              </a:rPr>
-              <a:t>p in seen: </a:t>
-            </a:r>
-            <a:r>
-              <a:rPr lang="en-US" sz="2400" dirty="0" smtClean="0">
-                <a:latin typeface="Monaco" charset="0"/>
-                <a:ea typeface="Monaco" charset="0"/>
-                <a:cs typeface="Monaco" charset="0"/>
-              </a:rPr>
-              <a:t>return True</a:t>
-            </a:r>
-            <a:endParaRPr lang="en-US" sz="2400" dirty="0">
-              <a:latin typeface="Monaco" charset="0"/>
-              <a:ea typeface="Monaco" charset="0"/>
-              <a:cs typeface="Monaco" charset="0"/>
-            </a:endParaRPr>
-          </a:p>
-          <a:p>
-            <a:r>
-              <a:rPr lang="en-US" sz="2400" dirty="0">
-                <a:latin typeface="Monaco" charset="0"/>
-                <a:ea typeface="Monaco" charset="0"/>
-                <a:cs typeface="Monaco" charset="0"/>
-              </a:rPr>
-              <a:t>    </a:t>
-            </a:r>
-            <a:r>
-              <a:rPr lang="en-US" sz="2400" dirty="0" err="1">
-                <a:latin typeface="Monaco" charset="0"/>
-                <a:ea typeface="Monaco" charset="0"/>
-                <a:cs typeface="Monaco" charset="0"/>
-              </a:rPr>
-              <a:t>seen.add</a:t>
-            </a:r>
-            <a:r>
-              <a:rPr lang="en-US" sz="2400" dirty="0">
-                <a:latin typeface="Monaco" charset="0"/>
-                <a:ea typeface="Monaco" charset="0"/>
-                <a:cs typeface="Monaco" charset="0"/>
-              </a:rPr>
-              <a:t>(p)</a:t>
-            </a:r>
-          </a:p>
-          <a:p>
-            <a:r>
-              <a:rPr lang="en-US" sz="2400" dirty="0" smtClean="0">
-                <a:latin typeface="Monaco" charset="0"/>
-                <a:ea typeface="Monaco" charset="0"/>
-                <a:cs typeface="Monaco" charset="0"/>
-              </a:rPr>
-              <a:t>    for </a:t>
-            </a:r>
-            <a:r>
-              <a:rPr lang="en-US" sz="2400" dirty="0">
-                <a:latin typeface="Monaco" charset="0"/>
-                <a:ea typeface="Monaco" charset="0"/>
-                <a:cs typeface="Monaco" charset="0"/>
-              </a:rPr>
-              <a:t>q in </a:t>
-            </a:r>
-            <a:r>
-              <a:rPr lang="en-US" sz="2400" dirty="0" err="1">
-                <a:latin typeface="Monaco" charset="0"/>
-                <a:ea typeface="Monaco" charset="0"/>
-                <a:cs typeface="Monaco" charset="0"/>
-              </a:rPr>
-              <a:t>p.edges</a:t>
-            </a:r>
-            <a:r>
-              <a:rPr lang="en-US" sz="2400" dirty="0">
-                <a:latin typeface="Monaco" charset="0"/>
-                <a:ea typeface="Monaco" charset="0"/>
-                <a:cs typeface="Monaco" charset="0"/>
-              </a:rPr>
-              <a:t>:</a:t>
-            </a:r>
-          </a:p>
-          <a:p>
-            <a:r>
-              <a:rPr lang="en-US" sz="2400" dirty="0" smtClean="0">
-                <a:latin typeface="Monaco" charset="0"/>
-                <a:ea typeface="Monaco" charset="0"/>
-                <a:cs typeface="Monaco" charset="0"/>
-              </a:rPr>
-              <a:t>        c = </a:t>
-            </a:r>
-            <a:r>
-              <a:rPr lang="en-US" sz="2400" dirty="0" err="1" smtClean="0">
-                <a:latin typeface="Monaco" charset="0"/>
-                <a:ea typeface="Monaco" charset="0"/>
-                <a:cs typeface="Monaco" charset="0"/>
-              </a:rPr>
-              <a:t>iscyclic</a:t>
-            </a:r>
-            <a:r>
-              <a:rPr lang="en-US" sz="2400" dirty="0" smtClean="0">
-                <a:latin typeface="Monaco" charset="0"/>
-                <a:ea typeface="Monaco" charset="0"/>
-                <a:cs typeface="Monaco" charset="0"/>
-              </a:rPr>
-              <a:t>_(</a:t>
-            </a:r>
-            <a:r>
-              <a:rPr lang="en-US" sz="2400" dirty="0">
-                <a:latin typeface="Monaco" charset="0"/>
-                <a:ea typeface="Monaco" charset="0"/>
-                <a:cs typeface="Monaco" charset="0"/>
-              </a:rPr>
-              <a:t>q, seen</a:t>
-            </a:r>
-            <a:r>
-              <a:rPr lang="en-US" sz="2400" dirty="0" smtClean="0">
-                <a:latin typeface="Monaco" charset="0"/>
-                <a:ea typeface="Monaco" charset="0"/>
-                <a:cs typeface="Monaco" charset="0"/>
-              </a:rPr>
-              <a:t>)</a:t>
-            </a:r>
-          </a:p>
-          <a:p>
-            <a:r>
-              <a:rPr lang="en-US" sz="2400" dirty="0">
-                <a:latin typeface="Monaco" charset="0"/>
-                <a:ea typeface="Monaco" charset="0"/>
-                <a:cs typeface="Monaco" charset="0"/>
-              </a:rPr>
-              <a:t> </a:t>
-            </a:r>
-            <a:r>
-              <a:rPr lang="en-US" sz="2400" dirty="0" smtClean="0">
-                <a:latin typeface="Monaco" charset="0"/>
-                <a:ea typeface="Monaco" charset="0"/>
-                <a:cs typeface="Monaco" charset="0"/>
-              </a:rPr>
-              <a:t>       if c: return True # we can stop</a:t>
-            </a:r>
-            <a:endParaRPr lang="en-US" sz="2400" dirty="0">
-              <a:latin typeface="Monaco" charset="0"/>
-              <a:ea typeface="Monaco" charset="0"/>
-              <a:cs typeface="Monaco" charset="0"/>
-            </a:endParaRPr>
-          </a:p>
         </p:txBody>
       </p:sp>
     </p:spTree>
     <p:extLst>
       <p:ext uri="{BB962C8B-B14F-4D97-AF65-F5344CB8AC3E}">
-        <p14:creationId xmlns:p14="http://schemas.microsoft.com/office/powerpoint/2010/main" val="2109500284"/>
+        <p14:creationId xmlns:p14="http://schemas.microsoft.com/office/powerpoint/2010/main" val="1619132646"/>
       </p:ext>
     </p:extLst>
   </p:cSld>

--- a/notes/graphs.pptx
+++ b/notes/graphs.pptx
@@ -5,10 +5,10 @@
     <p:sldMasterId id="2147483672" r:id="rId1"/>
   </p:sldMasterIdLst>
   <p:notesMasterIdLst>
-    <p:notesMasterId r:id="rId12"/>
+    <p:notesMasterId r:id="rId15"/>
   </p:notesMasterIdLst>
   <p:handoutMasterIdLst>
-    <p:handoutMasterId r:id="rId13"/>
+    <p:handoutMasterId r:id="rId16"/>
   </p:handoutMasterIdLst>
   <p:sldIdLst>
     <p:sldId id="256" r:id="rId2"/>
@@ -17,10 +17,13 @@
     <p:sldId id="291" r:id="rId5"/>
     <p:sldId id="294" r:id="rId6"/>
     <p:sldId id="293" r:id="rId7"/>
-    <p:sldId id="295" r:id="rId8"/>
-    <p:sldId id="296" r:id="rId9"/>
-    <p:sldId id="297" r:id="rId10"/>
-    <p:sldId id="298" r:id="rId11"/>
+    <p:sldId id="299" r:id="rId8"/>
+    <p:sldId id="295" r:id="rId9"/>
+    <p:sldId id="296" r:id="rId10"/>
+    <p:sldId id="297" r:id="rId11"/>
+    <p:sldId id="298" r:id="rId12"/>
+    <p:sldId id="300" r:id="rId13"/>
+    <p:sldId id="301" r:id="rId14"/>
   </p:sldIdLst>
   <p:sldSz cx="12192000" cy="6858000"/>
   <p:notesSz cx="9144000" cy="6858000"/>
@@ -4079,7 +4082,30 @@
           <a:p>
             <a:r>
               <a:rPr lang="en-US" dirty="0" smtClean="0"/>
-              <a:t>What is path from p to q?</a:t>
+              <a:t>Can p reach q?</a:t>
+            </a:r>
+            <a:endParaRPr lang="en-US" dirty="0"/>
+          </a:p>
+        </p:txBody>
+      </p:sp>
+      <p:sp>
+        <p:nvSpPr>
+          <p:cNvPr id="3" name="Content Placeholder 2"/>
+          <p:cNvSpPr>
+            <a:spLocks noGrp="1"/>
+          </p:cNvSpPr>
+          <p:nvPr>
+            <p:ph idx="1"/>
+          </p:nvPr>
+        </p:nvSpPr>
+        <p:spPr/>
+        <p:txBody>
+          <a:bodyPr/>
+          <a:lstStyle/>
+          <a:p>
+            <a:r>
+              <a:rPr lang="en-US" dirty="0" smtClean="0"/>
+              <a:t>Need two sets, one for avoiding cycles, another for reached</a:t>
             </a:r>
             <a:endParaRPr lang="en-US" dirty="0"/>
           </a:p>
@@ -4099,8 +4125,8 @@
         </p:nvSpPr>
         <p:spPr>
           <a:xfrm>
-            <a:off x="222250" y="1552752"/>
-            <a:ext cx="8132041" cy="3816429"/>
+            <a:off x="1964748" y="2495471"/>
+            <a:ext cx="8478116" cy="3816429"/>
           </a:xfrm>
           <a:prstGeom prst="rect">
             <a:avLst/>
@@ -4132,7 +4158,7 @@
                 <a:ea typeface="Monaco" charset="0"/>
                 <a:cs typeface="Monaco" charset="0"/>
               </a:rPr>
-              <a:t> path(</a:t>
+              <a:t> reachable(</a:t>
             </a:r>
             <a:r>
               <a:rPr lang="en-US" sz="2200" dirty="0" err="1">
@@ -4141,22 +4167,6 @@
                 <a:cs typeface="Monaco" charset="0"/>
               </a:rPr>
               <a:t>p:Node</a:t>
-            </a:r>
-            <a:r>
-              <a:rPr lang="en-US" sz="2200" dirty="0">
-                <a:latin typeface="Monaco" charset="0"/>
-                <a:ea typeface="Monaco" charset="0"/>
-                <a:cs typeface="Monaco" charset="0"/>
-              </a:rPr>
-              <a:t>, </a:t>
-            </a:r>
-            <a:r>
-              <a:rPr lang="en-US" sz="2200" dirty="0" err="1">
-                <a:latin typeface="Monaco" charset="0"/>
-                <a:ea typeface="Monaco" charset="0"/>
-                <a:cs typeface="Monaco" charset="0"/>
-              </a:rPr>
-              <a:t>q:Node</a:t>
             </a:r>
             <a:r>
               <a:rPr lang="en-US" sz="2200" dirty="0">
@@ -4175,7 +4185,7 @@
                 <a:ea typeface="Monaco" charset="0"/>
                 <a:cs typeface="Monaco" charset="0"/>
               </a:rPr>
-              <a:t>list</a:t>
+              <a:t>set</a:t>
             </a:r>
             <a:r>
               <a:rPr lang="en-US" sz="2200" dirty="0">
@@ -4201,7 +4211,7 @@
                 <a:ea typeface="Monaco" charset="0"/>
                 <a:cs typeface="Monaco" charset="0"/>
               </a:rPr>
-              <a:t>return</a:t>
+              <a:t>reaches</a:t>
             </a:r>
             <a:r>
               <a:rPr lang="mr-IN" sz="2200" dirty="0">
@@ -4209,7 +4219,7 @@
                 <a:ea typeface="Monaco" charset="0"/>
                 <a:cs typeface="Monaco" charset="0"/>
               </a:rPr>
-              <a:t> </a:t>
+              <a:t> = </a:t>
             </a:r>
             <a:r>
               <a:rPr lang="mr-IN" sz="2200" dirty="0" err="1">
@@ -4217,7 +4227,7 @@
                 <a:ea typeface="Monaco" charset="0"/>
                 <a:cs typeface="Monaco" charset="0"/>
               </a:rPr>
-              <a:t>path</a:t>
+              <a:t>set</a:t>
             </a:r>
             <a:r>
               <a:rPr lang="mr-IN" sz="2200" dirty="0">
@@ -4225,42 +4235,20 @@
                 <a:ea typeface="Monaco" charset="0"/>
                 <a:cs typeface="Monaco" charset="0"/>
               </a:rPr>
-              <a:t>_(</a:t>
-            </a:r>
-            <a:r>
-              <a:rPr lang="mr-IN" sz="2200" dirty="0" err="1">
-                <a:latin typeface="Monaco" charset="0"/>
-                <a:ea typeface="Monaco" charset="0"/>
-                <a:cs typeface="Monaco" charset="0"/>
-              </a:rPr>
-              <a:t>p</a:t>
-            </a:r>
-            <a:r>
-              <a:rPr lang="mr-IN" sz="2200" dirty="0">
-                <a:latin typeface="Monaco" charset="0"/>
-                <a:ea typeface="Monaco" charset="0"/>
-                <a:cs typeface="Monaco" charset="0"/>
-              </a:rPr>
-              <a:t>, </a:t>
-            </a:r>
-            <a:r>
-              <a:rPr lang="mr-IN" sz="2200" dirty="0" err="1">
-                <a:latin typeface="Monaco" charset="0"/>
-                <a:ea typeface="Monaco" charset="0"/>
-                <a:cs typeface="Monaco" charset="0"/>
-              </a:rPr>
-              <a:t>q</a:t>
-            </a:r>
-            <a:r>
-              <a:rPr lang="mr-IN" sz="2200" dirty="0">
-                <a:latin typeface="Monaco" charset="0"/>
-                <a:ea typeface="Monaco" charset="0"/>
-                <a:cs typeface="Monaco" charset="0"/>
-              </a:rPr>
-              <a:t>, </a:t>
-            </a:r>
-            <a:r>
-              <a:rPr lang="mr-IN" sz="2200" dirty="0">
+              <a:t>();</a:t>
+            </a:r>
+          </a:p>
+          <a:p>
+            <a:r>
+              <a:rPr lang="en-US" sz="2200" dirty="0">
+                <a:latin typeface="Monaco" charset="0"/>
+                <a:ea typeface="Monaco" charset="0"/>
+                <a:cs typeface="Monaco" charset="0"/>
+              </a:rPr>
+              <a:t>    reachable_(p, </a:t>
+            </a:r>
+            <a:r>
+              <a:rPr lang="en-US" sz="2200" dirty="0">
                 <a:solidFill>
                   <a:schemeClr val="accent1"/>
                 </a:solidFill>
@@ -4268,10 +4256,28 @@
                 <a:ea typeface="Monaco" charset="0"/>
                 <a:cs typeface="Monaco" charset="0"/>
               </a:rPr>
-              <a:t>[</a:t>
-            </a:r>
-            <a:r>
-              <a:rPr lang="mr-IN" sz="2200" dirty="0" err="1">
+              <a:t>reaches</a:t>
+            </a:r>
+            <a:r>
+              <a:rPr lang="en-US" sz="2200" dirty="0">
+                <a:latin typeface="Monaco" charset="0"/>
+                <a:ea typeface="Monaco" charset="0"/>
+                <a:cs typeface="Monaco" charset="0"/>
+              </a:rPr>
+              <a:t>, set())</a:t>
+            </a:r>
+          </a:p>
+          <a:p>
+            <a:r>
+              <a:rPr lang="en-US" sz="2200" dirty="0">
+                <a:latin typeface="Monaco" charset="0"/>
+                <a:ea typeface="Monaco" charset="0"/>
+                <a:cs typeface="Monaco" charset="0"/>
+              </a:rPr>
+              <a:t>    </a:t>
+            </a:r>
+            <a:r>
+              <a:rPr lang="en-US" sz="2200" dirty="0">
                 <a:solidFill>
                   <a:schemeClr val="accent1"/>
                 </a:solidFill>
@@ -4279,10 +4285,51 @@
                 <a:ea typeface="Monaco" charset="0"/>
                 <a:cs typeface="Monaco" charset="0"/>
               </a:rPr>
-              <a:t>p</a:t>
-            </a:r>
-            <a:r>
-              <a:rPr lang="mr-IN" sz="2200" dirty="0">
+              <a:t>return reaches</a:t>
+            </a:r>
+          </a:p>
+          <a:p>
+            <a:endParaRPr lang="en-US" sz="2200" dirty="0">
+              <a:latin typeface="Monaco" charset="0"/>
+              <a:ea typeface="Monaco" charset="0"/>
+              <a:cs typeface="Monaco" charset="0"/>
+            </a:endParaRPr>
+          </a:p>
+          <a:p>
+            <a:r>
+              <a:rPr lang="en-US" sz="2200" dirty="0" err="1">
+                <a:latin typeface="Monaco" charset="0"/>
+                <a:ea typeface="Monaco" charset="0"/>
+                <a:cs typeface="Monaco" charset="0"/>
+              </a:rPr>
+              <a:t>def</a:t>
+            </a:r>
+            <a:r>
+              <a:rPr lang="en-US" sz="2200" dirty="0">
+                <a:latin typeface="Monaco" charset="0"/>
+                <a:ea typeface="Monaco" charset="0"/>
+                <a:cs typeface="Monaco" charset="0"/>
+              </a:rPr>
+              <a:t> reachable_(</a:t>
+            </a:r>
+            <a:r>
+              <a:rPr lang="en-US" sz="2200" dirty="0" err="1">
+                <a:latin typeface="Monaco" charset="0"/>
+                <a:ea typeface="Monaco" charset="0"/>
+                <a:cs typeface="Monaco" charset="0"/>
+              </a:rPr>
+              <a:t>p:Node</a:t>
+            </a:r>
+            <a:r>
+              <a:rPr lang="en-US" sz="2200" dirty="0">
+                <a:latin typeface="Monaco" charset="0"/>
+                <a:ea typeface="Monaco" charset="0"/>
+                <a:cs typeface="Monaco" charset="0"/>
+              </a:rPr>
+              <a:t>, </a:t>
+            </a:r>
+            <a:r>
+              <a:rPr lang="en-US" sz="2200" dirty="0" err="1">
                 <a:solidFill>
                   <a:schemeClr val="accent1"/>
                 </a:solidFill>
@@ -4290,34 +4337,132 @@
                 <a:ea typeface="Monaco" charset="0"/>
                 <a:cs typeface="Monaco" charset="0"/>
               </a:rPr>
-              <a:t>]</a:t>
-            </a:r>
+              <a:t>reaches:set</a:t>
+            </a:r>
+            <a:r>
+              <a:rPr lang="en-US" sz="2200" dirty="0">
+                <a:latin typeface="Monaco" charset="0"/>
+                <a:ea typeface="Monaco" charset="0"/>
+                <a:cs typeface="Monaco" charset="0"/>
+              </a:rPr>
+              <a:t>, </a:t>
+            </a:r>
+            <a:r>
+              <a:rPr lang="en-US" sz="2000" dirty="0" err="1">
+                <a:latin typeface="Monaco" charset="0"/>
+                <a:ea typeface="Monaco" charset="0"/>
+                <a:cs typeface="Monaco" charset="0"/>
+              </a:rPr>
+              <a:t>visited</a:t>
+            </a:r>
+            <a:r>
+              <a:rPr lang="en-US" sz="2200" dirty="0" err="1" smtClean="0">
+                <a:latin typeface="Monaco" charset="0"/>
+                <a:ea typeface="Monaco" charset="0"/>
+                <a:cs typeface="Monaco" charset="0"/>
+              </a:rPr>
+              <a:t>:set</a:t>
+            </a:r>
+            <a:r>
+              <a:rPr lang="en-US" sz="2200" dirty="0">
+                <a:latin typeface="Monaco" charset="0"/>
+                <a:ea typeface="Monaco" charset="0"/>
+                <a:cs typeface="Monaco" charset="0"/>
+              </a:rPr>
+              <a:t>):</a:t>
+            </a:r>
+          </a:p>
+          <a:p>
+            <a:r>
+              <a:rPr lang="en-US" sz="2200" dirty="0">
+                <a:latin typeface="Monaco" charset="0"/>
+                <a:ea typeface="Monaco" charset="0"/>
+                <a:cs typeface="Monaco" charset="0"/>
+              </a:rPr>
+              <a:t>    if p in </a:t>
+            </a:r>
+            <a:r>
+              <a:rPr lang="en-US" sz="2000" dirty="0">
+                <a:latin typeface="Monaco" charset="0"/>
+                <a:ea typeface="Monaco" charset="0"/>
+                <a:cs typeface="Monaco" charset="0"/>
+              </a:rPr>
+              <a:t>visited</a:t>
+            </a:r>
+            <a:r>
+              <a:rPr lang="en-US" sz="2200" dirty="0" smtClean="0">
+                <a:latin typeface="Monaco" charset="0"/>
+                <a:ea typeface="Monaco" charset="0"/>
+                <a:cs typeface="Monaco" charset="0"/>
+              </a:rPr>
+              <a:t>: </a:t>
+            </a:r>
+            <a:r>
+              <a:rPr lang="en-US" sz="2200" dirty="0">
+                <a:latin typeface="Monaco" charset="0"/>
+                <a:ea typeface="Monaco" charset="0"/>
+                <a:cs typeface="Monaco" charset="0"/>
+              </a:rPr>
+              <a:t>return</a:t>
+            </a:r>
+          </a:p>
+          <a:p>
             <a:r>
               <a:rPr lang="mr-IN" sz="2200" dirty="0">
                 <a:latin typeface="Monaco" charset="0"/>
                 <a:ea typeface="Monaco" charset="0"/>
                 <a:cs typeface="Monaco" charset="0"/>
               </a:rPr>
-              <a:t>, </a:t>
-            </a:r>
-            <a:r>
-              <a:rPr lang="mr-IN" sz="2200" dirty="0" err="1">
-                <a:latin typeface="Monaco" charset="0"/>
-                <a:ea typeface="Monaco" charset="0"/>
-                <a:cs typeface="Monaco" charset="0"/>
-              </a:rPr>
-              <a:t>set</a:t>
-            </a:r>
-            <a:r>
-              <a:rPr lang="mr-IN" sz="2200" dirty="0">
-                <a:latin typeface="Monaco" charset="0"/>
-                <a:ea typeface="Monaco" charset="0"/>
-                <a:cs typeface="Monaco" charset="0"/>
-              </a:rPr>
-              <a:t>())</a:t>
-            </a:r>
-          </a:p>
-          <a:p>
+              <a:t>    </a:t>
+            </a:r>
+            <a:r>
+              <a:rPr lang="en-US" sz="2000" dirty="0">
+                <a:latin typeface="Monaco" charset="0"/>
+                <a:ea typeface="Monaco" charset="0"/>
+                <a:cs typeface="Monaco" charset="0"/>
+              </a:rPr>
+              <a:t>visited</a:t>
+            </a:r>
+            <a:r>
+              <a:rPr lang="mr-IN" sz="2200" dirty="0" smtClean="0">
+                <a:latin typeface="Monaco" charset="0"/>
+                <a:ea typeface="Monaco" charset="0"/>
+                <a:cs typeface="Monaco" charset="0"/>
+              </a:rPr>
+              <a:t>.</a:t>
+            </a:r>
+            <a:r>
+              <a:rPr lang="mr-IN" sz="2200" dirty="0" err="1" smtClean="0">
+                <a:latin typeface="Monaco" charset="0"/>
+                <a:ea typeface="Monaco" charset="0"/>
+                <a:cs typeface="Monaco" charset="0"/>
+              </a:rPr>
+              <a:t>add</a:t>
+            </a:r>
+            <a:r>
+              <a:rPr lang="mr-IN" sz="2200" dirty="0" smtClean="0">
+                <a:latin typeface="Monaco" charset="0"/>
+                <a:ea typeface="Monaco" charset="0"/>
+                <a:cs typeface="Monaco" charset="0"/>
+              </a:rPr>
+              <a:t>(</a:t>
+            </a:r>
+            <a:r>
+              <a:rPr lang="mr-IN" sz="2200" dirty="0" err="1" smtClean="0">
+                <a:latin typeface="Monaco" charset="0"/>
+                <a:ea typeface="Monaco" charset="0"/>
+                <a:cs typeface="Monaco" charset="0"/>
+              </a:rPr>
+              <a:t>p</a:t>
+            </a:r>
+            <a:r>
+              <a:rPr lang="mr-IN" sz="2200" dirty="0" smtClean="0">
+                <a:latin typeface="Monaco" charset="0"/>
+                <a:ea typeface="Monaco" charset="0"/>
+                <a:cs typeface="Monaco" charset="0"/>
+              </a:rPr>
+              <a:t>)</a:t>
+            </a:r>
             <a:endParaRPr lang="mr-IN" sz="2200" dirty="0">
               <a:latin typeface="Monaco" charset="0"/>
               <a:ea typeface="Monaco" charset="0"/>
@@ -4326,6 +4471,456 @@
           </a:p>
           <a:p>
             <a:r>
+              <a:rPr lang="en-US" sz="2200" dirty="0">
+                <a:latin typeface="Monaco" charset="0"/>
+                <a:ea typeface="Monaco" charset="0"/>
+                <a:cs typeface="Monaco" charset="0"/>
+              </a:rPr>
+              <a:t>    for q in </a:t>
+            </a:r>
+            <a:r>
+              <a:rPr lang="en-US" sz="2200" dirty="0" err="1">
+                <a:latin typeface="Monaco" charset="0"/>
+                <a:ea typeface="Monaco" charset="0"/>
+                <a:cs typeface="Monaco" charset="0"/>
+              </a:rPr>
+              <a:t>p.edges</a:t>
+            </a:r>
+            <a:r>
+              <a:rPr lang="en-US" sz="2200" dirty="0">
+                <a:latin typeface="Monaco" charset="0"/>
+                <a:ea typeface="Monaco" charset="0"/>
+                <a:cs typeface="Monaco" charset="0"/>
+              </a:rPr>
+              <a:t>:</a:t>
+            </a:r>
+          </a:p>
+          <a:p>
+            <a:r>
+              <a:rPr lang="mr-IN" sz="2200" dirty="0">
+                <a:latin typeface="Monaco" charset="0"/>
+                <a:ea typeface="Monaco" charset="0"/>
+                <a:cs typeface="Monaco" charset="0"/>
+              </a:rPr>
+              <a:t>        </a:t>
+            </a:r>
+            <a:r>
+              <a:rPr lang="mr-IN" sz="2200" dirty="0" err="1">
+                <a:solidFill>
+                  <a:schemeClr val="accent1"/>
+                </a:solidFill>
+                <a:latin typeface="Monaco" charset="0"/>
+                <a:ea typeface="Monaco" charset="0"/>
+                <a:cs typeface="Monaco" charset="0"/>
+              </a:rPr>
+              <a:t>reaches.add</a:t>
+            </a:r>
+            <a:r>
+              <a:rPr lang="mr-IN" sz="2200" dirty="0">
+                <a:solidFill>
+                  <a:schemeClr val="accent1"/>
+                </a:solidFill>
+                <a:latin typeface="Monaco" charset="0"/>
+                <a:ea typeface="Monaco" charset="0"/>
+                <a:cs typeface="Monaco" charset="0"/>
+              </a:rPr>
+              <a:t>(</a:t>
+            </a:r>
+            <a:r>
+              <a:rPr lang="mr-IN" sz="2200" dirty="0" err="1">
+                <a:solidFill>
+                  <a:schemeClr val="accent1"/>
+                </a:solidFill>
+                <a:latin typeface="Monaco" charset="0"/>
+                <a:ea typeface="Monaco" charset="0"/>
+                <a:cs typeface="Monaco" charset="0"/>
+              </a:rPr>
+              <a:t>q</a:t>
+            </a:r>
+            <a:r>
+              <a:rPr lang="mr-IN" sz="2200" dirty="0">
+                <a:solidFill>
+                  <a:schemeClr val="accent1"/>
+                </a:solidFill>
+                <a:latin typeface="Monaco" charset="0"/>
+                <a:ea typeface="Monaco" charset="0"/>
+                <a:cs typeface="Monaco" charset="0"/>
+              </a:rPr>
+              <a:t>)</a:t>
+            </a:r>
+          </a:p>
+          <a:p>
+            <a:r>
+              <a:rPr lang="en-US" sz="2200" dirty="0">
+                <a:latin typeface="Monaco" charset="0"/>
+                <a:ea typeface="Monaco" charset="0"/>
+                <a:cs typeface="Monaco" charset="0"/>
+              </a:rPr>
+              <a:t>        reachable_(q, reaches, </a:t>
+            </a:r>
+            <a:r>
+              <a:rPr lang="en-US" sz="2000" dirty="0">
+                <a:latin typeface="Monaco" charset="0"/>
+                <a:ea typeface="Monaco" charset="0"/>
+                <a:cs typeface="Monaco" charset="0"/>
+              </a:rPr>
+              <a:t>visited</a:t>
+            </a:r>
+            <a:r>
+              <a:rPr lang="en-US" sz="2200" dirty="0" smtClean="0">
+                <a:latin typeface="Monaco" charset="0"/>
+                <a:ea typeface="Monaco" charset="0"/>
+                <a:cs typeface="Monaco" charset="0"/>
+              </a:rPr>
+              <a:t>)</a:t>
+            </a:r>
+          </a:p>
+        </p:txBody>
+      </p:sp>
+      <p:sp>
+        <p:nvSpPr>
+          <p:cNvPr id="5" name="TextBox 4"/>
+          <p:cNvSpPr txBox="1"/>
+          <p:nvPr/>
+        </p:nvSpPr>
+        <p:spPr>
+          <a:xfrm>
+            <a:off x="838200" y="6390409"/>
+            <a:ext cx="6827510" cy="369332"/>
+          </a:xfrm>
+          <a:prstGeom prst="rect">
+            <a:avLst/>
+          </a:prstGeom>
+          <a:noFill/>
+        </p:spPr>
+        <p:txBody>
+          <a:bodyPr wrap="none" rtlCol="0">
+            <a:spAutoFit/>
+          </a:bodyPr>
+          <a:lstStyle/>
+          <a:p>
+            <a:r>
+              <a:rPr lang="en-US" dirty="0"/>
+              <a:t>https://</a:t>
+            </a:r>
+            <a:r>
+              <a:rPr lang="en-US" dirty="0" err="1"/>
+              <a:t>github.com</a:t>
+            </a:r>
+            <a:r>
+              <a:rPr lang="en-US" dirty="0"/>
+              <a:t>/</a:t>
+            </a:r>
+            <a:r>
+              <a:rPr lang="en-US" dirty="0" err="1"/>
+              <a:t>parrt</a:t>
+            </a:r>
+            <a:r>
+              <a:rPr lang="en-US" dirty="0"/>
+              <a:t>/msds689/blob/master/notes/</a:t>
+            </a:r>
+            <a:r>
+              <a:rPr lang="en-US" dirty="0" err="1"/>
+              <a:t>graphs.ipynb</a:t>
+            </a:r>
+            <a:endParaRPr lang="en-US" dirty="0"/>
+          </a:p>
+        </p:txBody>
+      </p:sp>
+    </p:spTree>
+    <p:extLst>
+      <p:ext uri="{BB962C8B-B14F-4D97-AF65-F5344CB8AC3E}">
+        <p14:creationId xmlns:p14="http://schemas.microsoft.com/office/powerpoint/2010/main" val="1619132646"/>
+      </p:ext>
+    </p:extLst>
+  </p:cSld>
+  <p:clrMapOvr>
+    <a:masterClrMapping/>
+  </p:clrMapOvr>
+</p:sld>
+</file>
+
+<file path=ppt/slides/slide11.xml><?xml version="1.0" encoding="utf-8"?>
+<p:sld xmlns:a="http://schemas.openxmlformats.org/drawingml/2006/main" xmlns:r="http://schemas.openxmlformats.org/officeDocument/2006/relationships" xmlns:p="http://schemas.openxmlformats.org/presentationml/2006/main">
+  <p:cSld>
+    <p:spTree>
+      <p:nvGrpSpPr>
+        <p:cNvPr id="1" name=""/>
+        <p:cNvGrpSpPr/>
+        <p:nvPr/>
+      </p:nvGrpSpPr>
+      <p:grpSpPr>
+        <a:xfrm>
+          <a:off x="0" y="0"/>
+          <a:ext cx="0" cy="0"/>
+          <a:chOff x="0" y="0"/>
+          <a:chExt cx="0" cy="0"/>
+        </a:xfrm>
+      </p:grpSpPr>
+      <p:sp>
+        <p:nvSpPr>
+          <p:cNvPr id="2" name="Title 1"/>
+          <p:cNvSpPr>
+            <a:spLocks noGrp="1"/>
+          </p:cNvSpPr>
+          <p:nvPr>
+            <p:ph type="title"/>
+          </p:nvPr>
+        </p:nvSpPr>
+        <p:spPr/>
+        <p:txBody>
+          <a:bodyPr/>
+          <a:lstStyle/>
+          <a:p>
+            <a:r>
+              <a:rPr lang="en-US" dirty="0" smtClean="0"/>
+              <a:t>Find path from p to q?</a:t>
+            </a:r>
+            <a:endParaRPr lang="en-US" dirty="0"/>
+          </a:p>
+        </p:txBody>
+      </p:sp>
+      <p:sp>
+        <p:nvSpPr>
+          <p:cNvPr id="4" name="TextBox 3">
+            <a:extLst>
+              <a:ext uri="{FF2B5EF4-FFF2-40B4-BE49-F238E27FC236}">
+                <a16:creationId xmlns:a16="http://schemas.microsoft.com/office/drawing/2014/main" xmlns="" id="{15368C9B-01DB-BD48-B437-681E9C29166D}"/>
+              </a:ext>
+            </a:extLst>
+          </p:cNvPr>
+          <p:cNvSpPr txBox="1"/>
+          <p:nvPr/>
+        </p:nvSpPr>
+        <p:spPr>
+          <a:xfrm>
+            <a:off x="222250" y="1552752"/>
+            <a:ext cx="8528050" cy="3816429"/>
+          </a:xfrm>
+          <a:prstGeom prst="rect">
+            <a:avLst/>
+          </a:prstGeom>
+          <a:noFill/>
+          <a:ln>
+            <a:solidFill>
+              <a:schemeClr val="accent1"/>
+            </a:solidFill>
+          </a:ln>
+        </p:spPr>
+        <p:txBody>
+          <a:bodyPr wrap="square" rtlCol="0">
+            <a:spAutoFit/>
+          </a:bodyPr>
+          <a:lstStyle/>
+          <a:p>
+            <a:r>
+              <a:rPr lang="en-US" sz="2200" dirty="0" err="1">
+                <a:latin typeface="Monaco" charset="0"/>
+                <a:ea typeface="Monaco" charset="0"/>
+                <a:cs typeface="Monaco" charset="0"/>
+              </a:rPr>
+              <a:t>def</a:t>
+            </a:r>
+            <a:r>
+              <a:rPr lang="en-US" sz="2200" dirty="0">
+                <a:latin typeface="Monaco" charset="0"/>
+                <a:ea typeface="Monaco" charset="0"/>
+                <a:cs typeface="Monaco" charset="0"/>
+              </a:rPr>
+              <a:t> path(</a:t>
+            </a:r>
+            <a:r>
+              <a:rPr lang="en-US" sz="2200" dirty="0" err="1">
+                <a:latin typeface="Monaco" charset="0"/>
+                <a:ea typeface="Monaco" charset="0"/>
+                <a:cs typeface="Monaco" charset="0"/>
+              </a:rPr>
+              <a:t>p:Node</a:t>
+            </a:r>
+            <a:r>
+              <a:rPr lang="en-US" sz="2200" dirty="0">
+                <a:latin typeface="Monaco" charset="0"/>
+                <a:ea typeface="Monaco" charset="0"/>
+                <a:cs typeface="Monaco" charset="0"/>
+              </a:rPr>
+              <a:t>, </a:t>
+            </a:r>
+            <a:r>
+              <a:rPr lang="en-US" sz="2200" dirty="0" err="1">
+                <a:latin typeface="Monaco" charset="0"/>
+                <a:ea typeface="Monaco" charset="0"/>
+                <a:cs typeface="Monaco" charset="0"/>
+              </a:rPr>
+              <a:t>q:Node</a:t>
+            </a:r>
+            <a:r>
+              <a:rPr lang="en-US" sz="2200" dirty="0">
+                <a:latin typeface="Monaco" charset="0"/>
+                <a:ea typeface="Monaco" charset="0"/>
+                <a:cs typeface="Monaco" charset="0"/>
+              </a:rPr>
+              <a:t>) -&gt; </a:t>
+            </a:r>
+            <a:r>
+              <a:rPr lang="en-US" sz="2200" dirty="0">
+                <a:solidFill>
+                  <a:schemeClr val="accent1"/>
+                </a:solidFill>
+                <a:latin typeface="Monaco" charset="0"/>
+                <a:ea typeface="Monaco" charset="0"/>
+                <a:cs typeface="Monaco" charset="0"/>
+              </a:rPr>
+              <a:t>list</a:t>
+            </a:r>
+            <a:r>
+              <a:rPr lang="en-US" sz="2200" dirty="0">
+                <a:latin typeface="Monaco" charset="0"/>
+                <a:ea typeface="Monaco" charset="0"/>
+                <a:cs typeface="Monaco" charset="0"/>
+              </a:rPr>
+              <a:t>:</a:t>
+            </a:r>
+          </a:p>
+          <a:p>
+            <a:r>
+              <a:rPr lang="mr-IN" sz="2200" dirty="0">
+                <a:latin typeface="Monaco" charset="0"/>
+                <a:ea typeface="Monaco" charset="0"/>
+                <a:cs typeface="Monaco" charset="0"/>
+              </a:rPr>
+              <a:t>    </a:t>
+            </a:r>
+            <a:r>
+              <a:rPr lang="mr-IN" sz="2200" dirty="0" err="1">
+                <a:latin typeface="Monaco" charset="0"/>
+                <a:ea typeface="Monaco" charset="0"/>
+                <a:cs typeface="Monaco" charset="0"/>
+              </a:rPr>
+              <a:t>return</a:t>
+            </a:r>
+            <a:r>
+              <a:rPr lang="mr-IN" sz="2200" dirty="0">
+                <a:latin typeface="Monaco" charset="0"/>
+                <a:ea typeface="Monaco" charset="0"/>
+                <a:cs typeface="Monaco" charset="0"/>
+              </a:rPr>
+              <a:t> </a:t>
+            </a:r>
+            <a:r>
+              <a:rPr lang="mr-IN" sz="2200" dirty="0" err="1">
+                <a:latin typeface="Monaco" charset="0"/>
+                <a:ea typeface="Monaco" charset="0"/>
+                <a:cs typeface="Monaco" charset="0"/>
+              </a:rPr>
+              <a:t>path</a:t>
+            </a:r>
+            <a:r>
+              <a:rPr lang="mr-IN" sz="2200" dirty="0">
+                <a:latin typeface="Monaco" charset="0"/>
+                <a:ea typeface="Monaco" charset="0"/>
+                <a:cs typeface="Monaco" charset="0"/>
+              </a:rPr>
+              <a:t>_(</a:t>
+            </a:r>
+            <a:r>
+              <a:rPr lang="mr-IN" sz="2200" dirty="0" err="1">
+                <a:latin typeface="Monaco" charset="0"/>
+                <a:ea typeface="Monaco" charset="0"/>
+                <a:cs typeface="Monaco" charset="0"/>
+              </a:rPr>
+              <a:t>p</a:t>
+            </a:r>
+            <a:r>
+              <a:rPr lang="mr-IN" sz="2200" dirty="0">
+                <a:latin typeface="Monaco" charset="0"/>
+                <a:ea typeface="Monaco" charset="0"/>
+                <a:cs typeface="Monaco" charset="0"/>
+              </a:rPr>
+              <a:t>, </a:t>
+            </a:r>
+            <a:r>
+              <a:rPr lang="mr-IN" sz="2200" dirty="0" err="1">
+                <a:latin typeface="Monaco" charset="0"/>
+                <a:ea typeface="Monaco" charset="0"/>
+                <a:cs typeface="Monaco" charset="0"/>
+              </a:rPr>
+              <a:t>q</a:t>
+            </a:r>
+            <a:r>
+              <a:rPr lang="mr-IN" sz="2200" dirty="0">
+                <a:latin typeface="Monaco" charset="0"/>
+                <a:ea typeface="Monaco" charset="0"/>
+                <a:cs typeface="Monaco" charset="0"/>
+              </a:rPr>
+              <a:t>, </a:t>
+            </a:r>
+            <a:r>
+              <a:rPr lang="mr-IN" sz="2200" dirty="0">
+                <a:solidFill>
+                  <a:schemeClr val="accent1"/>
+                </a:solidFill>
+                <a:latin typeface="Monaco" charset="0"/>
+                <a:ea typeface="Monaco" charset="0"/>
+                <a:cs typeface="Monaco" charset="0"/>
+              </a:rPr>
+              <a:t>[</a:t>
+            </a:r>
+            <a:r>
+              <a:rPr lang="mr-IN" sz="2200" dirty="0" err="1">
+                <a:solidFill>
+                  <a:schemeClr val="accent1"/>
+                </a:solidFill>
+                <a:latin typeface="Monaco" charset="0"/>
+                <a:ea typeface="Monaco" charset="0"/>
+                <a:cs typeface="Monaco" charset="0"/>
+              </a:rPr>
+              <a:t>p</a:t>
+            </a:r>
+            <a:r>
+              <a:rPr lang="mr-IN" sz="2200" dirty="0">
+                <a:solidFill>
+                  <a:schemeClr val="accent1"/>
+                </a:solidFill>
+                <a:latin typeface="Monaco" charset="0"/>
+                <a:ea typeface="Monaco" charset="0"/>
+                <a:cs typeface="Monaco" charset="0"/>
+              </a:rPr>
+              <a:t>]</a:t>
+            </a:r>
+            <a:r>
+              <a:rPr lang="mr-IN" sz="2200" dirty="0">
+                <a:latin typeface="Monaco" charset="0"/>
+                <a:ea typeface="Monaco" charset="0"/>
+                <a:cs typeface="Monaco" charset="0"/>
+              </a:rPr>
+              <a:t>, </a:t>
+            </a:r>
+            <a:r>
+              <a:rPr lang="mr-IN" sz="2200" dirty="0" err="1">
+                <a:latin typeface="Monaco" charset="0"/>
+                <a:ea typeface="Monaco" charset="0"/>
+                <a:cs typeface="Monaco" charset="0"/>
+              </a:rPr>
+              <a:t>set</a:t>
+            </a:r>
+            <a:r>
+              <a:rPr lang="mr-IN" sz="2200" dirty="0">
+                <a:latin typeface="Monaco" charset="0"/>
+                <a:ea typeface="Monaco" charset="0"/>
+                <a:cs typeface="Monaco" charset="0"/>
+              </a:rPr>
+              <a:t>())</a:t>
+            </a:r>
+          </a:p>
+          <a:p>
+            <a:endParaRPr lang="mr-IN" sz="2200" dirty="0">
+              <a:latin typeface="Monaco" charset="0"/>
+              <a:ea typeface="Monaco" charset="0"/>
+              <a:cs typeface="Monaco" charset="0"/>
+            </a:endParaRPr>
+          </a:p>
+          <a:p>
+            <a:r>
               <a:rPr lang="en-US" sz="2200" dirty="0" err="1">
                 <a:latin typeface="Monaco" charset="0"/>
                 <a:ea typeface="Monaco" charset="0"/>
@@ -4393,12 +4988,20 @@
               <a:t>, </a:t>
             </a:r>
             <a:r>
-              <a:rPr lang="en-US" sz="2200" dirty="0" err="1">
-                <a:latin typeface="Monaco" charset="0"/>
-                <a:ea typeface="Monaco" charset="0"/>
-                <a:cs typeface="Monaco" charset="0"/>
-              </a:rPr>
-              <a:t>seen:set</a:t>
+              <a:rPr lang="en-US" sz="2000" dirty="0" err="1">
+                <a:latin typeface="Monaco" charset="0"/>
+                <a:ea typeface="Monaco" charset="0"/>
+                <a:cs typeface="Monaco" charset="0"/>
+              </a:rPr>
+              <a:t>visited</a:t>
+            </a:r>
+            <a:r>
+              <a:rPr lang="en-US" sz="2200" dirty="0" err="1" smtClean="0">
+                <a:latin typeface="Monaco" charset="0"/>
+                <a:ea typeface="Monaco" charset="0"/>
+                <a:cs typeface="Monaco" charset="0"/>
+              </a:rPr>
+              <a:t>:set</a:t>
             </a:r>
             <a:r>
               <a:rPr lang="en-US" sz="2200" dirty="0" smtClean="0">
@@ -4442,7 +5045,31 @@
                 <a:ea typeface="Monaco" charset="0"/>
                 <a:cs typeface="Monaco" charset="0"/>
               </a:rPr>
-              <a:t>    if p in seen: return </a:t>
+              <a:t>    if p in </a:t>
+            </a:r>
+            <a:r>
+              <a:rPr lang="en-US" sz="2000" dirty="0">
+                <a:latin typeface="Monaco" charset="0"/>
+                <a:ea typeface="Monaco" charset="0"/>
+                <a:cs typeface="Monaco" charset="0"/>
+              </a:rPr>
+              <a:t>visited</a:t>
+            </a:r>
+            <a:r>
+              <a:rPr lang="en-US" sz="2200" dirty="0" smtClean="0">
+                <a:latin typeface="Monaco" charset="0"/>
+                <a:ea typeface="Monaco" charset="0"/>
+                <a:cs typeface="Monaco" charset="0"/>
+              </a:rPr>
+              <a:t>: </a:t>
+            </a:r>
+            <a:r>
+              <a:rPr lang="en-US" sz="2200" dirty="0">
+                <a:latin typeface="Monaco" charset="0"/>
+                <a:ea typeface="Monaco" charset="0"/>
+                <a:cs typeface="Monaco" charset="0"/>
+              </a:rPr>
+              <a:t>return </a:t>
             </a:r>
             <a:r>
               <a:rPr lang="en-US" sz="2200" dirty="0">
@@ -4466,15 +5093,31 @@
               <a:t>    </a:t>
             </a:r>
             <a:r>
-              <a:rPr lang="mr-IN" sz="2200" dirty="0" err="1">
-                <a:latin typeface="Monaco" charset="0"/>
-                <a:ea typeface="Monaco" charset="0"/>
-                <a:cs typeface="Monaco" charset="0"/>
-              </a:rPr>
-              <a:t>seen.add</a:t>
-            </a:r>
-            <a:r>
-              <a:rPr lang="mr-IN" sz="2200" dirty="0">
+              <a:rPr lang="en-US" sz="2000" dirty="0">
+                <a:latin typeface="Monaco" charset="0"/>
+                <a:ea typeface="Monaco" charset="0"/>
+                <a:cs typeface="Monaco" charset="0"/>
+              </a:rPr>
+              <a:t>visited</a:t>
+            </a:r>
+            <a:r>
+              <a:rPr lang="mr-IN" sz="2200" dirty="0" smtClean="0">
+                <a:latin typeface="Monaco" charset="0"/>
+                <a:ea typeface="Monaco" charset="0"/>
+                <a:cs typeface="Monaco" charset="0"/>
+              </a:rPr>
+              <a:t>.</a:t>
+            </a:r>
+            <a:r>
+              <a:rPr lang="mr-IN" sz="2200" dirty="0" err="1" smtClean="0">
+                <a:latin typeface="Monaco" charset="0"/>
+                <a:ea typeface="Monaco" charset="0"/>
+                <a:cs typeface="Monaco" charset="0"/>
+              </a:rPr>
+              <a:t>add</a:t>
+            </a:r>
+            <a:r>
+              <a:rPr lang="mr-IN" sz="2200" dirty="0" smtClean="0">
                 <a:latin typeface="Monaco" charset="0"/>
                 <a:ea typeface="Monaco" charset="0"/>
                 <a:cs typeface="Monaco" charset="0"/>
@@ -4482,7 +5125,7 @@
               <a:t>(</a:t>
             </a:r>
             <a:r>
-              <a:rPr lang="mr-IN" sz="2200" dirty="0" err="1">
+              <a:rPr lang="mr-IN" sz="2200" dirty="0" err="1" smtClean="0">
                 <a:latin typeface="Monaco" charset="0"/>
                 <a:ea typeface="Monaco" charset="0"/>
                 <a:cs typeface="Monaco" charset="0"/>
@@ -4650,21 +5293,26 @@
               <a:t>, </a:t>
             </a:r>
             <a:r>
-              <a:rPr lang="mr-IN" sz="2200" dirty="0" err="1">
-                <a:latin typeface="Monaco" charset="0"/>
-                <a:ea typeface="Monaco" charset="0"/>
-                <a:cs typeface="Monaco" charset="0"/>
-              </a:rPr>
-              <a:t>seen</a:t>
-            </a:r>
-            <a:r>
-              <a:rPr lang="mr-IN" sz="2200" dirty="0">
+              <a:rPr lang="en-US" sz="2000" dirty="0">
+                <a:latin typeface="Monaco" charset="0"/>
+                <a:ea typeface="Monaco" charset="0"/>
+                <a:cs typeface="Monaco" charset="0"/>
+              </a:rPr>
+              <a:t>visited</a:t>
+            </a:r>
+            <a:r>
+              <a:rPr lang="mr-IN" sz="2200" dirty="0" smtClean="0">
                 <a:latin typeface="Monaco" charset="0"/>
                 <a:ea typeface="Monaco" charset="0"/>
                 <a:cs typeface="Monaco" charset="0"/>
               </a:rPr>
               <a:t>)</a:t>
             </a:r>
+            <a:endParaRPr lang="mr-IN" sz="2200" dirty="0">
+              <a:latin typeface="Monaco" charset="0"/>
+              <a:ea typeface="Monaco" charset="0"/>
+              <a:cs typeface="Monaco" charset="0"/>
+            </a:endParaRPr>
           </a:p>
           <a:p>
             <a:r>
@@ -4796,10 +5444,1338 @@
           </a:p>
         </p:txBody>
       </p:sp>
+      <p:sp>
+        <p:nvSpPr>
+          <p:cNvPr id="11" name="TextBox 10"/>
+          <p:cNvSpPr txBox="1"/>
+          <p:nvPr/>
+        </p:nvSpPr>
+        <p:spPr>
+          <a:xfrm>
+            <a:off x="838200" y="6390409"/>
+            <a:ext cx="6827510" cy="369332"/>
+          </a:xfrm>
+          <a:prstGeom prst="rect">
+            <a:avLst/>
+          </a:prstGeom>
+          <a:noFill/>
+        </p:spPr>
+        <p:txBody>
+          <a:bodyPr wrap="none" rtlCol="0">
+            <a:spAutoFit/>
+          </a:bodyPr>
+          <a:lstStyle/>
+          <a:p>
+            <a:r>
+              <a:rPr lang="en-US" dirty="0"/>
+              <a:t>https://</a:t>
+            </a:r>
+            <a:r>
+              <a:rPr lang="en-US" dirty="0" err="1"/>
+              <a:t>github.com</a:t>
+            </a:r>
+            <a:r>
+              <a:rPr lang="en-US" dirty="0"/>
+              <a:t>/</a:t>
+            </a:r>
+            <a:r>
+              <a:rPr lang="en-US" dirty="0" err="1"/>
+              <a:t>parrt</a:t>
+            </a:r>
+            <a:r>
+              <a:rPr lang="en-US" dirty="0"/>
+              <a:t>/msds689/blob/master/notes/</a:t>
+            </a:r>
+            <a:r>
+              <a:rPr lang="en-US" dirty="0" err="1"/>
+              <a:t>graphs.ipynb</a:t>
+            </a:r>
+            <a:endParaRPr lang="en-US" dirty="0"/>
+          </a:p>
+        </p:txBody>
+      </p:sp>
     </p:spTree>
     <p:extLst>
       <p:ext uri="{BB962C8B-B14F-4D97-AF65-F5344CB8AC3E}">
         <p14:creationId xmlns:p14="http://schemas.microsoft.com/office/powerpoint/2010/main" val="464601169"/>
+      </p:ext>
+    </p:extLst>
+  </p:cSld>
+  <p:clrMapOvr>
+    <a:masterClrMapping/>
+  </p:clrMapOvr>
+</p:sld>
+</file>
+
+<file path=ppt/slides/slide12.xml><?xml version="1.0" encoding="utf-8"?>
+<p:sld xmlns:a="http://schemas.openxmlformats.org/drawingml/2006/main" xmlns:r="http://schemas.openxmlformats.org/officeDocument/2006/relationships" xmlns:p="http://schemas.openxmlformats.org/presentationml/2006/main">
+  <p:cSld>
+    <p:spTree>
+      <p:nvGrpSpPr>
+        <p:cNvPr id="1" name=""/>
+        <p:cNvGrpSpPr/>
+        <p:nvPr/>
+      </p:nvGrpSpPr>
+      <p:grpSpPr>
+        <a:xfrm>
+          <a:off x="0" y="0"/>
+          <a:ext cx="0" cy="0"/>
+          <a:chOff x="0" y="0"/>
+          <a:chExt cx="0" cy="0"/>
+        </a:xfrm>
+      </p:grpSpPr>
+      <p:sp>
+        <p:nvSpPr>
+          <p:cNvPr id="2" name="Title 1"/>
+          <p:cNvSpPr>
+            <a:spLocks noGrp="1"/>
+          </p:cNvSpPr>
+          <p:nvPr>
+            <p:ph type="title"/>
+          </p:nvPr>
+        </p:nvSpPr>
+        <p:spPr/>
+        <p:txBody>
+          <a:bodyPr/>
+          <a:lstStyle/>
+          <a:p>
+            <a:r>
+              <a:rPr lang="en-US" dirty="0" smtClean="0"/>
+              <a:t>Find </a:t>
+            </a:r>
+            <a:r>
+              <a:rPr lang="en-US" b="1" dirty="0" smtClean="0"/>
+              <a:t>shortest</a:t>
+            </a:r>
+            <a:r>
+              <a:rPr lang="en-US" dirty="0" smtClean="0"/>
+              <a:t> path </a:t>
+            </a:r>
+            <a:r>
+              <a:rPr lang="en-US" dirty="0"/>
+              <a:t>from p to q?</a:t>
+            </a:r>
+          </a:p>
+        </p:txBody>
+      </p:sp>
+      <p:sp>
+        <p:nvSpPr>
+          <p:cNvPr id="3" name="Content Placeholder 2"/>
+          <p:cNvSpPr>
+            <a:spLocks noGrp="1"/>
+          </p:cNvSpPr>
+          <p:nvPr>
+            <p:ph idx="1"/>
+          </p:nvPr>
+        </p:nvSpPr>
+        <p:spPr/>
+        <p:txBody>
+          <a:bodyPr>
+            <a:normAutofit lnSpcReduction="10000"/>
+          </a:bodyPr>
+          <a:lstStyle/>
+          <a:p>
+            <a:r>
+              <a:rPr lang="en-US" dirty="0" smtClean="0"/>
+              <a:t>FIRST, let’s look at breadth-first search vs depth-first search</a:t>
+            </a:r>
+          </a:p>
+          <a:p>
+            <a:r>
+              <a:rPr lang="en-US" dirty="0" smtClean="0"/>
+              <a:t>Maintains work list and</a:t>
+            </a:r>
+            <a:br>
+              <a:rPr lang="en-US" dirty="0" smtClean="0"/>
+            </a:br>
+            <a:r>
+              <a:rPr lang="en-US" dirty="0" smtClean="0"/>
+              <a:t>visited set</a:t>
+            </a:r>
+          </a:p>
+          <a:p>
+            <a:r>
+              <a:rPr lang="en-US" b="1" dirty="0" smtClean="0"/>
+              <a:t> BFS</a:t>
+            </a:r>
+            <a:r>
+              <a:rPr lang="en-US" dirty="0" smtClean="0"/>
+              <a:t>	 </a:t>
+            </a:r>
+            <a:r>
+              <a:rPr lang="en-US" b="1" dirty="0" smtClean="0"/>
+              <a:t>DFS</a:t>
+            </a:r>
+            <a:r>
+              <a:rPr lang="en-US" dirty="0" smtClean="0"/>
+              <a:t/>
+            </a:r>
+            <a:br>
+              <a:rPr lang="en-US" dirty="0" smtClean="0"/>
+            </a:br>
+            <a:r>
+              <a:rPr lang="en-US" dirty="0" smtClean="0"/>
+              <a:t>Visit A	Visit A</a:t>
+            </a:r>
+            <a:br>
+              <a:rPr lang="en-US" dirty="0" smtClean="0"/>
+            </a:br>
+            <a:r>
+              <a:rPr lang="en-US" dirty="0" smtClean="0"/>
+              <a:t>Visit B	Visit D</a:t>
+            </a:r>
+            <a:br>
+              <a:rPr lang="en-US" dirty="0" smtClean="0"/>
+            </a:br>
+            <a:r>
+              <a:rPr lang="en-US" dirty="0" smtClean="0"/>
+              <a:t>Visit D	Visit E</a:t>
+            </a:r>
+            <a:br>
+              <a:rPr lang="en-US" dirty="0" smtClean="0"/>
+            </a:br>
+            <a:r>
+              <a:rPr lang="en-US" dirty="0" smtClean="0"/>
+              <a:t>Visit C	Visit B</a:t>
+            </a:r>
+            <a:br>
+              <a:rPr lang="en-US" dirty="0" smtClean="0"/>
+            </a:br>
+            <a:r>
+              <a:rPr lang="en-US" dirty="0" smtClean="0"/>
+              <a:t>Visit E	Visit C</a:t>
+            </a:r>
+          </a:p>
+          <a:p>
+            <a:r>
+              <a:rPr lang="en-US" dirty="0" smtClean="0"/>
+              <a:t>Consider children then</a:t>
+            </a:r>
+            <a:br>
+              <a:rPr lang="en-US" dirty="0" smtClean="0"/>
+            </a:br>
+            <a:r>
+              <a:rPr lang="en-US" dirty="0" smtClean="0"/>
+              <a:t>grandchildren </a:t>
+            </a:r>
+            <a:r>
+              <a:rPr lang="en-US" dirty="0" err="1" smtClean="0"/>
+              <a:t>etc</a:t>
+            </a:r>
+            <a:r>
+              <a:rPr lang="mr-IN" dirty="0" smtClean="0"/>
+              <a:t>…</a:t>
+            </a:r>
+            <a:endParaRPr lang="en-US" dirty="0" smtClean="0"/>
+          </a:p>
+        </p:txBody>
+      </p:sp>
+      <p:sp>
+        <p:nvSpPr>
+          <p:cNvPr id="4" name="TextBox 3">
+            <a:extLst>
+              <a:ext uri="{FF2B5EF4-FFF2-40B4-BE49-F238E27FC236}">
+                <a16:creationId xmlns:a16="http://schemas.microsoft.com/office/drawing/2014/main" xmlns="" id="{15368C9B-01DB-BD48-B437-681E9C29166D}"/>
+              </a:ext>
+            </a:extLst>
+          </p:cNvPr>
+          <p:cNvSpPr txBox="1"/>
+          <p:nvPr/>
+        </p:nvSpPr>
+        <p:spPr>
+          <a:xfrm>
+            <a:off x="5190259" y="2409804"/>
+            <a:ext cx="6163541" cy="3477875"/>
+          </a:xfrm>
+          <a:prstGeom prst="rect">
+            <a:avLst/>
+          </a:prstGeom>
+          <a:noFill/>
+          <a:ln>
+            <a:solidFill>
+              <a:schemeClr val="accent1"/>
+            </a:solidFill>
+          </a:ln>
+        </p:spPr>
+        <p:txBody>
+          <a:bodyPr wrap="square" rtlCol="0">
+            <a:spAutoFit/>
+          </a:bodyPr>
+          <a:lstStyle/>
+          <a:p>
+            <a:r>
+              <a:rPr lang="en-US" sz="2200" dirty="0" err="1">
+                <a:latin typeface="Monaco" charset="0"/>
+                <a:ea typeface="Monaco" charset="0"/>
+                <a:cs typeface="Monaco" charset="0"/>
+              </a:rPr>
+              <a:t>def</a:t>
+            </a:r>
+            <a:r>
+              <a:rPr lang="en-US" sz="2200" dirty="0">
+                <a:latin typeface="Monaco" charset="0"/>
+                <a:ea typeface="Monaco" charset="0"/>
+                <a:cs typeface="Monaco" charset="0"/>
+              </a:rPr>
+              <a:t> BFS(</a:t>
+            </a:r>
+            <a:r>
+              <a:rPr lang="en-US" sz="2200" dirty="0" err="1">
+                <a:latin typeface="Monaco" charset="0"/>
+                <a:ea typeface="Monaco" charset="0"/>
+                <a:cs typeface="Monaco" charset="0"/>
+              </a:rPr>
+              <a:t>root:LNode</a:t>
+            </a:r>
+            <a:r>
+              <a:rPr lang="en-US" sz="2200" dirty="0">
+                <a:latin typeface="Monaco" charset="0"/>
+                <a:ea typeface="Monaco" charset="0"/>
+                <a:cs typeface="Monaco" charset="0"/>
+              </a:rPr>
+              <a:t>):</a:t>
+            </a:r>
+          </a:p>
+          <a:p>
+            <a:r>
+              <a:rPr lang="en-US" sz="2200" dirty="0">
+                <a:latin typeface="Monaco" charset="0"/>
+                <a:ea typeface="Monaco" charset="0"/>
+                <a:cs typeface="Monaco" charset="0"/>
+              </a:rPr>
+              <a:t>    visited = {root}</a:t>
+            </a:r>
+          </a:p>
+          <a:p>
+            <a:r>
+              <a:rPr lang="en-US" sz="2200" dirty="0">
+                <a:latin typeface="Monaco" charset="0"/>
+                <a:ea typeface="Monaco" charset="0"/>
+                <a:cs typeface="Monaco" charset="0"/>
+              </a:rPr>
+              <a:t>    worklist = [root]</a:t>
+            </a:r>
+          </a:p>
+          <a:p>
+            <a:r>
+              <a:rPr lang="en-US" sz="2200" dirty="0">
+                <a:latin typeface="Monaco" charset="0"/>
+                <a:ea typeface="Monaco" charset="0"/>
+                <a:cs typeface="Monaco" charset="0"/>
+              </a:rPr>
+              <a:t>    while </a:t>
+            </a:r>
+            <a:r>
+              <a:rPr lang="en-US" sz="2200" dirty="0" err="1">
+                <a:latin typeface="Monaco" charset="0"/>
+                <a:ea typeface="Monaco" charset="0"/>
+                <a:cs typeface="Monaco" charset="0"/>
+              </a:rPr>
+              <a:t>len</a:t>
+            </a:r>
+            <a:r>
+              <a:rPr lang="en-US" sz="2200" dirty="0">
+                <a:latin typeface="Monaco" charset="0"/>
+                <a:ea typeface="Monaco" charset="0"/>
+                <a:cs typeface="Monaco" charset="0"/>
+              </a:rPr>
+              <a:t>(worklist)&gt;0: </a:t>
+            </a:r>
+          </a:p>
+          <a:p>
+            <a:r>
+              <a:rPr lang="mr-IN" sz="2200" dirty="0">
+                <a:latin typeface="Monaco" charset="0"/>
+                <a:ea typeface="Monaco" charset="0"/>
+                <a:cs typeface="Monaco" charset="0"/>
+              </a:rPr>
+              <a:t>        </a:t>
+            </a:r>
+            <a:r>
+              <a:rPr lang="mr-IN" sz="2200" dirty="0" err="1">
+                <a:latin typeface="Monaco" charset="0"/>
+                <a:ea typeface="Monaco" charset="0"/>
+                <a:cs typeface="Monaco" charset="0"/>
+              </a:rPr>
+              <a:t>p</a:t>
+            </a:r>
+            <a:r>
+              <a:rPr lang="mr-IN" sz="2200" dirty="0">
+                <a:latin typeface="Monaco" charset="0"/>
+                <a:ea typeface="Monaco" charset="0"/>
+                <a:cs typeface="Monaco" charset="0"/>
+              </a:rPr>
+              <a:t> = </a:t>
+            </a:r>
+            <a:r>
+              <a:rPr lang="mr-IN" sz="2200" dirty="0" err="1">
+                <a:latin typeface="Monaco" charset="0"/>
+                <a:ea typeface="Monaco" charset="0"/>
+                <a:cs typeface="Monaco" charset="0"/>
+              </a:rPr>
+              <a:t>worklist.pop</a:t>
+            </a:r>
+            <a:r>
+              <a:rPr lang="mr-IN" sz="2200" dirty="0">
+                <a:latin typeface="Monaco" charset="0"/>
+                <a:ea typeface="Monaco" charset="0"/>
+                <a:cs typeface="Monaco" charset="0"/>
+              </a:rPr>
+              <a:t>(0</a:t>
+            </a:r>
+            <a:r>
+              <a:rPr lang="mr-IN" sz="2200" dirty="0" smtClean="0">
+                <a:latin typeface="Monaco" charset="0"/>
+                <a:ea typeface="Monaco" charset="0"/>
+                <a:cs typeface="Monaco" charset="0"/>
+              </a:rPr>
+              <a:t>)</a:t>
+            </a:r>
+            <a:endParaRPr lang="en-US" sz="2200" dirty="0" smtClean="0">
+              <a:latin typeface="Monaco" charset="0"/>
+              <a:ea typeface="Monaco" charset="0"/>
+              <a:cs typeface="Monaco" charset="0"/>
+            </a:endParaRPr>
+          </a:p>
+          <a:p>
+            <a:r>
+              <a:rPr lang="en-US" sz="2200" dirty="0">
+                <a:latin typeface="Monaco" charset="0"/>
+                <a:ea typeface="Monaco" charset="0"/>
+                <a:cs typeface="Monaco" charset="0"/>
+              </a:rPr>
+              <a:t> </a:t>
+            </a:r>
+            <a:r>
+              <a:rPr lang="en-US" sz="2200" dirty="0" smtClean="0">
+                <a:latin typeface="Monaco" charset="0"/>
+                <a:ea typeface="Monaco" charset="0"/>
+                <a:cs typeface="Monaco" charset="0"/>
+              </a:rPr>
+              <a:t>       print(</a:t>
+            </a:r>
+            <a:r>
+              <a:rPr lang="en-US" sz="2200" dirty="0" err="1" smtClean="0">
+                <a:latin typeface="Monaco" charset="0"/>
+                <a:ea typeface="Monaco" charset="0"/>
+                <a:cs typeface="Monaco" charset="0"/>
+              </a:rPr>
+              <a:t>f“Visit</a:t>
+            </a:r>
+            <a:r>
+              <a:rPr lang="en-US" sz="2200" dirty="0" smtClean="0">
+                <a:latin typeface="Monaco" charset="0"/>
+                <a:ea typeface="Monaco" charset="0"/>
+                <a:cs typeface="Monaco" charset="0"/>
+              </a:rPr>
+              <a:t> {p}”)</a:t>
+            </a:r>
+            <a:endParaRPr lang="mr-IN" sz="2200" dirty="0">
+              <a:latin typeface="Monaco" charset="0"/>
+              <a:ea typeface="Monaco" charset="0"/>
+              <a:cs typeface="Monaco" charset="0"/>
+            </a:endParaRPr>
+          </a:p>
+          <a:p>
+            <a:r>
+              <a:rPr lang="mr-IN" sz="2200" dirty="0">
+                <a:latin typeface="Monaco" charset="0"/>
+                <a:ea typeface="Monaco" charset="0"/>
+                <a:cs typeface="Monaco" charset="0"/>
+              </a:rPr>
+              <a:t>        </a:t>
+            </a:r>
+            <a:r>
+              <a:rPr lang="mr-IN" sz="2200" dirty="0" err="1">
+                <a:latin typeface="Monaco" charset="0"/>
+                <a:ea typeface="Monaco" charset="0"/>
+                <a:cs typeface="Monaco" charset="0"/>
+              </a:rPr>
+              <a:t>for</a:t>
+            </a:r>
+            <a:r>
+              <a:rPr lang="mr-IN" sz="2200" dirty="0">
+                <a:latin typeface="Monaco" charset="0"/>
+                <a:ea typeface="Monaco" charset="0"/>
+                <a:cs typeface="Monaco" charset="0"/>
+              </a:rPr>
+              <a:t> </a:t>
+            </a:r>
+            <a:r>
+              <a:rPr lang="mr-IN" sz="2200" dirty="0" err="1">
+                <a:latin typeface="Monaco" charset="0"/>
+                <a:ea typeface="Monaco" charset="0"/>
+                <a:cs typeface="Monaco" charset="0"/>
+              </a:rPr>
+              <a:t>e,q</a:t>
+            </a:r>
+            <a:r>
+              <a:rPr lang="mr-IN" sz="2200" dirty="0">
+                <a:latin typeface="Monaco" charset="0"/>
+                <a:ea typeface="Monaco" charset="0"/>
+                <a:cs typeface="Monaco" charset="0"/>
+              </a:rPr>
+              <a:t> </a:t>
+            </a:r>
+            <a:r>
+              <a:rPr lang="mr-IN" sz="2200" dirty="0" err="1">
+                <a:latin typeface="Monaco" charset="0"/>
+                <a:ea typeface="Monaco" charset="0"/>
+                <a:cs typeface="Monaco" charset="0"/>
+              </a:rPr>
+              <a:t>in</a:t>
+            </a:r>
+            <a:r>
+              <a:rPr lang="mr-IN" sz="2200" dirty="0">
+                <a:latin typeface="Monaco" charset="0"/>
+                <a:ea typeface="Monaco" charset="0"/>
+                <a:cs typeface="Monaco" charset="0"/>
+              </a:rPr>
+              <a:t> </a:t>
+            </a:r>
+            <a:r>
+              <a:rPr lang="mr-IN" sz="2200" dirty="0" err="1">
+                <a:latin typeface="Monaco" charset="0"/>
+                <a:ea typeface="Monaco" charset="0"/>
+                <a:cs typeface="Monaco" charset="0"/>
+              </a:rPr>
+              <a:t>p.edges.items</a:t>
+            </a:r>
+            <a:r>
+              <a:rPr lang="mr-IN" sz="2200" dirty="0">
+                <a:latin typeface="Monaco" charset="0"/>
+                <a:ea typeface="Monaco" charset="0"/>
+                <a:cs typeface="Monaco" charset="0"/>
+              </a:rPr>
+              <a:t>():  </a:t>
+            </a:r>
+          </a:p>
+          <a:p>
+            <a:r>
+              <a:rPr lang="en-US" sz="2200" dirty="0">
+                <a:latin typeface="Monaco" charset="0"/>
+                <a:ea typeface="Monaco" charset="0"/>
+                <a:cs typeface="Monaco" charset="0"/>
+              </a:rPr>
+              <a:t>            if q not in visited:</a:t>
+            </a:r>
+          </a:p>
+          <a:p>
+            <a:r>
+              <a:rPr lang="mr-IN" sz="2200" dirty="0">
+                <a:latin typeface="Monaco" charset="0"/>
+                <a:ea typeface="Monaco" charset="0"/>
+                <a:cs typeface="Monaco" charset="0"/>
+              </a:rPr>
+              <a:t>                </a:t>
+            </a:r>
+            <a:r>
+              <a:rPr lang="mr-IN" sz="2200" dirty="0" err="1">
+                <a:latin typeface="Monaco" charset="0"/>
+                <a:ea typeface="Monaco" charset="0"/>
+                <a:cs typeface="Monaco" charset="0"/>
+              </a:rPr>
+              <a:t>worklist.append</a:t>
+            </a:r>
+            <a:r>
+              <a:rPr lang="mr-IN" sz="2200" dirty="0">
+                <a:latin typeface="Monaco" charset="0"/>
+                <a:ea typeface="Monaco" charset="0"/>
+                <a:cs typeface="Monaco" charset="0"/>
+              </a:rPr>
+              <a:t>(</a:t>
+            </a:r>
+            <a:r>
+              <a:rPr lang="mr-IN" sz="2200" dirty="0" err="1">
+                <a:latin typeface="Monaco" charset="0"/>
+                <a:ea typeface="Monaco" charset="0"/>
+                <a:cs typeface="Monaco" charset="0"/>
+              </a:rPr>
+              <a:t>q</a:t>
+            </a:r>
+            <a:r>
+              <a:rPr lang="mr-IN" sz="2200" dirty="0">
+                <a:latin typeface="Monaco" charset="0"/>
+                <a:ea typeface="Monaco" charset="0"/>
+                <a:cs typeface="Monaco" charset="0"/>
+              </a:rPr>
+              <a:t>)</a:t>
+            </a:r>
+          </a:p>
+          <a:p>
+            <a:r>
+              <a:rPr lang="mr-IN" sz="2200" dirty="0">
+                <a:latin typeface="Monaco" charset="0"/>
+                <a:ea typeface="Monaco" charset="0"/>
+                <a:cs typeface="Monaco" charset="0"/>
+              </a:rPr>
+              <a:t>                </a:t>
+            </a:r>
+            <a:r>
+              <a:rPr lang="mr-IN" sz="2200" dirty="0" err="1">
+                <a:latin typeface="Monaco" charset="0"/>
+                <a:ea typeface="Monaco" charset="0"/>
+                <a:cs typeface="Monaco" charset="0"/>
+              </a:rPr>
+              <a:t>visited.add</a:t>
+            </a:r>
+            <a:r>
+              <a:rPr lang="mr-IN" sz="2200" dirty="0">
+                <a:latin typeface="Monaco" charset="0"/>
+                <a:ea typeface="Monaco" charset="0"/>
+                <a:cs typeface="Monaco" charset="0"/>
+              </a:rPr>
+              <a:t>(</a:t>
+            </a:r>
+            <a:r>
+              <a:rPr lang="mr-IN" sz="2200" dirty="0" err="1">
+                <a:latin typeface="Monaco" charset="0"/>
+                <a:ea typeface="Monaco" charset="0"/>
+                <a:cs typeface="Monaco" charset="0"/>
+              </a:rPr>
+              <a:t>q</a:t>
+            </a:r>
+            <a:r>
+              <a:rPr lang="mr-IN" sz="2200" dirty="0">
+                <a:latin typeface="Monaco" charset="0"/>
+                <a:ea typeface="Monaco" charset="0"/>
+                <a:cs typeface="Monaco" charset="0"/>
+              </a:rPr>
+              <a:t>)</a:t>
+            </a:r>
+          </a:p>
+        </p:txBody>
+      </p:sp>
+      <p:pic>
+        <p:nvPicPr>
+          <p:cNvPr id="5" name="Picture 4"/>
+          <p:cNvPicPr>
+            <a:picLocks noChangeAspect="1"/>
+          </p:cNvPicPr>
+          <p:nvPr/>
+        </p:nvPicPr>
+        <p:blipFill>
+          <a:blip r:embed="rId2"/>
+          <a:stretch>
+            <a:fillRect/>
+          </a:stretch>
+        </p:blipFill>
+        <p:spPr>
+          <a:xfrm>
+            <a:off x="8970241" y="230693"/>
+            <a:ext cx="2603500" cy="1600200"/>
+          </a:xfrm>
+          <a:prstGeom prst="rect">
+            <a:avLst/>
+          </a:prstGeom>
+        </p:spPr>
+      </p:pic>
+      <p:sp>
+        <p:nvSpPr>
+          <p:cNvPr id="6" name="TextBox 5"/>
+          <p:cNvSpPr txBox="1"/>
+          <p:nvPr/>
+        </p:nvSpPr>
+        <p:spPr>
+          <a:xfrm>
+            <a:off x="838200" y="6390409"/>
+            <a:ext cx="6827510" cy="369332"/>
+          </a:xfrm>
+          <a:prstGeom prst="rect">
+            <a:avLst/>
+          </a:prstGeom>
+          <a:noFill/>
+        </p:spPr>
+        <p:txBody>
+          <a:bodyPr wrap="none" rtlCol="0">
+            <a:spAutoFit/>
+          </a:bodyPr>
+          <a:lstStyle/>
+          <a:p>
+            <a:r>
+              <a:rPr lang="en-US" dirty="0"/>
+              <a:t>https://</a:t>
+            </a:r>
+            <a:r>
+              <a:rPr lang="en-US" dirty="0" err="1"/>
+              <a:t>github.com</a:t>
+            </a:r>
+            <a:r>
+              <a:rPr lang="en-US" dirty="0"/>
+              <a:t>/</a:t>
+            </a:r>
+            <a:r>
+              <a:rPr lang="en-US" dirty="0" err="1"/>
+              <a:t>parrt</a:t>
+            </a:r>
+            <a:r>
+              <a:rPr lang="en-US" dirty="0"/>
+              <a:t>/msds689/blob/master/notes/</a:t>
+            </a:r>
+            <a:r>
+              <a:rPr lang="en-US" dirty="0" err="1"/>
+              <a:t>graphs.ipynb</a:t>
+            </a:r>
+            <a:endParaRPr lang="en-US" dirty="0"/>
+          </a:p>
+        </p:txBody>
+      </p:sp>
+    </p:spTree>
+    <p:extLst>
+      <p:ext uri="{BB962C8B-B14F-4D97-AF65-F5344CB8AC3E}">
+        <p14:creationId xmlns:p14="http://schemas.microsoft.com/office/powerpoint/2010/main" val="810801807"/>
+      </p:ext>
+    </p:extLst>
+  </p:cSld>
+  <p:clrMapOvr>
+    <a:masterClrMapping/>
+  </p:clrMapOvr>
+</p:sld>
+</file>
+
+<file path=ppt/slides/slide13.xml><?xml version="1.0" encoding="utf-8"?>
+<p:sld xmlns:a="http://schemas.openxmlformats.org/drawingml/2006/main" xmlns:r="http://schemas.openxmlformats.org/officeDocument/2006/relationships" xmlns:p="http://schemas.openxmlformats.org/presentationml/2006/main">
+  <p:cSld>
+    <p:spTree>
+      <p:nvGrpSpPr>
+        <p:cNvPr id="1" name=""/>
+        <p:cNvGrpSpPr/>
+        <p:nvPr/>
+      </p:nvGrpSpPr>
+      <p:grpSpPr>
+        <a:xfrm>
+          <a:off x="0" y="0"/>
+          <a:ext cx="0" cy="0"/>
+          <a:chOff x="0" y="0"/>
+          <a:chExt cx="0" cy="0"/>
+        </a:xfrm>
+      </p:grpSpPr>
+      <p:sp>
+        <p:nvSpPr>
+          <p:cNvPr id="2" name="Title 1"/>
+          <p:cNvSpPr>
+            <a:spLocks noGrp="1"/>
+          </p:cNvSpPr>
+          <p:nvPr>
+            <p:ph type="title"/>
+          </p:nvPr>
+        </p:nvSpPr>
+        <p:spPr/>
+        <p:txBody>
+          <a:bodyPr/>
+          <a:lstStyle/>
+          <a:p>
+            <a:r>
+              <a:rPr lang="en-US" dirty="0"/>
+              <a:t>Find </a:t>
+            </a:r>
+            <a:r>
+              <a:rPr lang="en-US" b="1" dirty="0"/>
+              <a:t>shortest</a:t>
+            </a:r>
+            <a:r>
+              <a:rPr lang="en-US" dirty="0"/>
+              <a:t> path from p to q?</a:t>
+            </a:r>
+          </a:p>
+        </p:txBody>
+      </p:sp>
+      <p:sp>
+        <p:nvSpPr>
+          <p:cNvPr id="3" name="Content Placeholder 2"/>
+          <p:cNvSpPr>
+            <a:spLocks noGrp="1"/>
+          </p:cNvSpPr>
+          <p:nvPr>
+            <p:ph idx="1"/>
+          </p:nvPr>
+        </p:nvSpPr>
+        <p:spPr>
+          <a:xfrm>
+            <a:off x="661554" y="1825624"/>
+            <a:ext cx="10515600" cy="4351338"/>
+          </a:xfrm>
+        </p:spPr>
+        <p:txBody>
+          <a:bodyPr/>
+          <a:lstStyle/>
+          <a:p>
+            <a:r>
+              <a:rPr lang="en-US" dirty="0" smtClean="0"/>
+              <a:t>BFS where work list is</a:t>
+            </a:r>
+            <a:br>
+              <a:rPr lang="en-US" dirty="0" smtClean="0"/>
+            </a:br>
+            <a:r>
+              <a:rPr lang="en-US" dirty="0" smtClean="0"/>
+              <a:t>a list of paths not list</a:t>
+            </a:r>
+            <a:br>
+              <a:rPr lang="en-US" dirty="0" smtClean="0"/>
+            </a:br>
+            <a:r>
+              <a:rPr lang="en-US" dirty="0" smtClean="0"/>
+              <a:t>of nodes</a:t>
+            </a:r>
+          </a:p>
+          <a:p>
+            <a:r>
+              <a:rPr lang="en-US" dirty="0" smtClean="0"/>
+              <a:t>Tail of path is where</a:t>
+            </a:r>
+            <a:br>
+              <a:rPr lang="en-US" dirty="0" smtClean="0"/>
+            </a:br>
+            <a:r>
+              <a:rPr lang="en-US" dirty="0" smtClean="0"/>
+              <a:t>we left off work on it</a:t>
+            </a:r>
+          </a:p>
+          <a:p>
+            <a:r>
+              <a:rPr lang="en-US" dirty="0" smtClean="0"/>
+              <a:t>By searching all</a:t>
+            </a:r>
+            <a:br>
+              <a:rPr lang="en-US" dirty="0" smtClean="0"/>
+            </a:br>
+            <a:r>
+              <a:rPr lang="en-US" dirty="0" smtClean="0"/>
+              <a:t>children before going</a:t>
+            </a:r>
+            <a:br>
+              <a:rPr lang="en-US" dirty="0" smtClean="0"/>
+            </a:br>
+            <a:r>
+              <a:rPr lang="en-US" dirty="0" smtClean="0"/>
+              <a:t>deeper, we auto-</a:t>
+            </a:r>
+            <a:br>
+              <a:rPr lang="en-US" dirty="0" smtClean="0"/>
+            </a:br>
+            <a:r>
+              <a:rPr lang="en-US" dirty="0" smtClean="0"/>
+              <a:t>magically find paths</a:t>
+            </a:r>
+            <a:br>
+              <a:rPr lang="en-US" dirty="0" smtClean="0"/>
+            </a:br>
+            <a:r>
+              <a:rPr lang="en-US" dirty="0" smtClean="0"/>
+              <a:t>with shortest lengths</a:t>
+            </a:r>
+            <a:endParaRPr lang="en-US" dirty="0"/>
+          </a:p>
+        </p:txBody>
+      </p:sp>
+      <p:sp>
+        <p:nvSpPr>
+          <p:cNvPr id="4" name="TextBox 3">
+            <a:extLst>
+              <a:ext uri="{FF2B5EF4-FFF2-40B4-BE49-F238E27FC236}">
+                <a16:creationId xmlns:a16="http://schemas.microsoft.com/office/drawing/2014/main" xmlns="" id="{15368C9B-01DB-BD48-B437-681E9C29166D}"/>
+              </a:ext>
+            </a:extLst>
+          </p:cNvPr>
+          <p:cNvSpPr txBox="1"/>
+          <p:nvPr/>
+        </p:nvSpPr>
+        <p:spPr>
+          <a:xfrm>
+            <a:off x="4795404" y="2093079"/>
+            <a:ext cx="7133359" cy="3816429"/>
+          </a:xfrm>
+          <a:prstGeom prst="rect">
+            <a:avLst/>
+          </a:prstGeom>
+          <a:noFill/>
+          <a:ln>
+            <a:solidFill>
+              <a:schemeClr val="accent1"/>
+            </a:solidFill>
+          </a:ln>
+        </p:spPr>
+        <p:txBody>
+          <a:bodyPr wrap="square" rtlCol="0">
+            <a:spAutoFit/>
+          </a:bodyPr>
+          <a:lstStyle/>
+          <a:p>
+            <a:r>
+              <a:rPr lang="en-US" sz="2200" dirty="0" err="1">
+                <a:latin typeface="Monaco" charset="0"/>
+                <a:ea typeface="Monaco" charset="0"/>
+                <a:cs typeface="Monaco" charset="0"/>
+              </a:rPr>
+              <a:t>def</a:t>
+            </a:r>
+            <a:r>
+              <a:rPr lang="en-US" sz="2200" dirty="0">
+                <a:latin typeface="Monaco" charset="0"/>
+                <a:ea typeface="Monaco" charset="0"/>
+                <a:cs typeface="Monaco" charset="0"/>
+              </a:rPr>
+              <a:t> shortest(</a:t>
+            </a:r>
+            <a:r>
+              <a:rPr lang="en-US" sz="2200" dirty="0" err="1">
+                <a:latin typeface="Monaco" charset="0"/>
+                <a:ea typeface="Monaco" charset="0"/>
+                <a:cs typeface="Monaco" charset="0"/>
+              </a:rPr>
+              <a:t>root:Node</a:t>
+            </a:r>
+            <a:r>
+              <a:rPr lang="en-US" sz="2200" dirty="0">
+                <a:latin typeface="Monaco" charset="0"/>
+                <a:ea typeface="Monaco" charset="0"/>
+                <a:cs typeface="Monaco" charset="0"/>
+              </a:rPr>
+              <a:t>, </a:t>
+            </a:r>
+            <a:r>
+              <a:rPr lang="en-US" sz="2200" dirty="0" err="1">
+                <a:latin typeface="Monaco" charset="0"/>
+                <a:ea typeface="Monaco" charset="0"/>
+                <a:cs typeface="Monaco" charset="0"/>
+              </a:rPr>
+              <a:t>target:Node</a:t>
+            </a:r>
+            <a:r>
+              <a:rPr lang="en-US" sz="2200" dirty="0">
+                <a:latin typeface="Monaco" charset="0"/>
+                <a:ea typeface="Monaco" charset="0"/>
+                <a:cs typeface="Monaco" charset="0"/>
+              </a:rPr>
+              <a:t>):</a:t>
+            </a:r>
+          </a:p>
+          <a:p>
+            <a:r>
+              <a:rPr lang="en-US" sz="2200" dirty="0">
+                <a:latin typeface="Monaco" charset="0"/>
+                <a:ea typeface="Monaco" charset="0"/>
+                <a:cs typeface="Monaco" charset="0"/>
+              </a:rPr>
+              <a:t>    visited = {root}</a:t>
+            </a:r>
+          </a:p>
+          <a:p>
+            <a:r>
+              <a:rPr lang="en-US" sz="2200" dirty="0">
+                <a:latin typeface="Monaco" charset="0"/>
+                <a:ea typeface="Monaco" charset="0"/>
+                <a:cs typeface="Monaco" charset="0"/>
+              </a:rPr>
+              <a:t>    worklist = [[root]]</a:t>
+            </a:r>
+          </a:p>
+          <a:p>
+            <a:r>
+              <a:rPr lang="en-US" sz="2200" dirty="0">
+                <a:latin typeface="Monaco" charset="0"/>
+                <a:ea typeface="Monaco" charset="0"/>
+                <a:cs typeface="Monaco" charset="0"/>
+              </a:rPr>
+              <a:t>    while </a:t>
+            </a:r>
+            <a:r>
+              <a:rPr lang="en-US" sz="2200" dirty="0" err="1">
+                <a:latin typeface="Monaco" charset="0"/>
+                <a:ea typeface="Monaco" charset="0"/>
+                <a:cs typeface="Monaco" charset="0"/>
+              </a:rPr>
+              <a:t>len</a:t>
+            </a:r>
+            <a:r>
+              <a:rPr lang="en-US" sz="2200" dirty="0">
+                <a:latin typeface="Monaco" charset="0"/>
+                <a:ea typeface="Monaco" charset="0"/>
+                <a:cs typeface="Monaco" charset="0"/>
+              </a:rPr>
+              <a:t>(worklist)&gt;0:</a:t>
+            </a:r>
+          </a:p>
+          <a:p>
+            <a:r>
+              <a:rPr lang="mr-IN" sz="2200" dirty="0">
+                <a:latin typeface="Monaco" charset="0"/>
+                <a:ea typeface="Monaco" charset="0"/>
+                <a:cs typeface="Monaco" charset="0"/>
+              </a:rPr>
+              <a:t>        </a:t>
+            </a:r>
+            <a:r>
+              <a:rPr lang="mr-IN" sz="2200" dirty="0" err="1">
+                <a:latin typeface="Monaco" charset="0"/>
+                <a:ea typeface="Monaco" charset="0"/>
+                <a:cs typeface="Monaco" charset="0"/>
+              </a:rPr>
+              <a:t>path</a:t>
+            </a:r>
+            <a:r>
+              <a:rPr lang="mr-IN" sz="2200" dirty="0">
+                <a:latin typeface="Monaco" charset="0"/>
+                <a:ea typeface="Monaco" charset="0"/>
+                <a:cs typeface="Monaco" charset="0"/>
+              </a:rPr>
+              <a:t> = </a:t>
+            </a:r>
+            <a:r>
+              <a:rPr lang="mr-IN" sz="2200" dirty="0" err="1">
+                <a:latin typeface="Monaco" charset="0"/>
+                <a:ea typeface="Monaco" charset="0"/>
+                <a:cs typeface="Monaco" charset="0"/>
+              </a:rPr>
+              <a:t>worklist.pop</a:t>
+            </a:r>
+            <a:r>
+              <a:rPr lang="mr-IN" sz="2200" dirty="0">
+                <a:latin typeface="Monaco" charset="0"/>
+                <a:ea typeface="Monaco" charset="0"/>
+                <a:cs typeface="Monaco" charset="0"/>
+              </a:rPr>
+              <a:t>(0)</a:t>
+            </a:r>
+          </a:p>
+          <a:p>
+            <a:r>
+              <a:rPr lang="en-US" sz="2200" dirty="0" smtClean="0">
+                <a:latin typeface="Monaco" charset="0"/>
+                <a:ea typeface="Monaco" charset="0"/>
+                <a:cs typeface="Monaco" charset="0"/>
+              </a:rPr>
+              <a:t>        p </a:t>
+            </a:r>
+            <a:r>
+              <a:rPr lang="en-US" sz="2200" dirty="0">
+                <a:latin typeface="Monaco" charset="0"/>
+                <a:ea typeface="Monaco" charset="0"/>
+                <a:cs typeface="Monaco" charset="0"/>
+              </a:rPr>
+              <a:t>= path[-1] # tail of path</a:t>
+            </a:r>
+          </a:p>
+          <a:p>
+            <a:r>
+              <a:rPr lang="en-US" sz="2200" dirty="0">
+                <a:latin typeface="Monaco" charset="0"/>
+                <a:ea typeface="Monaco" charset="0"/>
+                <a:cs typeface="Monaco" charset="0"/>
+              </a:rPr>
+              <a:t>        if p is target</a:t>
+            </a:r>
+            <a:r>
+              <a:rPr lang="en-US" sz="2200" dirty="0" smtClean="0">
+                <a:latin typeface="Monaco" charset="0"/>
+                <a:ea typeface="Monaco" charset="0"/>
+                <a:cs typeface="Monaco" charset="0"/>
+              </a:rPr>
+              <a:t>:</a:t>
+            </a:r>
+            <a:r>
+              <a:rPr lang="mr-IN" sz="2200" dirty="0" smtClean="0">
+                <a:latin typeface="Monaco" charset="0"/>
+                <a:ea typeface="Monaco" charset="0"/>
+                <a:cs typeface="Monaco" charset="0"/>
+              </a:rPr>
+              <a:t> </a:t>
+            </a:r>
+            <a:r>
+              <a:rPr lang="mr-IN" sz="2200" dirty="0" err="1">
+                <a:latin typeface="Monaco" charset="0"/>
+                <a:ea typeface="Monaco" charset="0"/>
+                <a:cs typeface="Monaco" charset="0"/>
+              </a:rPr>
+              <a:t>return</a:t>
+            </a:r>
+            <a:r>
+              <a:rPr lang="mr-IN" sz="2200" dirty="0">
+                <a:latin typeface="Monaco" charset="0"/>
+                <a:ea typeface="Monaco" charset="0"/>
+                <a:cs typeface="Monaco" charset="0"/>
+              </a:rPr>
+              <a:t> </a:t>
+            </a:r>
+            <a:r>
+              <a:rPr lang="mr-IN" sz="2200" dirty="0" err="1">
+                <a:latin typeface="Monaco" charset="0"/>
+                <a:ea typeface="Monaco" charset="0"/>
+                <a:cs typeface="Monaco" charset="0"/>
+              </a:rPr>
+              <a:t>path</a:t>
+            </a:r>
+            <a:endParaRPr lang="mr-IN" sz="2200" dirty="0">
+              <a:latin typeface="Monaco" charset="0"/>
+              <a:ea typeface="Monaco" charset="0"/>
+              <a:cs typeface="Monaco" charset="0"/>
+            </a:endParaRPr>
+          </a:p>
+          <a:p>
+            <a:r>
+              <a:rPr lang="mr-IN" sz="2200" dirty="0">
+                <a:latin typeface="Monaco" charset="0"/>
+                <a:ea typeface="Monaco" charset="0"/>
+                <a:cs typeface="Monaco" charset="0"/>
+              </a:rPr>
+              <a:t>        </a:t>
+            </a:r>
+            <a:r>
+              <a:rPr lang="mr-IN" sz="2200" dirty="0" err="1">
+                <a:latin typeface="Monaco" charset="0"/>
+                <a:ea typeface="Monaco" charset="0"/>
+                <a:cs typeface="Monaco" charset="0"/>
+              </a:rPr>
+              <a:t>for</a:t>
+            </a:r>
+            <a:r>
+              <a:rPr lang="mr-IN" sz="2200" dirty="0">
+                <a:latin typeface="Monaco" charset="0"/>
+                <a:ea typeface="Monaco" charset="0"/>
+                <a:cs typeface="Monaco" charset="0"/>
+              </a:rPr>
+              <a:t> </a:t>
+            </a:r>
+            <a:r>
+              <a:rPr lang="mr-IN" sz="2200" dirty="0" err="1">
+                <a:latin typeface="Monaco" charset="0"/>
+                <a:ea typeface="Monaco" charset="0"/>
+                <a:cs typeface="Monaco" charset="0"/>
+              </a:rPr>
+              <a:t>q</a:t>
+            </a:r>
+            <a:r>
+              <a:rPr lang="mr-IN" sz="2200" dirty="0">
+                <a:latin typeface="Monaco" charset="0"/>
+                <a:ea typeface="Monaco" charset="0"/>
+                <a:cs typeface="Monaco" charset="0"/>
+              </a:rPr>
+              <a:t> </a:t>
+            </a:r>
+            <a:r>
+              <a:rPr lang="mr-IN" sz="2200" dirty="0" err="1">
+                <a:latin typeface="Monaco" charset="0"/>
+                <a:ea typeface="Monaco" charset="0"/>
+                <a:cs typeface="Monaco" charset="0"/>
+              </a:rPr>
+              <a:t>in</a:t>
+            </a:r>
+            <a:r>
+              <a:rPr lang="mr-IN" sz="2200" dirty="0">
+                <a:latin typeface="Monaco" charset="0"/>
+                <a:ea typeface="Monaco" charset="0"/>
+                <a:cs typeface="Monaco" charset="0"/>
+              </a:rPr>
+              <a:t> </a:t>
+            </a:r>
+            <a:r>
+              <a:rPr lang="mr-IN" sz="2200" dirty="0" err="1">
+                <a:latin typeface="Monaco" charset="0"/>
+                <a:ea typeface="Monaco" charset="0"/>
+                <a:cs typeface="Monaco" charset="0"/>
+              </a:rPr>
+              <a:t>p.edges</a:t>
+            </a:r>
+            <a:r>
+              <a:rPr lang="mr-IN" sz="2200" dirty="0">
+                <a:latin typeface="Monaco" charset="0"/>
+                <a:ea typeface="Monaco" charset="0"/>
+                <a:cs typeface="Monaco" charset="0"/>
+              </a:rPr>
+              <a:t>:</a:t>
+            </a:r>
+          </a:p>
+          <a:p>
+            <a:r>
+              <a:rPr lang="en-US" sz="2200" dirty="0">
+                <a:latin typeface="Monaco" charset="0"/>
+                <a:ea typeface="Monaco" charset="0"/>
+                <a:cs typeface="Monaco" charset="0"/>
+              </a:rPr>
+              <a:t>            if q not in visited:</a:t>
+            </a:r>
+          </a:p>
+          <a:p>
+            <a:r>
+              <a:rPr lang="mr-IN" sz="2200" dirty="0">
+                <a:latin typeface="Monaco" charset="0"/>
+                <a:ea typeface="Monaco" charset="0"/>
+                <a:cs typeface="Monaco" charset="0"/>
+              </a:rPr>
+              <a:t>                </a:t>
+            </a:r>
+            <a:r>
+              <a:rPr lang="mr-IN" sz="2200" dirty="0" err="1">
+                <a:latin typeface="Monaco" charset="0"/>
+                <a:ea typeface="Monaco" charset="0"/>
+                <a:cs typeface="Monaco" charset="0"/>
+              </a:rPr>
+              <a:t>worklist.append</a:t>
+            </a:r>
+            <a:r>
+              <a:rPr lang="mr-IN" sz="2200" dirty="0">
+                <a:latin typeface="Monaco" charset="0"/>
+                <a:ea typeface="Monaco" charset="0"/>
+                <a:cs typeface="Monaco" charset="0"/>
+              </a:rPr>
+              <a:t>(</a:t>
+            </a:r>
+            <a:r>
+              <a:rPr lang="mr-IN" sz="2200" dirty="0" err="1">
+                <a:latin typeface="Monaco" charset="0"/>
+                <a:ea typeface="Monaco" charset="0"/>
+                <a:cs typeface="Monaco" charset="0"/>
+              </a:rPr>
+              <a:t>path</a:t>
+            </a:r>
+            <a:r>
+              <a:rPr lang="mr-IN" sz="2200" dirty="0">
+                <a:latin typeface="Monaco" charset="0"/>
+                <a:ea typeface="Monaco" charset="0"/>
+                <a:cs typeface="Monaco" charset="0"/>
+              </a:rPr>
+              <a:t>+[</a:t>
+            </a:r>
+            <a:r>
+              <a:rPr lang="mr-IN" sz="2200" dirty="0" err="1">
+                <a:latin typeface="Monaco" charset="0"/>
+                <a:ea typeface="Monaco" charset="0"/>
+                <a:cs typeface="Monaco" charset="0"/>
+              </a:rPr>
+              <a:t>q</a:t>
+            </a:r>
+            <a:r>
+              <a:rPr lang="mr-IN" sz="2200" dirty="0">
+                <a:latin typeface="Monaco" charset="0"/>
+                <a:ea typeface="Monaco" charset="0"/>
+                <a:cs typeface="Monaco" charset="0"/>
+              </a:rPr>
+              <a:t>])</a:t>
+            </a:r>
+          </a:p>
+          <a:p>
+            <a:r>
+              <a:rPr lang="mr-IN" sz="2200" dirty="0">
+                <a:latin typeface="Monaco" charset="0"/>
+                <a:ea typeface="Monaco" charset="0"/>
+                <a:cs typeface="Monaco" charset="0"/>
+              </a:rPr>
+              <a:t>                </a:t>
+            </a:r>
+            <a:r>
+              <a:rPr lang="mr-IN" sz="2200" dirty="0" err="1">
+                <a:latin typeface="Monaco" charset="0"/>
+                <a:ea typeface="Monaco" charset="0"/>
+                <a:cs typeface="Monaco" charset="0"/>
+              </a:rPr>
+              <a:t>visited.add</a:t>
+            </a:r>
+            <a:r>
+              <a:rPr lang="mr-IN" sz="2200" dirty="0">
+                <a:latin typeface="Monaco" charset="0"/>
+                <a:ea typeface="Monaco" charset="0"/>
+                <a:cs typeface="Monaco" charset="0"/>
+              </a:rPr>
+              <a:t>(</a:t>
+            </a:r>
+            <a:r>
+              <a:rPr lang="mr-IN" sz="2200" dirty="0" err="1">
+                <a:latin typeface="Monaco" charset="0"/>
+                <a:ea typeface="Monaco" charset="0"/>
+                <a:cs typeface="Monaco" charset="0"/>
+              </a:rPr>
+              <a:t>q</a:t>
+            </a:r>
+            <a:r>
+              <a:rPr lang="mr-IN" sz="2200" dirty="0">
+                <a:latin typeface="Monaco" charset="0"/>
+                <a:ea typeface="Monaco" charset="0"/>
+                <a:cs typeface="Monaco" charset="0"/>
+              </a:rPr>
+              <a:t>)</a:t>
+            </a:r>
+          </a:p>
+        </p:txBody>
+      </p:sp>
+      <p:pic>
+        <p:nvPicPr>
+          <p:cNvPr id="5" name="Picture 4"/>
+          <p:cNvPicPr>
+            <a:picLocks noChangeAspect="1"/>
+          </p:cNvPicPr>
+          <p:nvPr/>
+        </p:nvPicPr>
+        <p:blipFill>
+          <a:blip r:embed="rId2"/>
+          <a:stretch>
+            <a:fillRect/>
+          </a:stretch>
+        </p:blipFill>
+        <p:spPr>
+          <a:xfrm>
+            <a:off x="8970241" y="230693"/>
+            <a:ext cx="2603500" cy="1600200"/>
+          </a:xfrm>
+          <a:prstGeom prst="rect">
+            <a:avLst/>
+          </a:prstGeom>
+        </p:spPr>
+      </p:pic>
+      <p:sp>
+        <p:nvSpPr>
+          <p:cNvPr id="6" name="TextBox 5"/>
+          <p:cNvSpPr txBox="1"/>
+          <p:nvPr/>
+        </p:nvSpPr>
+        <p:spPr>
+          <a:xfrm>
+            <a:off x="838200" y="6390409"/>
+            <a:ext cx="6827510" cy="369332"/>
+          </a:xfrm>
+          <a:prstGeom prst="rect">
+            <a:avLst/>
+          </a:prstGeom>
+          <a:noFill/>
+        </p:spPr>
+        <p:txBody>
+          <a:bodyPr wrap="none" rtlCol="0">
+            <a:spAutoFit/>
+          </a:bodyPr>
+          <a:lstStyle/>
+          <a:p>
+            <a:r>
+              <a:rPr lang="en-US" dirty="0"/>
+              <a:t>https://</a:t>
+            </a:r>
+            <a:r>
+              <a:rPr lang="en-US" dirty="0" err="1"/>
+              <a:t>github.com</a:t>
+            </a:r>
+            <a:r>
+              <a:rPr lang="en-US" dirty="0"/>
+              <a:t>/</a:t>
+            </a:r>
+            <a:r>
+              <a:rPr lang="en-US" dirty="0" err="1"/>
+              <a:t>parrt</a:t>
+            </a:r>
+            <a:r>
+              <a:rPr lang="en-US" dirty="0"/>
+              <a:t>/msds689/blob/master/notes/</a:t>
+            </a:r>
+            <a:r>
+              <a:rPr lang="en-US" dirty="0" err="1"/>
+              <a:t>graphs.ipynb</a:t>
+            </a:r>
+            <a:endParaRPr lang="en-US" dirty="0"/>
+          </a:p>
+        </p:txBody>
+      </p:sp>
+    </p:spTree>
+    <p:extLst>
+      <p:ext uri="{BB962C8B-B14F-4D97-AF65-F5344CB8AC3E}">
+        <p14:creationId xmlns:p14="http://schemas.microsoft.com/office/powerpoint/2010/main" val="706130134"/>
       </p:ext>
     </p:extLst>
   </p:cSld>
@@ -5895,6 +7871,526 @@
           <a:p>
             <a:r>
               <a:rPr lang="en-US" dirty="0" smtClean="0"/>
+              <a:t>Implementation with labels</a:t>
+            </a:r>
+            <a:endParaRPr lang="en-US" dirty="0"/>
+          </a:p>
+        </p:txBody>
+      </p:sp>
+      <p:pic>
+        <p:nvPicPr>
+          <p:cNvPr id="5" name="Content Placeholder 4"/>
+          <p:cNvPicPr>
+            <a:picLocks noGrp="1" noChangeAspect="1"/>
+          </p:cNvPicPr>
+          <p:nvPr>
+            <p:ph idx="1"/>
+          </p:nvPr>
+        </p:nvPicPr>
+        <p:blipFill>
+          <a:blip r:embed="rId2">
+            <a:extLst>
+              <a:ext uri="{28A0092B-C50C-407E-A947-70E740481C1C}">
+                <a14:useLocalDpi xmlns:a14="http://schemas.microsoft.com/office/drawing/2010/main" val="0"/>
+              </a:ext>
+            </a:extLst>
+          </a:blip>
+          <a:stretch>
+            <a:fillRect/>
+          </a:stretch>
+        </p:blipFill>
+        <p:spPr>
+          <a:xfrm>
+            <a:off x="609600" y="4592782"/>
+            <a:ext cx="11372919" cy="1779379"/>
+          </a:xfrm>
+        </p:spPr>
+      </p:pic>
+      <p:sp>
+        <p:nvSpPr>
+          <p:cNvPr id="6" name="TextBox 5">
+            <a:extLst>
+              <a:ext uri="{FF2B5EF4-FFF2-40B4-BE49-F238E27FC236}">
+                <a16:creationId xmlns:a16="http://schemas.microsoft.com/office/drawing/2014/main" xmlns="" id="{5E0D579F-9116-314E-A31B-3D37BB7398D6}"/>
+              </a:ext>
+            </a:extLst>
+          </p:cNvPr>
+          <p:cNvSpPr txBox="1"/>
+          <p:nvPr/>
+        </p:nvSpPr>
+        <p:spPr>
+          <a:xfrm>
+            <a:off x="609600" y="1646542"/>
+            <a:ext cx="5562600" cy="2800767"/>
+          </a:xfrm>
+          <a:prstGeom prst="rect">
+            <a:avLst/>
+          </a:prstGeom>
+          <a:noFill/>
+          <a:ln>
+            <a:solidFill>
+              <a:schemeClr val="accent1"/>
+            </a:solidFill>
+          </a:ln>
+        </p:spPr>
+        <p:txBody>
+          <a:bodyPr wrap="square" rtlCol="0">
+            <a:spAutoFit/>
+          </a:bodyPr>
+          <a:lstStyle/>
+          <a:p>
+            <a:r>
+              <a:rPr lang="en-US" sz="2200" dirty="0">
+                <a:latin typeface="Monaco" charset="0"/>
+                <a:ea typeface="Monaco" charset="0"/>
+                <a:cs typeface="Monaco" charset="0"/>
+              </a:rPr>
+              <a:t>class </a:t>
+            </a:r>
+            <a:r>
+              <a:rPr lang="en-US" sz="2200" dirty="0" err="1">
+                <a:latin typeface="Monaco" charset="0"/>
+                <a:ea typeface="Monaco" charset="0"/>
+                <a:cs typeface="Monaco" charset="0"/>
+              </a:rPr>
+              <a:t>LNode</a:t>
+            </a:r>
+            <a:r>
+              <a:rPr lang="en-US" sz="2200" dirty="0">
+                <a:latin typeface="Monaco" charset="0"/>
+                <a:ea typeface="Monaco" charset="0"/>
+                <a:cs typeface="Monaco" charset="0"/>
+              </a:rPr>
+              <a:t>:</a:t>
+            </a:r>
+          </a:p>
+          <a:p>
+            <a:r>
+              <a:rPr lang="en-US" sz="2200" dirty="0">
+                <a:latin typeface="Monaco" charset="0"/>
+                <a:ea typeface="Monaco" charset="0"/>
+                <a:cs typeface="Monaco" charset="0"/>
+              </a:rPr>
+              <a:t>  </a:t>
+            </a:r>
+            <a:r>
+              <a:rPr lang="en-US" sz="2200" dirty="0" err="1">
+                <a:latin typeface="Monaco" charset="0"/>
+                <a:ea typeface="Monaco" charset="0"/>
+                <a:cs typeface="Monaco" charset="0"/>
+              </a:rPr>
+              <a:t>def</a:t>
+            </a:r>
+            <a:r>
+              <a:rPr lang="en-US" sz="2200" dirty="0">
+                <a:latin typeface="Monaco" charset="0"/>
+                <a:ea typeface="Monaco" charset="0"/>
+                <a:cs typeface="Monaco" charset="0"/>
+              </a:rPr>
+              <a:t> __</a:t>
+            </a:r>
+            <a:r>
+              <a:rPr lang="en-US" sz="2200" dirty="0" err="1">
+                <a:latin typeface="Monaco" charset="0"/>
+                <a:ea typeface="Monaco" charset="0"/>
+                <a:cs typeface="Monaco" charset="0"/>
+              </a:rPr>
+              <a:t>init</a:t>
+            </a:r>
+            <a:r>
+              <a:rPr lang="en-US" sz="2200" dirty="0">
+                <a:latin typeface="Monaco" charset="0"/>
+                <a:ea typeface="Monaco" charset="0"/>
+                <a:cs typeface="Monaco" charset="0"/>
+              </a:rPr>
+              <a:t>__(self, value):</a:t>
+            </a:r>
+          </a:p>
+          <a:p>
+            <a:r>
+              <a:rPr lang="en-US" sz="2200" dirty="0">
+                <a:latin typeface="Monaco" charset="0"/>
+                <a:ea typeface="Monaco" charset="0"/>
+                <a:cs typeface="Monaco" charset="0"/>
+              </a:rPr>
+              <a:t>    </a:t>
+            </a:r>
+            <a:r>
+              <a:rPr lang="en-US" sz="2200" dirty="0" err="1">
+                <a:latin typeface="Monaco" charset="0"/>
+                <a:ea typeface="Monaco" charset="0"/>
+                <a:cs typeface="Monaco" charset="0"/>
+              </a:rPr>
+              <a:t>self.value</a:t>
+            </a:r>
+            <a:r>
+              <a:rPr lang="en-US" sz="2200" dirty="0">
+                <a:latin typeface="Monaco" charset="0"/>
+                <a:ea typeface="Monaco" charset="0"/>
+                <a:cs typeface="Monaco" charset="0"/>
+              </a:rPr>
+              <a:t> = value</a:t>
+            </a:r>
+          </a:p>
+          <a:p>
+            <a:r>
+              <a:rPr lang="en-US" sz="2200" dirty="0">
+                <a:latin typeface="Monaco" charset="0"/>
+                <a:ea typeface="Monaco" charset="0"/>
+                <a:cs typeface="Monaco" charset="0"/>
+              </a:rPr>
+              <a:t>    </a:t>
+            </a:r>
+            <a:r>
+              <a:rPr lang="en-US" sz="2200" dirty="0" err="1">
+                <a:latin typeface="Monaco" charset="0"/>
+                <a:ea typeface="Monaco" charset="0"/>
+                <a:cs typeface="Monaco" charset="0"/>
+              </a:rPr>
+              <a:t>self.edges</a:t>
+            </a:r>
+            <a:r>
+              <a:rPr lang="en-US" sz="2200" dirty="0">
+                <a:latin typeface="Monaco" charset="0"/>
+                <a:ea typeface="Monaco" charset="0"/>
+                <a:cs typeface="Monaco" charset="0"/>
+              </a:rPr>
+              <a:t> = </a:t>
+            </a:r>
+            <a:r>
+              <a:rPr lang="en-US" sz="2200" dirty="0" smtClean="0">
+                <a:latin typeface="Monaco" charset="0"/>
+                <a:ea typeface="Monaco" charset="0"/>
+                <a:cs typeface="Monaco" charset="0"/>
+              </a:rPr>
+              <a:t>{}</a:t>
+            </a:r>
+            <a:endParaRPr lang="en-US" sz="2200" dirty="0">
+              <a:latin typeface="Monaco" charset="0"/>
+              <a:ea typeface="Monaco" charset="0"/>
+              <a:cs typeface="Monaco" charset="0"/>
+            </a:endParaRPr>
+          </a:p>
+          <a:p>
+            <a:r>
+              <a:rPr lang="en-US" sz="2200" dirty="0">
+                <a:latin typeface="Monaco" charset="0"/>
+                <a:ea typeface="Monaco" charset="0"/>
+                <a:cs typeface="Monaco" charset="0"/>
+              </a:rPr>
+              <a:t>  </a:t>
+            </a:r>
+            <a:r>
+              <a:rPr lang="en-US" sz="2200" dirty="0" err="1">
+                <a:latin typeface="Monaco" charset="0"/>
+                <a:ea typeface="Monaco" charset="0"/>
+                <a:cs typeface="Monaco" charset="0"/>
+              </a:rPr>
+              <a:t>def</a:t>
+            </a:r>
+            <a:r>
+              <a:rPr lang="en-US" sz="2200" dirty="0">
+                <a:latin typeface="Monaco" charset="0"/>
+                <a:ea typeface="Monaco" charset="0"/>
+                <a:cs typeface="Monaco" charset="0"/>
+              </a:rPr>
+              <a:t> add(self, label, target):</a:t>
+            </a:r>
+          </a:p>
+          <a:p>
+            <a:r>
+              <a:rPr lang="en-US" sz="2200" dirty="0">
+                <a:latin typeface="Monaco" charset="0"/>
+                <a:ea typeface="Monaco" charset="0"/>
+                <a:cs typeface="Monaco" charset="0"/>
+              </a:rPr>
+              <a:t>    </a:t>
+            </a:r>
+            <a:r>
+              <a:rPr lang="en-US" sz="2200" dirty="0" err="1">
+                <a:latin typeface="Monaco" charset="0"/>
+                <a:ea typeface="Monaco" charset="0"/>
+                <a:cs typeface="Monaco" charset="0"/>
+              </a:rPr>
+              <a:t>self.edges</a:t>
+            </a:r>
+            <a:r>
+              <a:rPr lang="en-US" sz="2200" dirty="0">
+                <a:latin typeface="Monaco" charset="0"/>
+                <a:ea typeface="Monaco" charset="0"/>
+                <a:cs typeface="Monaco" charset="0"/>
+              </a:rPr>
+              <a:t>[label] = target</a:t>
+            </a:r>
+          </a:p>
+          <a:p>
+            <a:r>
+              <a:rPr lang="en-US" sz="2200" dirty="0">
+                <a:latin typeface="Monaco" charset="0"/>
+                <a:ea typeface="Monaco" charset="0"/>
+                <a:cs typeface="Monaco" charset="0"/>
+              </a:rPr>
+              <a:t>  </a:t>
+            </a:r>
+            <a:r>
+              <a:rPr lang="en-US" sz="2200" dirty="0" err="1">
+                <a:latin typeface="Monaco" charset="0"/>
+                <a:ea typeface="Monaco" charset="0"/>
+                <a:cs typeface="Monaco" charset="0"/>
+              </a:rPr>
+              <a:t>def</a:t>
+            </a:r>
+            <a:r>
+              <a:rPr lang="en-US" sz="2200" dirty="0">
+                <a:latin typeface="Monaco" charset="0"/>
+                <a:ea typeface="Monaco" charset="0"/>
+                <a:cs typeface="Monaco" charset="0"/>
+              </a:rPr>
+              <a:t> __</a:t>
+            </a:r>
+            <a:r>
+              <a:rPr lang="en-US" sz="2200" dirty="0" err="1">
+                <a:latin typeface="Monaco" charset="0"/>
+                <a:ea typeface="Monaco" charset="0"/>
+                <a:cs typeface="Monaco" charset="0"/>
+              </a:rPr>
+              <a:t>repr</a:t>
+            </a:r>
+            <a:r>
+              <a:rPr lang="en-US" sz="2200" dirty="0">
+                <a:latin typeface="Monaco" charset="0"/>
+                <a:ea typeface="Monaco" charset="0"/>
+                <a:cs typeface="Monaco" charset="0"/>
+              </a:rPr>
+              <a:t>__(self</a:t>
+            </a:r>
+            <a:r>
+              <a:rPr lang="en-US" sz="2200" dirty="0" smtClean="0">
+                <a:latin typeface="Monaco" charset="0"/>
+                <a:ea typeface="Monaco" charset="0"/>
+                <a:cs typeface="Monaco" charset="0"/>
+              </a:rPr>
+              <a:t>):</a:t>
+            </a:r>
+          </a:p>
+          <a:p>
+            <a:r>
+              <a:rPr lang="en-US" sz="2200" dirty="0">
+                <a:latin typeface="Monaco" charset="0"/>
+                <a:ea typeface="Monaco" charset="0"/>
+                <a:cs typeface="Monaco" charset="0"/>
+              </a:rPr>
+              <a:t> </a:t>
+            </a:r>
+            <a:r>
+              <a:rPr lang="en-US" sz="2200" dirty="0" smtClean="0">
+                <a:latin typeface="Monaco" charset="0"/>
+                <a:ea typeface="Monaco" charset="0"/>
+                <a:cs typeface="Monaco" charset="0"/>
+              </a:rPr>
+              <a:t>   return </a:t>
+            </a:r>
+            <a:r>
+              <a:rPr lang="en-US" sz="2200" dirty="0" err="1">
+                <a:latin typeface="Monaco" charset="0"/>
+                <a:ea typeface="Monaco" charset="0"/>
+                <a:cs typeface="Monaco" charset="0"/>
+              </a:rPr>
+              <a:t>str</a:t>
+            </a:r>
+            <a:r>
+              <a:rPr lang="en-US" sz="2200" dirty="0">
+                <a:latin typeface="Monaco" charset="0"/>
+                <a:ea typeface="Monaco" charset="0"/>
+                <a:cs typeface="Monaco" charset="0"/>
+              </a:rPr>
+              <a:t>(</a:t>
+            </a:r>
+            <a:r>
+              <a:rPr lang="en-US" sz="2200" dirty="0" err="1">
+                <a:latin typeface="Monaco" charset="0"/>
+                <a:ea typeface="Monaco" charset="0"/>
+                <a:cs typeface="Monaco" charset="0"/>
+              </a:rPr>
+              <a:t>self.value</a:t>
+            </a:r>
+            <a:r>
+              <a:rPr lang="en-US" sz="2200" dirty="0">
+                <a:latin typeface="Monaco" charset="0"/>
+                <a:ea typeface="Monaco" charset="0"/>
+                <a:cs typeface="Monaco" charset="0"/>
+              </a:rPr>
+              <a:t>)</a:t>
+            </a:r>
+          </a:p>
+        </p:txBody>
+      </p:sp>
+      <p:sp>
+        <p:nvSpPr>
+          <p:cNvPr id="7" name="TextBox 6"/>
+          <p:cNvSpPr txBox="1"/>
+          <p:nvPr/>
+        </p:nvSpPr>
+        <p:spPr>
+          <a:xfrm>
+            <a:off x="6630058" y="1690688"/>
+            <a:ext cx="4313681" cy="461665"/>
+          </a:xfrm>
+          <a:prstGeom prst="rect">
+            <a:avLst/>
+          </a:prstGeom>
+          <a:noFill/>
+        </p:spPr>
+        <p:txBody>
+          <a:bodyPr wrap="none" rtlCol="0">
+            <a:spAutoFit/>
+          </a:bodyPr>
+          <a:lstStyle/>
+          <a:p>
+            <a:r>
+              <a:rPr lang="en-US" sz="2400" dirty="0" smtClean="0"/>
+              <a:t>Edge-&gt;node dictionary, not list</a:t>
+            </a:r>
+            <a:endParaRPr lang="en-US" sz="2400" dirty="0"/>
+          </a:p>
+        </p:txBody>
+      </p:sp>
+      <p:sp>
+        <p:nvSpPr>
+          <p:cNvPr id="8" name="Rectangle 7"/>
+          <p:cNvSpPr/>
+          <p:nvPr/>
+        </p:nvSpPr>
+        <p:spPr>
+          <a:xfrm>
+            <a:off x="7250259" y="2338755"/>
+            <a:ext cx="3073277" cy="1107996"/>
+          </a:xfrm>
+          <a:prstGeom prst="rect">
+            <a:avLst/>
+          </a:prstGeom>
+        </p:spPr>
+        <p:txBody>
+          <a:bodyPr wrap="none">
+            <a:spAutoFit/>
+          </a:bodyPr>
+          <a:lstStyle/>
+          <a:p>
+            <a:r>
+              <a:rPr lang="en-US" sz="2200" dirty="0" err="1">
+                <a:latin typeface="Monaco" charset="0"/>
+                <a:ea typeface="Monaco" charset="0"/>
+                <a:cs typeface="Monaco" charset="0"/>
+              </a:rPr>
+              <a:t>sf.add</a:t>
+            </a:r>
+            <a:r>
+              <a:rPr lang="en-US" sz="2200" dirty="0">
+                <a:latin typeface="Monaco" charset="0"/>
+                <a:ea typeface="Monaco" charset="0"/>
+                <a:cs typeface="Monaco" charset="0"/>
+              </a:rPr>
+              <a:t>(100,sj</a:t>
+            </a:r>
+            <a:r>
+              <a:rPr lang="en-US" sz="2200" dirty="0" smtClean="0">
+                <a:latin typeface="Monaco" charset="0"/>
+                <a:ea typeface="Monaco" charset="0"/>
+                <a:cs typeface="Monaco" charset="0"/>
+              </a:rPr>
+              <a:t>)</a:t>
+            </a:r>
+          </a:p>
+          <a:p>
+            <a:r>
+              <a:rPr lang="en-US" sz="2200" dirty="0" err="1">
+                <a:latin typeface="Monaco" charset="0"/>
+                <a:ea typeface="Monaco" charset="0"/>
+                <a:cs typeface="Monaco" charset="0"/>
+              </a:rPr>
+              <a:t>sj.add</a:t>
+            </a:r>
+            <a:r>
+              <a:rPr lang="en-US" sz="2200" dirty="0">
+                <a:latin typeface="Monaco" charset="0"/>
+                <a:ea typeface="Monaco" charset="0"/>
+                <a:cs typeface="Monaco" charset="0"/>
+              </a:rPr>
+              <a:t>(150,baker</a:t>
+            </a:r>
+            <a:r>
+              <a:rPr lang="en-US" sz="2200" dirty="0" smtClean="0">
+                <a:latin typeface="Monaco" charset="0"/>
+                <a:ea typeface="Monaco" charset="0"/>
+                <a:cs typeface="Monaco" charset="0"/>
+              </a:rPr>
+              <a:t>)</a:t>
+            </a:r>
+          </a:p>
+          <a:p>
+            <a:r>
+              <a:rPr lang="mr-IN" sz="2200" dirty="0" smtClean="0">
+                <a:latin typeface="Monaco" charset="0"/>
+                <a:ea typeface="Monaco" charset="0"/>
+                <a:cs typeface="Monaco" charset="0"/>
+              </a:rPr>
+              <a:t>…</a:t>
+            </a:r>
+            <a:endParaRPr lang="en-US" sz="2200" dirty="0">
+              <a:latin typeface="Monaco" charset="0"/>
+              <a:ea typeface="Monaco" charset="0"/>
+              <a:cs typeface="Monaco" charset="0"/>
+            </a:endParaRPr>
+          </a:p>
+        </p:txBody>
+      </p:sp>
+    </p:spTree>
+    <p:extLst>
+      <p:ext uri="{BB962C8B-B14F-4D97-AF65-F5344CB8AC3E}">
+        <p14:creationId xmlns:p14="http://schemas.microsoft.com/office/powerpoint/2010/main" val="571002868"/>
+      </p:ext>
+    </p:extLst>
+  </p:cSld>
+  <p:clrMapOvr>
+    <a:masterClrMapping/>
+  </p:clrMapOvr>
+</p:sld>
+</file>
+
+<file path=ppt/slides/slide8.xml><?xml version="1.0" encoding="utf-8"?>
+<p:sld xmlns:a="http://schemas.openxmlformats.org/drawingml/2006/main" xmlns:r="http://schemas.openxmlformats.org/officeDocument/2006/relationships" xmlns:p="http://schemas.openxmlformats.org/presentationml/2006/main">
+  <p:cSld>
+    <p:spTree>
+      <p:nvGrpSpPr>
+        <p:cNvPr id="1" name=""/>
+        <p:cNvGrpSpPr/>
+        <p:nvPr/>
+      </p:nvGrpSpPr>
+      <p:grpSpPr>
+        <a:xfrm>
+          <a:off x="0" y="0"/>
+          <a:ext cx="0" cy="0"/>
+          <a:chOff x="0" y="0"/>
+          <a:chExt cx="0" cy="0"/>
+        </a:xfrm>
+      </p:grpSpPr>
+      <p:sp>
+        <p:nvSpPr>
+          <p:cNvPr id="2" name="Title 1"/>
+          <p:cNvSpPr>
+            <a:spLocks noGrp="1"/>
+          </p:cNvSpPr>
+          <p:nvPr>
+            <p:ph type="title"/>
+          </p:nvPr>
+        </p:nvSpPr>
+        <p:spPr/>
+        <p:txBody>
+          <a:bodyPr/>
+          <a:lstStyle/>
+          <a:p>
+            <a:r>
+              <a:rPr lang="en-US" dirty="0" smtClean="0"/>
               <a:t>Depth-first search (review)</a:t>
             </a:r>
             <a:endParaRPr lang="en-US" dirty="0"/>
@@ -6109,7 +8605,7 @@
                 <a:ea typeface="Monaco" charset="0"/>
                 <a:cs typeface="Monaco" charset="0"/>
               </a:rPr>
-              <a:t>seen:set</a:t>
+              <a:t>visited:set</a:t>
             </a:r>
             <a:r>
               <a:rPr lang="en-US" sz="2400" dirty="0" smtClean="0">
@@ -6117,7 +8613,30 @@
                 <a:ea typeface="Monaco" charset="0"/>
                 <a:cs typeface="Monaco" charset="0"/>
               </a:rPr>
-              <a:t>) </a:t>
+              <a:t>)</a:t>
+            </a:r>
+            <a:r>
+              <a:rPr lang="en-US" sz="2400" dirty="0" smtClean="0">
+                <a:latin typeface="Monaco" charset="0"/>
+                <a:ea typeface="Monaco" charset="0"/>
+                <a:cs typeface="Monaco" charset="0"/>
+              </a:rPr>
+              <a:t>:</a:t>
+            </a:r>
+            <a:endParaRPr lang="en-US" sz="2400" dirty="0">
+              <a:latin typeface="Monaco" charset="0"/>
+              <a:ea typeface="Monaco" charset="0"/>
+              <a:cs typeface="Monaco" charset="0"/>
+            </a:endParaRPr>
+          </a:p>
+          <a:p>
+            <a:r>
+              <a:rPr lang="en-US" sz="2400" dirty="0" smtClean="0">
+                <a:latin typeface="Monaco" charset="0"/>
+                <a:ea typeface="Monaco" charset="0"/>
+                <a:cs typeface="Monaco" charset="0"/>
+              </a:rPr>
+              <a:t>    if </a:t>
             </a:r>
             <a:r>
               <a:rPr lang="en-US" sz="2400" dirty="0">
@@ -6125,7 +8644,57 @@
                 <a:ea typeface="Monaco" charset="0"/>
                 <a:cs typeface="Monaco" charset="0"/>
               </a:rPr>
-              <a:t>-&gt; None:</a:t>
+              <a:t>p in </a:t>
+            </a:r>
+            <a:r>
+              <a:rPr lang="en-US" sz="2400" dirty="0">
+                <a:latin typeface="Monaco" charset="0"/>
+                <a:ea typeface="Monaco" charset="0"/>
+                <a:cs typeface="Monaco" charset="0"/>
+              </a:rPr>
+              <a:t>visited: </a:t>
+            </a:r>
+            <a:r>
+              <a:rPr lang="en-US" sz="2400" dirty="0">
+                <a:latin typeface="Monaco" charset="0"/>
+                <a:ea typeface="Monaco" charset="0"/>
+                <a:cs typeface="Monaco" charset="0"/>
+              </a:rPr>
+              <a:t>return</a:t>
+            </a:r>
+          </a:p>
+          <a:p>
+            <a:r>
+              <a:rPr lang="en-US" sz="2400" dirty="0">
+                <a:latin typeface="Monaco" charset="0"/>
+                <a:ea typeface="Monaco" charset="0"/>
+                <a:cs typeface="Monaco" charset="0"/>
+              </a:rPr>
+              <a:t>    </a:t>
+            </a:r>
+            <a:r>
+              <a:rPr lang="en-US" sz="2400" dirty="0" err="1">
+                <a:latin typeface="Monaco" charset="0"/>
+                <a:ea typeface="Monaco" charset="0"/>
+                <a:cs typeface="Monaco" charset="0"/>
+              </a:rPr>
+              <a:t>visited.add</a:t>
+            </a:r>
+            <a:r>
+              <a:rPr lang="en-US" sz="2400" dirty="0">
+                <a:latin typeface="Monaco" charset="0"/>
+                <a:ea typeface="Monaco" charset="0"/>
+                <a:cs typeface="Monaco" charset="0"/>
+              </a:rPr>
+              <a:t>(p</a:t>
+            </a:r>
+            <a:r>
+              <a:rPr lang="en-US" sz="2400" dirty="0">
+                <a:latin typeface="Monaco" charset="0"/>
+                <a:ea typeface="Monaco" charset="0"/>
+                <a:cs typeface="Monaco" charset="0"/>
+              </a:rPr>
+              <a:t>)</a:t>
             </a:r>
           </a:p>
           <a:p>
@@ -6135,7 +8704,7 @@
                 <a:ea typeface="Monaco" charset="0"/>
                 <a:cs typeface="Monaco" charset="0"/>
               </a:rPr>
-              <a:t>    if </a:t>
+              <a:t>    for </a:t>
             </a:r>
             <a:r>
               <a:rPr lang="en-US" sz="2400" dirty="0">
@@ -6143,43 +8712,49 @@
                 <a:ea typeface="Monaco" charset="0"/>
                 <a:cs typeface="Monaco" charset="0"/>
               </a:rPr>
-              <a:t>p in seen: return</a:t>
-            </a:r>
-          </a:p>
-          <a:p>
+              <a:t>q in </a:t>
+            </a:r>
+            <a:r>
+              <a:rPr lang="en-US" sz="2400" dirty="0" err="1">
+                <a:latin typeface="Monaco" charset="0"/>
+                <a:ea typeface="Monaco" charset="0"/>
+                <a:cs typeface="Monaco" charset="0"/>
+              </a:rPr>
+              <a:t>p.edges</a:t>
+            </a:r>
             <a:r>
               <a:rPr lang="en-US" sz="2400" dirty="0">
                 <a:latin typeface="Monaco" charset="0"/>
                 <a:ea typeface="Monaco" charset="0"/>
                 <a:cs typeface="Monaco" charset="0"/>
               </a:rPr>
-              <a:t>    </a:t>
-            </a:r>
-            <a:r>
-              <a:rPr lang="en-US" sz="2400" dirty="0" err="1">
-                <a:latin typeface="Monaco" charset="0"/>
-                <a:ea typeface="Monaco" charset="0"/>
-                <a:cs typeface="Monaco" charset="0"/>
-              </a:rPr>
-              <a:t>seen.add</a:t>
-            </a:r>
+              <a:t>:</a:t>
+            </a:r>
+          </a:p>
+          <a:p>
             <a:r>
               <a:rPr lang="en-US" sz="2400" dirty="0">
                 <a:latin typeface="Monaco" charset="0"/>
                 <a:ea typeface="Monaco" charset="0"/>
                 <a:cs typeface="Monaco" charset="0"/>
               </a:rPr>
-              <a:t>(p)</a:t>
-            </a:r>
-          </a:p>
-          <a:p>
+              <a:t>        </a:t>
+            </a:r>
+            <a:r>
+              <a:rPr lang="en-US" sz="2400" dirty="0" err="1" smtClean="0">
+                <a:latin typeface="Monaco" charset="0"/>
+                <a:ea typeface="Monaco" charset="0"/>
+                <a:cs typeface="Monaco" charset="0"/>
+              </a:rPr>
+              <a:t>walk_graph</a:t>
+            </a:r>
             <a:r>
               <a:rPr lang="en-US" sz="2400" dirty="0" smtClean="0">
                 <a:latin typeface="Monaco" charset="0"/>
                 <a:ea typeface="Monaco" charset="0"/>
                 <a:cs typeface="Monaco" charset="0"/>
               </a:rPr>
-              <a:t>    for </a:t>
+              <a:t>_(</a:t>
             </a:r>
             <a:r>
               <a:rPr lang="en-US" sz="2400" dirty="0">
@@ -6187,41 +8762,7 @@
                 <a:ea typeface="Monaco" charset="0"/>
                 <a:cs typeface="Monaco" charset="0"/>
               </a:rPr>
-              <a:t>q in </a:t>
-            </a:r>
-            <a:r>
-              <a:rPr lang="en-US" sz="2400" dirty="0" err="1">
-                <a:latin typeface="Monaco" charset="0"/>
-                <a:ea typeface="Monaco" charset="0"/>
-                <a:cs typeface="Monaco" charset="0"/>
-              </a:rPr>
-              <a:t>p.edges</a:t>
-            </a:r>
-            <a:r>
-              <a:rPr lang="en-US" sz="2400" dirty="0">
-                <a:latin typeface="Monaco" charset="0"/>
-                <a:ea typeface="Monaco" charset="0"/>
-                <a:cs typeface="Monaco" charset="0"/>
-              </a:rPr>
-              <a:t>:</a:t>
-            </a:r>
-          </a:p>
-          <a:p>
-            <a:r>
-              <a:rPr lang="en-US" sz="2400" dirty="0">
-                <a:latin typeface="Monaco" charset="0"/>
-                <a:ea typeface="Monaco" charset="0"/>
-                <a:cs typeface="Monaco" charset="0"/>
-              </a:rPr>
-              <a:t>        </a:t>
-            </a:r>
-            <a:r>
-              <a:rPr lang="en-US" sz="2400" dirty="0" err="1" smtClean="0">
-                <a:latin typeface="Monaco" charset="0"/>
-                <a:ea typeface="Monaco" charset="0"/>
-                <a:cs typeface="Monaco" charset="0"/>
-              </a:rPr>
-              <a:t>walk_graph</a:t>
+              <a:t>q, visited</a:t>
             </a:r>
             <a:r>
               <a:rPr lang="en-US" sz="2400" dirty="0" smtClean="0">
@@ -6229,15 +8770,7 @@
                 <a:ea typeface="Monaco" charset="0"/>
                 <a:cs typeface="Monaco" charset="0"/>
               </a:rPr>
-              <a:t>_(</a:t>
-            </a:r>
-            <a:r>
-              <a:rPr lang="en-US" sz="2400" dirty="0">
-                <a:latin typeface="Monaco" charset="0"/>
-                <a:ea typeface="Monaco" charset="0"/>
-                <a:cs typeface="Monaco" charset="0"/>
-              </a:rPr>
-              <a:t>q, seen)</a:t>
+              <a:t>)</a:t>
             </a:r>
             <a:endParaRPr lang="en-US" sz="2400" dirty="0">
               <a:latin typeface="Monaco" charset="0"/>
@@ -6327,608 +8860,6 @@
 </p:sld>
 </file>
 
-<file path=ppt/slides/slide8.xml><?xml version="1.0" encoding="utf-8"?>
-<p:sld xmlns:a="http://schemas.openxmlformats.org/drawingml/2006/main" xmlns:r="http://schemas.openxmlformats.org/officeDocument/2006/relationships" xmlns:p="http://schemas.openxmlformats.org/presentationml/2006/main">
-  <p:cSld>
-    <p:spTree>
-      <p:nvGrpSpPr>
-        <p:cNvPr id="1" name=""/>
-        <p:cNvGrpSpPr/>
-        <p:nvPr/>
-      </p:nvGrpSpPr>
-      <p:grpSpPr>
-        <a:xfrm>
-          <a:off x="0" y="0"/>
-          <a:ext cx="0" cy="0"/>
-          <a:chOff x="0" y="0"/>
-          <a:chExt cx="0" cy="0"/>
-        </a:xfrm>
-      </p:grpSpPr>
-      <p:sp>
-        <p:nvSpPr>
-          <p:cNvPr id="2" name="Title 1"/>
-          <p:cNvSpPr>
-            <a:spLocks noGrp="1"/>
-          </p:cNvSpPr>
-          <p:nvPr>
-            <p:ph type="title"/>
-          </p:nvPr>
-        </p:nvSpPr>
-        <p:spPr/>
-        <p:txBody>
-          <a:bodyPr/>
-          <a:lstStyle/>
-          <a:p>
-            <a:r>
-              <a:rPr lang="en-US" dirty="0" smtClean="0"/>
-              <a:t>Are there cycles?</a:t>
-            </a:r>
-            <a:endParaRPr lang="en-US" dirty="0"/>
-          </a:p>
-        </p:txBody>
-      </p:sp>
-      <p:sp>
-        <p:nvSpPr>
-          <p:cNvPr id="3" name="Content Placeholder 2"/>
-          <p:cNvSpPr>
-            <a:spLocks noGrp="1"/>
-          </p:cNvSpPr>
-          <p:nvPr>
-            <p:ph idx="1"/>
-          </p:nvPr>
-        </p:nvSpPr>
-        <p:spPr/>
-        <p:txBody>
-          <a:bodyPr/>
-          <a:lstStyle/>
-          <a:p>
-            <a:r>
-              <a:rPr lang="en-US" dirty="0" smtClean="0"/>
-              <a:t>If we run into same node in seen set, return True</a:t>
-            </a:r>
-            <a:endParaRPr lang="en-US" dirty="0"/>
-          </a:p>
-        </p:txBody>
-      </p:sp>
-      <p:sp>
-        <p:nvSpPr>
-          <p:cNvPr id="4" name="TextBox 3">
-            <a:extLst>
-              <a:ext uri="{FF2B5EF4-FFF2-40B4-BE49-F238E27FC236}">
-                <a16:creationId xmlns:a16="http://schemas.microsoft.com/office/drawing/2014/main" xmlns="" id="{15368C9B-01DB-BD48-B437-681E9C29166D}"/>
-              </a:ext>
-            </a:extLst>
-          </p:cNvPr>
-          <p:cNvSpPr txBox="1"/>
-          <p:nvPr/>
-        </p:nvSpPr>
-        <p:spPr>
-          <a:xfrm>
-            <a:off x="2263487" y="2349747"/>
-            <a:ext cx="7914408" cy="3785652"/>
-          </a:xfrm>
-          <a:prstGeom prst="rect">
-            <a:avLst/>
-          </a:prstGeom>
-          <a:noFill/>
-          <a:ln>
-            <a:solidFill>
-              <a:schemeClr val="accent1"/>
-            </a:solidFill>
-          </a:ln>
-        </p:spPr>
-        <p:txBody>
-          <a:bodyPr wrap="square" rtlCol="0">
-            <a:spAutoFit/>
-          </a:bodyPr>
-          <a:lstStyle/>
-          <a:p>
-            <a:r>
-              <a:rPr lang="en-US" sz="2400" dirty="0" err="1">
-                <a:latin typeface="Monaco" charset="0"/>
-                <a:ea typeface="Monaco" charset="0"/>
-                <a:cs typeface="Monaco" charset="0"/>
-              </a:rPr>
-              <a:t>def</a:t>
-            </a:r>
-            <a:r>
-              <a:rPr lang="en-US" sz="2400" dirty="0">
-                <a:latin typeface="Monaco" charset="0"/>
-                <a:ea typeface="Monaco" charset="0"/>
-                <a:cs typeface="Monaco" charset="0"/>
-              </a:rPr>
-              <a:t> </a:t>
-            </a:r>
-            <a:r>
-              <a:rPr lang="en-US" sz="2400" dirty="0" err="1" smtClean="0">
-                <a:latin typeface="Monaco" charset="0"/>
-                <a:ea typeface="Monaco" charset="0"/>
-                <a:cs typeface="Monaco" charset="0"/>
-              </a:rPr>
-              <a:t>iscyclic</a:t>
-            </a:r>
-            <a:r>
-              <a:rPr lang="en-US" sz="2400" dirty="0" smtClean="0">
-                <a:latin typeface="Monaco" charset="0"/>
-                <a:ea typeface="Monaco" charset="0"/>
-                <a:cs typeface="Monaco" charset="0"/>
-              </a:rPr>
-              <a:t>_(</a:t>
-            </a:r>
-            <a:r>
-              <a:rPr lang="en-US" sz="2400" dirty="0" err="1" smtClean="0">
-                <a:latin typeface="Monaco" charset="0"/>
-                <a:ea typeface="Monaco" charset="0"/>
-                <a:cs typeface="Monaco" charset="0"/>
-              </a:rPr>
-              <a:t>p:Node</a:t>
-            </a:r>
-            <a:r>
-              <a:rPr lang="en-US" sz="2400" dirty="0" smtClean="0">
-                <a:latin typeface="Monaco" charset="0"/>
-                <a:ea typeface="Monaco" charset="0"/>
-                <a:cs typeface="Monaco" charset="0"/>
-              </a:rPr>
-              <a:t>) </a:t>
-            </a:r>
-            <a:r>
-              <a:rPr lang="en-US" sz="2400" dirty="0">
-                <a:latin typeface="Monaco" charset="0"/>
-                <a:ea typeface="Monaco" charset="0"/>
-                <a:cs typeface="Monaco" charset="0"/>
-              </a:rPr>
-              <a:t>-&gt; </a:t>
-            </a:r>
-            <a:r>
-              <a:rPr lang="en-US" sz="2400" dirty="0" smtClean="0">
-                <a:solidFill>
-                  <a:schemeClr val="accent1"/>
-                </a:solidFill>
-                <a:latin typeface="Monaco" charset="0"/>
-                <a:ea typeface="Monaco" charset="0"/>
-                <a:cs typeface="Monaco" charset="0"/>
-              </a:rPr>
-              <a:t>bool</a:t>
-            </a:r>
-            <a:r>
-              <a:rPr lang="en-US" sz="2400" dirty="0" smtClean="0">
-                <a:latin typeface="Monaco" charset="0"/>
-                <a:ea typeface="Monaco" charset="0"/>
-                <a:cs typeface="Monaco" charset="0"/>
-              </a:rPr>
-              <a:t>:</a:t>
-            </a:r>
-            <a:endParaRPr lang="en-US" sz="2400" dirty="0">
-              <a:latin typeface="Monaco" charset="0"/>
-              <a:ea typeface="Monaco" charset="0"/>
-              <a:cs typeface="Monaco" charset="0"/>
-            </a:endParaRPr>
-          </a:p>
-          <a:p>
-            <a:r>
-              <a:rPr lang="en-US" sz="2400" dirty="0" smtClean="0">
-                <a:latin typeface="Monaco" charset="0"/>
-                <a:ea typeface="Monaco" charset="0"/>
-                <a:cs typeface="Monaco" charset="0"/>
-              </a:rPr>
-              <a:t>    </a:t>
-            </a:r>
-            <a:r>
-              <a:rPr lang="en-US" sz="2400" dirty="0" smtClean="0">
-                <a:solidFill>
-                  <a:schemeClr val="accent1"/>
-                </a:solidFill>
-                <a:latin typeface="Monaco" charset="0"/>
-                <a:ea typeface="Monaco" charset="0"/>
-                <a:cs typeface="Monaco" charset="0"/>
-              </a:rPr>
-              <a:t>return</a:t>
-            </a:r>
-            <a:r>
-              <a:rPr lang="en-US" sz="2400" dirty="0" smtClean="0">
-                <a:latin typeface="Monaco" charset="0"/>
-                <a:ea typeface="Monaco" charset="0"/>
-                <a:cs typeface="Monaco" charset="0"/>
-              </a:rPr>
-              <a:t> </a:t>
-            </a:r>
-            <a:r>
-              <a:rPr lang="en-US" sz="2400" dirty="0" err="1" smtClean="0">
-                <a:latin typeface="Monaco" charset="0"/>
-                <a:ea typeface="Monaco" charset="0"/>
-                <a:cs typeface="Monaco" charset="0"/>
-              </a:rPr>
-              <a:t>iscyclic</a:t>
-            </a:r>
-            <a:r>
-              <a:rPr lang="en-US" sz="2400" dirty="0" smtClean="0">
-                <a:latin typeface="Monaco" charset="0"/>
-                <a:ea typeface="Monaco" charset="0"/>
-                <a:cs typeface="Monaco" charset="0"/>
-              </a:rPr>
-              <a:t>_(</a:t>
-            </a:r>
-            <a:r>
-              <a:rPr lang="en-US" sz="2400" dirty="0" smtClean="0">
-                <a:latin typeface="Monaco" charset="0"/>
-                <a:ea typeface="Monaco" charset="0"/>
-                <a:cs typeface="Monaco" charset="0"/>
-              </a:rPr>
-              <a:t>p, set())</a:t>
-            </a:r>
-          </a:p>
-          <a:p>
-            <a:endParaRPr lang="en-US" sz="2400" dirty="0" smtClean="0">
-              <a:latin typeface="Monaco" charset="0"/>
-              <a:ea typeface="Monaco" charset="0"/>
-              <a:cs typeface="Monaco" charset="0"/>
-            </a:endParaRPr>
-          </a:p>
-          <a:p>
-            <a:r>
-              <a:rPr lang="en-US" sz="2400" dirty="0" err="1" smtClean="0">
-                <a:latin typeface="Monaco" charset="0"/>
-                <a:ea typeface="Monaco" charset="0"/>
-                <a:cs typeface="Monaco" charset="0"/>
-              </a:rPr>
-              <a:t>def</a:t>
-            </a:r>
-            <a:r>
-              <a:rPr lang="en-US" sz="2400" dirty="0">
-                <a:latin typeface="Monaco" charset="0"/>
-                <a:ea typeface="Monaco" charset="0"/>
-                <a:cs typeface="Monaco" charset="0"/>
-              </a:rPr>
-              <a:t> </a:t>
-            </a:r>
-            <a:r>
-              <a:rPr lang="en-US" sz="2400" dirty="0" err="1" smtClean="0">
-                <a:latin typeface="Monaco" charset="0"/>
-                <a:ea typeface="Monaco" charset="0"/>
-                <a:cs typeface="Monaco" charset="0"/>
-              </a:rPr>
-              <a:t>iscyclic</a:t>
-            </a:r>
-            <a:r>
-              <a:rPr lang="en-US" sz="2400" dirty="0" smtClean="0">
-                <a:latin typeface="Monaco" charset="0"/>
-                <a:ea typeface="Monaco" charset="0"/>
-                <a:cs typeface="Monaco" charset="0"/>
-              </a:rPr>
-              <a:t>_(</a:t>
-            </a:r>
-            <a:r>
-              <a:rPr lang="en-US" sz="2400" dirty="0" err="1">
-                <a:latin typeface="Monaco" charset="0"/>
-                <a:ea typeface="Monaco" charset="0"/>
-                <a:cs typeface="Monaco" charset="0"/>
-              </a:rPr>
-              <a:t>p:Node</a:t>
-            </a:r>
-            <a:r>
-              <a:rPr lang="en-US" sz="2400" dirty="0">
-                <a:latin typeface="Monaco" charset="0"/>
-                <a:ea typeface="Monaco" charset="0"/>
-                <a:cs typeface="Monaco" charset="0"/>
-              </a:rPr>
-              <a:t>, </a:t>
-            </a:r>
-            <a:r>
-              <a:rPr lang="en-US" sz="2400" dirty="0" err="1" smtClean="0">
-                <a:latin typeface="Monaco" charset="0"/>
-                <a:ea typeface="Monaco" charset="0"/>
-                <a:cs typeface="Monaco" charset="0"/>
-              </a:rPr>
-              <a:t>seen:set</a:t>
-            </a:r>
-            <a:r>
-              <a:rPr lang="en-US" sz="2400" dirty="0" smtClean="0">
-                <a:latin typeface="Monaco" charset="0"/>
-                <a:ea typeface="Monaco" charset="0"/>
-                <a:cs typeface="Monaco" charset="0"/>
-              </a:rPr>
-              <a:t>) </a:t>
-            </a:r>
-            <a:r>
-              <a:rPr lang="en-US" sz="2400" dirty="0">
-                <a:latin typeface="Monaco" charset="0"/>
-                <a:ea typeface="Monaco" charset="0"/>
-                <a:cs typeface="Monaco" charset="0"/>
-              </a:rPr>
-              <a:t>-&gt; </a:t>
-            </a:r>
-            <a:r>
-              <a:rPr lang="en-US" sz="2400" dirty="0" smtClean="0">
-                <a:latin typeface="Monaco" charset="0"/>
-                <a:ea typeface="Monaco" charset="0"/>
-                <a:cs typeface="Monaco" charset="0"/>
-              </a:rPr>
-              <a:t>bool:</a:t>
-            </a:r>
-            <a:endParaRPr lang="en-US" sz="2400" dirty="0">
-              <a:latin typeface="Monaco" charset="0"/>
-              <a:ea typeface="Monaco" charset="0"/>
-              <a:cs typeface="Monaco" charset="0"/>
-            </a:endParaRPr>
-          </a:p>
-          <a:p>
-            <a:r>
-              <a:rPr lang="en-US" sz="2400" dirty="0" smtClean="0">
-                <a:latin typeface="Monaco" charset="0"/>
-                <a:ea typeface="Monaco" charset="0"/>
-                <a:cs typeface="Monaco" charset="0"/>
-              </a:rPr>
-              <a:t>    if </a:t>
-            </a:r>
-            <a:r>
-              <a:rPr lang="en-US" sz="2400" dirty="0">
-                <a:latin typeface="Monaco" charset="0"/>
-                <a:ea typeface="Monaco" charset="0"/>
-                <a:cs typeface="Monaco" charset="0"/>
-              </a:rPr>
-              <a:t>p in seen: </a:t>
-            </a:r>
-            <a:r>
-              <a:rPr lang="en-US" sz="2400" dirty="0" smtClean="0">
-                <a:latin typeface="Monaco" charset="0"/>
-                <a:ea typeface="Monaco" charset="0"/>
-                <a:cs typeface="Monaco" charset="0"/>
-              </a:rPr>
-              <a:t>return </a:t>
-            </a:r>
-            <a:r>
-              <a:rPr lang="en-US" sz="2400" dirty="0" smtClean="0">
-                <a:solidFill>
-                  <a:schemeClr val="accent1"/>
-                </a:solidFill>
-                <a:latin typeface="Monaco" charset="0"/>
-                <a:ea typeface="Monaco" charset="0"/>
-                <a:cs typeface="Monaco" charset="0"/>
-              </a:rPr>
-              <a:t>True</a:t>
-            </a:r>
-            <a:endParaRPr lang="en-US" sz="2400" dirty="0">
-              <a:solidFill>
-                <a:schemeClr val="accent1"/>
-              </a:solidFill>
-              <a:latin typeface="Monaco" charset="0"/>
-              <a:ea typeface="Monaco" charset="0"/>
-              <a:cs typeface="Monaco" charset="0"/>
-            </a:endParaRPr>
-          </a:p>
-          <a:p>
-            <a:r>
-              <a:rPr lang="en-US" sz="2400" dirty="0">
-                <a:latin typeface="Monaco" charset="0"/>
-                <a:ea typeface="Monaco" charset="0"/>
-                <a:cs typeface="Monaco" charset="0"/>
-              </a:rPr>
-              <a:t>    </a:t>
-            </a:r>
-            <a:r>
-              <a:rPr lang="en-US" sz="2400" dirty="0" err="1">
-                <a:latin typeface="Monaco" charset="0"/>
-                <a:ea typeface="Monaco" charset="0"/>
-                <a:cs typeface="Monaco" charset="0"/>
-              </a:rPr>
-              <a:t>seen.add</a:t>
-            </a:r>
-            <a:r>
-              <a:rPr lang="en-US" sz="2400" dirty="0">
-                <a:latin typeface="Monaco" charset="0"/>
-                <a:ea typeface="Monaco" charset="0"/>
-                <a:cs typeface="Monaco" charset="0"/>
-              </a:rPr>
-              <a:t>(p)</a:t>
-            </a:r>
-          </a:p>
-          <a:p>
-            <a:r>
-              <a:rPr lang="en-US" sz="2400" dirty="0" smtClean="0">
-                <a:latin typeface="Monaco" charset="0"/>
-                <a:ea typeface="Monaco" charset="0"/>
-                <a:cs typeface="Monaco" charset="0"/>
-              </a:rPr>
-              <a:t>    for </a:t>
-            </a:r>
-            <a:r>
-              <a:rPr lang="en-US" sz="2400" dirty="0">
-                <a:latin typeface="Monaco" charset="0"/>
-                <a:ea typeface="Monaco" charset="0"/>
-                <a:cs typeface="Monaco" charset="0"/>
-              </a:rPr>
-              <a:t>q in </a:t>
-            </a:r>
-            <a:r>
-              <a:rPr lang="en-US" sz="2400" dirty="0" err="1">
-                <a:latin typeface="Monaco" charset="0"/>
-                <a:ea typeface="Monaco" charset="0"/>
-                <a:cs typeface="Monaco" charset="0"/>
-              </a:rPr>
-              <a:t>p.edges</a:t>
-            </a:r>
-            <a:r>
-              <a:rPr lang="en-US" sz="2400" dirty="0">
-                <a:latin typeface="Monaco" charset="0"/>
-                <a:ea typeface="Monaco" charset="0"/>
-                <a:cs typeface="Monaco" charset="0"/>
-              </a:rPr>
-              <a:t>:</a:t>
-            </a:r>
-          </a:p>
-          <a:p>
-            <a:r>
-              <a:rPr lang="en-US" sz="2400" dirty="0" smtClean="0">
-                <a:latin typeface="Monaco" charset="0"/>
-                <a:ea typeface="Monaco" charset="0"/>
-                <a:cs typeface="Monaco" charset="0"/>
-              </a:rPr>
-              <a:t>        c = </a:t>
-            </a:r>
-            <a:r>
-              <a:rPr lang="en-US" sz="2400" dirty="0" err="1" smtClean="0">
-                <a:latin typeface="Monaco" charset="0"/>
-                <a:ea typeface="Monaco" charset="0"/>
-                <a:cs typeface="Monaco" charset="0"/>
-              </a:rPr>
-              <a:t>iscyclic</a:t>
-            </a:r>
-            <a:r>
-              <a:rPr lang="en-US" sz="2400" dirty="0" smtClean="0">
-                <a:latin typeface="Monaco" charset="0"/>
-                <a:ea typeface="Monaco" charset="0"/>
-                <a:cs typeface="Monaco" charset="0"/>
-              </a:rPr>
-              <a:t>_(</a:t>
-            </a:r>
-            <a:r>
-              <a:rPr lang="en-US" sz="2400" dirty="0">
-                <a:latin typeface="Monaco" charset="0"/>
-                <a:ea typeface="Monaco" charset="0"/>
-                <a:cs typeface="Monaco" charset="0"/>
-              </a:rPr>
-              <a:t>q, seen</a:t>
-            </a:r>
-            <a:r>
-              <a:rPr lang="en-US" sz="2400" dirty="0" smtClean="0">
-                <a:latin typeface="Monaco" charset="0"/>
-                <a:ea typeface="Monaco" charset="0"/>
-                <a:cs typeface="Monaco" charset="0"/>
-              </a:rPr>
-              <a:t>)</a:t>
-            </a:r>
-          </a:p>
-          <a:p>
-            <a:r>
-              <a:rPr lang="en-US" sz="2400" dirty="0">
-                <a:latin typeface="Monaco" charset="0"/>
-                <a:ea typeface="Monaco" charset="0"/>
-                <a:cs typeface="Monaco" charset="0"/>
-              </a:rPr>
-              <a:t> </a:t>
-            </a:r>
-            <a:r>
-              <a:rPr lang="en-US" sz="2400" dirty="0" smtClean="0">
-                <a:latin typeface="Monaco" charset="0"/>
-                <a:ea typeface="Monaco" charset="0"/>
-                <a:cs typeface="Monaco" charset="0"/>
-              </a:rPr>
-              <a:t>       </a:t>
-            </a:r>
-            <a:r>
-              <a:rPr lang="en-US" sz="2400" dirty="0" smtClean="0">
-                <a:solidFill>
-                  <a:schemeClr val="accent1"/>
-                </a:solidFill>
-                <a:latin typeface="Monaco" charset="0"/>
-                <a:ea typeface="Monaco" charset="0"/>
-                <a:cs typeface="Monaco" charset="0"/>
-              </a:rPr>
-              <a:t>if c: return True # we can stop</a:t>
-            </a:r>
-          </a:p>
-          <a:p>
-            <a:r>
-              <a:rPr lang="en-US" sz="2400" dirty="0">
-                <a:latin typeface="Monaco" charset="0"/>
-                <a:ea typeface="Monaco" charset="0"/>
-                <a:cs typeface="Monaco" charset="0"/>
-              </a:rPr>
-              <a:t> </a:t>
-            </a:r>
-            <a:r>
-              <a:rPr lang="en-US" sz="2400" dirty="0" smtClean="0">
-                <a:latin typeface="Monaco" charset="0"/>
-                <a:ea typeface="Monaco" charset="0"/>
-                <a:cs typeface="Monaco" charset="0"/>
-              </a:rPr>
-              <a:t>   return </a:t>
-            </a:r>
-            <a:r>
-              <a:rPr lang="en-US" sz="2400" dirty="0" smtClean="0">
-                <a:solidFill>
-                  <a:schemeClr val="accent1"/>
-                </a:solidFill>
-                <a:latin typeface="Monaco" charset="0"/>
-                <a:ea typeface="Monaco" charset="0"/>
-                <a:cs typeface="Monaco" charset="0"/>
-              </a:rPr>
-              <a:t>False</a:t>
-            </a:r>
-            <a:endParaRPr lang="en-US" sz="2400" dirty="0">
-              <a:solidFill>
-                <a:schemeClr val="accent1"/>
-              </a:solidFill>
-              <a:latin typeface="Monaco" charset="0"/>
-              <a:ea typeface="Monaco" charset="0"/>
-              <a:cs typeface="Monaco" charset="0"/>
-            </a:endParaRPr>
-          </a:p>
-        </p:txBody>
-      </p:sp>
-      <p:sp>
-        <p:nvSpPr>
-          <p:cNvPr id="5" name="TextBox 4"/>
-          <p:cNvSpPr txBox="1"/>
-          <p:nvPr/>
-        </p:nvSpPr>
-        <p:spPr>
-          <a:xfrm>
-            <a:off x="1076677" y="6176963"/>
-            <a:ext cx="5283819" cy="430887"/>
-          </a:xfrm>
-          <a:prstGeom prst="rect">
-            <a:avLst/>
-          </a:prstGeom>
-          <a:noFill/>
-        </p:spPr>
-        <p:txBody>
-          <a:bodyPr wrap="none" rtlCol="0">
-            <a:spAutoFit/>
-          </a:bodyPr>
-          <a:lstStyle/>
-          <a:p>
-            <a:r>
-              <a:rPr lang="en-US" sz="2200" dirty="0" smtClean="0"/>
-              <a:t>Could also test “</a:t>
-            </a:r>
-            <a:r>
-              <a:rPr lang="en-US" sz="2200" dirty="0" smtClean="0">
-                <a:latin typeface="Monaco" charset="0"/>
-                <a:ea typeface="Monaco" charset="0"/>
-                <a:cs typeface="Monaco" charset="0"/>
-              </a:rPr>
-              <a:t>p in reachable(p)</a:t>
-            </a:r>
-            <a:r>
-              <a:rPr lang="en-US" sz="2200" dirty="0" smtClean="0">
-                <a:latin typeface="Arial" charset="0"/>
-                <a:ea typeface="Arial" charset="0"/>
-                <a:cs typeface="Arial" charset="0"/>
-              </a:rPr>
-              <a:t>”</a:t>
-            </a:r>
-            <a:endParaRPr lang="en-US" sz="2200" dirty="0">
-              <a:latin typeface="Arial" charset="0"/>
-              <a:ea typeface="Arial" charset="0"/>
-              <a:cs typeface="Arial" charset="0"/>
-            </a:endParaRPr>
-          </a:p>
-        </p:txBody>
-      </p:sp>
-    </p:spTree>
-    <p:extLst>
-      <p:ext uri="{BB962C8B-B14F-4D97-AF65-F5344CB8AC3E}">
-        <p14:creationId xmlns:p14="http://schemas.microsoft.com/office/powerpoint/2010/main" val="2109500284"/>
-      </p:ext>
-    </p:extLst>
-  </p:cSld>
-  <p:clrMapOvr>
-    <a:masterClrMapping/>
-  </p:clrMapOvr>
-</p:sld>
-</file>
-
 <file path=ppt/slides/slide9.xml><?xml version="1.0" encoding="utf-8"?>
 <p:sld xmlns:a="http://schemas.openxmlformats.org/drawingml/2006/main" xmlns:r="http://schemas.openxmlformats.org/officeDocument/2006/relationships" xmlns:p="http://schemas.openxmlformats.org/presentationml/2006/main">
   <p:cSld>
@@ -6963,7 +8894,7 @@
           <a:p>
             <a:r>
               <a:rPr lang="en-US" dirty="0" smtClean="0"/>
-              <a:t>Can p reach q?</a:t>
+              <a:t>Are there cycles?</a:t>
             </a:r>
             <a:endParaRPr lang="en-US" dirty="0"/>
           </a:p>
@@ -6986,7 +8917,7 @@
           <a:p>
             <a:r>
               <a:rPr lang="en-US" dirty="0" smtClean="0"/>
-              <a:t>Need two sets, one for avoiding cycles, another for reached</a:t>
+              <a:t>If we run into same node in seen set, return True</a:t>
             </a:r>
             <a:endParaRPr lang="en-US" dirty="0"/>
           </a:p>
@@ -7006,8 +8937,8 @@
         </p:nvSpPr>
         <p:spPr>
           <a:xfrm>
-            <a:off x="1964748" y="2495471"/>
-            <a:ext cx="8262504" cy="3816429"/>
+            <a:off x="2263486" y="2349747"/>
+            <a:ext cx="8189769" cy="3785652"/>
           </a:xfrm>
           <a:prstGeom prst="rect">
             <a:avLst/>
@@ -7026,7 +8957,7 @@
           <a:lstStyle/>
           <a:p>
             <a:r>
-              <a:rPr lang="en-US" sz="2200" dirty="0" err="1">
+              <a:rPr lang="en-US" sz="2400" dirty="0" err="1">
                 <a:latin typeface="Monaco" charset="0"/>
                 <a:ea typeface="Monaco" charset="0"/>
                 <a:cs typeface="Monaco" charset="0"/>
@@ -7034,15 +8965,31 @@
               <a:t>def</a:t>
             </a:r>
             <a:r>
-              <a:rPr lang="en-US" sz="2200" dirty="0">
-                <a:latin typeface="Monaco" charset="0"/>
-                <a:ea typeface="Monaco" charset="0"/>
-                <a:cs typeface="Monaco" charset="0"/>
-              </a:rPr>
-              <a:t> reachable(</a:t>
-            </a:r>
-            <a:r>
-              <a:rPr lang="en-US" sz="2200" dirty="0" err="1">
+              <a:rPr lang="en-US" sz="2400" dirty="0">
+                <a:latin typeface="Monaco" charset="0"/>
+                <a:ea typeface="Monaco" charset="0"/>
+                <a:cs typeface="Monaco" charset="0"/>
+              </a:rPr>
+              <a:t> </a:t>
+            </a:r>
+            <a:r>
+              <a:rPr lang="en-US" sz="2400" dirty="0" err="1" smtClean="0">
+                <a:latin typeface="Monaco" charset="0"/>
+                <a:ea typeface="Monaco" charset="0"/>
+                <a:cs typeface="Monaco" charset="0"/>
+              </a:rPr>
+              <a:t>iscyclic</a:t>
+            </a:r>
+            <a:r>
+              <a:rPr lang="en-US" sz="2400" dirty="0" smtClean="0">
+                <a:latin typeface="Monaco" charset="0"/>
+                <a:ea typeface="Monaco" charset="0"/>
+                <a:cs typeface="Monaco" charset="0"/>
+              </a:rPr>
+              <a:t>_(</a:t>
+            </a:r>
+            <a:r>
+              <a:rPr lang="en-US" sz="2400" dirty="0" err="1" smtClean="0">
                 <a:latin typeface="Monaco" charset="0"/>
                 <a:ea typeface="Monaco" charset="0"/>
                 <a:cs typeface="Monaco" charset="0"/>
@@ -7050,15 +8997,23 @@
               <a:t>p:Node</a:t>
             </a:r>
             <a:r>
-              <a:rPr lang="en-US" sz="2200" dirty="0">
-                <a:latin typeface="Monaco" charset="0"/>
-                <a:ea typeface="Monaco" charset="0"/>
-                <a:cs typeface="Monaco" charset="0"/>
-              </a:rPr>
-              <a:t>) -&gt; </a:t>
-            </a:r>
-            <a:r>
-              <a:rPr lang="en-US" sz="2200" dirty="0">
+              <a:rPr lang="en-US" sz="2400" dirty="0" smtClean="0">
+                <a:latin typeface="Monaco" charset="0"/>
+                <a:ea typeface="Monaco" charset="0"/>
+                <a:cs typeface="Monaco" charset="0"/>
+              </a:rPr>
+              <a:t>) </a:t>
+            </a:r>
+            <a:r>
+              <a:rPr lang="en-US" sz="2400" dirty="0">
+                <a:latin typeface="Monaco" charset="0"/>
+                <a:ea typeface="Monaco" charset="0"/>
+                <a:cs typeface="Monaco" charset="0"/>
+              </a:rPr>
+              <a:t>-&gt; </a:t>
+            </a:r>
+            <a:r>
+              <a:rPr lang="en-US" sz="2400" dirty="0" smtClean="0">
                 <a:solidFill>
                   <a:schemeClr val="accent1"/>
                 </a:solidFill>
@@ -7066,111 +9021,17 @@
                 <a:ea typeface="Monaco" charset="0"/>
                 <a:cs typeface="Monaco" charset="0"/>
               </a:rPr>
-              <a:t>set</a:t>
-            </a:r>
-            <a:r>
-              <a:rPr lang="en-US" sz="2200" dirty="0">
+              <a:t>bool</a:t>
+            </a:r>
+            <a:r>
+              <a:rPr lang="en-US" sz="2400" dirty="0" smtClean="0">
                 <a:latin typeface="Monaco" charset="0"/>
                 <a:ea typeface="Monaco" charset="0"/>
                 <a:cs typeface="Monaco" charset="0"/>
               </a:rPr>
               <a:t>:</a:t>
             </a:r>
-          </a:p>
-          <a:p>
-            <a:r>
-              <a:rPr lang="mr-IN" sz="2200" dirty="0">
-                <a:latin typeface="Monaco" charset="0"/>
-                <a:ea typeface="Monaco" charset="0"/>
-                <a:cs typeface="Monaco" charset="0"/>
-              </a:rPr>
-              <a:t>    </a:t>
-            </a:r>
-            <a:r>
-              <a:rPr lang="mr-IN" sz="2200" dirty="0" err="1">
-                <a:latin typeface="Monaco" charset="0"/>
-                <a:ea typeface="Monaco" charset="0"/>
-                <a:cs typeface="Monaco" charset="0"/>
-              </a:rPr>
-              <a:t>reaches</a:t>
-            </a:r>
-            <a:r>
-              <a:rPr lang="mr-IN" sz="2200" dirty="0">
-                <a:latin typeface="Monaco" charset="0"/>
-                <a:ea typeface="Monaco" charset="0"/>
-                <a:cs typeface="Monaco" charset="0"/>
-              </a:rPr>
-              <a:t> = </a:t>
-            </a:r>
-            <a:r>
-              <a:rPr lang="mr-IN" sz="2200" dirty="0" err="1">
-                <a:latin typeface="Monaco" charset="0"/>
-                <a:ea typeface="Monaco" charset="0"/>
-                <a:cs typeface="Monaco" charset="0"/>
-              </a:rPr>
-              <a:t>set</a:t>
-            </a:r>
-            <a:r>
-              <a:rPr lang="mr-IN" sz="2200" dirty="0">
-                <a:latin typeface="Monaco" charset="0"/>
-                <a:ea typeface="Monaco" charset="0"/>
-                <a:cs typeface="Monaco" charset="0"/>
-              </a:rPr>
-              <a:t>();</a:t>
-            </a:r>
-          </a:p>
-          <a:p>
-            <a:r>
-              <a:rPr lang="en-US" sz="2200" dirty="0">
-                <a:latin typeface="Monaco" charset="0"/>
-                <a:ea typeface="Monaco" charset="0"/>
-                <a:cs typeface="Monaco" charset="0"/>
-              </a:rPr>
-              <a:t>    reachable_(p, </a:t>
-            </a:r>
-            <a:r>
-              <a:rPr lang="en-US" sz="2200" dirty="0">
-                <a:solidFill>
-                  <a:schemeClr val="accent1"/>
-                </a:solidFill>
-                <a:latin typeface="Monaco" charset="0"/>
-                <a:ea typeface="Monaco" charset="0"/>
-                <a:cs typeface="Monaco" charset="0"/>
-              </a:rPr>
-              <a:t>reaches</a:t>
-            </a:r>
-            <a:r>
-              <a:rPr lang="en-US" sz="2200" dirty="0">
-                <a:latin typeface="Monaco" charset="0"/>
-                <a:ea typeface="Monaco" charset="0"/>
-                <a:cs typeface="Monaco" charset="0"/>
-              </a:rPr>
-              <a:t>, set())</a:t>
-            </a:r>
-          </a:p>
-          <a:p>
-            <a:r>
-              <a:rPr lang="en-US" sz="2200" dirty="0">
-                <a:latin typeface="Monaco" charset="0"/>
-                <a:ea typeface="Monaco" charset="0"/>
-                <a:cs typeface="Monaco" charset="0"/>
-              </a:rPr>
-              <a:t>    </a:t>
-            </a:r>
-            <a:r>
-              <a:rPr lang="en-US" sz="2200" dirty="0">
-                <a:solidFill>
-                  <a:schemeClr val="accent1"/>
-                </a:solidFill>
-                <a:latin typeface="Monaco" charset="0"/>
-                <a:ea typeface="Monaco" charset="0"/>
-                <a:cs typeface="Monaco" charset="0"/>
-              </a:rPr>
-              <a:t>return reaches</a:t>
-            </a:r>
-          </a:p>
-          <a:p>
-            <a:endParaRPr lang="en-US" sz="2200" dirty="0">
+            <a:endParaRPr lang="en-US" sz="2400" dirty="0">
               <a:latin typeface="Monaco" charset="0"/>
               <a:ea typeface="Monaco" charset="0"/>
               <a:cs typeface="Monaco" charset="0"/>
@@ -7178,39 +9039,15 @@
           </a:p>
           <a:p>
             <a:r>
-              <a:rPr lang="en-US" sz="2200" dirty="0" err="1">
-                <a:latin typeface="Monaco" charset="0"/>
-                <a:ea typeface="Monaco" charset="0"/>
-                <a:cs typeface="Monaco" charset="0"/>
-              </a:rPr>
-              <a:t>def</a:t>
-            </a:r>
-            <a:r>
-              <a:rPr lang="en-US" sz="2200" dirty="0">
-                <a:latin typeface="Monaco" charset="0"/>
-                <a:ea typeface="Monaco" charset="0"/>
-                <a:cs typeface="Monaco" charset="0"/>
-              </a:rPr>
-              <a:t> reachable_(</a:t>
-            </a:r>
-            <a:r>
-              <a:rPr lang="en-US" sz="2200" dirty="0" err="1">
-                <a:latin typeface="Monaco" charset="0"/>
-                <a:ea typeface="Monaco" charset="0"/>
-                <a:cs typeface="Monaco" charset="0"/>
-              </a:rPr>
-              <a:t>p:Node</a:t>
-            </a:r>
-            <a:r>
-              <a:rPr lang="en-US" sz="2200" dirty="0">
-                <a:latin typeface="Monaco" charset="0"/>
-                <a:ea typeface="Monaco" charset="0"/>
-                <a:cs typeface="Monaco" charset="0"/>
-              </a:rPr>
-              <a:t>, </a:t>
-            </a:r>
-            <a:r>
-              <a:rPr lang="en-US" sz="2200" dirty="0" err="1">
+              <a:rPr lang="en-US" sz="2400" dirty="0" smtClean="0">
+                <a:latin typeface="Monaco" charset="0"/>
+                <a:ea typeface="Monaco" charset="0"/>
+                <a:cs typeface="Monaco" charset="0"/>
+              </a:rPr>
+              <a:t>    </a:t>
+            </a:r>
+            <a:r>
+              <a:rPr lang="en-US" sz="2400" dirty="0" smtClean="0">
                 <a:solidFill>
                   <a:schemeClr val="accent1"/>
                 </a:solidFill>
@@ -7218,186 +9055,428 @@
                 <a:ea typeface="Monaco" charset="0"/>
                 <a:cs typeface="Monaco" charset="0"/>
               </a:rPr>
-              <a:t>reaches:set</a:t>
-            </a:r>
-            <a:r>
-              <a:rPr lang="en-US" sz="2200" dirty="0">
-                <a:latin typeface="Monaco" charset="0"/>
-                <a:ea typeface="Monaco" charset="0"/>
-                <a:cs typeface="Monaco" charset="0"/>
-              </a:rPr>
-              <a:t>, </a:t>
-            </a:r>
-            <a:r>
-              <a:rPr lang="en-US" sz="2200" dirty="0" err="1">
-                <a:latin typeface="Monaco" charset="0"/>
-                <a:ea typeface="Monaco" charset="0"/>
-                <a:cs typeface="Monaco" charset="0"/>
-              </a:rPr>
-              <a:t>seen:set</a:t>
-            </a:r>
-            <a:r>
-              <a:rPr lang="en-US" sz="2200" dirty="0">
-                <a:latin typeface="Monaco" charset="0"/>
-                <a:ea typeface="Monaco" charset="0"/>
-                <a:cs typeface="Monaco" charset="0"/>
-              </a:rPr>
-              <a:t>):</a:t>
-            </a:r>
-          </a:p>
-          <a:p>
-            <a:r>
-              <a:rPr lang="en-US" sz="2200" dirty="0">
-                <a:latin typeface="Monaco" charset="0"/>
-                <a:ea typeface="Monaco" charset="0"/>
-                <a:cs typeface="Monaco" charset="0"/>
-              </a:rPr>
-              <a:t>    if p in seen: return</a:t>
-            </a:r>
-          </a:p>
-          <a:p>
-            <a:r>
-              <a:rPr lang="mr-IN" sz="2200" dirty="0">
-                <a:latin typeface="Monaco" charset="0"/>
-                <a:ea typeface="Monaco" charset="0"/>
-                <a:cs typeface="Monaco" charset="0"/>
-              </a:rPr>
-              <a:t>    </a:t>
-            </a:r>
-            <a:r>
-              <a:rPr lang="mr-IN" sz="2200" dirty="0" err="1">
-                <a:latin typeface="Monaco" charset="0"/>
-                <a:ea typeface="Monaco" charset="0"/>
-                <a:cs typeface="Monaco" charset="0"/>
-              </a:rPr>
-              <a:t>seen.add</a:t>
-            </a:r>
-            <a:r>
-              <a:rPr lang="mr-IN" sz="2200" dirty="0">
-                <a:latin typeface="Monaco" charset="0"/>
-                <a:ea typeface="Monaco" charset="0"/>
-                <a:cs typeface="Monaco" charset="0"/>
-              </a:rPr>
-              <a:t>(</a:t>
-            </a:r>
-            <a:r>
-              <a:rPr lang="mr-IN" sz="2200" dirty="0" err="1">
-                <a:latin typeface="Monaco" charset="0"/>
-                <a:ea typeface="Monaco" charset="0"/>
-                <a:cs typeface="Monaco" charset="0"/>
-              </a:rPr>
-              <a:t>p</a:t>
-            </a:r>
-            <a:r>
-              <a:rPr lang="mr-IN" sz="2200" dirty="0">
-                <a:latin typeface="Monaco" charset="0"/>
-                <a:ea typeface="Monaco" charset="0"/>
-                <a:cs typeface="Monaco" charset="0"/>
-              </a:rPr>
-              <a:t>)</a:t>
-            </a:r>
-          </a:p>
-          <a:p>
-            <a:r>
-              <a:rPr lang="en-US" sz="2200" dirty="0">
-                <a:latin typeface="Monaco" charset="0"/>
-                <a:ea typeface="Monaco" charset="0"/>
-                <a:cs typeface="Monaco" charset="0"/>
-              </a:rPr>
-              <a:t>    for q in </a:t>
-            </a:r>
-            <a:r>
-              <a:rPr lang="en-US" sz="2200" dirty="0" err="1">
-                <a:latin typeface="Monaco" charset="0"/>
-                <a:ea typeface="Monaco" charset="0"/>
-                <a:cs typeface="Monaco" charset="0"/>
-              </a:rPr>
-              <a:t>p.edges</a:t>
-            </a:r>
-            <a:r>
-              <a:rPr lang="en-US" sz="2200" dirty="0">
-                <a:latin typeface="Monaco" charset="0"/>
-                <a:ea typeface="Monaco" charset="0"/>
-                <a:cs typeface="Monaco" charset="0"/>
-              </a:rPr>
-              <a:t>:</a:t>
-            </a:r>
-          </a:p>
-          <a:p>
-            <a:r>
-              <a:rPr lang="mr-IN" sz="2200" dirty="0">
-                <a:latin typeface="Monaco" charset="0"/>
-                <a:ea typeface="Monaco" charset="0"/>
-                <a:cs typeface="Monaco" charset="0"/>
-              </a:rPr>
-              <a:t>        </a:t>
-            </a:r>
-            <a:r>
-              <a:rPr lang="mr-IN" sz="2200" dirty="0" err="1">
-                <a:solidFill>
-                  <a:schemeClr val="accent1"/>
-                </a:solidFill>
-                <a:latin typeface="Monaco" charset="0"/>
-                <a:ea typeface="Monaco" charset="0"/>
-                <a:cs typeface="Monaco" charset="0"/>
-              </a:rPr>
-              <a:t>reaches.add</a:t>
-            </a:r>
-            <a:r>
-              <a:rPr lang="mr-IN" sz="2200" dirty="0">
-                <a:solidFill>
-                  <a:schemeClr val="accent1"/>
-                </a:solidFill>
-                <a:latin typeface="Monaco" charset="0"/>
-                <a:ea typeface="Monaco" charset="0"/>
-                <a:cs typeface="Monaco" charset="0"/>
-              </a:rPr>
-              <a:t>(</a:t>
-            </a:r>
-            <a:r>
-              <a:rPr lang="mr-IN" sz="2200" dirty="0" err="1">
-                <a:solidFill>
-                  <a:schemeClr val="accent1"/>
-                </a:solidFill>
-                <a:latin typeface="Monaco" charset="0"/>
-                <a:ea typeface="Monaco" charset="0"/>
-                <a:cs typeface="Monaco" charset="0"/>
-              </a:rPr>
-              <a:t>q</a:t>
-            </a:r>
-            <a:r>
-              <a:rPr lang="mr-IN" sz="2200" dirty="0">
-                <a:solidFill>
-                  <a:schemeClr val="accent1"/>
-                </a:solidFill>
-                <a:latin typeface="Monaco" charset="0"/>
-                <a:ea typeface="Monaco" charset="0"/>
-                <a:cs typeface="Monaco" charset="0"/>
-              </a:rPr>
-              <a:t>)</a:t>
-            </a:r>
-          </a:p>
-          <a:p>
-            <a:r>
-              <a:rPr lang="en-US" sz="2200" dirty="0">
-                <a:latin typeface="Monaco" charset="0"/>
-                <a:ea typeface="Monaco" charset="0"/>
-                <a:cs typeface="Monaco" charset="0"/>
-              </a:rPr>
-              <a:t>        reachable_(q, reaches, seen)</a:t>
-            </a:r>
-            <a:endParaRPr lang="en-US" sz="2200" dirty="0" smtClean="0">
+              <a:t>return</a:t>
+            </a:r>
+            <a:r>
+              <a:rPr lang="en-US" sz="2400" dirty="0" smtClean="0">
+                <a:latin typeface="Monaco" charset="0"/>
+                <a:ea typeface="Monaco" charset="0"/>
+                <a:cs typeface="Monaco" charset="0"/>
+              </a:rPr>
+              <a:t> </a:t>
+            </a:r>
+            <a:r>
+              <a:rPr lang="en-US" sz="2400" dirty="0" err="1" smtClean="0">
+                <a:latin typeface="Monaco" charset="0"/>
+                <a:ea typeface="Monaco" charset="0"/>
+                <a:cs typeface="Monaco" charset="0"/>
+              </a:rPr>
+              <a:t>iscyclic</a:t>
+            </a:r>
+            <a:r>
+              <a:rPr lang="en-US" sz="2400" dirty="0" smtClean="0">
+                <a:latin typeface="Monaco" charset="0"/>
+                <a:ea typeface="Monaco" charset="0"/>
+                <a:cs typeface="Monaco" charset="0"/>
+              </a:rPr>
+              <a:t>_(</a:t>
+            </a:r>
+            <a:r>
+              <a:rPr lang="en-US" sz="2400" dirty="0" smtClean="0">
+                <a:latin typeface="Monaco" charset="0"/>
+                <a:ea typeface="Monaco" charset="0"/>
+                <a:cs typeface="Monaco" charset="0"/>
+              </a:rPr>
+              <a:t>p, set())</a:t>
+            </a:r>
+          </a:p>
+          <a:p>
+            <a:endParaRPr lang="en-US" sz="2400" dirty="0" smtClean="0">
               <a:latin typeface="Monaco" charset="0"/>
               <a:ea typeface="Monaco" charset="0"/>
               <a:cs typeface="Monaco" charset="0"/>
             </a:endParaRPr>
           </a:p>
+          <a:p>
+            <a:r>
+              <a:rPr lang="en-US" sz="2400" dirty="0" err="1" smtClean="0">
+                <a:latin typeface="Monaco" charset="0"/>
+                <a:ea typeface="Monaco" charset="0"/>
+                <a:cs typeface="Monaco" charset="0"/>
+              </a:rPr>
+              <a:t>def</a:t>
+            </a:r>
+            <a:r>
+              <a:rPr lang="en-US" sz="2400" dirty="0">
+                <a:latin typeface="Monaco" charset="0"/>
+                <a:ea typeface="Monaco" charset="0"/>
+                <a:cs typeface="Monaco" charset="0"/>
+              </a:rPr>
+              <a:t> </a:t>
+            </a:r>
+            <a:r>
+              <a:rPr lang="en-US" sz="2400" dirty="0" err="1" smtClean="0">
+                <a:latin typeface="Monaco" charset="0"/>
+                <a:ea typeface="Monaco" charset="0"/>
+                <a:cs typeface="Monaco" charset="0"/>
+              </a:rPr>
+              <a:t>iscyclic</a:t>
+            </a:r>
+            <a:r>
+              <a:rPr lang="en-US" sz="2400" dirty="0" smtClean="0">
+                <a:latin typeface="Monaco" charset="0"/>
+                <a:ea typeface="Monaco" charset="0"/>
+                <a:cs typeface="Monaco" charset="0"/>
+              </a:rPr>
+              <a:t>_(</a:t>
+            </a:r>
+            <a:r>
+              <a:rPr lang="en-US" sz="2400" dirty="0" err="1">
+                <a:latin typeface="Monaco" charset="0"/>
+                <a:ea typeface="Monaco" charset="0"/>
+                <a:cs typeface="Monaco" charset="0"/>
+              </a:rPr>
+              <a:t>p:Node</a:t>
+            </a:r>
+            <a:r>
+              <a:rPr lang="en-US" sz="2400" dirty="0">
+                <a:latin typeface="Monaco" charset="0"/>
+                <a:ea typeface="Monaco" charset="0"/>
+                <a:cs typeface="Monaco" charset="0"/>
+              </a:rPr>
+              <a:t>, </a:t>
+            </a:r>
+            <a:r>
+              <a:rPr lang="en-US" sz="2400" dirty="0" err="1">
+                <a:latin typeface="Monaco" charset="0"/>
+                <a:ea typeface="Monaco" charset="0"/>
+                <a:cs typeface="Monaco" charset="0"/>
+              </a:rPr>
+              <a:t>visited</a:t>
+            </a:r>
+            <a:r>
+              <a:rPr lang="en-US" sz="2400" dirty="0" err="1" smtClean="0">
+                <a:latin typeface="Monaco" charset="0"/>
+                <a:ea typeface="Monaco" charset="0"/>
+                <a:cs typeface="Monaco" charset="0"/>
+              </a:rPr>
+              <a:t>:set</a:t>
+            </a:r>
+            <a:r>
+              <a:rPr lang="en-US" sz="2400" dirty="0" smtClean="0">
+                <a:latin typeface="Monaco" charset="0"/>
+                <a:ea typeface="Monaco" charset="0"/>
+                <a:cs typeface="Monaco" charset="0"/>
+              </a:rPr>
+              <a:t>) </a:t>
+            </a:r>
+            <a:r>
+              <a:rPr lang="en-US" sz="2400" dirty="0">
+                <a:latin typeface="Monaco" charset="0"/>
+                <a:ea typeface="Monaco" charset="0"/>
+                <a:cs typeface="Monaco" charset="0"/>
+              </a:rPr>
+              <a:t>-&gt; </a:t>
+            </a:r>
+            <a:r>
+              <a:rPr lang="en-US" sz="2400" dirty="0" smtClean="0">
+                <a:latin typeface="Monaco" charset="0"/>
+                <a:ea typeface="Monaco" charset="0"/>
+                <a:cs typeface="Monaco" charset="0"/>
+              </a:rPr>
+              <a:t>bool:</a:t>
+            </a:r>
+            <a:endParaRPr lang="en-US" sz="2400" dirty="0">
+              <a:latin typeface="Monaco" charset="0"/>
+              <a:ea typeface="Monaco" charset="0"/>
+              <a:cs typeface="Monaco" charset="0"/>
+            </a:endParaRPr>
+          </a:p>
+          <a:p>
+            <a:r>
+              <a:rPr lang="en-US" sz="2400" dirty="0" smtClean="0">
+                <a:latin typeface="Monaco" charset="0"/>
+                <a:ea typeface="Monaco" charset="0"/>
+                <a:cs typeface="Monaco" charset="0"/>
+              </a:rPr>
+              <a:t>    if </a:t>
+            </a:r>
+            <a:r>
+              <a:rPr lang="en-US" sz="2400" dirty="0">
+                <a:latin typeface="Monaco" charset="0"/>
+                <a:ea typeface="Monaco" charset="0"/>
+                <a:cs typeface="Monaco" charset="0"/>
+              </a:rPr>
+              <a:t>p in </a:t>
+            </a:r>
+            <a:r>
+              <a:rPr lang="en-US" sz="2400" dirty="0">
+                <a:latin typeface="Monaco" charset="0"/>
+                <a:ea typeface="Monaco" charset="0"/>
+                <a:cs typeface="Monaco" charset="0"/>
+              </a:rPr>
+              <a:t>visited: </a:t>
+            </a:r>
+            <a:r>
+              <a:rPr lang="en-US" sz="2400" dirty="0" smtClean="0">
+                <a:latin typeface="Monaco" charset="0"/>
+                <a:ea typeface="Monaco" charset="0"/>
+                <a:cs typeface="Monaco" charset="0"/>
+              </a:rPr>
+              <a:t>return </a:t>
+            </a:r>
+            <a:r>
+              <a:rPr lang="en-US" sz="2400" dirty="0" smtClean="0">
+                <a:solidFill>
+                  <a:schemeClr val="accent1"/>
+                </a:solidFill>
+                <a:latin typeface="Monaco" charset="0"/>
+                <a:ea typeface="Monaco" charset="0"/>
+                <a:cs typeface="Monaco" charset="0"/>
+              </a:rPr>
+              <a:t>True</a:t>
+            </a:r>
+            <a:endParaRPr lang="en-US" sz="2400" dirty="0">
+              <a:solidFill>
+                <a:schemeClr val="accent1"/>
+              </a:solidFill>
+              <a:latin typeface="Monaco" charset="0"/>
+              <a:ea typeface="Monaco" charset="0"/>
+              <a:cs typeface="Monaco" charset="0"/>
+            </a:endParaRPr>
+          </a:p>
+          <a:p>
+            <a:r>
+              <a:rPr lang="en-US" sz="2400" dirty="0">
+                <a:latin typeface="Monaco" charset="0"/>
+                <a:ea typeface="Monaco" charset="0"/>
+                <a:cs typeface="Monaco" charset="0"/>
+              </a:rPr>
+              <a:t>    </a:t>
+            </a:r>
+            <a:r>
+              <a:rPr lang="en-US" sz="2400" dirty="0" err="1">
+                <a:latin typeface="Monaco" charset="0"/>
+                <a:ea typeface="Monaco" charset="0"/>
+                <a:cs typeface="Monaco" charset="0"/>
+              </a:rPr>
+              <a:t>visited.add</a:t>
+            </a:r>
+            <a:r>
+              <a:rPr lang="en-US" sz="2400" dirty="0">
+                <a:latin typeface="Monaco" charset="0"/>
+                <a:ea typeface="Monaco" charset="0"/>
+                <a:cs typeface="Monaco" charset="0"/>
+              </a:rPr>
+              <a:t>(p</a:t>
+            </a:r>
+            <a:r>
+              <a:rPr lang="en-US" sz="2400" dirty="0">
+                <a:latin typeface="Monaco" charset="0"/>
+                <a:ea typeface="Monaco" charset="0"/>
+                <a:cs typeface="Monaco" charset="0"/>
+              </a:rPr>
+              <a:t>)</a:t>
+            </a:r>
+          </a:p>
+          <a:p>
+            <a:r>
+              <a:rPr lang="en-US" sz="2400" dirty="0" smtClean="0">
+                <a:latin typeface="Monaco" charset="0"/>
+                <a:ea typeface="Monaco" charset="0"/>
+                <a:cs typeface="Monaco" charset="0"/>
+              </a:rPr>
+              <a:t>    for </a:t>
+            </a:r>
+            <a:r>
+              <a:rPr lang="en-US" sz="2400" dirty="0">
+                <a:latin typeface="Monaco" charset="0"/>
+                <a:ea typeface="Monaco" charset="0"/>
+                <a:cs typeface="Monaco" charset="0"/>
+              </a:rPr>
+              <a:t>q in </a:t>
+            </a:r>
+            <a:r>
+              <a:rPr lang="en-US" sz="2400" dirty="0" err="1">
+                <a:latin typeface="Monaco" charset="0"/>
+                <a:ea typeface="Monaco" charset="0"/>
+                <a:cs typeface="Monaco" charset="0"/>
+              </a:rPr>
+              <a:t>p.edges</a:t>
+            </a:r>
+            <a:r>
+              <a:rPr lang="en-US" sz="2400" dirty="0">
+                <a:latin typeface="Monaco" charset="0"/>
+                <a:ea typeface="Monaco" charset="0"/>
+                <a:cs typeface="Monaco" charset="0"/>
+              </a:rPr>
+              <a:t>:</a:t>
+            </a:r>
+          </a:p>
+          <a:p>
+            <a:r>
+              <a:rPr lang="en-US" sz="2400" dirty="0" smtClean="0">
+                <a:latin typeface="Monaco" charset="0"/>
+                <a:ea typeface="Monaco" charset="0"/>
+                <a:cs typeface="Monaco" charset="0"/>
+              </a:rPr>
+              <a:t>        c = </a:t>
+            </a:r>
+            <a:r>
+              <a:rPr lang="en-US" sz="2400" dirty="0" err="1" smtClean="0">
+                <a:latin typeface="Monaco" charset="0"/>
+                <a:ea typeface="Monaco" charset="0"/>
+                <a:cs typeface="Monaco" charset="0"/>
+              </a:rPr>
+              <a:t>iscyclic</a:t>
+            </a:r>
+            <a:r>
+              <a:rPr lang="en-US" sz="2400" dirty="0" smtClean="0">
+                <a:latin typeface="Monaco" charset="0"/>
+                <a:ea typeface="Monaco" charset="0"/>
+                <a:cs typeface="Monaco" charset="0"/>
+              </a:rPr>
+              <a:t>_(</a:t>
+            </a:r>
+            <a:r>
+              <a:rPr lang="en-US" sz="2400" dirty="0">
+                <a:latin typeface="Monaco" charset="0"/>
+                <a:ea typeface="Monaco" charset="0"/>
+                <a:cs typeface="Monaco" charset="0"/>
+              </a:rPr>
+              <a:t>q, visited</a:t>
+            </a:r>
+            <a:r>
+              <a:rPr lang="en-US" sz="2400" dirty="0" smtClean="0">
+                <a:latin typeface="Monaco" charset="0"/>
+                <a:ea typeface="Monaco" charset="0"/>
+                <a:cs typeface="Monaco" charset="0"/>
+              </a:rPr>
+              <a:t>)</a:t>
+            </a:r>
+          </a:p>
+          <a:p>
+            <a:r>
+              <a:rPr lang="en-US" sz="2400" dirty="0">
+                <a:latin typeface="Monaco" charset="0"/>
+                <a:ea typeface="Monaco" charset="0"/>
+                <a:cs typeface="Monaco" charset="0"/>
+              </a:rPr>
+              <a:t> </a:t>
+            </a:r>
+            <a:r>
+              <a:rPr lang="en-US" sz="2400" dirty="0" smtClean="0">
+                <a:latin typeface="Monaco" charset="0"/>
+                <a:ea typeface="Monaco" charset="0"/>
+                <a:cs typeface="Monaco" charset="0"/>
+              </a:rPr>
+              <a:t>       </a:t>
+            </a:r>
+            <a:r>
+              <a:rPr lang="en-US" sz="2400" dirty="0" smtClean="0">
+                <a:solidFill>
+                  <a:schemeClr val="accent1"/>
+                </a:solidFill>
+                <a:latin typeface="Monaco" charset="0"/>
+                <a:ea typeface="Monaco" charset="0"/>
+                <a:cs typeface="Monaco" charset="0"/>
+              </a:rPr>
+              <a:t>if c: return True # we can stop</a:t>
+            </a:r>
+          </a:p>
+          <a:p>
+            <a:r>
+              <a:rPr lang="en-US" sz="2400" dirty="0">
+                <a:latin typeface="Monaco" charset="0"/>
+                <a:ea typeface="Monaco" charset="0"/>
+                <a:cs typeface="Monaco" charset="0"/>
+              </a:rPr>
+              <a:t> </a:t>
+            </a:r>
+            <a:r>
+              <a:rPr lang="en-US" sz="2400" dirty="0" smtClean="0">
+                <a:latin typeface="Monaco" charset="0"/>
+                <a:ea typeface="Monaco" charset="0"/>
+                <a:cs typeface="Monaco" charset="0"/>
+              </a:rPr>
+              <a:t>   return </a:t>
+            </a:r>
+            <a:r>
+              <a:rPr lang="en-US" sz="2400" dirty="0" smtClean="0">
+                <a:solidFill>
+                  <a:schemeClr val="accent1"/>
+                </a:solidFill>
+                <a:latin typeface="Monaco" charset="0"/>
+                <a:ea typeface="Monaco" charset="0"/>
+                <a:cs typeface="Monaco" charset="0"/>
+              </a:rPr>
+              <a:t>False</a:t>
+            </a:r>
+            <a:endParaRPr lang="en-US" sz="2400" dirty="0">
+              <a:solidFill>
+                <a:schemeClr val="accent1"/>
+              </a:solidFill>
+              <a:latin typeface="Monaco" charset="0"/>
+              <a:ea typeface="Monaco" charset="0"/>
+              <a:cs typeface="Monaco" charset="0"/>
+            </a:endParaRPr>
+          </a:p>
+        </p:txBody>
+      </p:sp>
+      <p:sp>
+        <p:nvSpPr>
+          <p:cNvPr id="5" name="TextBox 4"/>
+          <p:cNvSpPr txBox="1"/>
+          <p:nvPr/>
+        </p:nvSpPr>
+        <p:spPr>
+          <a:xfrm>
+            <a:off x="1076677" y="6176963"/>
+            <a:ext cx="5283819" cy="430887"/>
+          </a:xfrm>
+          <a:prstGeom prst="rect">
+            <a:avLst/>
+          </a:prstGeom>
+          <a:noFill/>
+        </p:spPr>
+        <p:txBody>
+          <a:bodyPr wrap="none" rtlCol="0">
+            <a:spAutoFit/>
+          </a:bodyPr>
+          <a:lstStyle/>
+          <a:p>
+            <a:r>
+              <a:rPr lang="en-US" sz="2200" dirty="0" smtClean="0"/>
+              <a:t>Could also test “</a:t>
+            </a:r>
+            <a:r>
+              <a:rPr lang="en-US" sz="2200" dirty="0" smtClean="0">
+                <a:latin typeface="Monaco" charset="0"/>
+                <a:ea typeface="Monaco" charset="0"/>
+                <a:cs typeface="Monaco" charset="0"/>
+              </a:rPr>
+              <a:t>p in reachable(p)</a:t>
+            </a:r>
+            <a:r>
+              <a:rPr lang="en-US" sz="2200" dirty="0" smtClean="0">
+                <a:latin typeface="Arial" charset="0"/>
+                <a:ea typeface="Arial" charset="0"/>
+                <a:cs typeface="Arial" charset="0"/>
+              </a:rPr>
+              <a:t>”</a:t>
+            </a:r>
+            <a:endParaRPr lang="en-US" sz="2200" dirty="0">
+              <a:latin typeface="Arial" charset="0"/>
+              <a:ea typeface="Arial" charset="0"/>
+              <a:cs typeface="Arial" charset="0"/>
+            </a:endParaRPr>
+          </a:p>
         </p:txBody>
       </p:sp>
     </p:spTree>
     <p:extLst>
       <p:ext uri="{BB962C8B-B14F-4D97-AF65-F5344CB8AC3E}">
-        <p14:creationId xmlns:p14="http://schemas.microsoft.com/office/powerpoint/2010/main" val="1619132646"/>
+        <p14:creationId xmlns:p14="http://schemas.microsoft.com/office/powerpoint/2010/main" val="2109500284"/>
       </p:ext>
     </p:extLst>
   </p:cSld>

--- a/notes/graphs.pptx
+++ b/notes/graphs.pptx
@@ -5,10 +5,10 @@
     <p:sldMasterId id="2147483672" r:id="rId1"/>
   </p:sldMasterIdLst>
   <p:notesMasterIdLst>
-    <p:notesMasterId r:id="rId15"/>
+    <p:notesMasterId r:id="rId24"/>
   </p:notesMasterIdLst>
   <p:handoutMasterIdLst>
-    <p:handoutMasterId r:id="rId16"/>
+    <p:handoutMasterId r:id="rId25"/>
   </p:handoutMasterIdLst>
   <p:sldIdLst>
     <p:sldId id="256" r:id="rId2"/>
@@ -21,9 +21,18 @@
     <p:sldId id="295" r:id="rId9"/>
     <p:sldId id="296" r:id="rId10"/>
     <p:sldId id="297" r:id="rId11"/>
-    <p:sldId id="298" r:id="rId12"/>
-    <p:sldId id="300" r:id="rId13"/>
-    <p:sldId id="301" r:id="rId14"/>
+    <p:sldId id="303" r:id="rId12"/>
+    <p:sldId id="304" r:id="rId13"/>
+    <p:sldId id="298" r:id="rId14"/>
+    <p:sldId id="302" r:id="rId15"/>
+    <p:sldId id="300" r:id="rId16"/>
+    <p:sldId id="301" r:id="rId17"/>
+    <p:sldId id="309" r:id="rId18"/>
+    <p:sldId id="310" r:id="rId19"/>
+    <p:sldId id="308" r:id="rId20"/>
+    <p:sldId id="305" r:id="rId21"/>
+    <p:sldId id="306" r:id="rId22"/>
+    <p:sldId id="307" r:id="rId23"/>
   </p:sldIdLst>
   <p:sldSz cx="12192000" cy="6858000"/>
   <p:notesSz cx="9144000" cy="6858000"/>
@@ -218,7 +227,7 @@
           <a:p>
             <a:fld id="{8A1B613A-EFF1-404F-BEE8-EFAE84A4E5E2}" type="datetimeFigureOut">
               <a:rPr lang="en-US" smtClean="0"/>
-              <a:t>2/25/19</a:t>
+              <a:t>2/26/19</a:t>
             </a:fld>
             <a:endParaRPr lang="en-US"/>
           </a:p>
@@ -383,7 +392,7 @@
           <a:p>
             <a:fld id="{690847EA-AC25-3D4E-89E1-FD3F6A9702B6}" type="datetimeFigureOut">
               <a:rPr lang="en-US" smtClean="0"/>
-              <a:t>2/25/19</a:t>
+              <a:t>2/26/19</a:t>
             </a:fld>
             <a:endParaRPr lang="en-US"/>
           </a:p>
@@ -672,7 +681,7 @@
           <p:cNvPr id="2" name="Title 1">
             <a:extLst>
               <a:ext uri="{FF2B5EF4-FFF2-40B4-BE49-F238E27FC236}">
-                <a16:creationId xmlns="" xmlns:a16="http://schemas.microsoft.com/office/drawing/2014/main" id="{FCECE00E-B2E2-4D43-8A21-E17BBDC017E1}"/>
+                <a16:creationId xmlns:a16="http://schemas.microsoft.com/office/drawing/2014/main" id="{FCECE00E-B2E2-4D43-8A21-E17BBDC017E1}"/>
               </a:ext>
             </a:extLst>
           </p:cNvPr>
@@ -698,10 +707,9 @@
           </a:lstStyle>
           <a:p>
             <a:r>
-              <a:rPr lang="en-US" smtClean="0"/>
+              <a:rPr lang="en-US"/>
               <a:t>Click to edit Master title style</a:t>
             </a:r>
-            <a:endParaRPr lang="en-US"/>
           </a:p>
         </p:txBody>
       </p:sp>
@@ -710,7 +718,7 @@
           <p:cNvPr id="3" name="Subtitle 2">
             <a:extLst>
               <a:ext uri="{FF2B5EF4-FFF2-40B4-BE49-F238E27FC236}">
-                <a16:creationId xmlns="" xmlns:a16="http://schemas.microsoft.com/office/drawing/2014/main" id="{0C4C7E7C-3478-264C-BF00-D75996D63509}"/>
+                <a16:creationId xmlns:a16="http://schemas.microsoft.com/office/drawing/2014/main" id="{0C4C7E7C-3478-264C-BF00-D75996D63509}"/>
               </a:ext>
             </a:extLst>
           </p:cNvPr>
@@ -769,10 +777,9 @@
           </a:lstStyle>
           <a:p>
             <a:r>
-              <a:rPr lang="en-US" smtClean="0"/>
+              <a:rPr lang="en-US"/>
               <a:t>Click to edit Master subtitle style</a:t>
             </a:r>
-            <a:endParaRPr lang="en-US"/>
           </a:p>
         </p:txBody>
       </p:sp>
@@ -781,7 +788,7 @@
           <p:cNvPr id="4" name="Date Placeholder 3">
             <a:extLst>
               <a:ext uri="{FF2B5EF4-FFF2-40B4-BE49-F238E27FC236}">
-                <a16:creationId xmlns="" xmlns:a16="http://schemas.microsoft.com/office/drawing/2014/main" id="{64E1EB94-602A-4843-8753-4DB51430704B}"/>
+                <a16:creationId xmlns:a16="http://schemas.microsoft.com/office/drawing/2014/main" id="{64E1EB94-602A-4843-8753-4DB51430704B}"/>
               </a:ext>
             </a:extLst>
           </p:cNvPr>
@@ -799,7 +806,7 @@
           <a:p>
             <a:fld id="{BE5295ED-3BAF-1140-8495-3D368771D6B1}" type="datetimeFigureOut">
               <a:rPr lang="en-US" smtClean="0"/>
-              <a:t>2/25/19</a:t>
+              <a:t>2/26/19</a:t>
             </a:fld>
             <a:endParaRPr lang="en-US"/>
           </a:p>
@@ -810,7 +817,7 @@
           <p:cNvPr id="5" name="Footer Placeholder 4">
             <a:extLst>
               <a:ext uri="{FF2B5EF4-FFF2-40B4-BE49-F238E27FC236}">
-                <a16:creationId xmlns="" xmlns:a16="http://schemas.microsoft.com/office/drawing/2014/main" id="{FF136E26-0E46-B848-BBFC-A0D2BFA17F33}"/>
+                <a16:creationId xmlns:a16="http://schemas.microsoft.com/office/drawing/2014/main" id="{FF136E26-0E46-B848-BBFC-A0D2BFA17F33}"/>
               </a:ext>
             </a:extLst>
           </p:cNvPr>
@@ -835,7 +842,7 @@
           <p:cNvPr id="6" name="Slide Number Placeholder 5">
             <a:extLst>
               <a:ext uri="{FF2B5EF4-FFF2-40B4-BE49-F238E27FC236}">
-                <a16:creationId xmlns="" xmlns:a16="http://schemas.microsoft.com/office/drawing/2014/main" id="{CEAD4217-442E-6C4A-8D0F-CADFE9EACB6D}"/>
+                <a16:creationId xmlns:a16="http://schemas.microsoft.com/office/drawing/2014/main" id="{CEAD4217-442E-6C4A-8D0F-CADFE9EACB6D}"/>
               </a:ext>
             </a:extLst>
           </p:cNvPr>
@@ -894,7 +901,7 @@
           <p:cNvPr id="2" name="Title 1">
             <a:extLst>
               <a:ext uri="{FF2B5EF4-FFF2-40B4-BE49-F238E27FC236}">
-                <a16:creationId xmlns="" xmlns:a16="http://schemas.microsoft.com/office/drawing/2014/main" id="{F416C72F-B1B5-6442-B3EF-170DEDF83067}"/>
+                <a16:creationId xmlns:a16="http://schemas.microsoft.com/office/drawing/2014/main" id="{F416C72F-B1B5-6442-B3EF-170DEDF83067}"/>
               </a:ext>
             </a:extLst>
           </p:cNvPr>
@@ -911,10 +918,9 @@
           <a:lstStyle/>
           <a:p>
             <a:r>
-              <a:rPr lang="en-US" smtClean="0"/>
+              <a:rPr lang="en-US"/>
               <a:t>Click to edit Master title style</a:t>
             </a:r>
-            <a:endParaRPr lang="en-US"/>
           </a:p>
         </p:txBody>
       </p:sp>
@@ -923,7 +929,7 @@
           <p:cNvPr id="3" name="Vertical Text Placeholder 2">
             <a:extLst>
               <a:ext uri="{FF2B5EF4-FFF2-40B4-BE49-F238E27FC236}">
-                <a16:creationId xmlns="" xmlns:a16="http://schemas.microsoft.com/office/drawing/2014/main" id="{19182C6A-7EA1-C840-86BB-65DF578F4F4B}"/>
+                <a16:creationId xmlns:a16="http://schemas.microsoft.com/office/drawing/2014/main" id="{19182C6A-7EA1-C840-86BB-65DF578F4F4B}"/>
               </a:ext>
             </a:extLst>
           </p:cNvPr>
@@ -941,38 +947,37 @@
           <a:p>
             <a:pPr lvl="0"/>
             <a:r>
-              <a:rPr lang="en-US" smtClean="0"/>
+              <a:rPr lang="en-US"/>
               <a:t>Click to edit Master text styles</a:t>
             </a:r>
           </a:p>
           <a:p>
             <a:pPr lvl="1"/>
             <a:r>
-              <a:rPr lang="en-US" smtClean="0"/>
+              <a:rPr lang="en-US"/>
               <a:t>Second level</a:t>
             </a:r>
           </a:p>
           <a:p>
             <a:pPr lvl="2"/>
             <a:r>
-              <a:rPr lang="en-US" smtClean="0"/>
+              <a:rPr lang="en-US"/>
               <a:t>Third level</a:t>
             </a:r>
           </a:p>
           <a:p>
             <a:pPr lvl="3"/>
             <a:r>
-              <a:rPr lang="en-US" smtClean="0"/>
+              <a:rPr lang="en-US"/>
               <a:t>Fourth level</a:t>
             </a:r>
           </a:p>
           <a:p>
             <a:pPr lvl="4"/>
             <a:r>
-              <a:rPr lang="en-US" smtClean="0"/>
+              <a:rPr lang="en-US"/>
               <a:t>Fifth level</a:t>
             </a:r>
-            <a:endParaRPr lang="en-US"/>
           </a:p>
         </p:txBody>
       </p:sp>
@@ -981,7 +986,7 @@
           <p:cNvPr id="4" name="Date Placeholder 3">
             <a:extLst>
               <a:ext uri="{FF2B5EF4-FFF2-40B4-BE49-F238E27FC236}">
-                <a16:creationId xmlns="" xmlns:a16="http://schemas.microsoft.com/office/drawing/2014/main" id="{DBCD3C4B-E6D4-B140-8126-90FD013DE38A}"/>
+                <a16:creationId xmlns:a16="http://schemas.microsoft.com/office/drawing/2014/main" id="{DBCD3C4B-E6D4-B140-8126-90FD013DE38A}"/>
               </a:ext>
             </a:extLst>
           </p:cNvPr>
@@ -999,7 +1004,7 @@
           <a:p>
             <a:fld id="{BE5295ED-3BAF-1140-8495-3D368771D6B1}" type="datetimeFigureOut">
               <a:rPr lang="en-US" smtClean="0"/>
-              <a:t>2/25/19</a:t>
+              <a:t>2/26/19</a:t>
             </a:fld>
             <a:endParaRPr lang="en-US"/>
           </a:p>
@@ -1010,7 +1015,7 @@
           <p:cNvPr id="5" name="Footer Placeholder 4">
             <a:extLst>
               <a:ext uri="{FF2B5EF4-FFF2-40B4-BE49-F238E27FC236}">
-                <a16:creationId xmlns="" xmlns:a16="http://schemas.microsoft.com/office/drawing/2014/main" id="{E26FD8A5-25AB-2742-9333-F1864AA98C6D}"/>
+                <a16:creationId xmlns:a16="http://schemas.microsoft.com/office/drawing/2014/main" id="{E26FD8A5-25AB-2742-9333-F1864AA98C6D}"/>
               </a:ext>
             </a:extLst>
           </p:cNvPr>
@@ -1035,7 +1040,7 @@
           <p:cNvPr id="6" name="Slide Number Placeholder 5">
             <a:extLst>
               <a:ext uri="{FF2B5EF4-FFF2-40B4-BE49-F238E27FC236}">
-                <a16:creationId xmlns="" xmlns:a16="http://schemas.microsoft.com/office/drawing/2014/main" id="{B4FFBFCA-F2F7-544E-BB46-A887273990B8}"/>
+                <a16:creationId xmlns:a16="http://schemas.microsoft.com/office/drawing/2014/main" id="{B4FFBFCA-F2F7-544E-BB46-A887273990B8}"/>
               </a:ext>
             </a:extLst>
           </p:cNvPr>
@@ -1094,7 +1099,7 @@
           <p:cNvPr id="2" name="Vertical Title 1">
             <a:extLst>
               <a:ext uri="{FF2B5EF4-FFF2-40B4-BE49-F238E27FC236}">
-                <a16:creationId xmlns="" xmlns:a16="http://schemas.microsoft.com/office/drawing/2014/main" id="{A54E5286-71CD-184D-922F-2C587370C871}"/>
+                <a16:creationId xmlns:a16="http://schemas.microsoft.com/office/drawing/2014/main" id="{A54E5286-71CD-184D-922F-2C587370C871}"/>
               </a:ext>
             </a:extLst>
           </p:cNvPr>
@@ -1116,10 +1121,9 @@
           <a:lstStyle/>
           <a:p>
             <a:r>
-              <a:rPr lang="en-US" smtClean="0"/>
+              <a:rPr lang="en-US"/>
               <a:t>Click to edit Master title style</a:t>
             </a:r>
-            <a:endParaRPr lang="en-US"/>
           </a:p>
         </p:txBody>
       </p:sp>
@@ -1128,7 +1132,7 @@
           <p:cNvPr id="3" name="Vertical Text Placeholder 2">
             <a:extLst>
               <a:ext uri="{FF2B5EF4-FFF2-40B4-BE49-F238E27FC236}">
-                <a16:creationId xmlns="" xmlns:a16="http://schemas.microsoft.com/office/drawing/2014/main" id="{8E6C93D7-83D1-8740-A256-2B405524A089}"/>
+                <a16:creationId xmlns:a16="http://schemas.microsoft.com/office/drawing/2014/main" id="{8E6C93D7-83D1-8740-A256-2B405524A089}"/>
               </a:ext>
             </a:extLst>
           </p:cNvPr>
@@ -1151,38 +1155,37 @@
           <a:p>
             <a:pPr lvl="0"/>
             <a:r>
-              <a:rPr lang="en-US" smtClean="0"/>
+              <a:rPr lang="en-US"/>
               <a:t>Click to edit Master text styles</a:t>
             </a:r>
           </a:p>
           <a:p>
             <a:pPr lvl="1"/>
             <a:r>
-              <a:rPr lang="en-US" smtClean="0"/>
+              <a:rPr lang="en-US"/>
               <a:t>Second level</a:t>
             </a:r>
           </a:p>
           <a:p>
             <a:pPr lvl="2"/>
             <a:r>
-              <a:rPr lang="en-US" smtClean="0"/>
+              <a:rPr lang="en-US"/>
               <a:t>Third level</a:t>
             </a:r>
           </a:p>
           <a:p>
             <a:pPr lvl="3"/>
             <a:r>
-              <a:rPr lang="en-US" smtClean="0"/>
+              <a:rPr lang="en-US"/>
               <a:t>Fourth level</a:t>
             </a:r>
           </a:p>
           <a:p>
             <a:pPr lvl="4"/>
             <a:r>
-              <a:rPr lang="en-US" smtClean="0"/>
+              <a:rPr lang="en-US"/>
               <a:t>Fifth level</a:t>
             </a:r>
-            <a:endParaRPr lang="en-US"/>
           </a:p>
         </p:txBody>
       </p:sp>
@@ -1191,7 +1194,7 @@
           <p:cNvPr id="4" name="Date Placeholder 3">
             <a:extLst>
               <a:ext uri="{FF2B5EF4-FFF2-40B4-BE49-F238E27FC236}">
-                <a16:creationId xmlns="" xmlns:a16="http://schemas.microsoft.com/office/drawing/2014/main" id="{C7CCB8DC-90E9-1D49-B70B-5103FBBD3972}"/>
+                <a16:creationId xmlns:a16="http://schemas.microsoft.com/office/drawing/2014/main" id="{C7CCB8DC-90E9-1D49-B70B-5103FBBD3972}"/>
               </a:ext>
             </a:extLst>
           </p:cNvPr>
@@ -1209,7 +1212,7 @@
           <a:p>
             <a:fld id="{BE5295ED-3BAF-1140-8495-3D368771D6B1}" type="datetimeFigureOut">
               <a:rPr lang="en-US" smtClean="0"/>
-              <a:t>2/25/19</a:t>
+              <a:t>2/26/19</a:t>
             </a:fld>
             <a:endParaRPr lang="en-US"/>
           </a:p>
@@ -1220,7 +1223,7 @@
           <p:cNvPr id="5" name="Footer Placeholder 4">
             <a:extLst>
               <a:ext uri="{FF2B5EF4-FFF2-40B4-BE49-F238E27FC236}">
-                <a16:creationId xmlns="" xmlns:a16="http://schemas.microsoft.com/office/drawing/2014/main" id="{0997D847-8768-9843-9B66-E6B3989BA3D2}"/>
+                <a16:creationId xmlns:a16="http://schemas.microsoft.com/office/drawing/2014/main" id="{0997D847-8768-9843-9B66-E6B3989BA3D2}"/>
               </a:ext>
             </a:extLst>
           </p:cNvPr>
@@ -1245,7 +1248,7 @@
           <p:cNvPr id="6" name="Slide Number Placeholder 5">
             <a:extLst>
               <a:ext uri="{FF2B5EF4-FFF2-40B4-BE49-F238E27FC236}">
-                <a16:creationId xmlns="" xmlns:a16="http://schemas.microsoft.com/office/drawing/2014/main" id="{8E82CB94-E0A6-3E47-9F30-8DEB64C2027C}"/>
+                <a16:creationId xmlns:a16="http://schemas.microsoft.com/office/drawing/2014/main" id="{8E82CB94-E0A6-3E47-9F30-8DEB64C2027C}"/>
               </a:ext>
             </a:extLst>
           </p:cNvPr>
@@ -1304,7 +1307,7 @@
           <p:cNvPr id="2" name="Title 1">
             <a:extLst>
               <a:ext uri="{FF2B5EF4-FFF2-40B4-BE49-F238E27FC236}">
-                <a16:creationId xmlns="" xmlns:a16="http://schemas.microsoft.com/office/drawing/2014/main" id="{B8842375-E5EF-4D4E-AFD0-A94090E7DB29}"/>
+                <a16:creationId xmlns:a16="http://schemas.microsoft.com/office/drawing/2014/main" id="{B8842375-E5EF-4D4E-AFD0-A94090E7DB29}"/>
               </a:ext>
             </a:extLst>
           </p:cNvPr>
@@ -1321,10 +1324,9 @@
           <a:lstStyle/>
           <a:p>
             <a:r>
-              <a:rPr lang="en-US" smtClean="0"/>
+              <a:rPr lang="en-US"/>
               <a:t>Click to edit Master title style</a:t>
             </a:r>
-            <a:endParaRPr lang="en-US"/>
           </a:p>
         </p:txBody>
       </p:sp>
@@ -1333,7 +1335,7 @@
           <p:cNvPr id="3" name="Content Placeholder 2">
             <a:extLst>
               <a:ext uri="{FF2B5EF4-FFF2-40B4-BE49-F238E27FC236}">
-                <a16:creationId xmlns="" xmlns:a16="http://schemas.microsoft.com/office/drawing/2014/main" id="{F366F610-FF9B-2A4B-8E35-314B0D78D9D8}"/>
+                <a16:creationId xmlns:a16="http://schemas.microsoft.com/office/drawing/2014/main" id="{F366F610-FF9B-2A4B-8E35-314B0D78D9D8}"/>
               </a:ext>
             </a:extLst>
           </p:cNvPr>
@@ -1351,38 +1353,37 @@
           <a:p>
             <a:pPr lvl="0"/>
             <a:r>
-              <a:rPr lang="en-US" smtClean="0"/>
+              <a:rPr lang="en-US"/>
               <a:t>Click to edit Master text styles</a:t>
             </a:r>
           </a:p>
           <a:p>
             <a:pPr lvl="1"/>
             <a:r>
-              <a:rPr lang="en-US" smtClean="0"/>
+              <a:rPr lang="en-US"/>
               <a:t>Second level</a:t>
             </a:r>
           </a:p>
           <a:p>
             <a:pPr lvl="2"/>
             <a:r>
-              <a:rPr lang="en-US" smtClean="0"/>
+              <a:rPr lang="en-US"/>
               <a:t>Third level</a:t>
             </a:r>
           </a:p>
           <a:p>
             <a:pPr lvl="3"/>
             <a:r>
-              <a:rPr lang="en-US" smtClean="0"/>
+              <a:rPr lang="en-US"/>
               <a:t>Fourth level</a:t>
             </a:r>
           </a:p>
           <a:p>
             <a:pPr lvl="4"/>
             <a:r>
-              <a:rPr lang="en-US" smtClean="0"/>
+              <a:rPr lang="en-US"/>
               <a:t>Fifth level</a:t>
             </a:r>
-            <a:endParaRPr lang="en-US"/>
           </a:p>
         </p:txBody>
       </p:sp>
@@ -1391,7 +1392,7 @@
           <p:cNvPr id="4" name="Date Placeholder 3">
             <a:extLst>
               <a:ext uri="{FF2B5EF4-FFF2-40B4-BE49-F238E27FC236}">
-                <a16:creationId xmlns="" xmlns:a16="http://schemas.microsoft.com/office/drawing/2014/main" id="{1561E808-F7D2-E84B-8CD4-83F18272EA72}"/>
+                <a16:creationId xmlns:a16="http://schemas.microsoft.com/office/drawing/2014/main" id="{1561E808-F7D2-E84B-8CD4-83F18272EA72}"/>
               </a:ext>
             </a:extLst>
           </p:cNvPr>
@@ -1409,7 +1410,7 @@
           <a:p>
             <a:fld id="{BE5295ED-3BAF-1140-8495-3D368771D6B1}" type="datetimeFigureOut">
               <a:rPr lang="en-US" smtClean="0"/>
-              <a:t>2/25/19</a:t>
+              <a:t>2/26/19</a:t>
             </a:fld>
             <a:endParaRPr lang="en-US"/>
           </a:p>
@@ -1420,7 +1421,7 @@
           <p:cNvPr id="5" name="Footer Placeholder 4">
             <a:extLst>
               <a:ext uri="{FF2B5EF4-FFF2-40B4-BE49-F238E27FC236}">
-                <a16:creationId xmlns="" xmlns:a16="http://schemas.microsoft.com/office/drawing/2014/main" id="{7B3AD9A1-B1EC-984E-A23E-0ECF6F652482}"/>
+                <a16:creationId xmlns:a16="http://schemas.microsoft.com/office/drawing/2014/main" id="{7B3AD9A1-B1EC-984E-A23E-0ECF6F652482}"/>
               </a:ext>
             </a:extLst>
           </p:cNvPr>
@@ -1445,7 +1446,7 @@
           <p:cNvPr id="6" name="Slide Number Placeholder 5">
             <a:extLst>
               <a:ext uri="{FF2B5EF4-FFF2-40B4-BE49-F238E27FC236}">
-                <a16:creationId xmlns="" xmlns:a16="http://schemas.microsoft.com/office/drawing/2014/main" id="{01BFD94D-9604-2A43-AADF-14B0876B6EBB}"/>
+                <a16:creationId xmlns:a16="http://schemas.microsoft.com/office/drawing/2014/main" id="{01BFD94D-9604-2A43-AADF-14B0876B6EBB}"/>
               </a:ext>
             </a:extLst>
           </p:cNvPr>
@@ -1504,7 +1505,7 @@
           <p:cNvPr id="2" name="Title 1">
             <a:extLst>
               <a:ext uri="{FF2B5EF4-FFF2-40B4-BE49-F238E27FC236}">
-                <a16:creationId xmlns="" xmlns:a16="http://schemas.microsoft.com/office/drawing/2014/main" id="{771589AC-2242-B445-BBEA-95D500596EE6}"/>
+                <a16:creationId xmlns:a16="http://schemas.microsoft.com/office/drawing/2014/main" id="{771589AC-2242-B445-BBEA-95D500596EE6}"/>
               </a:ext>
             </a:extLst>
           </p:cNvPr>
@@ -1530,10 +1531,9 @@
           </a:lstStyle>
           <a:p>
             <a:r>
-              <a:rPr lang="en-US" smtClean="0"/>
+              <a:rPr lang="en-US"/>
               <a:t>Click to edit Master title style</a:t>
             </a:r>
-            <a:endParaRPr lang="en-US"/>
           </a:p>
         </p:txBody>
       </p:sp>
@@ -1542,7 +1542,7 @@
           <p:cNvPr id="3" name="Text Placeholder 2">
             <a:extLst>
               <a:ext uri="{FF2B5EF4-FFF2-40B4-BE49-F238E27FC236}">
-                <a16:creationId xmlns="" xmlns:a16="http://schemas.microsoft.com/office/drawing/2014/main" id="{255D194C-D171-4B45-BA38-8D16CD1C3449}"/>
+                <a16:creationId xmlns:a16="http://schemas.microsoft.com/office/drawing/2014/main" id="{255D194C-D171-4B45-BA38-8D16CD1C3449}"/>
               </a:ext>
             </a:extLst>
           </p:cNvPr>
@@ -1656,7 +1656,7 @@
           <a:p>
             <a:pPr lvl="0"/>
             <a:r>
-              <a:rPr lang="en-US" smtClean="0"/>
+              <a:rPr lang="en-US"/>
               <a:t>Click to edit Master text styles</a:t>
             </a:r>
           </a:p>
@@ -1667,7 +1667,7 @@
           <p:cNvPr id="4" name="Date Placeholder 3">
             <a:extLst>
               <a:ext uri="{FF2B5EF4-FFF2-40B4-BE49-F238E27FC236}">
-                <a16:creationId xmlns="" xmlns:a16="http://schemas.microsoft.com/office/drawing/2014/main" id="{68A38244-2F9E-AB4A-B300-488462389FF9}"/>
+                <a16:creationId xmlns:a16="http://schemas.microsoft.com/office/drawing/2014/main" id="{68A38244-2F9E-AB4A-B300-488462389FF9}"/>
               </a:ext>
             </a:extLst>
           </p:cNvPr>
@@ -1685,7 +1685,7 @@
           <a:p>
             <a:fld id="{BE5295ED-3BAF-1140-8495-3D368771D6B1}" type="datetimeFigureOut">
               <a:rPr lang="en-US" smtClean="0"/>
-              <a:t>2/25/19</a:t>
+              <a:t>2/26/19</a:t>
             </a:fld>
             <a:endParaRPr lang="en-US"/>
           </a:p>
@@ -1696,7 +1696,7 @@
           <p:cNvPr id="5" name="Footer Placeholder 4">
             <a:extLst>
               <a:ext uri="{FF2B5EF4-FFF2-40B4-BE49-F238E27FC236}">
-                <a16:creationId xmlns="" xmlns:a16="http://schemas.microsoft.com/office/drawing/2014/main" id="{B33A7B5A-1475-C94F-AD18-1726D2BA89C2}"/>
+                <a16:creationId xmlns:a16="http://schemas.microsoft.com/office/drawing/2014/main" id="{B33A7B5A-1475-C94F-AD18-1726D2BA89C2}"/>
               </a:ext>
             </a:extLst>
           </p:cNvPr>
@@ -1721,7 +1721,7 @@
           <p:cNvPr id="6" name="Slide Number Placeholder 5">
             <a:extLst>
               <a:ext uri="{FF2B5EF4-FFF2-40B4-BE49-F238E27FC236}">
-                <a16:creationId xmlns="" xmlns:a16="http://schemas.microsoft.com/office/drawing/2014/main" id="{8069DDF6-CCE5-3946-8A72-14D318AB4D22}"/>
+                <a16:creationId xmlns:a16="http://schemas.microsoft.com/office/drawing/2014/main" id="{8069DDF6-CCE5-3946-8A72-14D318AB4D22}"/>
               </a:ext>
             </a:extLst>
           </p:cNvPr>
@@ -1780,7 +1780,7 @@
           <p:cNvPr id="2" name="Title 1">
             <a:extLst>
               <a:ext uri="{FF2B5EF4-FFF2-40B4-BE49-F238E27FC236}">
-                <a16:creationId xmlns="" xmlns:a16="http://schemas.microsoft.com/office/drawing/2014/main" id="{AC1D2791-2196-8F4F-AD62-59B19A8810A3}"/>
+                <a16:creationId xmlns:a16="http://schemas.microsoft.com/office/drawing/2014/main" id="{AC1D2791-2196-8F4F-AD62-59B19A8810A3}"/>
               </a:ext>
             </a:extLst>
           </p:cNvPr>
@@ -1797,10 +1797,9 @@
           <a:lstStyle/>
           <a:p>
             <a:r>
-              <a:rPr lang="en-US" smtClean="0"/>
+              <a:rPr lang="en-US"/>
               <a:t>Click to edit Master title style</a:t>
             </a:r>
-            <a:endParaRPr lang="en-US"/>
           </a:p>
         </p:txBody>
       </p:sp>
@@ -1809,7 +1808,7 @@
           <p:cNvPr id="3" name="Content Placeholder 2">
             <a:extLst>
               <a:ext uri="{FF2B5EF4-FFF2-40B4-BE49-F238E27FC236}">
-                <a16:creationId xmlns="" xmlns:a16="http://schemas.microsoft.com/office/drawing/2014/main" id="{3962F23A-0A28-6141-B0BF-D7B92C213877}"/>
+                <a16:creationId xmlns:a16="http://schemas.microsoft.com/office/drawing/2014/main" id="{3962F23A-0A28-6141-B0BF-D7B92C213877}"/>
               </a:ext>
             </a:extLst>
           </p:cNvPr>
@@ -1832,38 +1831,37 @@
           <a:p>
             <a:pPr lvl="0"/>
             <a:r>
-              <a:rPr lang="en-US" smtClean="0"/>
+              <a:rPr lang="en-US"/>
               <a:t>Click to edit Master text styles</a:t>
             </a:r>
           </a:p>
           <a:p>
             <a:pPr lvl="1"/>
             <a:r>
-              <a:rPr lang="en-US" smtClean="0"/>
+              <a:rPr lang="en-US"/>
               <a:t>Second level</a:t>
             </a:r>
           </a:p>
           <a:p>
             <a:pPr lvl="2"/>
             <a:r>
-              <a:rPr lang="en-US" smtClean="0"/>
+              <a:rPr lang="en-US"/>
               <a:t>Third level</a:t>
             </a:r>
           </a:p>
           <a:p>
             <a:pPr lvl="3"/>
             <a:r>
-              <a:rPr lang="en-US" smtClean="0"/>
+              <a:rPr lang="en-US"/>
               <a:t>Fourth level</a:t>
             </a:r>
           </a:p>
           <a:p>
             <a:pPr lvl="4"/>
             <a:r>
-              <a:rPr lang="en-US" smtClean="0"/>
+              <a:rPr lang="en-US"/>
               <a:t>Fifth level</a:t>
             </a:r>
-            <a:endParaRPr lang="en-US"/>
           </a:p>
         </p:txBody>
       </p:sp>
@@ -1872,7 +1870,7 @@
           <p:cNvPr id="4" name="Content Placeholder 3">
             <a:extLst>
               <a:ext uri="{FF2B5EF4-FFF2-40B4-BE49-F238E27FC236}">
-                <a16:creationId xmlns="" xmlns:a16="http://schemas.microsoft.com/office/drawing/2014/main" id="{C36DF3E7-529D-1C40-B815-3C505F4D107E}"/>
+                <a16:creationId xmlns:a16="http://schemas.microsoft.com/office/drawing/2014/main" id="{C36DF3E7-529D-1C40-B815-3C505F4D107E}"/>
               </a:ext>
             </a:extLst>
           </p:cNvPr>
@@ -1895,38 +1893,37 @@
           <a:p>
             <a:pPr lvl="0"/>
             <a:r>
-              <a:rPr lang="en-US" smtClean="0"/>
+              <a:rPr lang="en-US"/>
               <a:t>Click to edit Master text styles</a:t>
             </a:r>
           </a:p>
           <a:p>
             <a:pPr lvl="1"/>
             <a:r>
-              <a:rPr lang="en-US" smtClean="0"/>
+              <a:rPr lang="en-US"/>
               <a:t>Second level</a:t>
             </a:r>
           </a:p>
           <a:p>
             <a:pPr lvl="2"/>
             <a:r>
-              <a:rPr lang="en-US" smtClean="0"/>
+              <a:rPr lang="en-US"/>
               <a:t>Third level</a:t>
             </a:r>
           </a:p>
           <a:p>
             <a:pPr lvl="3"/>
             <a:r>
-              <a:rPr lang="en-US" smtClean="0"/>
+              <a:rPr lang="en-US"/>
               <a:t>Fourth level</a:t>
             </a:r>
           </a:p>
           <a:p>
             <a:pPr lvl="4"/>
             <a:r>
-              <a:rPr lang="en-US" smtClean="0"/>
+              <a:rPr lang="en-US"/>
               <a:t>Fifth level</a:t>
             </a:r>
-            <a:endParaRPr lang="en-US"/>
           </a:p>
         </p:txBody>
       </p:sp>
@@ -1935,7 +1932,7 @@
           <p:cNvPr id="5" name="Date Placeholder 4">
             <a:extLst>
               <a:ext uri="{FF2B5EF4-FFF2-40B4-BE49-F238E27FC236}">
-                <a16:creationId xmlns="" xmlns:a16="http://schemas.microsoft.com/office/drawing/2014/main" id="{ECFEE966-F172-8C42-A9F6-013C2A368C90}"/>
+                <a16:creationId xmlns:a16="http://schemas.microsoft.com/office/drawing/2014/main" id="{ECFEE966-F172-8C42-A9F6-013C2A368C90}"/>
               </a:ext>
             </a:extLst>
           </p:cNvPr>
@@ -1953,7 +1950,7 @@
           <a:p>
             <a:fld id="{BE5295ED-3BAF-1140-8495-3D368771D6B1}" type="datetimeFigureOut">
               <a:rPr lang="en-US" smtClean="0"/>
-              <a:t>2/25/19</a:t>
+              <a:t>2/26/19</a:t>
             </a:fld>
             <a:endParaRPr lang="en-US"/>
           </a:p>
@@ -1964,7 +1961,7 @@
           <p:cNvPr id="6" name="Footer Placeholder 5">
             <a:extLst>
               <a:ext uri="{FF2B5EF4-FFF2-40B4-BE49-F238E27FC236}">
-                <a16:creationId xmlns="" xmlns:a16="http://schemas.microsoft.com/office/drawing/2014/main" id="{54FDED73-DCFA-6648-B65F-CBEDB1D3556B}"/>
+                <a16:creationId xmlns:a16="http://schemas.microsoft.com/office/drawing/2014/main" id="{54FDED73-DCFA-6648-B65F-CBEDB1D3556B}"/>
               </a:ext>
             </a:extLst>
           </p:cNvPr>
@@ -1989,7 +1986,7 @@
           <p:cNvPr id="7" name="Slide Number Placeholder 6">
             <a:extLst>
               <a:ext uri="{FF2B5EF4-FFF2-40B4-BE49-F238E27FC236}">
-                <a16:creationId xmlns="" xmlns:a16="http://schemas.microsoft.com/office/drawing/2014/main" id="{F3D072AD-ADC5-2943-B36C-F14AE6555C55}"/>
+                <a16:creationId xmlns:a16="http://schemas.microsoft.com/office/drawing/2014/main" id="{F3D072AD-ADC5-2943-B36C-F14AE6555C55}"/>
               </a:ext>
             </a:extLst>
           </p:cNvPr>
@@ -2048,7 +2045,7 @@
           <p:cNvPr id="2" name="Title 1">
             <a:extLst>
               <a:ext uri="{FF2B5EF4-FFF2-40B4-BE49-F238E27FC236}">
-                <a16:creationId xmlns="" xmlns:a16="http://schemas.microsoft.com/office/drawing/2014/main" id="{478E3FB4-66D6-9040-98CF-3DE68ABAAB18}"/>
+                <a16:creationId xmlns:a16="http://schemas.microsoft.com/office/drawing/2014/main" id="{478E3FB4-66D6-9040-98CF-3DE68ABAAB18}"/>
               </a:ext>
             </a:extLst>
           </p:cNvPr>
@@ -2070,10 +2067,9 @@
           <a:lstStyle/>
           <a:p>
             <a:r>
-              <a:rPr lang="en-US" smtClean="0"/>
+              <a:rPr lang="en-US"/>
               <a:t>Click to edit Master title style</a:t>
             </a:r>
-            <a:endParaRPr lang="en-US"/>
           </a:p>
         </p:txBody>
       </p:sp>
@@ -2082,7 +2078,7 @@
           <p:cNvPr id="3" name="Text Placeholder 2">
             <a:extLst>
               <a:ext uri="{FF2B5EF4-FFF2-40B4-BE49-F238E27FC236}">
-                <a16:creationId xmlns="" xmlns:a16="http://schemas.microsoft.com/office/drawing/2014/main" id="{C3B9CBA2-D589-E342-B02C-AFD0528E353B}"/>
+                <a16:creationId xmlns:a16="http://schemas.microsoft.com/office/drawing/2014/main" id="{C3B9CBA2-D589-E342-B02C-AFD0528E353B}"/>
               </a:ext>
             </a:extLst>
           </p:cNvPr>
@@ -2142,7 +2138,7 @@
           <a:p>
             <a:pPr lvl="0"/>
             <a:r>
-              <a:rPr lang="en-US" smtClean="0"/>
+              <a:rPr lang="en-US"/>
               <a:t>Click to edit Master text styles</a:t>
             </a:r>
           </a:p>
@@ -2153,7 +2149,7 @@
           <p:cNvPr id="4" name="Content Placeholder 3">
             <a:extLst>
               <a:ext uri="{FF2B5EF4-FFF2-40B4-BE49-F238E27FC236}">
-                <a16:creationId xmlns="" xmlns:a16="http://schemas.microsoft.com/office/drawing/2014/main" id="{F570E95A-9A57-7F42-A0D4-A9C36B16D13C}"/>
+                <a16:creationId xmlns:a16="http://schemas.microsoft.com/office/drawing/2014/main" id="{F570E95A-9A57-7F42-A0D4-A9C36B16D13C}"/>
               </a:ext>
             </a:extLst>
           </p:cNvPr>
@@ -2176,38 +2172,37 @@
           <a:p>
             <a:pPr lvl="0"/>
             <a:r>
-              <a:rPr lang="en-US" smtClean="0"/>
+              <a:rPr lang="en-US"/>
               <a:t>Click to edit Master text styles</a:t>
             </a:r>
           </a:p>
           <a:p>
             <a:pPr lvl="1"/>
             <a:r>
-              <a:rPr lang="en-US" smtClean="0"/>
+              <a:rPr lang="en-US"/>
               <a:t>Second level</a:t>
             </a:r>
           </a:p>
           <a:p>
             <a:pPr lvl="2"/>
             <a:r>
-              <a:rPr lang="en-US" smtClean="0"/>
+              <a:rPr lang="en-US"/>
               <a:t>Third level</a:t>
             </a:r>
           </a:p>
           <a:p>
             <a:pPr lvl="3"/>
             <a:r>
-              <a:rPr lang="en-US" smtClean="0"/>
+              <a:rPr lang="en-US"/>
               <a:t>Fourth level</a:t>
             </a:r>
           </a:p>
           <a:p>
             <a:pPr lvl="4"/>
             <a:r>
-              <a:rPr lang="en-US" smtClean="0"/>
+              <a:rPr lang="en-US"/>
               <a:t>Fifth level</a:t>
             </a:r>
-            <a:endParaRPr lang="en-US"/>
           </a:p>
         </p:txBody>
       </p:sp>
@@ -2216,7 +2211,7 @@
           <p:cNvPr id="5" name="Text Placeholder 4">
             <a:extLst>
               <a:ext uri="{FF2B5EF4-FFF2-40B4-BE49-F238E27FC236}">
-                <a16:creationId xmlns="" xmlns:a16="http://schemas.microsoft.com/office/drawing/2014/main" id="{B6A72F40-C7A9-CC45-82FB-CCCE1FE08B0B}"/>
+                <a16:creationId xmlns:a16="http://schemas.microsoft.com/office/drawing/2014/main" id="{B6A72F40-C7A9-CC45-82FB-CCCE1FE08B0B}"/>
               </a:ext>
             </a:extLst>
           </p:cNvPr>
@@ -2276,7 +2271,7 @@
           <a:p>
             <a:pPr lvl="0"/>
             <a:r>
-              <a:rPr lang="en-US" smtClean="0"/>
+              <a:rPr lang="en-US"/>
               <a:t>Click to edit Master text styles</a:t>
             </a:r>
           </a:p>
@@ -2287,7 +2282,7 @@
           <p:cNvPr id="6" name="Content Placeholder 5">
             <a:extLst>
               <a:ext uri="{FF2B5EF4-FFF2-40B4-BE49-F238E27FC236}">
-                <a16:creationId xmlns="" xmlns:a16="http://schemas.microsoft.com/office/drawing/2014/main" id="{9FDA6D2A-2E9D-714C-B9CB-D0F9D788FCD3}"/>
+                <a16:creationId xmlns:a16="http://schemas.microsoft.com/office/drawing/2014/main" id="{9FDA6D2A-2E9D-714C-B9CB-D0F9D788FCD3}"/>
               </a:ext>
             </a:extLst>
           </p:cNvPr>
@@ -2310,38 +2305,37 @@
           <a:p>
             <a:pPr lvl="0"/>
             <a:r>
-              <a:rPr lang="en-US" smtClean="0"/>
+              <a:rPr lang="en-US"/>
               <a:t>Click to edit Master text styles</a:t>
             </a:r>
           </a:p>
           <a:p>
             <a:pPr lvl="1"/>
             <a:r>
-              <a:rPr lang="en-US" smtClean="0"/>
+              <a:rPr lang="en-US"/>
               <a:t>Second level</a:t>
             </a:r>
           </a:p>
           <a:p>
             <a:pPr lvl="2"/>
             <a:r>
-              <a:rPr lang="en-US" smtClean="0"/>
+              <a:rPr lang="en-US"/>
               <a:t>Third level</a:t>
             </a:r>
           </a:p>
           <a:p>
             <a:pPr lvl="3"/>
             <a:r>
-              <a:rPr lang="en-US" smtClean="0"/>
+              <a:rPr lang="en-US"/>
               <a:t>Fourth level</a:t>
             </a:r>
           </a:p>
           <a:p>
             <a:pPr lvl="4"/>
             <a:r>
-              <a:rPr lang="en-US" smtClean="0"/>
+              <a:rPr lang="en-US"/>
               <a:t>Fifth level</a:t>
             </a:r>
-            <a:endParaRPr lang="en-US"/>
           </a:p>
         </p:txBody>
       </p:sp>
@@ -2350,7 +2344,7 @@
           <p:cNvPr id="7" name="Date Placeholder 6">
             <a:extLst>
               <a:ext uri="{FF2B5EF4-FFF2-40B4-BE49-F238E27FC236}">
-                <a16:creationId xmlns="" xmlns:a16="http://schemas.microsoft.com/office/drawing/2014/main" id="{1B7F3C0C-4D75-9C49-9075-FA8B3D33CF9B}"/>
+                <a16:creationId xmlns:a16="http://schemas.microsoft.com/office/drawing/2014/main" id="{1B7F3C0C-4D75-9C49-9075-FA8B3D33CF9B}"/>
               </a:ext>
             </a:extLst>
           </p:cNvPr>
@@ -2368,7 +2362,7 @@
           <a:p>
             <a:fld id="{BE5295ED-3BAF-1140-8495-3D368771D6B1}" type="datetimeFigureOut">
               <a:rPr lang="en-US" smtClean="0"/>
-              <a:t>2/25/19</a:t>
+              <a:t>2/26/19</a:t>
             </a:fld>
             <a:endParaRPr lang="en-US"/>
           </a:p>
@@ -2379,7 +2373,7 @@
           <p:cNvPr id="8" name="Footer Placeholder 7">
             <a:extLst>
               <a:ext uri="{FF2B5EF4-FFF2-40B4-BE49-F238E27FC236}">
-                <a16:creationId xmlns="" xmlns:a16="http://schemas.microsoft.com/office/drawing/2014/main" id="{9788C8FA-359A-5447-AA0E-98D16ECCC92D}"/>
+                <a16:creationId xmlns:a16="http://schemas.microsoft.com/office/drawing/2014/main" id="{9788C8FA-359A-5447-AA0E-98D16ECCC92D}"/>
               </a:ext>
             </a:extLst>
           </p:cNvPr>
@@ -2404,7 +2398,7 @@
           <p:cNvPr id="9" name="Slide Number Placeholder 8">
             <a:extLst>
               <a:ext uri="{FF2B5EF4-FFF2-40B4-BE49-F238E27FC236}">
-                <a16:creationId xmlns="" xmlns:a16="http://schemas.microsoft.com/office/drawing/2014/main" id="{3D69C8CD-0DF6-4E4C-A412-31B03845FA24}"/>
+                <a16:creationId xmlns:a16="http://schemas.microsoft.com/office/drawing/2014/main" id="{3D69C8CD-0DF6-4E4C-A412-31B03845FA24}"/>
               </a:ext>
             </a:extLst>
           </p:cNvPr>
@@ -2463,7 +2457,7 @@
           <p:cNvPr id="2" name="Title 1">
             <a:extLst>
               <a:ext uri="{FF2B5EF4-FFF2-40B4-BE49-F238E27FC236}">
-                <a16:creationId xmlns="" xmlns:a16="http://schemas.microsoft.com/office/drawing/2014/main" id="{13C48C8E-A743-0B4F-AB6E-AB828F1218C8}"/>
+                <a16:creationId xmlns:a16="http://schemas.microsoft.com/office/drawing/2014/main" id="{13C48C8E-A743-0B4F-AB6E-AB828F1218C8}"/>
               </a:ext>
             </a:extLst>
           </p:cNvPr>
@@ -2480,10 +2474,9 @@
           <a:lstStyle/>
           <a:p>
             <a:r>
-              <a:rPr lang="en-US" smtClean="0"/>
+              <a:rPr lang="en-US"/>
               <a:t>Click to edit Master title style</a:t>
             </a:r>
-            <a:endParaRPr lang="en-US"/>
           </a:p>
         </p:txBody>
       </p:sp>
@@ -2492,7 +2485,7 @@
           <p:cNvPr id="3" name="Date Placeholder 2">
             <a:extLst>
               <a:ext uri="{FF2B5EF4-FFF2-40B4-BE49-F238E27FC236}">
-                <a16:creationId xmlns="" xmlns:a16="http://schemas.microsoft.com/office/drawing/2014/main" id="{70FAB17F-6D86-B147-9346-A9B5242FC803}"/>
+                <a16:creationId xmlns:a16="http://schemas.microsoft.com/office/drawing/2014/main" id="{70FAB17F-6D86-B147-9346-A9B5242FC803}"/>
               </a:ext>
             </a:extLst>
           </p:cNvPr>
@@ -2510,7 +2503,7 @@
           <a:p>
             <a:fld id="{BE5295ED-3BAF-1140-8495-3D368771D6B1}" type="datetimeFigureOut">
               <a:rPr lang="en-US" smtClean="0"/>
-              <a:t>2/25/19</a:t>
+              <a:t>2/26/19</a:t>
             </a:fld>
             <a:endParaRPr lang="en-US"/>
           </a:p>
@@ -2521,7 +2514,7 @@
           <p:cNvPr id="4" name="Footer Placeholder 3">
             <a:extLst>
               <a:ext uri="{FF2B5EF4-FFF2-40B4-BE49-F238E27FC236}">
-                <a16:creationId xmlns="" xmlns:a16="http://schemas.microsoft.com/office/drawing/2014/main" id="{4B8A6F49-DCD7-7B4B-8496-2547B2A81C83}"/>
+                <a16:creationId xmlns:a16="http://schemas.microsoft.com/office/drawing/2014/main" id="{4B8A6F49-DCD7-7B4B-8496-2547B2A81C83}"/>
               </a:ext>
             </a:extLst>
           </p:cNvPr>
@@ -2546,7 +2539,7 @@
           <p:cNvPr id="5" name="Slide Number Placeholder 4">
             <a:extLst>
               <a:ext uri="{FF2B5EF4-FFF2-40B4-BE49-F238E27FC236}">
-                <a16:creationId xmlns="" xmlns:a16="http://schemas.microsoft.com/office/drawing/2014/main" id="{D4D1F89D-8541-BB4B-A145-D0DC66605C91}"/>
+                <a16:creationId xmlns:a16="http://schemas.microsoft.com/office/drawing/2014/main" id="{D4D1F89D-8541-BB4B-A145-D0DC66605C91}"/>
               </a:ext>
             </a:extLst>
           </p:cNvPr>
@@ -2605,7 +2598,7 @@
           <p:cNvPr id="2" name="Date Placeholder 1">
             <a:extLst>
               <a:ext uri="{FF2B5EF4-FFF2-40B4-BE49-F238E27FC236}">
-                <a16:creationId xmlns="" xmlns:a16="http://schemas.microsoft.com/office/drawing/2014/main" id="{AD68AA44-A589-744E-AB85-5B6ED8E7D8C0}"/>
+                <a16:creationId xmlns:a16="http://schemas.microsoft.com/office/drawing/2014/main" id="{AD68AA44-A589-744E-AB85-5B6ED8E7D8C0}"/>
               </a:ext>
             </a:extLst>
           </p:cNvPr>
@@ -2623,7 +2616,7 @@
           <a:p>
             <a:fld id="{BE5295ED-3BAF-1140-8495-3D368771D6B1}" type="datetimeFigureOut">
               <a:rPr lang="en-US" smtClean="0"/>
-              <a:t>2/25/19</a:t>
+              <a:t>2/26/19</a:t>
             </a:fld>
             <a:endParaRPr lang="en-US"/>
           </a:p>
@@ -2634,7 +2627,7 @@
           <p:cNvPr id="3" name="Footer Placeholder 2">
             <a:extLst>
               <a:ext uri="{FF2B5EF4-FFF2-40B4-BE49-F238E27FC236}">
-                <a16:creationId xmlns="" xmlns:a16="http://schemas.microsoft.com/office/drawing/2014/main" id="{1CA0E6D3-947A-FA4D-8626-2883D14EFE8D}"/>
+                <a16:creationId xmlns:a16="http://schemas.microsoft.com/office/drawing/2014/main" id="{1CA0E6D3-947A-FA4D-8626-2883D14EFE8D}"/>
               </a:ext>
             </a:extLst>
           </p:cNvPr>
@@ -2659,7 +2652,7 @@
           <p:cNvPr id="4" name="Slide Number Placeholder 3">
             <a:extLst>
               <a:ext uri="{FF2B5EF4-FFF2-40B4-BE49-F238E27FC236}">
-                <a16:creationId xmlns="" xmlns:a16="http://schemas.microsoft.com/office/drawing/2014/main" id="{5BF0953F-E6D0-2240-B174-03015D0856A8}"/>
+                <a16:creationId xmlns:a16="http://schemas.microsoft.com/office/drawing/2014/main" id="{5BF0953F-E6D0-2240-B174-03015D0856A8}"/>
               </a:ext>
             </a:extLst>
           </p:cNvPr>
@@ -2718,7 +2711,7 @@
           <p:cNvPr id="2" name="Title 1">
             <a:extLst>
               <a:ext uri="{FF2B5EF4-FFF2-40B4-BE49-F238E27FC236}">
-                <a16:creationId xmlns="" xmlns:a16="http://schemas.microsoft.com/office/drawing/2014/main" id="{26FFD677-FF02-3E4E-8E32-44D146E24D90}"/>
+                <a16:creationId xmlns:a16="http://schemas.microsoft.com/office/drawing/2014/main" id="{26FFD677-FF02-3E4E-8E32-44D146E24D90}"/>
               </a:ext>
             </a:extLst>
           </p:cNvPr>
@@ -2744,10 +2737,9 @@
           </a:lstStyle>
           <a:p>
             <a:r>
-              <a:rPr lang="en-US" smtClean="0"/>
+              <a:rPr lang="en-US"/>
               <a:t>Click to edit Master title style</a:t>
             </a:r>
-            <a:endParaRPr lang="en-US"/>
           </a:p>
         </p:txBody>
       </p:sp>
@@ -2756,7 +2748,7 @@
           <p:cNvPr id="3" name="Content Placeholder 2">
             <a:extLst>
               <a:ext uri="{FF2B5EF4-FFF2-40B4-BE49-F238E27FC236}">
-                <a16:creationId xmlns="" xmlns:a16="http://schemas.microsoft.com/office/drawing/2014/main" id="{9942170F-E10D-1348-86CE-8E869B806F9B}"/>
+                <a16:creationId xmlns:a16="http://schemas.microsoft.com/office/drawing/2014/main" id="{9942170F-E10D-1348-86CE-8E869B806F9B}"/>
               </a:ext>
             </a:extLst>
           </p:cNvPr>
@@ -2807,38 +2799,37 @@
           <a:p>
             <a:pPr lvl="0"/>
             <a:r>
-              <a:rPr lang="en-US" smtClean="0"/>
+              <a:rPr lang="en-US"/>
               <a:t>Click to edit Master text styles</a:t>
             </a:r>
           </a:p>
           <a:p>
             <a:pPr lvl="1"/>
             <a:r>
-              <a:rPr lang="en-US" smtClean="0"/>
+              <a:rPr lang="en-US"/>
               <a:t>Second level</a:t>
             </a:r>
           </a:p>
           <a:p>
             <a:pPr lvl="2"/>
             <a:r>
-              <a:rPr lang="en-US" smtClean="0"/>
+              <a:rPr lang="en-US"/>
               <a:t>Third level</a:t>
             </a:r>
           </a:p>
           <a:p>
             <a:pPr lvl="3"/>
             <a:r>
-              <a:rPr lang="en-US" smtClean="0"/>
+              <a:rPr lang="en-US"/>
               <a:t>Fourth level</a:t>
             </a:r>
           </a:p>
           <a:p>
             <a:pPr lvl="4"/>
             <a:r>
-              <a:rPr lang="en-US" smtClean="0"/>
+              <a:rPr lang="en-US"/>
               <a:t>Fifth level</a:t>
             </a:r>
-            <a:endParaRPr lang="en-US"/>
           </a:p>
         </p:txBody>
       </p:sp>
@@ -2847,7 +2838,7 @@
           <p:cNvPr id="4" name="Text Placeholder 3">
             <a:extLst>
               <a:ext uri="{FF2B5EF4-FFF2-40B4-BE49-F238E27FC236}">
-                <a16:creationId xmlns="" xmlns:a16="http://schemas.microsoft.com/office/drawing/2014/main" id="{80772D86-2794-394C-A208-2D3E234A3A20}"/>
+                <a16:creationId xmlns:a16="http://schemas.microsoft.com/office/drawing/2014/main" id="{80772D86-2794-394C-A208-2D3E234A3A20}"/>
               </a:ext>
             </a:extLst>
           </p:cNvPr>
@@ -2907,7 +2898,7 @@
           <a:p>
             <a:pPr lvl="0"/>
             <a:r>
-              <a:rPr lang="en-US" smtClean="0"/>
+              <a:rPr lang="en-US"/>
               <a:t>Click to edit Master text styles</a:t>
             </a:r>
           </a:p>
@@ -2918,7 +2909,7 @@
           <p:cNvPr id="5" name="Date Placeholder 4">
             <a:extLst>
               <a:ext uri="{FF2B5EF4-FFF2-40B4-BE49-F238E27FC236}">
-                <a16:creationId xmlns="" xmlns:a16="http://schemas.microsoft.com/office/drawing/2014/main" id="{B5314D31-901A-D944-B06D-3D8106F2A2BC}"/>
+                <a16:creationId xmlns:a16="http://schemas.microsoft.com/office/drawing/2014/main" id="{B5314D31-901A-D944-B06D-3D8106F2A2BC}"/>
               </a:ext>
             </a:extLst>
           </p:cNvPr>
@@ -2936,7 +2927,7 @@
           <a:p>
             <a:fld id="{BE5295ED-3BAF-1140-8495-3D368771D6B1}" type="datetimeFigureOut">
               <a:rPr lang="en-US" smtClean="0"/>
-              <a:t>2/25/19</a:t>
+              <a:t>2/26/19</a:t>
             </a:fld>
             <a:endParaRPr lang="en-US"/>
           </a:p>
@@ -2947,7 +2938,7 @@
           <p:cNvPr id="6" name="Footer Placeholder 5">
             <a:extLst>
               <a:ext uri="{FF2B5EF4-FFF2-40B4-BE49-F238E27FC236}">
-                <a16:creationId xmlns="" xmlns:a16="http://schemas.microsoft.com/office/drawing/2014/main" id="{BFFC6519-9D04-AC45-BB37-9DD413CC741D}"/>
+                <a16:creationId xmlns:a16="http://schemas.microsoft.com/office/drawing/2014/main" id="{BFFC6519-9D04-AC45-BB37-9DD413CC741D}"/>
               </a:ext>
             </a:extLst>
           </p:cNvPr>
@@ -2972,7 +2963,7 @@
           <p:cNvPr id="7" name="Slide Number Placeholder 6">
             <a:extLst>
               <a:ext uri="{FF2B5EF4-FFF2-40B4-BE49-F238E27FC236}">
-                <a16:creationId xmlns="" xmlns:a16="http://schemas.microsoft.com/office/drawing/2014/main" id="{856ACFF3-3C93-FA41-80F3-4708944F9A8C}"/>
+                <a16:creationId xmlns:a16="http://schemas.microsoft.com/office/drawing/2014/main" id="{856ACFF3-3C93-FA41-80F3-4708944F9A8C}"/>
               </a:ext>
             </a:extLst>
           </p:cNvPr>
@@ -3031,7 +3022,7 @@
           <p:cNvPr id="2" name="Title 1">
             <a:extLst>
               <a:ext uri="{FF2B5EF4-FFF2-40B4-BE49-F238E27FC236}">
-                <a16:creationId xmlns="" xmlns:a16="http://schemas.microsoft.com/office/drawing/2014/main" id="{52F7D6A8-4C7A-ED44-A821-97E76FB58748}"/>
+                <a16:creationId xmlns:a16="http://schemas.microsoft.com/office/drawing/2014/main" id="{52F7D6A8-4C7A-ED44-A821-97E76FB58748}"/>
               </a:ext>
             </a:extLst>
           </p:cNvPr>
@@ -3057,10 +3048,9 @@
           </a:lstStyle>
           <a:p>
             <a:r>
-              <a:rPr lang="en-US" smtClean="0"/>
+              <a:rPr lang="en-US"/>
               <a:t>Click to edit Master title style</a:t>
             </a:r>
-            <a:endParaRPr lang="en-US"/>
           </a:p>
         </p:txBody>
       </p:sp>
@@ -3069,7 +3059,7 @@
           <p:cNvPr id="3" name="Picture Placeholder 2">
             <a:extLst>
               <a:ext uri="{FF2B5EF4-FFF2-40B4-BE49-F238E27FC236}">
-                <a16:creationId xmlns="" xmlns:a16="http://schemas.microsoft.com/office/drawing/2014/main" id="{FFA0AABB-AB65-FB40-8DCA-227F017E16C5}"/>
+                <a16:creationId xmlns:a16="http://schemas.microsoft.com/office/drawing/2014/main" id="{FFA0AABB-AB65-FB40-8DCA-227F017E16C5}"/>
               </a:ext>
             </a:extLst>
           </p:cNvPr>
@@ -3128,10 +3118,9 @@
           </a:lstStyle>
           <a:p>
             <a:r>
-              <a:rPr lang="en-US" smtClean="0"/>
+              <a:rPr lang="en-US"/>
               <a:t>Drag picture to placeholder or click icon to add</a:t>
             </a:r>
-            <a:endParaRPr lang="en-US"/>
           </a:p>
         </p:txBody>
       </p:sp>
@@ -3140,7 +3129,7 @@
           <p:cNvPr id="4" name="Text Placeholder 3">
             <a:extLst>
               <a:ext uri="{FF2B5EF4-FFF2-40B4-BE49-F238E27FC236}">
-                <a16:creationId xmlns="" xmlns:a16="http://schemas.microsoft.com/office/drawing/2014/main" id="{67AC3EE9-FB8F-F642-BB10-A468CFF85E6A}"/>
+                <a16:creationId xmlns:a16="http://schemas.microsoft.com/office/drawing/2014/main" id="{67AC3EE9-FB8F-F642-BB10-A468CFF85E6A}"/>
               </a:ext>
             </a:extLst>
           </p:cNvPr>
@@ -3200,7 +3189,7 @@
           <a:p>
             <a:pPr lvl="0"/>
             <a:r>
-              <a:rPr lang="en-US" smtClean="0"/>
+              <a:rPr lang="en-US"/>
               <a:t>Click to edit Master text styles</a:t>
             </a:r>
           </a:p>
@@ -3211,7 +3200,7 @@
           <p:cNvPr id="5" name="Date Placeholder 4">
             <a:extLst>
               <a:ext uri="{FF2B5EF4-FFF2-40B4-BE49-F238E27FC236}">
-                <a16:creationId xmlns="" xmlns:a16="http://schemas.microsoft.com/office/drawing/2014/main" id="{0A0EC8A2-C616-8B40-8C9C-A15442358393}"/>
+                <a16:creationId xmlns:a16="http://schemas.microsoft.com/office/drawing/2014/main" id="{0A0EC8A2-C616-8B40-8C9C-A15442358393}"/>
               </a:ext>
             </a:extLst>
           </p:cNvPr>
@@ -3229,7 +3218,7 @@
           <a:p>
             <a:fld id="{BE5295ED-3BAF-1140-8495-3D368771D6B1}" type="datetimeFigureOut">
               <a:rPr lang="en-US" smtClean="0"/>
-              <a:t>2/25/19</a:t>
+              <a:t>2/26/19</a:t>
             </a:fld>
             <a:endParaRPr lang="en-US"/>
           </a:p>
@@ -3240,7 +3229,7 @@
           <p:cNvPr id="6" name="Footer Placeholder 5">
             <a:extLst>
               <a:ext uri="{FF2B5EF4-FFF2-40B4-BE49-F238E27FC236}">
-                <a16:creationId xmlns="" xmlns:a16="http://schemas.microsoft.com/office/drawing/2014/main" id="{AA229EC7-73FC-4D43-8916-C76404AC37DC}"/>
+                <a16:creationId xmlns:a16="http://schemas.microsoft.com/office/drawing/2014/main" id="{AA229EC7-73FC-4D43-8916-C76404AC37DC}"/>
               </a:ext>
             </a:extLst>
           </p:cNvPr>
@@ -3265,7 +3254,7 @@
           <p:cNvPr id="7" name="Slide Number Placeholder 6">
             <a:extLst>
               <a:ext uri="{FF2B5EF4-FFF2-40B4-BE49-F238E27FC236}">
-                <a16:creationId xmlns="" xmlns:a16="http://schemas.microsoft.com/office/drawing/2014/main" id="{D84430E4-67BB-3342-B2B8-DFBE758CFA59}"/>
+                <a16:creationId xmlns:a16="http://schemas.microsoft.com/office/drawing/2014/main" id="{D84430E4-67BB-3342-B2B8-DFBE758CFA59}"/>
               </a:ext>
             </a:extLst>
           </p:cNvPr>
@@ -3329,7 +3318,7 @@
           <p:cNvPr id="2" name="Title Placeholder 1">
             <a:extLst>
               <a:ext uri="{FF2B5EF4-FFF2-40B4-BE49-F238E27FC236}">
-                <a16:creationId xmlns="" xmlns:a16="http://schemas.microsoft.com/office/drawing/2014/main" id="{ED530927-E202-4648-95ED-A701F648A289}"/>
+                <a16:creationId xmlns:a16="http://schemas.microsoft.com/office/drawing/2014/main" id="{ED530927-E202-4648-95ED-A701F648A289}"/>
               </a:ext>
             </a:extLst>
           </p:cNvPr>
@@ -3356,10 +3345,9 @@
           <a:lstStyle/>
           <a:p>
             <a:r>
-              <a:rPr lang="en-US" smtClean="0"/>
+              <a:rPr lang="en-US"/>
               <a:t>Click to edit Master title style</a:t>
             </a:r>
-            <a:endParaRPr lang="en-US"/>
           </a:p>
         </p:txBody>
       </p:sp>
@@ -3368,7 +3356,7 @@
           <p:cNvPr id="3" name="Text Placeholder 2">
             <a:extLst>
               <a:ext uri="{FF2B5EF4-FFF2-40B4-BE49-F238E27FC236}">
-                <a16:creationId xmlns="" xmlns:a16="http://schemas.microsoft.com/office/drawing/2014/main" id="{F00E1E3E-B2FE-5A47-8C43-849DE842741B}"/>
+                <a16:creationId xmlns:a16="http://schemas.microsoft.com/office/drawing/2014/main" id="{F00E1E3E-B2FE-5A47-8C43-849DE842741B}"/>
               </a:ext>
             </a:extLst>
           </p:cNvPr>
@@ -3435,7 +3423,7 @@
           <p:cNvPr id="4" name="Date Placeholder 3">
             <a:extLst>
               <a:ext uri="{FF2B5EF4-FFF2-40B4-BE49-F238E27FC236}">
-                <a16:creationId xmlns="" xmlns:a16="http://schemas.microsoft.com/office/drawing/2014/main" id="{A51822C1-C9FC-554F-B744-0FF8DD0A61C0}"/>
+                <a16:creationId xmlns:a16="http://schemas.microsoft.com/office/drawing/2014/main" id="{A51822C1-C9FC-554F-B744-0FF8DD0A61C0}"/>
               </a:ext>
             </a:extLst>
           </p:cNvPr>
@@ -3471,7 +3459,7 @@
           <a:p>
             <a:fld id="{BE5295ED-3BAF-1140-8495-3D368771D6B1}" type="datetimeFigureOut">
               <a:rPr lang="en-US" smtClean="0"/>
-              <a:t>2/25/19</a:t>
+              <a:t>2/26/19</a:t>
             </a:fld>
             <a:endParaRPr lang="en-US"/>
           </a:p>
@@ -3482,7 +3470,7 @@
           <p:cNvPr id="5" name="Footer Placeholder 4">
             <a:extLst>
               <a:ext uri="{FF2B5EF4-FFF2-40B4-BE49-F238E27FC236}">
-                <a16:creationId xmlns="" xmlns:a16="http://schemas.microsoft.com/office/drawing/2014/main" id="{AA4916E3-9D5B-B647-A5DA-A5B78525EFFB}"/>
+                <a16:creationId xmlns:a16="http://schemas.microsoft.com/office/drawing/2014/main" id="{AA4916E3-9D5B-B647-A5DA-A5B78525EFFB}"/>
               </a:ext>
             </a:extLst>
           </p:cNvPr>
@@ -3525,7 +3513,7 @@
           <p:cNvPr id="6" name="Slide Number Placeholder 5">
             <a:extLst>
               <a:ext uri="{FF2B5EF4-FFF2-40B4-BE49-F238E27FC236}">
-                <a16:creationId xmlns="" xmlns:a16="http://schemas.microsoft.com/office/drawing/2014/main" id="{11872E83-B77B-9647-AE80-95985B60F4F0}"/>
+                <a16:creationId xmlns:a16="http://schemas.microsoft.com/office/drawing/2014/main" id="{11872E83-B77B-9647-AE80-95985B60F4F0}"/>
               </a:ext>
             </a:extLst>
           </p:cNvPr>
@@ -3572,7 +3560,7 @@
           <p:cNvPr id="7" name="Picture 6">
             <a:extLst>
               <a:ext uri="{FF2B5EF4-FFF2-40B4-BE49-F238E27FC236}">
-                <a16:creationId xmlns="" xmlns:a16="http://schemas.microsoft.com/office/drawing/2014/main" id="{F0F46825-E66D-B247-B71A-C48424207597}"/>
+                <a16:creationId xmlns:a16="http://schemas.microsoft.com/office/drawing/2014/main" id="{F0F46825-E66D-B247-B71A-C48424207597}"/>
               </a:ext>
             </a:extLst>
           </p:cNvPr>
@@ -3923,7 +3911,7 @@
           <p:cNvPr id="2" name="Title 1">
             <a:extLst>
               <a:ext uri="{FF2B5EF4-FFF2-40B4-BE49-F238E27FC236}">
-                <a16:creationId xmlns="" xmlns:a16="http://schemas.microsoft.com/office/drawing/2014/main" id="{DDB4A5C5-CE37-5241-A9FF-85F98EF1E91E}"/>
+                <a16:creationId xmlns:a16="http://schemas.microsoft.com/office/drawing/2014/main" id="{DDB4A5C5-CE37-5241-A9FF-85F98EF1E91E}"/>
               </a:ext>
             </a:extLst>
           </p:cNvPr>
@@ -3943,7 +3931,7 @@
           <a:p>
             <a:pPr algn="l"/>
             <a:r>
-              <a:rPr lang="en-US" b="1" dirty="0" smtClean="0"/>
+              <a:rPr lang="en-US" b="1" dirty="0"/>
               <a:t>Graphs</a:t>
             </a:r>
             <a:endParaRPr lang="en-US" dirty="0"/>
@@ -3955,7 +3943,7 @@
           <p:cNvPr id="3" name="Subtitle 2">
             <a:extLst>
               <a:ext uri="{FF2B5EF4-FFF2-40B4-BE49-F238E27FC236}">
-                <a16:creationId xmlns="" xmlns:a16="http://schemas.microsoft.com/office/drawing/2014/main" id="{5EF75859-F09F-414F-8571-4D3854CD3C44}"/>
+                <a16:creationId xmlns:a16="http://schemas.microsoft.com/office/drawing/2014/main" id="{5EF75859-F09F-414F-8571-4D3854CD3C44}"/>
               </a:ext>
             </a:extLst>
           </p:cNvPr>
@@ -3980,10 +3968,9 @@
           <a:p>
             <a:pPr algn="l"/>
             <a:r>
-              <a:rPr lang="en-US" dirty="0" smtClean="0"/>
+              <a:rPr lang="en-US" dirty="0"/>
               <a:t>It’s all about relationships</a:t>
             </a:r>
-            <a:endParaRPr lang="en-US" dirty="0"/>
           </a:p>
         </p:txBody>
       </p:sp>
@@ -3992,7 +3979,7 @@
           <p:cNvPr id="5" name="Rectangle 4">
             <a:extLst>
               <a:ext uri="{FF2B5EF4-FFF2-40B4-BE49-F238E27FC236}">
-                <a16:creationId xmlns="" xmlns:a16="http://schemas.microsoft.com/office/drawing/2014/main" id="{39D37F11-0EC0-C645-ADE9-CE8BFDF0B2D4}"/>
+                <a16:creationId xmlns:a16="http://schemas.microsoft.com/office/drawing/2014/main" id="{39D37F11-0EC0-C645-ADE9-CE8BFDF0B2D4}"/>
               </a:ext>
             </a:extLst>
           </p:cNvPr>
@@ -4081,10 +4068,9 @@
           <a:lstStyle/>
           <a:p>
             <a:r>
-              <a:rPr lang="en-US" dirty="0" smtClean="0"/>
+              <a:rPr lang="en-US" dirty="0"/>
               <a:t>Can p reach q?</a:t>
             </a:r>
-            <a:endParaRPr lang="en-US" dirty="0"/>
           </a:p>
         </p:txBody>
       </p:sp>
@@ -4104,10 +4090,9 @@
           <a:lstStyle/>
           <a:p>
             <a:r>
-              <a:rPr lang="en-US" dirty="0" smtClean="0"/>
+              <a:rPr lang="en-US" dirty="0"/>
               <a:t>Need two sets, one for avoiding cycles, another for reached</a:t>
             </a:r>
-            <a:endParaRPr lang="en-US" dirty="0"/>
           </a:p>
         </p:txBody>
       </p:sp>
@@ -4116,7 +4101,7 @@
           <p:cNvPr id="4" name="TextBox 3">
             <a:extLst>
               <a:ext uri="{FF2B5EF4-FFF2-40B4-BE49-F238E27FC236}">
-                <a16:creationId xmlns:a16="http://schemas.microsoft.com/office/drawing/2014/main" xmlns="" id="{15368C9B-01DB-BD48-B437-681E9C29166D}"/>
+                <a16:creationId xmlns:a16="http://schemas.microsoft.com/office/drawing/2014/main" id="{15368C9B-01DB-BD48-B437-681E9C29166D}"/>
               </a:ext>
             </a:extLst>
           </p:cNvPr>
@@ -4356,7 +4341,7 @@
               <a:t>visited</a:t>
             </a:r>
             <a:r>
-              <a:rPr lang="en-US" sz="2200" dirty="0" err="1" smtClean="0">
+              <a:rPr lang="en-US" sz="2200" dirty="0" err="1">
                 <a:latin typeface="Monaco" charset="0"/>
                 <a:ea typeface="Monaco" charset="0"/>
                 <a:cs typeface="Monaco" charset="0"/>
@@ -4390,20 +4375,12 @@
               <a:t>visited</a:t>
             </a:r>
             <a:r>
-              <a:rPr lang="en-US" sz="2200" dirty="0" smtClean="0">
-                <a:latin typeface="Monaco" charset="0"/>
-                <a:ea typeface="Monaco" charset="0"/>
-                <a:cs typeface="Monaco" charset="0"/>
-              </a:rPr>
-              <a:t>: </a:t>
-            </a:r>
-            <a:r>
-              <a:rPr lang="en-US" sz="2200" dirty="0">
-                <a:latin typeface="Monaco" charset="0"/>
-                <a:ea typeface="Monaco" charset="0"/>
-                <a:cs typeface="Monaco" charset="0"/>
-              </a:rPr>
-              <a:t>return</a:t>
+              <a:rPr lang="en-US" sz="2200" dirty="0">
+                <a:latin typeface="Monaco" charset="0"/>
+                <a:ea typeface="Monaco" charset="0"/>
+                <a:cs typeface="Monaco" charset="0"/>
+              </a:rPr>
+              <a:t>: return</a:t>
             </a:r>
           </a:p>
           <a:p>
@@ -4424,7 +4401,7 @@
               <a:t>visited</a:t>
             </a:r>
             <a:r>
-              <a:rPr lang="mr-IN" sz="2200" dirty="0" smtClean="0">
+              <a:rPr lang="mr-IN" sz="2200" dirty="0">
                 <a:latin typeface="Monaco" charset="0"/>
                 <a:ea typeface="Monaco" charset="0"/>
                 <a:cs typeface="Monaco" charset="0"/>
@@ -4432,7 +4409,7 @@
               <a:t>.</a:t>
             </a:r>
             <a:r>
-              <a:rPr lang="mr-IN" sz="2200" dirty="0" err="1" smtClean="0">
+              <a:rPr lang="mr-IN" sz="2200" dirty="0" err="1">
                 <a:latin typeface="Monaco" charset="0"/>
                 <a:ea typeface="Monaco" charset="0"/>
                 <a:cs typeface="Monaco" charset="0"/>
@@ -4440,7 +4417,7 @@
               <a:t>add</a:t>
             </a:r>
             <a:r>
-              <a:rPr lang="mr-IN" sz="2200" dirty="0" smtClean="0">
+              <a:rPr lang="mr-IN" sz="2200" dirty="0">
                 <a:latin typeface="Monaco" charset="0"/>
                 <a:ea typeface="Monaco" charset="0"/>
                 <a:cs typeface="Monaco" charset="0"/>
@@ -4448,7 +4425,7 @@
               <a:t>(</a:t>
             </a:r>
             <a:r>
-              <a:rPr lang="mr-IN" sz="2200" dirty="0" err="1" smtClean="0">
+              <a:rPr lang="mr-IN" sz="2200" dirty="0" err="1">
                 <a:latin typeface="Monaco" charset="0"/>
                 <a:ea typeface="Monaco" charset="0"/>
                 <a:cs typeface="Monaco" charset="0"/>
@@ -4456,18 +4433,13 @@
               <a:t>p</a:t>
             </a:r>
             <a:r>
-              <a:rPr lang="mr-IN" sz="2200" dirty="0" smtClean="0">
+              <a:rPr lang="mr-IN" sz="2200" dirty="0">
                 <a:latin typeface="Monaco" charset="0"/>
                 <a:ea typeface="Monaco" charset="0"/>
                 <a:cs typeface="Monaco" charset="0"/>
               </a:rPr>
               <a:t>)</a:t>
             </a:r>
-            <a:endParaRPr lang="mr-IN" sz="2200" dirty="0">
-              <a:latin typeface="Monaco" charset="0"/>
-              <a:ea typeface="Monaco" charset="0"/>
-              <a:cs typeface="Monaco" charset="0"/>
-            </a:endParaRPr>
           </a:p>
           <a:p>
             <a:r>
@@ -4567,7 +4539,7 @@
               <a:t>visited</a:t>
             </a:r>
             <a:r>
-              <a:rPr lang="en-US" sz="2200" dirty="0" smtClean="0">
+              <a:rPr lang="en-US" sz="2200" dirty="0">
                 <a:latin typeface="Monaco" charset="0"/>
                 <a:ea typeface="Monaco" charset="0"/>
                 <a:cs typeface="Monaco" charset="0"/>
@@ -4659,7 +4631,13 @@
       </p:grpSpPr>
       <p:sp>
         <p:nvSpPr>
-          <p:cNvPr id="2" name="Title 1"/>
+          <p:cNvPr id="2" name="Title 1">
+            <a:extLst>
+              <a:ext uri="{FF2B5EF4-FFF2-40B4-BE49-F238E27FC236}">
+                <a16:creationId xmlns:a16="http://schemas.microsoft.com/office/drawing/2014/main" id="{4E8D2E27-F029-8F4C-8809-06DDAF244719}"/>
+              </a:ext>
+            </a:extLst>
+          </p:cNvPr>
           <p:cNvSpPr>
             <a:spLocks noGrp="1"/>
           </p:cNvSpPr>
@@ -4673,10 +4651,37 @@
           <a:lstStyle/>
           <a:p>
             <a:r>
-              <a:rPr lang="en-US" dirty="0" smtClean="0"/>
-              <a:t>Find path from p to q?</a:t>
-            </a:r>
-            <a:endParaRPr lang="en-US" dirty="0"/>
+              <a:rPr lang="en-US" dirty="0"/>
+              <a:t>p reaches q at what (first) depth?</a:t>
+            </a:r>
+          </a:p>
+        </p:txBody>
+      </p:sp>
+      <p:sp>
+        <p:nvSpPr>
+          <p:cNvPr id="3" name="Content Placeholder 2">
+            <a:extLst>
+              <a:ext uri="{FF2B5EF4-FFF2-40B4-BE49-F238E27FC236}">
+                <a16:creationId xmlns:a16="http://schemas.microsoft.com/office/drawing/2014/main" id="{A960C7F7-ADF4-964C-94C6-A0E7937F16F0}"/>
+              </a:ext>
+            </a:extLst>
+          </p:cNvPr>
+          <p:cNvSpPr>
+            <a:spLocks noGrp="1"/>
+          </p:cNvSpPr>
+          <p:nvPr>
+            <p:ph idx="1"/>
+          </p:nvPr>
+        </p:nvSpPr>
+        <p:spPr/>
+        <p:txBody>
+          <a:bodyPr/>
+          <a:lstStyle/>
+          <a:p>
+            <a:r>
+              <a:rPr lang="en-US" dirty="0"/>
+              <a:t>Track node-&gt;depth map, not just set of nodes</a:t>
+            </a:r>
           </a:p>
         </p:txBody>
       </p:sp>
@@ -4685,7 +4690,7 @@
           <p:cNvPr id="4" name="TextBox 3">
             <a:extLst>
               <a:ext uri="{FF2B5EF4-FFF2-40B4-BE49-F238E27FC236}">
-                <a16:creationId xmlns:a16="http://schemas.microsoft.com/office/drawing/2014/main" xmlns="" id="{15368C9B-01DB-BD48-B437-681E9C29166D}"/>
+                <a16:creationId xmlns:a16="http://schemas.microsoft.com/office/drawing/2014/main" id="{B5AF48A4-4564-CD45-B6F8-DC1214DADCFE}"/>
               </a:ext>
             </a:extLst>
           </p:cNvPr>
@@ -4694,8 +4699,8 @@
         </p:nvSpPr>
         <p:spPr>
           <a:xfrm>
-            <a:off x="222250" y="1552752"/>
-            <a:ext cx="8528050" cy="3816429"/>
+            <a:off x="847687" y="2495471"/>
+            <a:ext cx="10506113" cy="3816429"/>
           </a:xfrm>
           <a:prstGeom prst="rect">
             <a:avLst/>
@@ -4714,20 +4719,28 @@
           <a:lstStyle/>
           <a:p>
             <a:r>
+              <a:rPr lang="en-US" sz="2200" dirty="0">
+                <a:latin typeface="Monaco" charset="0"/>
+                <a:ea typeface="Monaco" charset="0"/>
+                <a:cs typeface="Monaco" charset="0"/>
+              </a:rPr>
+              <a:t>def reachable(</a:t>
+            </a:r>
+            <a:r>
               <a:rPr lang="en-US" sz="2200" dirty="0" err="1">
                 <a:latin typeface="Monaco" charset="0"/>
                 <a:ea typeface="Monaco" charset="0"/>
                 <a:cs typeface="Monaco" charset="0"/>
               </a:rPr>
-              <a:t>def</a:t>
-            </a:r>
-            <a:r>
-              <a:rPr lang="en-US" sz="2200" dirty="0">
-                <a:latin typeface="Monaco" charset="0"/>
-                <a:ea typeface="Monaco" charset="0"/>
-                <a:cs typeface="Monaco" charset="0"/>
-              </a:rPr>
-              <a:t> path(</a:t>
+              <a:t>p:Node</a:t>
+            </a:r>
+            <a:r>
+              <a:rPr lang="en-US" sz="2200" dirty="0">
+                <a:latin typeface="Monaco" charset="0"/>
+                <a:ea typeface="Monaco" charset="0"/>
+                <a:cs typeface="Monaco" charset="0"/>
+              </a:rPr>
+              <a:t>) -&gt; </a:t>
             </a:r>
             <a:r>
               <a:rPr lang="en-US" sz="2200" dirty="0" err="1">
@@ -4735,42 +4748,7 @@
                 <a:ea typeface="Monaco" charset="0"/>
                 <a:cs typeface="Monaco" charset="0"/>
               </a:rPr>
-              <a:t>p:Node</a:t>
-            </a:r>
-            <a:r>
-              <a:rPr lang="en-US" sz="2200" dirty="0">
-                <a:latin typeface="Monaco" charset="0"/>
-                <a:ea typeface="Monaco" charset="0"/>
-                <a:cs typeface="Monaco" charset="0"/>
-              </a:rPr>
-              <a:t>, </a:t>
-            </a:r>
-            <a:r>
-              <a:rPr lang="en-US" sz="2200" dirty="0" err="1">
-                <a:latin typeface="Monaco" charset="0"/>
-                <a:ea typeface="Monaco" charset="0"/>
-                <a:cs typeface="Monaco" charset="0"/>
-              </a:rPr>
-              <a:t>q:Node</a:t>
-            </a:r>
-            <a:r>
-              <a:rPr lang="en-US" sz="2200" dirty="0">
-                <a:latin typeface="Monaco" charset="0"/>
-                <a:ea typeface="Monaco" charset="0"/>
-                <a:cs typeface="Monaco" charset="0"/>
-              </a:rPr>
-              <a:t>) -&gt; </a:t>
-            </a:r>
-            <a:r>
-              <a:rPr lang="en-US" sz="2200" dirty="0">
-                <a:solidFill>
-                  <a:schemeClr val="accent1"/>
-                </a:solidFill>
-                <a:latin typeface="Monaco" charset="0"/>
-                <a:ea typeface="Monaco" charset="0"/>
-                <a:cs typeface="Monaco" charset="0"/>
-              </a:rPr>
-              <a:t>list</a:t>
+              <a:t>dict</a:t>
             </a:r>
             <a:r>
               <a:rPr lang="en-US" sz="2200" dirty="0">
@@ -4783,190 +4761,12 @@
           </a:p>
           <a:p>
             <a:r>
-              <a:rPr lang="mr-IN" sz="2200" dirty="0">
-                <a:latin typeface="Monaco" charset="0"/>
-                <a:ea typeface="Monaco" charset="0"/>
-                <a:cs typeface="Monaco" charset="0"/>
-              </a:rPr>
-              <a:t>    </a:t>
-            </a:r>
-            <a:r>
-              <a:rPr lang="mr-IN" sz="2200" dirty="0" err="1">
-                <a:latin typeface="Monaco" charset="0"/>
-                <a:ea typeface="Monaco" charset="0"/>
-                <a:cs typeface="Monaco" charset="0"/>
-              </a:rPr>
-              <a:t>return</a:t>
-            </a:r>
-            <a:r>
-              <a:rPr lang="mr-IN" sz="2200" dirty="0">
-                <a:latin typeface="Monaco" charset="0"/>
-                <a:ea typeface="Monaco" charset="0"/>
-                <a:cs typeface="Monaco" charset="0"/>
-              </a:rPr>
-              <a:t> </a:t>
-            </a:r>
-            <a:r>
-              <a:rPr lang="mr-IN" sz="2200" dirty="0" err="1">
-                <a:latin typeface="Monaco" charset="0"/>
-                <a:ea typeface="Monaco" charset="0"/>
-                <a:cs typeface="Monaco" charset="0"/>
-              </a:rPr>
-              <a:t>path</a:t>
-            </a:r>
-            <a:r>
-              <a:rPr lang="mr-IN" sz="2200" dirty="0">
-                <a:latin typeface="Monaco" charset="0"/>
-                <a:ea typeface="Monaco" charset="0"/>
-                <a:cs typeface="Monaco" charset="0"/>
-              </a:rPr>
-              <a:t>_(</a:t>
-            </a:r>
-            <a:r>
-              <a:rPr lang="mr-IN" sz="2200" dirty="0" err="1">
-                <a:latin typeface="Monaco" charset="0"/>
-                <a:ea typeface="Monaco" charset="0"/>
-                <a:cs typeface="Monaco" charset="0"/>
-              </a:rPr>
-              <a:t>p</a:t>
-            </a:r>
-            <a:r>
-              <a:rPr lang="mr-IN" sz="2200" dirty="0">
-                <a:latin typeface="Monaco" charset="0"/>
-                <a:ea typeface="Monaco" charset="0"/>
-                <a:cs typeface="Monaco" charset="0"/>
-              </a:rPr>
-              <a:t>, </a:t>
-            </a:r>
-            <a:r>
-              <a:rPr lang="mr-IN" sz="2200" dirty="0" err="1">
-                <a:latin typeface="Monaco" charset="0"/>
-                <a:ea typeface="Monaco" charset="0"/>
-                <a:cs typeface="Monaco" charset="0"/>
-              </a:rPr>
-              <a:t>q</a:t>
-            </a:r>
-            <a:r>
-              <a:rPr lang="mr-IN" sz="2200" dirty="0">
-                <a:latin typeface="Monaco" charset="0"/>
-                <a:ea typeface="Monaco" charset="0"/>
-                <a:cs typeface="Monaco" charset="0"/>
-              </a:rPr>
-              <a:t>, </a:t>
-            </a:r>
-            <a:r>
-              <a:rPr lang="mr-IN" sz="2200" dirty="0">
-                <a:solidFill>
-                  <a:schemeClr val="accent1"/>
-                </a:solidFill>
-                <a:latin typeface="Monaco" charset="0"/>
-                <a:ea typeface="Monaco" charset="0"/>
-                <a:cs typeface="Monaco" charset="0"/>
-              </a:rPr>
-              <a:t>[</a:t>
-            </a:r>
-            <a:r>
-              <a:rPr lang="mr-IN" sz="2200" dirty="0" err="1">
-                <a:solidFill>
-                  <a:schemeClr val="accent1"/>
-                </a:solidFill>
-                <a:latin typeface="Monaco" charset="0"/>
-                <a:ea typeface="Monaco" charset="0"/>
-                <a:cs typeface="Monaco" charset="0"/>
-              </a:rPr>
-              <a:t>p</a:t>
-            </a:r>
-            <a:r>
-              <a:rPr lang="mr-IN" sz="2200" dirty="0">
-                <a:solidFill>
-                  <a:schemeClr val="accent1"/>
-                </a:solidFill>
-                <a:latin typeface="Monaco" charset="0"/>
-                <a:ea typeface="Monaco" charset="0"/>
-                <a:cs typeface="Monaco" charset="0"/>
-              </a:rPr>
-              <a:t>]</a:t>
-            </a:r>
-            <a:r>
-              <a:rPr lang="mr-IN" sz="2200" dirty="0">
-                <a:latin typeface="Monaco" charset="0"/>
-                <a:ea typeface="Monaco" charset="0"/>
-                <a:cs typeface="Monaco" charset="0"/>
-              </a:rPr>
-              <a:t>, </a:t>
-            </a:r>
-            <a:r>
-              <a:rPr lang="mr-IN" sz="2200" dirty="0" err="1">
-                <a:latin typeface="Monaco" charset="0"/>
-                <a:ea typeface="Monaco" charset="0"/>
-                <a:cs typeface="Monaco" charset="0"/>
-              </a:rPr>
-              <a:t>set</a:t>
-            </a:r>
-            <a:r>
-              <a:rPr lang="mr-IN" sz="2200" dirty="0">
-                <a:latin typeface="Monaco" charset="0"/>
-                <a:ea typeface="Monaco" charset="0"/>
-                <a:cs typeface="Monaco" charset="0"/>
-              </a:rPr>
-              <a:t>())</a:t>
-            </a:r>
-          </a:p>
-          <a:p>
-            <a:endParaRPr lang="mr-IN" sz="2200" dirty="0">
-              <a:latin typeface="Monaco" charset="0"/>
-              <a:ea typeface="Monaco" charset="0"/>
-              <a:cs typeface="Monaco" charset="0"/>
-            </a:endParaRPr>
-          </a:p>
-          <a:p>
-            <a:r>
-              <a:rPr lang="en-US" sz="2200" dirty="0" err="1">
-                <a:latin typeface="Monaco" charset="0"/>
-                <a:ea typeface="Monaco" charset="0"/>
-                <a:cs typeface="Monaco" charset="0"/>
-              </a:rPr>
-              <a:t>def</a:t>
-            </a:r>
-            <a:r>
-              <a:rPr lang="en-US" sz="2200" dirty="0">
-                <a:latin typeface="Monaco" charset="0"/>
-                <a:ea typeface="Monaco" charset="0"/>
-                <a:cs typeface="Monaco" charset="0"/>
-              </a:rPr>
-              <a:t> path_(</a:t>
-            </a:r>
-            <a:r>
-              <a:rPr lang="en-US" sz="2200" dirty="0" err="1">
-                <a:latin typeface="Monaco" charset="0"/>
-                <a:ea typeface="Monaco" charset="0"/>
-                <a:cs typeface="Monaco" charset="0"/>
-              </a:rPr>
-              <a:t>p:Node</a:t>
-            </a:r>
-            <a:r>
-              <a:rPr lang="en-US" sz="2200" dirty="0">
-                <a:latin typeface="Monaco" charset="0"/>
-                <a:ea typeface="Monaco" charset="0"/>
-                <a:cs typeface="Monaco" charset="0"/>
-              </a:rPr>
-              <a:t>, </a:t>
-            </a:r>
-            <a:r>
-              <a:rPr lang="en-US" sz="2200" dirty="0" err="1">
-                <a:latin typeface="Monaco" charset="0"/>
-                <a:ea typeface="Monaco" charset="0"/>
-                <a:cs typeface="Monaco" charset="0"/>
-              </a:rPr>
-              <a:t>q:Node</a:t>
-            </a:r>
-            <a:r>
-              <a:rPr lang="en-US" sz="2200" dirty="0">
-                <a:latin typeface="Monaco" charset="0"/>
-                <a:ea typeface="Monaco" charset="0"/>
-                <a:cs typeface="Monaco" charset="0"/>
-              </a:rPr>
-              <a:t>, </a:t>
+              <a:rPr lang="en-US" sz="2200" dirty="0">
+                <a:latin typeface="Monaco" charset="0"/>
+                <a:ea typeface="Monaco" charset="0"/>
+                <a:cs typeface="Monaco" charset="0"/>
+              </a:rPr>
+              <a:t>    reaches = </a:t>
             </a:r>
             <a:r>
               <a:rPr lang="en-US" sz="2200" dirty="0" err="1">
@@ -4977,39 +4777,18 @@
                 <a:ea typeface="Monaco" charset="0"/>
                 <a:cs typeface="Monaco" charset="0"/>
               </a:rPr>
-              <a:t>path:list</a:t>
-            </a:r>
-            <a:r>
-              <a:rPr lang="en-US" sz="2200" dirty="0">
-                <a:latin typeface="Monaco" charset="0"/>
-                <a:ea typeface="Monaco" charset="0"/>
-                <a:cs typeface="Monaco" charset="0"/>
-              </a:rPr>
-              <a:t>, </a:t>
-            </a:r>
-            <a:r>
-              <a:rPr lang="en-US" sz="2000" dirty="0" err="1">
-                <a:latin typeface="Monaco" charset="0"/>
-                <a:ea typeface="Monaco" charset="0"/>
-                <a:cs typeface="Monaco" charset="0"/>
-              </a:rPr>
-              <a:t>visited</a:t>
-            </a:r>
-            <a:r>
-              <a:rPr lang="en-US" sz="2200" dirty="0" err="1" smtClean="0">
-                <a:latin typeface="Monaco" charset="0"/>
-                <a:ea typeface="Monaco" charset="0"/>
-                <a:cs typeface="Monaco" charset="0"/>
-              </a:rPr>
-              <a:t>:set</a:t>
-            </a:r>
-            <a:r>
-              <a:rPr lang="en-US" sz="2200" dirty="0" smtClean="0">
-                <a:latin typeface="Monaco" charset="0"/>
-                <a:ea typeface="Monaco" charset="0"/>
-                <a:cs typeface="Monaco" charset="0"/>
-              </a:rPr>
-              <a:t>):</a:t>
+              <a:t>dict</a:t>
+            </a:r>
+            <a:r>
+              <a:rPr lang="en-US" sz="2200" dirty="0">
+                <a:solidFill>
+                  <a:schemeClr val="accent1"/>
+                </a:solidFill>
+                <a:latin typeface="Monaco" charset="0"/>
+                <a:ea typeface="Monaco" charset="0"/>
+                <a:cs typeface="Monaco" charset="0"/>
+              </a:rPr>
+              <a:t>()</a:t>
             </a:r>
             <a:endParaRPr lang="en-US" sz="2200" dirty="0">
               <a:latin typeface="Monaco" charset="0"/>
@@ -5024,7 +4803,7 @@
                 <a:ea typeface="Monaco" charset="0"/>
                 <a:cs typeface="Monaco" charset="0"/>
               </a:rPr>
-              <a:t>    </a:t>
+              <a:t>    reachable_(p, reaches, set(), </a:t>
             </a:r>
             <a:r>
               <a:rPr lang="en-US" sz="2200" dirty="0">
@@ -5035,105 +4814,10 @@
                 <a:ea typeface="Monaco" charset="0"/>
                 <a:cs typeface="Monaco" charset="0"/>
               </a:rPr>
-              <a:t>if p is q: return path</a:t>
-            </a:r>
-          </a:p>
-          <a:p>
-            <a:r>
-              <a:rPr lang="en-US" sz="2200" dirty="0">
-                <a:latin typeface="Monaco" charset="0"/>
-                <a:ea typeface="Monaco" charset="0"/>
-                <a:cs typeface="Monaco" charset="0"/>
-              </a:rPr>
-              <a:t>    if p in </a:t>
-            </a:r>
-            <a:r>
-              <a:rPr lang="en-US" sz="2000" dirty="0">
-                <a:latin typeface="Monaco" charset="0"/>
-                <a:ea typeface="Monaco" charset="0"/>
-                <a:cs typeface="Monaco" charset="0"/>
-              </a:rPr>
-              <a:t>visited</a:t>
-            </a:r>
-            <a:r>
-              <a:rPr lang="en-US" sz="2200" dirty="0" smtClean="0">
-                <a:latin typeface="Monaco" charset="0"/>
-                <a:ea typeface="Monaco" charset="0"/>
-                <a:cs typeface="Monaco" charset="0"/>
-              </a:rPr>
-              <a:t>: </a:t>
-            </a:r>
-            <a:r>
-              <a:rPr lang="en-US" sz="2200" dirty="0">
-                <a:latin typeface="Monaco" charset="0"/>
-                <a:ea typeface="Monaco" charset="0"/>
-                <a:cs typeface="Monaco" charset="0"/>
-              </a:rPr>
-              <a:t>return </a:t>
-            </a:r>
-            <a:r>
-              <a:rPr lang="en-US" sz="2200" dirty="0">
-                <a:solidFill>
-                  <a:schemeClr val="accent1"/>
-                </a:solidFill>
-                <a:latin typeface="Monaco" charset="0"/>
-                <a:ea typeface="Monaco" charset="0"/>
-                <a:cs typeface="Monaco" charset="0"/>
-              </a:rPr>
-              <a:t>None</a:t>
-            </a:r>
-          </a:p>
-          <a:p>
-            <a:r>
-              <a:rPr lang="mr-IN" sz="2200" dirty="0">
-                <a:latin typeface="Monaco" charset="0"/>
-                <a:ea typeface="Monaco" charset="0"/>
-                <a:cs typeface="Monaco" charset="0"/>
-              </a:rPr>
-              <a:t>    </a:t>
-            </a:r>
-            <a:r>
-              <a:rPr lang="en-US" sz="2000" dirty="0">
-                <a:latin typeface="Monaco" charset="0"/>
-                <a:ea typeface="Monaco" charset="0"/>
-                <a:cs typeface="Monaco" charset="0"/>
-              </a:rPr>
-              <a:t>visited</a:t>
-            </a:r>
-            <a:r>
-              <a:rPr lang="mr-IN" sz="2200" dirty="0" smtClean="0">
-                <a:latin typeface="Monaco" charset="0"/>
-                <a:ea typeface="Monaco" charset="0"/>
-                <a:cs typeface="Monaco" charset="0"/>
-              </a:rPr>
-              <a:t>.</a:t>
-            </a:r>
-            <a:r>
-              <a:rPr lang="mr-IN" sz="2200" dirty="0" err="1" smtClean="0">
-                <a:latin typeface="Monaco" charset="0"/>
-                <a:ea typeface="Monaco" charset="0"/>
-                <a:cs typeface="Monaco" charset="0"/>
-              </a:rPr>
-              <a:t>add</a:t>
-            </a:r>
-            <a:r>
-              <a:rPr lang="mr-IN" sz="2200" dirty="0" smtClean="0">
-                <a:latin typeface="Monaco" charset="0"/>
-                <a:ea typeface="Monaco" charset="0"/>
-                <a:cs typeface="Monaco" charset="0"/>
-              </a:rPr>
-              <a:t>(</a:t>
-            </a:r>
-            <a:r>
-              <a:rPr lang="mr-IN" sz="2200" dirty="0" err="1" smtClean="0">
-                <a:latin typeface="Monaco" charset="0"/>
-                <a:ea typeface="Monaco" charset="0"/>
-                <a:cs typeface="Monaco" charset="0"/>
-              </a:rPr>
-              <a:t>p</a:t>
-            </a:r>
-            <a:r>
-              <a:rPr lang="mr-IN" sz="2200" dirty="0">
+              <a:t>depth=0</a:t>
+            </a:r>
+            <a:r>
+              <a:rPr lang="en-US" sz="2200" dirty="0">
                 <a:latin typeface="Monaco" charset="0"/>
                 <a:ea typeface="Monaco" charset="0"/>
                 <a:cs typeface="Monaco" charset="0"/>
@@ -5148,167 +4832,11 @@
                 <a:ea typeface="Monaco" charset="0"/>
                 <a:cs typeface="Monaco" charset="0"/>
               </a:rPr>
-              <a:t>    for t in </a:t>
-            </a:r>
-            <a:r>
-              <a:rPr lang="en-US" sz="2200" dirty="0" err="1">
-                <a:latin typeface="Monaco" charset="0"/>
-                <a:ea typeface="Monaco" charset="0"/>
-                <a:cs typeface="Monaco" charset="0"/>
-              </a:rPr>
-              <a:t>p.edges</a:t>
-            </a:r>
-            <a:r>
-              <a:rPr lang="en-US" sz="2200" dirty="0">
-                <a:latin typeface="Monaco" charset="0"/>
-                <a:ea typeface="Monaco" charset="0"/>
-                <a:cs typeface="Monaco" charset="0"/>
-              </a:rPr>
-              <a:t>:</a:t>
-            </a:r>
-          </a:p>
-          <a:p>
-            <a:r>
-              <a:rPr lang="mr-IN" sz="2200" dirty="0">
-                <a:latin typeface="Monaco" charset="0"/>
-                <a:ea typeface="Monaco" charset="0"/>
-                <a:cs typeface="Monaco" charset="0"/>
-              </a:rPr>
-              <a:t>        </a:t>
-            </a:r>
-            <a:r>
-              <a:rPr lang="mr-IN" sz="2200" dirty="0" err="1">
-                <a:latin typeface="Monaco" charset="0"/>
-                <a:ea typeface="Monaco" charset="0"/>
-                <a:cs typeface="Monaco" charset="0"/>
-              </a:rPr>
-              <a:t>pa</a:t>
-            </a:r>
-            <a:r>
-              <a:rPr lang="mr-IN" sz="2200" dirty="0">
-                <a:latin typeface="Monaco" charset="0"/>
-                <a:ea typeface="Monaco" charset="0"/>
-                <a:cs typeface="Monaco" charset="0"/>
-              </a:rPr>
-              <a:t> = </a:t>
-            </a:r>
-            <a:r>
-              <a:rPr lang="mr-IN" sz="2200" dirty="0" err="1">
-                <a:latin typeface="Monaco" charset="0"/>
-                <a:ea typeface="Monaco" charset="0"/>
-                <a:cs typeface="Monaco" charset="0"/>
-              </a:rPr>
-              <a:t>path</a:t>
-            </a:r>
-            <a:r>
-              <a:rPr lang="mr-IN" sz="2200" dirty="0">
-                <a:latin typeface="Monaco" charset="0"/>
-                <a:ea typeface="Monaco" charset="0"/>
-                <a:cs typeface="Monaco" charset="0"/>
-              </a:rPr>
-              <a:t>_(</a:t>
-            </a:r>
-            <a:r>
-              <a:rPr lang="mr-IN" sz="2200" dirty="0" err="1">
-                <a:latin typeface="Monaco" charset="0"/>
-                <a:ea typeface="Monaco" charset="0"/>
-                <a:cs typeface="Monaco" charset="0"/>
-              </a:rPr>
-              <a:t>t</a:t>
-            </a:r>
-            <a:r>
-              <a:rPr lang="mr-IN" sz="2200" dirty="0">
-                <a:latin typeface="Monaco" charset="0"/>
-                <a:ea typeface="Monaco" charset="0"/>
-                <a:cs typeface="Monaco" charset="0"/>
-              </a:rPr>
-              <a:t>, </a:t>
-            </a:r>
-            <a:r>
-              <a:rPr lang="mr-IN" sz="2200" dirty="0" err="1">
-                <a:latin typeface="Monaco" charset="0"/>
-                <a:ea typeface="Monaco" charset="0"/>
-                <a:cs typeface="Monaco" charset="0"/>
-              </a:rPr>
-              <a:t>q</a:t>
-            </a:r>
-            <a:r>
-              <a:rPr lang="mr-IN" sz="2200" dirty="0">
-                <a:latin typeface="Monaco" charset="0"/>
-                <a:ea typeface="Monaco" charset="0"/>
-                <a:cs typeface="Monaco" charset="0"/>
-              </a:rPr>
-              <a:t>, </a:t>
-            </a:r>
-            <a:r>
-              <a:rPr lang="mr-IN" sz="2200" dirty="0" err="1">
-                <a:solidFill>
-                  <a:schemeClr val="accent1"/>
-                </a:solidFill>
-                <a:latin typeface="Monaco" charset="0"/>
-                <a:ea typeface="Monaco" charset="0"/>
-                <a:cs typeface="Monaco" charset="0"/>
-              </a:rPr>
-              <a:t>path</a:t>
-            </a:r>
-            <a:r>
-              <a:rPr lang="mr-IN" sz="2200" dirty="0">
-                <a:solidFill>
-                  <a:schemeClr val="accent1"/>
-                </a:solidFill>
-                <a:latin typeface="Monaco" charset="0"/>
-                <a:ea typeface="Monaco" charset="0"/>
-                <a:cs typeface="Monaco" charset="0"/>
-              </a:rPr>
-              <a:t>+[</a:t>
-            </a:r>
-            <a:r>
-              <a:rPr lang="mr-IN" sz="2200" dirty="0" err="1">
-                <a:solidFill>
-                  <a:schemeClr val="accent1"/>
-                </a:solidFill>
-                <a:latin typeface="Monaco" charset="0"/>
-                <a:ea typeface="Monaco" charset="0"/>
-                <a:cs typeface="Monaco" charset="0"/>
-              </a:rPr>
-              <a:t>t</a:t>
-            </a:r>
-            <a:r>
-              <a:rPr lang="mr-IN" sz="2200" dirty="0">
-                <a:solidFill>
-                  <a:schemeClr val="accent1"/>
-                </a:solidFill>
-                <a:latin typeface="Monaco" charset="0"/>
-                <a:ea typeface="Monaco" charset="0"/>
-                <a:cs typeface="Monaco" charset="0"/>
-              </a:rPr>
-              <a:t>]</a:t>
-            </a:r>
-            <a:r>
-              <a:rPr lang="mr-IN" sz="2200" dirty="0">
-                <a:latin typeface="Monaco" charset="0"/>
-                <a:ea typeface="Monaco" charset="0"/>
-                <a:cs typeface="Monaco" charset="0"/>
-              </a:rPr>
-              <a:t>, </a:t>
-            </a:r>
-            <a:r>
-              <a:rPr lang="en-US" sz="2000" dirty="0">
-                <a:latin typeface="Monaco" charset="0"/>
-                <a:ea typeface="Monaco" charset="0"/>
-                <a:cs typeface="Monaco" charset="0"/>
-              </a:rPr>
-              <a:t>visited</a:t>
-            </a:r>
-            <a:r>
-              <a:rPr lang="mr-IN" sz="2200" dirty="0" smtClean="0">
-                <a:latin typeface="Monaco" charset="0"/>
-                <a:ea typeface="Monaco" charset="0"/>
-                <a:cs typeface="Monaco" charset="0"/>
-              </a:rPr>
-              <a:t>)</a:t>
-            </a:r>
-            <a:endParaRPr lang="mr-IN" sz="2200" dirty="0">
+              <a:t>    return reaches</a:t>
+            </a:r>
+          </a:p>
+          <a:p>
+            <a:endParaRPr lang="en-US" sz="2200" dirty="0">
               <a:latin typeface="Monaco" charset="0"/>
               <a:ea typeface="Monaco" charset="0"/>
               <a:cs typeface="Monaco" charset="0"/>
@@ -5321,10 +4849,58 @@
                 <a:ea typeface="Monaco" charset="0"/>
                 <a:cs typeface="Monaco" charset="0"/>
               </a:rPr>
-              <a:t>        </a:t>
-            </a:r>
-            <a:r>
-              <a:rPr lang="en-US" sz="2200" dirty="0">
+              <a:t>def reachable_(</a:t>
+            </a:r>
+            <a:r>
+              <a:rPr lang="en-US" sz="2200" dirty="0" err="1">
+                <a:latin typeface="Monaco" charset="0"/>
+                <a:ea typeface="Monaco" charset="0"/>
+                <a:cs typeface="Monaco" charset="0"/>
+              </a:rPr>
+              <a:t>p:Node</a:t>
+            </a:r>
+            <a:r>
+              <a:rPr lang="en-US" sz="2200" dirty="0">
+                <a:latin typeface="Monaco" charset="0"/>
+                <a:ea typeface="Monaco" charset="0"/>
+                <a:cs typeface="Monaco" charset="0"/>
+              </a:rPr>
+              <a:t>, </a:t>
+            </a:r>
+            <a:r>
+              <a:rPr lang="en-US" sz="2200" dirty="0" err="1">
+                <a:latin typeface="Monaco" charset="0"/>
+                <a:ea typeface="Monaco" charset="0"/>
+                <a:cs typeface="Monaco" charset="0"/>
+              </a:rPr>
+              <a:t>reaches:dict</a:t>
+            </a:r>
+            <a:r>
+              <a:rPr lang="en-US" sz="2200" dirty="0">
+                <a:latin typeface="Monaco" charset="0"/>
+                <a:ea typeface="Monaco" charset="0"/>
+                <a:cs typeface="Monaco" charset="0"/>
+              </a:rPr>
+              <a:t>, </a:t>
+            </a:r>
+            <a:r>
+              <a:rPr lang="en-US" sz="2200" dirty="0" err="1">
+                <a:latin typeface="Monaco" charset="0"/>
+                <a:ea typeface="Monaco" charset="0"/>
+                <a:cs typeface="Monaco" charset="0"/>
+              </a:rPr>
+              <a:t>visited:set</a:t>
+            </a:r>
+            <a:r>
+              <a:rPr lang="en-US" sz="2200" dirty="0">
+                <a:latin typeface="Monaco" charset="0"/>
+                <a:ea typeface="Monaco" charset="0"/>
+                <a:cs typeface="Monaco" charset="0"/>
+              </a:rPr>
+              <a:t>, </a:t>
+            </a:r>
+            <a:r>
+              <a:rPr lang="en-US" sz="2200" dirty="0" err="1">
                 <a:solidFill>
                   <a:schemeClr val="accent1"/>
                 </a:solidFill>
@@ -5332,7 +4908,51 @@
                 <a:ea typeface="Monaco" charset="0"/>
                 <a:cs typeface="Monaco" charset="0"/>
               </a:rPr>
-              <a:t>if pa is not None: return pa</a:t>
+              <a:t>depth:int</a:t>
+            </a:r>
+            <a:r>
+              <a:rPr lang="en-US" sz="2200" dirty="0">
+                <a:latin typeface="Monaco" charset="0"/>
+                <a:ea typeface="Monaco" charset="0"/>
+                <a:cs typeface="Monaco" charset="0"/>
+              </a:rPr>
+              <a:t>):</a:t>
+            </a:r>
+          </a:p>
+          <a:p>
+            <a:r>
+              <a:rPr lang="en-US" sz="2200" dirty="0">
+                <a:latin typeface="Monaco" charset="0"/>
+                <a:ea typeface="Monaco" charset="0"/>
+                <a:cs typeface="Monaco" charset="0"/>
+              </a:rPr>
+              <a:t>    if p in visited: return</a:t>
+            </a:r>
+          </a:p>
+          <a:p>
+            <a:r>
+              <a:rPr lang="en-US" sz="2200" dirty="0">
+                <a:latin typeface="Monaco" charset="0"/>
+                <a:ea typeface="Monaco" charset="0"/>
+                <a:cs typeface="Monaco" charset="0"/>
+              </a:rPr>
+              <a:t>    </a:t>
+            </a:r>
+            <a:r>
+              <a:rPr lang="en-US" sz="2200" dirty="0" err="1">
+                <a:latin typeface="Monaco" charset="0"/>
+                <a:ea typeface="Monaco" charset="0"/>
+                <a:cs typeface="Monaco" charset="0"/>
+              </a:rPr>
+              <a:t>visited.add</a:t>
+            </a:r>
+            <a:r>
+              <a:rPr lang="en-US" sz="2200" dirty="0">
+                <a:latin typeface="Monaco" charset="0"/>
+                <a:ea typeface="Monaco" charset="0"/>
+                <a:cs typeface="Monaco" charset="0"/>
+              </a:rPr>
+              <a:t>(p)</a:t>
             </a:r>
           </a:p>
           <a:p>
@@ -5353,100 +4973,75 @@
                 <a:ea typeface="Monaco" charset="0"/>
                 <a:cs typeface="Monaco" charset="0"/>
               </a:rPr>
-              <a:t>return None</a:t>
-            </a:r>
-            <a:endParaRPr lang="en-US" sz="2200" dirty="0" smtClean="0">
-              <a:solidFill>
-                <a:schemeClr val="accent1"/>
-              </a:solidFill>
-              <a:latin typeface="Monaco" charset="0"/>
-              <a:ea typeface="Monaco" charset="0"/>
-              <a:cs typeface="Monaco" charset="0"/>
-            </a:endParaRPr>
-          </a:p>
-        </p:txBody>
-      </p:sp>
-      <p:pic>
-        <p:nvPicPr>
-          <p:cNvPr id="7" name="Picture 6"/>
-          <p:cNvPicPr>
-            <a:picLocks noChangeAspect="1"/>
-          </p:cNvPicPr>
-          <p:nvPr/>
-        </p:nvPicPr>
-        <p:blipFill>
-          <a:blip r:embed="rId2"/>
-          <a:stretch>
-            <a:fillRect/>
-          </a:stretch>
-        </p:blipFill>
-        <p:spPr>
-          <a:xfrm>
-            <a:off x="8970241" y="230693"/>
-            <a:ext cx="2603500" cy="1600200"/>
-          </a:xfrm>
-          <a:prstGeom prst="rect">
-            <a:avLst/>
-          </a:prstGeom>
-        </p:spPr>
-      </p:pic>
-      <p:pic>
-        <p:nvPicPr>
-          <p:cNvPr id="8" name="Picture 7"/>
-          <p:cNvPicPr>
-            <a:picLocks noChangeAspect="1"/>
-          </p:cNvPicPr>
-          <p:nvPr/>
-        </p:nvPicPr>
-        <p:blipFill>
-          <a:blip r:embed="rId3"/>
-          <a:stretch>
-            <a:fillRect/>
-          </a:stretch>
-        </p:blipFill>
-        <p:spPr>
-          <a:xfrm>
-            <a:off x="8717971" y="2459401"/>
-            <a:ext cx="3267430" cy="2517843"/>
-          </a:xfrm>
-          <a:prstGeom prst="rect">
-            <a:avLst/>
-          </a:prstGeom>
-        </p:spPr>
-      </p:pic>
-      <p:sp>
-        <p:nvSpPr>
-          <p:cNvPr id="9" name="TextBox 8"/>
-          <p:cNvSpPr txBox="1"/>
-          <p:nvPr/>
-        </p:nvSpPr>
-        <p:spPr>
-          <a:xfrm>
-            <a:off x="9560444" y="5246595"/>
-            <a:ext cx="1595309" cy="369332"/>
-          </a:xfrm>
-          <a:prstGeom prst="rect">
-            <a:avLst/>
-          </a:prstGeom>
-          <a:noFill/>
-        </p:spPr>
-        <p:txBody>
-          <a:bodyPr wrap="none" rtlCol="0">
-            <a:spAutoFit/>
-          </a:bodyPr>
-          <a:lstStyle/>
-          <a:p>
-            <a:r>
-              <a:rPr lang="en-US" i="1" dirty="0" smtClean="0"/>
-              <a:t>recursion tree</a:t>
-            </a:r>
-            <a:endParaRPr lang="en-US" i="1" dirty="0"/>
-          </a:p>
-        </p:txBody>
-      </p:sp>
-      <p:sp>
-        <p:nvSpPr>
-          <p:cNvPr id="11" name="TextBox 10"/>
+              <a:t>reaches[p] = depth</a:t>
+            </a:r>
+          </a:p>
+          <a:p>
+            <a:r>
+              <a:rPr lang="en-US" sz="2200" dirty="0">
+                <a:latin typeface="Monaco" charset="0"/>
+                <a:ea typeface="Monaco" charset="0"/>
+                <a:cs typeface="Monaco" charset="0"/>
+              </a:rPr>
+              <a:t>    for q in </a:t>
+            </a:r>
+            <a:r>
+              <a:rPr lang="en-US" sz="2200" dirty="0" err="1">
+                <a:latin typeface="Monaco" charset="0"/>
+                <a:ea typeface="Monaco" charset="0"/>
+                <a:cs typeface="Monaco" charset="0"/>
+              </a:rPr>
+              <a:t>p.edges</a:t>
+            </a:r>
+            <a:r>
+              <a:rPr lang="en-US" sz="2200" dirty="0">
+                <a:latin typeface="Monaco" charset="0"/>
+                <a:ea typeface="Monaco" charset="0"/>
+                <a:cs typeface="Monaco" charset="0"/>
+              </a:rPr>
+              <a:t>:</a:t>
+            </a:r>
+          </a:p>
+          <a:p>
+            <a:r>
+              <a:rPr lang="en-US" sz="2200" dirty="0">
+                <a:latin typeface="Monaco" charset="0"/>
+                <a:ea typeface="Monaco" charset="0"/>
+                <a:cs typeface="Monaco" charset="0"/>
+              </a:rPr>
+              <a:t>        reachable_(q, reaches, visited, </a:t>
+            </a:r>
+            <a:r>
+              <a:rPr lang="en-US" sz="2200" dirty="0">
+                <a:solidFill>
+                  <a:schemeClr val="accent1"/>
+                </a:solidFill>
+                <a:latin typeface="Monaco" charset="0"/>
+                <a:ea typeface="Monaco" charset="0"/>
+                <a:cs typeface="Monaco" charset="0"/>
+              </a:rPr>
+              <a:t>depth+1</a:t>
+            </a:r>
+            <a:r>
+              <a:rPr lang="en-US" sz="2200" dirty="0">
+                <a:latin typeface="Monaco" charset="0"/>
+                <a:ea typeface="Monaco" charset="0"/>
+                <a:cs typeface="Monaco" charset="0"/>
+              </a:rPr>
+              <a:t>)</a:t>
+            </a:r>
+          </a:p>
+        </p:txBody>
+      </p:sp>
+      <p:sp>
+        <p:nvSpPr>
+          <p:cNvPr id="5" name="TextBox 4">
+            <a:extLst>
+              <a:ext uri="{FF2B5EF4-FFF2-40B4-BE49-F238E27FC236}">
+                <a16:creationId xmlns:a16="http://schemas.microsoft.com/office/drawing/2014/main" id="{1F623A79-3941-454E-B6B3-BD1A58A3ECA8}"/>
+              </a:ext>
+            </a:extLst>
+          </p:cNvPr>
           <p:cNvSpPr txBox="1"/>
           <p:nvPr/>
         </p:nvSpPr>
@@ -5497,7 +5092,7 @@
     </p:spTree>
     <p:extLst>
       <p:ext uri="{BB962C8B-B14F-4D97-AF65-F5344CB8AC3E}">
-        <p14:creationId xmlns:p14="http://schemas.microsoft.com/office/powerpoint/2010/main" val="464601169"/>
+        <p14:creationId xmlns:p14="http://schemas.microsoft.com/office/powerpoint/2010/main" val="3698645081"/>
       </p:ext>
     </p:extLst>
   </p:cSld>
@@ -5526,7 +5121,13 @@
       </p:grpSpPr>
       <p:sp>
         <p:nvSpPr>
-          <p:cNvPr id="2" name="Title 1"/>
+          <p:cNvPr id="2" name="Title 1">
+            <a:extLst>
+              <a:ext uri="{FF2B5EF4-FFF2-40B4-BE49-F238E27FC236}">
+                <a16:creationId xmlns:a16="http://schemas.microsoft.com/office/drawing/2014/main" id="{1D0CBCBA-DE92-6748-A759-28AD32F4DC28}"/>
+              </a:ext>
+            </a:extLst>
+          </p:cNvPr>
           <p:cNvSpPr>
             <a:spLocks noGrp="1"/>
           </p:cNvSpPr>
@@ -5540,27 +5141,21 @@
           <a:lstStyle/>
           <a:p>
             <a:r>
-              <a:rPr lang="en-US" dirty="0" smtClean="0"/>
-              <a:t>Find </a:t>
-            </a:r>
-            <a:r>
-              <a:rPr lang="en-US" b="1" dirty="0" smtClean="0"/>
-              <a:t>shortest</a:t>
-            </a:r>
-            <a:r>
-              <a:rPr lang="en-US" dirty="0" smtClean="0"/>
-              <a:t> path </a:t>
-            </a:r>
-            <a:r>
-              <a:rPr lang="en-US" dirty="0"/>
-              <a:t>from p to q?</a:t>
-            </a:r>
-          </a:p>
-        </p:txBody>
-      </p:sp>
-      <p:sp>
-        <p:nvSpPr>
-          <p:cNvPr id="3" name="Content Placeholder 2"/>
+              <a:rPr lang="en-US" dirty="0"/>
+              <a:t>Find neighborhood within k edges</a:t>
+            </a:r>
+          </a:p>
+        </p:txBody>
+      </p:sp>
+      <p:sp>
+        <p:nvSpPr>
+          <p:cNvPr id="3" name="Content Placeholder 2">
+            <a:extLst>
+              <a:ext uri="{FF2B5EF4-FFF2-40B4-BE49-F238E27FC236}">
+                <a16:creationId xmlns:a16="http://schemas.microsoft.com/office/drawing/2014/main" id="{676C30A5-C8DD-EE40-ADAE-18F4F4386E34}"/>
+              </a:ext>
+            </a:extLst>
+          </p:cNvPr>
           <p:cNvSpPr>
             <a:spLocks noGrp="1"/>
           </p:cNvSpPr>
@@ -5570,112 +5165,30 @@
         </p:nvSpPr>
         <p:spPr/>
         <p:txBody>
-          <a:bodyPr>
-            <a:normAutofit lnSpcReduction="10000"/>
-          </a:bodyPr>
+          <a:bodyPr/>
           <a:lstStyle/>
           <a:p>
             <a:r>
-              <a:rPr lang="en-US" dirty="0" smtClean="0"/>
-              <a:t>FIRST, let’s look at breadth-first search vs depth-first search</a:t>
-            </a:r>
-          </a:p>
-          <a:p>
-            <a:r>
-              <a:rPr lang="en-US" dirty="0" smtClean="0"/>
-              <a:t>Maintains work list and</a:t>
-            </a:r>
-            <a:br>
-              <a:rPr lang="en-US" dirty="0" smtClean="0"/>
-            </a:br>
-            <a:r>
-              <a:rPr lang="en-US" dirty="0" smtClean="0"/>
-              <a:t>visited set</a:t>
-            </a:r>
-          </a:p>
-          <a:p>
-            <a:r>
-              <a:rPr lang="en-US" b="1" dirty="0" smtClean="0"/>
-              <a:t> BFS</a:t>
-            </a:r>
-            <a:r>
-              <a:rPr lang="en-US" dirty="0" smtClean="0"/>
-              <a:t>	 </a:t>
-            </a:r>
-            <a:r>
-              <a:rPr lang="en-US" b="1" dirty="0" smtClean="0"/>
-              <a:t>DFS</a:t>
-            </a:r>
-            <a:r>
-              <a:rPr lang="en-US" dirty="0" smtClean="0"/>
-              <a:t/>
-            </a:r>
-            <a:br>
-              <a:rPr lang="en-US" dirty="0" smtClean="0"/>
-            </a:br>
-            <a:r>
-              <a:rPr lang="en-US" dirty="0" smtClean="0"/>
-              <a:t>Visit A	Visit A</a:t>
-            </a:r>
-            <a:br>
-              <a:rPr lang="en-US" dirty="0" smtClean="0"/>
-            </a:br>
-            <a:r>
-              <a:rPr lang="en-US" dirty="0" smtClean="0"/>
-              <a:t>Visit B	Visit D</a:t>
-            </a:r>
-            <a:br>
-              <a:rPr lang="en-US" dirty="0" smtClean="0"/>
-            </a:br>
-            <a:r>
-              <a:rPr lang="en-US" dirty="0" smtClean="0"/>
-              <a:t>Visit D	Visit E</a:t>
-            </a:r>
-            <a:br>
-              <a:rPr lang="en-US" dirty="0" smtClean="0"/>
-            </a:br>
-            <a:r>
-              <a:rPr lang="en-US" dirty="0" smtClean="0"/>
-              <a:t>Visit C	Visit B</a:t>
-            </a:r>
-            <a:br>
-              <a:rPr lang="en-US" dirty="0" smtClean="0"/>
-            </a:br>
-            <a:r>
-              <a:rPr lang="en-US" dirty="0" smtClean="0"/>
-              <a:t>Visit E	Visit C</a:t>
-            </a:r>
-          </a:p>
-          <a:p>
-            <a:r>
-              <a:rPr lang="en-US" dirty="0" smtClean="0"/>
-              <a:t>Consider children then</a:t>
-            </a:r>
-            <a:br>
-              <a:rPr lang="en-US" dirty="0" smtClean="0"/>
-            </a:br>
-            <a:r>
-              <a:rPr lang="en-US" dirty="0" smtClean="0"/>
-              <a:t>grandchildren </a:t>
-            </a:r>
-            <a:r>
-              <a:rPr lang="en-US" dirty="0" err="1" smtClean="0"/>
-              <a:t>etc</a:t>
-            </a:r>
-            <a:r>
-              <a:rPr lang="mr-IN" dirty="0" smtClean="0"/>
-              <a:t>…</a:t>
-            </a:r>
-            <a:endParaRPr lang="en-US" dirty="0" smtClean="0"/>
-          </a:p>
-        </p:txBody>
-      </p:sp>
-      <p:sp>
-        <p:nvSpPr>
-          <p:cNvPr id="4" name="TextBox 3">
+              <a:rPr lang="en-US" dirty="0"/>
+              <a:t>Track </a:t>
+            </a:r>
+            <a:r>
+              <a:rPr lang="en-US" dirty="0" err="1"/>
+              <a:t>dict</a:t>
+            </a:r>
+            <a:r>
+              <a:rPr lang="en-US" dirty="0"/>
+              <a:t> node-&gt;depth, stop when we reach depth</a:t>
+            </a:r>
+          </a:p>
+        </p:txBody>
+      </p:sp>
+      <p:sp>
+        <p:nvSpPr>
+          <p:cNvPr id="7" name="TextBox 6">
             <a:extLst>
               <a:ext uri="{FF2B5EF4-FFF2-40B4-BE49-F238E27FC236}">
-                <a16:creationId xmlns:a16="http://schemas.microsoft.com/office/drawing/2014/main" xmlns="" id="{15368C9B-01DB-BD48-B437-681E9C29166D}"/>
+                <a16:creationId xmlns:a16="http://schemas.microsoft.com/office/drawing/2014/main" id="{23D3CF86-04E5-AD4C-9BF5-C26725F54548}"/>
               </a:ext>
             </a:extLst>
           </p:cNvPr>
@@ -5684,8 +5197,8 @@
         </p:nvSpPr>
         <p:spPr>
           <a:xfrm>
-            <a:off x="5190259" y="2409804"/>
-            <a:ext cx="6163541" cy="3477875"/>
+            <a:off x="225116" y="2360534"/>
+            <a:ext cx="11720450" cy="3816429"/>
           </a:xfrm>
           <a:prstGeom prst="rect">
             <a:avLst/>
@@ -5704,66 +5217,47 @@
           <a:lstStyle/>
           <a:p>
             <a:r>
+              <a:rPr lang="en-US" sz="2200" dirty="0">
+                <a:latin typeface="Monaco" charset="0"/>
+                <a:ea typeface="Monaco" charset="0"/>
+                <a:cs typeface="Monaco" charset="0"/>
+              </a:rPr>
+              <a:t>def neighbors(</a:t>
+            </a:r>
+            <a:r>
               <a:rPr lang="en-US" sz="2200" dirty="0" err="1">
                 <a:latin typeface="Monaco" charset="0"/>
                 <a:ea typeface="Monaco" charset="0"/>
                 <a:cs typeface="Monaco" charset="0"/>
               </a:rPr>
-              <a:t>def</a:t>
-            </a:r>
-            <a:r>
-              <a:rPr lang="en-US" sz="2200" dirty="0">
-                <a:latin typeface="Monaco" charset="0"/>
-                <a:ea typeface="Monaco" charset="0"/>
-                <a:cs typeface="Monaco" charset="0"/>
-              </a:rPr>
-              <a:t> BFS(</a:t>
+              <a:t>p:Node</a:t>
+            </a:r>
+            <a:r>
+              <a:rPr lang="en-US" sz="2200" dirty="0">
+                <a:latin typeface="Monaco" charset="0"/>
+                <a:ea typeface="Monaco" charset="0"/>
+                <a:cs typeface="Monaco" charset="0"/>
+              </a:rPr>
+              <a:t>, </a:t>
             </a:r>
             <a:r>
               <a:rPr lang="en-US" sz="2200" dirty="0" err="1">
-                <a:latin typeface="Monaco" charset="0"/>
-                <a:ea typeface="Monaco" charset="0"/>
-                <a:cs typeface="Monaco" charset="0"/>
-              </a:rPr>
-              <a:t>root:LNode</a:t>
-            </a:r>
-            <a:r>
-              <a:rPr lang="en-US" sz="2200" dirty="0">
-                <a:latin typeface="Monaco" charset="0"/>
-                <a:ea typeface="Monaco" charset="0"/>
-                <a:cs typeface="Monaco" charset="0"/>
-              </a:rPr>
-              <a:t>):</a:t>
-            </a:r>
-          </a:p>
-          <a:p>
-            <a:r>
-              <a:rPr lang="en-US" sz="2200" dirty="0">
-                <a:latin typeface="Monaco" charset="0"/>
-                <a:ea typeface="Monaco" charset="0"/>
-                <a:cs typeface="Monaco" charset="0"/>
-              </a:rPr>
-              <a:t>    visited = {root}</a:t>
-            </a:r>
-          </a:p>
-          <a:p>
-            <a:r>
-              <a:rPr lang="en-US" sz="2200" dirty="0">
-                <a:latin typeface="Monaco" charset="0"/>
-                <a:ea typeface="Monaco" charset="0"/>
-                <a:cs typeface="Monaco" charset="0"/>
-              </a:rPr>
-              <a:t>    worklist = [root]</a:t>
-            </a:r>
-          </a:p>
-          <a:p>
-            <a:r>
-              <a:rPr lang="en-US" sz="2200" dirty="0">
-                <a:latin typeface="Monaco" charset="0"/>
-                <a:ea typeface="Monaco" charset="0"/>
-                <a:cs typeface="Monaco" charset="0"/>
-              </a:rPr>
-              <a:t>    while </a:t>
+                <a:solidFill>
+                  <a:schemeClr val="accent1"/>
+                </a:solidFill>
+                <a:latin typeface="Monaco" charset="0"/>
+                <a:ea typeface="Monaco" charset="0"/>
+                <a:cs typeface="Monaco" charset="0"/>
+              </a:rPr>
+              <a:t>k:int</a:t>
+            </a:r>
+            <a:r>
+              <a:rPr lang="en-US" sz="2200" dirty="0">
+                <a:latin typeface="Monaco" charset="0"/>
+                <a:ea typeface="Monaco" charset="0"/>
+                <a:cs typeface="Monaco" charset="0"/>
+              </a:rPr>
+              <a:t>) -&gt; </a:t>
             </a:r>
             <a:r>
               <a:rPr lang="en-US" sz="2200" dirty="0" err="1">
@@ -5771,67 +5265,65 @@
                 <a:ea typeface="Monaco" charset="0"/>
                 <a:cs typeface="Monaco" charset="0"/>
               </a:rPr>
-              <a:t>len</a:t>
-            </a:r>
-            <a:r>
-              <a:rPr lang="en-US" sz="2200" dirty="0">
-                <a:latin typeface="Monaco" charset="0"/>
-                <a:ea typeface="Monaco" charset="0"/>
-                <a:cs typeface="Monaco" charset="0"/>
-              </a:rPr>
-              <a:t>(worklist)&gt;0: </a:t>
-            </a:r>
-          </a:p>
-          <a:p>
-            <a:r>
-              <a:rPr lang="mr-IN" sz="2200" dirty="0">
-                <a:latin typeface="Monaco" charset="0"/>
-                <a:ea typeface="Monaco" charset="0"/>
-                <a:cs typeface="Monaco" charset="0"/>
-              </a:rPr>
-              <a:t>        </a:t>
-            </a:r>
-            <a:r>
-              <a:rPr lang="mr-IN" sz="2200" dirty="0" err="1">
-                <a:latin typeface="Monaco" charset="0"/>
-                <a:ea typeface="Monaco" charset="0"/>
-                <a:cs typeface="Monaco" charset="0"/>
-              </a:rPr>
-              <a:t>p</a:t>
-            </a:r>
-            <a:r>
-              <a:rPr lang="mr-IN" sz="2200" dirty="0">
-                <a:latin typeface="Monaco" charset="0"/>
-                <a:ea typeface="Monaco" charset="0"/>
-                <a:cs typeface="Monaco" charset="0"/>
-              </a:rPr>
-              <a:t> = </a:t>
-            </a:r>
-            <a:r>
-              <a:rPr lang="mr-IN" sz="2200" dirty="0" err="1">
-                <a:latin typeface="Monaco" charset="0"/>
-                <a:ea typeface="Monaco" charset="0"/>
-                <a:cs typeface="Monaco" charset="0"/>
-              </a:rPr>
-              <a:t>worklist.pop</a:t>
-            </a:r>
-            <a:r>
-              <a:rPr lang="mr-IN" sz="2200" dirty="0">
-                <a:latin typeface="Monaco" charset="0"/>
-                <a:ea typeface="Monaco" charset="0"/>
-                <a:cs typeface="Monaco" charset="0"/>
-              </a:rPr>
-              <a:t>(0</a:t>
-            </a:r>
-            <a:r>
-              <a:rPr lang="mr-IN" sz="2200" dirty="0" smtClean="0">
-                <a:latin typeface="Monaco" charset="0"/>
-                <a:ea typeface="Monaco" charset="0"/>
-                <a:cs typeface="Monaco" charset="0"/>
-              </a:rPr>
-              <a:t>)</a:t>
-            </a:r>
-            <a:endParaRPr lang="en-US" sz="2200" dirty="0" smtClean="0">
+              <a:t>dict</a:t>
+            </a:r>
+            <a:r>
+              <a:rPr lang="en-US" sz="2200" dirty="0">
+                <a:latin typeface="Monaco" charset="0"/>
+                <a:ea typeface="Monaco" charset="0"/>
+                <a:cs typeface="Monaco" charset="0"/>
+              </a:rPr>
+              <a:t>:</a:t>
+            </a:r>
+          </a:p>
+          <a:p>
+            <a:r>
+              <a:rPr lang="en-US" sz="2200" dirty="0">
+                <a:latin typeface="Monaco" charset="0"/>
+                <a:ea typeface="Monaco" charset="0"/>
+                <a:cs typeface="Monaco" charset="0"/>
+              </a:rPr>
+              <a:t>    reaches = </a:t>
+            </a:r>
+            <a:r>
+              <a:rPr lang="en-US" sz="2200" dirty="0" err="1">
+                <a:latin typeface="Monaco" charset="0"/>
+                <a:ea typeface="Monaco" charset="0"/>
+                <a:cs typeface="Monaco" charset="0"/>
+              </a:rPr>
+              <a:t>dict</a:t>
+            </a:r>
+            <a:r>
+              <a:rPr lang="en-US" sz="2200" dirty="0">
+                <a:latin typeface="Monaco" charset="0"/>
+                <a:ea typeface="Monaco" charset="0"/>
+                <a:cs typeface="Monaco" charset="0"/>
+              </a:rPr>
+              <a:t>()</a:t>
+            </a:r>
+          </a:p>
+          <a:p>
+            <a:r>
+              <a:rPr lang="en-US" sz="2200" dirty="0">
+                <a:latin typeface="Monaco" charset="0"/>
+                <a:ea typeface="Monaco" charset="0"/>
+                <a:cs typeface="Monaco" charset="0"/>
+              </a:rPr>
+              <a:t>    neighbors_(p, k, reaches, set(), depth=0)</a:t>
+            </a:r>
+          </a:p>
+          <a:p>
+            <a:r>
+              <a:rPr lang="en-US" sz="2200" dirty="0">
+                <a:latin typeface="Monaco" charset="0"/>
+                <a:ea typeface="Monaco" charset="0"/>
+                <a:cs typeface="Monaco" charset="0"/>
+              </a:rPr>
+              <a:t>    return reaches</a:t>
+            </a:r>
+          </a:p>
+          <a:p>
+            <a:endParaRPr lang="en-US" sz="2200" dirty="0">
               <a:latin typeface="Monaco" charset="0"/>
               <a:ea typeface="Monaco" charset="0"/>
               <a:cs typeface="Monaco" charset="0"/>
@@ -5844,175 +5336,132 @@
                 <a:ea typeface="Monaco" charset="0"/>
                 <a:cs typeface="Monaco" charset="0"/>
               </a:rPr>
-              <a:t> </a:t>
-            </a:r>
-            <a:r>
-              <a:rPr lang="en-US" sz="2200" dirty="0" smtClean="0">
-                <a:latin typeface="Monaco" charset="0"/>
-                <a:ea typeface="Monaco" charset="0"/>
-                <a:cs typeface="Monaco" charset="0"/>
-              </a:rPr>
-              <a:t>       print(</a:t>
-            </a:r>
-            <a:r>
-              <a:rPr lang="en-US" sz="2200" dirty="0" err="1" smtClean="0">
-                <a:latin typeface="Monaco" charset="0"/>
-                <a:ea typeface="Monaco" charset="0"/>
-                <a:cs typeface="Monaco" charset="0"/>
-              </a:rPr>
-              <a:t>f“Visit</a:t>
-            </a:r>
-            <a:r>
-              <a:rPr lang="en-US" sz="2200" dirty="0" smtClean="0">
-                <a:latin typeface="Monaco" charset="0"/>
-                <a:ea typeface="Monaco" charset="0"/>
-                <a:cs typeface="Monaco" charset="0"/>
-              </a:rPr>
-              <a:t> {p}”)</a:t>
-            </a:r>
-            <a:endParaRPr lang="mr-IN" sz="2200" dirty="0">
-              <a:latin typeface="Monaco" charset="0"/>
-              <a:ea typeface="Monaco" charset="0"/>
-              <a:cs typeface="Monaco" charset="0"/>
-            </a:endParaRPr>
-          </a:p>
-          <a:p>
-            <a:r>
-              <a:rPr lang="mr-IN" sz="2200" dirty="0">
-                <a:latin typeface="Monaco" charset="0"/>
-                <a:ea typeface="Monaco" charset="0"/>
-                <a:cs typeface="Monaco" charset="0"/>
-              </a:rPr>
-              <a:t>        </a:t>
-            </a:r>
-            <a:r>
-              <a:rPr lang="mr-IN" sz="2200" dirty="0" err="1">
-                <a:latin typeface="Monaco" charset="0"/>
-                <a:ea typeface="Monaco" charset="0"/>
-                <a:cs typeface="Monaco" charset="0"/>
-              </a:rPr>
-              <a:t>for</a:t>
-            </a:r>
-            <a:r>
-              <a:rPr lang="mr-IN" sz="2200" dirty="0">
-                <a:latin typeface="Monaco" charset="0"/>
-                <a:ea typeface="Monaco" charset="0"/>
-                <a:cs typeface="Monaco" charset="0"/>
-              </a:rPr>
-              <a:t> </a:t>
-            </a:r>
-            <a:r>
-              <a:rPr lang="mr-IN" sz="2200" dirty="0" err="1">
-                <a:latin typeface="Monaco" charset="0"/>
-                <a:ea typeface="Monaco" charset="0"/>
-                <a:cs typeface="Monaco" charset="0"/>
-              </a:rPr>
-              <a:t>e,q</a:t>
-            </a:r>
-            <a:r>
-              <a:rPr lang="mr-IN" sz="2200" dirty="0">
-                <a:latin typeface="Monaco" charset="0"/>
-                <a:ea typeface="Monaco" charset="0"/>
-                <a:cs typeface="Monaco" charset="0"/>
-              </a:rPr>
-              <a:t> </a:t>
-            </a:r>
-            <a:r>
-              <a:rPr lang="mr-IN" sz="2200" dirty="0" err="1">
-                <a:latin typeface="Monaco" charset="0"/>
-                <a:ea typeface="Monaco" charset="0"/>
-                <a:cs typeface="Monaco" charset="0"/>
-              </a:rPr>
-              <a:t>in</a:t>
-            </a:r>
-            <a:r>
-              <a:rPr lang="mr-IN" sz="2200" dirty="0">
-                <a:latin typeface="Monaco" charset="0"/>
-                <a:ea typeface="Monaco" charset="0"/>
-                <a:cs typeface="Monaco" charset="0"/>
-              </a:rPr>
-              <a:t> </a:t>
-            </a:r>
-            <a:r>
-              <a:rPr lang="mr-IN" sz="2200" dirty="0" err="1">
-                <a:latin typeface="Monaco" charset="0"/>
-                <a:ea typeface="Monaco" charset="0"/>
-                <a:cs typeface="Monaco" charset="0"/>
-              </a:rPr>
-              <a:t>p.edges.items</a:t>
-            </a:r>
-            <a:r>
-              <a:rPr lang="mr-IN" sz="2200" dirty="0">
-                <a:latin typeface="Monaco" charset="0"/>
-                <a:ea typeface="Monaco" charset="0"/>
-                <a:cs typeface="Monaco" charset="0"/>
-              </a:rPr>
-              <a:t>():  </a:t>
-            </a:r>
-          </a:p>
-          <a:p>
-            <a:r>
-              <a:rPr lang="en-US" sz="2200" dirty="0">
-                <a:latin typeface="Monaco" charset="0"/>
-                <a:ea typeface="Monaco" charset="0"/>
-                <a:cs typeface="Monaco" charset="0"/>
-              </a:rPr>
-              <a:t>            if q not in visited:</a:t>
-            </a:r>
-          </a:p>
-          <a:p>
-            <a:r>
-              <a:rPr lang="mr-IN" sz="2200" dirty="0">
-                <a:latin typeface="Monaco" charset="0"/>
-                <a:ea typeface="Monaco" charset="0"/>
-                <a:cs typeface="Monaco" charset="0"/>
-              </a:rPr>
-              <a:t>                </a:t>
-            </a:r>
-            <a:r>
-              <a:rPr lang="mr-IN" sz="2200" dirty="0" err="1">
-                <a:latin typeface="Monaco" charset="0"/>
-                <a:ea typeface="Monaco" charset="0"/>
-                <a:cs typeface="Monaco" charset="0"/>
-              </a:rPr>
-              <a:t>worklist.append</a:t>
-            </a:r>
-            <a:r>
-              <a:rPr lang="mr-IN" sz="2200" dirty="0">
-                <a:latin typeface="Monaco" charset="0"/>
-                <a:ea typeface="Monaco" charset="0"/>
-                <a:cs typeface="Monaco" charset="0"/>
-              </a:rPr>
-              <a:t>(</a:t>
-            </a:r>
-            <a:r>
-              <a:rPr lang="mr-IN" sz="2200" dirty="0" err="1">
-                <a:latin typeface="Monaco" charset="0"/>
-                <a:ea typeface="Monaco" charset="0"/>
-                <a:cs typeface="Monaco" charset="0"/>
-              </a:rPr>
-              <a:t>q</a:t>
-            </a:r>
-            <a:r>
-              <a:rPr lang="mr-IN" sz="2200" dirty="0">
-                <a:latin typeface="Monaco" charset="0"/>
-                <a:ea typeface="Monaco" charset="0"/>
-                <a:cs typeface="Monaco" charset="0"/>
-              </a:rPr>
-              <a:t>)</a:t>
-            </a:r>
-          </a:p>
-          <a:p>
-            <a:r>
-              <a:rPr lang="mr-IN" sz="2200" dirty="0">
-                <a:latin typeface="Monaco" charset="0"/>
-                <a:ea typeface="Monaco" charset="0"/>
-                <a:cs typeface="Monaco" charset="0"/>
-              </a:rPr>
-              <a:t>                </a:t>
-            </a:r>
-            <a:r>
-              <a:rPr lang="mr-IN" sz="2200" dirty="0" err="1">
+              <a:t>def neighbors_(</a:t>
+            </a:r>
+            <a:r>
+              <a:rPr lang="en-US" sz="2200" dirty="0" err="1">
+                <a:latin typeface="Monaco" charset="0"/>
+                <a:ea typeface="Monaco" charset="0"/>
+                <a:cs typeface="Monaco" charset="0"/>
+              </a:rPr>
+              <a:t>p:Node</a:t>
+            </a:r>
+            <a:r>
+              <a:rPr lang="en-US" sz="2200" dirty="0">
+                <a:latin typeface="Monaco" charset="0"/>
+                <a:ea typeface="Monaco" charset="0"/>
+                <a:cs typeface="Monaco" charset="0"/>
+              </a:rPr>
+              <a:t>, </a:t>
+            </a:r>
+            <a:r>
+              <a:rPr lang="en-US" sz="2200" dirty="0" err="1">
+                <a:solidFill>
+                  <a:schemeClr val="accent1"/>
+                </a:solidFill>
+                <a:latin typeface="Monaco" charset="0"/>
+                <a:ea typeface="Monaco" charset="0"/>
+                <a:cs typeface="Monaco" charset="0"/>
+              </a:rPr>
+              <a:t>k:int</a:t>
+            </a:r>
+            <a:r>
+              <a:rPr lang="en-US" sz="2200" dirty="0">
+                <a:latin typeface="Monaco" charset="0"/>
+                <a:ea typeface="Monaco" charset="0"/>
+                <a:cs typeface="Monaco" charset="0"/>
+              </a:rPr>
+              <a:t>, </a:t>
+            </a:r>
+            <a:r>
+              <a:rPr lang="en-US" sz="2200" dirty="0" err="1">
+                <a:latin typeface="Monaco" charset="0"/>
+                <a:ea typeface="Monaco" charset="0"/>
+                <a:cs typeface="Monaco" charset="0"/>
+              </a:rPr>
+              <a:t>reaches:dict</a:t>
+            </a:r>
+            <a:r>
+              <a:rPr lang="en-US" sz="2200" dirty="0">
+                <a:latin typeface="Monaco" charset="0"/>
+                <a:ea typeface="Monaco" charset="0"/>
+                <a:cs typeface="Monaco" charset="0"/>
+              </a:rPr>
+              <a:t>, </a:t>
+            </a:r>
+            <a:r>
+              <a:rPr lang="en-US" sz="2200" dirty="0" err="1">
+                <a:latin typeface="Monaco" charset="0"/>
+                <a:ea typeface="Monaco" charset="0"/>
+                <a:cs typeface="Monaco" charset="0"/>
+              </a:rPr>
+              <a:t>visited:set</a:t>
+            </a:r>
+            <a:r>
+              <a:rPr lang="en-US" sz="2200" dirty="0">
+                <a:latin typeface="Monaco" charset="0"/>
+                <a:ea typeface="Monaco" charset="0"/>
+                <a:cs typeface="Monaco" charset="0"/>
+              </a:rPr>
+              <a:t>, </a:t>
+            </a:r>
+            <a:r>
+              <a:rPr lang="en-US" sz="2200" dirty="0" err="1">
+                <a:latin typeface="Monaco" charset="0"/>
+                <a:ea typeface="Monaco" charset="0"/>
+                <a:cs typeface="Monaco" charset="0"/>
+              </a:rPr>
+              <a:t>depth:int</a:t>
+            </a:r>
+            <a:r>
+              <a:rPr lang="en-US" sz="2200" dirty="0">
+                <a:latin typeface="Monaco" charset="0"/>
+                <a:ea typeface="Monaco" charset="0"/>
+                <a:cs typeface="Monaco" charset="0"/>
+              </a:rPr>
+              <a:t>):</a:t>
+            </a:r>
+          </a:p>
+          <a:p>
+            <a:r>
+              <a:rPr lang="en-US" sz="2200" dirty="0">
+                <a:latin typeface="Monaco" charset="0"/>
+                <a:ea typeface="Monaco" charset="0"/>
+                <a:cs typeface="Monaco" charset="0"/>
+              </a:rPr>
+              <a:t>    if p in visited </a:t>
+            </a:r>
+            <a:r>
+              <a:rPr lang="en-US" sz="2200" dirty="0">
+                <a:solidFill>
+                  <a:schemeClr val="accent1"/>
+                </a:solidFill>
+                <a:latin typeface="Monaco" charset="0"/>
+                <a:ea typeface="Monaco" charset="0"/>
+                <a:cs typeface="Monaco" charset="0"/>
+              </a:rPr>
+              <a:t>or depth&gt;k</a:t>
+            </a:r>
+            <a:r>
+              <a:rPr lang="en-US" sz="2200" dirty="0">
+                <a:latin typeface="Monaco" charset="0"/>
+                <a:ea typeface="Monaco" charset="0"/>
+                <a:cs typeface="Monaco" charset="0"/>
+              </a:rPr>
+              <a:t>: return</a:t>
+            </a:r>
+          </a:p>
+          <a:p>
+            <a:r>
+              <a:rPr lang="en-US" sz="2200" dirty="0">
+                <a:latin typeface="Monaco" charset="0"/>
+                <a:ea typeface="Monaco" charset="0"/>
+                <a:cs typeface="Monaco" charset="0"/>
+              </a:rPr>
+              <a:t>    </a:t>
+            </a:r>
+            <a:r>
+              <a:rPr lang="en-US" sz="2200" dirty="0" err="1">
                 <a:latin typeface="Monaco" charset="0"/>
                 <a:ea typeface="Monaco" charset="0"/>
                 <a:cs typeface="Monaco" charset="0"/>
@@ -6020,110 +5469,85 @@
               <a:t>visited.add</a:t>
             </a:r>
             <a:r>
-              <a:rPr lang="mr-IN" sz="2200" dirty="0">
-                <a:latin typeface="Monaco" charset="0"/>
-                <a:ea typeface="Monaco" charset="0"/>
-                <a:cs typeface="Monaco" charset="0"/>
-              </a:rPr>
-              <a:t>(</a:t>
-            </a:r>
-            <a:r>
-              <a:rPr lang="mr-IN" sz="2200" dirty="0" err="1">
-                <a:latin typeface="Monaco" charset="0"/>
-                <a:ea typeface="Monaco" charset="0"/>
-                <a:cs typeface="Monaco" charset="0"/>
-              </a:rPr>
-              <a:t>q</a:t>
-            </a:r>
-            <a:r>
-              <a:rPr lang="mr-IN" sz="2200" dirty="0">
-                <a:latin typeface="Monaco" charset="0"/>
-                <a:ea typeface="Monaco" charset="0"/>
-                <a:cs typeface="Monaco" charset="0"/>
-              </a:rPr>
-              <a:t>)</a:t>
-            </a:r>
-          </a:p>
-        </p:txBody>
-      </p:sp>
-      <p:pic>
-        <p:nvPicPr>
-          <p:cNvPr id="5" name="Picture 4"/>
-          <p:cNvPicPr>
-            <a:picLocks noChangeAspect="1"/>
-          </p:cNvPicPr>
-          <p:nvPr/>
-        </p:nvPicPr>
-        <p:blipFill>
-          <a:blip r:embed="rId2"/>
-          <a:stretch>
-            <a:fillRect/>
-          </a:stretch>
-        </p:blipFill>
-        <p:spPr>
-          <a:xfrm>
-            <a:off x="8970241" y="230693"/>
-            <a:ext cx="2603500" cy="1600200"/>
-          </a:xfrm>
-          <a:prstGeom prst="rect">
-            <a:avLst/>
-          </a:prstGeom>
-        </p:spPr>
-      </p:pic>
-      <p:sp>
-        <p:nvSpPr>
-          <p:cNvPr id="6" name="TextBox 5"/>
-          <p:cNvSpPr txBox="1"/>
-          <p:nvPr/>
-        </p:nvSpPr>
-        <p:spPr>
-          <a:xfrm>
-            <a:off x="838200" y="6390409"/>
-            <a:ext cx="6827510" cy="369332"/>
-          </a:xfrm>
-          <a:prstGeom prst="rect">
-            <a:avLst/>
-          </a:prstGeom>
-          <a:noFill/>
-        </p:spPr>
-        <p:txBody>
-          <a:bodyPr wrap="none" rtlCol="0">
-            <a:spAutoFit/>
-          </a:bodyPr>
-          <a:lstStyle/>
-          <a:p>
-            <a:r>
-              <a:rPr lang="en-US" dirty="0"/>
-              <a:t>https://</a:t>
-            </a:r>
-            <a:r>
-              <a:rPr lang="en-US" dirty="0" err="1"/>
-              <a:t>github.com</a:t>
-            </a:r>
-            <a:r>
-              <a:rPr lang="en-US" dirty="0"/>
-              <a:t>/</a:t>
-            </a:r>
-            <a:r>
-              <a:rPr lang="en-US" dirty="0" err="1"/>
-              <a:t>parrt</a:t>
-            </a:r>
-            <a:r>
-              <a:rPr lang="en-US" dirty="0"/>
-              <a:t>/msds689/blob/master/notes/</a:t>
-            </a:r>
-            <a:r>
-              <a:rPr lang="en-US" dirty="0" err="1"/>
-              <a:t>graphs.ipynb</a:t>
-            </a:r>
-            <a:endParaRPr lang="en-US" dirty="0"/>
+              <a:rPr lang="en-US" sz="2200" dirty="0">
+                <a:latin typeface="Monaco" charset="0"/>
+                <a:ea typeface="Monaco" charset="0"/>
+                <a:cs typeface="Monaco" charset="0"/>
+              </a:rPr>
+              <a:t>(p)</a:t>
+            </a:r>
+          </a:p>
+          <a:p>
+            <a:r>
+              <a:rPr lang="en-US" sz="2200" dirty="0">
+                <a:latin typeface="Monaco" charset="0"/>
+                <a:ea typeface="Monaco" charset="0"/>
+                <a:cs typeface="Monaco" charset="0"/>
+              </a:rPr>
+              <a:t>    reaches[p] = depth</a:t>
+            </a:r>
+          </a:p>
+          <a:p>
+            <a:r>
+              <a:rPr lang="en-US" sz="2200" dirty="0">
+                <a:latin typeface="Monaco" charset="0"/>
+                <a:ea typeface="Monaco" charset="0"/>
+                <a:cs typeface="Monaco" charset="0"/>
+              </a:rPr>
+              <a:t>    for q in </a:t>
+            </a:r>
+            <a:r>
+              <a:rPr lang="en-US" sz="2200" dirty="0" err="1">
+                <a:latin typeface="Monaco" charset="0"/>
+                <a:ea typeface="Monaco" charset="0"/>
+                <a:cs typeface="Monaco" charset="0"/>
+              </a:rPr>
+              <a:t>p.edges</a:t>
+            </a:r>
+            <a:r>
+              <a:rPr lang="en-US" sz="2200" dirty="0">
+                <a:latin typeface="Monaco" charset="0"/>
+                <a:ea typeface="Monaco" charset="0"/>
+                <a:cs typeface="Monaco" charset="0"/>
+              </a:rPr>
+              <a:t>:</a:t>
+            </a:r>
+          </a:p>
+          <a:p>
+            <a:r>
+              <a:rPr lang="en-US" sz="2200" dirty="0">
+                <a:latin typeface="Monaco" charset="0"/>
+                <a:ea typeface="Monaco" charset="0"/>
+                <a:cs typeface="Monaco" charset="0"/>
+              </a:rPr>
+              <a:t>        neighbors_(q, </a:t>
+            </a:r>
+            <a:r>
+              <a:rPr lang="en-US" sz="2200" dirty="0">
+                <a:solidFill>
+                  <a:schemeClr val="accent1"/>
+                </a:solidFill>
+                <a:latin typeface="Monaco" charset="0"/>
+                <a:ea typeface="Monaco" charset="0"/>
+                <a:cs typeface="Monaco" charset="0"/>
+              </a:rPr>
+              <a:t>k</a:t>
+            </a:r>
+            <a:r>
+              <a:rPr lang="en-US" sz="2200" dirty="0">
+                <a:latin typeface="Monaco" charset="0"/>
+                <a:ea typeface="Monaco" charset="0"/>
+                <a:cs typeface="Monaco" charset="0"/>
+              </a:rPr>
+              <a:t>, reaches, visited, depth+1)</a:t>
+            </a:r>
           </a:p>
         </p:txBody>
       </p:sp>
     </p:spTree>
     <p:extLst>
       <p:ext uri="{BB962C8B-B14F-4D97-AF65-F5344CB8AC3E}">
-        <p14:creationId xmlns:p14="http://schemas.microsoft.com/office/powerpoint/2010/main" val="810801807"/>
+        <p14:creationId xmlns:p14="http://schemas.microsoft.com/office/powerpoint/2010/main" val="377623928"/>
       </p:ext>
     </p:extLst>
   </p:cSld>
@@ -6167,15 +5591,1063 @@
           <a:p>
             <a:r>
               <a:rPr lang="en-US" dirty="0"/>
-              <a:t>Find </a:t>
-            </a:r>
-            <a:r>
-              <a:rPr lang="en-US" b="1" dirty="0"/>
-              <a:t>shortest</a:t>
-            </a:r>
-            <a:r>
-              <a:rPr lang="en-US" dirty="0"/>
-              <a:t> path from p to q?</a:t>
+              <a:t>Find path from p to q?</a:t>
+            </a:r>
+          </a:p>
+        </p:txBody>
+      </p:sp>
+      <p:sp>
+        <p:nvSpPr>
+          <p:cNvPr id="4" name="TextBox 3">
+            <a:extLst>
+              <a:ext uri="{FF2B5EF4-FFF2-40B4-BE49-F238E27FC236}">
+                <a16:creationId xmlns:a16="http://schemas.microsoft.com/office/drawing/2014/main" id="{15368C9B-01DB-BD48-B437-681E9C29166D}"/>
+              </a:ext>
+            </a:extLst>
+          </p:cNvPr>
+          <p:cNvSpPr txBox="1"/>
+          <p:nvPr/>
+        </p:nvSpPr>
+        <p:spPr>
+          <a:xfrm>
+            <a:off x="222250" y="1552752"/>
+            <a:ext cx="8528050" cy="3816429"/>
+          </a:xfrm>
+          <a:prstGeom prst="rect">
+            <a:avLst/>
+          </a:prstGeom>
+          <a:noFill/>
+          <a:ln>
+            <a:solidFill>
+              <a:schemeClr val="accent1"/>
+            </a:solidFill>
+          </a:ln>
+        </p:spPr>
+        <p:txBody>
+          <a:bodyPr wrap="square" rtlCol="0">
+            <a:spAutoFit/>
+          </a:bodyPr>
+          <a:lstStyle/>
+          <a:p>
+            <a:r>
+              <a:rPr lang="en-US" sz="2200" dirty="0" err="1">
+                <a:latin typeface="Monaco" charset="0"/>
+                <a:ea typeface="Monaco" charset="0"/>
+                <a:cs typeface="Monaco" charset="0"/>
+              </a:rPr>
+              <a:t>def</a:t>
+            </a:r>
+            <a:r>
+              <a:rPr lang="en-US" sz="2200" dirty="0">
+                <a:latin typeface="Monaco" charset="0"/>
+                <a:ea typeface="Monaco" charset="0"/>
+                <a:cs typeface="Monaco" charset="0"/>
+              </a:rPr>
+              <a:t> path(</a:t>
+            </a:r>
+            <a:r>
+              <a:rPr lang="en-US" sz="2200" dirty="0" err="1">
+                <a:latin typeface="Monaco" charset="0"/>
+                <a:ea typeface="Monaco" charset="0"/>
+                <a:cs typeface="Monaco" charset="0"/>
+              </a:rPr>
+              <a:t>p:Node</a:t>
+            </a:r>
+            <a:r>
+              <a:rPr lang="en-US" sz="2200" dirty="0">
+                <a:latin typeface="Monaco" charset="0"/>
+                <a:ea typeface="Monaco" charset="0"/>
+                <a:cs typeface="Monaco" charset="0"/>
+              </a:rPr>
+              <a:t>, </a:t>
+            </a:r>
+            <a:r>
+              <a:rPr lang="en-US" sz="2200" dirty="0" err="1">
+                <a:latin typeface="Monaco" charset="0"/>
+                <a:ea typeface="Monaco" charset="0"/>
+                <a:cs typeface="Monaco" charset="0"/>
+              </a:rPr>
+              <a:t>q:Node</a:t>
+            </a:r>
+            <a:r>
+              <a:rPr lang="en-US" sz="2200" dirty="0">
+                <a:latin typeface="Monaco" charset="0"/>
+                <a:ea typeface="Monaco" charset="0"/>
+                <a:cs typeface="Monaco" charset="0"/>
+              </a:rPr>
+              <a:t>) -&gt; </a:t>
+            </a:r>
+            <a:r>
+              <a:rPr lang="en-US" sz="2200" dirty="0">
+                <a:solidFill>
+                  <a:schemeClr val="accent1"/>
+                </a:solidFill>
+                <a:latin typeface="Monaco" charset="0"/>
+                <a:ea typeface="Monaco" charset="0"/>
+                <a:cs typeface="Monaco" charset="0"/>
+              </a:rPr>
+              <a:t>list</a:t>
+            </a:r>
+            <a:r>
+              <a:rPr lang="en-US" sz="2200" dirty="0">
+                <a:latin typeface="Monaco" charset="0"/>
+                <a:ea typeface="Monaco" charset="0"/>
+                <a:cs typeface="Monaco" charset="0"/>
+              </a:rPr>
+              <a:t>:</a:t>
+            </a:r>
+          </a:p>
+          <a:p>
+            <a:r>
+              <a:rPr lang="mr-IN" sz="2200" dirty="0">
+                <a:latin typeface="Monaco" charset="0"/>
+                <a:ea typeface="Monaco" charset="0"/>
+                <a:cs typeface="Monaco" charset="0"/>
+              </a:rPr>
+              <a:t>    </a:t>
+            </a:r>
+            <a:r>
+              <a:rPr lang="mr-IN" sz="2200" dirty="0" err="1">
+                <a:latin typeface="Monaco" charset="0"/>
+                <a:ea typeface="Monaco" charset="0"/>
+                <a:cs typeface="Monaco" charset="0"/>
+              </a:rPr>
+              <a:t>return</a:t>
+            </a:r>
+            <a:r>
+              <a:rPr lang="mr-IN" sz="2200" dirty="0">
+                <a:latin typeface="Monaco" charset="0"/>
+                <a:ea typeface="Monaco" charset="0"/>
+                <a:cs typeface="Monaco" charset="0"/>
+              </a:rPr>
+              <a:t> </a:t>
+            </a:r>
+            <a:r>
+              <a:rPr lang="mr-IN" sz="2200" dirty="0" err="1">
+                <a:latin typeface="Monaco" charset="0"/>
+                <a:ea typeface="Monaco" charset="0"/>
+                <a:cs typeface="Monaco" charset="0"/>
+              </a:rPr>
+              <a:t>path</a:t>
+            </a:r>
+            <a:r>
+              <a:rPr lang="mr-IN" sz="2200" dirty="0">
+                <a:latin typeface="Monaco" charset="0"/>
+                <a:ea typeface="Monaco" charset="0"/>
+                <a:cs typeface="Monaco" charset="0"/>
+              </a:rPr>
+              <a:t>_(</a:t>
+            </a:r>
+            <a:r>
+              <a:rPr lang="mr-IN" sz="2200" dirty="0" err="1">
+                <a:latin typeface="Monaco" charset="0"/>
+                <a:ea typeface="Monaco" charset="0"/>
+                <a:cs typeface="Monaco" charset="0"/>
+              </a:rPr>
+              <a:t>p</a:t>
+            </a:r>
+            <a:r>
+              <a:rPr lang="mr-IN" sz="2200" dirty="0">
+                <a:latin typeface="Monaco" charset="0"/>
+                <a:ea typeface="Monaco" charset="0"/>
+                <a:cs typeface="Monaco" charset="0"/>
+              </a:rPr>
+              <a:t>, </a:t>
+            </a:r>
+            <a:r>
+              <a:rPr lang="mr-IN" sz="2200" dirty="0" err="1">
+                <a:latin typeface="Monaco" charset="0"/>
+                <a:ea typeface="Monaco" charset="0"/>
+                <a:cs typeface="Monaco" charset="0"/>
+              </a:rPr>
+              <a:t>q</a:t>
+            </a:r>
+            <a:r>
+              <a:rPr lang="mr-IN" sz="2200" dirty="0">
+                <a:latin typeface="Monaco" charset="0"/>
+                <a:ea typeface="Monaco" charset="0"/>
+                <a:cs typeface="Monaco" charset="0"/>
+              </a:rPr>
+              <a:t>, </a:t>
+            </a:r>
+            <a:r>
+              <a:rPr lang="mr-IN" sz="2200" dirty="0">
+                <a:solidFill>
+                  <a:schemeClr val="accent1"/>
+                </a:solidFill>
+                <a:latin typeface="Monaco" charset="0"/>
+                <a:ea typeface="Monaco" charset="0"/>
+                <a:cs typeface="Monaco" charset="0"/>
+              </a:rPr>
+              <a:t>[</a:t>
+            </a:r>
+            <a:r>
+              <a:rPr lang="mr-IN" sz="2200" dirty="0" err="1">
+                <a:solidFill>
+                  <a:schemeClr val="accent1"/>
+                </a:solidFill>
+                <a:latin typeface="Monaco" charset="0"/>
+                <a:ea typeface="Monaco" charset="0"/>
+                <a:cs typeface="Monaco" charset="0"/>
+              </a:rPr>
+              <a:t>p</a:t>
+            </a:r>
+            <a:r>
+              <a:rPr lang="mr-IN" sz="2200" dirty="0">
+                <a:solidFill>
+                  <a:schemeClr val="accent1"/>
+                </a:solidFill>
+                <a:latin typeface="Monaco" charset="0"/>
+                <a:ea typeface="Monaco" charset="0"/>
+                <a:cs typeface="Monaco" charset="0"/>
+              </a:rPr>
+              <a:t>]</a:t>
+            </a:r>
+            <a:r>
+              <a:rPr lang="mr-IN" sz="2200" dirty="0">
+                <a:latin typeface="Monaco" charset="0"/>
+                <a:ea typeface="Monaco" charset="0"/>
+                <a:cs typeface="Monaco" charset="0"/>
+              </a:rPr>
+              <a:t>, </a:t>
+            </a:r>
+            <a:r>
+              <a:rPr lang="mr-IN" sz="2200" dirty="0" err="1">
+                <a:latin typeface="Monaco" charset="0"/>
+                <a:ea typeface="Monaco" charset="0"/>
+                <a:cs typeface="Monaco" charset="0"/>
+              </a:rPr>
+              <a:t>set</a:t>
+            </a:r>
+            <a:r>
+              <a:rPr lang="mr-IN" sz="2200" dirty="0">
+                <a:latin typeface="Monaco" charset="0"/>
+                <a:ea typeface="Monaco" charset="0"/>
+                <a:cs typeface="Monaco" charset="0"/>
+              </a:rPr>
+              <a:t>())</a:t>
+            </a:r>
+          </a:p>
+          <a:p>
+            <a:endParaRPr lang="mr-IN" sz="2200" dirty="0">
+              <a:latin typeface="Monaco" charset="0"/>
+              <a:ea typeface="Monaco" charset="0"/>
+              <a:cs typeface="Monaco" charset="0"/>
+            </a:endParaRPr>
+          </a:p>
+          <a:p>
+            <a:r>
+              <a:rPr lang="en-US" sz="2200" dirty="0" err="1">
+                <a:latin typeface="Monaco" charset="0"/>
+                <a:ea typeface="Monaco" charset="0"/>
+                <a:cs typeface="Monaco" charset="0"/>
+              </a:rPr>
+              <a:t>def</a:t>
+            </a:r>
+            <a:r>
+              <a:rPr lang="en-US" sz="2200" dirty="0">
+                <a:latin typeface="Monaco" charset="0"/>
+                <a:ea typeface="Monaco" charset="0"/>
+                <a:cs typeface="Monaco" charset="0"/>
+              </a:rPr>
+              <a:t> path_(</a:t>
+            </a:r>
+            <a:r>
+              <a:rPr lang="en-US" sz="2200" dirty="0" err="1">
+                <a:latin typeface="Monaco" charset="0"/>
+                <a:ea typeface="Monaco" charset="0"/>
+                <a:cs typeface="Monaco" charset="0"/>
+              </a:rPr>
+              <a:t>p:Node</a:t>
+            </a:r>
+            <a:r>
+              <a:rPr lang="en-US" sz="2200" dirty="0">
+                <a:latin typeface="Monaco" charset="0"/>
+                <a:ea typeface="Monaco" charset="0"/>
+                <a:cs typeface="Monaco" charset="0"/>
+              </a:rPr>
+              <a:t>, </a:t>
+            </a:r>
+            <a:r>
+              <a:rPr lang="en-US" sz="2200" dirty="0" err="1">
+                <a:latin typeface="Monaco" charset="0"/>
+                <a:ea typeface="Monaco" charset="0"/>
+                <a:cs typeface="Monaco" charset="0"/>
+              </a:rPr>
+              <a:t>q:Node</a:t>
+            </a:r>
+            <a:r>
+              <a:rPr lang="en-US" sz="2200" dirty="0">
+                <a:latin typeface="Monaco" charset="0"/>
+                <a:ea typeface="Monaco" charset="0"/>
+                <a:cs typeface="Monaco" charset="0"/>
+              </a:rPr>
+              <a:t>, </a:t>
+            </a:r>
+            <a:r>
+              <a:rPr lang="en-US" sz="2200" dirty="0" err="1">
+                <a:solidFill>
+                  <a:schemeClr val="accent1"/>
+                </a:solidFill>
+                <a:latin typeface="Monaco" charset="0"/>
+                <a:ea typeface="Monaco" charset="0"/>
+                <a:cs typeface="Monaco" charset="0"/>
+              </a:rPr>
+              <a:t>path:list</a:t>
+            </a:r>
+            <a:r>
+              <a:rPr lang="en-US" sz="2200" dirty="0">
+                <a:latin typeface="Monaco" charset="0"/>
+                <a:ea typeface="Monaco" charset="0"/>
+                <a:cs typeface="Monaco" charset="0"/>
+              </a:rPr>
+              <a:t>, </a:t>
+            </a:r>
+            <a:r>
+              <a:rPr lang="en-US" sz="2000" dirty="0" err="1">
+                <a:latin typeface="Monaco" charset="0"/>
+                <a:ea typeface="Monaco" charset="0"/>
+                <a:cs typeface="Monaco" charset="0"/>
+              </a:rPr>
+              <a:t>visited</a:t>
+            </a:r>
+            <a:r>
+              <a:rPr lang="en-US" sz="2200" dirty="0" err="1">
+                <a:latin typeface="Monaco" charset="0"/>
+                <a:ea typeface="Monaco" charset="0"/>
+                <a:cs typeface="Monaco" charset="0"/>
+              </a:rPr>
+              <a:t>:set</a:t>
+            </a:r>
+            <a:r>
+              <a:rPr lang="en-US" sz="2200" dirty="0">
+                <a:latin typeface="Monaco" charset="0"/>
+                <a:ea typeface="Monaco" charset="0"/>
+                <a:cs typeface="Monaco" charset="0"/>
+              </a:rPr>
+              <a:t>):</a:t>
+            </a:r>
+          </a:p>
+          <a:p>
+            <a:r>
+              <a:rPr lang="en-US" sz="2200" dirty="0">
+                <a:latin typeface="Monaco" charset="0"/>
+                <a:ea typeface="Monaco" charset="0"/>
+                <a:cs typeface="Monaco" charset="0"/>
+              </a:rPr>
+              <a:t>    </a:t>
+            </a:r>
+            <a:r>
+              <a:rPr lang="en-US" sz="2200" dirty="0">
+                <a:solidFill>
+                  <a:schemeClr val="accent1"/>
+                </a:solidFill>
+                <a:latin typeface="Monaco" charset="0"/>
+                <a:ea typeface="Monaco" charset="0"/>
+                <a:cs typeface="Monaco" charset="0"/>
+              </a:rPr>
+              <a:t>if p is q: return path</a:t>
+            </a:r>
+          </a:p>
+          <a:p>
+            <a:r>
+              <a:rPr lang="en-US" sz="2200" dirty="0">
+                <a:latin typeface="Monaco" charset="0"/>
+                <a:ea typeface="Monaco" charset="0"/>
+                <a:cs typeface="Monaco" charset="0"/>
+              </a:rPr>
+              <a:t>    if p in </a:t>
+            </a:r>
+            <a:r>
+              <a:rPr lang="en-US" sz="2000" dirty="0">
+                <a:latin typeface="Monaco" charset="0"/>
+                <a:ea typeface="Monaco" charset="0"/>
+                <a:cs typeface="Monaco" charset="0"/>
+              </a:rPr>
+              <a:t>visited</a:t>
+            </a:r>
+            <a:r>
+              <a:rPr lang="en-US" sz="2200" dirty="0">
+                <a:latin typeface="Monaco" charset="0"/>
+                <a:ea typeface="Monaco" charset="0"/>
+                <a:cs typeface="Monaco" charset="0"/>
+              </a:rPr>
+              <a:t>: return </a:t>
+            </a:r>
+            <a:r>
+              <a:rPr lang="en-US" sz="2200" dirty="0">
+                <a:solidFill>
+                  <a:schemeClr val="accent1"/>
+                </a:solidFill>
+                <a:latin typeface="Monaco" charset="0"/>
+                <a:ea typeface="Monaco" charset="0"/>
+                <a:cs typeface="Monaco" charset="0"/>
+              </a:rPr>
+              <a:t>None</a:t>
+            </a:r>
+          </a:p>
+          <a:p>
+            <a:r>
+              <a:rPr lang="mr-IN" sz="2200" dirty="0">
+                <a:latin typeface="Monaco" charset="0"/>
+                <a:ea typeface="Monaco" charset="0"/>
+                <a:cs typeface="Monaco" charset="0"/>
+              </a:rPr>
+              <a:t>    </a:t>
+            </a:r>
+            <a:r>
+              <a:rPr lang="en-US" sz="2000" dirty="0">
+                <a:latin typeface="Monaco" charset="0"/>
+                <a:ea typeface="Monaco" charset="0"/>
+                <a:cs typeface="Monaco" charset="0"/>
+              </a:rPr>
+              <a:t>visited</a:t>
+            </a:r>
+            <a:r>
+              <a:rPr lang="mr-IN" sz="2200" dirty="0">
+                <a:latin typeface="Monaco" charset="0"/>
+                <a:ea typeface="Monaco" charset="0"/>
+                <a:cs typeface="Monaco" charset="0"/>
+              </a:rPr>
+              <a:t>.</a:t>
+            </a:r>
+            <a:r>
+              <a:rPr lang="mr-IN" sz="2200" dirty="0" err="1">
+                <a:latin typeface="Monaco" charset="0"/>
+                <a:ea typeface="Monaco" charset="0"/>
+                <a:cs typeface="Monaco" charset="0"/>
+              </a:rPr>
+              <a:t>add</a:t>
+            </a:r>
+            <a:r>
+              <a:rPr lang="mr-IN" sz="2200" dirty="0">
+                <a:latin typeface="Monaco" charset="0"/>
+                <a:ea typeface="Monaco" charset="0"/>
+                <a:cs typeface="Monaco" charset="0"/>
+              </a:rPr>
+              <a:t>(</a:t>
+            </a:r>
+            <a:r>
+              <a:rPr lang="mr-IN" sz="2200" dirty="0" err="1">
+                <a:latin typeface="Monaco" charset="0"/>
+                <a:ea typeface="Monaco" charset="0"/>
+                <a:cs typeface="Monaco" charset="0"/>
+              </a:rPr>
+              <a:t>p</a:t>
+            </a:r>
+            <a:r>
+              <a:rPr lang="mr-IN" sz="2200" dirty="0">
+                <a:latin typeface="Monaco" charset="0"/>
+                <a:ea typeface="Monaco" charset="0"/>
+                <a:cs typeface="Monaco" charset="0"/>
+              </a:rPr>
+              <a:t>)</a:t>
+            </a:r>
+          </a:p>
+          <a:p>
+            <a:r>
+              <a:rPr lang="en-US" sz="2200" dirty="0">
+                <a:latin typeface="Monaco" charset="0"/>
+                <a:ea typeface="Monaco" charset="0"/>
+                <a:cs typeface="Monaco" charset="0"/>
+              </a:rPr>
+              <a:t>    for t in </a:t>
+            </a:r>
+            <a:r>
+              <a:rPr lang="en-US" sz="2200" dirty="0" err="1">
+                <a:latin typeface="Monaco" charset="0"/>
+                <a:ea typeface="Monaco" charset="0"/>
+                <a:cs typeface="Monaco" charset="0"/>
+              </a:rPr>
+              <a:t>p.edges</a:t>
+            </a:r>
+            <a:r>
+              <a:rPr lang="en-US" sz="2200" dirty="0">
+                <a:latin typeface="Monaco" charset="0"/>
+                <a:ea typeface="Monaco" charset="0"/>
+                <a:cs typeface="Monaco" charset="0"/>
+              </a:rPr>
+              <a:t>:</a:t>
+            </a:r>
+          </a:p>
+          <a:p>
+            <a:r>
+              <a:rPr lang="mr-IN" sz="2200" dirty="0">
+                <a:latin typeface="Monaco" charset="0"/>
+                <a:ea typeface="Monaco" charset="0"/>
+                <a:cs typeface="Monaco" charset="0"/>
+              </a:rPr>
+              <a:t>        </a:t>
+            </a:r>
+            <a:r>
+              <a:rPr lang="mr-IN" sz="2200" dirty="0" err="1">
+                <a:latin typeface="Monaco" charset="0"/>
+                <a:ea typeface="Monaco" charset="0"/>
+                <a:cs typeface="Monaco" charset="0"/>
+              </a:rPr>
+              <a:t>pa</a:t>
+            </a:r>
+            <a:r>
+              <a:rPr lang="mr-IN" sz="2200" dirty="0">
+                <a:latin typeface="Monaco" charset="0"/>
+                <a:ea typeface="Monaco" charset="0"/>
+                <a:cs typeface="Monaco" charset="0"/>
+              </a:rPr>
+              <a:t> = </a:t>
+            </a:r>
+            <a:r>
+              <a:rPr lang="mr-IN" sz="2200" dirty="0" err="1">
+                <a:latin typeface="Monaco" charset="0"/>
+                <a:ea typeface="Monaco" charset="0"/>
+                <a:cs typeface="Monaco" charset="0"/>
+              </a:rPr>
+              <a:t>path</a:t>
+            </a:r>
+            <a:r>
+              <a:rPr lang="mr-IN" sz="2200" dirty="0">
+                <a:latin typeface="Monaco" charset="0"/>
+                <a:ea typeface="Monaco" charset="0"/>
+                <a:cs typeface="Monaco" charset="0"/>
+              </a:rPr>
+              <a:t>_(</a:t>
+            </a:r>
+            <a:r>
+              <a:rPr lang="mr-IN" sz="2200" dirty="0" err="1">
+                <a:latin typeface="Monaco" charset="0"/>
+                <a:ea typeface="Monaco" charset="0"/>
+                <a:cs typeface="Monaco" charset="0"/>
+              </a:rPr>
+              <a:t>t</a:t>
+            </a:r>
+            <a:r>
+              <a:rPr lang="mr-IN" sz="2200" dirty="0">
+                <a:latin typeface="Monaco" charset="0"/>
+                <a:ea typeface="Monaco" charset="0"/>
+                <a:cs typeface="Monaco" charset="0"/>
+              </a:rPr>
+              <a:t>, </a:t>
+            </a:r>
+            <a:r>
+              <a:rPr lang="mr-IN" sz="2200" dirty="0" err="1">
+                <a:latin typeface="Monaco" charset="0"/>
+                <a:ea typeface="Monaco" charset="0"/>
+                <a:cs typeface="Monaco" charset="0"/>
+              </a:rPr>
+              <a:t>q</a:t>
+            </a:r>
+            <a:r>
+              <a:rPr lang="mr-IN" sz="2200" dirty="0">
+                <a:latin typeface="Monaco" charset="0"/>
+                <a:ea typeface="Monaco" charset="0"/>
+                <a:cs typeface="Monaco" charset="0"/>
+              </a:rPr>
+              <a:t>, </a:t>
+            </a:r>
+            <a:r>
+              <a:rPr lang="mr-IN" sz="2200" dirty="0" err="1">
+                <a:solidFill>
+                  <a:schemeClr val="accent1"/>
+                </a:solidFill>
+                <a:latin typeface="Monaco" charset="0"/>
+                <a:ea typeface="Monaco" charset="0"/>
+                <a:cs typeface="Monaco" charset="0"/>
+              </a:rPr>
+              <a:t>path</a:t>
+            </a:r>
+            <a:r>
+              <a:rPr lang="mr-IN" sz="2200" dirty="0">
+                <a:solidFill>
+                  <a:schemeClr val="accent1"/>
+                </a:solidFill>
+                <a:latin typeface="Monaco" charset="0"/>
+                <a:ea typeface="Monaco" charset="0"/>
+                <a:cs typeface="Monaco" charset="0"/>
+              </a:rPr>
+              <a:t>+[</a:t>
+            </a:r>
+            <a:r>
+              <a:rPr lang="mr-IN" sz="2200" dirty="0" err="1">
+                <a:solidFill>
+                  <a:schemeClr val="accent1"/>
+                </a:solidFill>
+                <a:latin typeface="Monaco" charset="0"/>
+                <a:ea typeface="Monaco" charset="0"/>
+                <a:cs typeface="Monaco" charset="0"/>
+              </a:rPr>
+              <a:t>t</a:t>
+            </a:r>
+            <a:r>
+              <a:rPr lang="mr-IN" sz="2200" dirty="0">
+                <a:solidFill>
+                  <a:schemeClr val="accent1"/>
+                </a:solidFill>
+                <a:latin typeface="Monaco" charset="0"/>
+                <a:ea typeface="Monaco" charset="0"/>
+                <a:cs typeface="Monaco" charset="0"/>
+              </a:rPr>
+              <a:t>]</a:t>
+            </a:r>
+            <a:r>
+              <a:rPr lang="mr-IN" sz="2200" dirty="0">
+                <a:latin typeface="Monaco" charset="0"/>
+                <a:ea typeface="Monaco" charset="0"/>
+                <a:cs typeface="Monaco" charset="0"/>
+              </a:rPr>
+              <a:t>, </a:t>
+            </a:r>
+            <a:r>
+              <a:rPr lang="en-US" sz="2000" dirty="0">
+                <a:latin typeface="Monaco" charset="0"/>
+                <a:ea typeface="Monaco" charset="0"/>
+                <a:cs typeface="Monaco" charset="0"/>
+              </a:rPr>
+              <a:t>visited</a:t>
+            </a:r>
+            <a:r>
+              <a:rPr lang="mr-IN" sz="2200" dirty="0">
+                <a:latin typeface="Monaco" charset="0"/>
+                <a:ea typeface="Monaco" charset="0"/>
+                <a:cs typeface="Monaco" charset="0"/>
+              </a:rPr>
+              <a:t>)</a:t>
+            </a:r>
+          </a:p>
+          <a:p>
+            <a:r>
+              <a:rPr lang="en-US" sz="2200" dirty="0">
+                <a:latin typeface="Monaco" charset="0"/>
+                <a:ea typeface="Monaco" charset="0"/>
+                <a:cs typeface="Monaco" charset="0"/>
+              </a:rPr>
+              <a:t>        </a:t>
+            </a:r>
+            <a:r>
+              <a:rPr lang="en-US" sz="2200" dirty="0">
+                <a:solidFill>
+                  <a:schemeClr val="accent1"/>
+                </a:solidFill>
+                <a:latin typeface="Monaco" charset="0"/>
+                <a:ea typeface="Monaco" charset="0"/>
+                <a:cs typeface="Monaco" charset="0"/>
+              </a:rPr>
+              <a:t>if pa is not None: return pa</a:t>
+            </a:r>
+          </a:p>
+          <a:p>
+            <a:r>
+              <a:rPr lang="en-US" sz="2200" dirty="0">
+                <a:latin typeface="Monaco" charset="0"/>
+                <a:ea typeface="Monaco" charset="0"/>
+                <a:cs typeface="Monaco" charset="0"/>
+              </a:rPr>
+              <a:t>    </a:t>
+            </a:r>
+            <a:r>
+              <a:rPr lang="en-US" sz="2200" dirty="0">
+                <a:solidFill>
+                  <a:schemeClr val="accent1"/>
+                </a:solidFill>
+                <a:latin typeface="Monaco" charset="0"/>
+                <a:ea typeface="Monaco" charset="0"/>
+                <a:cs typeface="Monaco" charset="0"/>
+              </a:rPr>
+              <a:t>return None</a:t>
+            </a:r>
+          </a:p>
+        </p:txBody>
+      </p:sp>
+      <p:pic>
+        <p:nvPicPr>
+          <p:cNvPr id="8" name="Picture 7"/>
+          <p:cNvPicPr>
+            <a:picLocks noChangeAspect="1"/>
+          </p:cNvPicPr>
+          <p:nvPr/>
+        </p:nvPicPr>
+        <p:blipFill>
+          <a:blip r:embed="rId2"/>
+          <a:stretch>
+            <a:fillRect/>
+          </a:stretch>
+        </p:blipFill>
+        <p:spPr>
+          <a:xfrm>
+            <a:off x="8717971" y="2459401"/>
+            <a:ext cx="3267430" cy="2517843"/>
+          </a:xfrm>
+          <a:prstGeom prst="rect">
+            <a:avLst/>
+          </a:prstGeom>
+        </p:spPr>
+      </p:pic>
+      <p:sp>
+        <p:nvSpPr>
+          <p:cNvPr id="9" name="TextBox 8"/>
+          <p:cNvSpPr txBox="1"/>
+          <p:nvPr/>
+        </p:nvSpPr>
+        <p:spPr>
+          <a:xfrm>
+            <a:off x="9560444" y="5246595"/>
+            <a:ext cx="1595309" cy="369332"/>
+          </a:xfrm>
+          <a:prstGeom prst="rect">
+            <a:avLst/>
+          </a:prstGeom>
+          <a:noFill/>
+        </p:spPr>
+        <p:txBody>
+          <a:bodyPr wrap="none" rtlCol="0">
+            <a:spAutoFit/>
+          </a:bodyPr>
+          <a:lstStyle/>
+          <a:p>
+            <a:r>
+              <a:rPr lang="en-US" i="1" dirty="0"/>
+              <a:t>recursion tree</a:t>
+            </a:r>
+          </a:p>
+        </p:txBody>
+      </p:sp>
+      <p:sp>
+        <p:nvSpPr>
+          <p:cNvPr id="11" name="TextBox 10"/>
+          <p:cNvSpPr txBox="1"/>
+          <p:nvPr/>
+        </p:nvSpPr>
+        <p:spPr>
+          <a:xfrm>
+            <a:off x="838200" y="6390409"/>
+            <a:ext cx="6827510" cy="369332"/>
+          </a:xfrm>
+          <a:prstGeom prst="rect">
+            <a:avLst/>
+          </a:prstGeom>
+          <a:noFill/>
+        </p:spPr>
+        <p:txBody>
+          <a:bodyPr wrap="none" rtlCol="0">
+            <a:spAutoFit/>
+          </a:bodyPr>
+          <a:lstStyle/>
+          <a:p>
+            <a:r>
+              <a:rPr lang="en-US" dirty="0"/>
+              <a:t>https://</a:t>
+            </a:r>
+            <a:r>
+              <a:rPr lang="en-US" dirty="0" err="1"/>
+              <a:t>github.com</a:t>
+            </a:r>
+            <a:r>
+              <a:rPr lang="en-US" dirty="0"/>
+              <a:t>/</a:t>
+            </a:r>
+            <a:r>
+              <a:rPr lang="en-US" dirty="0" err="1"/>
+              <a:t>parrt</a:t>
+            </a:r>
+            <a:r>
+              <a:rPr lang="en-US" dirty="0"/>
+              <a:t>/msds689/blob/master/notes/</a:t>
+            </a:r>
+            <a:r>
+              <a:rPr lang="en-US" dirty="0" err="1"/>
+              <a:t>graphs.ipynb</a:t>
+            </a:r>
+            <a:endParaRPr lang="en-US" dirty="0"/>
+          </a:p>
+        </p:txBody>
+      </p:sp>
+      <p:sp>
+        <p:nvSpPr>
+          <p:cNvPr id="3" name="TextBox 2">
+            <a:extLst>
+              <a:ext uri="{FF2B5EF4-FFF2-40B4-BE49-F238E27FC236}">
+                <a16:creationId xmlns:a16="http://schemas.microsoft.com/office/drawing/2014/main" id="{55F3A0A8-0616-D94D-97C0-8AFBD9A290D3}"/>
+              </a:ext>
+            </a:extLst>
+          </p:cNvPr>
+          <p:cNvSpPr txBox="1"/>
+          <p:nvPr/>
+        </p:nvSpPr>
+        <p:spPr>
+          <a:xfrm>
+            <a:off x="1970721" y="5615927"/>
+            <a:ext cx="4562467" cy="461665"/>
+          </a:xfrm>
+          <a:prstGeom prst="rect">
+            <a:avLst/>
+          </a:prstGeom>
+          <a:noFill/>
+        </p:spPr>
+        <p:txBody>
+          <a:bodyPr wrap="none" rtlCol="0">
+            <a:spAutoFit/>
+          </a:bodyPr>
+          <a:lstStyle/>
+          <a:p>
+            <a:r>
+              <a:rPr lang="en-US" sz="2400" dirty="0"/>
+              <a:t>Must track path not set of nodes</a:t>
+            </a:r>
+          </a:p>
+        </p:txBody>
+      </p:sp>
+      <p:pic>
+        <p:nvPicPr>
+          <p:cNvPr id="5" name="Picture 4">
+            <a:extLst>
+              <a:ext uri="{FF2B5EF4-FFF2-40B4-BE49-F238E27FC236}">
+                <a16:creationId xmlns:a16="http://schemas.microsoft.com/office/drawing/2014/main" id="{EDBAB90D-F790-8B43-B6C1-7466B8C840C2}"/>
+              </a:ext>
+            </a:extLst>
+          </p:cNvPr>
+          <p:cNvPicPr>
+            <a:picLocks noChangeAspect="1"/>
+          </p:cNvPicPr>
+          <p:nvPr/>
+        </p:nvPicPr>
+        <p:blipFill>
+          <a:blip r:embed="rId3"/>
+          <a:stretch>
+            <a:fillRect/>
+          </a:stretch>
+        </p:blipFill>
+        <p:spPr>
+          <a:xfrm>
+            <a:off x="9174553" y="224201"/>
+            <a:ext cx="1981200" cy="2235200"/>
+          </a:xfrm>
+          <a:prstGeom prst="rect">
+            <a:avLst/>
+          </a:prstGeom>
+        </p:spPr>
+      </p:pic>
+    </p:spTree>
+    <p:extLst>
+      <p:ext uri="{BB962C8B-B14F-4D97-AF65-F5344CB8AC3E}">
+        <p14:creationId xmlns:p14="http://schemas.microsoft.com/office/powerpoint/2010/main" val="464601169"/>
+      </p:ext>
+    </p:extLst>
+  </p:cSld>
+  <p:clrMapOvr>
+    <a:masterClrMapping/>
+  </p:clrMapOvr>
+</p:sld>
+</file>
+
+<file path=ppt/slides/slide14.xml><?xml version="1.0" encoding="utf-8"?>
+<p:sld xmlns:a="http://schemas.openxmlformats.org/drawingml/2006/main" xmlns:r="http://schemas.openxmlformats.org/officeDocument/2006/relationships" xmlns:p="http://schemas.openxmlformats.org/presentationml/2006/main">
+  <p:cSld>
+    <p:spTree>
+      <p:nvGrpSpPr>
+        <p:cNvPr id="1" name=""/>
+        <p:cNvGrpSpPr/>
+        <p:nvPr/>
+      </p:nvGrpSpPr>
+      <p:grpSpPr>
+        <a:xfrm>
+          <a:off x="0" y="0"/>
+          <a:ext cx="0" cy="0"/>
+          <a:chOff x="0" y="0"/>
+          <a:chExt cx="0" cy="0"/>
+        </a:xfrm>
+      </p:grpSpPr>
+      <p:sp>
+        <p:nvSpPr>
+          <p:cNvPr id="2" name="Title 1">
+            <a:extLst>
+              <a:ext uri="{FF2B5EF4-FFF2-40B4-BE49-F238E27FC236}">
+                <a16:creationId xmlns:a16="http://schemas.microsoft.com/office/drawing/2014/main" id="{AEBDB491-0454-E047-A121-C8781BF50DA5}"/>
+              </a:ext>
+            </a:extLst>
+          </p:cNvPr>
+          <p:cNvSpPr>
+            <a:spLocks noGrp="1"/>
+          </p:cNvSpPr>
+          <p:nvPr>
+            <p:ph type="title"/>
+          </p:nvPr>
+        </p:nvSpPr>
+        <p:spPr/>
+        <p:txBody>
+          <a:bodyPr/>
+          <a:lstStyle/>
+          <a:p>
+            <a:r>
+              <a:rPr lang="en-US" dirty="0"/>
+              <a:t>Breadth-first search vs DFS</a:t>
+            </a:r>
+          </a:p>
+        </p:txBody>
+      </p:sp>
+      <p:sp>
+        <p:nvSpPr>
+          <p:cNvPr id="3" name="Content Placeholder 2">
+            <a:extLst>
+              <a:ext uri="{FF2B5EF4-FFF2-40B4-BE49-F238E27FC236}">
+                <a16:creationId xmlns:a16="http://schemas.microsoft.com/office/drawing/2014/main" id="{20197FAD-C3CD-B24C-A3B6-E054F021114A}"/>
+              </a:ext>
+            </a:extLst>
+          </p:cNvPr>
+          <p:cNvSpPr>
+            <a:spLocks noGrp="1"/>
+          </p:cNvSpPr>
+          <p:nvPr>
+            <p:ph idx="1"/>
+          </p:nvPr>
+        </p:nvSpPr>
+        <p:spPr/>
+        <p:txBody>
+          <a:bodyPr/>
+          <a:lstStyle/>
+          <a:p>
+            <a:r>
+              <a:rPr lang="en-US" dirty="0"/>
+              <a:t>Visit all children then grandchildren…</a:t>
+            </a:r>
+          </a:p>
+        </p:txBody>
+      </p:sp>
+      <p:pic>
+        <p:nvPicPr>
+          <p:cNvPr id="5" name="Picture 4">
+            <a:extLst>
+              <a:ext uri="{FF2B5EF4-FFF2-40B4-BE49-F238E27FC236}">
+                <a16:creationId xmlns:a16="http://schemas.microsoft.com/office/drawing/2014/main" id="{DB836918-2CD7-8B4D-8437-495084F2AEEA}"/>
+              </a:ext>
+            </a:extLst>
+          </p:cNvPr>
+          <p:cNvPicPr>
+            <a:picLocks noChangeAspect="1"/>
+          </p:cNvPicPr>
+          <p:nvPr/>
+        </p:nvPicPr>
+        <p:blipFill>
+          <a:blip r:embed="rId2"/>
+          <a:stretch>
+            <a:fillRect/>
+          </a:stretch>
+        </p:blipFill>
+        <p:spPr>
+          <a:xfrm>
+            <a:off x="545289" y="3053945"/>
+            <a:ext cx="3111111" cy="2130898"/>
+          </a:xfrm>
+          <a:prstGeom prst="rect">
+            <a:avLst/>
+          </a:prstGeom>
+        </p:spPr>
+      </p:pic>
+      <p:pic>
+        <p:nvPicPr>
+          <p:cNvPr id="8" name="Picture 7">
+            <a:extLst>
+              <a:ext uri="{FF2B5EF4-FFF2-40B4-BE49-F238E27FC236}">
+                <a16:creationId xmlns:a16="http://schemas.microsoft.com/office/drawing/2014/main" id="{83EE4738-01DF-7044-BFFC-0BD233FBCC0B}"/>
+              </a:ext>
+            </a:extLst>
+          </p:cNvPr>
+          <p:cNvPicPr>
+            <a:picLocks noChangeAspect="1"/>
+          </p:cNvPicPr>
+          <p:nvPr/>
+        </p:nvPicPr>
+        <p:blipFill>
+          <a:blip r:embed="rId3"/>
+          <a:stretch>
+            <a:fillRect/>
+          </a:stretch>
+        </p:blipFill>
+        <p:spPr>
+          <a:xfrm>
+            <a:off x="4288487" y="3068177"/>
+            <a:ext cx="3104534" cy="2126393"/>
+          </a:xfrm>
+          <a:prstGeom prst="rect">
+            <a:avLst/>
+          </a:prstGeom>
+        </p:spPr>
+      </p:pic>
+      <p:pic>
+        <p:nvPicPr>
+          <p:cNvPr id="9" name="Picture 8">
+            <a:extLst>
+              <a:ext uri="{FF2B5EF4-FFF2-40B4-BE49-F238E27FC236}">
+                <a16:creationId xmlns:a16="http://schemas.microsoft.com/office/drawing/2014/main" id="{211E4B6F-4C6F-F941-88B4-53D318F50FC0}"/>
+              </a:ext>
+            </a:extLst>
+          </p:cNvPr>
+          <p:cNvPicPr>
+            <a:picLocks noChangeAspect="1"/>
+          </p:cNvPicPr>
+          <p:nvPr/>
+        </p:nvPicPr>
+        <p:blipFill>
+          <a:blip r:embed="rId4"/>
+          <a:stretch>
+            <a:fillRect/>
+          </a:stretch>
+        </p:blipFill>
+        <p:spPr>
+          <a:xfrm>
+            <a:off x="8025108" y="3081358"/>
+            <a:ext cx="3085289" cy="2113212"/>
+          </a:xfrm>
+          <a:prstGeom prst="rect">
+            <a:avLst/>
+          </a:prstGeom>
+        </p:spPr>
+      </p:pic>
+    </p:spTree>
+    <p:extLst>
+      <p:ext uri="{BB962C8B-B14F-4D97-AF65-F5344CB8AC3E}">
+        <p14:creationId xmlns:p14="http://schemas.microsoft.com/office/powerpoint/2010/main" val="1106079046"/>
+      </p:ext>
+    </p:extLst>
+  </p:cSld>
+  <p:clrMapOvr>
+    <a:masterClrMapping/>
+  </p:clrMapOvr>
+</p:sld>
+</file>
+
+<file path=ppt/slides/slide15.xml><?xml version="1.0" encoding="utf-8"?>
+<p:sld xmlns:a="http://schemas.openxmlformats.org/drawingml/2006/main" xmlns:r="http://schemas.openxmlformats.org/officeDocument/2006/relationships" xmlns:p="http://schemas.openxmlformats.org/presentationml/2006/main">
+  <p:cSld>
+    <p:spTree>
+      <p:nvGrpSpPr>
+        <p:cNvPr id="1" name=""/>
+        <p:cNvGrpSpPr/>
+        <p:nvPr/>
+      </p:nvGrpSpPr>
+      <p:grpSpPr>
+        <a:xfrm>
+          <a:off x="0" y="0"/>
+          <a:ext cx="0" cy="0"/>
+          <a:chOff x="0" y="0"/>
+          <a:chExt cx="0" cy="0"/>
+        </a:xfrm>
+      </p:grpSpPr>
+      <p:sp>
+        <p:nvSpPr>
+          <p:cNvPr id="2" name="Title 1"/>
+          <p:cNvSpPr>
+            <a:spLocks noGrp="1"/>
+          </p:cNvSpPr>
+          <p:nvPr>
+            <p:ph type="title"/>
+          </p:nvPr>
+        </p:nvSpPr>
+        <p:spPr/>
+        <p:txBody>
+          <a:bodyPr/>
+          <a:lstStyle/>
+          <a:p>
+            <a:r>
+              <a:rPr lang="en-US" dirty="0"/>
+              <a:t>BFS implementation</a:t>
             </a:r>
           </a:p>
         </p:txBody>
@@ -6190,6 +6662,592 @@
             <p:ph idx="1"/>
           </p:nvPr>
         </p:nvSpPr>
+        <p:spPr/>
+        <p:txBody>
+          <a:bodyPr>
+            <a:normAutofit/>
+          </a:bodyPr>
+          <a:lstStyle/>
+          <a:p>
+            <a:r>
+              <a:rPr lang="en-US" dirty="0"/>
+              <a:t>Maintains work list of nodes and visited set</a:t>
+            </a:r>
+          </a:p>
+          <a:p>
+            <a:r>
+              <a:rPr lang="en-US" b="1" dirty="0"/>
+              <a:t> BFS</a:t>
+            </a:r>
+            <a:r>
+              <a:rPr lang="en-US" dirty="0"/>
+              <a:t>	 </a:t>
+            </a:r>
+            <a:r>
+              <a:rPr lang="en-US" b="1" dirty="0"/>
+              <a:t>DFS</a:t>
+            </a:r>
+            <a:br>
+              <a:rPr lang="en-US" dirty="0"/>
+            </a:br>
+            <a:r>
+              <a:rPr lang="en-US" dirty="0"/>
+              <a:t>Visit A	Visit A</a:t>
+            </a:r>
+            <a:br>
+              <a:rPr lang="en-US" dirty="0"/>
+            </a:br>
+            <a:r>
+              <a:rPr lang="en-US" dirty="0"/>
+              <a:t>Visit B	Visit B</a:t>
+            </a:r>
+            <a:br>
+              <a:rPr lang="en-US" dirty="0"/>
+            </a:br>
+            <a:r>
+              <a:rPr lang="en-US" dirty="0"/>
+              <a:t>Visit D	Visit C</a:t>
+            </a:r>
+            <a:br>
+              <a:rPr lang="en-US" dirty="0"/>
+            </a:br>
+            <a:r>
+              <a:rPr lang="en-US" dirty="0"/>
+              <a:t>Visit C	Visit D</a:t>
+            </a:r>
+            <a:br>
+              <a:rPr lang="en-US" dirty="0"/>
+            </a:br>
+            <a:r>
+              <a:rPr lang="en-US" dirty="0"/>
+              <a:t>Visit E	Visit E</a:t>
+            </a:r>
+          </a:p>
+          <a:p>
+            <a:r>
+              <a:rPr lang="en-US" dirty="0"/>
+              <a:t>Add to work list end, pull</a:t>
+            </a:r>
+            <a:br>
+              <a:rPr lang="en-US" dirty="0"/>
+            </a:br>
+            <a:r>
+              <a:rPr lang="en-US" dirty="0"/>
+              <a:t>from front (queue)</a:t>
+            </a:r>
+          </a:p>
+        </p:txBody>
+      </p:sp>
+      <p:sp>
+        <p:nvSpPr>
+          <p:cNvPr id="4" name="TextBox 3">
+            <a:extLst>
+              <a:ext uri="{FF2B5EF4-FFF2-40B4-BE49-F238E27FC236}">
+                <a16:creationId xmlns:a16="http://schemas.microsoft.com/office/drawing/2014/main" id="{15368C9B-01DB-BD48-B437-681E9C29166D}"/>
+              </a:ext>
+            </a:extLst>
+          </p:cNvPr>
+          <p:cNvSpPr txBox="1"/>
+          <p:nvPr/>
+        </p:nvSpPr>
+        <p:spPr>
+          <a:xfrm>
+            <a:off x="5190259" y="2409804"/>
+            <a:ext cx="6163541" cy="3477875"/>
+          </a:xfrm>
+          <a:prstGeom prst="rect">
+            <a:avLst/>
+          </a:prstGeom>
+          <a:noFill/>
+          <a:ln>
+            <a:solidFill>
+              <a:schemeClr val="accent1"/>
+            </a:solidFill>
+          </a:ln>
+        </p:spPr>
+        <p:txBody>
+          <a:bodyPr wrap="square" rtlCol="0">
+            <a:spAutoFit/>
+          </a:bodyPr>
+          <a:lstStyle/>
+          <a:p>
+            <a:r>
+              <a:rPr lang="en-US" sz="2200" dirty="0" err="1">
+                <a:latin typeface="Monaco" charset="0"/>
+                <a:ea typeface="Monaco" charset="0"/>
+                <a:cs typeface="Monaco" charset="0"/>
+              </a:rPr>
+              <a:t>def</a:t>
+            </a:r>
+            <a:r>
+              <a:rPr lang="en-US" sz="2200" dirty="0">
+                <a:latin typeface="Monaco" charset="0"/>
+                <a:ea typeface="Monaco" charset="0"/>
+                <a:cs typeface="Monaco" charset="0"/>
+              </a:rPr>
+              <a:t> BFS(</a:t>
+            </a:r>
+            <a:r>
+              <a:rPr lang="en-US" sz="2200" dirty="0" err="1">
+                <a:latin typeface="Monaco" charset="0"/>
+                <a:ea typeface="Monaco" charset="0"/>
+                <a:cs typeface="Monaco" charset="0"/>
+              </a:rPr>
+              <a:t>root:LNode</a:t>
+            </a:r>
+            <a:r>
+              <a:rPr lang="en-US" sz="2200" dirty="0">
+                <a:latin typeface="Monaco" charset="0"/>
+                <a:ea typeface="Monaco" charset="0"/>
+                <a:cs typeface="Monaco" charset="0"/>
+              </a:rPr>
+              <a:t>):</a:t>
+            </a:r>
+          </a:p>
+          <a:p>
+            <a:r>
+              <a:rPr lang="en-US" sz="2200" dirty="0">
+                <a:latin typeface="Monaco" charset="0"/>
+                <a:ea typeface="Monaco" charset="0"/>
+                <a:cs typeface="Monaco" charset="0"/>
+              </a:rPr>
+              <a:t>    visited = {root}</a:t>
+            </a:r>
+          </a:p>
+          <a:p>
+            <a:r>
+              <a:rPr lang="en-US" sz="2200" dirty="0">
+                <a:latin typeface="Monaco" charset="0"/>
+                <a:ea typeface="Monaco" charset="0"/>
+                <a:cs typeface="Monaco" charset="0"/>
+              </a:rPr>
+              <a:t>    worklist = [root]</a:t>
+            </a:r>
+          </a:p>
+          <a:p>
+            <a:r>
+              <a:rPr lang="en-US" sz="2200" dirty="0">
+                <a:latin typeface="Monaco" charset="0"/>
+                <a:ea typeface="Monaco" charset="0"/>
+                <a:cs typeface="Monaco" charset="0"/>
+              </a:rPr>
+              <a:t>    while </a:t>
+            </a:r>
+            <a:r>
+              <a:rPr lang="en-US" sz="2200" dirty="0" err="1">
+                <a:latin typeface="Monaco" charset="0"/>
+                <a:ea typeface="Monaco" charset="0"/>
+                <a:cs typeface="Monaco" charset="0"/>
+              </a:rPr>
+              <a:t>len</a:t>
+            </a:r>
+            <a:r>
+              <a:rPr lang="en-US" sz="2200" dirty="0">
+                <a:latin typeface="Monaco" charset="0"/>
+                <a:ea typeface="Monaco" charset="0"/>
+                <a:cs typeface="Monaco" charset="0"/>
+              </a:rPr>
+              <a:t>(worklist)&gt;0: </a:t>
+            </a:r>
+          </a:p>
+          <a:p>
+            <a:r>
+              <a:rPr lang="mr-IN" sz="2200" dirty="0">
+                <a:latin typeface="Monaco" charset="0"/>
+                <a:ea typeface="Monaco" charset="0"/>
+                <a:cs typeface="Monaco" charset="0"/>
+              </a:rPr>
+              <a:t>        </a:t>
+            </a:r>
+            <a:r>
+              <a:rPr lang="mr-IN" sz="2200" dirty="0" err="1">
+                <a:latin typeface="Monaco" charset="0"/>
+                <a:ea typeface="Monaco" charset="0"/>
+                <a:cs typeface="Monaco" charset="0"/>
+              </a:rPr>
+              <a:t>p</a:t>
+            </a:r>
+            <a:r>
+              <a:rPr lang="mr-IN" sz="2200" dirty="0">
+                <a:latin typeface="Monaco" charset="0"/>
+                <a:ea typeface="Monaco" charset="0"/>
+                <a:cs typeface="Monaco" charset="0"/>
+              </a:rPr>
+              <a:t> = </a:t>
+            </a:r>
+            <a:r>
+              <a:rPr lang="mr-IN" sz="2200" dirty="0" err="1">
+                <a:latin typeface="Monaco" charset="0"/>
+                <a:ea typeface="Monaco" charset="0"/>
+                <a:cs typeface="Monaco" charset="0"/>
+              </a:rPr>
+              <a:t>worklist.pop</a:t>
+            </a:r>
+            <a:r>
+              <a:rPr lang="mr-IN" sz="2200" dirty="0">
+                <a:latin typeface="Monaco" charset="0"/>
+                <a:ea typeface="Monaco" charset="0"/>
+                <a:cs typeface="Monaco" charset="0"/>
+              </a:rPr>
+              <a:t>(0)</a:t>
+            </a:r>
+            <a:endParaRPr lang="en-US" sz="2200" dirty="0">
+              <a:latin typeface="Monaco" charset="0"/>
+              <a:ea typeface="Monaco" charset="0"/>
+              <a:cs typeface="Monaco" charset="0"/>
+            </a:endParaRPr>
+          </a:p>
+          <a:p>
+            <a:r>
+              <a:rPr lang="en-US" sz="2200" dirty="0">
+                <a:latin typeface="Monaco" charset="0"/>
+                <a:ea typeface="Monaco" charset="0"/>
+                <a:cs typeface="Monaco" charset="0"/>
+              </a:rPr>
+              <a:t>        print(</a:t>
+            </a:r>
+            <a:r>
+              <a:rPr lang="en-US" sz="2200" dirty="0" err="1">
+                <a:latin typeface="Monaco" charset="0"/>
+                <a:ea typeface="Monaco" charset="0"/>
+                <a:cs typeface="Monaco" charset="0"/>
+              </a:rPr>
+              <a:t>f“Visit</a:t>
+            </a:r>
+            <a:r>
+              <a:rPr lang="en-US" sz="2200" dirty="0">
+                <a:latin typeface="Monaco" charset="0"/>
+                <a:ea typeface="Monaco" charset="0"/>
+                <a:cs typeface="Monaco" charset="0"/>
+              </a:rPr>
+              <a:t> {p}”)</a:t>
+            </a:r>
+            <a:endParaRPr lang="mr-IN" sz="2200" dirty="0">
+              <a:latin typeface="Monaco" charset="0"/>
+              <a:ea typeface="Monaco" charset="0"/>
+              <a:cs typeface="Monaco" charset="0"/>
+            </a:endParaRPr>
+          </a:p>
+          <a:p>
+            <a:r>
+              <a:rPr lang="mr-IN" sz="2200" dirty="0">
+                <a:latin typeface="Monaco" charset="0"/>
+                <a:ea typeface="Monaco" charset="0"/>
+                <a:cs typeface="Monaco" charset="0"/>
+              </a:rPr>
+              <a:t>        </a:t>
+            </a:r>
+            <a:r>
+              <a:rPr lang="mr-IN" sz="2200" dirty="0" err="1">
+                <a:latin typeface="Monaco" charset="0"/>
+                <a:ea typeface="Monaco" charset="0"/>
+                <a:cs typeface="Monaco" charset="0"/>
+              </a:rPr>
+              <a:t>for</a:t>
+            </a:r>
+            <a:r>
+              <a:rPr lang="mr-IN" sz="2200" dirty="0">
+                <a:latin typeface="Monaco" charset="0"/>
+                <a:ea typeface="Monaco" charset="0"/>
+                <a:cs typeface="Monaco" charset="0"/>
+              </a:rPr>
+              <a:t> </a:t>
+            </a:r>
+            <a:r>
+              <a:rPr lang="mr-IN" sz="2200" dirty="0" err="1">
+                <a:latin typeface="Monaco" charset="0"/>
+                <a:ea typeface="Monaco" charset="0"/>
+                <a:cs typeface="Monaco" charset="0"/>
+              </a:rPr>
+              <a:t>e,q</a:t>
+            </a:r>
+            <a:r>
+              <a:rPr lang="mr-IN" sz="2200" dirty="0">
+                <a:latin typeface="Monaco" charset="0"/>
+                <a:ea typeface="Monaco" charset="0"/>
+                <a:cs typeface="Monaco" charset="0"/>
+              </a:rPr>
+              <a:t> </a:t>
+            </a:r>
+            <a:r>
+              <a:rPr lang="mr-IN" sz="2200" dirty="0" err="1">
+                <a:latin typeface="Monaco" charset="0"/>
+                <a:ea typeface="Monaco" charset="0"/>
+                <a:cs typeface="Monaco" charset="0"/>
+              </a:rPr>
+              <a:t>in</a:t>
+            </a:r>
+            <a:r>
+              <a:rPr lang="mr-IN" sz="2200" dirty="0">
+                <a:latin typeface="Monaco" charset="0"/>
+                <a:ea typeface="Monaco" charset="0"/>
+                <a:cs typeface="Monaco" charset="0"/>
+              </a:rPr>
+              <a:t> </a:t>
+            </a:r>
+            <a:r>
+              <a:rPr lang="mr-IN" sz="2200" dirty="0" err="1">
+                <a:latin typeface="Monaco" charset="0"/>
+                <a:ea typeface="Monaco" charset="0"/>
+                <a:cs typeface="Monaco" charset="0"/>
+              </a:rPr>
+              <a:t>p.edges.items</a:t>
+            </a:r>
+            <a:r>
+              <a:rPr lang="mr-IN" sz="2200" dirty="0">
+                <a:latin typeface="Monaco" charset="0"/>
+                <a:ea typeface="Monaco" charset="0"/>
+                <a:cs typeface="Monaco" charset="0"/>
+              </a:rPr>
+              <a:t>():  </a:t>
+            </a:r>
+          </a:p>
+          <a:p>
+            <a:r>
+              <a:rPr lang="en-US" sz="2200" dirty="0">
+                <a:latin typeface="Monaco" charset="0"/>
+                <a:ea typeface="Monaco" charset="0"/>
+                <a:cs typeface="Monaco" charset="0"/>
+              </a:rPr>
+              <a:t>            if q not in visited:</a:t>
+            </a:r>
+          </a:p>
+          <a:p>
+            <a:r>
+              <a:rPr lang="mr-IN" sz="2200" dirty="0">
+                <a:latin typeface="Monaco" charset="0"/>
+                <a:ea typeface="Monaco" charset="0"/>
+                <a:cs typeface="Monaco" charset="0"/>
+              </a:rPr>
+              <a:t>                </a:t>
+            </a:r>
+            <a:r>
+              <a:rPr lang="mr-IN" sz="2200" dirty="0" err="1">
+                <a:latin typeface="Monaco" charset="0"/>
+                <a:ea typeface="Monaco" charset="0"/>
+                <a:cs typeface="Monaco" charset="0"/>
+              </a:rPr>
+              <a:t>worklist.append</a:t>
+            </a:r>
+            <a:r>
+              <a:rPr lang="mr-IN" sz="2200" dirty="0">
+                <a:latin typeface="Monaco" charset="0"/>
+                <a:ea typeface="Monaco" charset="0"/>
+                <a:cs typeface="Monaco" charset="0"/>
+              </a:rPr>
+              <a:t>(</a:t>
+            </a:r>
+            <a:r>
+              <a:rPr lang="mr-IN" sz="2200" dirty="0" err="1">
+                <a:latin typeface="Monaco" charset="0"/>
+                <a:ea typeface="Monaco" charset="0"/>
+                <a:cs typeface="Monaco" charset="0"/>
+              </a:rPr>
+              <a:t>q</a:t>
+            </a:r>
+            <a:r>
+              <a:rPr lang="mr-IN" sz="2200" dirty="0">
+                <a:latin typeface="Monaco" charset="0"/>
+                <a:ea typeface="Monaco" charset="0"/>
+                <a:cs typeface="Monaco" charset="0"/>
+              </a:rPr>
+              <a:t>)</a:t>
+            </a:r>
+          </a:p>
+          <a:p>
+            <a:r>
+              <a:rPr lang="mr-IN" sz="2200" dirty="0">
+                <a:latin typeface="Monaco" charset="0"/>
+                <a:ea typeface="Monaco" charset="0"/>
+                <a:cs typeface="Monaco" charset="0"/>
+              </a:rPr>
+              <a:t>                </a:t>
+            </a:r>
+            <a:r>
+              <a:rPr lang="mr-IN" sz="2200" dirty="0" err="1">
+                <a:latin typeface="Monaco" charset="0"/>
+                <a:ea typeface="Monaco" charset="0"/>
+                <a:cs typeface="Monaco" charset="0"/>
+              </a:rPr>
+              <a:t>visited.add</a:t>
+            </a:r>
+            <a:r>
+              <a:rPr lang="mr-IN" sz="2200" dirty="0">
+                <a:latin typeface="Monaco" charset="0"/>
+                <a:ea typeface="Monaco" charset="0"/>
+                <a:cs typeface="Monaco" charset="0"/>
+              </a:rPr>
+              <a:t>(</a:t>
+            </a:r>
+            <a:r>
+              <a:rPr lang="mr-IN" sz="2200" dirty="0" err="1">
+                <a:latin typeface="Monaco" charset="0"/>
+                <a:ea typeface="Monaco" charset="0"/>
+                <a:cs typeface="Monaco" charset="0"/>
+              </a:rPr>
+              <a:t>q</a:t>
+            </a:r>
+            <a:r>
+              <a:rPr lang="mr-IN" sz="2200" dirty="0">
+                <a:latin typeface="Monaco" charset="0"/>
+                <a:ea typeface="Monaco" charset="0"/>
+                <a:cs typeface="Monaco" charset="0"/>
+              </a:rPr>
+              <a:t>)</a:t>
+            </a:r>
+          </a:p>
+        </p:txBody>
+      </p:sp>
+      <p:sp>
+        <p:nvSpPr>
+          <p:cNvPr id="6" name="TextBox 5"/>
+          <p:cNvSpPr txBox="1"/>
+          <p:nvPr/>
+        </p:nvSpPr>
+        <p:spPr>
+          <a:xfrm>
+            <a:off x="838200" y="6390409"/>
+            <a:ext cx="6827510" cy="369332"/>
+          </a:xfrm>
+          <a:prstGeom prst="rect">
+            <a:avLst/>
+          </a:prstGeom>
+          <a:noFill/>
+        </p:spPr>
+        <p:txBody>
+          <a:bodyPr wrap="none" rtlCol="0">
+            <a:spAutoFit/>
+          </a:bodyPr>
+          <a:lstStyle/>
+          <a:p>
+            <a:r>
+              <a:rPr lang="en-US" dirty="0"/>
+              <a:t>https://</a:t>
+            </a:r>
+            <a:r>
+              <a:rPr lang="en-US" dirty="0" err="1"/>
+              <a:t>github.com</a:t>
+            </a:r>
+            <a:r>
+              <a:rPr lang="en-US" dirty="0"/>
+              <a:t>/</a:t>
+            </a:r>
+            <a:r>
+              <a:rPr lang="en-US" dirty="0" err="1"/>
+              <a:t>parrt</a:t>
+            </a:r>
+            <a:r>
+              <a:rPr lang="en-US" dirty="0"/>
+              <a:t>/msds689/blob/master/notes/</a:t>
+            </a:r>
+            <a:r>
+              <a:rPr lang="en-US" dirty="0" err="1"/>
+              <a:t>graphs.ipynb</a:t>
+            </a:r>
+            <a:endParaRPr lang="en-US" dirty="0"/>
+          </a:p>
+        </p:txBody>
+      </p:sp>
+      <p:pic>
+        <p:nvPicPr>
+          <p:cNvPr id="9" name="Picture 8">
+            <a:extLst>
+              <a:ext uri="{FF2B5EF4-FFF2-40B4-BE49-F238E27FC236}">
+                <a16:creationId xmlns:a16="http://schemas.microsoft.com/office/drawing/2014/main" id="{AA8896F0-1965-1B43-AC7E-5466C139D133}"/>
+              </a:ext>
+            </a:extLst>
+          </p:cNvPr>
+          <p:cNvPicPr>
+            <a:picLocks noChangeAspect="1"/>
+          </p:cNvPicPr>
+          <p:nvPr/>
+        </p:nvPicPr>
+        <p:blipFill>
+          <a:blip r:embed="rId2"/>
+          <a:stretch>
+            <a:fillRect/>
+          </a:stretch>
+        </p:blipFill>
+        <p:spPr>
+          <a:xfrm>
+            <a:off x="10173645" y="73633"/>
+            <a:ext cx="1689100" cy="2197100"/>
+          </a:xfrm>
+          <a:prstGeom prst="rect">
+            <a:avLst/>
+          </a:prstGeom>
+        </p:spPr>
+      </p:pic>
+    </p:spTree>
+    <p:extLst>
+      <p:ext uri="{BB962C8B-B14F-4D97-AF65-F5344CB8AC3E}">
+        <p14:creationId xmlns:p14="http://schemas.microsoft.com/office/powerpoint/2010/main" val="810801807"/>
+      </p:ext>
+    </p:extLst>
+  </p:cSld>
+  <p:clrMapOvr>
+    <a:masterClrMapping/>
+  </p:clrMapOvr>
+</p:sld>
+</file>
+
+<file path=ppt/slides/slide16.xml><?xml version="1.0" encoding="utf-8"?>
+<p:sld xmlns:a="http://schemas.openxmlformats.org/drawingml/2006/main" xmlns:r="http://schemas.openxmlformats.org/officeDocument/2006/relationships" xmlns:p="http://schemas.openxmlformats.org/presentationml/2006/main">
+  <p:cSld>
+    <p:spTree>
+      <p:nvGrpSpPr>
+        <p:cNvPr id="1" name=""/>
+        <p:cNvGrpSpPr/>
+        <p:nvPr/>
+      </p:nvGrpSpPr>
+      <p:grpSpPr>
+        <a:xfrm>
+          <a:off x="0" y="0"/>
+          <a:ext cx="0" cy="0"/>
+          <a:chOff x="0" y="0"/>
+          <a:chExt cx="0" cy="0"/>
+        </a:xfrm>
+      </p:grpSpPr>
+      <p:sp>
+        <p:nvSpPr>
+          <p:cNvPr id="2" name="Title 1"/>
+          <p:cNvSpPr>
+            <a:spLocks noGrp="1"/>
+          </p:cNvSpPr>
+          <p:nvPr>
+            <p:ph type="title"/>
+          </p:nvPr>
+        </p:nvSpPr>
+        <p:spPr/>
+        <p:txBody>
+          <a:bodyPr/>
+          <a:lstStyle/>
+          <a:p>
+            <a:r>
+              <a:rPr lang="en-US" dirty="0"/>
+              <a:t>Find </a:t>
+            </a:r>
+            <a:r>
+              <a:rPr lang="en-US" b="1" dirty="0"/>
+              <a:t>shortest</a:t>
+            </a:r>
+            <a:r>
+              <a:rPr lang="en-US" dirty="0"/>
+              <a:t> path from p to q?</a:t>
+            </a:r>
+          </a:p>
+        </p:txBody>
+      </p:sp>
+      <p:sp>
+        <p:nvSpPr>
+          <p:cNvPr id="3" name="Content Placeholder 2"/>
+          <p:cNvSpPr>
+            <a:spLocks noGrp="1"/>
+          </p:cNvSpPr>
+          <p:nvPr>
+            <p:ph idx="1"/>
+          </p:nvPr>
+        </p:nvSpPr>
         <p:spPr>
           <a:xfrm>
             <a:off x="661554" y="1825624"/>
@@ -6201,71 +7259,70 @@
           <a:lstStyle/>
           <a:p>
             <a:r>
-              <a:rPr lang="en-US" dirty="0" smtClean="0"/>
+              <a:rPr lang="en-US" dirty="0"/>
               <a:t>BFS where work list is</a:t>
             </a:r>
             <a:br>
-              <a:rPr lang="en-US" dirty="0" smtClean="0"/>
+              <a:rPr lang="en-US" dirty="0"/>
             </a:br>
             <a:r>
-              <a:rPr lang="en-US" dirty="0" smtClean="0"/>
+              <a:rPr lang="en-US" dirty="0"/>
               <a:t>a list of paths not list</a:t>
             </a:r>
             <a:br>
-              <a:rPr lang="en-US" dirty="0" smtClean="0"/>
+              <a:rPr lang="en-US" dirty="0"/>
             </a:br>
             <a:r>
-              <a:rPr lang="en-US" dirty="0" smtClean="0"/>
+              <a:rPr lang="en-US" dirty="0"/>
               <a:t>of nodes</a:t>
             </a:r>
           </a:p>
           <a:p>
             <a:r>
-              <a:rPr lang="en-US" dirty="0" smtClean="0"/>
+              <a:rPr lang="en-US" dirty="0"/>
               <a:t>Tail of path is where</a:t>
             </a:r>
             <a:br>
-              <a:rPr lang="en-US" dirty="0" smtClean="0"/>
+              <a:rPr lang="en-US" dirty="0"/>
             </a:br>
             <a:r>
-              <a:rPr lang="en-US" dirty="0" smtClean="0"/>
+              <a:rPr lang="en-US" dirty="0"/>
               <a:t>we left off work on it</a:t>
             </a:r>
           </a:p>
           <a:p>
             <a:r>
-              <a:rPr lang="en-US" dirty="0" smtClean="0"/>
+              <a:rPr lang="en-US" dirty="0"/>
               <a:t>By searching all</a:t>
             </a:r>
             <a:br>
-              <a:rPr lang="en-US" dirty="0" smtClean="0"/>
+              <a:rPr lang="en-US" dirty="0"/>
             </a:br>
             <a:r>
-              <a:rPr lang="en-US" dirty="0" smtClean="0"/>
+              <a:rPr lang="en-US" dirty="0"/>
               <a:t>children before going</a:t>
             </a:r>
             <a:br>
-              <a:rPr lang="en-US" dirty="0" smtClean="0"/>
+              <a:rPr lang="en-US" dirty="0"/>
             </a:br>
             <a:r>
-              <a:rPr lang="en-US" dirty="0" smtClean="0"/>
+              <a:rPr lang="en-US" dirty="0"/>
               <a:t>deeper, we auto-</a:t>
             </a:r>
             <a:br>
-              <a:rPr lang="en-US" dirty="0" smtClean="0"/>
+              <a:rPr lang="en-US" dirty="0"/>
             </a:br>
             <a:r>
-              <a:rPr lang="en-US" dirty="0" smtClean="0"/>
+              <a:rPr lang="en-US" dirty="0"/>
               <a:t>magically find paths</a:t>
             </a:r>
             <a:br>
-              <a:rPr lang="en-US" dirty="0" smtClean="0"/>
+              <a:rPr lang="en-US" dirty="0"/>
             </a:br>
             <a:r>
-              <a:rPr lang="en-US" dirty="0" smtClean="0"/>
+              <a:rPr lang="en-US" dirty="0"/>
               <a:t>with shortest lengths</a:t>
             </a:r>
-            <a:endParaRPr lang="en-US" dirty="0"/>
           </a:p>
         </p:txBody>
       </p:sp>
@@ -6274,7 +7331,7 @@
           <p:cNvPr id="4" name="TextBox 3">
             <a:extLst>
               <a:ext uri="{FF2B5EF4-FFF2-40B4-BE49-F238E27FC236}">
-                <a16:creationId xmlns:a16="http://schemas.microsoft.com/office/drawing/2014/main" xmlns="" id="{15368C9B-01DB-BD48-B437-681E9C29166D}"/>
+                <a16:creationId xmlns:a16="http://schemas.microsoft.com/office/drawing/2014/main" id="{15368C9B-01DB-BD48-B437-681E9C29166D}"/>
               </a:ext>
             </a:extLst>
           </p:cNvPr>
@@ -6441,41 +7498,25 @@
           </a:p>
           <a:p>
             <a:r>
-              <a:rPr lang="en-US" sz="2200" dirty="0" smtClean="0">
-                <a:latin typeface="Monaco" charset="0"/>
-                <a:ea typeface="Monaco" charset="0"/>
-                <a:cs typeface="Monaco" charset="0"/>
-              </a:rPr>
-              <a:t>        p </a:t>
-            </a:r>
-            <a:r>
-              <a:rPr lang="en-US" sz="2200" dirty="0">
-                <a:latin typeface="Monaco" charset="0"/>
-                <a:ea typeface="Monaco" charset="0"/>
-                <a:cs typeface="Monaco" charset="0"/>
-              </a:rPr>
-              <a:t>= path[-1] # tail of path</a:t>
-            </a:r>
-          </a:p>
-          <a:p>
-            <a:r>
-              <a:rPr lang="en-US" sz="2200" dirty="0">
-                <a:latin typeface="Monaco" charset="0"/>
-                <a:ea typeface="Monaco" charset="0"/>
-                <a:cs typeface="Monaco" charset="0"/>
-              </a:rPr>
-              <a:t>        if p is target</a:t>
-            </a:r>
-            <a:r>
-              <a:rPr lang="en-US" sz="2200" dirty="0" smtClean="0">
-                <a:latin typeface="Monaco" charset="0"/>
-                <a:ea typeface="Monaco" charset="0"/>
-                <a:cs typeface="Monaco" charset="0"/>
-              </a:rPr>
-              <a:t>:</a:t>
-            </a:r>
-            <a:r>
-              <a:rPr lang="mr-IN" sz="2200" dirty="0" smtClean="0">
+              <a:rPr lang="en-US" sz="2200" dirty="0">
+                <a:latin typeface="Monaco" charset="0"/>
+                <a:ea typeface="Monaco" charset="0"/>
+                <a:cs typeface="Monaco" charset="0"/>
+              </a:rPr>
+              <a:t>        p = path[-1] # tail of path</a:t>
+            </a:r>
+          </a:p>
+          <a:p>
+            <a:r>
+              <a:rPr lang="en-US" sz="2200" dirty="0">
+                <a:latin typeface="Monaco" charset="0"/>
+                <a:ea typeface="Monaco" charset="0"/>
+                <a:cs typeface="Monaco" charset="0"/>
+              </a:rPr>
+              <a:t>        if p is target:</a:t>
+            </a:r>
+            <a:r>
+              <a:rPr lang="mr-IN" sz="2200" dirty="0">
                 <a:latin typeface="Monaco" charset="0"/>
                 <a:ea typeface="Monaco" charset="0"/>
                 <a:cs typeface="Monaco" charset="0"/>
@@ -6776,6 +7817,415 @@
     <p:extLst>
       <p:ext uri="{BB962C8B-B14F-4D97-AF65-F5344CB8AC3E}">
         <p14:creationId xmlns:p14="http://schemas.microsoft.com/office/powerpoint/2010/main" val="706130134"/>
+      </p:ext>
+    </p:extLst>
+  </p:cSld>
+  <p:clrMapOvr>
+    <a:masterClrMapping/>
+  </p:clrMapOvr>
+</p:sld>
+</file>
+
+<file path=ppt/slides/slide17.xml><?xml version="1.0" encoding="utf-8"?>
+<p:sld xmlns:a="http://schemas.openxmlformats.org/drawingml/2006/main" xmlns:r="http://schemas.openxmlformats.org/officeDocument/2006/relationships" xmlns:p="http://schemas.openxmlformats.org/presentationml/2006/main">
+  <p:cSld>
+    <p:spTree>
+      <p:nvGrpSpPr>
+        <p:cNvPr id="1" name=""/>
+        <p:cNvGrpSpPr/>
+        <p:nvPr/>
+      </p:nvGrpSpPr>
+      <p:grpSpPr>
+        <a:xfrm>
+          <a:off x="0" y="0"/>
+          <a:ext cx="0" cy="0"/>
+          <a:chOff x="0" y="0"/>
+          <a:chExt cx="0" cy="0"/>
+        </a:xfrm>
+      </p:grpSpPr>
+      <p:sp>
+        <p:nvSpPr>
+          <p:cNvPr id="2" name="Title 1">
+            <a:extLst>
+              <a:ext uri="{FF2B5EF4-FFF2-40B4-BE49-F238E27FC236}">
+                <a16:creationId xmlns:a16="http://schemas.microsoft.com/office/drawing/2014/main" id="{D6B68ED1-9136-AC4F-AD3A-A2AC37A531E0}"/>
+              </a:ext>
+            </a:extLst>
+          </p:cNvPr>
+          <p:cNvSpPr>
+            <a:spLocks noGrp="1"/>
+          </p:cNvSpPr>
+          <p:nvPr>
+            <p:ph type="title"/>
+          </p:nvPr>
+        </p:nvSpPr>
+        <p:spPr/>
+        <p:txBody>
+          <a:bodyPr/>
+          <a:lstStyle/>
+          <a:p>
+            <a:r>
+              <a:rPr lang="en-US" dirty="0"/>
+              <a:t>Topological sort</a:t>
+            </a:r>
+          </a:p>
+        </p:txBody>
+      </p:sp>
+      <p:sp>
+        <p:nvSpPr>
+          <p:cNvPr id="3" name="Content Placeholder 2">
+            <a:extLst>
+              <a:ext uri="{FF2B5EF4-FFF2-40B4-BE49-F238E27FC236}">
+                <a16:creationId xmlns:a16="http://schemas.microsoft.com/office/drawing/2014/main" id="{7690F687-F718-2B49-AC84-AC579668FC1E}"/>
+              </a:ext>
+            </a:extLst>
+          </p:cNvPr>
+          <p:cNvSpPr>
+            <a:spLocks noGrp="1"/>
+          </p:cNvSpPr>
+          <p:nvPr>
+            <p:ph idx="1"/>
+          </p:nvPr>
+        </p:nvSpPr>
+        <p:spPr/>
+        <p:txBody>
+          <a:bodyPr>
+            <a:normAutofit lnSpcReduction="10000"/>
+          </a:bodyPr>
+          <a:lstStyle/>
+          <a:p>
+            <a:r>
+              <a:rPr lang="en-US" b="1" dirty="0"/>
+              <a:t>Problem</a:t>
+            </a:r>
+            <a:r>
+              <a:rPr lang="en-US" dirty="0"/>
+              <a:t>: Find linear ordering of nodes in directed graph such that all constraints, u-&gt;v, are satisfied where u depends on v so v must come before u</a:t>
+            </a:r>
+          </a:p>
+          <a:p>
+            <a:r>
+              <a:rPr lang="en-US" dirty="0"/>
+              <a:t>Any ordering where edges all point to </a:t>
+            </a:r>
+            <a:r>
+              <a:rPr lang="en-US"/>
+              <a:t>the left </a:t>
+            </a:r>
+            <a:r>
+              <a:rPr lang="en-US" dirty="0"/>
+              <a:t>is a solution</a:t>
+            </a:r>
+          </a:p>
+          <a:p>
+            <a:r>
+              <a:rPr lang="en-US" dirty="0"/>
+              <a:t>Sort is not unique</a:t>
+            </a:r>
+          </a:p>
+          <a:p>
+            <a:r>
+              <a:rPr lang="en-US" dirty="0"/>
+              <a:t>DFS-based topological sort:  A valid sort is just the post-order graph traversal!</a:t>
+            </a:r>
+          </a:p>
+          <a:p>
+            <a:r>
+              <a:rPr lang="en-US" dirty="0"/>
+              <a:t>Well, we have to make sure to do DFS on all root nodes (nodes w/o incoming edges) but core is just DFS</a:t>
+            </a:r>
+          </a:p>
+          <a:p>
+            <a:r>
+              <a:rPr lang="en-US" dirty="0"/>
+              <a:t>With one root, it’s just </a:t>
+            </a:r>
+            <a:r>
+              <a:rPr lang="en-US" dirty="0" err="1"/>
+              <a:t>postorder</a:t>
+            </a:r>
+            <a:endParaRPr lang="en-US" dirty="0"/>
+          </a:p>
+        </p:txBody>
+      </p:sp>
+    </p:spTree>
+    <p:extLst>
+      <p:ext uri="{BB962C8B-B14F-4D97-AF65-F5344CB8AC3E}">
+        <p14:creationId xmlns:p14="http://schemas.microsoft.com/office/powerpoint/2010/main" val="2983509964"/>
+      </p:ext>
+    </p:extLst>
+  </p:cSld>
+  <p:clrMapOvr>
+    <a:masterClrMapping/>
+  </p:clrMapOvr>
+</p:sld>
+</file>
+
+<file path=ppt/slides/slide18.xml><?xml version="1.0" encoding="utf-8"?>
+<p:sld xmlns:a="http://schemas.openxmlformats.org/drawingml/2006/main" xmlns:r="http://schemas.openxmlformats.org/officeDocument/2006/relationships" xmlns:p="http://schemas.openxmlformats.org/presentationml/2006/main">
+  <p:cSld>
+    <p:spTree>
+      <p:nvGrpSpPr>
+        <p:cNvPr id="1" name=""/>
+        <p:cNvGrpSpPr/>
+        <p:nvPr/>
+      </p:nvGrpSpPr>
+      <p:grpSpPr>
+        <a:xfrm>
+          <a:off x="0" y="0"/>
+          <a:ext cx="0" cy="0"/>
+          <a:chOff x="0" y="0"/>
+          <a:chExt cx="0" cy="0"/>
+        </a:xfrm>
+      </p:grpSpPr>
+      <p:sp>
+        <p:nvSpPr>
+          <p:cNvPr id="2" name="Title 1">
+            <a:extLst>
+              <a:ext uri="{FF2B5EF4-FFF2-40B4-BE49-F238E27FC236}">
+                <a16:creationId xmlns:a16="http://schemas.microsoft.com/office/drawing/2014/main" id="{04CD735A-84E7-A744-9442-203477FBE0A2}"/>
+              </a:ext>
+            </a:extLst>
+          </p:cNvPr>
+          <p:cNvSpPr>
+            <a:spLocks noGrp="1"/>
+          </p:cNvSpPr>
+          <p:nvPr>
+            <p:ph type="title"/>
+          </p:nvPr>
+        </p:nvSpPr>
+        <p:spPr/>
+        <p:txBody>
+          <a:bodyPr/>
+          <a:lstStyle/>
+          <a:p>
+            <a:r>
+              <a:rPr lang="en-US" dirty="0"/>
+              <a:t>Example topo sort</a:t>
+            </a:r>
+          </a:p>
+        </p:txBody>
+      </p:sp>
+      <p:pic>
+        <p:nvPicPr>
+          <p:cNvPr id="6" name="Content Placeholder 5">
+            <a:extLst>
+              <a:ext uri="{FF2B5EF4-FFF2-40B4-BE49-F238E27FC236}">
+                <a16:creationId xmlns:a16="http://schemas.microsoft.com/office/drawing/2014/main" id="{C67A868B-0390-3743-BAE3-BDEA1E3AB385}"/>
+              </a:ext>
+            </a:extLst>
+          </p:cNvPr>
+          <p:cNvPicPr>
+            <a:picLocks noGrp="1" noChangeAspect="1"/>
+          </p:cNvPicPr>
+          <p:nvPr>
+            <p:ph idx="1"/>
+          </p:nvPr>
+        </p:nvPicPr>
+        <p:blipFill>
+          <a:blip r:embed="rId2"/>
+          <a:stretch>
+            <a:fillRect/>
+          </a:stretch>
+        </p:blipFill>
+        <p:spPr>
+          <a:xfrm>
+            <a:off x="6786880" y="220504"/>
+            <a:ext cx="3556000" cy="3149600"/>
+          </a:xfrm>
+          <a:prstGeom prst="rect">
+            <a:avLst/>
+          </a:prstGeom>
+        </p:spPr>
+      </p:pic>
+      <p:pic>
+        <p:nvPicPr>
+          <p:cNvPr id="7" name="Picture 6">
+            <a:extLst>
+              <a:ext uri="{FF2B5EF4-FFF2-40B4-BE49-F238E27FC236}">
+                <a16:creationId xmlns:a16="http://schemas.microsoft.com/office/drawing/2014/main" id="{531DB8F9-2854-9443-89FC-2B201812F5D7}"/>
+              </a:ext>
+            </a:extLst>
+          </p:cNvPr>
+          <p:cNvPicPr>
+            <a:picLocks noChangeAspect="1"/>
+          </p:cNvPicPr>
+          <p:nvPr/>
+        </p:nvPicPr>
+        <p:blipFill>
+          <a:blip r:embed="rId3"/>
+          <a:stretch>
+            <a:fillRect/>
+          </a:stretch>
+        </p:blipFill>
+        <p:spPr>
+          <a:xfrm>
+            <a:off x="2152650" y="3770154"/>
+            <a:ext cx="7429500" cy="1371600"/>
+          </a:xfrm>
+          <a:prstGeom prst="rect">
+            <a:avLst/>
+          </a:prstGeom>
+        </p:spPr>
+      </p:pic>
+    </p:spTree>
+    <p:extLst>
+      <p:ext uri="{BB962C8B-B14F-4D97-AF65-F5344CB8AC3E}">
+        <p14:creationId xmlns:p14="http://schemas.microsoft.com/office/powerpoint/2010/main" val="1688965789"/>
+      </p:ext>
+    </p:extLst>
+  </p:cSld>
+  <p:clrMapOvr>
+    <a:masterClrMapping/>
+  </p:clrMapOvr>
+</p:sld>
+</file>
+
+<file path=ppt/slides/slide19.xml><?xml version="1.0" encoding="utf-8"?>
+<p:sld xmlns:a="http://schemas.openxmlformats.org/drawingml/2006/main" xmlns:r="http://schemas.openxmlformats.org/officeDocument/2006/relationships" xmlns:p="http://schemas.openxmlformats.org/presentationml/2006/main">
+  <p:cSld>
+    <p:spTree>
+      <p:nvGrpSpPr>
+        <p:cNvPr id="1" name=""/>
+        <p:cNvGrpSpPr/>
+        <p:nvPr/>
+      </p:nvGrpSpPr>
+      <p:grpSpPr>
+        <a:xfrm>
+          <a:off x="0" y="0"/>
+          <a:ext cx="0" cy="0"/>
+          <a:chOff x="0" y="0"/>
+          <a:chExt cx="0" cy="0"/>
+        </a:xfrm>
+      </p:grpSpPr>
+      <p:sp>
+        <p:nvSpPr>
+          <p:cNvPr id="2" name="Title 1">
+            <a:extLst>
+              <a:ext uri="{FF2B5EF4-FFF2-40B4-BE49-F238E27FC236}">
+                <a16:creationId xmlns:a16="http://schemas.microsoft.com/office/drawing/2014/main" id="{1F2B352F-CE3D-7041-AD7E-CD17118D3037}"/>
+              </a:ext>
+            </a:extLst>
+          </p:cNvPr>
+          <p:cNvSpPr>
+            <a:spLocks noGrp="1"/>
+          </p:cNvSpPr>
+          <p:nvPr>
+            <p:ph type="title"/>
+          </p:nvPr>
+        </p:nvSpPr>
+        <p:spPr/>
+        <p:txBody>
+          <a:bodyPr/>
+          <a:lstStyle/>
+          <a:p>
+            <a:r>
+              <a:rPr lang="en-US" dirty="0"/>
+              <a:t>Summary</a:t>
+            </a:r>
+          </a:p>
+        </p:txBody>
+      </p:sp>
+      <p:sp>
+        <p:nvSpPr>
+          <p:cNvPr id="3" name="Content Placeholder 2">
+            <a:extLst>
+              <a:ext uri="{FF2B5EF4-FFF2-40B4-BE49-F238E27FC236}">
+                <a16:creationId xmlns:a16="http://schemas.microsoft.com/office/drawing/2014/main" id="{7879AF3B-7FE8-2941-A4F8-C0A6F984CEB2}"/>
+              </a:ext>
+            </a:extLst>
+          </p:cNvPr>
+          <p:cNvSpPr>
+            <a:spLocks noGrp="1"/>
+          </p:cNvSpPr>
+          <p:nvPr>
+            <p:ph idx="1"/>
+          </p:nvPr>
+        </p:nvSpPr>
+        <p:spPr/>
+        <p:txBody>
+          <a:bodyPr/>
+          <a:lstStyle/>
+          <a:p>
+            <a:r>
+              <a:rPr lang="en-US" dirty="0"/>
+              <a:t>DFS for finding a path or multiple paths</a:t>
+            </a:r>
+          </a:p>
+          <a:p>
+            <a:r>
+              <a:rPr lang="en-US" dirty="0"/>
+              <a:t>BFS for find shortest (in edges) path or neighborhood</a:t>
+            </a:r>
+          </a:p>
+          <a:p>
+            <a:r>
+              <a:rPr lang="en-US" dirty="0"/>
+              <a:t>Recursive </a:t>
+            </a:r>
+            <a:r>
+              <a:rPr lang="en-US" dirty="0" err="1"/>
+              <a:t>alg’s</a:t>
+            </a:r>
+            <a:r>
+              <a:rPr lang="en-US" dirty="0"/>
+              <a:t> all use </a:t>
+            </a:r>
+            <a:r>
+              <a:rPr lang="en-US" b="1" dirty="0"/>
+              <a:t>visited</a:t>
+            </a:r>
+            <a:r>
+              <a:rPr lang="en-US" dirty="0"/>
+              <a:t> set to avoid cycles</a:t>
+            </a:r>
+          </a:p>
+          <a:p>
+            <a:r>
+              <a:rPr lang="en-US" dirty="0"/>
+              <a:t>Non-recursive DFS: (use work list stack)</a:t>
+            </a:r>
+          </a:p>
+          <a:p>
+            <a:pPr lvl="1"/>
+            <a:r>
+              <a:rPr lang="en-US" dirty="0"/>
+              <a:t>push targets in reverse order onto work list</a:t>
+            </a:r>
+          </a:p>
+          <a:p>
+            <a:pPr lvl="1"/>
+            <a:r>
+              <a:rPr lang="en-US" dirty="0"/>
+              <a:t>pop last work list item for next node to process</a:t>
+            </a:r>
+          </a:p>
+          <a:p>
+            <a:r>
+              <a:rPr lang="en-US" dirty="0"/>
+              <a:t>Non-recursive BFS: (use work list queue)</a:t>
+            </a:r>
+          </a:p>
+          <a:p>
+            <a:pPr lvl="1"/>
+            <a:r>
+              <a:rPr lang="en-US" dirty="0"/>
+              <a:t>push targets in order onto work list</a:t>
+            </a:r>
+          </a:p>
+          <a:p>
+            <a:pPr lvl="1"/>
+            <a:r>
+              <a:rPr lang="en-US" dirty="0"/>
+              <a:t>pull from first position</a:t>
+            </a:r>
+          </a:p>
+        </p:txBody>
+      </p:sp>
+    </p:spTree>
+    <p:extLst>
+      <p:ext uri="{BB962C8B-B14F-4D97-AF65-F5344CB8AC3E}">
+        <p14:creationId xmlns:p14="http://schemas.microsoft.com/office/powerpoint/2010/main" val="1653462232"/>
       </p:ext>
     </p:extLst>
   </p:cSld>
@@ -6807,7 +8257,7 @@
           <p:cNvPr id="2" name="Title 1">
             <a:extLst>
               <a:ext uri="{FF2B5EF4-FFF2-40B4-BE49-F238E27FC236}">
-                <a16:creationId xmlns="" xmlns:a16="http://schemas.microsoft.com/office/drawing/2014/main" id="{28E269BC-FCD0-3641-BD6D-5B96C2417018}"/>
+                <a16:creationId xmlns:a16="http://schemas.microsoft.com/office/drawing/2014/main" id="{28E269BC-FCD0-3641-BD6D-5B96C2417018}"/>
               </a:ext>
             </a:extLst>
           </p:cNvPr>
@@ -6824,21 +8274,20 @@
           <a:lstStyle/>
           <a:p>
             <a:r>
-              <a:rPr lang="en-US" dirty="0" smtClean="0"/>
+              <a:rPr lang="en-US" dirty="0"/>
               <a:t>What’s a graph?</a:t>
             </a:r>
-            <a:endParaRPr lang="en-US" dirty="0"/>
-          </a:p>
-        </p:txBody>
-      </p:sp>
-      <mc:AlternateContent xmlns:mc="http://schemas.openxmlformats.org/markup-compatibility/2006">
-        <mc:Choice xmlns:a14="http://schemas.microsoft.com/office/drawing/2010/main" Requires="a14">
+          </a:p>
+        </p:txBody>
+      </p:sp>
+      <mc:AlternateContent xmlns:mc="http://schemas.openxmlformats.org/markup-compatibility/2006" xmlns:a14="http://schemas.microsoft.com/office/drawing/2010/main">
+        <mc:Choice Requires="a14">
           <p:sp>
             <p:nvSpPr>
               <p:cNvPr id="3" name="Content Placeholder 2">
                 <a:extLst>
                   <a:ext uri="{FF2B5EF4-FFF2-40B4-BE49-F238E27FC236}">
-                    <a16:creationId xmlns="" xmlns:a16="http://schemas.microsoft.com/office/drawing/2014/main" id="{011453FF-9B1C-204B-BAC3-7506D02A781A}"/>
+                    <a16:creationId xmlns:a16="http://schemas.microsoft.com/office/drawing/2014/main" id="{011453FF-9B1C-204B-BAC3-7506D02A781A}"/>
                   </a:ext>
                 </a:extLst>
               </p:cNvPr>
@@ -6857,102 +8306,102 @@
               <a:lstStyle/>
               <a:p>
                 <a:r>
-                  <a:rPr lang="en-US" dirty="0" smtClean="0"/>
+                  <a:rPr lang="en-US" dirty="0"/>
                   <a:t>A graph is a collection of connected element pairs</a:t>
                 </a:r>
               </a:p>
               <a:p>
                 <a:r>
-                  <a:rPr lang="en-US" dirty="0" smtClean="0"/>
+                  <a:rPr lang="en-US" dirty="0"/>
                   <a:t>As with a tree, a graph is an aggregate of nodes</a:t>
                 </a:r>
               </a:p>
               <a:p>
                 <a:r>
-                  <a:rPr lang="en-US" dirty="0" smtClean="0"/>
+                  <a:rPr lang="en-US" dirty="0"/>
                   <a:t>Elements/nodes are email addresses, map locations, documents, URLs on the web, customers, computers on a network, friends, observations, sensors, states in </a:t>
                 </a:r>
                 <a:r>
-                  <a:rPr lang="en-US" dirty="0" err="1" smtClean="0"/>
+                  <a:rPr lang="en-US" dirty="0" err="1"/>
                   <a:t>markov</a:t>
                 </a:r>
                 <a:r>
-                  <a:rPr lang="en-US" dirty="0" smtClean="0"/>
+                  <a:rPr lang="en-US" dirty="0"/>
                   <a:t> chain, </a:t>
                 </a:r>
                 <a:r>
-                  <a:rPr lang="mr-IN" dirty="0" smtClean="0"/>
+                  <a:rPr lang="mr-IN" dirty="0"/>
                   <a:t>…</a:t>
                 </a:r>
-                <a:endParaRPr lang="en-US" dirty="0" smtClean="0"/>
+                <a:endParaRPr lang="en-US" dirty="0"/>
               </a:p>
               <a:p>
                 <a:r>
-                  <a:rPr lang="en-US" dirty="0" smtClean="0"/>
+                  <a:rPr lang="en-US" dirty="0"/>
                   <a:t>Terms: </a:t>
                 </a:r>
                 <a:r>
-                  <a:rPr lang="en-US" i="1" dirty="0" smtClean="0"/>
+                  <a:rPr lang="en-US" i="1" dirty="0"/>
                   <a:t>nodes</a:t>
                 </a:r>
                 <a:r>
-                  <a:rPr lang="en-US" dirty="0" smtClean="0"/>
+                  <a:rPr lang="en-US" dirty="0"/>
                   <a:t> or </a:t>
                 </a:r>
                 <a:r>
-                  <a:rPr lang="en-US" i="1" dirty="0" smtClean="0"/>
+                  <a:rPr lang="en-US" i="1" dirty="0"/>
                   <a:t>vertices</a:t>
                 </a:r>
                 <a:r>
-                  <a:rPr lang="en-US" dirty="0" smtClean="0"/>
+                  <a:rPr lang="en-US" dirty="0"/>
                   <a:t> connected with </a:t>
                 </a:r>
                 <a:r>
-                  <a:rPr lang="en-US" i="1" dirty="0" smtClean="0"/>
+                  <a:rPr lang="en-US" i="1" dirty="0"/>
                   <a:t>edges</a:t>
                 </a:r>
                 <a:r>
-                  <a:rPr lang="en-US" dirty="0" smtClean="0"/>
+                  <a:rPr lang="en-US" dirty="0"/>
                   <a:t>, which can have labels</a:t>
                 </a:r>
               </a:p>
               <a:p>
                 <a:r>
-                  <a:rPr lang="en-US" i="1" dirty="0" smtClean="0"/>
+                  <a:rPr lang="en-US" i="1" dirty="0"/>
                   <a:t>Directed</a:t>
                 </a:r>
                 <a:r>
-                  <a:rPr lang="en-US" dirty="0" smtClean="0"/>
+                  <a:rPr lang="en-US" dirty="0"/>
                   <a:t> graphs have arrows as edges but </a:t>
                 </a:r>
                 <a:r>
-                  <a:rPr lang="en-US" i="1" dirty="0" smtClean="0"/>
+                  <a:rPr lang="en-US" i="1" dirty="0"/>
                   <a:t>undirected</a:t>
                 </a:r>
                 <a:r>
-                  <a:rPr lang="en-US" dirty="0" smtClean="0"/>
+                  <a:rPr lang="en-US" dirty="0"/>
                   <a:t> use lines</a:t>
                 </a:r>
               </a:p>
               <a:p>
                 <a:r>
-                  <a:rPr lang="en-US" dirty="0" smtClean="0"/>
+                  <a:rPr lang="en-US" dirty="0"/>
                   <a:t>For </a:t>
                 </a:r>
                 <a:r>
-                  <a:rPr lang="en-US" i="1" dirty="0" smtClean="0"/>
+                  <a:rPr lang="en-US" i="1" dirty="0"/>
                   <a:t>n</a:t>
                 </a:r>
                 <a:r>
-                  <a:rPr lang="en-US" dirty="0" smtClean="0"/>
+                  <a:rPr lang="en-US" dirty="0"/>
                   <a:t> nodes, </a:t>
                 </a:r>
                 <a:r>
-                  <a:rPr lang="en-US" dirty="0" err="1" smtClean="0"/>
+                  <a:rPr lang="en-US" dirty="0" err="1"/>
                   <a:t>num</a:t>
                 </a:r>
                 <a:r>
-                  <a:rPr lang="en-US" dirty="0" smtClean="0"/>
+                  <a:rPr lang="en-US" dirty="0"/>
                   <a:t> edges is &gt;=0 and &lt;= </a:t>
                 </a:r>
                 <a14:m>
@@ -6961,7 +8410,7 @@
                       <m:dPr>
                         <m:ctrlPr>
                           <a:rPr lang="mr-IN" i="1" smtClean="0">
-                            <a:latin typeface="Cambria Math" charset="0"/>
+                            <a:latin typeface="Cambria Math" panose="02040503050406030204" pitchFamily="18" charset="0"/>
                           </a:rPr>
                         </m:ctrlPr>
                       </m:dPr>
@@ -6971,7 +8420,7 @@
                             <m:type m:val="noBar"/>
                             <m:ctrlPr>
                               <a:rPr lang="mr-IN" i="1" smtClean="0">
-                                <a:latin typeface="Cambria Math" charset="0"/>
+                                <a:latin typeface="Cambria Math" panose="02040503050406030204" pitchFamily="18" charset="0"/>
                               </a:rPr>
                             </m:ctrlPr>
                           </m:fPr>
@@ -6997,19 +8446,19 @@
                   </m:oMath>
                 </a14:m>
                 <a:r>
-                  <a:rPr lang="en-US" dirty="0" smtClean="0"/>
+                  <a:rPr lang="en-US" dirty="0"/>
                   <a:t> = </a:t>
                 </a:r>
                 <a:r>
-                  <a:rPr lang="mr-IN" i="1" dirty="0" err="1" smtClean="0"/>
+                  <a:rPr lang="mr-IN" i="1" dirty="0" err="1"/>
                   <a:t>n</a:t>
                 </a:r>
                 <a:r>
-                  <a:rPr lang="mr-IN" dirty="0" smtClean="0"/>
+                  <a:rPr lang="mr-IN" dirty="0"/>
                   <a:t>(</a:t>
                 </a:r>
                 <a:r>
-                  <a:rPr lang="mr-IN" i="1" dirty="0" err="1" smtClean="0"/>
+                  <a:rPr lang="mr-IN" i="1" dirty="0" err="1"/>
                   <a:t>n</a:t>
                 </a:r>
                 <a:r>
@@ -7017,7 +8466,7 @@
                   <a:t>-</a:t>
                 </a:r>
                 <a:r>
-                  <a:rPr lang="mr-IN" i="1" dirty="0" smtClean="0"/>
+                  <a:rPr lang="mr-IN" i="1" dirty="0"/>
                   <a:t>1</a:t>
                 </a:r>
                 <a:r>
@@ -7033,7 +8482,7 @@
             </p:txBody>
           </p:sp>
         </mc:Choice>
-        <mc:Fallback>
+        <mc:Fallback xmlns="">
           <p:sp>
             <p:nvSpPr>
               <p:cNvPr id="3" name="Content Placeholder 2">
@@ -7086,6 +8535,607 @@
 </p:sld>
 </file>
 
+<file path=ppt/slides/slide20.xml><?xml version="1.0" encoding="utf-8"?>
+<p:sld xmlns:a="http://schemas.openxmlformats.org/drawingml/2006/main" xmlns:r="http://schemas.openxmlformats.org/officeDocument/2006/relationships" xmlns:p="http://schemas.openxmlformats.org/presentationml/2006/main">
+  <p:cSld>
+    <p:spTree>
+      <p:nvGrpSpPr>
+        <p:cNvPr id="1" name=""/>
+        <p:cNvGrpSpPr/>
+        <p:nvPr/>
+      </p:nvGrpSpPr>
+      <p:grpSpPr>
+        <a:xfrm>
+          <a:off x="0" y="0"/>
+          <a:ext cx="0" cy="0"/>
+          <a:chOff x="0" y="0"/>
+          <a:chExt cx="0" cy="0"/>
+        </a:xfrm>
+      </p:grpSpPr>
+      <p:sp>
+        <p:nvSpPr>
+          <p:cNvPr id="2" name="Title 1">
+            <a:extLst>
+              <a:ext uri="{FF2B5EF4-FFF2-40B4-BE49-F238E27FC236}">
+                <a16:creationId xmlns:a16="http://schemas.microsoft.com/office/drawing/2014/main" id="{DDFD2E64-84D8-A048-BE5C-C06207FAC5F2}"/>
+              </a:ext>
+            </a:extLst>
+          </p:cNvPr>
+          <p:cNvSpPr>
+            <a:spLocks noGrp="1"/>
+          </p:cNvSpPr>
+          <p:nvPr>
+            <p:ph type="title"/>
+          </p:nvPr>
+        </p:nvSpPr>
+        <p:spPr/>
+        <p:txBody>
+          <a:bodyPr/>
+          <a:lstStyle/>
+          <a:p>
+            <a:r>
+              <a:rPr lang="en-US" dirty="0"/>
+              <a:t>Sample graph problems</a:t>
+            </a:r>
+          </a:p>
+        </p:txBody>
+      </p:sp>
+      <p:sp>
+        <p:nvSpPr>
+          <p:cNvPr id="3" name="Text Placeholder 2">
+            <a:extLst>
+              <a:ext uri="{FF2B5EF4-FFF2-40B4-BE49-F238E27FC236}">
+                <a16:creationId xmlns:a16="http://schemas.microsoft.com/office/drawing/2014/main" id="{389CB97C-29E6-8C4B-A5CB-F79E459454A0}"/>
+              </a:ext>
+            </a:extLst>
+          </p:cNvPr>
+          <p:cNvSpPr>
+            <a:spLocks noGrp="1"/>
+          </p:cNvSpPr>
+          <p:nvPr>
+            <p:ph type="body" idx="1"/>
+          </p:nvPr>
+        </p:nvSpPr>
+        <p:spPr/>
+        <p:txBody>
+          <a:bodyPr/>
+          <a:lstStyle/>
+          <a:p>
+            <a:endParaRPr lang="en-US"/>
+          </a:p>
+        </p:txBody>
+      </p:sp>
+    </p:spTree>
+    <p:extLst>
+      <p:ext uri="{BB962C8B-B14F-4D97-AF65-F5344CB8AC3E}">
+        <p14:creationId xmlns:p14="http://schemas.microsoft.com/office/powerpoint/2010/main" val="731826914"/>
+      </p:ext>
+    </p:extLst>
+  </p:cSld>
+  <p:clrMapOvr>
+    <a:masterClrMapping/>
+  </p:clrMapOvr>
+</p:sld>
+</file>
+
+<file path=ppt/slides/slide21.xml><?xml version="1.0" encoding="utf-8"?>
+<p:sld xmlns:a="http://schemas.openxmlformats.org/drawingml/2006/main" xmlns:r="http://schemas.openxmlformats.org/officeDocument/2006/relationships" xmlns:p="http://schemas.openxmlformats.org/presentationml/2006/main">
+  <p:cSld>
+    <p:spTree>
+      <p:nvGrpSpPr>
+        <p:cNvPr id="1" name=""/>
+        <p:cNvGrpSpPr/>
+        <p:nvPr/>
+      </p:nvGrpSpPr>
+      <p:grpSpPr>
+        <a:xfrm>
+          <a:off x="0" y="0"/>
+          <a:ext cx="0" cy="0"/>
+          <a:chOff x="0" y="0"/>
+          <a:chExt cx="0" cy="0"/>
+        </a:xfrm>
+      </p:grpSpPr>
+      <p:sp>
+        <p:nvSpPr>
+          <p:cNvPr id="2" name="Title 1">
+            <a:extLst>
+              <a:ext uri="{FF2B5EF4-FFF2-40B4-BE49-F238E27FC236}">
+                <a16:creationId xmlns:a16="http://schemas.microsoft.com/office/drawing/2014/main" id="{7F191B5F-D0CE-BA41-A73B-830D9FB97B84}"/>
+              </a:ext>
+            </a:extLst>
+          </p:cNvPr>
+          <p:cNvSpPr>
+            <a:spLocks noGrp="1"/>
+          </p:cNvSpPr>
+          <p:nvPr>
+            <p:ph type="title"/>
+          </p:nvPr>
+        </p:nvSpPr>
+        <p:spPr/>
+        <p:txBody>
+          <a:bodyPr/>
+          <a:lstStyle/>
+          <a:p>
+            <a:r>
+              <a:rPr lang="en-US" dirty="0"/>
+              <a:t>Exercise</a:t>
+            </a:r>
+          </a:p>
+        </p:txBody>
+      </p:sp>
+      <p:sp>
+        <p:nvSpPr>
+          <p:cNvPr id="3" name="Content Placeholder 2">
+            <a:extLst>
+              <a:ext uri="{FF2B5EF4-FFF2-40B4-BE49-F238E27FC236}">
+                <a16:creationId xmlns:a16="http://schemas.microsoft.com/office/drawing/2014/main" id="{C0E1260F-C0A3-0C49-84F2-C9631FD529FD}"/>
+              </a:ext>
+            </a:extLst>
+          </p:cNvPr>
+          <p:cNvSpPr>
+            <a:spLocks noGrp="1"/>
+          </p:cNvSpPr>
+          <p:nvPr>
+            <p:ph idx="1"/>
+          </p:nvPr>
+        </p:nvSpPr>
+        <p:spPr/>
+        <p:txBody>
+          <a:bodyPr/>
+          <a:lstStyle/>
+          <a:p>
+            <a:r>
+              <a:rPr lang="en-US" dirty="0"/>
+              <a:t>Given 2 lists P,Q and function conn(</a:t>
+            </a:r>
+            <a:r>
+              <a:rPr lang="en-US" dirty="0" err="1"/>
+              <a:t>p,q</a:t>
+            </a:r>
+            <a:r>
+              <a:rPr lang="en-US" dirty="0"/>
+              <a:t>)=true if edge p-&gt;q exists. P is origin (starting) nodes and Q destination nodes. Report 1 for P[</a:t>
+            </a:r>
+            <a:r>
+              <a:rPr lang="en-US" dirty="0" err="1"/>
+              <a:t>i</a:t>
+            </a:r>
+            <a:r>
+              <a:rPr lang="en-US" dirty="0"/>
+              <a:t>] reaches Q[</a:t>
+            </a:r>
+            <a:r>
+              <a:rPr lang="en-US" dirty="0" err="1"/>
+              <a:t>i</a:t>
+            </a:r>
+            <a:r>
+              <a:rPr lang="en-US" dirty="0"/>
+              <a:t>] directly or indirectly.</a:t>
+            </a:r>
+          </a:p>
+        </p:txBody>
+      </p:sp>
+    </p:spTree>
+    <p:extLst>
+      <p:ext uri="{BB962C8B-B14F-4D97-AF65-F5344CB8AC3E}">
+        <p14:creationId xmlns:p14="http://schemas.microsoft.com/office/powerpoint/2010/main" val="1487629589"/>
+      </p:ext>
+    </p:extLst>
+  </p:cSld>
+  <p:clrMapOvr>
+    <a:masterClrMapping/>
+  </p:clrMapOvr>
+</p:sld>
+</file>
+
+<file path=ppt/slides/slide22.xml><?xml version="1.0" encoding="utf-8"?>
+<p:sld xmlns:a="http://schemas.openxmlformats.org/drawingml/2006/main" xmlns:r="http://schemas.openxmlformats.org/officeDocument/2006/relationships" xmlns:p="http://schemas.openxmlformats.org/presentationml/2006/main">
+  <p:cSld>
+    <p:spTree>
+      <p:nvGrpSpPr>
+        <p:cNvPr id="1" name=""/>
+        <p:cNvGrpSpPr/>
+        <p:nvPr/>
+      </p:nvGrpSpPr>
+      <p:grpSpPr>
+        <a:xfrm>
+          <a:off x="0" y="0"/>
+          <a:ext cx="0" cy="0"/>
+          <a:chOff x="0" y="0"/>
+          <a:chExt cx="0" cy="0"/>
+        </a:xfrm>
+      </p:grpSpPr>
+      <p:sp>
+        <p:nvSpPr>
+          <p:cNvPr id="2" name="Title 1">
+            <a:extLst>
+              <a:ext uri="{FF2B5EF4-FFF2-40B4-BE49-F238E27FC236}">
+                <a16:creationId xmlns:a16="http://schemas.microsoft.com/office/drawing/2014/main" id="{285BB816-975A-FC49-AB82-C84ED65304A7}"/>
+              </a:ext>
+            </a:extLst>
+          </p:cNvPr>
+          <p:cNvSpPr>
+            <a:spLocks noGrp="1"/>
+          </p:cNvSpPr>
+          <p:nvPr>
+            <p:ph type="title"/>
+          </p:nvPr>
+        </p:nvSpPr>
+        <p:spPr/>
+        <p:txBody>
+          <a:bodyPr/>
+          <a:lstStyle/>
+          <a:p>
+            <a:r>
+              <a:rPr lang="en-US" dirty="0"/>
+              <a:t>Exercise: Boggle</a:t>
+            </a:r>
+          </a:p>
+        </p:txBody>
+      </p:sp>
+      <p:sp>
+        <p:nvSpPr>
+          <p:cNvPr id="5" name="Content Placeholder 2">
+            <a:extLst>
+              <a:ext uri="{FF2B5EF4-FFF2-40B4-BE49-F238E27FC236}">
+                <a16:creationId xmlns:a16="http://schemas.microsoft.com/office/drawing/2014/main" id="{1B52E42C-6729-E644-A916-E4DA2DA06CBF}"/>
+              </a:ext>
+            </a:extLst>
+          </p:cNvPr>
+          <p:cNvSpPr txBox="1">
+            <a:spLocks/>
+          </p:cNvSpPr>
+          <p:nvPr/>
+        </p:nvSpPr>
+        <p:spPr>
+          <a:xfrm>
+            <a:off x="838200" y="1825625"/>
+            <a:ext cx="10515600" cy="4351338"/>
+          </a:xfrm>
+          <a:prstGeom prst="rect">
+            <a:avLst/>
+          </a:prstGeom>
+        </p:spPr>
+        <p:txBody>
+          <a:bodyPr vert="horz" lIns="91440" tIns="45720" rIns="91440" bIns="45720" rtlCol="0">
+            <a:normAutofit/>
+          </a:bodyPr>
+          <a:lstStyle>
+            <a:lvl1pPr marL="228600" indent="-228600" algn="l" defTabSz="914400" rtl="0" eaLnBrk="1" latinLnBrk="0" hangingPunct="1">
+              <a:lnSpc>
+                <a:spcPct val="90000"/>
+              </a:lnSpc>
+              <a:spcBef>
+                <a:spcPts val="1000"/>
+              </a:spcBef>
+              <a:buFont typeface="Arial" panose="020B0604020202020204" pitchFamily="34" charset="0"/>
+              <a:buChar char="•"/>
+              <a:defRPr sz="2800" kern="1200">
+                <a:solidFill>
+                  <a:schemeClr val="tx1"/>
+                </a:solidFill>
+                <a:latin typeface="+mn-lt"/>
+                <a:ea typeface="+mn-ea"/>
+                <a:cs typeface="+mn-cs"/>
+              </a:defRPr>
+            </a:lvl1pPr>
+            <a:lvl2pPr marL="685800" indent="-228600" algn="l" defTabSz="914400" rtl="0" eaLnBrk="1" latinLnBrk="0" hangingPunct="1">
+              <a:lnSpc>
+                <a:spcPct val="90000"/>
+              </a:lnSpc>
+              <a:spcBef>
+                <a:spcPts val="500"/>
+              </a:spcBef>
+              <a:buFont typeface="Arial" panose="020B0604020202020204" pitchFamily="34" charset="0"/>
+              <a:buChar char="•"/>
+              <a:defRPr sz="2400" kern="1200">
+                <a:solidFill>
+                  <a:schemeClr val="tx1"/>
+                </a:solidFill>
+                <a:latin typeface="+mn-lt"/>
+                <a:ea typeface="+mn-ea"/>
+                <a:cs typeface="+mn-cs"/>
+              </a:defRPr>
+            </a:lvl2pPr>
+            <a:lvl3pPr marL="1143000" indent="-228600" algn="l" defTabSz="914400" rtl="0" eaLnBrk="1" latinLnBrk="0" hangingPunct="1">
+              <a:lnSpc>
+                <a:spcPct val="90000"/>
+              </a:lnSpc>
+              <a:spcBef>
+                <a:spcPts val="500"/>
+              </a:spcBef>
+              <a:buFont typeface="Arial" panose="020B0604020202020204" pitchFamily="34" charset="0"/>
+              <a:buChar char="•"/>
+              <a:defRPr sz="2000" kern="1200">
+                <a:solidFill>
+                  <a:schemeClr val="tx1"/>
+                </a:solidFill>
+                <a:latin typeface="+mn-lt"/>
+                <a:ea typeface="+mn-ea"/>
+                <a:cs typeface="+mn-cs"/>
+              </a:defRPr>
+            </a:lvl3pPr>
+            <a:lvl4pPr marL="1600200" indent="-228600" algn="l" defTabSz="914400" rtl="0" eaLnBrk="1" latinLnBrk="0" hangingPunct="1">
+              <a:lnSpc>
+                <a:spcPct val="90000"/>
+              </a:lnSpc>
+              <a:spcBef>
+                <a:spcPts val="500"/>
+              </a:spcBef>
+              <a:buFont typeface="Arial" panose="020B0604020202020204" pitchFamily="34" charset="0"/>
+              <a:buChar char="•"/>
+              <a:defRPr sz="1800" kern="1200">
+                <a:solidFill>
+                  <a:schemeClr val="tx1"/>
+                </a:solidFill>
+                <a:latin typeface="+mn-lt"/>
+                <a:ea typeface="+mn-ea"/>
+                <a:cs typeface="+mn-cs"/>
+              </a:defRPr>
+            </a:lvl4pPr>
+            <a:lvl5pPr marL="2057400" indent="-228600" algn="l" defTabSz="914400" rtl="0" eaLnBrk="1" latinLnBrk="0" hangingPunct="1">
+              <a:lnSpc>
+                <a:spcPct val="90000"/>
+              </a:lnSpc>
+              <a:spcBef>
+                <a:spcPts val="500"/>
+              </a:spcBef>
+              <a:buFont typeface="Arial" panose="020B0604020202020204" pitchFamily="34" charset="0"/>
+              <a:buChar char="•"/>
+              <a:defRPr sz="1800" kern="1200">
+                <a:solidFill>
+                  <a:schemeClr val="tx1"/>
+                </a:solidFill>
+                <a:latin typeface="+mn-lt"/>
+                <a:ea typeface="+mn-ea"/>
+                <a:cs typeface="+mn-cs"/>
+              </a:defRPr>
+            </a:lvl5pPr>
+            <a:lvl6pPr marL="2514600" indent="-228600" algn="l" defTabSz="914400" rtl="0" eaLnBrk="1" latinLnBrk="0" hangingPunct="1">
+              <a:lnSpc>
+                <a:spcPct val="90000"/>
+              </a:lnSpc>
+              <a:spcBef>
+                <a:spcPts val="500"/>
+              </a:spcBef>
+              <a:buFont typeface="Arial" panose="020B0604020202020204" pitchFamily="34" charset="0"/>
+              <a:buChar char="•"/>
+              <a:defRPr sz="1800" kern="1200">
+                <a:solidFill>
+                  <a:schemeClr val="tx1"/>
+                </a:solidFill>
+                <a:latin typeface="+mn-lt"/>
+                <a:ea typeface="+mn-ea"/>
+                <a:cs typeface="+mn-cs"/>
+              </a:defRPr>
+            </a:lvl6pPr>
+            <a:lvl7pPr marL="2971800" indent="-228600" algn="l" defTabSz="914400" rtl="0" eaLnBrk="1" latinLnBrk="0" hangingPunct="1">
+              <a:lnSpc>
+                <a:spcPct val="90000"/>
+              </a:lnSpc>
+              <a:spcBef>
+                <a:spcPts val="500"/>
+              </a:spcBef>
+              <a:buFont typeface="Arial" panose="020B0604020202020204" pitchFamily="34" charset="0"/>
+              <a:buChar char="•"/>
+              <a:defRPr sz="1800" kern="1200">
+                <a:solidFill>
+                  <a:schemeClr val="tx1"/>
+                </a:solidFill>
+                <a:latin typeface="+mn-lt"/>
+                <a:ea typeface="+mn-ea"/>
+                <a:cs typeface="+mn-cs"/>
+              </a:defRPr>
+            </a:lvl7pPr>
+            <a:lvl8pPr marL="3429000" indent="-228600" algn="l" defTabSz="914400" rtl="0" eaLnBrk="1" latinLnBrk="0" hangingPunct="1">
+              <a:lnSpc>
+                <a:spcPct val="90000"/>
+              </a:lnSpc>
+              <a:spcBef>
+                <a:spcPts val="500"/>
+              </a:spcBef>
+              <a:buFont typeface="Arial" panose="020B0604020202020204" pitchFamily="34" charset="0"/>
+              <a:buChar char="•"/>
+              <a:defRPr sz="1800" kern="1200">
+                <a:solidFill>
+                  <a:schemeClr val="tx1"/>
+                </a:solidFill>
+                <a:latin typeface="+mn-lt"/>
+                <a:ea typeface="+mn-ea"/>
+                <a:cs typeface="+mn-cs"/>
+              </a:defRPr>
+            </a:lvl8pPr>
+            <a:lvl9pPr marL="3886200" indent="-228600" algn="l" defTabSz="914400" rtl="0" eaLnBrk="1" latinLnBrk="0" hangingPunct="1">
+              <a:lnSpc>
+                <a:spcPct val="90000"/>
+              </a:lnSpc>
+              <a:spcBef>
+                <a:spcPts val="500"/>
+              </a:spcBef>
+              <a:buFont typeface="Arial" panose="020B0604020202020204" pitchFamily="34" charset="0"/>
+              <a:buChar char="•"/>
+              <a:defRPr sz="1800" kern="1200">
+                <a:solidFill>
+                  <a:schemeClr val="tx1"/>
+                </a:solidFill>
+                <a:latin typeface="+mn-lt"/>
+                <a:ea typeface="+mn-ea"/>
+                <a:cs typeface="+mn-cs"/>
+              </a:defRPr>
+            </a:lvl9pPr>
+          </a:lstStyle>
+          <a:p>
+            <a:r>
+              <a:rPr lang="en-US" dirty="0"/>
+              <a:t>Find all English words possible by taking one adjacent step to another letter, starting with any letter; one occurrence of each letter per word; you’re given a dictionary (/</a:t>
+            </a:r>
+            <a:r>
+              <a:rPr lang="en-US" dirty="0" err="1"/>
+              <a:t>usr</a:t>
+            </a:r>
+            <a:r>
+              <a:rPr lang="en-US" dirty="0"/>
+              <a:t>/local/</a:t>
+            </a:r>
+            <a:r>
+              <a:rPr lang="en-US" dirty="0" err="1"/>
+              <a:t>dict</a:t>
+            </a:r>
+            <a:r>
+              <a:rPr lang="en-US" dirty="0"/>
+              <a:t>/words)</a:t>
+            </a:r>
+          </a:p>
+        </p:txBody>
+      </p:sp>
+      <p:pic>
+        <p:nvPicPr>
+          <p:cNvPr id="7" name="Picture 6">
+            <a:extLst>
+              <a:ext uri="{FF2B5EF4-FFF2-40B4-BE49-F238E27FC236}">
+                <a16:creationId xmlns:a16="http://schemas.microsoft.com/office/drawing/2014/main" id="{6FDF7C45-0481-5843-BCCA-71B13CEAE8B5}"/>
+              </a:ext>
+            </a:extLst>
+          </p:cNvPr>
+          <p:cNvPicPr>
+            <a:picLocks noChangeAspect="1"/>
+          </p:cNvPicPr>
+          <p:nvPr/>
+        </p:nvPicPr>
+        <p:blipFill>
+          <a:blip r:embed="rId2"/>
+          <a:stretch>
+            <a:fillRect/>
+          </a:stretch>
+        </p:blipFill>
+        <p:spPr>
+          <a:xfrm>
+            <a:off x="9808047" y="145778"/>
+            <a:ext cx="2115727" cy="1371735"/>
+          </a:xfrm>
+          <a:prstGeom prst="rect">
+            <a:avLst/>
+          </a:prstGeom>
+        </p:spPr>
+      </p:pic>
+      <p:pic>
+        <p:nvPicPr>
+          <p:cNvPr id="8" name="Picture 7">
+            <a:extLst>
+              <a:ext uri="{FF2B5EF4-FFF2-40B4-BE49-F238E27FC236}">
+                <a16:creationId xmlns:a16="http://schemas.microsoft.com/office/drawing/2014/main" id="{A1495880-0367-3444-91B7-24ED7B600762}"/>
+              </a:ext>
+            </a:extLst>
+          </p:cNvPr>
+          <p:cNvPicPr>
+            <a:picLocks noChangeAspect="1"/>
+          </p:cNvPicPr>
+          <p:nvPr/>
+        </p:nvPicPr>
+        <p:blipFill>
+          <a:blip r:embed="rId3"/>
+          <a:stretch>
+            <a:fillRect/>
+          </a:stretch>
+        </p:blipFill>
+        <p:spPr>
+          <a:xfrm>
+            <a:off x="9713974" y="3277394"/>
+            <a:ext cx="2209800" cy="1447800"/>
+          </a:xfrm>
+          <a:prstGeom prst="rect">
+            <a:avLst/>
+          </a:prstGeom>
+        </p:spPr>
+      </p:pic>
+    </p:spTree>
+    <p:extLst>
+      <p:ext uri="{BB962C8B-B14F-4D97-AF65-F5344CB8AC3E}">
+        <p14:creationId xmlns:p14="http://schemas.microsoft.com/office/powerpoint/2010/main" val="1234477593"/>
+      </p:ext>
+    </p:extLst>
+  </p:cSld>
+  <p:clrMapOvr>
+    <a:masterClrMapping/>
+  </p:clrMapOvr>
+  <p:timing>
+    <p:tnLst>
+      <p:par>
+        <p:cTn id="1" dur="indefinite" restart="never" nodeType="tmRoot">
+          <p:childTnLst>
+            <p:seq concurrent="1" nextAc="seek">
+              <p:cTn id="2" dur="indefinite" nodeType="mainSeq">
+                <p:childTnLst>
+                  <p:par>
+                    <p:cTn id="3" fill="hold">
+                      <p:stCondLst>
+                        <p:cond delay="indefinite"/>
+                      </p:stCondLst>
+                      <p:childTnLst>
+                        <p:par>
+                          <p:cTn id="4" fill="hold">
+                            <p:stCondLst>
+                              <p:cond delay="0"/>
+                            </p:stCondLst>
+                            <p:childTnLst>
+                              <p:par>
+                                <p:cTn id="5" presetID="1" presetClass="entr" presetSubtype="0" fill="hold" nodeType="clickEffect">
+                                  <p:stCondLst>
+                                    <p:cond delay="0"/>
+                                  </p:stCondLst>
+                                  <p:childTnLst>
+                                    <p:set>
+                                      <p:cBhvr>
+                                        <p:cTn id="6" dur="1" fill="hold">
+                                          <p:stCondLst>
+                                            <p:cond delay="0"/>
+                                          </p:stCondLst>
+                                        </p:cTn>
+                                        <p:tgtEl>
+                                          <p:spTgt spid="8"/>
+                                        </p:tgtEl>
+                                        <p:attrNameLst>
+                                          <p:attrName>style.visibility</p:attrName>
+                                        </p:attrNameLst>
+                                      </p:cBhvr>
+                                      <p:to>
+                                        <p:strVal val="visible"/>
+                                      </p:to>
+                                    </p:set>
+                                  </p:childTnLst>
+                                </p:cTn>
+                              </p:par>
+                            </p:childTnLst>
+                          </p:cTn>
+                        </p:par>
+                      </p:childTnLst>
+                    </p:cTn>
+                  </p:par>
+                </p:childTnLst>
+              </p:cTn>
+              <p:prevCondLst>
+                <p:cond evt="onPrev" delay="0">
+                  <p:tgtEl>
+                    <p:sldTgt/>
+                  </p:tgtEl>
+                </p:cond>
+              </p:prevCondLst>
+              <p:nextCondLst>
+                <p:cond evt="onNext" delay="0">
+                  <p:tgtEl>
+                    <p:sldTgt/>
+                  </p:tgtEl>
+                </p:cond>
+              </p:nextCondLst>
+            </p:seq>
+          </p:childTnLst>
+        </p:cTn>
+      </p:par>
+    </p:tnLst>
+  </p:timing>
+</p:sld>
+</file>
+
 <file path=ppt/slides/slide3.xml><?xml version="1.0" encoding="utf-8"?>
 <p:sld xmlns:a="http://schemas.openxmlformats.org/drawingml/2006/main" xmlns:r="http://schemas.openxmlformats.org/officeDocument/2006/relationships" xmlns:p="http://schemas.openxmlformats.org/presentationml/2006/main">
   <p:cSld>
@@ -7119,10 +9169,9 @@
           <a:lstStyle/>
           <a:p>
             <a:r>
-              <a:rPr lang="en-US" dirty="0" smtClean="0"/>
+              <a:rPr lang="en-US" dirty="0"/>
               <a:t>Common questions</a:t>
             </a:r>
-            <a:endParaRPr lang="en-US" dirty="0"/>
           </a:p>
         </p:txBody>
       </p:sp>
@@ -7142,34 +9191,33 @@
           <a:lstStyle/>
           <a:p>
             <a:r>
-              <a:rPr lang="en-US" dirty="0" smtClean="0"/>
+              <a:rPr lang="en-US" dirty="0"/>
               <a:t>Is q reachable from p?</a:t>
             </a:r>
           </a:p>
           <a:p>
             <a:r>
-              <a:rPr lang="en-US" dirty="0" smtClean="0"/>
+              <a:rPr lang="en-US" dirty="0"/>
               <a:t>How many edges are on paths between p and q?</a:t>
             </a:r>
           </a:p>
           <a:p>
             <a:r>
-              <a:rPr lang="en-US" dirty="0" smtClean="0"/>
+              <a:rPr lang="en-US" dirty="0"/>
               <a:t>Is graph connected? (reach any p from any q)</a:t>
             </a:r>
           </a:p>
           <a:p>
             <a:r>
-              <a:rPr lang="en-US" dirty="0" smtClean="0"/>
+              <a:rPr lang="en-US" dirty="0"/>
               <a:t>Is graph cyclic? (p reaches p traversing at least one edge)</a:t>
             </a:r>
           </a:p>
           <a:p>
             <a:r>
-              <a:rPr lang="en-US" dirty="0" smtClean="0"/>
+              <a:rPr lang="en-US" dirty="0"/>
               <a:t>Which nodes are within k edges of node p? (neighborhood)</a:t>
             </a:r>
-            <a:endParaRPr lang="en-US" dirty="0"/>
           </a:p>
         </p:txBody>
       </p:sp>
@@ -7220,13 +9268,8 @@
           <a:p>
             <a:r>
               <a:rPr lang="en-US" dirty="0"/>
-              <a:t>Adjacency matrix </a:t>
-            </a:r>
-            <a:r>
-              <a:rPr lang="en-US" dirty="0" smtClean="0"/>
-              <a:t>implementations</a:t>
-            </a:r>
-            <a:endParaRPr lang="en-US" dirty="0"/>
+              <a:t>Adjacency matrix implementations</a:t>
+            </a:r>
           </a:p>
         </p:txBody>
       </p:sp>
@@ -7246,40 +9289,40 @@
           <a:lstStyle/>
           <a:p>
             <a:r>
-              <a:rPr lang="en-US" dirty="0" smtClean="0"/>
+              <a:rPr lang="en-US" dirty="0"/>
               <a:t>Adjacency matrix, n x n matrix of {0,1} if unlabeled or {labels} if edges are labeled; undirected matrices are symmetric</a:t>
             </a:r>
           </a:p>
           <a:p>
             <a:r>
-              <a:rPr lang="en-US" dirty="0" smtClean="0"/>
+              <a:rPr lang="en-US" dirty="0"/>
               <a:t>Wastes space for</a:t>
             </a:r>
             <a:br>
-              <a:rPr lang="en-US" dirty="0" smtClean="0"/>
+              <a:rPr lang="en-US" dirty="0"/>
             </a:br>
             <a:r>
-              <a:rPr lang="en-US" dirty="0" smtClean="0"/>
+              <a:rPr lang="en-US" dirty="0"/>
               <a:t>sparse edges</a:t>
             </a:r>
           </a:p>
           <a:p>
             <a:r>
-              <a:rPr lang="en-US" dirty="0" smtClean="0"/>
+              <a:rPr lang="en-US" dirty="0"/>
               <a:t>Fast to access</a:t>
             </a:r>
             <a:br>
-              <a:rPr lang="en-US" dirty="0" smtClean="0"/>
+              <a:rPr lang="en-US" dirty="0"/>
             </a:br>
             <a:r>
-              <a:rPr lang="en-US" dirty="0" smtClean="0"/>
+              <a:rPr lang="en-US" dirty="0"/>
               <a:t>arbitrary node’s</a:t>
             </a:r>
             <a:br>
-              <a:rPr lang="en-US" dirty="0" smtClean="0"/>
+              <a:rPr lang="en-US" dirty="0"/>
             </a:br>
             <a:r>
-              <a:rPr lang="en-US" dirty="0" smtClean="0"/>
+              <a:rPr lang="en-US" dirty="0"/>
               <a:t>edges</a:t>
             </a:r>
           </a:p>
@@ -7397,16 +9440,15 @@
           <a:lstStyle/>
           <a:p>
             <a:r>
-              <a:rPr lang="en-US" dirty="0" smtClean="0"/>
+              <a:rPr lang="en-US" dirty="0"/>
               <a:t>List of edge lists for nodes</a:t>
             </a:r>
           </a:p>
           <a:p>
             <a:r>
-              <a:rPr lang="en-US" dirty="0" smtClean="0"/>
+              <a:rPr lang="en-US" dirty="0"/>
               <a:t>Fast arbitrary node access for numbered nodes, space efficient</a:t>
             </a:r>
-            <a:endParaRPr lang="en-US" dirty="0"/>
           </a:p>
         </p:txBody>
       </p:sp>
@@ -7452,10 +9494,9 @@
           </a:lstStyle>
           <a:p>
             <a:r>
-              <a:rPr lang="en-US" dirty="0" smtClean="0"/>
+              <a:rPr lang="en-US" dirty="0"/>
               <a:t>Adjacency list implementations</a:t>
             </a:r>
-            <a:endParaRPr lang="en-US" dirty="0"/>
           </a:p>
         </p:txBody>
       </p:sp>
@@ -7571,10 +9612,9 @@
           <a:lstStyle/>
           <a:p>
             <a:r>
-              <a:rPr lang="en-US" dirty="0" smtClean="0"/>
+              <a:rPr lang="en-US" dirty="0"/>
               <a:t>Connected nodes implementation</a:t>
             </a:r>
-            <a:endParaRPr lang="en-US" dirty="0"/>
           </a:p>
         </p:txBody>
       </p:sp>
@@ -7594,29 +9634,28 @@
           <a:lstStyle/>
           <a:p>
             <a:r>
-              <a:rPr lang="en-US" dirty="0" smtClean="0"/>
+              <a:rPr lang="en-US" dirty="0"/>
               <a:t>Most common implementation due to nice mapping to objects</a:t>
             </a:r>
           </a:p>
           <a:p>
             <a:r>
-              <a:rPr lang="en-US" dirty="0" smtClean="0"/>
+              <a:rPr lang="en-US" dirty="0"/>
               <a:t>Each node has info about node and edge list</a:t>
             </a:r>
           </a:p>
           <a:p>
             <a:r>
-              <a:rPr lang="en-US" dirty="0" smtClean="0"/>
+              <a:rPr lang="en-US" dirty="0"/>
               <a:t>Use list or dictionary index to</a:t>
             </a:r>
             <a:br>
-              <a:rPr lang="en-US" dirty="0" smtClean="0"/>
+              <a:rPr lang="en-US" dirty="0"/>
             </a:br>
             <a:r>
-              <a:rPr lang="en-US" dirty="0" smtClean="0"/>
+              <a:rPr lang="en-US" dirty="0"/>
               <a:t>access nodes directly</a:t>
             </a:r>
-            <a:endParaRPr lang="en-US" dirty="0"/>
           </a:p>
         </p:txBody>
       </p:sp>
@@ -7625,7 +9664,7 @@
           <p:cNvPr id="4" name="TextBox 3">
             <a:extLst>
               <a:ext uri="{FF2B5EF4-FFF2-40B4-BE49-F238E27FC236}">
-                <a16:creationId xmlns:a16="http://schemas.microsoft.com/office/drawing/2014/main" xmlns="" id="{5E0D579F-9116-314E-A31B-3D37BB7398D6}"/>
+                <a16:creationId xmlns:a16="http://schemas.microsoft.com/office/drawing/2014/main" id="{5E0D579F-9116-314E-A31B-3D37BB7398D6}"/>
               </a:ext>
             </a:extLst>
           </p:cNvPr>
@@ -7870,10 +9909,9 @@
           <a:lstStyle/>
           <a:p>
             <a:r>
-              <a:rPr lang="en-US" dirty="0" smtClean="0"/>
+              <a:rPr lang="en-US" dirty="0"/>
               <a:t>Implementation with labels</a:t>
             </a:r>
-            <a:endParaRPr lang="en-US" dirty="0"/>
           </a:p>
         </p:txBody>
       </p:sp>
@@ -7911,7 +9949,7 @@
           <p:cNvPr id="6" name="TextBox 5">
             <a:extLst>
               <a:ext uri="{FF2B5EF4-FFF2-40B4-BE49-F238E27FC236}">
-                <a16:creationId xmlns:a16="http://schemas.microsoft.com/office/drawing/2014/main" xmlns="" id="{5E0D579F-9116-314E-A31B-3D37BB7398D6}"/>
+                <a16:creationId xmlns:a16="http://schemas.microsoft.com/office/drawing/2014/main" id="{5E0D579F-9116-314E-A31B-3D37BB7398D6}"/>
               </a:ext>
             </a:extLst>
           </p:cNvPr>
@@ -8055,21 +10093,8 @@
                 <a:ea typeface="Monaco" charset="0"/>
                 <a:cs typeface="Monaco" charset="0"/>
               </a:rPr>
-              <a:t> = </a:t>
-            </a:r>
-            <a:r>
-              <a:rPr lang="en-US" sz="2200" dirty="0" smtClean="0">
-                <a:latin typeface="Monaco" charset="0"/>
-                <a:ea typeface="Monaco" charset="0"/>
-                <a:cs typeface="Monaco" charset="0"/>
-              </a:rPr>
-              <a:t>{}</a:t>
-            </a:r>
-            <a:endParaRPr lang="en-US" sz="2200" dirty="0">
-              <a:latin typeface="Monaco" charset="0"/>
-              <a:ea typeface="Monaco" charset="0"/>
-              <a:cs typeface="Monaco" charset="0"/>
-            </a:endParaRPr>
+              <a:t> = {}</a:t>
+            </a:r>
           </a:p>
           <a:p>
             <a:r>
@@ -8162,33 +10187,17 @@
                 <a:ea typeface="Monaco" charset="0"/>
                 <a:cs typeface="Monaco" charset="0"/>
               </a:rPr>
-              <a:t>__(self</a:t>
-            </a:r>
-            <a:r>
-              <a:rPr lang="en-US" sz="2200" dirty="0" smtClean="0">
-                <a:latin typeface="Monaco" charset="0"/>
-                <a:ea typeface="Monaco" charset="0"/>
-                <a:cs typeface="Monaco" charset="0"/>
-              </a:rPr>
-              <a:t>):</a:t>
-            </a:r>
-          </a:p>
-          <a:p>
-            <a:r>
-              <a:rPr lang="en-US" sz="2200" dirty="0">
-                <a:latin typeface="Monaco" charset="0"/>
-                <a:ea typeface="Monaco" charset="0"/>
-                <a:cs typeface="Monaco" charset="0"/>
-              </a:rPr>
-              <a:t> </a:t>
-            </a:r>
-            <a:r>
-              <a:rPr lang="en-US" sz="2200" dirty="0" smtClean="0">
-                <a:latin typeface="Monaco" charset="0"/>
-                <a:ea typeface="Monaco" charset="0"/>
-                <a:cs typeface="Monaco" charset="0"/>
-              </a:rPr>
-              <a:t>   return </a:t>
+              <a:t>__(self):</a:t>
+            </a:r>
+          </a:p>
+          <a:p>
+            <a:r>
+              <a:rPr lang="en-US" sz="2200" dirty="0">
+                <a:latin typeface="Monaco" charset="0"/>
+                <a:ea typeface="Monaco" charset="0"/>
+                <a:cs typeface="Monaco" charset="0"/>
+              </a:rPr>
+              <a:t>    return </a:t>
             </a:r>
             <a:r>
               <a:rPr lang="en-US" sz="2200" dirty="0" err="1">
@@ -8248,10 +10257,9 @@
           <a:lstStyle/>
           <a:p>
             <a:r>
-              <a:rPr lang="en-US" sz="2400" dirty="0" smtClean="0"/>
+              <a:rPr lang="en-US" sz="2400" dirty="0"/>
               <a:t>Edge-&gt;node dictionary, not list</a:t>
             </a:r>
-            <a:endParaRPr lang="en-US" sz="2400" dirty="0"/>
           </a:p>
         </p:txBody>
       </p:sp>
@@ -8290,15 +10298,7 @@
                 <a:ea typeface="Monaco" charset="0"/>
                 <a:cs typeface="Monaco" charset="0"/>
               </a:rPr>
-              <a:t>(100,sj</a:t>
-            </a:r>
-            <a:r>
-              <a:rPr lang="en-US" sz="2200" dirty="0" smtClean="0">
-                <a:latin typeface="Monaco" charset="0"/>
-                <a:ea typeface="Monaco" charset="0"/>
-                <a:cs typeface="Monaco" charset="0"/>
-              </a:rPr>
-              <a:t>)</a:t>
+              <a:t>(100,sj)</a:t>
             </a:r>
           </a:p>
           <a:p>
@@ -8316,20 +10316,12 @@
                 <a:ea typeface="Monaco" charset="0"/>
                 <a:cs typeface="Monaco" charset="0"/>
               </a:rPr>
-              <a:t>(150,baker</a:t>
-            </a:r>
-            <a:r>
-              <a:rPr lang="en-US" sz="2200" dirty="0" smtClean="0">
-                <a:latin typeface="Monaco" charset="0"/>
-                <a:ea typeface="Monaco" charset="0"/>
-                <a:cs typeface="Monaco" charset="0"/>
-              </a:rPr>
-              <a:t>)</a:t>
-            </a:r>
-          </a:p>
-          <a:p>
-            <a:r>
-              <a:rPr lang="mr-IN" sz="2200" dirty="0" smtClean="0">
+              <a:t>(150,baker)</a:t>
+            </a:r>
+          </a:p>
+          <a:p>
+            <a:r>
+              <a:rPr lang="mr-IN" sz="2200" dirty="0">
                 <a:latin typeface="Monaco" charset="0"/>
                 <a:ea typeface="Monaco" charset="0"/>
                 <a:cs typeface="Monaco" charset="0"/>
@@ -8390,10 +10382,9 @@
           <a:lstStyle/>
           <a:p>
             <a:r>
-              <a:rPr lang="en-US" dirty="0" smtClean="0"/>
+              <a:rPr lang="en-US" dirty="0"/>
               <a:t>Depth-first search (review)</a:t>
             </a:r>
-            <a:endParaRPr lang="en-US" dirty="0"/>
           </a:p>
         </p:txBody>
       </p:sp>
@@ -8415,13 +10406,13 @@
           <a:lstStyle/>
           <a:p>
             <a:r>
-              <a:rPr lang="en-US" dirty="0" smtClean="0"/>
+              <a:rPr lang="en-US" dirty="0"/>
               <a:t>The fundamental algorithm for answering graph questions</a:t>
             </a:r>
           </a:p>
           <a:p>
             <a:r>
-              <a:rPr lang="en-US" dirty="0" smtClean="0"/>
+              <a:rPr lang="en-US" dirty="0"/>
               <a:t>Visits all reachable nodes from p, avoiding cycles</a:t>
             </a:r>
           </a:p>
@@ -8432,7 +10423,7 @@
           <p:cNvPr id="4" name="TextBox 3">
             <a:extLst>
               <a:ext uri="{FF2B5EF4-FFF2-40B4-BE49-F238E27FC236}">
-                <a16:creationId xmlns:a16="http://schemas.microsoft.com/office/drawing/2014/main" xmlns="" id="{15368C9B-01DB-BD48-B437-681E9C29166D}"/>
+                <a16:creationId xmlns:a16="http://schemas.microsoft.com/office/drawing/2014/main" id="{15368C9B-01DB-BD48-B437-681E9C29166D}"/>
               </a:ext>
             </a:extLst>
           </p:cNvPr>
@@ -8441,8 +10432,8 @@
         </p:nvSpPr>
         <p:spPr>
           <a:xfrm>
-            <a:off x="2138796" y="2896716"/>
-            <a:ext cx="7914408" cy="3046988"/>
+            <a:off x="2138796" y="3335944"/>
+            <a:ext cx="7914408" cy="1938992"/>
           </a:xfrm>
           <a:prstGeom prst="rect">
             <a:avLst/>
@@ -8461,12 +10452,20 @@
           <a:lstStyle/>
           <a:p>
             <a:r>
+              <a:rPr lang="en-US" sz="2400" dirty="0">
+                <a:latin typeface="Monaco" charset="0"/>
+                <a:ea typeface="Monaco" charset="0"/>
+                <a:cs typeface="Monaco" charset="0"/>
+              </a:rPr>
+              <a:t>def </a:t>
+            </a:r>
+            <a:r>
               <a:rPr lang="en-US" sz="2400" dirty="0" err="1">
                 <a:latin typeface="Monaco" charset="0"/>
                 <a:ea typeface="Monaco" charset="0"/>
                 <a:cs typeface="Monaco" charset="0"/>
               </a:rPr>
-              <a:t>def</a:t>
+              <a:t>walk_graph</a:t>
             </a:r>
             <a:r>
               <a:rPr lang="en-US" sz="2400" dirty="0">
@@ -8474,7 +10473,7 @@
                 <a:ea typeface="Monaco" charset="0"/>
                 <a:cs typeface="Monaco" charset="0"/>
               </a:rPr>
-              <a:t> </a:t>
+              <a:t>(</a:t>
             </a:r>
             <a:r>
               <a:rPr lang="en-US" sz="2400" dirty="0" err="1">
@@ -8482,6 +10481,94 @@
                 <a:ea typeface="Monaco" charset="0"/>
                 <a:cs typeface="Monaco" charset="0"/>
               </a:rPr>
+              <a:t>p:Node</a:t>
+            </a:r>
+            <a:r>
+              <a:rPr lang="en-US" sz="2400" dirty="0">
+                <a:latin typeface="Monaco" charset="0"/>
+                <a:ea typeface="Monaco" charset="0"/>
+                <a:cs typeface="Monaco" charset="0"/>
+              </a:rPr>
+              <a:t>, visited=set()):</a:t>
+            </a:r>
+          </a:p>
+          <a:p>
+            <a:r>
+              <a:rPr lang="en-US" sz="2400" dirty="0">
+                <a:latin typeface="Monaco" charset="0"/>
+                <a:ea typeface="Monaco" charset="0"/>
+                <a:cs typeface="Monaco" charset="0"/>
+              </a:rPr>
+              <a:t>    if p in visited: return</a:t>
+            </a:r>
+          </a:p>
+          <a:p>
+            <a:r>
+              <a:rPr lang="en-US" sz="2400" dirty="0">
+                <a:latin typeface="Monaco" charset="0"/>
+                <a:ea typeface="Monaco" charset="0"/>
+                <a:cs typeface="Monaco" charset="0"/>
+              </a:rPr>
+              <a:t>    </a:t>
+            </a:r>
+            <a:r>
+              <a:rPr lang="en-US" sz="2400" dirty="0" err="1">
+                <a:latin typeface="Monaco" charset="0"/>
+                <a:ea typeface="Monaco" charset="0"/>
+                <a:cs typeface="Monaco" charset="0"/>
+              </a:rPr>
+              <a:t>visited.add</a:t>
+            </a:r>
+            <a:r>
+              <a:rPr lang="en-US" sz="2400" dirty="0">
+                <a:latin typeface="Monaco" charset="0"/>
+                <a:ea typeface="Monaco" charset="0"/>
+                <a:cs typeface="Monaco" charset="0"/>
+              </a:rPr>
+              <a:t>(p)</a:t>
+            </a:r>
+          </a:p>
+          <a:p>
+            <a:r>
+              <a:rPr lang="en-US" sz="2400" dirty="0">
+                <a:latin typeface="Monaco" charset="0"/>
+                <a:ea typeface="Monaco" charset="0"/>
+                <a:cs typeface="Monaco" charset="0"/>
+              </a:rPr>
+              <a:t>    for q in </a:t>
+            </a:r>
+            <a:r>
+              <a:rPr lang="en-US" sz="2400" dirty="0" err="1">
+                <a:latin typeface="Monaco" charset="0"/>
+                <a:ea typeface="Monaco" charset="0"/>
+                <a:cs typeface="Monaco" charset="0"/>
+              </a:rPr>
+              <a:t>p.edges</a:t>
+            </a:r>
+            <a:r>
+              <a:rPr lang="en-US" sz="2400" dirty="0">
+                <a:latin typeface="Monaco" charset="0"/>
+                <a:ea typeface="Monaco" charset="0"/>
+                <a:cs typeface="Monaco" charset="0"/>
+              </a:rPr>
+              <a:t>:</a:t>
+            </a:r>
+          </a:p>
+          <a:p>
+            <a:r>
+              <a:rPr lang="en-US" sz="2400" dirty="0">
+                <a:latin typeface="Monaco" charset="0"/>
+                <a:ea typeface="Monaco" charset="0"/>
+                <a:cs typeface="Monaco" charset="0"/>
+              </a:rPr>
+              <a:t>        </a:t>
+            </a:r>
+            <a:r>
+              <a:rPr lang="en-US" sz="2400" dirty="0" err="1">
+                <a:latin typeface="Monaco" charset="0"/>
+                <a:ea typeface="Monaco" charset="0"/>
+                <a:cs typeface="Monaco" charset="0"/>
+              </a:rPr>
               <a:t>walk_graph</a:t>
             </a:r>
             <a:r>
@@ -8490,293 +10577,8 @@
                 <a:ea typeface="Monaco" charset="0"/>
                 <a:cs typeface="Monaco" charset="0"/>
               </a:rPr>
-              <a:t>_(</a:t>
-            </a:r>
-            <a:r>
-              <a:rPr lang="en-US" sz="2400" dirty="0" err="1" smtClean="0">
-                <a:latin typeface="Monaco" charset="0"/>
-                <a:ea typeface="Monaco" charset="0"/>
-                <a:cs typeface="Monaco" charset="0"/>
-              </a:rPr>
-              <a:t>p:Node</a:t>
-            </a:r>
-            <a:r>
-              <a:rPr lang="en-US" sz="2400" dirty="0" smtClean="0">
-                <a:latin typeface="Monaco" charset="0"/>
-                <a:ea typeface="Monaco" charset="0"/>
-                <a:cs typeface="Monaco" charset="0"/>
-              </a:rPr>
-              <a:t>) </a:t>
-            </a:r>
-            <a:r>
-              <a:rPr lang="en-US" sz="2400" dirty="0">
-                <a:latin typeface="Monaco" charset="0"/>
-                <a:ea typeface="Monaco" charset="0"/>
-                <a:cs typeface="Monaco" charset="0"/>
-              </a:rPr>
-              <a:t>-&gt; None:</a:t>
-            </a:r>
-          </a:p>
-          <a:p>
-            <a:r>
-              <a:rPr lang="en-US" sz="2400" dirty="0" smtClean="0">
-                <a:latin typeface="Monaco" charset="0"/>
-                <a:ea typeface="Monaco" charset="0"/>
-                <a:cs typeface="Monaco" charset="0"/>
-              </a:rPr>
-              <a:t>    </a:t>
-            </a:r>
-            <a:r>
-              <a:rPr lang="en-US" sz="2400" dirty="0" err="1" smtClean="0">
-                <a:latin typeface="Monaco" charset="0"/>
-                <a:ea typeface="Monaco" charset="0"/>
-                <a:cs typeface="Monaco" charset="0"/>
-              </a:rPr>
-              <a:t>walk_graph</a:t>
-            </a:r>
-            <a:r>
-              <a:rPr lang="en-US" sz="2400" dirty="0" smtClean="0">
-                <a:latin typeface="Monaco" charset="0"/>
-                <a:ea typeface="Monaco" charset="0"/>
-                <a:cs typeface="Monaco" charset="0"/>
-              </a:rPr>
-              <a:t>_(p, set())</a:t>
-            </a:r>
-          </a:p>
-          <a:p>
-            <a:endParaRPr lang="en-US" sz="2400" dirty="0" smtClean="0">
-              <a:latin typeface="Monaco" charset="0"/>
-              <a:ea typeface="Monaco" charset="0"/>
-              <a:cs typeface="Monaco" charset="0"/>
-            </a:endParaRPr>
-          </a:p>
-          <a:p>
-            <a:r>
-              <a:rPr lang="en-US" sz="2400" dirty="0" err="1" smtClean="0">
-                <a:latin typeface="Monaco" charset="0"/>
-                <a:ea typeface="Monaco" charset="0"/>
-                <a:cs typeface="Monaco" charset="0"/>
-              </a:rPr>
-              <a:t>def</a:t>
-            </a:r>
-            <a:r>
-              <a:rPr lang="en-US" sz="2400" dirty="0" smtClean="0">
-                <a:latin typeface="Monaco" charset="0"/>
-                <a:ea typeface="Monaco" charset="0"/>
-                <a:cs typeface="Monaco" charset="0"/>
-              </a:rPr>
-              <a:t> </a:t>
-            </a:r>
-            <a:r>
-              <a:rPr lang="en-US" sz="2400" dirty="0" err="1" smtClean="0">
-                <a:latin typeface="Monaco" charset="0"/>
-                <a:ea typeface="Monaco" charset="0"/>
-                <a:cs typeface="Monaco" charset="0"/>
-              </a:rPr>
-              <a:t>walk_graph</a:t>
-            </a:r>
-            <a:r>
-              <a:rPr lang="en-US" sz="2400" dirty="0" smtClean="0">
-                <a:latin typeface="Monaco" charset="0"/>
-                <a:ea typeface="Monaco" charset="0"/>
-                <a:cs typeface="Monaco" charset="0"/>
-              </a:rPr>
-              <a:t>_(</a:t>
-            </a:r>
-            <a:r>
-              <a:rPr lang="en-US" sz="2400" dirty="0" err="1">
-                <a:latin typeface="Monaco" charset="0"/>
-                <a:ea typeface="Monaco" charset="0"/>
-                <a:cs typeface="Monaco" charset="0"/>
-              </a:rPr>
-              <a:t>p:Node</a:t>
-            </a:r>
-            <a:r>
-              <a:rPr lang="en-US" sz="2400" dirty="0">
-                <a:latin typeface="Monaco" charset="0"/>
-                <a:ea typeface="Monaco" charset="0"/>
-                <a:cs typeface="Monaco" charset="0"/>
-              </a:rPr>
-              <a:t>, </a:t>
-            </a:r>
-            <a:r>
-              <a:rPr lang="en-US" sz="2400" dirty="0" err="1" smtClean="0">
-                <a:latin typeface="Monaco" charset="0"/>
-                <a:ea typeface="Monaco" charset="0"/>
-                <a:cs typeface="Monaco" charset="0"/>
-              </a:rPr>
-              <a:t>visited:set</a:t>
-            </a:r>
-            <a:r>
-              <a:rPr lang="en-US" sz="2400" dirty="0" smtClean="0">
-                <a:latin typeface="Monaco" charset="0"/>
-                <a:ea typeface="Monaco" charset="0"/>
-                <a:cs typeface="Monaco" charset="0"/>
-              </a:rPr>
-              <a:t>)</a:t>
-            </a:r>
-            <a:r>
-              <a:rPr lang="en-US" sz="2400" dirty="0" smtClean="0">
-                <a:latin typeface="Monaco" charset="0"/>
-                <a:ea typeface="Monaco" charset="0"/>
-                <a:cs typeface="Monaco" charset="0"/>
-              </a:rPr>
-              <a:t>:</a:t>
-            </a:r>
-            <a:endParaRPr lang="en-US" sz="2400" dirty="0">
-              <a:latin typeface="Monaco" charset="0"/>
-              <a:ea typeface="Monaco" charset="0"/>
-              <a:cs typeface="Monaco" charset="0"/>
-            </a:endParaRPr>
-          </a:p>
-          <a:p>
-            <a:r>
-              <a:rPr lang="en-US" sz="2400" dirty="0" smtClean="0">
-                <a:latin typeface="Monaco" charset="0"/>
-                <a:ea typeface="Monaco" charset="0"/>
-                <a:cs typeface="Monaco" charset="0"/>
-              </a:rPr>
-              <a:t>    if </a:t>
-            </a:r>
-            <a:r>
-              <a:rPr lang="en-US" sz="2400" dirty="0">
-                <a:latin typeface="Monaco" charset="0"/>
-                <a:ea typeface="Monaco" charset="0"/>
-                <a:cs typeface="Monaco" charset="0"/>
-              </a:rPr>
-              <a:t>p in </a:t>
-            </a:r>
-            <a:r>
-              <a:rPr lang="en-US" sz="2400" dirty="0">
-                <a:latin typeface="Monaco" charset="0"/>
-                <a:ea typeface="Monaco" charset="0"/>
-                <a:cs typeface="Monaco" charset="0"/>
-              </a:rPr>
-              <a:t>visited: </a:t>
-            </a:r>
-            <a:r>
-              <a:rPr lang="en-US" sz="2400" dirty="0">
-                <a:latin typeface="Monaco" charset="0"/>
-                <a:ea typeface="Monaco" charset="0"/>
-                <a:cs typeface="Monaco" charset="0"/>
-              </a:rPr>
-              <a:t>return</a:t>
-            </a:r>
-          </a:p>
-          <a:p>
-            <a:r>
-              <a:rPr lang="en-US" sz="2400" dirty="0">
-                <a:latin typeface="Monaco" charset="0"/>
-                <a:ea typeface="Monaco" charset="0"/>
-                <a:cs typeface="Monaco" charset="0"/>
-              </a:rPr>
-              <a:t>    </a:t>
-            </a:r>
-            <a:r>
-              <a:rPr lang="en-US" sz="2400" dirty="0" err="1">
-                <a:latin typeface="Monaco" charset="0"/>
-                <a:ea typeface="Monaco" charset="0"/>
-                <a:cs typeface="Monaco" charset="0"/>
-              </a:rPr>
-              <a:t>visited.add</a:t>
-            </a:r>
-            <a:r>
-              <a:rPr lang="en-US" sz="2400" dirty="0">
-                <a:latin typeface="Monaco" charset="0"/>
-                <a:ea typeface="Monaco" charset="0"/>
-                <a:cs typeface="Monaco" charset="0"/>
-              </a:rPr>
-              <a:t>(p</a:t>
-            </a:r>
-            <a:r>
-              <a:rPr lang="en-US" sz="2400" dirty="0">
-                <a:latin typeface="Monaco" charset="0"/>
-                <a:ea typeface="Monaco" charset="0"/>
-                <a:cs typeface="Monaco" charset="0"/>
-              </a:rPr>
-              <a:t>)</a:t>
-            </a:r>
-          </a:p>
-          <a:p>
-            <a:r>
-              <a:rPr lang="en-US" sz="2400" dirty="0" smtClean="0">
-                <a:latin typeface="Monaco" charset="0"/>
-                <a:ea typeface="Monaco" charset="0"/>
-                <a:cs typeface="Monaco" charset="0"/>
-              </a:rPr>
-              <a:t>    for </a:t>
-            </a:r>
-            <a:r>
-              <a:rPr lang="en-US" sz="2400" dirty="0">
-                <a:latin typeface="Monaco" charset="0"/>
-                <a:ea typeface="Monaco" charset="0"/>
-                <a:cs typeface="Monaco" charset="0"/>
-              </a:rPr>
-              <a:t>q in </a:t>
-            </a:r>
-            <a:r>
-              <a:rPr lang="en-US" sz="2400" dirty="0" err="1">
-                <a:latin typeface="Monaco" charset="0"/>
-                <a:ea typeface="Monaco" charset="0"/>
-                <a:cs typeface="Monaco" charset="0"/>
-              </a:rPr>
-              <a:t>p.edges</a:t>
-            </a:r>
-            <a:r>
-              <a:rPr lang="en-US" sz="2400" dirty="0">
-                <a:latin typeface="Monaco" charset="0"/>
-                <a:ea typeface="Monaco" charset="0"/>
-                <a:cs typeface="Monaco" charset="0"/>
-              </a:rPr>
-              <a:t>:</a:t>
-            </a:r>
-          </a:p>
-          <a:p>
-            <a:r>
-              <a:rPr lang="en-US" sz="2400" dirty="0">
-                <a:latin typeface="Monaco" charset="0"/>
-                <a:ea typeface="Monaco" charset="0"/>
-                <a:cs typeface="Monaco" charset="0"/>
-              </a:rPr>
-              <a:t>        </a:t>
-            </a:r>
-            <a:r>
-              <a:rPr lang="en-US" sz="2400" dirty="0" err="1" smtClean="0">
-                <a:latin typeface="Monaco" charset="0"/>
-                <a:ea typeface="Monaco" charset="0"/>
-                <a:cs typeface="Monaco" charset="0"/>
-              </a:rPr>
-              <a:t>walk_graph</a:t>
-            </a:r>
-            <a:r>
-              <a:rPr lang="en-US" sz="2400" dirty="0" smtClean="0">
-                <a:latin typeface="Monaco" charset="0"/>
-                <a:ea typeface="Monaco" charset="0"/>
-                <a:cs typeface="Monaco" charset="0"/>
-              </a:rPr>
-              <a:t>_(</a:t>
-            </a:r>
-            <a:r>
-              <a:rPr lang="en-US" sz="2400" dirty="0">
-                <a:latin typeface="Monaco" charset="0"/>
-                <a:ea typeface="Monaco" charset="0"/>
-                <a:cs typeface="Monaco" charset="0"/>
-              </a:rPr>
-              <a:t>q, visited</a:t>
-            </a:r>
-            <a:r>
-              <a:rPr lang="en-US" sz="2400" dirty="0" smtClean="0">
-                <a:latin typeface="Monaco" charset="0"/>
-                <a:ea typeface="Monaco" charset="0"/>
-                <a:cs typeface="Monaco" charset="0"/>
-              </a:rPr>
-              <a:t>)</a:t>
-            </a:r>
-            <a:endParaRPr lang="en-US" sz="2400" dirty="0">
-              <a:latin typeface="Monaco" charset="0"/>
-              <a:ea typeface="Monaco" charset="0"/>
-              <a:cs typeface="Monaco" charset="0"/>
-            </a:endParaRPr>
+              <a:t>(q, visited)</a:t>
+            </a:r>
           </a:p>
         </p:txBody>
       </p:sp>
@@ -8832,18 +10634,17 @@
           <a:lstStyle/>
           <a:p>
             <a:r>
-              <a:rPr lang="en-US" sz="2200" dirty="0" smtClean="0"/>
+              <a:rPr lang="en-US" sz="2200" dirty="0"/>
               <a:t>O(</a:t>
             </a:r>
             <a:r>
-              <a:rPr lang="en-US" sz="2200" dirty="0" err="1" smtClean="0"/>
+              <a:rPr lang="en-US" sz="2200" dirty="0" err="1"/>
               <a:t>n,m</a:t>
             </a:r>
             <a:r>
-              <a:rPr lang="en-US" sz="2200" dirty="0" smtClean="0"/>
+              <a:rPr lang="en-US" sz="2200" dirty="0"/>
               <a:t>) = n + m, for n nodes, m edges; m can be n^2</a:t>
             </a:r>
-            <a:endParaRPr lang="en-US" sz="2200" dirty="0"/>
           </a:p>
         </p:txBody>
       </p:sp>
@@ -8893,10 +10694,9 @@
           <a:lstStyle/>
           <a:p>
             <a:r>
-              <a:rPr lang="en-US" dirty="0" smtClean="0"/>
+              <a:rPr lang="en-US" dirty="0"/>
               <a:t>Are there cycles?</a:t>
             </a:r>
-            <a:endParaRPr lang="en-US" dirty="0"/>
           </a:p>
         </p:txBody>
       </p:sp>
@@ -8916,10 +10716,9 @@
           <a:lstStyle/>
           <a:p>
             <a:r>
-              <a:rPr lang="en-US" dirty="0" smtClean="0"/>
+              <a:rPr lang="en-US" dirty="0"/>
               <a:t>If we run into same node in seen set, return True</a:t>
             </a:r>
-            <a:endParaRPr lang="en-US" dirty="0"/>
           </a:p>
         </p:txBody>
       </p:sp>
@@ -8928,7 +10727,7 @@
           <p:cNvPr id="4" name="TextBox 3">
             <a:extLst>
               <a:ext uri="{FF2B5EF4-FFF2-40B4-BE49-F238E27FC236}">
-                <a16:creationId xmlns:a16="http://schemas.microsoft.com/office/drawing/2014/main" xmlns="" id="{15368C9B-01DB-BD48-B437-681E9C29166D}"/>
+                <a16:creationId xmlns:a16="http://schemas.microsoft.com/office/drawing/2014/main" id="{15368C9B-01DB-BD48-B437-681E9C29166D}"/>
               </a:ext>
             </a:extLst>
           </p:cNvPr>
@@ -8937,8 +10736,8 @@
         </p:nvSpPr>
         <p:spPr>
           <a:xfrm>
-            <a:off x="2263486" y="2349747"/>
-            <a:ext cx="8189769" cy="3785652"/>
+            <a:off x="1971657" y="2563755"/>
+            <a:ext cx="8436940" cy="2677656"/>
           </a:xfrm>
           <a:prstGeom prst="rect">
             <a:avLst/>
@@ -8957,12 +10756,20 @@
           <a:lstStyle/>
           <a:p>
             <a:r>
+              <a:rPr lang="en-US" sz="2400" dirty="0">
+                <a:latin typeface="Monaco" charset="0"/>
+                <a:ea typeface="Monaco" charset="0"/>
+                <a:cs typeface="Monaco" charset="0"/>
+              </a:rPr>
+              <a:t>def </a:t>
+            </a:r>
+            <a:r>
               <a:rPr lang="en-US" sz="2400" dirty="0" err="1">
                 <a:latin typeface="Monaco" charset="0"/>
                 <a:ea typeface="Monaco" charset="0"/>
                 <a:cs typeface="Monaco" charset="0"/>
               </a:rPr>
-              <a:t>def</a:t>
+              <a:t>iscyclic</a:t>
             </a:r>
             <a:r>
               <a:rPr lang="en-US" sz="2400" dirty="0">
@@ -8970,26 +10777,10 @@
                 <a:ea typeface="Monaco" charset="0"/>
                 <a:cs typeface="Monaco" charset="0"/>
               </a:rPr>
-              <a:t> </a:t>
-            </a:r>
-            <a:r>
-              <a:rPr lang="en-US" sz="2400" dirty="0" err="1" smtClean="0">
-                <a:latin typeface="Monaco" charset="0"/>
-                <a:ea typeface="Monaco" charset="0"/>
-                <a:cs typeface="Monaco" charset="0"/>
-              </a:rPr>
-              <a:t>iscyclic</a:t>
-            </a:r>
-            <a:r>
-              <a:rPr lang="en-US" sz="2400" dirty="0" smtClean="0">
-                <a:latin typeface="Monaco" charset="0"/>
-                <a:ea typeface="Monaco" charset="0"/>
-                <a:cs typeface="Monaco" charset="0"/>
-              </a:rPr>
-              <a:t>_(</a:t>
-            </a:r>
-            <a:r>
-              <a:rPr lang="en-US" sz="2400" dirty="0" err="1" smtClean="0">
+              <a:t>(</a:t>
+            </a:r>
+            <a:r>
+              <a:rPr lang="en-US" sz="2400" dirty="0" err="1">
                 <a:latin typeface="Monaco" charset="0"/>
                 <a:ea typeface="Monaco" charset="0"/>
                 <a:cs typeface="Monaco" charset="0"/>
@@ -8997,23 +10788,25 @@
               <a:t>p:Node</a:t>
             </a:r>
             <a:r>
-              <a:rPr lang="en-US" sz="2400" dirty="0" smtClean="0">
-                <a:latin typeface="Monaco" charset="0"/>
-                <a:ea typeface="Monaco" charset="0"/>
-                <a:cs typeface="Monaco" charset="0"/>
-              </a:rPr>
-              <a:t>) </a:t>
-            </a:r>
-            <a:r>
               <a:rPr lang="en-US" sz="2400" dirty="0">
                 <a:latin typeface="Monaco" charset="0"/>
                 <a:ea typeface="Monaco" charset="0"/>
                 <a:cs typeface="Monaco" charset="0"/>
               </a:rPr>
-              <a:t>-&gt; </a:t>
-            </a:r>
-            <a:r>
-              <a:rPr lang="en-US" sz="2400" dirty="0" smtClean="0">
+              <a:t>, visited=set()) -&gt; bool:</a:t>
+            </a:r>
+          </a:p>
+          <a:p>
+            <a:r>
+              <a:rPr lang="en-US" sz="2400" dirty="0">
+                <a:latin typeface="Monaco" charset="0"/>
+                <a:ea typeface="Monaco" charset="0"/>
+                <a:cs typeface="Monaco" charset="0"/>
+              </a:rPr>
+              <a:t>    if p in visited: return </a:t>
+            </a:r>
+            <a:r>
+              <a:rPr lang="en-US" sz="2400" dirty="0">
                 <a:solidFill>
                   <a:schemeClr val="accent1"/>
                 </a:solidFill>
@@ -9021,33 +10814,98 @@
                 <a:ea typeface="Monaco" charset="0"/>
                 <a:cs typeface="Monaco" charset="0"/>
               </a:rPr>
-              <a:t>bool</a:t>
-            </a:r>
-            <a:r>
-              <a:rPr lang="en-US" sz="2400" dirty="0" smtClean="0">
+              <a:t>True</a:t>
+            </a:r>
+          </a:p>
+          <a:p>
+            <a:r>
+              <a:rPr lang="en-US" sz="2400" dirty="0">
+                <a:latin typeface="Monaco" charset="0"/>
+                <a:ea typeface="Monaco" charset="0"/>
+                <a:cs typeface="Monaco" charset="0"/>
+              </a:rPr>
+              <a:t>    </a:t>
+            </a:r>
+            <a:r>
+              <a:rPr lang="en-US" sz="2400" dirty="0" err="1">
+                <a:latin typeface="Monaco" charset="0"/>
+                <a:ea typeface="Monaco" charset="0"/>
+                <a:cs typeface="Monaco" charset="0"/>
+              </a:rPr>
+              <a:t>visited.add</a:t>
+            </a:r>
+            <a:r>
+              <a:rPr lang="en-US" sz="2400" dirty="0">
+                <a:latin typeface="Monaco" charset="0"/>
+                <a:ea typeface="Monaco" charset="0"/>
+                <a:cs typeface="Monaco" charset="0"/>
+              </a:rPr>
+              <a:t>(p)</a:t>
+            </a:r>
+          </a:p>
+          <a:p>
+            <a:r>
+              <a:rPr lang="en-US" sz="2400" dirty="0">
+                <a:latin typeface="Monaco" charset="0"/>
+                <a:ea typeface="Monaco" charset="0"/>
+                <a:cs typeface="Monaco" charset="0"/>
+              </a:rPr>
+              <a:t>    for q in </a:t>
+            </a:r>
+            <a:r>
+              <a:rPr lang="en-US" sz="2400" dirty="0" err="1">
+                <a:latin typeface="Monaco" charset="0"/>
+                <a:ea typeface="Monaco" charset="0"/>
+                <a:cs typeface="Monaco" charset="0"/>
+              </a:rPr>
+              <a:t>p.edges</a:t>
+            </a:r>
+            <a:r>
+              <a:rPr lang="en-US" sz="2400" dirty="0">
                 <a:latin typeface="Monaco" charset="0"/>
                 <a:ea typeface="Monaco" charset="0"/>
                 <a:cs typeface="Monaco" charset="0"/>
               </a:rPr>
               <a:t>:</a:t>
             </a:r>
-            <a:endParaRPr lang="en-US" sz="2400" dirty="0">
-              <a:latin typeface="Monaco" charset="0"/>
-              <a:ea typeface="Monaco" charset="0"/>
-              <a:cs typeface="Monaco" charset="0"/>
-            </a:endParaRPr>
-          </a:p>
-          <a:p>
-            <a:r>
-              <a:rPr lang="en-US" sz="2400" dirty="0" smtClean="0">
-                <a:latin typeface="Monaco" charset="0"/>
-                <a:ea typeface="Monaco" charset="0"/>
-                <a:cs typeface="Monaco" charset="0"/>
-              </a:rPr>
-              <a:t>    </a:t>
-            </a:r>
-            <a:r>
-              <a:rPr lang="en-US" sz="2400" dirty="0" smtClean="0">
+          </a:p>
+          <a:p>
+            <a:r>
+              <a:rPr lang="en-US" sz="2400" dirty="0">
+                <a:latin typeface="Monaco" charset="0"/>
+                <a:ea typeface="Monaco" charset="0"/>
+                <a:cs typeface="Monaco" charset="0"/>
+              </a:rPr>
+              <a:t>        c = </a:t>
+            </a:r>
+            <a:r>
+              <a:rPr lang="en-US" sz="2400" dirty="0" err="1">
+                <a:latin typeface="Monaco" charset="0"/>
+                <a:ea typeface="Monaco" charset="0"/>
+                <a:cs typeface="Monaco" charset="0"/>
+              </a:rPr>
+              <a:t>iscyclic</a:t>
+            </a:r>
+            <a:r>
+              <a:rPr lang="en-US" sz="2400" dirty="0">
+                <a:latin typeface="Monaco" charset="0"/>
+                <a:ea typeface="Monaco" charset="0"/>
+                <a:cs typeface="Monaco" charset="0"/>
+              </a:rPr>
+              <a:t>(q, visited)</a:t>
+            </a:r>
+          </a:p>
+          <a:p>
+            <a:r>
+              <a:rPr lang="en-US" sz="2400" dirty="0">
+                <a:latin typeface="Monaco" charset="0"/>
+                <a:ea typeface="Monaco" charset="0"/>
+                <a:cs typeface="Monaco" charset="0"/>
+              </a:rPr>
+              <a:t>        </a:t>
+            </a:r>
+            <a:r>
+              <a:rPr lang="en-US" sz="2400" dirty="0">
                 <a:solidFill>
                   <a:schemeClr val="accent1"/>
                 </a:solidFill>
@@ -9055,178 +10913,20 @@
                 <a:ea typeface="Monaco" charset="0"/>
                 <a:cs typeface="Monaco" charset="0"/>
               </a:rPr>
-              <a:t>return</a:t>
-            </a:r>
-            <a:r>
-              <a:rPr lang="en-US" sz="2400" dirty="0" smtClean="0">
-                <a:latin typeface="Monaco" charset="0"/>
-                <a:ea typeface="Monaco" charset="0"/>
-                <a:cs typeface="Monaco" charset="0"/>
-              </a:rPr>
-              <a:t> </a:t>
-            </a:r>
-            <a:r>
-              <a:rPr lang="en-US" sz="2400" dirty="0" err="1" smtClean="0">
-                <a:latin typeface="Monaco" charset="0"/>
-                <a:ea typeface="Monaco" charset="0"/>
-                <a:cs typeface="Monaco" charset="0"/>
-              </a:rPr>
-              <a:t>iscyclic</a:t>
-            </a:r>
-            <a:r>
-              <a:rPr lang="en-US" sz="2400" dirty="0" smtClean="0">
-                <a:latin typeface="Monaco" charset="0"/>
-                <a:ea typeface="Monaco" charset="0"/>
-                <a:cs typeface="Monaco" charset="0"/>
-              </a:rPr>
-              <a:t>_(</a:t>
-            </a:r>
-            <a:r>
-              <a:rPr lang="en-US" sz="2400" dirty="0" smtClean="0">
-                <a:latin typeface="Monaco" charset="0"/>
-                <a:ea typeface="Monaco" charset="0"/>
-                <a:cs typeface="Monaco" charset="0"/>
-              </a:rPr>
-              <a:t>p, set())</a:t>
-            </a:r>
-          </a:p>
-          <a:p>
-            <a:endParaRPr lang="en-US" sz="2400" dirty="0" smtClean="0">
-              <a:latin typeface="Monaco" charset="0"/>
-              <a:ea typeface="Monaco" charset="0"/>
-              <a:cs typeface="Monaco" charset="0"/>
-            </a:endParaRPr>
-          </a:p>
-          <a:p>
-            <a:r>
-              <a:rPr lang="en-US" sz="2400" dirty="0" err="1" smtClean="0">
-                <a:latin typeface="Monaco" charset="0"/>
-                <a:ea typeface="Monaco" charset="0"/>
-                <a:cs typeface="Monaco" charset="0"/>
-              </a:rPr>
-              <a:t>def</a:t>
-            </a:r>
+              <a:t>if c: return True # we can stop</a:t>
+            </a:r>
+          </a:p>
+          <a:p>
             <a:r>
               <a:rPr lang="en-US" sz="2400" dirty="0">
                 <a:latin typeface="Monaco" charset="0"/>
                 <a:ea typeface="Monaco" charset="0"/>
                 <a:cs typeface="Monaco" charset="0"/>
               </a:rPr>
-              <a:t> </a:t>
-            </a:r>
-            <a:r>
-              <a:rPr lang="en-US" sz="2400" dirty="0" err="1" smtClean="0">
-                <a:latin typeface="Monaco" charset="0"/>
-                <a:ea typeface="Monaco" charset="0"/>
-                <a:cs typeface="Monaco" charset="0"/>
-              </a:rPr>
-              <a:t>iscyclic</a:t>
-            </a:r>
-            <a:r>
-              <a:rPr lang="en-US" sz="2400" dirty="0" smtClean="0">
-                <a:latin typeface="Monaco" charset="0"/>
-                <a:ea typeface="Monaco" charset="0"/>
-                <a:cs typeface="Monaco" charset="0"/>
-              </a:rPr>
-              <a:t>_(</a:t>
-            </a:r>
-            <a:r>
-              <a:rPr lang="en-US" sz="2400" dirty="0" err="1">
-                <a:latin typeface="Monaco" charset="0"/>
-                <a:ea typeface="Monaco" charset="0"/>
-                <a:cs typeface="Monaco" charset="0"/>
-              </a:rPr>
-              <a:t>p:Node</a:t>
+              <a:t>    return </a:t>
             </a:r>
             <a:r>
               <a:rPr lang="en-US" sz="2400" dirty="0">
-                <a:latin typeface="Monaco" charset="0"/>
-                <a:ea typeface="Monaco" charset="0"/>
-                <a:cs typeface="Monaco" charset="0"/>
-              </a:rPr>
-              <a:t>, </a:t>
-            </a:r>
-            <a:r>
-              <a:rPr lang="en-US" sz="2400" dirty="0" err="1">
-                <a:latin typeface="Monaco" charset="0"/>
-                <a:ea typeface="Monaco" charset="0"/>
-                <a:cs typeface="Monaco" charset="0"/>
-              </a:rPr>
-              <a:t>visited</a:t>
-            </a:r>
-            <a:r>
-              <a:rPr lang="en-US" sz="2400" dirty="0" err="1" smtClean="0">
-                <a:latin typeface="Monaco" charset="0"/>
-                <a:ea typeface="Monaco" charset="0"/>
-                <a:cs typeface="Monaco" charset="0"/>
-              </a:rPr>
-              <a:t>:set</a:t>
-            </a:r>
-            <a:r>
-              <a:rPr lang="en-US" sz="2400" dirty="0" smtClean="0">
-                <a:latin typeface="Monaco" charset="0"/>
-                <a:ea typeface="Monaco" charset="0"/>
-                <a:cs typeface="Monaco" charset="0"/>
-              </a:rPr>
-              <a:t>) </a:t>
-            </a:r>
-            <a:r>
-              <a:rPr lang="en-US" sz="2400" dirty="0">
-                <a:latin typeface="Monaco" charset="0"/>
-                <a:ea typeface="Monaco" charset="0"/>
-                <a:cs typeface="Monaco" charset="0"/>
-              </a:rPr>
-              <a:t>-&gt; </a:t>
-            </a:r>
-            <a:r>
-              <a:rPr lang="en-US" sz="2400" dirty="0" smtClean="0">
-                <a:latin typeface="Monaco" charset="0"/>
-                <a:ea typeface="Monaco" charset="0"/>
-                <a:cs typeface="Monaco" charset="0"/>
-              </a:rPr>
-              <a:t>bool:</a:t>
-            </a:r>
-            <a:endParaRPr lang="en-US" sz="2400" dirty="0">
-              <a:latin typeface="Monaco" charset="0"/>
-              <a:ea typeface="Monaco" charset="0"/>
-              <a:cs typeface="Monaco" charset="0"/>
-            </a:endParaRPr>
-          </a:p>
-          <a:p>
-            <a:r>
-              <a:rPr lang="en-US" sz="2400" dirty="0" smtClean="0">
-                <a:latin typeface="Monaco" charset="0"/>
-                <a:ea typeface="Monaco" charset="0"/>
-                <a:cs typeface="Monaco" charset="0"/>
-              </a:rPr>
-              <a:t>    if </a:t>
-            </a:r>
-            <a:r>
-              <a:rPr lang="en-US" sz="2400" dirty="0">
-                <a:latin typeface="Monaco" charset="0"/>
-                <a:ea typeface="Monaco" charset="0"/>
-                <a:cs typeface="Monaco" charset="0"/>
-              </a:rPr>
-              <a:t>p in </a:t>
-            </a:r>
-            <a:r>
-              <a:rPr lang="en-US" sz="2400" dirty="0">
-                <a:latin typeface="Monaco" charset="0"/>
-                <a:ea typeface="Monaco" charset="0"/>
-                <a:cs typeface="Monaco" charset="0"/>
-              </a:rPr>
-              <a:t>visited: </a:t>
-            </a:r>
-            <a:r>
-              <a:rPr lang="en-US" sz="2400" dirty="0" smtClean="0">
-                <a:latin typeface="Monaco" charset="0"/>
-                <a:ea typeface="Monaco" charset="0"/>
-                <a:cs typeface="Monaco" charset="0"/>
-              </a:rPr>
-              <a:t>return </a:t>
-            </a:r>
-            <a:r>
-              <a:rPr lang="en-US" sz="2400" dirty="0" smtClean="0">
                 <a:solidFill>
                   <a:schemeClr val="accent1"/>
                 </a:solidFill>
@@ -9234,192 +10934,8 @@
                 <a:ea typeface="Monaco" charset="0"/>
                 <a:cs typeface="Monaco" charset="0"/>
               </a:rPr>
-              <a:t>True</a:t>
-            </a:r>
-            <a:endParaRPr lang="en-US" sz="2400" dirty="0">
-              <a:solidFill>
-                <a:schemeClr val="accent1"/>
-              </a:solidFill>
-              <a:latin typeface="Monaco" charset="0"/>
-              <a:ea typeface="Monaco" charset="0"/>
-              <a:cs typeface="Monaco" charset="0"/>
-            </a:endParaRPr>
-          </a:p>
-          <a:p>
-            <a:r>
-              <a:rPr lang="en-US" sz="2400" dirty="0">
-                <a:latin typeface="Monaco" charset="0"/>
-                <a:ea typeface="Monaco" charset="0"/>
-                <a:cs typeface="Monaco" charset="0"/>
-              </a:rPr>
-              <a:t>    </a:t>
-            </a:r>
-            <a:r>
-              <a:rPr lang="en-US" sz="2400" dirty="0" err="1">
-                <a:latin typeface="Monaco" charset="0"/>
-                <a:ea typeface="Monaco" charset="0"/>
-                <a:cs typeface="Monaco" charset="0"/>
-              </a:rPr>
-              <a:t>visited.add</a:t>
-            </a:r>
-            <a:r>
-              <a:rPr lang="en-US" sz="2400" dirty="0">
-                <a:latin typeface="Monaco" charset="0"/>
-                <a:ea typeface="Monaco" charset="0"/>
-                <a:cs typeface="Monaco" charset="0"/>
-              </a:rPr>
-              <a:t>(p</a:t>
-            </a:r>
-            <a:r>
-              <a:rPr lang="en-US" sz="2400" dirty="0">
-                <a:latin typeface="Monaco" charset="0"/>
-                <a:ea typeface="Monaco" charset="0"/>
-                <a:cs typeface="Monaco" charset="0"/>
-              </a:rPr>
-              <a:t>)</a:t>
-            </a:r>
-          </a:p>
-          <a:p>
-            <a:r>
-              <a:rPr lang="en-US" sz="2400" dirty="0" smtClean="0">
-                <a:latin typeface="Monaco" charset="0"/>
-                <a:ea typeface="Monaco" charset="0"/>
-                <a:cs typeface="Monaco" charset="0"/>
-              </a:rPr>
-              <a:t>    for </a:t>
-            </a:r>
-            <a:r>
-              <a:rPr lang="en-US" sz="2400" dirty="0">
-                <a:latin typeface="Monaco" charset="0"/>
-                <a:ea typeface="Monaco" charset="0"/>
-                <a:cs typeface="Monaco" charset="0"/>
-              </a:rPr>
-              <a:t>q in </a:t>
-            </a:r>
-            <a:r>
-              <a:rPr lang="en-US" sz="2400" dirty="0" err="1">
-                <a:latin typeface="Monaco" charset="0"/>
-                <a:ea typeface="Monaco" charset="0"/>
-                <a:cs typeface="Monaco" charset="0"/>
-              </a:rPr>
-              <a:t>p.edges</a:t>
-            </a:r>
-            <a:r>
-              <a:rPr lang="en-US" sz="2400" dirty="0">
-                <a:latin typeface="Monaco" charset="0"/>
-                <a:ea typeface="Monaco" charset="0"/>
-                <a:cs typeface="Monaco" charset="0"/>
-              </a:rPr>
-              <a:t>:</a:t>
-            </a:r>
-          </a:p>
-          <a:p>
-            <a:r>
-              <a:rPr lang="en-US" sz="2400" dirty="0" smtClean="0">
-                <a:latin typeface="Monaco" charset="0"/>
-                <a:ea typeface="Monaco" charset="0"/>
-                <a:cs typeface="Monaco" charset="0"/>
-              </a:rPr>
-              <a:t>        c = </a:t>
-            </a:r>
-            <a:r>
-              <a:rPr lang="en-US" sz="2400" dirty="0" err="1" smtClean="0">
-                <a:latin typeface="Monaco" charset="0"/>
-                <a:ea typeface="Monaco" charset="0"/>
-                <a:cs typeface="Monaco" charset="0"/>
-              </a:rPr>
-              <a:t>iscyclic</a:t>
-            </a:r>
-            <a:r>
-              <a:rPr lang="en-US" sz="2400" dirty="0" smtClean="0">
-                <a:latin typeface="Monaco" charset="0"/>
-                <a:ea typeface="Monaco" charset="0"/>
-                <a:cs typeface="Monaco" charset="0"/>
-              </a:rPr>
-              <a:t>_(</a:t>
-            </a:r>
-            <a:r>
-              <a:rPr lang="en-US" sz="2400" dirty="0">
-                <a:latin typeface="Monaco" charset="0"/>
-                <a:ea typeface="Monaco" charset="0"/>
-                <a:cs typeface="Monaco" charset="0"/>
-              </a:rPr>
-              <a:t>q, visited</a:t>
-            </a:r>
-            <a:r>
-              <a:rPr lang="en-US" sz="2400" dirty="0" smtClean="0">
-                <a:latin typeface="Monaco" charset="0"/>
-                <a:ea typeface="Monaco" charset="0"/>
-                <a:cs typeface="Monaco" charset="0"/>
-              </a:rPr>
-              <a:t>)</a:t>
-            </a:r>
-          </a:p>
-          <a:p>
-            <a:r>
-              <a:rPr lang="en-US" sz="2400" dirty="0">
-                <a:latin typeface="Monaco" charset="0"/>
-                <a:ea typeface="Monaco" charset="0"/>
-                <a:cs typeface="Monaco" charset="0"/>
-              </a:rPr>
-              <a:t> </a:t>
-            </a:r>
-            <a:r>
-              <a:rPr lang="en-US" sz="2400" dirty="0" smtClean="0">
-                <a:latin typeface="Monaco" charset="0"/>
-                <a:ea typeface="Monaco" charset="0"/>
-                <a:cs typeface="Monaco" charset="0"/>
-              </a:rPr>
-              <a:t>       </a:t>
-            </a:r>
-            <a:r>
-              <a:rPr lang="en-US" sz="2400" dirty="0" smtClean="0">
-                <a:solidFill>
-                  <a:schemeClr val="accent1"/>
-                </a:solidFill>
-                <a:latin typeface="Monaco" charset="0"/>
-                <a:ea typeface="Monaco" charset="0"/>
-                <a:cs typeface="Monaco" charset="0"/>
-              </a:rPr>
-              <a:t>if c: return True # we can stop</a:t>
-            </a:r>
-          </a:p>
-          <a:p>
-            <a:r>
-              <a:rPr lang="en-US" sz="2400" dirty="0">
-                <a:latin typeface="Monaco" charset="0"/>
-                <a:ea typeface="Monaco" charset="0"/>
-                <a:cs typeface="Monaco" charset="0"/>
-              </a:rPr>
-              <a:t> </a:t>
-            </a:r>
-            <a:r>
-              <a:rPr lang="en-US" sz="2400" dirty="0" smtClean="0">
-                <a:latin typeface="Monaco" charset="0"/>
-                <a:ea typeface="Monaco" charset="0"/>
-                <a:cs typeface="Monaco" charset="0"/>
-              </a:rPr>
-              <a:t>   return </a:t>
-            </a:r>
-            <a:r>
-              <a:rPr lang="en-US" sz="2400" dirty="0" smtClean="0">
-                <a:solidFill>
-                  <a:schemeClr val="accent1"/>
-                </a:solidFill>
-                <a:latin typeface="Monaco" charset="0"/>
-                <a:ea typeface="Monaco" charset="0"/>
-                <a:cs typeface="Monaco" charset="0"/>
-              </a:rPr>
               <a:t>False</a:t>
             </a:r>
-            <a:endParaRPr lang="en-US" sz="2400" dirty="0">
-              <a:solidFill>
-                <a:schemeClr val="accent1"/>
-              </a:solidFill>
-              <a:latin typeface="Monaco" charset="0"/>
-              <a:ea typeface="Monaco" charset="0"/>
-              <a:cs typeface="Monaco" charset="0"/>
-            </a:endParaRPr>
           </a:p>
         </p:txBody>
       </p:sp>
@@ -9446,11 +10962,11 @@
           <a:lstStyle/>
           <a:p>
             <a:r>
-              <a:rPr lang="en-US" sz="2200" dirty="0" smtClean="0"/>
+              <a:rPr lang="en-US" sz="2200" dirty="0"/>
               <a:t>Could also test “</a:t>
             </a:r>
             <a:r>
-              <a:rPr lang="en-US" sz="2200" dirty="0" smtClean="0">
+              <a:rPr lang="en-US" sz="2200" dirty="0">
                 <a:latin typeface="Monaco" charset="0"/>
                 <a:ea typeface="Monaco" charset="0"/>
                 <a:cs typeface="Monaco" charset="0"/>
@@ -9458,18 +10974,13 @@
               <a:t>p in reachable(p)</a:t>
             </a:r>
             <a:r>
-              <a:rPr lang="en-US" sz="2200" dirty="0" smtClean="0">
+              <a:rPr lang="en-US" sz="2200" dirty="0">
                 <a:latin typeface="Arial" charset="0"/>
                 <a:ea typeface="Arial" charset="0"/>
                 <a:cs typeface="Arial" charset="0"/>
               </a:rPr>
               <a:t>”</a:t>
             </a:r>
-            <a:endParaRPr lang="en-US" sz="2200" dirty="0">
-              <a:latin typeface="Arial" charset="0"/>
-              <a:ea typeface="Arial" charset="0"/>
-              <a:cs typeface="Arial" charset="0"/>
-            </a:endParaRPr>
           </a:p>
         </p:txBody>
       </p:sp>

--- a/notes/graphs.pptx
+++ b/notes/graphs.pptx
@@ -5,10 +5,10 @@
     <p:sldMasterId id="2147483672" r:id="rId1"/>
   </p:sldMasterIdLst>
   <p:notesMasterIdLst>
-    <p:notesMasterId r:id="rId24"/>
+    <p:notesMasterId r:id="rId29"/>
   </p:notesMasterIdLst>
   <p:handoutMasterIdLst>
-    <p:handoutMasterId r:id="rId25"/>
+    <p:handoutMasterId r:id="rId30"/>
   </p:handoutMasterIdLst>
   <p:sldIdLst>
     <p:sldId id="256" r:id="rId2"/>
@@ -29,10 +29,15 @@
     <p:sldId id="301" r:id="rId17"/>
     <p:sldId id="309" r:id="rId18"/>
     <p:sldId id="310" r:id="rId19"/>
-    <p:sldId id="308" r:id="rId20"/>
-    <p:sldId id="305" r:id="rId21"/>
-    <p:sldId id="306" r:id="rId22"/>
-    <p:sldId id="307" r:id="rId23"/>
+    <p:sldId id="312" r:id="rId20"/>
+    <p:sldId id="311" r:id="rId21"/>
+    <p:sldId id="313" r:id="rId22"/>
+    <p:sldId id="315" r:id="rId23"/>
+    <p:sldId id="314" r:id="rId24"/>
+    <p:sldId id="308" r:id="rId25"/>
+    <p:sldId id="305" r:id="rId26"/>
+    <p:sldId id="306" r:id="rId27"/>
+    <p:sldId id="307" r:id="rId28"/>
   </p:sldIdLst>
   <p:sldSz cx="12192000" cy="6858000"/>
   <p:notesSz cx="9144000" cy="6858000"/>
@@ -7859,14 +7864,19 @@
             <p:ph type="title"/>
           </p:nvPr>
         </p:nvSpPr>
-        <p:spPr/>
+        <p:spPr>
+          <a:xfrm>
+            <a:off x="674370" y="365125"/>
+            <a:ext cx="10679430" cy="1325563"/>
+          </a:xfrm>
+        </p:spPr>
         <p:txBody>
           <a:bodyPr/>
           <a:lstStyle/>
           <a:p>
             <a:r>
               <a:rPr lang="en-US" dirty="0"/>
-              <a:t>Topological sort</a:t>
+              <a:t>Topological sort (acyclic graphs)</a:t>
             </a:r>
           </a:p>
         </p:txBody>
@@ -7887,10 +7897,15 @@
             <p:ph idx="1"/>
           </p:nvPr>
         </p:nvSpPr>
-        <p:spPr/>
+        <p:spPr>
+          <a:xfrm>
+            <a:off x="674370" y="1825625"/>
+            <a:ext cx="10679430" cy="4351338"/>
+          </a:xfrm>
+        </p:spPr>
         <p:txBody>
           <a:bodyPr>
-            <a:normAutofit lnSpcReduction="10000"/>
+            <a:normAutofit/>
           </a:bodyPr>
           <a:lstStyle/>
           <a:p>
@@ -7900,21 +7915,62 @@
             </a:r>
             <a:r>
               <a:rPr lang="en-US" dirty="0"/>
-              <a:t>: Find linear ordering of nodes in directed graph such that all constraints, u-&gt;v, are satisfied where u depends on v so v must come before u</a:t>
-            </a:r>
-          </a:p>
-          <a:p>
-            <a:r>
-              <a:rPr lang="en-US" dirty="0"/>
-              <a:t>Any ordering where edges all point to </a:t>
-            </a:r>
-            <a:r>
-              <a:rPr lang="en-US"/>
-              <a:t>the left </a:t>
-            </a:r>
-            <a:r>
-              <a:rPr lang="en-US" dirty="0"/>
-              <a:t>is a solution</a:t>
+              <a:t>: Find linear ordering of nodes in</a:t>
+            </a:r>
+            <a:br>
+              <a:rPr lang="en-US" dirty="0"/>
+            </a:br>
+            <a:r>
+              <a:rPr lang="en-US" dirty="0"/>
+              <a:t>directed acyclic graph such that all constraints,</a:t>
+            </a:r>
+            <a:br>
+              <a:rPr lang="en-US" dirty="0"/>
+            </a:br>
+            <a:r>
+              <a:rPr lang="en-US" dirty="0"/>
+              <a:t>u-&gt;v, are satisfied where u depends on v so</a:t>
+            </a:r>
+            <a:br>
+              <a:rPr lang="en-US" dirty="0"/>
+            </a:br>
+            <a:r>
+              <a:rPr lang="en-US" dirty="0"/>
+              <a:t>v must come before u</a:t>
+            </a:r>
+          </a:p>
+          <a:p>
+            <a:r>
+              <a:rPr lang="en-US" dirty="0"/>
+              <a:t>E.g., task ordering or course </a:t>
+            </a:r>
+            <a:r>
+              <a:rPr lang="en-US" dirty="0" err="1"/>
+              <a:t>prereq</a:t>
+            </a:r>
+            <a:r>
+              <a:rPr lang="en-US" dirty="0"/>
+              <a:t> chain. 501</a:t>
+            </a:r>
+            <a:br>
+              <a:rPr lang="en-US" dirty="0"/>
+            </a:br>
+            <a:r>
+              <a:rPr lang="en-US" dirty="0"/>
+              <a:t>depends on 501; 502,504,693 depend on 601… </a:t>
+            </a:r>
+            <a:br>
+              <a:rPr lang="en-US" dirty="0"/>
+            </a:br>
+            <a:r>
+              <a:rPr lang="en-US" dirty="0"/>
+              <a:t>Find order we should take classes</a:t>
+            </a:r>
+          </a:p>
+          <a:p>
+            <a:r>
+              <a:rPr lang="en-US" dirty="0"/>
+              <a:t>Any linear ordering where edges point to left is solution</a:t>
             </a:r>
           </a:p>
           <a:p>
@@ -7923,31 +7979,38 @@
               <a:t>Sort is not unique</a:t>
             </a:r>
           </a:p>
-          <a:p>
-            <a:r>
-              <a:rPr lang="en-US" dirty="0"/>
-              <a:t>DFS-based topological sort:  A valid sort is just the post-order graph traversal!</a:t>
-            </a:r>
-          </a:p>
-          <a:p>
-            <a:r>
-              <a:rPr lang="en-US" dirty="0"/>
-              <a:t>Well, we have to make sure to do DFS on all root nodes (nodes w/o incoming edges) but core is just DFS</a:t>
-            </a:r>
-          </a:p>
-          <a:p>
-            <a:r>
-              <a:rPr lang="en-US" dirty="0"/>
-              <a:t>With one root, it’s just </a:t>
-            </a:r>
-            <a:r>
-              <a:rPr lang="en-US" dirty="0" err="1"/>
-              <a:t>postorder</a:t>
-            </a:r>
-            <a:endParaRPr lang="en-US" dirty="0"/>
-          </a:p>
-        </p:txBody>
-      </p:sp>
+        </p:txBody>
+      </p:sp>
+      <p:pic>
+        <p:nvPicPr>
+          <p:cNvPr id="5" name="Picture 4">
+            <a:extLst>
+              <a:ext uri="{FF2B5EF4-FFF2-40B4-BE49-F238E27FC236}">
+                <a16:creationId xmlns:a16="http://schemas.microsoft.com/office/drawing/2014/main" id="{58D267DE-6D70-F94F-9D8A-509E8742AD38}"/>
+              </a:ext>
+            </a:extLst>
+          </p:cNvPr>
+          <p:cNvPicPr>
+            <a:picLocks noChangeAspect="1"/>
+          </p:cNvPicPr>
+          <p:nvPr/>
+        </p:nvPicPr>
+        <p:blipFill>
+          <a:blip r:embed="rId2"/>
+          <a:stretch>
+            <a:fillRect/>
+          </a:stretch>
+        </p:blipFill>
+        <p:spPr>
+          <a:xfrm>
+            <a:off x="8778241" y="629919"/>
+            <a:ext cx="3413759" cy="3982719"/>
+          </a:xfrm>
+          <a:prstGeom prst="rect">
+            <a:avLst/>
+          </a:prstGeom>
+        </p:spPr>
+      </p:pic>
     </p:spTree>
     <p:extLst>
       <p:ext uri="{BB962C8B-B14F-4D97-AF65-F5344CB8AC3E}">
@@ -8103,7 +8166,7 @@
           <p:cNvPr id="2" name="Title 1">
             <a:extLst>
               <a:ext uri="{FF2B5EF4-FFF2-40B4-BE49-F238E27FC236}">
-                <a16:creationId xmlns:a16="http://schemas.microsoft.com/office/drawing/2014/main" id="{1F2B352F-CE3D-7041-AD7E-CD17118D3037}"/>
+                <a16:creationId xmlns:a16="http://schemas.microsoft.com/office/drawing/2014/main" id="{65C9391A-B892-F349-BBF1-A96E0D91C19C}"/>
               </a:ext>
             </a:extLst>
           </p:cNvPr>
@@ -8121,7 +8184,7 @@
           <a:p>
             <a:r>
               <a:rPr lang="en-US" dirty="0"/>
-              <a:t>Summary</a:t>
+              <a:t>How to approach the problem</a:t>
             </a:r>
           </a:p>
         </p:txBody>
@@ -8131,7 +8194,7 @@
           <p:cNvPr id="3" name="Content Placeholder 2">
             <a:extLst>
               <a:ext uri="{FF2B5EF4-FFF2-40B4-BE49-F238E27FC236}">
-                <a16:creationId xmlns:a16="http://schemas.microsoft.com/office/drawing/2014/main" id="{7879AF3B-7FE8-2941-A4F8-C0A6F984CEB2}"/>
+                <a16:creationId xmlns:a16="http://schemas.microsoft.com/office/drawing/2014/main" id="{1FD8F6C6-C068-DE48-8688-7C0D86229477}"/>
               </a:ext>
             </a:extLst>
           </p:cNvPr>
@@ -8142,90 +8205,164 @@
             <p:ph idx="1"/>
           </p:nvPr>
         </p:nvSpPr>
-        <p:spPr/>
-        <p:txBody>
-          <a:bodyPr/>
+        <p:spPr>
+          <a:xfrm>
+            <a:off x="712470" y="1797050"/>
+            <a:ext cx="10515600" cy="4351338"/>
+          </a:xfrm>
+        </p:spPr>
+        <p:txBody>
+          <a:bodyPr>
+            <a:normAutofit lnSpcReduction="10000"/>
+          </a:bodyPr>
           <a:lstStyle/>
           <a:p>
             <a:r>
               <a:rPr lang="en-US" dirty="0"/>
-              <a:t>DFS for finding a path or multiple paths</a:t>
-            </a:r>
-          </a:p>
-          <a:p>
-            <a:r>
-              <a:rPr lang="en-US" dirty="0"/>
-              <a:t>BFS for find shortest (in edges) path or neighborhood</a:t>
-            </a:r>
-          </a:p>
-          <a:p>
-            <a:r>
-              <a:rPr lang="en-US" dirty="0"/>
-              <a:t>Recursive </a:t>
-            </a:r>
-            <a:r>
-              <a:rPr lang="en-US" dirty="0" err="1"/>
-              <a:t>alg’s</a:t>
-            </a:r>
-            <a:r>
-              <a:rPr lang="en-US" dirty="0"/>
-              <a:t> all use </a:t>
-            </a:r>
-            <a:r>
-              <a:rPr lang="en-US" b="1" dirty="0"/>
-              <a:t>visited</a:t>
-            </a:r>
-            <a:r>
-              <a:rPr lang="en-US" dirty="0"/>
-              <a:t> set to avoid cycles</a:t>
-            </a:r>
-          </a:p>
-          <a:p>
-            <a:r>
-              <a:rPr lang="en-US" dirty="0"/>
-              <a:t>Non-recursive DFS: (use work list stack)</a:t>
-            </a:r>
-          </a:p>
-          <a:p>
-            <a:pPr lvl="1"/>
-            <a:r>
-              <a:rPr lang="en-US" dirty="0"/>
-              <a:t>push targets in reverse order onto work list</a:t>
-            </a:r>
-          </a:p>
-          <a:p>
-            <a:pPr lvl="1"/>
-            <a:r>
-              <a:rPr lang="en-US" dirty="0"/>
-              <a:t>pop last work list item for next node to process</a:t>
-            </a:r>
-          </a:p>
-          <a:p>
-            <a:r>
-              <a:rPr lang="en-US" dirty="0"/>
-              <a:t>Non-recursive BFS: (use work list queue)</a:t>
-            </a:r>
-          </a:p>
-          <a:p>
-            <a:pPr lvl="1"/>
-            <a:r>
-              <a:rPr lang="en-US" dirty="0"/>
-              <a:t>push targets in order onto work list</a:t>
-            </a:r>
-          </a:p>
-          <a:p>
-            <a:pPr lvl="1"/>
-            <a:r>
-              <a:rPr lang="en-US" dirty="0"/>
-              <a:t>pull from first position</a:t>
-            </a:r>
-          </a:p>
-        </p:txBody>
-      </p:sp>
+              <a:t>What order should we do these tasks?</a:t>
+            </a:r>
+            <a:br>
+              <a:rPr lang="en-US" dirty="0"/>
+            </a:br>
+            <a:r>
+              <a:rPr lang="en-US" dirty="0"/>
+              <a:t>Think in terms of traversal order</a:t>
+            </a:r>
+          </a:p>
+          <a:p>
+            <a:endParaRPr lang="en-US" dirty="0"/>
+          </a:p>
+          <a:p>
+            <a:endParaRPr lang="en-US" dirty="0"/>
+          </a:p>
+          <a:p>
+            <a:r>
+              <a:rPr lang="en-US" dirty="0"/>
+              <a:t>What if we add party goal?</a:t>
+            </a:r>
+          </a:p>
+          <a:p>
+            <a:endParaRPr lang="en-US" dirty="0"/>
+          </a:p>
+          <a:p>
+            <a:endParaRPr lang="en-US" dirty="0"/>
+          </a:p>
+          <a:p>
+            <a:r>
+              <a:rPr lang="en-US" dirty="0"/>
+              <a:t>Cycles would cause trouble; are meaningless when</a:t>
+            </a:r>
+            <a:br>
+              <a:rPr lang="en-US" dirty="0"/>
+            </a:br>
+            <a:r>
+              <a:rPr lang="en-US" dirty="0"/>
+              <a:t>dealing with dependencies; how can 630-01 be</a:t>
+            </a:r>
+            <a:br>
+              <a:rPr lang="en-US" dirty="0"/>
+            </a:br>
+            <a:r>
+              <a:rPr lang="en-US" dirty="0"/>
+              <a:t>attended before itself?</a:t>
+            </a:r>
+          </a:p>
+        </p:txBody>
+      </p:sp>
+      <p:pic>
+        <p:nvPicPr>
+          <p:cNvPr id="5" name="Picture 4">
+            <a:extLst>
+              <a:ext uri="{FF2B5EF4-FFF2-40B4-BE49-F238E27FC236}">
+                <a16:creationId xmlns:a16="http://schemas.microsoft.com/office/drawing/2014/main" id="{E58D4851-B8B0-254E-A5E2-69132FA51C6F}"/>
+              </a:ext>
+            </a:extLst>
+          </p:cNvPr>
+          <p:cNvPicPr>
+            <a:picLocks noChangeAspect="1"/>
+          </p:cNvPicPr>
+          <p:nvPr/>
+        </p:nvPicPr>
+        <p:blipFill>
+          <a:blip r:embed="rId2"/>
+          <a:stretch>
+            <a:fillRect/>
+          </a:stretch>
+        </p:blipFill>
+        <p:spPr>
+          <a:xfrm>
+            <a:off x="8578850" y="3130709"/>
+            <a:ext cx="3289300" cy="1447800"/>
+          </a:xfrm>
+          <a:prstGeom prst="rect">
+            <a:avLst/>
+          </a:prstGeom>
+        </p:spPr>
+      </p:pic>
+      <p:pic>
+        <p:nvPicPr>
+          <p:cNvPr id="6" name="Picture 5">
+            <a:extLst>
+              <a:ext uri="{FF2B5EF4-FFF2-40B4-BE49-F238E27FC236}">
+                <a16:creationId xmlns:a16="http://schemas.microsoft.com/office/drawing/2014/main" id="{F95340B7-6B91-E143-8596-0A66A5344B66}"/>
+              </a:ext>
+            </a:extLst>
+          </p:cNvPr>
+          <p:cNvPicPr>
+            <a:picLocks noChangeAspect="1"/>
+          </p:cNvPicPr>
+          <p:nvPr/>
+        </p:nvPicPr>
+        <p:blipFill>
+          <a:blip r:embed="rId3"/>
+          <a:stretch>
+            <a:fillRect/>
+          </a:stretch>
+        </p:blipFill>
+        <p:spPr>
+          <a:xfrm>
+            <a:off x="9864090" y="5003801"/>
+            <a:ext cx="990600" cy="1143000"/>
+          </a:xfrm>
+          <a:prstGeom prst="rect">
+            <a:avLst/>
+          </a:prstGeom>
+        </p:spPr>
+      </p:pic>
+      <p:pic>
+        <p:nvPicPr>
+          <p:cNvPr id="8" name="Picture 7">
+            <a:extLst>
+              <a:ext uri="{FF2B5EF4-FFF2-40B4-BE49-F238E27FC236}">
+                <a16:creationId xmlns:a16="http://schemas.microsoft.com/office/drawing/2014/main" id="{F4DAE2B4-F0B9-6746-AB32-FF4DBCD2AE56}"/>
+              </a:ext>
+            </a:extLst>
+          </p:cNvPr>
+          <p:cNvPicPr>
+            <a:picLocks noChangeAspect="1"/>
+          </p:cNvPicPr>
+          <p:nvPr/>
+        </p:nvPicPr>
+        <p:blipFill>
+          <a:blip r:embed="rId4"/>
+          <a:stretch>
+            <a:fillRect/>
+          </a:stretch>
+        </p:blipFill>
+        <p:spPr>
+          <a:xfrm>
+            <a:off x="9641840" y="1257617"/>
+            <a:ext cx="2184400" cy="1447800"/>
+          </a:xfrm>
+          <a:prstGeom prst="rect">
+            <a:avLst/>
+          </a:prstGeom>
+        </p:spPr>
+      </p:pic>
     </p:spTree>
     <p:extLst>
       <p:ext uri="{BB962C8B-B14F-4D97-AF65-F5344CB8AC3E}">
-        <p14:creationId xmlns:p14="http://schemas.microsoft.com/office/powerpoint/2010/main" val="1653462232"/>
+        <p14:creationId xmlns:p14="http://schemas.microsoft.com/office/powerpoint/2010/main" val="1440752801"/>
       </p:ext>
     </p:extLst>
   </p:cSld>
@@ -8557,7 +8694,7 @@
           <p:cNvPr id="2" name="Title 1">
             <a:extLst>
               <a:ext uri="{FF2B5EF4-FFF2-40B4-BE49-F238E27FC236}">
-                <a16:creationId xmlns:a16="http://schemas.microsoft.com/office/drawing/2014/main" id="{DDFD2E64-84D8-A048-BE5C-C06207FAC5F2}"/>
+                <a16:creationId xmlns:a16="http://schemas.microsoft.com/office/drawing/2014/main" id="{D923F8B9-AF0B-514B-82D1-85ABBEE15D9A}"/>
               </a:ext>
             </a:extLst>
           </p:cNvPr>
@@ -8575,17 +8712,17 @@
           <a:p>
             <a:r>
               <a:rPr lang="en-US" dirty="0"/>
-              <a:t>Sample graph problems</a:t>
-            </a:r>
-          </a:p>
-        </p:txBody>
-      </p:sp>
-      <p:sp>
-        <p:nvSpPr>
-          <p:cNvPr id="3" name="Text Placeholder 2">
+              <a:t>DFS-based Topo sort implementation</a:t>
+            </a:r>
+          </a:p>
+        </p:txBody>
+      </p:sp>
+      <p:sp>
+        <p:nvSpPr>
+          <p:cNvPr id="3" name="Content Placeholder 2">
             <a:extLst>
               <a:ext uri="{FF2B5EF4-FFF2-40B4-BE49-F238E27FC236}">
-                <a16:creationId xmlns:a16="http://schemas.microsoft.com/office/drawing/2014/main" id="{389CB97C-29E6-8C4B-A5CB-F79E459454A0}"/>
+                <a16:creationId xmlns:a16="http://schemas.microsoft.com/office/drawing/2014/main" id="{795773DF-8C82-FB4E-81C4-2102CD70483E}"/>
               </a:ext>
             </a:extLst>
           </p:cNvPr>
@@ -8593,7 +8730,7 @@
             <a:spLocks noGrp="1"/>
           </p:cNvSpPr>
           <p:nvPr>
-            <p:ph type="body" idx="1"/>
+            <p:ph idx="1"/>
           </p:nvPr>
         </p:nvSpPr>
         <p:spPr/>
@@ -8601,14 +8738,52 @@
           <a:bodyPr/>
           <a:lstStyle/>
           <a:p>
-            <a:endParaRPr lang="en-US"/>
+            <a:r>
+              <a:rPr lang="en-US" dirty="0"/>
+              <a:t>Lots of very complex algorithms on the web</a:t>
+            </a:r>
+          </a:p>
+          <a:p>
+            <a:r>
+              <a:rPr lang="en-US" dirty="0"/>
+              <a:t>Simplest solution: DFS-based topological sort</a:t>
+            </a:r>
+          </a:p>
+          <a:p>
+            <a:r>
+              <a:rPr lang="en-US" dirty="0"/>
+              <a:t>A valid sort is just the post-order graph traversal!</a:t>
+            </a:r>
+          </a:p>
+          <a:p>
+            <a:r>
+              <a:rPr lang="en-US" dirty="0"/>
+              <a:t>Well, we have to make sure to do DFS on all root nodes (nodes w/o incoming edges) but core is just DFS</a:t>
+            </a:r>
+          </a:p>
+          <a:p>
+            <a:r>
+              <a:rPr lang="en-US" dirty="0"/>
+              <a:t>With one root, it’s just </a:t>
+            </a:r>
+            <a:r>
+              <a:rPr lang="en-US" dirty="0" err="1"/>
+              <a:t>postorder</a:t>
+            </a:r>
+            <a:r>
+              <a:rPr lang="en-US" dirty="0"/>
+              <a:t> traversal via DFS</a:t>
+            </a:r>
+          </a:p>
+          <a:p>
+            <a:endParaRPr lang="en-US" dirty="0"/>
           </a:p>
         </p:txBody>
       </p:sp>
     </p:spTree>
     <p:extLst>
       <p:ext uri="{BB962C8B-B14F-4D97-AF65-F5344CB8AC3E}">
-        <p14:creationId xmlns:p14="http://schemas.microsoft.com/office/powerpoint/2010/main" val="731826914"/>
+        <p14:creationId xmlns:p14="http://schemas.microsoft.com/office/powerpoint/2010/main" val="3446848248"/>
       </p:ext>
     </p:extLst>
   </p:cSld>
@@ -8640,6 +8815,1177 @@
           <p:cNvPr id="2" name="Title 1">
             <a:extLst>
               <a:ext uri="{FF2B5EF4-FFF2-40B4-BE49-F238E27FC236}">
+                <a16:creationId xmlns:a16="http://schemas.microsoft.com/office/drawing/2014/main" id="{E08C6E45-1E02-BE40-A272-B806C5DFC4A4}"/>
+              </a:ext>
+            </a:extLst>
+          </p:cNvPr>
+          <p:cNvSpPr>
+            <a:spLocks noGrp="1"/>
+          </p:cNvSpPr>
+          <p:nvPr>
+            <p:ph type="title"/>
+          </p:nvPr>
+        </p:nvSpPr>
+        <p:spPr/>
+        <p:txBody>
+          <a:bodyPr/>
+          <a:lstStyle/>
+          <a:p>
+            <a:r>
+              <a:rPr lang="en-US" dirty="0"/>
+              <a:t>Example walk through</a:t>
+            </a:r>
+          </a:p>
+        </p:txBody>
+      </p:sp>
+      <p:sp>
+        <p:nvSpPr>
+          <p:cNvPr id="3" name="Content Placeholder 2">
+            <a:extLst>
+              <a:ext uri="{FF2B5EF4-FFF2-40B4-BE49-F238E27FC236}">
+                <a16:creationId xmlns:a16="http://schemas.microsoft.com/office/drawing/2014/main" id="{CCB0AB97-0977-514C-A2D1-A6D30362D7AF}"/>
+              </a:ext>
+            </a:extLst>
+          </p:cNvPr>
+          <p:cNvSpPr>
+            <a:spLocks noGrp="1"/>
+          </p:cNvSpPr>
+          <p:nvPr>
+            <p:ph idx="1"/>
+          </p:nvPr>
+        </p:nvSpPr>
+        <p:spPr/>
+        <p:txBody>
+          <a:bodyPr/>
+          <a:lstStyle/>
+          <a:p>
+            <a:r>
+              <a:rPr lang="en-US" dirty="0"/>
+              <a:t>DFS starting with party:</a:t>
+            </a:r>
+            <a:br>
+              <a:rPr lang="en-US" dirty="0"/>
+            </a:br>
+            <a:r>
+              <a:rPr lang="en-US" dirty="0"/>
+              <a:t>party -&gt; 628 -&gt; 630</a:t>
+            </a:r>
+            <a:br>
+              <a:rPr lang="en-US" dirty="0"/>
+            </a:br>
+            <a:r>
+              <a:rPr lang="en-US" dirty="0"/>
+              <a:t>back out then hit 689 then lunch</a:t>
+            </a:r>
+            <a:br>
+              <a:rPr lang="en-US" dirty="0"/>
+            </a:br>
+            <a:r>
+              <a:rPr lang="en-US" dirty="0"/>
+              <a:t>back out and hit seminar</a:t>
+            </a:r>
+          </a:p>
+          <a:p>
+            <a:r>
+              <a:rPr lang="en-US" dirty="0" err="1"/>
+              <a:t>Postorder</a:t>
+            </a:r>
+            <a:r>
+              <a:rPr lang="en-US" dirty="0"/>
+              <a:t> traversal processes </a:t>
+            </a:r>
+            <a:r>
+              <a:rPr lang="en-US" b="1" dirty="0"/>
+              <a:t>after</a:t>
+            </a:r>
+            <a:r>
+              <a:rPr lang="en-US" dirty="0"/>
+              <a:t> visiting children:</a:t>
+            </a:r>
+            <a:br>
+              <a:rPr lang="en-US" dirty="0"/>
+            </a:br>
+            <a:r>
+              <a:rPr lang="en-US" dirty="0"/>
+              <a:t>630, lunch, seminar, 689, 628, party</a:t>
+            </a:r>
+          </a:p>
+          <a:p>
+            <a:r>
+              <a:rPr lang="en-US" dirty="0"/>
+              <a:t>Solution: 630-01, lunch, seminar, 689-02, 628 </a:t>
+            </a:r>
+            <a:r>
+              <a:rPr lang="en-US" dirty="0" err="1"/>
+              <a:t>hw</a:t>
+            </a:r>
+            <a:r>
+              <a:rPr lang="en-US" dirty="0"/>
+              <a:t>, party</a:t>
+            </a:r>
+          </a:p>
+        </p:txBody>
+      </p:sp>
+      <p:pic>
+        <p:nvPicPr>
+          <p:cNvPr id="4" name="Content Placeholder 5">
+            <a:extLst>
+              <a:ext uri="{FF2B5EF4-FFF2-40B4-BE49-F238E27FC236}">
+                <a16:creationId xmlns:a16="http://schemas.microsoft.com/office/drawing/2014/main" id="{A09425AA-673D-C043-A2A6-D4BEF587D45F}"/>
+              </a:ext>
+            </a:extLst>
+          </p:cNvPr>
+          <p:cNvPicPr>
+            <a:picLocks noChangeAspect="1"/>
+          </p:cNvPicPr>
+          <p:nvPr/>
+        </p:nvPicPr>
+        <p:blipFill>
+          <a:blip r:embed="rId2"/>
+          <a:stretch>
+            <a:fillRect/>
+          </a:stretch>
+        </p:blipFill>
+        <p:spPr>
+          <a:xfrm>
+            <a:off x="8467090" y="115888"/>
+            <a:ext cx="3556000" cy="3149600"/>
+          </a:xfrm>
+          <a:prstGeom prst="rect">
+            <a:avLst/>
+          </a:prstGeom>
+        </p:spPr>
+      </p:pic>
+      <p:sp>
+        <p:nvSpPr>
+          <p:cNvPr id="5" name="TextBox 4">
+            <a:extLst>
+              <a:ext uri="{FF2B5EF4-FFF2-40B4-BE49-F238E27FC236}">
+                <a16:creationId xmlns:a16="http://schemas.microsoft.com/office/drawing/2014/main" id="{9BA726A5-1BAF-EF4C-BDD7-00AEC7A791D3}"/>
+              </a:ext>
+            </a:extLst>
+          </p:cNvPr>
+          <p:cNvSpPr txBox="1"/>
+          <p:nvPr/>
+        </p:nvSpPr>
+        <p:spPr>
+          <a:xfrm>
+            <a:off x="838200" y="6390409"/>
+            <a:ext cx="6827510" cy="369332"/>
+          </a:xfrm>
+          <a:prstGeom prst="rect">
+            <a:avLst/>
+          </a:prstGeom>
+          <a:noFill/>
+        </p:spPr>
+        <p:txBody>
+          <a:bodyPr wrap="none" rtlCol="0">
+            <a:spAutoFit/>
+          </a:bodyPr>
+          <a:lstStyle/>
+          <a:p>
+            <a:r>
+              <a:rPr lang="en-US" dirty="0"/>
+              <a:t>https://</a:t>
+            </a:r>
+            <a:r>
+              <a:rPr lang="en-US" dirty="0" err="1"/>
+              <a:t>github.com</a:t>
+            </a:r>
+            <a:r>
+              <a:rPr lang="en-US" dirty="0"/>
+              <a:t>/</a:t>
+            </a:r>
+            <a:r>
+              <a:rPr lang="en-US" dirty="0" err="1"/>
+              <a:t>parrt</a:t>
+            </a:r>
+            <a:r>
+              <a:rPr lang="en-US" dirty="0"/>
+              <a:t>/msds689/blob/master/notes/</a:t>
+            </a:r>
+            <a:r>
+              <a:rPr lang="en-US" dirty="0" err="1"/>
+              <a:t>graphs.ipynb</a:t>
+            </a:r>
+            <a:endParaRPr lang="en-US" dirty="0"/>
+          </a:p>
+        </p:txBody>
+      </p:sp>
+    </p:spTree>
+    <p:extLst>
+      <p:ext uri="{BB962C8B-B14F-4D97-AF65-F5344CB8AC3E}">
+        <p14:creationId xmlns:p14="http://schemas.microsoft.com/office/powerpoint/2010/main" val="138614496"/>
+      </p:ext>
+    </p:extLst>
+  </p:cSld>
+  <p:clrMapOvr>
+    <a:masterClrMapping/>
+  </p:clrMapOvr>
+</p:sld>
+</file>
+
+<file path=ppt/slides/slide22.xml><?xml version="1.0" encoding="utf-8"?>
+<p:sld xmlns:a="http://schemas.openxmlformats.org/drawingml/2006/main" xmlns:r="http://schemas.openxmlformats.org/officeDocument/2006/relationships" xmlns:p="http://schemas.openxmlformats.org/presentationml/2006/main">
+  <p:cSld>
+    <p:spTree>
+      <p:nvGrpSpPr>
+        <p:cNvPr id="1" name=""/>
+        <p:cNvGrpSpPr/>
+        <p:nvPr/>
+      </p:nvGrpSpPr>
+      <p:grpSpPr>
+        <a:xfrm>
+          <a:off x="0" y="0"/>
+          <a:ext cx="0" cy="0"/>
+          <a:chOff x="0" y="0"/>
+          <a:chExt cx="0" cy="0"/>
+        </a:xfrm>
+      </p:grpSpPr>
+      <p:sp>
+        <p:nvSpPr>
+          <p:cNvPr id="2" name="Title 1">
+            <a:extLst>
+              <a:ext uri="{FF2B5EF4-FFF2-40B4-BE49-F238E27FC236}">
+                <a16:creationId xmlns:a16="http://schemas.microsoft.com/office/drawing/2014/main" id="{CCE599E5-27E7-0447-A843-8A42CAB292A7}"/>
+              </a:ext>
+            </a:extLst>
+          </p:cNvPr>
+          <p:cNvSpPr>
+            <a:spLocks noGrp="1"/>
+          </p:cNvSpPr>
+          <p:nvPr>
+            <p:ph type="title"/>
+          </p:nvPr>
+        </p:nvSpPr>
+        <p:spPr/>
+        <p:txBody>
+          <a:bodyPr/>
+          <a:lstStyle/>
+          <a:p>
+            <a:r>
+              <a:rPr lang="en-US" dirty="0"/>
+              <a:t>DFS </a:t>
+            </a:r>
+            <a:r>
+              <a:rPr lang="en-US" dirty="0" err="1"/>
+              <a:t>postorder</a:t>
+            </a:r>
+            <a:r>
+              <a:rPr lang="en-US" dirty="0"/>
+              <a:t> traversal</a:t>
+            </a:r>
+          </a:p>
+        </p:txBody>
+      </p:sp>
+      <p:sp>
+        <p:nvSpPr>
+          <p:cNvPr id="3" name="Content Placeholder 2">
+            <a:extLst>
+              <a:ext uri="{FF2B5EF4-FFF2-40B4-BE49-F238E27FC236}">
+                <a16:creationId xmlns:a16="http://schemas.microsoft.com/office/drawing/2014/main" id="{520E9730-CE42-BF41-BC18-638A93B47599}"/>
+              </a:ext>
+            </a:extLst>
+          </p:cNvPr>
+          <p:cNvSpPr>
+            <a:spLocks noGrp="1"/>
+          </p:cNvSpPr>
+          <p:nvPr>
+            <p:ph idx="1"/>
+          </p:nvPr>
+        </p:nvSpPr>
+        <p:spPr/>
+        <p:txBody>
+          <a:bodyPr/>
+          <a:lstStyle/>
+          <a:p>
+            <a:endParaRPr lang="en-US"/>
+          </a:p>
+        </p:txBody>
+      </p:sp>
+      <p:sp>
+        <p:nvSpPr>
+          <p:cNvPr id="4" name="TextBox 3">
+            <a:extLst>
+              <a:ext uri="{FF2B5EF4-FFF2-40B4-BE49-F238E27FC236}">
+                <a16:creationId xmlns:a16="http://schemas.microsoft.com/office/drawing/2014/main" id="{712EE956-E443-F049-95B4-CF1AF3003A1D}"/>
+              </a:ext>
+            </a:extLst>
+          </p:cNvPr>
+          <p:cNvSpPr txBox="1"/>
+          <p:nvPr/>
+        </p:nvSpPr>
+        <p:spPr>
+          <a:xfrm>
+            <a:off x="2094980" y="2733159"/>
+            <a:ext cx="8180590" cy="2123658"/>
+          </a:xfrm>
+          <a:prstGeom prst="rect">
+            <a:avLst/>
+          </a:prstGeom>
+          <a:noFill/>
+          <a:ln>
+            <a:solidFill>
+              <a:schemeClr val="accent1"/>
+            </a:solidFill>
+          </a:ln>
+        </p:spPr>
+        <p:txBody>
+          <a:bodyPr wrap="square" rtlCol="0">
+            <a:spAutoFit/>
+          </a:bodyPr>
+          <a:lstStyle/>
+          <a:p>
+            <a:r>
+              <a:rPr lang="en-US" sz="2200" dirty="0">
+                <a:latin typeface="Monaco" charset="0"/>
+                <a:ea typeface="Monaco" charset="0"/>
+                <a:cs typeface="Monaco" charset="0"/>
+              </a:rPr>
+              <a:t>def </a:t>
+            </a:r>
+            <a:r>
+              <a:rPr lang="en-US" sz="2200" dirty="0" err="1">
+                <a:latin typeface="Monaco" charset="0"/>
+                <a:ea typeface="Monaco" charset="0"/>
+                <a:cs typeface="Monaco" charset="0"/>
+              </a:rPr>
+              <a:t>postorder</a:t>
+            </a:r>
+            <a:r>
+              <a:rPr lang="en-US" sz="2200" dirty="0">
+                <a:latin typeface="Monaco" charset="0"/>
+                <a:ea typeface="Monaco" charset="0"/>
+                <a:cs typeface="Monaco" charset="0"/>
+              </a:rPr>
+              <a:t>(</a:t>
+            </a:r>
+            <a:r>
+              <a:rPr lang="en-US" sz="2200" dirty="0" err="1">
+                <a:latin typeface="Monaco" charset="0"/>
+                <a:ea typeface="Monaco" charset="0"/>
+                <a:cs typeface="Monaco" charset="0"/>
+              </a:rPr>
+              <a:t>p:Node</a:t>
+            </a:r>
+            <a:r>
+              <a:rPr lang="en-US" sz="2200" dirty="0">
+                <a:latin typeface="Monaco" charset="0"/>
+                <a:ea typeface="Monaco" charset="0"/>
+                <a:cs typeface="Monaco" charset="0"/>
+              </a:rPr>
+              <a:t>, </a:t>
+            </a:r>
+            <a:r>
+              <a:rPr lang="en-US" sz="2200" dirty="0" err="1">
+                <a:latin typeface="Monaco" charset="0"/>
+                <a:ea typeface="Monaco" charset="0"/>
+                <a:cs typeface="Monaco" charset="0"/>
+              </a:rPr>
+              <a:t>sorted:set</a:t>
+            </a:r>
+            <a:r>
+              <a:rPr lang="en-US" sz="2200" dirty="0">
+                <a:latin typeface="Monaco" charset="0"/>
+                <a:ea typeface="Monaco" charset="0"/>
+                <a:cs typeface="Monaco" charset="0"/>
+              </a:rPr>
+              <a:t>, </a:t>
+            </a:r>
+            <a:r>
+              <a:rPr lang="en-US" sz="2200" dirty="0" err="1">
+                <a:latin typeface="Monaco" charset="0"/>
+                <a:ea typeface="Monaco" charset="0"/>
+                <a:cs typeface="Monaco" charset="0"/>
+              </a:rPr>
+              <a:t>visited:set</a:t>
+            </a:r>
+            <a:r>
+              <a:rPr lang="en-US" sz="2200" dirty="0">
+                <a:latin typeface="Monaco" charset="0"/>
+                <a:ea typeface="Monaco" charset="0"/>
+                <a:cs typeface="Monaco" charset="0"/>
+              </a:rPr>
+              <a:t>):</a:t>
+            </a:r>
+          </a:p>
+          <a:p>
+            <a:r>
+              <a:rPr lang="en-US" sz="2200" dirty="0">
+                <a:latin typeface="Monaco" charset="0"/>
+                <a:ea typeface="Monaco" charset="0"/>
+                <a:cs typeface="Monaco" charset="0"/>
+              </a:rPr>
+              <a:t>    if p in visited: return</a:t>
+            </a:r>
+          </a:p>
+          <a:p>
+            <a:r>
+              <a:rPr lang="en-US" sz="2200" dirty="0">
+                <a:latin typeface="Monaco" charset="0"/>
+                <a:ea typeface="Monaco" charset="0"/>
+                <a:cs typeface="Monaco" charset="0"/>
+              </a:rPr>
+              <a:t>    </a:t>
+            </a:r>
+            <a:r>
+              <a:rPr lang="en-US" sz="2200" dirty="0" err="1">
+                <a:latin typeface="Monaco" charset="0"/>
+                <a:ea typeface="Monaco" charset="0"/>
+                <a:cs typeface="Monaco" charset="0"/>
+              </a:rPr>
+              <a:t>visited.add</a:t>
+            </a:r>
+            <a:r>
+              <a:rPr lang="en-US" sz="2200" dirty="0">
+                <a:latin typeface="Monaco" charset="0"/>
+                <a:ea typeface="Monaco" charset="0"/>
+                <a:cs typeface="Monaco" charset="0"/>
+              </a:rPr>
+              <a:t>(p)</a:t>
+            </a:r>
+          </a:p>
+          <a:p>
+            <a:r>
+              <a:rPr lang="en-US" sz="2200" dirty="0">
+                <a:latin typeface="Monaco" charset="0"/>
+                <a:ea typeface="Monaco" charset="0"/>
+                <a:cs typeface="Monaco" charset="0"/>
+              </a:rPr>
+              <a:t>    for q in </a:t>
+            </a:r>
+            <a:r>
+              <a:rPr lang="en-US" sz="2200" dirty="0" err="1">
+                <a:latin typeface="Monaco" charset="0"/>
+                <a:ea typeface="Monaco" charset="0"/>
+                <a:cs typeface="Monaco" charset="0"/>
+              </a:rPr>
+              <a:t>p.edges</a:t>
+            </a:r>
+            <a:r>
+              <a:rPr lang="en-US" sz="2200" dirty="0">
+                <a:latin typeface="Monaco" charset="0"/>
+                <a:ea typeface="Monaco" charset="0"/>
+                <a:cs typeface="Monaco" charset="0"/>
+              </a:rPr>
+              <a:t>:</a:t>
+            </a:r>
+          </a:p>
+          <a:p>
+            <a:r>
+              <a:rPr lang="en-US" sz="2200" dirty="0">
+                <a:latin typeface="Monaco" charset="0"/>
+                <a:ea typeface="Monaco" charset="0"/>
+                <a:cs typeface="Monaco" charset="0"/>
+              </a:rPr>
+              <a:t>        </a:t>
+            </a:r>
+            <a:r>
+              <a:rPr lang="en-US" sz="2200" dirty="0" err="1">
+                <a:latin typeface="Monaco" charset="0"/>
+                <a:ea typeface="Monaco" charset="0"/>
+                <a:cs typeface="Monaco" charset="0"/>
+              </a:rPr>
+              <a:t>postorder</a:t>
+            </a:r>
+            <a:r>
+              <a:rPr lang="en-US" sz="2200" dirty="0">
+                <a:latin typeface="Monaco" charset="0"/>
+                <a:ea typeface="Monaco" charset="0"/>
+                <a:cs typeface="Monaco" charset="0"/>
+              </a:rPr>
+              <a:t>(q, sorted, visited)</a:t>
+            </a:r>
+          </a:p>
+          <a:p>
+            <a:r>
+              <a:rPr lang="en-US" sz="2200" dirty="0">
+                <a:latin typeface="Monaco" charset="0"/>
+                <a:ea typeface="Monaco" charset="0"/>
+                <a:cs typeface="Monaco" charset="0"/>
+              </a:rPr>
+              <a:t>    </a:t>
+            </a:r>
+            <a:r>
+              <a:rPr lang="en-US" sz="2200" dirty="0" err="1">
+                <a:latin typeface="Monaco" charset="0"/>
+                <a:ea typeface="Monaco" charset="0"/>
+                <a:cs typeface="Monaco" charset="0"/>
+              </a:rPr>
+              <a:t>sorted.append</a:t>
+            </a:r>
+            <a:r>
+              <a:rPr lang="en-US" sz="2200" dirty="0">
+                <a:latin typeface="Monaco" charset="0"/>
+                <a:ea typeface="Monaco" charset="0"/>
+                <a:cs typeface="Monaco" charset="0"/>
+              </a:rPr>
+              <a:t>(p)</a:t>
+            </a:r>
+            <a:endParaRPr lang="mr-IN" sz="2200" dirty="0">
+              <a:latin typeface="Monaco" charset="0"/>
+              <a:ea typeface="Monaco" charset="0"/>
+              <a:cs typeface="Monaco" charset="0"/>
+            </a:endParaRPr>
+          </a:p>
+        </p:txBody>
+      </p:sp>
+    </p:spTree>
+    <p:extLst>
+      <p:ext uri="{BB962C8B-B14F-4D97-AF65-F5344CB8AC3E}">
+        <p14:creationId xmlns:p14="http://schemas.microsoft.com/office/powerpoint/2010/main" val="1541564467"/>
+      </p:ext>
+    </p:extLst>
+  </p:cSld>
+  <p:clrMapOvr>
+    <a:masterClrMapping/>
+  </p:clrMapOvr>
+</p:sld>
+</file>
+
+<file path=ppt/slides/slide23.xml><?xml version="1.0" encoding="utf-8"?>
+<p:sld xmlns:a="http://schemas.openxmlformats.org/drawingml/2006/main" xmlns:r="http://schemas.openxmlformats.org/officeDocument/2006/relationships" xmlns:p="http://schemas.openxmlformats.org/presentationml/2006/main">
+  <p:cSld>
+    <p:spTree>
+      <p:nvGrpSpPr>
+        <p:cNvPr id="1" name=""/>
+        <p:cNvGrpSpPr/>
+        <p:nvPr/>
+      </p:nvGrpSpPr>
+      <p:grpSpPr>
+        <a:xfrm>
+          <a:off x="0" y="0"/>
+          <a:ext cx="0" cy="0"/>
+          <a:chOff x="0" y="0"/>
+          <a:chExt cx="0" cy="0"/>
+        </a:xfrm>
+      </p:grpSpPr>
+      <p:sp>
+        <p:nvSpPr>
+          <p:cNvPr id="2" name="Title 1">
+            <a:extLst>
+              <a:ext uri="{FF2B5EF4-FFF2-40B4-BE49-F238E27FC236}">
+                <a16:creationId xmlns:a16="http://schemas.microsoft.com/office/drawing/2014/main" id="{B4BFD031-F900-244E-9173-BC71EA251890}"/>
+              </a:ext>
+            </a:extLst>
+          </p:cNvPr>
+          <p:cNvSpPr>
+            <a:spLocks noGrp="1"/>
+          </p:cNvSpPr>
+          <p:nvPr>
+            <p:ph type="title"/>
+          </p:nvPr>
+        </p:nvSpPr>
+        <p:spPr/>
+        <p:txBody>
+          <a:bodyPr/>
+          <a:lstStyle/>
+          <a:p>
+            <a:r>
+              <a:rPr lang="en-US" dirty="0"/>
+              <a:t>With multiple roots, hit them all</a:t>
+            </a:r>
+          </a:p>
+        </p:txBody>
+      </p:sp>
+      <p:pic>
+        <p:nvPicPr>
+          <p:cNvPr id="4" name="Picture 3">
+            <a:extLst>
+              <a:ext uri="{FF2B5EF4-FFF2-40B4-BE49-F238E27FC236}">
+                <a16:creationId xmlns:a16="http://schemas.microsoft.com/office/drawing/2014/main" id="{93A77130-306B-E044-AE01-0FC15CC22F46}"/>
+              </a:ext>
+            </a:extLst>
+          </p:cNvPr>
+          <p:cNvPicPr>
+            <a:picLocks noChangeAspect="1"/>
+          </p:cNvPicPr>
+          <p:nvPr/>
+        </p:nvPicPr>
+        <p:blipFill>
+          <a:blip r:embed="rId2"/>
+          <a:stretch>
+            <a:fillRect/>
+          </a:stretch>
+        </p:blipFill>
+        <p:spPr>
+          <a:xfrm>
+            <a:off x="8778241" y="1545649"/>
+            <a:ext cx="3413759" cy="3982719"/>
+          </a:xfrm>
+          <a:prstGeom prst="rect">
+            <a:avLst/>
+          </a:prstGeom>
+        </p:spPr>
+      </p:pic>
+      <p:sp>
+        <p:nvSpPr>
+          <p:cNvPr id="5" name="TextBox 4">
+            <a:extLst>
+              <a:ext uri="{FF2B5EF4-FFF2-40B4-BE49-F238E27FC236}">
+                <a16:creationId xmlns:a16="http://schemas.microsoft.com/office/drawing/2014/main" id="{59796E16-26E5-4D42-94C1-C870B629D3B1}"/>
+              </a:ext>
+            </a:extLst>
+          </p:cNvPr>
+          <p:cNvSpPr txBox="1"/>
+          <p:nvPr/>
+        </p:nvSpPr>
+        <p:spPr>
+          <a:xfrm>
+            <a:off x="220200" y="1967349"/>
+            <a:ext cx="8260600" cy="3139321"/>
+          </a:xfrm>
+          <a:prstGeom prst="rect">
+            <a:avLst/>
+          </a:prstGeom>
+          <a:noFill/>
+          <a:ln>
+            <a:solidFill>
+              <a:schemeClr val="accent1"/>
+            </a:solidFill>
+          </a:ln>
+        </p:spPr>
+        <p:txBody>
+          <a:bodyPr wrap="square" rtlCol="0">
+            <a:spAutoFit/>
+          </a:bodyPr>
+          <a:lstStyle/>
+          <a:p>
+            <a:r>
+              <a:rPr lang="en-US" sz="2200" dirty="0">
+                <a:latin typeface="Monaco" charset="0"/>
+                <a:ea typeface="Monaco" charset="0"/>
+                <a:cs typeface="Monaco" charset="0"/>
+              </a:rPr>
+              <a:t>def </a:t>
+            </a:r>
+            <a:r>
+              <a:rPr lang="en-US" sz="2200" dirty="0" err="1">
+                <a:latin typeface="Monaco" charset="0"/>
+                <a:ea typeface="Monaco" charset="0"/>
+                <a:cs typeface="Monaco" charset="0"/>
+              </a:rPr>
+              <a:t>toposort</a:t>
+            </a:r>
+            <a:r>
+              <a:rPr lang="en-US" sz="2200" dirty="0">
+                <a:latin typeface="Monaco" charset="0"/>
+                <a:ea typeface="Monaco" charset="0"/>
+                <a:cs typeface="Monaco" charset="0"/>
+              </a:rPr>
+              <a:t>(nodes):</a:t>
+            </a:r>
+          </a:p>
+          <a:p>
+            <a:r>
+              <a:rPr lang="en-US" sz="2200" dirty="0">
+                <a:latin typeface="Monaco" charset="0"/>
+                <a:ea typeface="Monaco" charset="0"/>
+                <a:cs typeface="Monaco" charset="0"/>
+              </a:rPr>
+              <a:t>    sorted = []</a:t>
+            </a:r>
+          </a:p>
+          <a:p>
+            <a:r>
+              <a:rPr lang="en-US" sz="2200" dirty="0">
+                <a:latin typeface="Monaco" charset="0"/>
+                <a:ea typeface="Monaco" charset="0"/>
+                <a:cs typeface="Monaco" charset="0"/>
+              </a:rPr>
+              <a:t>    visited = set()</a:t>
+            </a:r>
+          </a:p>
+          <a:p>
+            <a:r>
+              <a:rPr lang="en-US" sz="2200" dirty="0">
+                <a:latin typeface="Monaco" charset="0"/>
+                <a:ea typeface="Monaco" charset="0"/>
+                <a:cs typeface="Monaco" charset="0"/>
+              </a:rPr>
+              <a:t>    while </a:t>
+            </a:r>
+            <a:r>
+              <a:rPr lang="en-US" sz="2200" dirty="0" err="1">
+                <a:latin typeface="Monaco" charset="0"/>
+                <a:ea typeface="Monaco" charset="0"/>
+                <a:cs typeface="Monaco" charset="0"/>
+              </a:rPr>
+              <a:t>len</a:t>
+            </a:r>
+            <a:r>
+              <a:rPr lang="en-US" sz="2200" dirty="0">
+                <a:latin typeface="Monaco" charset="0"/>
+                <a:ea typeface="Monaco" charset="0"/>
+                <a:cs typeface="Monaco" charset="0"/>
+              </a:rPr>
+              <a:t>(visited) &lt; </a:t>
+            </a:r>
+            <a:r>
+              <a:rPr lang="en-US" sz="2200" dirty="0" err="1">
+                <a:latin typeface="Monaco" charset="0"/>
+                <a:ea typeface="Monaco" charset="0"/>
+                <a:cs typeface="Monaco" charset="0"/>
+              </a:rPr>
+              <a:t>len</a:t>
+            </a:r>
+            <a:r>
+              <a:rPr lang="en-US" sz="2200" dirty="0">
+                <a:latin typeface="Monaco" charset="0"/>
+                <a:ea typeface="Monaco" charset="0"/>
+                <a:cs typeface="Monaco" charset="0"/>
+              </a:rPr>
+              <a:t>(nodes):</a:t>
+            </a:r>
+          </a:p>
+          <a:p>
+            <a:r>
+              <a:rPr lang="en-US" sz="2200" dirty="0">
+                <a:latin typeface="Monaco" charset="0"/>
+                <a:ea typeface="Monaco" charset="0"/>
+                <a:cs typeface="Monaco" charset="0"/>
+              </a:rPr>
+              <a:t>        </a:t>
+            </a:r>
+            <a:r>
+              <a:rPr lang="en-US" sz="2200" dirty="0" err="1">
+                <a:latin typeface="Monaco" charset="0"/>
+                <a:ea typeface="Monaco" charset="0"/>
+                <a:cs typeface="Monaco" charset="0"/>
+              </a:rPr>
+              <a:t>todo</a:t>
+            </a:r>
+            <a:r>
+              <a:rPr lang="en-US" sz="2200" dirty="0">
+                <a:latin typeface="Monaco" charset="0"/>
+                <a:ea typeface="Monaco" charset="0"/>
+                <a:cs typeface="Monaco" charset="0"/>
+              </a:rPr>
+              <a:t> = [node for node in </a:t>
+            </a:r>
+            <a:r>
+              <a:rPr lang="en-US" sz="2200" dirty="0" err="1">
+                <a:latin typeface="Monaco" charset="0"/>
+                <a:ea typeface="Monaco" charset="0"/>
+                <a:cs typeface="Monaco" charset="0"/>
+              </a:rPr>
+              <a:t>nodes.values</a:t>
+            </a:r>
+            <a:r>
+              <a:rPr lang="en-US" sz="2200" dirty="0">
+                <a:latin typeface="Monaco" charset="0"/>
+                <a:ea typeface="Monaco" charset="0"/>
+                <a:cs typeface="Monaco" charset="0"/>
+              </a:rPr>
+              <a:t>()</a:t>
+            </a:r>
+          </a:p>
+          <a:p>
+            <a:r>
+              <a:rPr lang="en-US" sz="2200" dirty="0">
+                <a:latin typeface="Monaco" charset="0"/>
+                <a:ea typeface="Monaco" charset="0"/>
+                <a:cs typeface="Monaco" charset="0"/>
+              </a:rPr>
+              <a:t>                if node not in visited]</a:t>
+            </a:r>
+          </a:p>
+          <a:p>
+            <a:r>
+              <a:rPr lang="en-US" sz="2200" dirty="0">
+                <a:latin typeface="Monaco" charset="0"/>
+                <a:ea typeface="Monaco" charset="0"/>
+                <a:cs typeface="Monaco" charset="0"/>
+              </a:rPr>
+              <a:t>        if </a:t>
+            </a:r>
+            <a:r>
+              <a:rPr lang="en-US" sz="2200" dirty="0" err="1">
+                <a:latin typeface="Monaco" charset="0"/>
+                <a:ea typeface="Monaco" charset="0"/>
+                <a:cs typeface="Monaco" charset="0"/>
+              </a:rPr>
+              <a:t>len</a:t>
+            </a:r>
+            <a:r>
+              <a:rPr lang="en-US" sz="2200" dirty="0">
+                <a:latin typeface="Monaco" charset="0"/>
+                <a:ea typeface="Monaco" charset="0"/>
+                <a:cs typeface="Monaco" charset="0"/>
+              </a:rPr>
+              <a:t>(</a:t>
+            </a:r>
+            <a:r>
+              <a:rPr lang="en-US" sz="2200" dirty="0" err="1">
+                <a:latin typeface="Monaco" charset="0"/>
+                <a:ea typeface="Monaco" charset="0"/>
+                <a:cs typeface="Monaco" charset="0"/>
+              </a:rPr>
+              <a:t>todo</a:t>
+            </a:r>
+            <a:r>
+              <a:rPr lang="en-US" sz="2200" dirty="0">
+                <a:latin typeface="Monaco" charset="0"/>
+                <a:ea typeface="Monaco" charset="0"/>
+                <a:cs typeface="Monaco" charset="0"/>
+              </a:rPr>
+              <a:t>)&gt;0:</a:t>
+            </a:r>
+          </a:p>
+          <a:p>
+            <a:r>
+              <a:rPr lang="en-US" sz="2200" dirty="0">
+                <a:latin typeface="Monaco" charset="0"/>
+                <a:ea typeface="Monaco" charset="0"/>
+                <a:cs typeface="Monaco" charset="0"/>
+              </a:rPr>
+              <a:t>            </a:t>
+            </a:r>
+            <a:r>
+              <a:rPr lang="en-US" sz="2200" dirty="0" err="1">
+                <a:latin typeface="Monaco" charset="0"/>
+                <a:ea typeface="Monaco" charset="0"/>
+                <a:cs typeface="Monaco" charset="0"/>
+              </a:rPr>
+              <a:t>postorder</a:t>
+            </a:r>
+            <a:r>
+              <a:rPr lang="en-US" sz="2200" dirty="0">
+                <a:latin typeface="Monaco" charset="0"/>
+                <a:ea typeface="Monaco" charset="0"/>
+                <a:cs typeface="Monaco" charset="0"/>
+              </a:rPr>
+              <a:t>(</a:t>
+            </a:r>
+            <a:r>
+              <a:rPr lang="en-US" sz="2200" dirty="0" err="1">
+                <a:latin typeface="Monaco" charset="0"/>
+                <a:ea typeface="Monaco" charset="0"/>
+                <a:cs typeface="Monaco" charset="0"/>
+              </a:rPr>
+              <a:t>todo</a:t>
+            </a:r>
+            <a:r>
+              <a:rPr lang="en-US" sz="2200" dirty="0">
+                <a:latin typeface="Monaco" charset="0"/>
+                <a:ea typeface="Monaco" charset="0"/>
+                <a:cs typeface="Monaco" charset="0"/>
+              </a:rPr>
+              <a:t>[0], sorted, visited)</a:t>
+            </a:r>
+          </a:p>
+          <a:p>
+            <a:r>
+              <a:rPr lang="en-US" sz="2200" dirty="0">
+                <a:latin typeface="Monaco" charset="0"/>
+                <a:ea typeface="Monaco" charset="0"/>
+                <a:cs typeface="Monaco" charset="0"/>
+              </a:rPr>
+              <a:t>    return sorted</a:t>
+            </a:r>
+            <a:endParaRPr lang="mr-IN" sz="2200" dirty="0">
+              <a:latin typeface="Monaco" charset="0"/>
+              <a:ea typeface="Monaco" charset="0"/>
+              <a:cs typeface="Monaco" charset="0"/>
+            </a:endParaRPr>
+          </a:p>
+        </p:txBody>
+      </p:sp>
+    </p:spTree>
+    <p:extLst>
+      <p:ext uri="{BB962C8B-B14F-4D97-AF65-F5344CB8AC3E}">
+        <p14:creationId xmlns:p14="http://schemas.microsoft.com/office/powerpoint/2010/main" val="4052054853"/>
+      </p:ext>
+    </p:extLst>
+  </p:cSld>
+  <p:clrMapOvr>
+    <a:masterClrMapping/>
+  </p:clrMapOvr>
+</p:sld>
+</file>
+
+<file path=ppt/slides/slide24.xml><?xml version="1.0" encoding="utf-8"?>
+<p:sld xmlns:a="http://schemas.openxmlformats.org/drawingml/2006/main" xmlns:r="http://schemas.openxmlformats.org/officeDocument/2006/relationships" xmlns:p="http://schemas.openxmlformats.org/presentationml/2006/main">
+  <p:cSld>
+    <p:spTree>
+      <p:nvGrpSpPr>
+        <p:cNvPr id="1" name=""/>
+        <p:cNvGrpSpPr/>
+        <p:nvPr/>
+      </p:nvGrpSpPr>
+      <p:grpSpPr>
+        <a:xfrm>
+          <a:off x="0" y="0"/>
+          <a:ext cx="0" cy="0"/>
+          <a:chOff x="0" y="0"/>
+          <a:chExt cx="0" cy="0"/>
+        </a:xfrm>
+      </p:grpSpPr>
+      <p:sp>
+        <p:nvSpPr>
+          <p:cNvPr id="2" name="Title 1">
+            <a:extLst>
+              <a:ext uri="{FF2B5EF4-FFF2-40B4-BE49-F238E27FC236}">
+                <a16:creationId xmlns:a16="http://schemas.microsoft.com/office/drawing/2014/main" id="{1F2B352F-CE3D-7041-AD7E-CD17118D3037}"/>
+              </a:ext>
+            </a:extLst>
+          </p:cNvPr>
+          <p:cNvSpPr>
+            <a:spLocks noGrp="1"/>
+          </p:cNvSpPr>
+          <p:nvPr>
+            <p:ph type="title"/>
+          </p:nvPr>
+        </p:nvSpPr>
+        <p:spPr/>
+        <p:txBody>
+          <a:bodyPr/>
+          <a:lstStyle/>
+          <a:p>
+            <a:r>
+              <a:rPr lang="en-US" dirty="0"/>
+              <a:t>Summary</a:t>
+            </a:r>
+          </a:p>
+        </p:txBody>
+      </p:sp>
+      <p:sp>
+        <p:nvSpPr>
+          <p:cNvPr id="3" name="Content Placeholder 2">
+            <a:extLst>
+              <a:ext uri="{FF2B5EF4-FFF2-40B4-BE49-F238E27FC236}">
+                <a16:creationId xmlns:a16="http://schemas.microsoft.com/office/drawing/2014/main" id="{7879AF3B-7FE8-2941-A4F8-C0A6F984CEB2}"/>
+              </a:ext>
+            </a:extLst>
+          </p:cNvPr>
+          <p:cNvSpPr>
+            <a:spLocks noGrp="1"/>
+          </p:cNvSpPr>
+          <p:nvPr>
+            <p:ph idx="1"/>
+          </p:nvPr>
+        </p:nvSpPr>
+        <p:spPr/>
+        <p:txBody>
+          <a:bodyPr>
+            <a:normAutofit fontScale="92500" lnSpcReduction="20000"/>
+          </a:bodyPr>
+          <a:lstStyle/>
+          <a:p>
+            <a:r>
+              <a:rPr lang="en-US" dirty="0"/>
+              <a:t>Graphs are for showing relationships between elements</a:t>
+            </a:r>
+          </a:p>
+          <a:p>
+            <a:r>
+              <a:rPr lang="en-US" dirty="0"/>
+              <a:t>DFS for finding a path or multiple paths</a:t>
+            </a:r>
+          </a:p>
+          <a:p>
+            <a:r>
+              <a:rPr lang="en-US" dirty="0"/>
+              <a:t>BFS for find shortest (in edges) path or neighborhood</a:t>
+            </a:r>
+          </a:p>
+          <a:p>
+            <a:r>
+              <a:rPr lang="en-US" dirty="0"/>
+              <a:t>DFS </a:t>
+            </a:r>
+            <a:r>
+              <a:rPr lang="en-US" dirty="0" err="1"/>
+              <a:t>postorder</a:t>
+            </a:r>
+            <a:r>
+              <a:rPr lang="en-US"/>
+              <a:t> great for topo sort</a:t>
+            </a:r>
+            <a:endParaRPr lang="en-US" dirty="0"/>
+          </a:p>
+          <a:p>
+            <a:r>
+              <a:rPr lang="en-US" dirty="0"/>
+              <a:t>Recursive </a:t>
+            </a:r>
+            <a:r>
+              <a:rPr lang="en-US" dirty="0" err="1"/>
+              <a:t>alg’s</a:t>
+            </a:r>
+            <a:r>
+              <a:rPr lang="en-US" dirty="0"/>
+              <a:t> all use </a:t>
+            </a:r>
+            <a:r>
+              <a:rPr lang="en-US" b="1" dirty="0"/>
+              <a:t>visited</a:t>
+            </a:r>
+            <a:r>
+              <a:rPr lang="en-US" dirty="0"/>
+              <a:t> set to avoid cycles</a:t>
+            </a:r>
+          </a:p>
+          <a:p>
+            <a:r>
+              <a:rPr lang="en-US" dirty="0"/>
+              <a:t>Non-recursive DFS: (use work list stack)</a:t>
+            </a:r>
+          </a:p>
+          <a:p>
+            <a:pPr lvl="1"/>
+            <a:r>
+              <a:rPr lang="en-US" dirty="0"/>
+              <a:t>push targets in reverse order onto work list</a:t>
+            </a:r>
+          </a:p>
+          <a:p>
+            <a:pPr lvl="1"/>
+            <a:r>
+              <a:rPr lang="en-US" dirty="0"/>
+              <a:t>pop last work list item for next node to process</a:t>
+            </a:r>
+          </a:p>
+          <a:p>
+            <a:r>
+              <a:rPr lang="en-US" dirty="0"/>
+              <a:t>Non-recursive BFS: (use work list queue)</a:t>
+            </a:r>
+          </a:p>
+          <a:p>
+            <a:pPr lvl="1"/>
+            <a:r>
+              <a:rPr lang="en-US" dirty="0"/>
+              <a:t>push targets in order onto work list</a:t>
+            </a:r>
+          </a:p>
+          <a:p>
+            <a:pPr lvl="1"/>
+            <a:r>
+              <a:rPr lang="en-US" dirty="0"/>
+              <a:t>pull from first position</a:t>
+            </a:r>
+          </a:p>
+        </p:txBody>
+      </p:sp>
+    </p:spTree>
+    <p:extLst>
+      <p:ext uri="{BB962C8B-B14F-4D97-AF65-F5344CB8AC3E}">
+        <p14:creationId xmlns:p14="http://schemas.microsoft.com/office/powerpoint/2010/main" val="1653462232"/>
+      </p:ext>
+    </p:extLst>
+  </p:cSld>
+  <p:clrMapOvr>
+    <a:masterClrMapping/>
+  </p:clrMapOvr>
+</p:sld>
+</file>
+
+<file path=ppt/slides/slide25.xml><?xml version="1.0" encoding="utf-8"?>
+<p:sld xmlns:a="http://schemas.openxmlformats.org/drawingml/2006/main" xmlns:r="http://schemas.openxmlformats.org/officeDocument/2006/relationships" xmlns:p="http://schemas.openxmlformats.org/presentationml/2006/main">
+  <p:cSld>
+    <p:spTree>
+      <p:nvGrpSpPr>
+        <p:cNvPr id="1" name=""/>
+        <p:cNvGrpSpPr/>
+        <p:nvPr/>
+      </p:nvGrpSpPr>
+      <p:grpSpPr>
+        <a:xfrm>
+          <a:off x="0" y="0"/>
+          <a:ext cx="0" cy="0"/>
+          <a:chOff x="0" y="0"/>
+          <a:chExt cx="0" cy="0"/>
+        </a:xfrm>
+      </p:grpSpPr>
+      <p:sp>
+        <p:nvSpPr>
+          <p:cNvPr id="2" name="Title 1">
+            <a:extLst>
+              <a:ext uri="{FF2B5EF4-FFF2-40B4-BE49-F238E27FC236}">
+                <a16:creationId xmlns:a16="http://schemas.microsoft.com/office/drawing/2014/main" id="{DDFD2E64-84D8-A048-BE5C-C06207FAC5F2}"/>
+              </a:ext>
+            </a:extLst>
+          </p:cNvPr>
+          <p:cNvSpPr>
+            <a:spLocks noGrp="1"/>
+          </p:cNvSpPr>
+          <p:nvPr>
+            <p:ph type="title"/>
+          </p:nvPr>
+        </p:nvSpPr>
+        <p:spPr/>
+        <p:txBody>
+          <a:bodyPr/>
+          <a:lstStyle/>
+          <a:p>
+            <a:r>
+              <a:rPr lang="en-US" dirty="0"/>
+              <a:t>Sample graph problems</a:t>
+            </a:r>
+          </a:p>
+        </p:txBody>
+      </p:sp>
+      <p:sp>
+        <p:nvSpPr>
+          <p:cNvPr id="3" name="Text Placeholder 2">
+            <a:extLst>
+              <a:ext uri="{FF2B5EF4-FFF2-40B4-BE49-F238E27FC236}">
+                <a16:creationId xmlns:a16="http://schemas.microsoft.com/office/drawing/2014/main" id="{389CB97C-29E6-8C4B-A5CB-F79E459454A0}"/>
+              </a:ext>
+            </a:extLst>
+          </p:cNvPr>
+          <p:cNvSpPr>
+            <a:spLocks noGrp="1"/>
+          </p:cNvSpPr>
+          <p:nvPr>
+            <p:ph type="body" idx="1"/>
+          </p:nvPr>
+        </p:nvSpPr>
+        <p:spPr/>
+        <p:txBody>
+          <a:bodyPr/>
+          <a:lstStyle/>
+          <a:p>
+            <a:endParaRPr lang="en-US"/>
+          </a:p>
+        </p:txBody>
+      </p:sp>
+    </p:spTree>
+    <p:extLst>
+      <p:ext uri="{BB962C8B-B14F-4D97-AF65-F5344CB8AC3E}">
+        <p14:creationId xmlns:p14="http://schemas.microsoft.com/office/powerpoint/2010/main" val="731826914"/>
+      </p:ext>
+    </p:extLst>
+  </p:cSld>
+  <p:clrMapOvr>
+    <a:masterClrMapping/>
+  </p:clrMapOvr>
+</p:sld>
+</file>
+
+<file path=ppt/slides/slide26.xml><?xml version="1.0" encoding="utf-8"?>
+<p:sld xmlns:a="http://schemas.openxmlformats.org/drawingml/2006/main" xmlns:r="http://schemas.openxmlformats.org/officeDocument/2006/relationships" xmlns:p="http://schemas.openxmlformats.org/presentationml/2006/main">
+  <p:cSld>
+    <p:spTree>
+      <p:nvGrpSpPr>
+        <p:cNvPr id="1" name=""/>
+        <p:cNvGrpSpPr/>
+        <p:nvPr/>
+      </p:nvGrpSpPr>
+      <p:grpSpPr>
+        <a:xfrm>
+          <a:off x="0" y="0"/>
+          <a:ext cx="0" cy="0"/>
+          <a:chOff x="0" y="0"/>
+          <a:chExt cx="0" cy="0"/>
+        </a:xfrm>
+      </p:grpSpPr>
+      <p:sp>
+        <p:nvSpPr>
+          <p:cNvPr id="2" name="Title 1">
+            <a:extLst>
+              <a:ext uri="{FF2B5EF4-FFF2-40B4-BE49-F238E27FC236}">
                 <a16:creationId xmlns:a16="http://schemas.microsoft.com/office/drawing/2014/main" id="{7F191B5F-D0CE-BA41-A73B-830D9FB97B84}"/>
               </a:ext>
             </a:extLst>
@@ -8728,7 +10074,7 @@
 </p:sld>
 </file>
 
-<file path=ppt/slides/slide22.xml><?xml version="1.0" encoding="utf-8"?>
+<file path=ppt/slides/slide27.xml><?xml version="1.0" encoding="utf-8"?>
 <p:sld xmlns:a="http://schemas.openxmlformats.org/drawingml/2006/main" xmlns:r="http://schemas.openxmlformats.org/officeDocument/2006/relationships" xmlns:p="http://schemas.openxmlformats.org/presentationml/2006/main">
   <p:cSld>
     <p:spTree>
@@ -8967,7 +10313,7 @@
           <a:p>
             <a:r>
               <a:rPr lang="en-US" dirty="0"/>
-              <a:t>Find all English words possible by taking one adjacent step to another letter, starting with any letter; one occurrence of each letter per word; you’re given a dictionary (/</a:t>
+              <a:t>Given m x n matrix of letters. Find all English words possible by taking one adjacent step to another letter, starting with any letter; one occurrence of each letter per word; you’re given a dictionary (/</a:t>
             </a:r>
             <a:r>
               <a:rPr lang="en-US" dirty="0" err="1"/>
@@ -8975,7 +10321,7 @@
             </a:r>
             <a:r>
               <a:rPr lang="en-US" dirty="0"/>
-              <a:t>/local/</a:t>
+              <a:t>/share/</a:t>
             </a:r>
             <a:r>
               <a:rPr lang="en-US" dirty="0" err="1"/>
@@ -9010,7 +10356,7 @@
         </p:blipFill>
         <p:spPr>
           <a:xfrm>
-            <a:off x="9808047" y="145778"/>
+            <a:off x="2622215" y="3666217"/>
             <a:ext cx="2115727" cy="1371735"/>
           </a:xfrm>
           <a:prstGeom prst="rect">
@@ -9040,7 +10386,7 @@
         </p:blipFill>
         <p:spPr>
           <a:xfrm>
-            <a:off x="9713974" y="3277394"/>
+            <a:off x="6521957" y="3628185"/>
             <a:ext cx="2209800" cy="1447800"/>
           </a:xfrm>
           <a:prstGeom prst="rect">
@@ -9087,6 +10433,51 @@
                                     <p:set>
                                       <p:cBhvr>
                                         <p:cTn id="6" dur="1" fill="hold">
+                                          <p:stCondLst>
+                                            <p:cond delay="0"/>
+                                          </p:stCondLst>
+                                        </p:cTn>
+                                        <p:tgtEl>
+                                          <p:spTgt spid="7"/>
+                                        </p:tgtEl>
+                                        <p:attrNameLst>
+                                          <p:attrName>style.visibility</p:attrName>
+                                        </p:attrNameLst>
+                                      </p:cBhvr>
+                                      <p:to>
+                                        <p:strVal val="visible"/>
+                                      </p:to>
+                                    </p:set>
+                                  </p:childTnLst>
+                                </p:cTn>
+                              </p:par>
+                            </p:childTnLst>
+                          </p:cTn>
+                        </p:par>
+                      </p:childTnLst>
+                    </p:cTn>
+                  </p:par>
+                  <p:par>
+                    <p:cTn id="7" fill="hold">
+                      <p:stCondLst>
+                        <p:cond delay="indefinite"/>
+                      </p:stCondLst>
+                      <p:childTnLst>
+                        <p:par>
+                          <p:cTn id="8" fill="hold">
+                            <p:stCondLst>
+                              <p:cond delay="0"/>
+                            </p:stCondLst>
+                            <p:childTnLst>
+                              <p:par>
+                                <p:cTn id="9" presetID="1" presetClass="entr" presetSubtype="0" fill="hold" nodeType="clickEffect">
+                                  <p:stCondLst>
+                                    <p:cond delay="0"/>
+                                  </p:stCondLst>
+                                  <p:childTnLst>
+                                    <p:set>
+                                      <p:cBhvr>
+                                        <p:cTn id="10" dur="1" fill="hold">
                                           <p:stCondLst>
                                             <p:cond delay="0"/>
                                           </p:stCondLst>

--- a/notes/graphs.pptx
+++ b/notes/graphs.pptx
@@ -5,10 +5,10 @@
     <p:sldMasterId id="2147483672" r:id="rId1"/>
   </p:sldMasterIdLst>
   <p:notesMasterIdLst>
-    <p:notesMasterId r:id="rId29"/>
+    <p:notesMasterId r:id="rId31"/>
   </p:notesMasterIdLst>
   <p:handoutMasterIdLst>
-    <p:handoutMasterId r:id="rId30"/>
+    <p:handoutMasterId r:id="rId32"/>
   </p:handoutMasterIdLst>
   <p:sldIdLst>
     <p:sldId id="256" r:id="rId2"/>
@@ -29,15 +29,17 @@
     <p:sldId id="301" r:id="rId17"/>
     <p:sldId id="309" r:id="rId18"/>
     <p:sldId id="310" r:id="rId19"/>
-    <p:sldId id="312" r:id="rId20"/>
-    <p:sldId id="311" r:id="rId21"/>
-    <p:sldId id="313" r:id="rId22"/>
-    <p:sldId id="315" r:id="rId23"/>
-    <p:sldId id="314" r:id="rId24"/>
-    <p:sldId id="308" r:id="rId25"/>
-    <p:sldId id="305" r:id="rId26"/>
-    <p:sldId id="306" r:id="rId27"/>
-    <p:sldId id="307" r:id="rId28"/>
+    <p:sldId id="317" r:id="rId20"/>
+    <p:sldId id="312" r:id="rId21"/>
+    <p:sldId id="311" r:id="rId22"/>
+    <p:sldId id="313" r:id="rId23"/>
+    <p:sldId id="315" r:id="rId24"/>
+    <p:sldId id="314" r:id="rId25"/>
+    <p:sldId id="308" r:id="rId26"/>
+    <p:sldId id="305" r:id="rId27"/>
+    <p:sldId id="316" r:id="rId28"/>
+    <p:sldId id="306" r:id="rId29"/>
+    <p:sldId id="307" r:id="rId30"/>
   </p:sldIdLst>
   <p:sldSz cx="12192000" cy="6858000"/>
   <p:notesSz cx="9144000" cy="6858000"/>
@@ -4074,7 +4076,7 @@
           <a:p>
             <a:r>
               <a:rPr lang="en-US" dirty="0"/>
-              <a:t>Can p reach q?</a:t>
+              <a:t>Find set of nodes p can reach</a:t>
             </a:r>
           </a:p>
         </p:txBody>
@@ -4089,14 +4091,19 @@
             <p:ph idx="1"/>
           </p:nvPr>
         </p:nvSpPr>
-        <p:spPr/>
+        <p:spPr>
+          <a:xfrm>
+            <a:off x="838200" y="1825625"/>
+            <a:ext cx="10957560" cy="4351338"/>
+          </a:xfrm>
+        </p:spPr>
         <p:txBody>
           <a:bodyPr/>
           <a:lstStyle/>
           <a:p>
             <a:r>
               <a:rPr lang="en-US" dirty="0"/>
-              <a:t>Need two sets, one for avoiding cycles, another for reached</a:t>
+              <a:t>Need two sets, one for avoiding cycles, another for reached nodes</a:t>
             </a:r>
           </a:p>
         </p:txBody>
@@ -4650,14 +4657,19 @@
             <p:ph type="title"/>
           </p:nvPr>
         </p:nvSpPr>
-        <p:spPr/>
+        <p:spPr>
+          <a:xfrm>
+            <a:off x="838200" y="365125"/>
+            <a:ext cx="11037570" cy="1325563"/>
+          </a:xfrm>
+        </p:spPr>
         <p:txBody>
           <a:bodyPr/>
           <a:lstStyle/>
           <a:p>
             <a:r>
               <a:rPr lang="en-US" dirty="0"/>
-              <a:t>p reaches q at what (first) depth?</a:t>
+              <a:t>Find set of nodes p can reach, track depth</a:t>
             </a:r>
           </a:p>
         </p:txBody>
@@ -5596,7 +5608,7 @@
           <a:p>
             <a:r>
               <a:rPr lang="en-US" dirty="0"/>
-              <a:t>Find path from p to q?</a:t>
+              <a:t>Find path from p to q</a:t>
             </a:r>
           </a:p>
         </p:txBody>
@@ -6277,7 +6289,7 @@
         </p:blipFill>
         <p:spPr>
           <a:xfrm>
-            <a:off x="8717971" y="2459401"/>
+            <a:off x="8724383" y="2728752"/>
             <a:ext cx="3267430" cy="2517843"/>
           </a:xfrm>
           <a:prstGeom prst="rect">
@@ -6964,7 +6976,7 @@
                 <a:ea typeface="Monaco" charset="0"/>
                 <a:cs typeface="Monaco" charset="0"/>
               </a:rPr>
-              <a:t>e,q</a:t>
+              <a:t>q</a:t>
             </a:r>
             <a:r>
               <a:rPr lang="mr-IN" sz="2200" dirty="0">
@@ -6996,7 +7008,7 @@
                 <a:ea typeface="Monaco" charset="0"/>
                 <a:cs typeface="Monaco" charset="0"/>
               </a:rPr>
-              <a:t>p.edges.items</a:t>
+              <a:t>p.edges</a:t>
             </a:r>
             <a:r>
               <a:rPr lang="mr-IN" sz="2200" dirty="0">
@@ -7004,7 +7016,7 @@
                 <a:ea typeface="Monaco" charset="0"/>
                 <a:cs typeface="Monaco" charset="0"/>
               </a:rPr>
-              <a:t>():  </a:t>
+              <a:t>:  </a:t>
             </a:r>
           </a:p>
           <a:p>
@@ -7942,7 +7954,7 @@
           <a:p>
             <a:r>
               <a:rPr lang="en-US" dirty="0"/>
-              <a:t>E.g., task ordering or course </a:t>
+              <a:t>Examples: task ordering or course </a:t>
             </a:r>
             <a:r>
               <a:rPr lang="en-US" dirty="0" err="1"/>
@@ -7950,14 +7962,28 @@
             </a:r>
             <a:r>
               <a:rPr lang="en-US" dirty="0"/>
-              <a:t> chain. 501</a:t>
+              <a:t> chain.</a:t>
+            </a:r>
+          </a:p>
+          <a:p>
+            <a:r>
+              <a:rPr lang="en-US" dirty="0"/>
+              <a:t>Can also have u-&gt;v mean u precedes v. E.g.,</a:t>
             </a:r>
             <a:br>
               <a:rPr lang="en-US" dirty="0"/>
             </a:br>
             <a:r>
               <a:rPr lang="en-US" dirty="0"/>
-              <a:t>depends on 501; 502,504,693 depend on 601… </a:t>
+              <a:t>502 is </a:t>
+            </a:r>
+            <a:r>
+              <a:rPr lang="en-US" dirty="0" err="1"/>
+              <a:t>prereq</a:t>
+            </a:r>
+            <a:r>
+              <a:rPr lang="en-US" dirty="0"/>
+              <a:t> for 621 and 601… </a:t>
             </a:r>
             <a:br>
               <a:rPr lang="en-US" dirty="0"/>
@@ -7970,13 +7996,7 @@
           <a:p>
             <a:r>
               <a:rPr lang="en-US" dirty="0"/>
-              <a:t>Any linear ordering where edges point to left is solution</a:t>
-            </a:r>
-          </a:p>
-          <a:p>
-            <a:r>
-              <a:rPr lang="en-US" dirty="0"/>
-              <a:t>Sort is not unique</a:t>
+              <a:t>Sort is not usually unique</a:t>
             </a:r>
           </a:p>
         </p:txBody>
@@ -8064,7 +8084,7 @@
           <a:p>
             <a:r>
               <a:rPr lang="en-US" dirty="0"/>
-              <a:t>Example topo sort</a:t>
+              <a:t>Example topological sort</a:t>
             </a:r>
           </a:p>
         </p:txBody>
@@ -8093,7 +8113,7 @@
         </p:blipFill>
         <p:spPr>
           <a:xfrm>
-            <a:off x="6786880" y="220504"/>
+            <a:off x="500380" y="1729731"/>
             <a:ext cx="3556000" cy="3149600"/>
           </a:xfrm>
           <a:prstGeom prst="rect">
@@ -8123,7 +8143,7 @@
         </p:blipFill>
         <p:spPr>
           <a:xfrm>
-            <a:off x="2152650" y="3770154"/>
+            <a:off x="4602480" y="2129229"/>
             <a:ext cx="7429500" cy="1371600"/>
           </a:xfrm>
           <a:prstGeom prst="rect">
@@ -8131,6 +8151,40 @@
           </a:prstGeom>
         </p:spPr>
       </p:pic>
+      <p:sp>
+        <p:nvSpPr>
+          <p:cNvPr id="10" name="Rectangle 9">
+            <a:extLst>
+              <a:ext uri="{FF2B5EF4-FFF2-40B4-BE49-F238E27FC236}">
+                <a16:creationId xmlns:a16="http://schemas.microsoft.com/office/drawing/2014/main" id="{9697E53A-728F-8B49-8F8D-479021E15088}"/>
+              </a:ext>
+            </a:extLst>
+          </p:cNvPr>
+          <p:cNvSpPr/>
+          <p:nvPr/>
+        </p:nvSpPr>
+        <p:spPr>
+          <a:xfrm>
+            <a:off x="1243415" y="5310971"/>
+            <a:ext cx="10142135" cy="461665"/>
+          </a:xfrm>
+          <a:prstGeom prst="rect">
+            <a:avLst/>
+          </a:prstGeom>
+        </p:spPr>
+        <p:txBody>
+          <a:bodyPr wrap="none">
+            <a:spAutoFit/>
+          </a:bodyPr>
+          <a:lstStyle/>
+          <a:p>
+            <a:r>
+              <a:rPr lang="en-US" sz="2400" dirty="0"/>
+              <a:t>If u depends on v, any linear ordering where edges point to left is solution</a:t>
+            </a:r>
+          </a:p>
+        </p:txBody>
+      </p:sp>
     </p:spTree>
     <p:extLst>
       <p:ext uri="{BB962C8B-B14F-4D97-AF65-F5344CB8AC3E}">
@@ -8166,7 +8220,7 @@
           <p:cNvPr id="2" name="Title 1">
             <a:extLst>
               <a:ext uri="{FF2B5EF4-FFF2-40B4-BE49-F238E27FC236}">
-                <a16:creationId xmlns:a16="http://schemas.microsoft.com/office/drawing/2014/main" id="{65C9391A-B892-F349-BBF1-A96E0D91C19C}"/>
+                <a16:creationId xmlns:a16="http://schemas.microsoft.com/office/drawing/2014/main" id="{744D4569-B70C-3B48-AB10-48228CF3FC27}"/>
               </a:ext>
             </a:extLst>
           </p:cNvPr>
@@ -8184,7 +8238,7 @@
           <a:p>
             <a:r>
               <a:rPr lang="en-US" dirty="0"/>
-              <a:t>How to approach the problem</a:t>
+              <a:t>Example where u precedes v</a:t>
             </a:r>
           </a:p>
         </p:txBody>
@@ -8194,7 +8248,7 @@
           <p:cNvPr id="3" name="Content Placeholder 2">
             <a:extLst>
               <a:ext uri="{FF2B5EF4-FFF2-40B4-BE49-F238E27FC236}">
-                <a16:creationId xmlns:a16="http://schemas.microsoft.com/office/drawing/2014/main" id="{1FD8F6C6-C068-DE48-8688-7C0D86229477}"/>
+                <a16:creationId xmlns:a16="http://schemas.microsoft.com/office/drawing/2014/main" id="{4C600A38-85AF-774A-99D2-5F691A7D7CD6}"/>
               </a:ext>
             </a:extLst>
           </p:cNvPr>
@@ -8205,66 +8259,14 @@
             <p:ph idx="1"/>
           </p:nvPr>
         </p:nvSpPr>
-        <p:spPr>
-          <a:xfrm>
-            <a:off x="712470" y="1797050"/>
-            <a:ext cx="10515600" cy="4351338"/>
-          </a:xfrm>
-        </p:spPr>
-        <p:txBody>
-          <a:bodyPr>
-            <a:normAutofit lnSpcReduction="10000"/>
-          </a:bodyPr>
+        <p:spPr/>
+        <p:txBody>
+          <a:bodyPr/>
           <a:lstStyle/>
           <a:p>
             <a:r>
               <a:rPr lang="en-US" dirty="0"/>
-              <a:t>What order should we do these tasks?</a:t>
-            </a:r>
-            <a:br>
-              <a:rPr lang="en-US" dirty="0"/>
-            </a:br>
-            <a:r>
-              <a:rPr lang="en-US" dirty="0"/>
-              <a:t>Think in terms of traversal order</a:t>
-            </a:r>
-          </a:p>
-          <a:p>
-            <a:endParaRPr lang="en-US" dirty="0"/>
-          </a:p>
-          <a:p>
-            <a:endParaRPr lang="en-US" dirty="0"/>
-          </a:p>
-          <a:p>
-            <a:r>
-              <a:rPr lang="en-US" dirty="0"/>
-              <a:t>What if we add party goal?</a:t>
-            </a:r>
-          </a:p>
-          <a:p>
-            <a:endParaRPr lang="en-US" dirty="0"/>
-          </a:p>
-          <a:p>
-            <a:endParaRPr lang="en-US" dirty="0"/>
-          </a:p>
-          <a:p>
-            <a:r>
-              <a:rPr lang="en-US" dirty="0"/>
-              <a:t>Cycles would cause trouble; are meaningless when</a:t>
-            </a:r>
-            <a:br>
-              <a:rPr lang="en-US" dirty="0"/>
-            </a:br>
-            <a:r>
-              <a:rPr lang="en-US" dirty="0"/>
-              <a:t>dealing with dependencies; how can 630-01 be</a:t>
-            </a:r>
-            <a:br>
-              <a:rPr lang="en-US" dirty="0"/>
-            </a:br>
-            <a:r>
-              <a:rPr lang="en-US" dirty="0"/>
-              <a:t>attended before itself?</a:t>
+              <a:t>In this case, edges must point to the right</a:t>
             </a:r>
           </a:p>
         </p:txBody>
@@ -8274,7 +8276,7 @@
           <p:cNvPr id="5" name="Picture 4">
             <a:extLst>
               <a:ext uri="{FF2B5EF4-FFF2-40B4-BE49-F238E27FC236}">
-                <a16:creationId xmlns:a16="http://schemas.microsoft.com/office/drawing/2014/main" id="{E58D4851-B8B0-254E-A5E2-69132FA51C6F}"/>
+                <a16:creationId xmlns:a16="http://schemas.microsoft.com/office/drawing/2014/main" id="{92AEB621-D56B-2140-9A46-8FA25AED6183}"/>
               </a:ext>
             </a:extLst>
           </p:cNvPr>
@@ -8291,8 +8293,8 @@
         </p:blipFill>
         <p:spPr>
           <a:xfrm>
-            <a:off x="8578850" y="3130709"/>
-            <a:ext cx="3289300" cy="1447800"/>
+            <a:off x="8218171" y="64483"/>
+            <a:ext cx="3893820" cy="4542790"/>
           </a:xfrm>
           <a:prstGeom prst="rect">
             <a:avLst/>
@@ -8304,7 +8306,7 @@
           <p:cNvPr id="6" name="Picture 5">
             <a:extLst>
               <a:ext uri="{FF2B5EF4-FFF2-40B4-BE49-F238E27FC236}">
-                <a16:creationId xmlns:a16="http://schemas.microsoft.com/office/drawing/2014/main" id="{F95340B7-6B91-E143-8596-0A66A5344B66}"/>
+                <a16:creationId xmlns:a16="http://schemas.microsoft.com/office/drawing/2014/main" id="{6DCE205C-66A8-CE42-9D1B-9E9D451FC882}"/>
               </a:ext>
             </a:extLst>
           </p:cNvPr>
@@ -8321,38 +8323,8 @@
         </p:blipFill>
         <p:spPr>
           <a:xfrm>
-            <a:off x="9864090" y="5003801"/>
-            <a:ext cx="990600" cy="1143000"/>
-          </a:xfrm>
-          <a:prstGeom prst="rect">
-            <a:avLst/>
-          </a:prstGeom>
-        </p:spPr>
-      </p:pic>
-      <p:pic>
-        <p:nvPicPr>
-          <p:cNvPr id="8" name="Picture 7">
-            <a:extLst>
-              <a:ext uri="{FF2B5EF4-FFF2-40B4-BE49-F238E27FC236}">
-                <a16:creationId xmlns:a16="http://schemas.microsoft.com/office/drawing/2014/main" id="{F4DAE2B4-F0B9-6746-AB32-FF4DBCD2AE56}"/>
-              </a:ext>
-            </a:extLst>
-          </p:cNvPr>
-          <p:cNvPicPr>
-            <a:picLocks noChangeAspect="1"/>
-          </p:cNvPicPr>
-          <p:nvPr/>
-        </p:nvPicPr>
-        <p:blipFill>
-          <a:blip r:embed="rId4"/>
-          <a:stretch>
-            <a:fillRect/>
-          </a:stretch>
-        </p:blipFill>
-        <p:spPr>
-          <a:xfrm>
-            <a:off x="9641840" y="1257617"/>
-            <a:ext cx="2184400" cy="1447800"/>
+            <a:off x="0" y="4742210"/>
+            <a:ext cx="12209318" cy="974148"/>
           </a:xfrm>
           <a:prstGeom prst="rect">
             <a:avLst/>
@@ -8362,7 +8334,7 @@
     </p:spTree>
     <p:extLst>
       <p:ext uri="{BB962C8B-B14F-4D97-AF65-F5344CB8AC3E}">
-        <p14:creationId xmlns:p14="http://schemas.microsoft.com/office/powerpoint/2010/main" val="1440752801"/>
+        <p14:creationId xmlns:p14="http://schemas.microsoft.com/office/powerpoint/2010/main" val="815255396"/>
       </p:ext>
     </p:extLst>
   </p:cSld>
@@ -8417,8 +8389,8 @@
           </a:p>
         </p:txBody>
       </p:sp>
-      <mc:AlternateContent xmlns:mc="http://schemas.openxmlformats.org/markup-compatibility/2006" xmlns:a14="http://schemas.microsoft.com/office/drawing/2010/main">
-        <mc:Choice Requires="a14">
+      <mc:AlternateContent xmlns:mc="http://schemas.openxmlformats.org/markup-compatibility/2006">
+        <mc:Choice xmlns:a14="http://schemas.microsoft.com/office/drawing/2010/main" Requires="a14">
           <p:sp>
             <p:nvSpPr>
               <p:cNvPr id="3" name="Content Placeholder 2">
@@ -8456,7 +8428,7 @@
               <a:p>
                 <a:r>
                   <a:rPr lang="en-US" dirty="0"/>
-                  <a:t>Elements/nodes are email addresses, map locations, documents, URLs on the web, customers, computers on a network, friends, observations, sensors, states in </a:t>
+                  <a:t>Elements/nodes are email addresses, map locations, documents, tasks to perform, URLs on the web, customers, computers on a network, friends, observations, sensors, states in </a:t>
                 </a:r>
                 <a:r>
                   <a:rPr lang="en-US" dirty="0" err="1"/>
@@ -8499,7 +8471,15 @@
                 </a:r>
                 <a:r>
                   <a:rPr lang="en-US" dirty="0"/>
-                  <a:t>, which can have labels</a:t>
+                  <a:t>, which can have labels; e.g., recall the </a:t>
+                </a:r>
+                <a:r>
+                  <a:rPr lang="en-US" dirty="0" err="1"/>
+                  <a:t>Trie</a:t>
+                </a:r>
+                <a:r>
+                  <a:rPr lang="en-US" dirty="0"/>
+                  <a:t> graph with labeled edges</a:t>
                 </a:r>
               </a:p>
               <a:p>
@@ -8619,13 +8599,13 @@
             </p:txBody>
           </p:sp>
         </mc:Choice>
-        <mc:Fallback xmlns="">
+        <mc:Fallback>
           <p:sp>
             <p:nvSpPr>
               <p:cNvPr id="3" name="Content Placeholder 2">
                 <a:extLst>
                   <a:ext uri="{FF2B5EF4-FFF2-40B4-BE49-F238E27FC236}">
-                    <a16:creationId xmlns="" xmlns:a16="http://schemas.microsoft.com/office/drawing/2014/main" id="{011453FF-9B1C-204B-BAC3-7506D02A781A}"/>
+                    <a16:creationId xmlns:a16="http://schemas.microsoft.com/office/drawing/2014/main" id="{011453FF-9B1C-204B-BAC3-7506D02A781A}"/>
                   </a:ext>
                 </a:extLst>
               </p:cNvPr>
@@ -8637,10 +8617,10 @@
               </p:nvPr>
             </p:nvSpPr>
             <p:spPr>
-              <a:blipFill rotWithShape="0">
+              <a:blipFill>
                 <a:blip r:embed="rId2"/>
                 <a:stretch>
-                  <a:fillRect l="-1043" t="-3361" r="-1855" b="-420"/>
+                  <a:fillRect l="-965" t="-3509" r="-1809" b="-585"/>
                 </a:stretch>
               </a:blipFill>
             </p:spPr>
@@ -8694,6 +8674,234 @@
           <p:cNvPr id="2" name="Title 1">
             <a:extLst>
               <a:ext uri="{FF2B5EF4-FFF2-40B4-BE49-F238E27FC236}">
+                <a16:creationId xmlns:a16="http://schemas.microsoft.com/office/drawing/2014/main" id="{65C9391A-B892-F349-BBF1-A96E0D91C19C}"/>
+              </a:ext>
+            </a:extLst>
+          </p:cNvPr>
+          <p:cNvSpPr>
+            <a:spLocks noGrp="1"/>
+          </p:cNvSpPr>
+          <p:nvPr>
+            <p:ph type="title"/>
+          </p:nvPr>
+        </p:nvSpPr>
+        <p:spPr/>
+        <p:txBody>
+          <a:bodyPr/>
+          <a:lstStyle/>
+          <a:p>
+            <a:r>
+              <a:rPr lang="en-US" dirty="0"/>
+              <a:t>How to approach the problem</a:t>
+            </a:r>
+          </a:p>
+        </p:txBody>
+      </p:sp>
+      <p:sp>
+        <p:nvSpPr>
+          <p:cNvPr id="3" name="Content Placeholder 2">
+            <a:extLst>
+              <a:ext uri="{FF2B5EF4-FFF2-40B4-BE49-F238E27FC236}">
+                <a16:creationId xmlns:a16="http://schemas.microsoft.com/office/drawing/2014/main" id="{1FD8F6C6-C068-DE48-8688-7C0D86229477}"/>
+              </a:ext>
+            </a:extLst>
+          </p:cNvPr>
+          <p:cNvSpPr>
+            <a:spLocks noGrp="1"/>
+          </p:cNvSpPr>
+          <p:nvPr>
+            <p:ph idx="1"/>
+          </p:nvPr>
+        </p:nvSpPr>
+        <p:spPr>
+          <a:xfrm>
+            <a:off x="712470" y="1797050"/>
+            <a:ext cx="10515600" cy="4351338"/>
+          </a:xfrm>
+        </p:spPr>
+        <p:txBody>
+          <a:bodyPr>
+            <a:normAutofit lnSpcReduction="10000"/>
+          </a:bodyPr>
+          <a:lstStyle/>
+          <a:p>
+            <a:r>
+              <a:rPr lang="en-US" dirty="0"/>
+              <a:t>What order should we do these tasks (u depends v)?</a:t>
+            </a:r>
+            <a:br>
+              <a:rPr lang="en-US" dirty="0"/>
+            </a:br>
+            <a:r>
+              <a:rPr lang="en-US" dirty="0"/>
+              <a:t>Think in terms of traversal order</a:t>
+            </a:r>
+          </a:p>
+          <a:p>
+            <a:endParaRPr lang="en-US" dirty="0"/>
+          </a:p>
+          <a:p>
+            <a:endParaRPr lang="en-US" dirty="0"/>
+          </a:p>
+          <a:p>
+            <a:r>
+              <a:rPr lang="en-US" dirty="0"/>
+              <a:t>What if we add party goal?</a:t>
+            </a:r>
+          </a:p>
+          <a:p>
+            <a:endParaRPr lang="en-US" dirty="0"/>
+          </a:p>
+          <a:p>
+            <a:endParaRPr lang="en-US" dirty="0"/>
+          </a:p>
+          <a:p>
+            <a:r>
+              <a:rPr lang="en-US" dirty="0"/>
+              <a:t>BTW, cycles would cause trouble; are meaningless when</a:t>
+            </a:r>
+            <a:br>
+              <a:rPr lang="en-US" dirty="0"/>
+            </a:br>
+            <a:r>
+              <a:rPr lang="en-US" dirty="0"/>
+              <a:t>dealing with dependencies; how can 630-01 be</a:t>
+            </a:r>
+            <a:br>
+              <a:rPr lang="en-US" dirty="0"/>
+            </a:br>
+            <a:r>
+              <a:rPr lang="en-US" dirty="0"/>
+              <a:t>attended before itself?</a:t>
+            </a:r>
+          </a:p>
+        </p:txBody>
+      </p:sp>
+      <p:pic>
+        <p:nvPicPr>
+          <p:cNvPr id="5" name="Picture 4">
+            <a:extLst>
+              <a:ext uri="{FF2B5EF4-FFF2-40B4-BE49-F238E27FC236}">
+                <a16:creationId xmlns:a16="http://schemas.microsoft.com/office/drawing/2014/main" id="{E58D4851-B8B0-254E-A5E2-69132FA51C6F}"/>
+              </a:ext>
+            </a:extLst>
+          </p:cNvPr>
+          <p:cNvPicPr>
+            <a:picLocks noChangeAspect="1"/>
+          </p:cNvPicPr>
+          <p:nvPr/>
+        </p:nvPicPr>
+        <p:blipFill>
+          <a:blip r:embed="rId2"/>
+          <a:stretch>
+            <a:fillRect/>
+          </a:stretch>
+        </p:blipFill>
+        <p:spPr>
+          <a:xfrm>
+            <a:off x="8578850" y="3130709"/>
+            <a:ext cx="3289300" cy="1447800"/>
+          </a:xfrm>
+          <a:prstGeom prst="rect">
+            <a:avLst/>
+          </a:prstGeom>
+        </p:spPr>
+      </p:pic>
+      <p:pic>
+        <p:nvPicPr>
+          <p:cNvPr id="6" name="Picture 5">
+            <a:extLst>
+              <a:ext uri="{FF2B5EF4-FFF2-40B4-BE49-F238E27FC236}">
+                <a16:creationId xmlns:a16="http://schemas.microsoft.com/office/drawing/2014/main" id="{F95340B7-6B91-E143-8596-0A66A5344B66}"/>
+              </a:ext>
+            </a:extLst>
+          </p:cNvPr>
+          <p:cNvPicPr>
+            <a:picLocks noChangeAspect="1"/>
+          </p:cNvPicPr>
+          <p:nvPr/>
+        </p:nvPicPr>
+        <p:blipFill>
+          <a:blip r:embed="rId3"/>
+          <a:stretch>
+            <a:fillRect/>
+          </a:stretch>
+        </p:blipFill>
+        <p:spPr>
+          <a:xfrm>
+            <a:off x="9864090" y="5003801"/>
+            <a:ext cx="990600" cy="1143000"/>
+          </a:xfrm>
+          <a:prstGeom prst="rect">
+            <a:avLst/>
+          </a:prstGeom>
+        </p:spPr>
+      </p:pic>
+      <p:pic>
+        <p:nvPicPr>
+          <p:cNvPr id="8" name="Picture 7">
+            <a:extLst>
+              <a:ext uri="{FF2B5EF4-FFF2-40B4-BE49-F238E27FC236}">
+                <a16:creationId xmlns:a16="http://schemas.microsoft.com/office/drawing/2014/main" id="{F4DAE2B4-F0B9-6746-AB32-FF4DBCD2AE56}"/>
+              </a:ext>
+            </a:extLst>
+          </p:cNvPr>
+          <p:cNvPicPr>
+            <a:picLocks noChangeAspect="1"/>
+          </p:cNvPicPr>
+          <p:nvPr/>
+        </p:nvPicPr>
+        <p:blipFill>
+          <a:blip r:embed="rId4"/>
+          <a:stretch>
+            <a:fillRect/>
+          </a:stretch>
+        </p:blipFill>
+        <p:spPr>
+          <a:xfrm>
+            <a:off x="9641840" y="1257617"/>
+            <a:ext cx="2184400" cy="1447800"/>
+          </a:xfrm>
+          <a:prstGeom prst="rect">
+            <a:avLst/>
+          </a:prstGeom>
+        </p:spPr>
+      </p:pic>
+    </p:spTree>
+    <p:extLst>
+      <p:ext uri="{BB962C8B-B14F-4D97-AF65-F5344CB8AC3E}">
+        <p14:creationId xmlns:p14="http://schemas.microsoft.com/office/powerpoint/2010/main" val="1440752801"/>
+      </p:ext>
+    </p:extLst>
+  </p:cSld>
+  <p:clrMapOvr>
+    <a:masterClrMapping/>
+  </p:clrMapOvr>
+</p:sld>
+</file>
+
+<file path=ppt/slides/slide21.xml><?xml version="1.0" encoding="utf-8"?>
+<p:sld xmlns:a="http://schemas.openxmlformats.org/drawingml/2006/main" xmlns:r="http://schemas.openxmlformats.org/officeDocument/2006/relationships" xmlns:p="http://schemas.openxmlformats.org/presentationml/2006/main">
+  <p:cSld>
+    <p:spTree>
+      <p:nvGrpSpPr>
+        <p:cNvPr id="1" name=""/>
+        <p:cNvGrpSpPr/>
+        <p:nvPr/>
+      </p:nvGrpSpPr>
+      <p:grpSpPr>
+        <a:xfrm>
+          <a:off x="0" y="0"/>
+          <a:ext cx="0" cy="0"/>
+          <a:chOff x="0" y="0"/>
+          <a:chExt cx="0" cy="0"/>
+        </a:xfrm>
+      </p:grpSpPr>
+      <p:sp>
+        <p:nvSpPr>
+          <p:cNvPr id="2" name="Title 1">
+            <a:extLst>
+              <a:ext uri="{FF2B5EF4-FFF2-40B4-BE49-F238E27FC236}">
                 <a16:creationId xmlns:a16="http://schemas.microsoft.com/office/drawing/2014/main" id="{D923F8B9-AF0B-514B-82D1-85ABBEE15D9A}"/>
               </a:ext>
             </a:extLst>
@@ -8712,7 +8920,7 @@
           <a:p>
             <a:r>
               <a:rPr lang="en-US" dirty="0"/>
-              <a:t>DFS-based Topo sort implementation</a:t>
+              <a:t>DFS-based topo sort implementation</a:t>
             </a:r>
           </a:p>
         </p:txBody>
@@ -8752,7 +8960,13 @@
           <a:p>
             <a:r>
               <a:rPr lang="en-US" dirty="0"/>
-              <a:t>A valid sort is just the post-order graph traversal!</a:t>
+              <a:t>A valid sort is just the post-order graph traversal if u depends v!</a:t>
+            </a:r>
+          </a:p>
+          <a:p>
+            <a:r>
+              <a:rPr lang="en-US" dirty="0"/>
+              <a:t>If u precedes v, reverse the post-order traversal</a:t>
             </a:r>
           </a:p>
           <a:p>
@@ -8793,7 +9007,7 @@
 </p:sld>
 </file>
 
-<file path=ppt/slides/slide21.xml><?xml version="1.0" encoding="utf-8"?>
+<file path=ppt/slides/slide22.xml><?xml version="1.0" encoding="utf-8"?>
 <p:sld xmlns:a="http://schemas.openxmlformats.org/drawingml/2006/main" xmlns:r="http://schemas.openxmlformats.org/officeDocument/2006/relationships" xmlns:p="http://schemas.openxmlformats.org/presentationml/2006/main">
   <p:cSld>
     <p:spTree>
@@ -9025,7 +9239,7 @@
 </p:sld>
 </file>
 
-<file path=ppt/slides/slide22.xml><?xml version="1.0" encoding="utf-8"?>
+<file path=ppt/slides/slide23.xml><?xml version="1.0" encoding="utf-8"?>
 <p:sld xmlns:a="http://schemas.openxmlformats.org/drawingml/2006/main" xmlns:r="http://schemas.openxmlformats.org/officeDocument/2006/relationships" xmlns:p="http://schemas.openxmlformats.org/presentationml/2006/main">
   <p:cSld>
     <p:spTree>
@@ -9117,8 +9331,8 @@
         </p:nvSpPr>
         <p:spPr>
           <a:xfrm>
-            <a:off x="2094980" y="2733159"/>
-            <a:ext cx="8180590" cy="2123658"/>
+            <a:off x="1786370" y="2630289"/>
+            <a:ext cx="8912110" cy="2308324"/>
           </a:xfrm>
           <a:prstGeom prst="rect">
             <a:avLst/>
@@ -9137,7 +9351,7 @@
           <a:lstStyle/>
           <a:p>
             <a:r>
-              <a:rPr lang="en-US" sz="2200" dirty="0">
+              <a:rPr lang="en-US" sz="2400" dirty="0">
                 <a:latin typeface="Monaco" charset="0"/>
                 <a:ea typeface="Monaco" charset="0"/>
                 <a:cs typeface="Monaco" charset="0"/>
@@ -9145,7 +9359,7 @@
               <a:t>def </a:t>
             </a:r>
             <a:r>
-              <a:rPr lang="en-US" sz="2200" dirty="0" err="1">
+              <a:rPr lang="en-US" sz="2400" dirty="0" err="1">
                 <a:latin typeface="Monaco" charset="0"/>
                 <a:ea typeface="Monaco" charset="0"/>
                 <a:cs typeface="Monaco" charset="0"/>
@@ -9153,7 +9367,7 @@
               <a:t>postorder</a:t>
             </a:r>
             <a:r>
-              <a:rPr lang="en-US" sz="2200" dirty="0">
+              <a:rPr lang="en-US" sz="2400" dirty="0">
                 <a:latin typeface="Monaco" charset="0"/>
                 <a:ea typeface="Monaco" charset="0"/>
                 <a:cs typeface="Monaco" charset="0"/>
@@ -9161,7 +9375,7 @@
               <a:t>(</a:t>
             </a:r>
             <a:r>
-              <a:rPr lang="en-US" sz="2200" dirty="0" err="1">
+              <a:rPr lang="en-US" sz="2400" dirty="0" err="1">
                 <a:latin typeface="Monaco" charset="0"/>
                 <a:ea typeface="Monaco" charset="0"/>
                 <a:cs typeface="Monaco" charset="0"/>
@@ -9169,7 +9383,7 @@
               <a:t>p:Node</a:t>
             </a:r>
             <a:r>
-              <a:rPr lang="en-US" sz="2200" dirty="0">
+              <a:rPr lang="en-US" sz="2400" dirty="0">
                 <a:latin typeface="Monaco" charset="0"/>
                 <a:ea typeface="Monaco" charset="0"/>
                 <a:cs typeface="Monaco" charset="0"/>
@@ -9177,7 +9391,7 @@
               <a:t>, </a:t>
             </a:r>
             <a:r>
-              <a:rPr lang="en-US" sz="2200" dirty="0" err="1">
+              <a:rPr lang="en-US" sz="2400" dirty="0" err="1">
                 <a:latin typeface="Monaco" charset="0"/>
                 <a:ea typeface="Monaco" charset="0"/>
                 <a:cs typeface="Monaco" charset="0"/>
@@ -9185,7 +9399,7 @@
               <a:t>sorted:set</a:t>
             </a:r>
             <a:r>
-              <a:rPr lang="en-US" sz="2200" dirty="0">
+              <a:rPr lang="en-US" sz="2400" dirty="0">
                 <a:latin typeface="Monaco" charset="0"/>
                 <a:ea typeface="Monaco" charset="0"/>
                 <a:cs typeface="Monaco" charset="0"/>
@@ -9193,7 +9407,7 @@
               <a:t>, </a:t>
             </a:r>
             <a:r>
-              <a:rPr lang="en-US" sz="2200" dirty="0" err="1">
+              <a:rPr lang="en-US" sz="2400" dirty="0" err="1">
                 <a:latin typeface="Monaco" charset="0"/>
                 <a:ea typeface="Monaco" charset="0"/>
                 <a:cs typeface="Monaco" charset="0"/>
@@ -9201,7 +9415,7 @@
               <a:t>visited:set</a:t>
             </a:r>
             <a:r>
-              <a:rPr lang="en-US" sz="2200" dirty="0">
+              <a:rPr lang="en-US" sz="2400" dirty="0">
                 <a:latin typeface="Monaco" charset="0"/>
                 <a:ea typeface="Monaco" charset="0"/>
                 <a:cs typeface="Monaco" charset="0"/>
@@ -9211,7 +9425,7 @@
           </a:p>
           <a:p>
             <a:r>
-              <a:rPr lang="en-US" sz="2200" dirty="0">
+              <a:rPr lang="en-US" sz="2400" dirty="0">
                 <a:latin typeface="Monaco" charset="0"/>
                 <a:ea typeface="Monaco" charset="0"/>
                 <a:cs typeface="Monaco" charset="0"/>
@@ -9221,7 +9435,7 @@
           </a:p>
           <a:p>
             <a:r>
-              <a:rPr lang="en-US" sz="2200" dirty="0">
+              <a:rPr lang="en-US" sz="2400" dirty="0">
                 <a:latin typeface="Monaco" charset="0"/>
                 <a:ea typeface="Monaco" charset="0"/>
                 <a:cs typeface="Monaco" charset="0"/>
@@ -9229,7 +9443,7 @@
               <a:t>    </a:t>
             </a:r>
             <a:r>
-              <a:rPr lang="en-US" sz="2200" dirty="0" err="1">
+              <a:rPr lang="en-US" sz="2400" dirty="0" err="1">
                 <a:latin typeface="Monaco" charset="0"/>
                 <a:ea typeface="Monaco" charset="0"/>
                 <a:cs typeface="Monaco" charset="0"/>
@@ -9237,7 +9451,7 @@
               <a:t>visited.add</a:t>
             </a:r>
             <a:r>
-              <a:rPr lang="en-US" sz="2200" dirty="0">
+              <a:rPr lang="en-US" sz="2400" dirty="0">
                 <a:latin typeface="Monaco" charset="0"/>
                 <a:ea typeface="Monaco" charset="0"/>
                 <a:cs typeface="Monaco" charset="0"/>
@@ -9247,7 +9461,7 @@
           </a:p>
           <a:p>
             <a:r>
-              <a:rPr lang="en-US" sz="2200" dirty="0">
+              <a:rPr lang="en-US" sz="2400" dirty="0">
                 <a:latin typeface="Monaco" charset="0"/>
                 <a:ea typeface="Monaco" charset="0"/>
                 <a:cs typeface="Monaco" charset="0"/>
@@ -9255,7 +9469,7 @@
               <a:t>    for q in </a:t>
             </a:r>
             <a:r>
-              <a:rPr lang="en-US" sz="2200" dirty="0" err="1">
+              <a:rPr lang="en-US" sz="2400" dirty="0" err="1">
                 <a:latin typeface="Monaco" charset="0"/>
                 <a:ea typeface="Monaco" charset="0"/>
                 <a:cs typeface="Monaco" charset="0"/>
@@ -9263,7 +9477,7 @@
               <a:t>p.edges</a:t>
             </a:r>
             <a:r>
-              <a:rPr lang="en-US" sz="2200" dirty="0">
+              <a:rPr lang="en-US" sz="2400" dirty="0">
                 <a:latin typeface="Monaco" charset="0"/>
                 <a:ea typeface="Monaco" charset="0"/>
                 <a:cs typeface="Monaco" charset="0"/>
@@ -9273,7 +9487,7 @@
           </a:p>
           <a:p>
             <a:r>
-              <a:rPr lang="en-US" sz="2200" dirty="0">
+              <a:rPr lang="en-US" sz="2400" dirty="0">
                 <a:latin typeface="Monaco" charset="0"/>
                 <a:ea typeface="Monaco" charset="0"/>
                 <a:cs typeface="Monaco" charset="0"/>
@@ -9281,7 +9495,7 @@
               <a:t>        </a:t>
             </a:r>
             <a:r>
-              <a:rPr lang="en-US" sz="2200" dirty="0" err="1">
+              <a:rPr lang="en-US" sz="2400" dirty="0" err="1">
                 <a:latin typeface="Monaco" charset="0"/>
                 <a:ea typeface="Monaco" charset="0"/>
                 <a:cs typeface="Monaco" charset="0"/>
@@ -9289,7 +9503,7 @@
               <a:t>postorder</a:t>
             </a:r>
             <a:r>
-              <a:rPr lang="en-US" sz="2200" dirty="0">
+              <a:rPr lang="en-US" sz="2400" dirty="0">
                 <a:latin typeface="Monaco" charset="0"/>
                 <a:ea typeface="Monaco" charset="0"/>
                 <a:cs typeface="Monaco" charset="0"/>
@@ -9299,7 +9513,7 @@
           </a:p>
           <a:p>
             <a:r>
-              <a:rPr lang="en-US" sz="2200" dirty="0">
+              <a:rPr lang="en-US" sz="2400" dirty="0">
                 <a:latin typeface="Monaco" charset="0"/>
                 <a:ea typeface="Monaco" charset="0"/>
                 <a:cs typeface="Monaco" charset="0"/>
@@ -9307,7 +9521,10 @@
               <a:t>    </a:t>
             </a:r>
             <a:r>
-              <a:rPr lang="en-US" sz="2200" dirty="0" err="1">
+              <a:rPr lang="en-US" sz="2400" dirty="0" err="1">
+                <a:solidFill>
+                  <a:schemeClr val="accent1"/>
+                </a:solidFill>
                 <a:latin typeface="Monaco" charset="0"/>
                 <a:ea typeface="Monaco" charset="0"/>
                 <a:cs typeface="Monaco" charset="0"/>
@@ -9315,14 +9532,20 @@
               <a:t>sorted.append</a:t>
             </a:r>
             <a:r>
-              <a:rPr lang="en-US" sz="2200" dirty="0">
+              <a:rPr lang="en-US" sz="2400" dirty="0">
+                <a:solidFill>
+                  <a:schemeClr val="accent1"/>
+                </a:solidFill>
                 <a:latin typeface="Monaco" charset="0"/>
                 <a:ea typeface="Monaco" charset="0"/>
                 <a:cs typeface="Monaco" charset="0"/>
               </a:rPr>
               <a:t>(p)</a:t>
             </a:r>
-            <a:endParaRPr lang="mr-IN" sz="2200" dirty="0">
+            <a:endParaRPr lang="mr-IN" sz="2400" dirty="0">
+              <a:solidFill>
+                <a:schemeClr val="accent1"/>
+              </a:solidFill>
               <a:latin typeface="Monaco" charset="0"/>
               <a:ea typeface="Monaco" charset="0"/>
               <a:cs typeface="Monaco" charset="0"/>
@@ -9343,7 +9566,7 @@
 </p:sld>
 </file>
 
-<file path=ppt/slides/slide23.xml><?xml version="1.0" encoding="utf-8"?>
+<file path=ppt/slides/slide24.xml><?xml version="1.0" encoding="utf-8"?>
 <p:sld xmlns:a="http://schemas.openxmlformats.org/drawingml/2006/main" xmlns:r="http://schemas.openxmlformats.org/officeDocument/2006/relationships" xmlns:p="http://schemas.openxmlformats.org/presentationml/2006/main">
   <p:cSld>
     <p:spTree>
@@ -9704,183 +9927,6 @@
 </p:sld>
 </file>
 
-<file path=ppt/slides/slide24.xml><?xml version="1.0" encoding="utf-8"?>
-<p:sld xmlns:a="http://schemas.openxmlformats.org/drawingml/2006/main" xmlns:r="http://schemas.openxmlformats.org/officeDocument/2006/relationships" xmlns:p="http://schemas.openxmlformats.org/presentationml/2006/main">
-  <p:cSld>
-    <p:spTree>
-      <p:nvGrpSpPr>
-        <p:cNvPr id="1" name=""/>
-        <p:cNvGrpSpPr/>
-        <p:nvPr/>
-      </p:nvGrpSpPr>
-      <p:grpSpPr>
-        <a:xfrm>
-          <a:off x="0" y="0"/>
-          <a:ext cx="0" cy="0"/>
-          <a:chOff x="0" y="0"/>
-          <a:chExt cx="0" cy="0"/>
-        </a:xfrm>
-      </p:grpSpPr>
-      <p:sp>
-        <p:nvSpPr>
-          <p:cNvPr id="2" name="Title 1">
-            <a:extLst>
-              <a:ext uri="{FF2B5EF4-FFF2-40B4-BE49-F238E27FC236}">
-                <a16:creationId xmlns:a16="http://schemas.microsoft.com/office/drawing/2014/main" id="{1F2B352F-CE3D-7041-AD7E-CD17118D3037}"/>
-              </a:ext>
-            </a:extLst>
-          </p:cNvPr>
-          <p:cNvSpPr>
-            <a:spLocks noGrp="1"/>
-          </p:cNvSpPr>
-          <p:nvPr>
-            <p:ph type="title"/>
-          </p:nvPr>
-        </p:nvSpPr>
-        <p:spPr/>
-        <p:txBody>
-          <a:bodyPr/>
-          <a:lstStyle/>
-          <a:p>
-            <a:r>
-              <a:rPr lang="en-US" dirty="0"/>
-              <a:t>Summary</a:t>
-            </a:r>
-          </a:p>
-        </p:txBody>
-      </p:sp>
-      <p:sp>
-        <p:nvSpPr>
-          <p:cNvPr id="3" name="Content Placeholder 2">
-            <a:extLst>
-              <a:ext uri="{FF2B5EF4-FFF2-40B4-BE49-F238E27FC236}">
-                <a16:creationId xmlns:a16="http://schemas.microsoft.com/office/drawing/2014/main" id="{7879AF3B-7FE8-2941-A4F8-C0A6F984CEB2}"/>
-              </a:ext>
-            </a:extLst>
-          </p:cNvPr>
-          <p:cNvSpPr>
-            <a:spLocks noGrp="1"/>
-          </p:cNvSpPr>
-          <p:nvPr>
-            <p:ph idx="1"/>
-          </p:nvPr>
-        </p:nvSpPr>
-        <p:spPr/>
-        <p:txBody>
-          <a:bodyPr>
-            <a:normAutofit fontScale="92500" lnSpcReduction="20000"/>
-          </a:bodyPr>
-          <a:lstStyle/>
-          <a:p>
-            <a:r>
-              <a:rPr lang="en-US" dirty="0"/>
-              <a:t>Graphs are for showing relationships between elements</a:t>
-            </a:r>
-          </a:p>
-          <a:p>
-            <a:r>
-              <a:rPr lang="en-US" dirty="0"/>
-              <a:t>DFS for finding a path or multiple paths</a:t>
-            </a:r>
-          </a:p>
-          <a:p>
-            <a:r>
-              <a:rPr lang="en-US" dirty="0"/>
-              <a:t>BFS for find shortest (in edges) path or neighborhood</a:t>
-            </a:r>
-          </a:p>
-          <a:p>
-            <a:r>
-              <a:rPr lang="en-US" dirty="0"/>
-              <a:t>DFS </a:t>
-            </a:r>
-            <a:r>
-              <a:rPr lang="en-US" dirty="0" err="1"/>
-              <a:t>postorder</a:t>
-            </a:r>
-            <a:r>
-              <a:rPr lang="en-US"/>
-              <a:t> great for topo sort</a:t>
-            </a:r>
-            <a:endParaRPr lang="en-US" dirty="0"/>
-          </a:p>
-          <a:p>
-            <a:r>
-              <a:rPr lang="en-US" dirty="0"/>
-              <a:t>Recursive </a:t>
-            </a:r>
-            <a:r>
-              <a:rPr lang="en-US" dirty="0" err="1"/>
-              <a:t>alg’s</a:t>
-            </a:r>
-            <a:r>
-              <a:rPr lang="en-US" dirty="0"/>
-              <a:t> all use </a:t>
-            </a:r>
-            <a:r>
-              <a:rPr lang="en-US" b="1" dirty="0"/>
-              <a:t>visited</a:t>
-            </a:r>
-            <a:r>
-              <a:rPr lang="en-US" dirty="0"/>
-              <a:t> set to avoid cycles</a:t>
-            </a:r>
-          </a:p>
-          <a:p>
-            <a:r>
-              <a:rPr lang="en-US" dirty="0"/>
-              <a:t>Non-recursive DFS: (use work list stack)</a:t>
-            </a:r>
-          </a:p>
-          <a:p>
-            <a:pPr lvl="1"/>
-            <a:r>
-              <a:rPr lang="en-US" dirty="0"/>
-              <a:t>push targets in reverse order onto work list</a:t>
-            </a:r>
-          </a:p>
-          <a:p>
-            <a:pPr lvl="1"/>
-            <a:r>
-              <a:rPr lang="en-US" dirty="0"/>
-              <a:t>pop last work list item for next node to process</a:t>
-            </a:r>
-          </a:p>
-          <a:p>
-            <a:r>
-              <a:rPr lang="en-US" dirty="0"/>
-              <a:t>Non-recursive BFS: (use work list queue)</a:t>
-            </a:r>
-          </a:p>
-          <a:p>
-            <a:pPr lvl="1"/>
-            <a:r>
-              <a:rPr lang="en-US" dirty="0"/>
-              <a:t>push targets in order onto work list</a:t>
-            </a:r>
-          </a:p>
-          <a:p>
-            <a:pPr lvl="1"/>
-            <a:r>
-              <a:rPr lang="en-US" dirty="0"/>
-              <a:t>pull from first position</a:t>
-            </a:r>
-          </a:p>
-        </p:txBody>
-      </p:sp>
-    </p:spTree>
-    <p:extLst>
-      <p:ext uri="{BB962C8B-B14F-4D97-AF65-F5344CB8AC3E}">
-        <p14:creationId xmlns:p14="http://schemas.microsoft.com/office/powerpoint/2010/main" val="1653462232"/>
-      </p:ext>
-    </p:extLst>
-  </p:cSld>
-  <p:clrMapOvr>
-    <a:masterClrMapping/>
-  </p:clrMapOvr>
-</p:sld>
-</file>
-
 <file path=ppt/slides/slide25.xml><?xml version="1.0" encoding="utf-8"?>
 <p:sld xmlns:a="http://schemas.openxmlformats.org/drawingml/2006/main" xmlns:r="http://schemas.openxmlformats.org/officeDocument/2006/relationships" xmlns:p="http://schemas.openxmlformats.org/presentationml/2006/main">
   <p:cSld>
@@ -9903,7 +9949,7 @@
           <p:cNvPr id="2" name="Title 1">
             <a:extLst>
               <a:ext uri="{FF2B5EF4-FFF2-40B4-BE49-F238E27FC236}">
-                <a16:creationId xmlns:a16="http://schemas.microsoft.com/office/drawing/2014/main" id="{DDFD2E64-84D8-A048-BE5C-C06207FAC5F2}"/>
+                <a16:creationId xmlns:a16="http://schemas.microsoft.com/office/drawing/2014/main" id="{1F2B352F-CE3D-7041-AD7E-CD17118D3037}"/>
               </a:ext>
             </a:extLst>
           </p:cNvPr>
@@ -9921,17 +9967,17 @@
           <a:p>
             <a:r>
               <a:rPr lang="en-US" dirty="0"/>
-              <a:t>Sample graph problems</a:t>
-            </a:r>
-          </a:p>
-        </p:txBody>
-      </p:sp>
-      <p:sp>
-        <p:nvSpPr>
-          <p:cNvPr id="3" name="Text Placeholder 2">
+              <a:t>Summary</a:t>
+            </a:r>
+          </a:p>
+        </p:txBody>
+      </p:sp>
+      <p:sp>
+        <p:nvSpPr>
+          <p:cNvPr id="3" name="Content Placeholder 2">
             <a:extLst>
               <a:ext uri="{FF2B5EF4-FFF2-40B4-BE49-F238E27FC236}">
-                <a16:creationId xmlns:a16="http://schemas.microsoft.com/office/drawing/2014/main" id="{389CB97C-29E6-8C4B-A5CB-F79E459454A0}"/>
+                <a16:creationId xmlns:a16="http://schemas.microsoft.com/office/drawing/2014/main" id="{7879AF3B-7FE8-2941-A4F8-C0A6F984CEB2}"/>
               </a:ext>
             </a:extLst>
           </p:cNvPr>
@@ -9939,22 +9985,115 @@
             <a:spLocks noGrp="1"/>
           </p:cNvSpPr>
           <p:nvPr>
-            <p:ph type="body" idx="1"/>
+            <p:ph idx="1"/>
           </p:nvPr>
         </p:nvSpPr>
         <p:spPr/>
         <p:txBody>
-          <a:bodyPr/>
+          <a:bodyPr>
+            <a:normAutofit fontScale="92500" lnSpcReduction="20000"/>
+          </a:bodyPr>
           <a:lstStyle/>
           <a:p>
-            <a:endParaRPr lang="en-US"/>
+            <a:r>
+              <a:rPr lang="en-US" dirty="0"/>
+              <a:t>Graphs are for showing relationships between elements</a:t>
+            </a:r>
+          </a:p>
+          <a:p>
+            <a:r>
+              <a:rPr lang="en-US" dirty="0"/>
+              <a:t>DFS for finding a path or multiple paths or cycles</a:t>
+            </a:r>
+          </a:p>
+          <a:p>
+            <a:r>
+              <a:rPr lang="en-US" dirty="0"/>
+              <a:t>BFS for find shortest (in edges) path or neighborhood</a:t>
+            </a:r>
+          </a:p>
+          <a:p>
+            <a:r>
+              <a:rPr lang="en-US" dirty="0"/>
+              <a:t>DFS </a:t>
+            </a:r>
+            <a:r>
+              <a:rPr lang="en-US" dirty="0" err="1"/>
+              <a:t>postorder</a:t>
+            </a:r>
+            <a:r>
+              <a:rPr lang="en-US" dirty="0"/>
+              <a:t> great for topo sort</a:t>
+            </a:r>
+          </a:p>
+          <a:p>
+            <a:r>
+              <a:rPr lang="en-US" dirty="0"/>
+              <a:t>Recursive </a:t>
+            </a:r>
+            <a:r>
+              <a:rPr lang="en-US" dirty="0" err="1"/>
+              <a:t>alg’s</a:t>
+            </a:r>
+            <a:r>
+              <a:rPr lang="en-US" dirty="0"/>
+              <a:t> all use </a:t>
+            </a:r>
+            <a:r>
+              <a:rPr lang="en-US" b="1" dirty="0"/>
+              <a:t>visited</a:t>
+            </a:r>
+            <a:r>
+              <a:rPr lang="en-US" dirty="0"/>
+              <a:t> set to avoid cycles</a:t>
+            </a:r>
+          </a:p>
+          <a:p>
+            <a:r>
+              <a:rPr lang="en-US" dirty="0"/>
+              <a:t>Non-recursive DFS: (use work list stack)</a:t>
+            </a:r>
+          </a:p>
+          <a:p>
+            <a:pPr lvl="1"/>
+            <a:r>
+              <a:rPr lang="en-US" dirty="0"/>
+              <a:t>push targets in reverse order onto work list</a:t>
+            </a:r>
+          </a:p>
+          <a:p>
+            <a:pPr lvl="1"/>
+            <a:r>
+              <a:rPr lang="en-US" dirty="0"/>
+              <a:t>pop last work list item for next node to process</a:t>
+            </a:r>
+          </a:p>
+          <a:p>
+            <a:r>
+              <a:rPr lang="en-US" dirty="0"/>
+              <a:t>Non-recursive BFS: (use work list queue)</a:t>
+            </a:r>
+          </a:p>
+          <a:p>
+            <a:pPr lvl="1"/>
+            <a:r>
+              <a:rPr lang="en-US" dirty="0"/>
+              <a:t>push targets in order onto work list</a:t>
+            </a:r>
+          </a:p>
+          <a:p>
+            <a:pPr lvl="1"/>
+            <a:r>
+              <a:rPr lang="en-US" dirty="0"/>
+              <a:t>pull from first position</a:t>
+            </a:r>
           </a:p>
         </p:txBody>
       </p:sp>
     </p:spTree>
     <p:extLst>
       <p:ext uri="{BB962C8B-B14F-4D97-AF65-F5344CB8AC3E}">
-        <p14:creationId xmlns:p14="http://schemas.microsoft.com/office/powerpoint/2010/main" val="731826914"/>
+        <p14:creationId xmlns:p14="http://schemas.microsoft.com/office/powerpoint/2010/main" val="1653462232"/>
       </p:ext>
     </p:extLst>
   </p:cSld>
@@ -9986,7 +10125,7 @@
           <p:cNvPr id="2" name="Title 1">
             <a:extLst>
               <a:ext uri="{FF2B5EF4-FFF2-40B4-BE49-F238E27FC236}">
-                <a16:creationId xmlns:a16="http://schemas.microsoft.com/office/drawing/2014/main" id="{7F191B5F-D0CE-BA41-A73B-830D9FB97B84}"/>
+                <a16:creationId xmlns:a16="http://schemas.microsoft.com/office/drawing/2014/main" id="{DDFD2E64-84D8-A048-BE5C-C06207FAC5F2}"/>
               </a:ext>
             </a:extLst>
           </p:cNvPr>
@@ -10004,17 +10143,17 @@
           <a:p>
             <a:r>
               <a:rPr lang="en-US" dirty="0"/>
-              <a:t>Exercise</a:t>
-            </a:r>
-          </a:p>
-        </p:txBody>
-      </p:sp>
-      <p:sp>
-        <p:nvSpPr>
-          <p:cNvPr id="3" name="Content Placeholder 2">
+              <a:t>Sample graph problems</a:t>
+            </a:r>
+          </a:p>
+        </p:txBody>
+      </p:sp>
+      <p:sp>
+        <p:nvSpPr>
+          <p:cNvPr id="3" name="Text Placeholder 2">
             <a:extLst>
               <a:ext uri="{FF2B5EF4-FFF2-40B4-BE49-F238E27FC236}">
-                <a16:creationId xmlns:a16="http://schemas.microsoft.com/office/drawing/2014/main" id="{C0E1260F-C0A3-0C49-84F2-C9631FD529FD}"/>
+                <a16:creationId xmlns:a16="http://schemas.microsoft.com/office/drawing/2014/main" id="{389CB97C-29E6-8C4B-A5CB-F79E459454A0}"/>
               </a:ext>
             </a:extLst>
           </p:cNvPr>
@@ -10022,7 +10161,7 @@
             <a:spLocks noGrp="1"/>
           </p:cNvSpPr>
           <p:nvPr>
-            <p:ph idx="1"/>
+            <p:ph type="body" idx="1"/>
           </p:nvPr>
         </p:nvSpPr>
         <p:spPr/>
@@ -10030,41 +10169,14 @@
           <a:bodyPr/>
           <a:lstStyle/>
           <a:p>
-            <a:r>
-              <a:rPr lang="en-US" dirty="0"/>
-              <a:t>Given 2 lists P,Q and function conn(</a:t>
-            </a:r>
-            <a:r>
-              <a:rPr lang="en-US" dirty="0" err="1"/>
-              <a:t>p,q</a:t>
-            </a:r>
-            <a:r>
-              <a:rPr lang="en-US" dirty="0"/>
-              <a:t>)=true if edge p-&gt;q exists. P is origin (starting) nodes and Q destination nodes. Report 1 for P[</a:t>
-            </a:r>
-            <a:r>
-              <a:rPr lang="en-US" dirty="0" err="1"/>
-              <a:t>i</a:t>
-            </a:r>
-            <a:r>
-              <a:rPr lang="en-US" dirty="0"/>
-              <a:t>] reaches Q[</a:t>
-            </a:r>
-            <a:r>
-              <a:rPr lang="en-US" dirty="0" err="1"/>
-              <a:t>i</a:t>
-            </a:r>
-            <a:r>
-              <a:rPr lang="en-US" dirty="0"/>
-              <a:t>] directly or indirectly.</a:t>
-            </a:r>
+            <a:endParaRPr lang="en-US"/>
           </a:p>
         </p:txBody>
       </p:sp>
     </p:spTree>
     <p:extLst>
       <p:ext uri="{BB962C8B-B14F-4D97-AF65-F5344CB8AC3E}">
-        <p14:creationId xmlns:p14="http://schemas.microsoft.com/office/powerpoint/2010/main" val="1487629589"/>
+        <p14:creationId xmlns:p14="http://schemas.microsoft.com/office/powerpoint/2010/main" val="731826914"/>
       </p:ext>
     </p:extLst>
   </p:cSld>
@@ -10096,6 +10208,476 @@
           <p:cNvPr id="2" name="Title 1">
             <a:extLst>
               <a:ext uri="{FF2B5EF4-FFF2-40B4-BE49-F238E27FC236}">
+                <a16:creationId xmlns:a16="http://schemas.microsoft.com/office/drawing/2014/main" id="{0BDA18EA-8ABA-B842-B6FE-41ADFDDEF28F}"/>
+              </a:ext>
+            </a:extLst>
+          </p:cNvPr>
+          <p:cNvSpPr>
+            <a:spLocks noGrp="1"/>
+          </p:cNvSpPr>
+          <p:nvPr>
+            <p:ph type="title"/>
+          </p:nvPr>
+        </p:nvSpPr>
+        <p:spPr/>
+        <p:txBody>
+          <a:bodyPr/>
+          <a:lstStyle/>
+          <a:p>
+            <a:r>
+              <a:rPr lang="en-US" dirty="0"/>
+              <a:t>Exercise</a:t>
+            </a:r>
+          </a:p>
+        </p:txBody>
+      </p:sp>
+      <p:sp>
+        <p:nvSpPr>
+          <p:cNvPr id="3" name="Content Placeholder 2">
+            <a:extLst>
+              <a:ext uri="{FF2B5EF4-FFF2-40B4-BE49-F238E27FC236}">
+                <a16:creationId xmlns:a16="http://schemas.microsoft.com/office/drawing/2014/main" id="{6A131256-F40D-8947-854D-DD463AED88C5}"/>
+              </a:ext>
+            </a:extLst>
+          </p:cNvPr>
+          <p:cNvSpPr>
+            <a:spLocks noGrp="1"/>
+          </p:cNvSpPr>
+          <p:nvPr>
+            <p:ph idx="1"/>
+          </p:nvPr>
+        </p:nvSpPr>
+        <p:spPr/>
+        <p:txBody>
+          <a:bodyPr/>
+          <a:lstStyle/>
+          <a:p>
+            <a:r>
+              <a:rPr lang="en-US" dirty="0"/>
+              <a:t>Given a directed graph, detect all direct or indirect cycles</a:t>
+            </a:r>
+          </a:p>
+          <a:p>
+            <a:r>
+              <a:rPr lang="en-US" dirty="0"/>
+              <a:t>For p in nodes: report </a:t>
+            </a:r>
+            <a:r>
+              <a:rPr lang="en-US" dirty="0" err="1"/>
+              <a:t>iscyclic</a:t>
+            </a:r>
+            <a:r>
+              <a:rPr lang="en-US" dirty="0"/>
+              <a:t>(p)</a:t>
+            </a:r>
+          </a:p>
+          <a:p>
+            <a:endParaRPr lang="en-US" dirty="0"/>
+          </a:p>
+        </p:txBody>
+      </p:sp>
+    </p:spTree>
+    <p:extLst>
+      <p:ext uri="{BB962C8B-B14F-4D97-AF65-F5344CB8AC3E}">
+        <p14:creationId xmlns:p14="http://schemas.microsoft.com/office/powerpoint/2010/main" val="3089945651"/>
+      </p:ext>
+    </p:extLst>
+  </p:cSld>
+  <p:clrMapOvr>
+    <a:masterClrMapping/>
+  </p:clrMapOvr>
+  <p:timing>
+    <p:tnLst>
+      <p:par>
+        <p:cTn id="1" dur="indefinite" restart="never" nodeType="tmRoot">
+          <p:childTnLst>
+            <p:seq concurrent="1" nextAc="seek">
+              <p:cTn id="2" dur="indefinite" nodeType="mainSeq">
+                <p:childTnLst>
+                  <p:par>
+                    <p:cTn id="3" fill="hold">
+                      <p:stCondLst>
+                        <p:cond delay="indefinite"/>
+                      </p:stCondLst>
+                      <p:childTnLst>
+                        <p:par>
+                          <p:cTn id="4" fill="hold">
+                            <p:stCondLst>
+                              <p:cond delay="0"/>
+                            </p:stCondLst>
+                            <p:childTnLst>
+                              <p:par>
+                                <p:cTn id="5" presetID="1" presetClass="entr" presetSubtype="0" fill="hold" grpId="0" nodeType="clickEffect">
+                                  <p:stCondLst>
+                                    <p:cond delay="0"/>
+                                  </p:stCondLst>
+                                  <p:childTnLst>
+                                    <p:set>
+                                      <p:cBhvr>
+                                        <p:cTn id="6" dur="1" fill="hold">
+                                          <p:stCondLst>
+                                            <p:cond delay="0"/>
+                                          </p:stCondLst>
+                                        </p:cTn>
+                                        <p:tgtEl>
+                                          <p:spTgt spid="3">
+                                            <p:txEl>
+                                              <p:pRg st="1" end="1"/>
+                                            </p:txEl>
+                                          </p:spTgt>
+                                        </p:tgtEl>
+                                        <p:attrNameLst>
+                                          <p:attrName>style.visibility</p:attrName>
+                                        </p:attrNameLst>
+                                      </p:cBhvr>
+                                      <p:to>
+                                        <p:strVal val="visible"/>
+                                      </p:to>
+                                    </p:set>
+                                  </p:childTnLst>
+                                </p:cTn>
+                              </p:par>
+                            </p:childTnLst>
+                          </p:cTn>
+                        </p:par>
+                      </p:childTnLst>
+                    </p:cTn>
+                  </p:par>
+                </p:childTnLst>
+              </p:cTn>
+              <p:prevCondLst>
+                <p:cond evt="onPrev" delay="0">
+                  <p:tgtEl>
+                    <p:sldTgt/>
+                  </p:tgtEl>
+                </p:cond>
+              </p:prevCondLst>
+              <p:nextCondLst>
+                <p:cond evt="onNext" delay="0">
+                  <p:tgtEl>
+                    <p:sldTgt/>
+                  </p:tgtEl>
+                </p:cond>
+              </p:nextCondLst>
+            </p:seq>
+          </p:childTnLst>
+        </p:cTn>
+      </p:par>
+    </p:tnLst>
+    <p:bldLst>
+      <p:bldP spid="3" grpId="0" uiExpand="1" build="p"/>
+    </p:bldLst>
+  </p:timing>
+</p:sld>
+</file>
+
+<file path=ppt/slides/slide28.xml><?xml version="1.0" encoding="utf-8"?>
+<p:sld xmlns:a="http://schemas.openxmlformats.org/drawingml/2006/main" xmlns:r="http://schemas.openxmlformats.org/officeDocument/2006/relationships" xmlns:p="http://schemas.openxmlformats.org/presentationml/2006/main">
+  <p:cSld>
+    <p:spTree>
+      <p:nvGrpSpPr>
+        <p:cNvPr id="1" name=""/>
+        <p:cNvGrpSpPr/>
+        <p:nvPr/>
+      </p:nvGrpSpPr>
+      <p:grpSpPr>
+        <a:xfrm>
+          <a:off x="0" y="0"/>
+          <a:ext cx="0" cy="0"/>
+          <a:chOff x="0" y="0"/>
+          <a:chExt cx="0" cy="0"/>
+        </a:xfrm>
+      </p:grpSpPr>
+      <p:sp>
+        <p:nvSpPr>
+          <p:cNvPr id="2" name="Title 1">
+            <a:extLst>
+              <a:ext uri="{FF2B5EF4-FFF2-40B4-BE49-F238E27FC236}">
+                <a16:creationId xmlns:a16="http://schemas.microsoft.com/office/drawing/2014/main" id="{7F191B5F-D0CE-BA41-A73B-830D9FB97B84}"/>
+              </a:ext>
+            </a:extLst>
+          </p:cNvPr>
+          <p:cNvSpPr>
+            <a:spLocks noGrp="1"/>
+          </p:cNvSpPr>
+          <p:nvPr>
+            <p:ph type="title"/>
+          </p:nvPr>
+        </p:nvSpPr>
+        <p:spPr/>
+        <p:txBody>
+          <a:bodyPr/>
+          <a:lstStyle/>
+          <a:p>
+            <a:r>
+              <a:rPr lang="en-US" dirty="0"/>
+              <a:t>Exercise</a:t>
+            </a:r>
+          </a:p>
+        </p:txBody>
+      </p:sp>
+      <p:sp>
+        <p:nvSpPr>
+          <p:cNvPr id="3" name="Content Placeholder 2">
+            <a:extLst>
+              <a:ext uri="{FF2B5EF4-FFF2-40B4-BE49-F238E27FC236}">
+                <a16:creationId xmlns:a16="http://schemas.microsoft.com/office/drawing/2014/main" id="{C0E1260F-C0A3-0C49-84F2-C9631FD529FD}"/>
+              </a:ext>
+            </a:extLst>
+          </p:cNvPr>
+          <p:cNvSpPr>
+            <a:spLocks noGrp="1"/>
+          </p:cNvSpPr>
+          <p:nvPr>
+            <p:ph idx="1"/>
+          </p:nvPr>
+        </p:nvSpPr>
+        <p:spPr/>
+        <p:txBody>
+          <a:bodyPr/>
+          <a:lstStyle/>
+          <a:p>
+            <a:r>
+              <a:rPr lang="en-US" dirty="0"/>
+              <a:t>Given 2 lists P,Q and function conn(</a:t>
+            </a:r>
+            <a:r>
+              <a:rPr lang="en-US" dirty="0" err="1"/>
+              <a:t>p,q</a:t>
+            </a:r>
+            <a:r>
+              <a:rPr lang="en-US" dirty="0"/>
+              <a:t>)=true if edge p-&gt;q exists. P is origin (starting) nodes and Q destination nodes. Report 1 for P[</a:t>
+            </a:r>
+            <a:r>
+              <a:rPr lang="en-US" dirty="0" err="1"/>
+              <a:t>i</a:t>
+            </a:r>
+            <a:r>
+              <a:rPr lang="en-US" dirty="0"/>
+              <a:t>] reaches Q[</a:t>
+            </a:r>
+            <a:r>
+              <a:rPr lang="en-US" dirty="0" err="1"/>
+              <a:t>i</a:t>
+            </a:r>
+            <a:r>
+              <a:rPr lang="en-US" dirty="0"/>
+              <a:t>] directly or indirectly.</a:t>
+            </a:r>
+          </a:p>
+          <a:p>
+            <a:r>
+              <a:rPr lang="en-US" dirty="0"/>
+              <a:t>Create graph using conn(</a:t>
+            </a:r>
+            <a:r>
+              <a:rPr lang="en-US" dirty="0" err="1"/>
+              <a:t>p,q</a:t>
+            </a:r>
+            <a:r>
+              <a:rPr lang="en-US" dirty="0"/>
+              <a:t>) for all nodes in P and Q</a:t>
+            </a:r>
+          </a:p>
+          <a:p>
+            <a:r>
+              <a:rPr lang="en-US" dirty="0"/>
+              <a:t>For each P[</a:t>
+            </a:r>
+            <a:r>
+              <a:rPr lang="en-US" dirty="0" err="1"/>
+              <a:t>i</a:t>
+            </a:r>
+            <a:r>
+              <a:rPr lang="en-US" dirty="0"/>
+              <a:t>], see if Q[</a:t>
+            </a:r>
+            <a:r>
+              <a:rPr lang="en-US" dirty="0" err="1"/>
+              <a:t>i</a:t>
+            </a:r>
+            <a:r>
+              <a:rPr lang="en-US" dirty="0"/>
+              <a:t>] is in reaches(P[</a:t>
+            </a:r>
+            <a:r>
+              <a:rPr lang="en-US" dirty="0" err="1"/>
+              <a:t>i</a:t>
+            </a:r>
+            <a:r>
+              <a:rPr lang="en-US" dirty="0"/>
+              <a:t>]) set.</a:t>
+            </a:r>
+          </a:p>
+        </p:txBody>
+      </p:sp>
+    </p:spTree>
+    <p:extLst>
+      <p:ext uri="{BB962C8B-B14F-4D97-AF65-F5344CB8AC3E}">
+        <p14:creationId xmlns:p14="http://schemas.microsoft.com/office/powerpoint/2010/main" val="1487629589"/>
+      </p:ext>
+    </p:extLst>
+  </p:cSld>
+  <p:clrMapOvr>
+    <a:masterClrMapping/>
+  </p:clrMapOvr>
+  <p:timing>
+    <p:tnLst>
+      <p:par>
+        <p:cTn id="1" dur="indefinite" restart="never" nodeType="tmRoot">
+          <p:childTnLst>
+            <p:seq concurrent="1" nextAc="seek">
+              <p:cTn id="2" dur="indefinite" nodeType="mainSeq">
+                <p:childTnLst>
+                  <p:par>
+                    <p:cTn id="3" fill="hold">
+                      <p:stCondLst>
+                        <p:cond delay="indefinite"/>
+                      </p:stCondLst>
+                      <p:childTnLst>
+                        <p:par>
+                          <p:cTn id="4" fill="hold">
+                            <p:stCondLst>
+                              <p:cond delay="0"/>
+                            </p:stCondLst>
+                            <p:childTnLst>
+                              <p:par>
+                                <p:cTn id="5" presetID="1" presetClass="entr" presetSubtype="0" fill="hold" grpId="0" nodeType="clickEffect">
+                                  <p:stCondLst>
+                                    <p:cond delay="0"/>
+                                  </p:stCondLst>
+                                  <p:childTnLst>
+                                    <p:set>
+                                      <p:cBhvr>
+                                        <p:cTn id="6" dur="1" fill="hold">
+                                          <p:stCondLst>
+                                            <p:cond delay="0"/>
+                                          </p:stCondLst>
+                                        </p:cTn>
+                                        <p:tgtEl>
+                                          <p:spTgt spid="3">
+                                            <p:txEl>
+                                              <p:pRg st="1" end="1"/>
+                                            </p:txEl>
+                                          </p:spTgt>
+                                        </p:tgtEl>
+                                        <p:attrNameLst>
+                                          <p:attrName>style.visibility</p:attrName>
+                                        </p:attrNameLst>
+                                      </p:cBhvr>
+                                      <p:to>
+                                        <p:strVal val="visible"/>
+                                      </p:to>
+                                    </p:set>
+                                  </p:childTnLst>
+                                </p:cTn>
+                              </p:par>
+                            </p:childTnLst>
+                          </p:cTn>
+                        </p:par>
+                      </p:childTnLst>
+                    </p:cTn>
+                  </p:par>
+                  <p:par>
+                    <p:cTn id="7" fill="hold">
+                      <p:stCondLst>
+                        <p:cond delay="indefinite"/>
+                      </p:stCondLst>
+                      <p:childTnLst>
+                        <p:par>
+                          <p:cTn id="8" fill="hold">
+                            <p:stCondLst>
+                              <p:cond delay="0"/>
+                            </p:stCondLst>
+                            <p:childTnLst>
+                              <p:par>
+                                <p:cTn id="9" presetID="1" presetClass="entr" presetSubtype="0" fill="hold" grpId="0" nodeType="clickEffect">
+                                  <p:stCondLst>
+                                    <p:cond delay="0"/>
+                                  </p:stCondLst>
+                                  <p:childTnLst>
+                                    <p:set>
+                                      <p:cBhvr>
+                                        <p:cTn id="10" dur="1" fill="hold">
+                                          <p:stCondLst>
+                                            <p:cond delay="0"/>
+                                          </p:stCondLst>
+                                        </p:cTn>
+                                        <p:tgtEl>
+                                          <p:spTgt spid="3">
+                                            <p:txEl>
+                                              <p:pRg st="2" end="2"/>
+                                            </p:txEl>
+                                          </p:spTgt>
+                                        </p:tgtEl>
+                                        <p:attrNameLst>
+                                          <p:attrName>style.visibility</p:attrName>
+                                        </p:attrNameLst>
+                                      </p:cBhvr>
+                                      <p:to>
+                                        <p:strVal val="visible"/>
+                                      </p:to>
+                                    </p:set>
+                                  </p:childTnLst>
+                                </p:cTn>
+                              </p:par>
+                            </p:childTnLst>
+                          </p:cTn>
+                        </p:par>
+                      </p:childTnLst>
+                    </p:cTn>
+                  </p:par>
+                </p:childTnLst>
+              </p:cTn>
+              <p:prevCondLst>
+                <p:cond evt="onPrev" delay="0">
+                  <p:tgtEl>
+                    <p:sldTgt/>
+                  </p:tgtEl>
+                </p:cond>
+              </p:prevCondLst>
+              <p:nextCondLst>
+                <p:cond evt="onNext" delay="0">
+                  <p:tgtEl>
+                    <p:sldTgt/>
+                  </p:tgtEl>
+                </p:cond>
+              </p:nextCondLst>
+            </p:seq>
+          </p:childTnLst>
+        </p:cTn>
+      </p:par>
+    </p:tnLst>
+    <p:bldLst>
+      <p:bldP spid="3" grpId="0" uiExpand="1" build="p"/>
+    </p:bldLst>
+  </p:timing>
+</p:sld>
+</file>
+
+<file path=ppt/slides/slide29.xml><?xml version="1.0" encoding="utf-8"?>
+<p:sld xmlns:a="http://schemas.openxmlformats.org/drawingml/2006/main" xmlns:r="http://schemas.openxmlformats.org/officeDocument/2006/relationships" xmlns:p="http://schemas.openxmlformats.org/presentationml/2006/main">
+  <p:cSld>
+    <p:spTree>
+      <p:nvGrpSpPr>
+        <p:cNvPr id="1" name=""/>
+        <p:cNvGrpSpPr/>
+        <p:nvPr/>
+      </p:nvGrpSpPr>
+      <p:grpSpPr>
+        <a:xfrm>
+          <a:off x="0" y="0"/>
+          <a:ext cx="0" cy="0"/>
+          <a:chOff x="0" y="0"/>
+          <a:chExt cx="0" cy="0"/>
+        </a:xfrm>
+      </p:grpSpPr>
+      <p:sp>
+        <p:nvSpPr>
+          <p:cNvPr id="2" name="Title 1">
+            <a:extLst>
+              <a:ext uri="{FF2B5EF4-FFF2-40B4-BE49-F238E27FC236}">
                 <a16:creationId xmlns:a16="http://schemas.microsoft.com/office/drawing/2014/main" id="{285BB816-975A-FC49-AB82-C84ED65304A7}"/>
               </a:ext>
             </a:extLst>
@@ -10144,7 +10726,7 @@
         </p:spPr>
         <p:txBody>
           <a:bodyPr vert="horz" lIns="91440" tIns="45720" rIns="91440" bIns="45720" rtlCol="0">
-            <a:normAutofit/>
+            <a:normAutofit fontScale="92500" lnSpcReduction="10000"/>
           </a:bodyPr>
           <a:lstStyle>
             <a:lvl1pPr marL="228600" indent="-228600" algn="l" defTabSz="914400" rtl="0" eaLnBrk="1" latinLnBrk="0" hangingPunct="1">
@@ -10332,6 +10914,30 @@
               <a:t>/words)</a:t>
             </a:r>
           </a:p>
+          <a:p>
+            <a:endParaRPr lang="en-US" dirty="0"/>
+          </a:p>
+          <a:p>
+            <a:endParaRPr lang="en-US" dirty="0"/>
+          </a:p>
+          <a:p>
+            <a:endParaRPr lang="en-US" dirty="0"/>
+          </a:p>
+          <a:p>
+            <a:endParaRPr lang="en-US" dirty="0"/>
+          </a:p>
+          <a:p>
+            <a:r>
+              <a:rPr lang="en-US" dirty="0"/>
+              <a:t>For each node in graph, find all words</a:t>
+            </a:r>
+          </a:p>
+          <a:p>
+            <a:r>
+              <a:rPr lang="en-US" dirty="0"/>
+              <a:t>For a specific starting node p, perform DFS; at each node, look up word consisting of all letters on path from p</a:t>
+            </a:r>
+          </a:p>
         </p:txBody>
       </p:sp>
       <p:pic>
@@ -10356,7 +10962,7 @@
         </p:blipFill>
         <p:spPr>
           <a:xfrm>
-            <a:off x="2622215" y="3666217"/>
+            <a:off x="2622215" y="3334747"/>
             <a:ext cx="2115727" cy="1371735"/>
           </a:xfrm>
           <a:prstGeom prst="rect">
@@ -10386,7 +10992,7 @@
         </p:blipFill>
         <p:spPr>
           <a:xfrm>
-            <a:off x="6521957" y="3628185"/>
+            <a:off x="6521957" y="3296715"/>
             <a:ext cx="2209800" cy="1447800"/>
           </a:xfrm>
           <a:prstGeom prst="rect">
@@ -10502,6 +11108,104 @@
                       </p:childTnLst>
                     </p:cTn>
                   </p:par>
+                  <p:par>
+                    <p:cTn id="11" fill="hold">
+                      <p:stCondLst>
+                        <p:cond delay="indefinite"/>
+                      </p:stCondLst>
+                      <p:childTnLst>
+                        <p:par>
+                          <p:cTn id="12" fill="hold">
+                            <p:stCondLst>
+                              <p:cond delay="0"/>
+                            </p:stCondLst>
+                            <p:childTnLst>
+                              <p:par>
+                                <p:cTn id="13" presetID="1" presetClass="entr" presetSubtype="0" fill="hold" nodeType="clickEffect">
+                                  <p:stCondLst>
+                                    <p:cond delay="0"/>
+                                  </p:stCondLst>
+                                  <p:childTnLst>
+                                    <p:set>
+                                      <p:cBhvr>
+                                        <p:cTn id="14" dur="1" fill="hold">
+                                          <p:stCondLst>
+                                            <p:cond delay="0"/>
+                                          </p:stCondLst>
+                                        </p:cTn>
+                                        <p:tgtEl>
+                                          <p:spTgt spid="5">
+                                            <p:txEl>
+                                              <p:pRg st="5" end="5"/>
+                                            </p:txEl>
+                                          </p:spTgt>
+                                        </p:tgtEl>
+                                        <p:attrNameLst>
+                                          <p:attrName>style.visibility</p:attrName>
+                                        </p:attrNameLst>
+                                      </p:cBhvr>
+                                      <p:to>
+                                        <p:strVal val="visible"/>
+                                      </p:to>
+                                    </p:set>
+                                  </p:childTnLst>
+                                </p:cTn>
+                              </p:par>
+                            </p:childTnLst>
+                          </p:cTn>
+                        </p:par>
+                      </p:childTnLst>
+                    </p:cTn>
+                  </p:par>
+                  <p:par>
+                    <p:cTn id="15" fill="hold">
+                      <p:stCondLst>
+                        <p:cond delay="indefinite"/>
+                      </p:stCondLst>
+                      <p:childTnLst>
+                        <p:par>
+                          <p:cTn id="16" fill="hold">
+                            <p:stCondLst>
+                              <p:cond delay="0"/>
+                            </p:stCondLst>
+                            <p:childTnLst>
+                              <p:par>
+                                <p:cTn id="17" presetID="1" presetClass="entr" presetSubtype="0" fill="hold" nodeType="clickEffect">
+                                  <p:stCondLst>
+                                    <p:cond delay="0"/>
+                                  </p:stCondLst>
+                                  <p:childTnLst>
+                                    <p:set>
+                                      <p:cBhvr>
+                                        <p:cTn id="18" dur="1" fill="hold">
+                                          <p:stCondLst>
+                                            <p:cond delay="0"/>
+                                          </p:stCondLst>
+                                        </p:cTn>
+                                        <p:tgtEl>
+                                          <p:spTgt spid="5">
+                                            <p:txEl>
+                                              <p:pRg st="6" end="6"/>
+                                            </p:txEl>
+                                          </p:spTgt>
+                                        </p:tgtEl>
+                                        <p:attrNameLst>
+                                          <p:attrName>style.visibility</p:attrName>
+                                        </p:attrNameLst>
+                                      </p:cBhvr>
+                                      <p:to>
+                                        <p:strVal val="visible"/>
+                                      </p:to>
+                                    </p:set>
+                                  </p:childTnLst>
+                                </p:cTn>
+                              </p:par>
+                            </p:childTnLst>
+                          </p:cTn>
+                        </p:par>
+                      </p:childTnLst>
+                    </p:cTn>
+                  </p:par>
                 </p:childTnLst>
               </p:cTn>
               <p:prevCondLst>
@@ -10576,7 +11280,12 @@
             <p:ph idx="1"/>
           </p:nvPr>
         </p:nvSpPr>
-        <p:spPr/>
+        <p:spPr>
+          <a:xfrm>
+            <a:off x="838200" y="1825625"/>
+            <a:ext cx="10763250" cy="4351338"/>
+          </a:xfrm>
+        </p:spPr>
         <p:txBody>
           <a:bodyPr/>
           <a:lstStyle/>
@@ -10608,6 +11317,32 @@
             <a:r>
               <a:rPr lang="en-US" dirty="0"/>
               <a:t>Which nodes are within k edges of node p? (neighborhood)</a:t>
+            </a:r>
+          </a:p>
+          <a:p>
+            <a:r>
+              <a:rPr lang="en-US" dirty="0"/>
+              <a:t>What is shortest path (</a:t>
+            </a:r>
+            <a:r>
+              <a:rPr lang="en-US" dirty="0" err="1"/>
+              <a:t>num</a:t>
+            </a:r>
+            <a:r>
+              <a:rPr lang="en-US" dirty="0"/>
+              <a:t> edges) from p to q?</a:t>
+            </a:r>
+          </a:p>
+          <a:p>
+            <a:r>
+              <a:rPr lang="en-US" dirty="0"/>
+              <a:t>What is shortest path using edge weights? [beyond scope of 689]</a:t>
+            </a:r>
+          </a:p>
+          <a:p>
+            <a:r>
+              <a:rPr lang="en-US" dirty="0"/>
+              <a:t>Traveling salesman problem [beyond scope of 689]</a:t>
             </a:r>
           </a:p>
         </p:txBody>
@@ -10694,7 +11429,14 @@
             </a:br>
             <a:r>
               <a:rPr lang="en-US" dirty="0"/>
-              <a:t>sparse edges</a:t>
+              <a:t>sparse edges; use</a:t>
+            </a:r>
+            <a:br>
+              <a:rPr lang="en-US" dirty="0"/>
+            </a:br>
+            <a:r>
+              <a:rPr lang="en-US" dirty="0"/>
+              <a:t>sparse matrix</a:t>
             </a:r>
           </a:p>
           <a:p>
@@ -11038,14 +11780,7 @@
           <a:p>
             <a:r>
               <a:rPr lang="en-US" dirty="0"/>
-              <a:t>Use list or dictionary index to</a:t>
-            </a:r>
-            <a:br>
-              <a:rPr lang="en-US" dirty="0"/>
-            </a:br>
-            <a:r>
-              <a:rPr lang="en-US" dirty="0"/>
-              <a:t>access nodes directly</a:t>
+              <a:t>Use list or dictionary index if you need to access nodes directly</a:t>
             </a:r>
           </a:p>
         </p:txBody>
@@ -11350,7 +12085,7 @@
         <p:spPr>
           <a:xfrm>
             <a:off x="609600" y="1646542"/>
-            <a:ext cx="5562600" cy="2800767"/>
+            <a:ext cx="5562600" cy="2123658"/>
           </a:xfrm>
           <a:prstGeom prst="rect">
             <a:avLst/>
@@ -11484,7 +12219,18 @@
                 <a:ea typeface="Monaco" charset="0"/>
                 <a:cs typeface="Monaco" charset="0"/>
               </a:rPr>
-              <a:t> = {}</a:t>
+              <a:t> = </a:t>
+            </a:r>
+            <a:r>
+              <a:rPr lang="en-US" sz="2200" dirty="0">
+                <a:solidFill>
+                  <a:schemeClr val="accent1"/>
+                </a:solidFill>
+                <a:latin typeface="Monaco" charset="0"/>
+                <a:ea typeface="Monaco" charset="0"/>
+                <a:cs typeface="Monaco" charset="0"/>
+              </a:rPr>
+              <a:t>{}</a:t>
             </a:r>
           </a:p>
           <a:p>
@@ -11510,7 +12256,26 @@
                 <a:ea typeface="Monaco" charset="0"/>
                 <a:cs typeface="Monaco" charset="0"/>
               </a:rPr>
-              <a:t> add(self, label, target):</a:t>
+              <a:t> add(self, </a:t>
+            </a:r>
+            <a:r>
+              <a:rPr lang="en-US" sz="2200" dirty="0">
+                <a:solidFill>
+                  <a:schemeClr val="accent1"/>
+                </a:solidFill>
+                <a:latin typeface="Monaco" charset="0"/>
+                <a:ea typeface="Monaco" charset="0"/>
+                <a:cs typeface="Monaco" charset="0"/>
+              </a:rPr>
+              <a:t>label</a:t>
+            </a:r>
+            <a:r>
+              <a:rPr lang="en-US" sz="2200" dirty="0">
+                <a:latin typeface="Monaco" charset="0"/>
+                <a:ea typeface="Monaco" charset="0"/>
+                <a:cs typeface="Monaco" charset="0"/>
+              </a:rPr>
+              <a:t>, target):</a:t>
             </a:r>
           </a:p>
           <a:p>
@@ -11524,6 +12289,9 @@
             </a:r>
             <a:r>
               <a:rPr lang="en-US" sz="2200" dirty="0" err="1">
+                <a:solidFill>
+                  <a:schemeClr val="accent1"/>
+                </a:solidFill>
                 <a:latin typeface="Monaco" charset="0"/>
                 <a:ea typeface="Monaco" charset="0"/>
                 <a:cs typeface="Monaco" charset="0"/>
@@ -11532,95 +12300,14 @@
             </a:r>
             <a:r>
               <a:rPr lang="en-US" sz="2200" dirty="0">
+                <a:solidFill>
+                  <a:schemeClr val="accent1"/>
+                </a:solidFill>
                 <a:latin typeface="Monaco" charset="0"/>
                 <a:ea typeface="Monaco" charset="0"/>
                 <a:cs typeface="Monaco" charset="0"/>
               </a:rPr>
               <a:t>[label] = target</a:t>
-            </a:r>
-          </a:p>
-          <a:p>
-            <a:r>
-              <a:rPr lang="en-US" sz="2200" dirty="0">
-                <a:latin typeface="Monaco" charset="0"/>
-                <a:ea typeface="Monaco" charset="0"/>
-                <a:cs typeface="Monaco" charset="0"/>
-              </a:rPr>
-              <a:t>  </a:t>
-            </a:r>
-            <a:r>
-              <a:rPr lang="en-US" sz="2200" dirty="0" err="1">
-                <a:latin typeface="Monaco" charset="0"/>
-                <a:ea typeface="Monaco" charset="0"/>
-                <a:cs typeface="Monaco" charset="0"/>
-              </a:rPr>
-              <a:t>def</a:t>
-            </a:r>
-            <a:r>
-              <a:rPr lang="en-US" sz="2200" dirty="0">
-                <a:latin typeface="Monaco" charset="0"/>
-                <a:ea typeface="Monaco" charset="0"/>
-                <a:cs typeface="Monaco" charset="0"/>
-              </a:rPr>
-              <a:t> __</a:t>
-            </a:r>
-            <a:r>
-              <a:rPr lang="en-US" sz="2200" dirty="0" err="1">
-                <a:latin typeface="Monaco" charset="0"/>
-                <a:ea typeface="Monaco" charset="0"/>
-                <a:cs typeface="Monaco" charset="0"/>
-              </a:rPr>
-              <a:t>repr</a:t>
-            </a:r>
-            <a:r>
-              <a:rPr lang="en-US" sz="2200" dirty="0">
-                <a:latin typeface="Monaco" charset="0"/>
-                <a:ea typeface="Monaco" charset="0"/>
-                <a:cs typeface="Monaco" charset="0"/>
-              </a:rPr>
-              <a:t>__(self):</a:t>
-            </a:r>
-          </a:p>
-          <a:p>
-            <a:r>
-              <a:rPr lang="en-US" sz="2200" dirty="0">
-                <a:latin typeface="Monaco" charset="0"/>
-                <a:ea typeface="Monaco" charset="0"/>
-                <a:cs typeface="Monaco" charset="0"/>
-              </a:rPr>
-              <a:t>    return </a:t>
-            </a:r>
-            <a:r>
-              <a:rPr lang="en-US" sz="2200" dirty="0" err="1">
-                <a:latin typeface="Monaco" charset="0"/>
-                <a:ea typeface="Monaco" charset="0"/>
-                <a:cs typeface="Monaco" charset="0"/>
-              </a:rPr>
-              <a:t>str</a:t>
-            </a:r>
-            <a:r>
-              <a:rPr lang="en-US" sz="2200" dirty="0">
-                <a:latin typeface="Monaco" charset="0"/>
-                <a:ea typeface="Monaco" charset="0"/>
-                <a:cs typeface="Monaco" charset="0"/>
-              </a:rPr>
-              <a:t>(</a:t>
-            </a:r>
-            <a:r>
-              <a:rPr lang="en-US" sz="2200" dirty="0" err="1">
-                <a:latin typeface="Monaco" charset="0"/>
-                <a:ea typeface="Monaco" charset="0"/>
-                <a:cs typeface="Monaco" charset="0"/>
-              </a:rPr>
-              <a:t>self.value</a:t>
-            </a:r>
-            <a:r>
-              <a:rPr lang="en-US" sz="2200" dirty="0">
-                <a:latin typeface="Monaco" charset="0"/>
-                <a:ea typeface="Monaco" charset="0"/>
-                <a:cs typeface="Monaco" charset="0"/>
-              </a:rPr>
-              <a:t>)</a:t>
             </a:r>
           </a:p>
         </p:txBody>
@@ -11689,7 +12376,26 @@
                 <a:ea typeface="Monaco" charset="0"/>
                 <a:cs typeface="Monaco" charset="0"/>
               </a:rPr>
-              <a:t>(100,sj)</a:t>
+              <a:t>(</a:t>
+            </a:r>
+            <a:r>
+              <a:rPr lang="en-US" sz="2200" dirty="0">
+                <a:solidFill>
+                  <a:schemeClr val="accent1"/>
+                </a:solidFill>
+                <a:latin typeface="Monaco" charset="0"/>
+                <a:ea typeface="Monaco" charset="0"/>
+                <a:cs typeface="Monaco" charset="0"/>
+              </a:rPr>
+              <a:t>100</a:t>
+            </a:r>
+            <a:r>
+              <a:rPr lang="en-US" sz="2200" dirty="0">
+                <a:latin typeface="Monaco" charset="0"/>
+                <a:ea typeface="Monaco" charset="0"/>
+                <a:cs typeface="Monaco" charset="0"/>
+              </a:rPr>
+              <a:t>,sj)</a:t>
             </a:r>
           </a:p>
           <a:p>
@@ -11707,7 +12413,26 @@
                 <a:ea typeface="Monaco" charset="0"/>
                 <a:cs typeface="Monaco" charset="0"/>
               </a:rPr>
-              <a:t>(150,baker)</a:t>
+              <a:t>(</a:t>
+            </a:r>
+            <a:r>
+              <a:rPr lang="en-US" sz="2200" dirty="0">
+                <a:solidFill>
+                  <a:schemeClr val="accent1"/>
+                </a:solidFill>
+                <a:latin typeface="Monaco" charset="0"/>
+                <a:ea typeface="Monaco" charset="0"/>
+                <a:cs typeface="Monaco" charset="0"/>
+              </a:rPr>
+              <a:t>150</a:t>
+            </a:r>
+            <a:r>
+              <a:rPr lang="en-US" sz="2200" dirty="0">
+                <a:latin typeface="Monaco" charset="0"/>
+                <a:ea typeface="Monaco" charset="0"/>
+                <a:cs typeface="Monaco" charset="0"/>
+              </a:rPr>
+              <a:t>,baker)</a:t>
             </a:r>
           </a:p>
           <a:p>
@@ -12086,7 +12811,7 @@
           <a:p>
             <a:r>
               <a:rPr lang="en-US" dirty="0"/>
-              <a:t>Are there cycles?</a:t>
+              <a:t>Is there a cycle from p to p?</a:t>
             </a:r>
           </a:p>
         </p:txBody>
@@ -12108,7 +12833,7 @@
           <a:p>
             <a:r>
               <a:rPr lang="en-US" dirty="0"/>
-              <a:t>If we run into same node in seen set, return True</a:t>
+              <a:t>If we run into starting node in visited set, return True</a:t>
             </a:r>
           </a:p>
         </p:txBody>
@@ -12127,8 +12852,8 @@
         </p:nvSpPr>
         <p:spPr>
           <a:xfrm>
-            <a:off x="1971657" y="2563755"/>
-            <a:ext cx="8436940" cy="2677656"/>
+            <a:off x="1271631" y="2322255"/>
+            <a:ext cx="8981079" cy="4154984"/>
           </a:xfrm>
           <a:prstGeom prst="rect">
             <a:avLst/>
@@ -12147,7 +12872,7 @@
           <a:lstStyle/>
           <a:p>
             <a:r>
-              <a:rPr lang="en-US" sz="2400" dirty="0">
+              <a:rPr lang="en-US" sz="2200" dirty="0">
                 <a:latin typeface="Monaco" charset="0"/>
                 <a:ea typeface="Monaco" charset="0"/>
                 <a:cs typeface="Monaco" charset="0"/>
@@ -12155,7 +12880,7 @@
               <a:t>def </a:t>
             </a:r>
             <a:r>
-              <a:rPr lang="en-US" sz="2400" dirty="0" err="1">
+              <a:rPr lang="en-US" sz="2200" dirty="0" err="1">
                 <a:latin typeface="Monaco" charset="0"/>
                 <a:ea typeface="Monaco" charset="0"/>
                 <a:cs typeface="Monaco" charset="0"/>
@@ -12163,7 +12888,7 @@
               <a:t>iscyclic</a:t>
             </a:r>
             <a:r>
-              <a:rPr lang="en-US" sz="2400" dirty="0">
+              <a:rPr lang="en-US" sz="2200" dirty="0">
                 <a:latin typeface="Monaco" charset="0"/>
                 <a:ea typeface="Monaco" charset="0"/>
                 <a:cs typeface="Monaco" charset="0"/>
@@ -12171,7 +12896,7 @@
               <a:t>(</a:t>
             </a:r>
             <a:r>
-              <a:rPr lang="en-US" sz="2400" dirty="0" err="1">
+              <a:rPr lang="en-US" sz="2200" dirty="0" err="1">
                 <a:latin typeface="Monaco" charset="0"/>
                 <a:ea typeface="Monaco" charset="0"/>
                 <a:cs typeface="Monaco" charset="0"/>
@@ -12179,25 +12904,90 @@
               <a:t>p:Node</a:t>
             </a:r>
             <a:r>
-              <a:rPr lang="en-US" sz="2400" dirty="0">
-                <a:latin typeface="Monaco" charset="0"/>
-                <a:ea typeface="Monaco" charset="0"/>
-                <a:cs typeface="Monaco" charset="0"/>
-              </a:rPr>
-              <a:t>, visited=set()) -&gt; bool:</a:t>
-            </a:r>
-          </a:p>
-          <a:p>
-            <a:r>
-              <a:rPr lang="en-US" sz="2400" dirty="0">
-                <a:latin typeface="Monaco" charset="0"/>
-                <a:ea typeface="Monaco" charset="0"/>
-                <a:cs typeface="Monaco" charset="0"/>
-              </a:rPr>
-              <a:t>    if p in visited: return </a:t>
-            </a:r>
-            <a:r>
-              <a:rPr lang="en-US" sz="2400" dirty="0">
+              <a:rPr lang="en-US" sz="2200" dirty="0">
+                <a:latin typeface="Monaco" charset="0"/>
+                <a:ea typeface="Monaco" charset="0"/>
+                <a:cs typeface="Monaco" charset="0"/>
+              </a:rPr>
+              <a:t>) -&gt; bool:</a:t>
+            </a:r>
+          </a:p>
+          <a:p>
+            <a:r>
+              <a:rPr lang="en-US" sz="2200" dirty="0">
+                <a:latin typeface="Monaco" charset="0"/>
+                <a:ea typeface="Monaco" charset="0"/>
+                <a:cs typeface="Monaco" charset="0"/>
+              </a:rPr>
+              <a:t>    return </a:t>
+            </a:r>
+            <a:r>
+              <a:rPr lang="en-US" sz="2200" dirty="0" err="1">
+                <a:latin typeface="Monaco" charset="0"/>
+                <a:ea typeface="Monaco" charset="0"/>
+                <a:cs typeface="Monaco" charset="0"/>
+              </a:rPr>
+              <a:t>iscyclic</a:t>
+            </a:r>
+            <a:r>
+              <a:rPr lang="en-US" sz="2200" dirty="0">
+                <a:latin typeface="Monaco" charset="0"/>
+                <a:ea typeface="Monaco" charset="0"/>
+                <a:cs typeface="Monaco" charset="0"/>
+              </a:rPr>
+              <a:t>_(</a:t>
+            </a:r>
+            <a:r>
+              <a:rPr lang="en-US" sz="2200" dirty="0" err="1">
+                <a:latin typeface="Monaco" charset="0"/>
+                <a:ea typeface="Monaco" charset="0"/>
+                <a:cs typeface="Monaco" charset="0"/>
+              </a:rPr>
+              <a:t>p,p,set</a:t>
+            </a:r>
+            <a:r>
+              <a:rPr lang="en-US" sz="2200" dirty="0">
+                <a:latin typeface="Monaco" charset="0"/>
+                <a:ea typeface="Monaco" charset="0"/>
+                <a:cs typeface="Monaco" charset="0"/>
+              </a:rPr>
+              <a:t>())</a:t>
+            </a:r>
+          </a:p>
+          <a:p>
+            <a:endParaRPr lang="en-US" sz="2200" dirty="0">
+              <a:latin typeface="Monaco" charset="0"/>
+              <a:ea typeface="Monaco" charset="0"/>
+              <a:cs typeface="Monaco" charset="0"/>
+            </a:endParaRPr>
+          </a:p>
+          <a:p>
+            <a:r>
+              <a:rPr lang="en-US" sz="2200" dirty="0">
+                <a:latin typeface="Monaco" charset="0"/>
+                <a:ea typeface="Monaco" charset="0"/>
+                <a:cs typeface="Monaco" charset="0"/>
+              </a:rPr>
+              <a:t>def </a:t>
+            </a:r>
+            <a:r>
+              <a:rPr lang="en-US" sz="2200" dirty="0" err="1">
+                <a:latin typeface="Monaco" charset="0"/>
+                <a:ea typeface="Monaco" charset="0"/>
+                <a:cs typeface="Monaco" charset="0"/>
+              </a:rPr>
+              <a:t>iscyclic</a:t>
+            </a:r>
+            <a:r>
+              <a:rPr lang="en-US" sz="2200" dirty="0">
+                <a:latin typeface="Monaco" charset="0"/>
+                <a:ea typeface="Monaco" charset="0"/>
+                <a:cs typeface="Monaco" charset="0"/>
+              </a:rPr>
+              <a:t>_(</a:t>
+            </a:r>
+            <a:r>
+              <a:rPr lang="en-US" sz="2200" dirty="0" err="1">
                 <a:solidFill>
                   <a:schemeClr val="accent1"/>
                 </a:solidFill>
@@ -12205,90 +12995,46 @@
                 <a:ea typeface="Monaco" charset="0"/>
                 <a:cs typeface="Monaco" charset="0"/>
               </a:rPr>
-              <a:t>True</a:t>
-            </a:r>
-          </a:p>
-          <a:p>
-            <a:r>
-              <a:rPr lang="en-US" sz="2400" dirty="0">
-                <a:latin typeface="Monaco" charset="0"/>
-                <a:ea typeface="Monaco" charset="0"/>
-                <a:cs typeface="Monaco" charset="0"/>
-              </a:rPr>
-              <a:t>    </a:t>
-            </a:r>
-            <a:r>
-              <a:rPr lang="en-US" sz="2400" dirty="0" err="1">
-                <a:latin typeface="Monaco" charset="0"/>
-                <a:ea typeface="Monaco" charset="0"/>
-                <a:cs typeface="Monaco" charset="0"/>
-              </a:rPr>
-              <a:t>visited.add</a:t>
-            </a:r>
-            <a:r>
-              <a:rPr lang="en-US" sz="2400" dirty="0">
-                <a:latin typeface="Monaco" charset="0"/>
-                <a:ea typeface="Monaco" charset="0"/>
-                <a:cs typeface="Monaco" charset="0"/>
-              </a:rPr>
-              <a:t>(p)</a:t>
-            </a:r>
-          </a:p>
-          <a:p>
-            <a:r>
-              <a:rPr lang="en-US" sz="2400" dirty="0">
-                <a:latin typeface="Monaco" charset="0"/>
-                <a:ea typeface="Monaco" charset="0"/>
-                <a:cs typeface="Monaco" charset="0"/>
-              </a:rPr>
-              <a:t>    for q in </a:t>
-            </a:r>
-            <a:r>
-              <a:rPr lang="en-US" sz="2400" dirty="0" err="1">
-                <a:latin typeface="Monaco" charset="0"/>
-                <a:ea typeface="Monaco" charset="0"/>
-                <a:cs typeface="Monaco" charset="0"/>
-              </a:rPr>
-              <a:t>p.edges</a:t>
-            </a:r>
-            <a:r>
-              <a:rPr lang="en-US" sz="2400" dirty="0">
-                <a:latin typeface="Monaco" charset="0"/>
-                <a:ea typeface="Monaco" charset="0"/>
-                <a:cs typeface="Monaco" charset="0"/>
-              </a:rPr>
-              <a:t>:</a:t>
-            </a:r>
-          </a:p>
-          <a:p>
-            <a:r>
-              <a:rPr lang="en-US" sz="2400" dirty="0">
-                <a:latin typeface="Monaco" charset="0"/>
-                <a:ea typeface="Monaco" charset="0"/>
-                <a:cs typeface="Monaco" charset="0"/>
-              </a:rPr>
-              <a:t>        c = </a:t>
-            </a:r>
-            <a:r>
-              <a:rPr lang="en-US" sz="2400" dirty="0" err="1">
-                <a:latin typeface="Monaco" charset="0"/>
-                <a:ea typeface="Monaco" charset="0"/>
-                <a:cs typeface="Monaco" charset="0"/>
-              </a:rPr>
-              <a:t>iscyclic</a:t>
-            </a:r>
-            <a:r>
-              <a:rPr lang="en-US" sz="2400" dirty="0">
-                <a:latin typeface="Monaco" charset="0"/>
-                <a:ea typeface="Monaco" charset="0"/>
-                <a:cs typeface="Monaco" charset="0"/>
-              </a:rPr>
-              <a:t>(q, visited)</a:t>
-            </a:r>
-          </a:p>
-          <a:p>
-            <a:r>
-              <a:rPr lang="en-US" sz="2400" dirty="0">
+              <a:t>start:Node</a:t>
+            </a:r>
+            <a:r>
+              <a:rPr lang="en-US" sz="2200" dirty="0">
+                <a:latin typeface="Monaco" charset="0"/>
+                <a:ea typeface="Monaco" charset="0"/>
+                <a:cs typeface="Monaco" charset="0"/>
+              </a:rPr>
+              <a:t>, </a:t>
+            </a:r>
+            <a:r>
+              <a:rPr lang="en-US" sz="2200" dirty="0" err="1">
+                <a:latin typeface="Monaco" charset="0"/>
+                <a:ea typeface="Monaco" charset="0"/>
+                <a:cs typeface="Monaco" charset="0"/>
+              </a:rPr>
+              <a:t>p:Node</a:t>
+            </a:r>
+            <a:r>
+              <a:rPr lang="en-US" sz="2200" dirty="0">
+                <a:latin typeface="Monaco" charset="0"/>
+                <a:ea typeface="Monaco" charset="0"/>
+                <a:cs typeface="Monaco" charset="0"/>
+              </a:rPr>
+              <a:t>, visited) -&gt; bool:</a:t>
+            </a:r>
+          </a:p>
+          <a:p>
+            <a:r>
+              <a:rPr lang="en-US" sz="2200" dirty="0">
+                <a:latin typeface="Monaco" charset="0"/>
+                <a:ea typeface="Monaco" charset="0"/>
+                <a:cs typeface="Monaco" charset="0"/>
+              </a:rPr>
+              <a:t>    if p in visited: </a:t>
+            </a:r>
+          </a:p>
+          <a:p>
+            <a:r>
+              <a:rPr lang="en-US" sz="2200" dirty="0">
                 <a:latin typeface="Monaco" charset="0"/>
                 <a:ea typeface="Monaco" charset="0"/>
                 <a:cs typeface="Monaco" charset="0"/>
@@ -12296,7 +13042,7 @@
               <a:t>        </a:t>
             </a:r>
             <a:r>
-              <a:rPr lang="en-US" sz="2400" dirty="0">
+              <a:rPr lang="en-US" sz="2200" dirty="0">
                 <a:solidFill>
                   <a:schemeClr val="accent1"/>
                 </a:solidFill>
@@ -12304,20 +13050,12 @@
                 <a:ea typeface="Monaco" charset="0"/>
                 <a:cs typeface="Monaco" charset="0"/>
               </a:rPr>
-              <a:t>if c: return True # we can stop</a:t>
-            </a:r>
-          </a:p>
-          <a:p>
-            <a:r>
-              <a:rPr lang="en-US" sz="2400" dirty="0">
-                <a:latin typeface="Monaco" charset="0"/>
-                <a:ea typeface="Monaco" charset="0"/>
-                <a:cs typeface="Monaco" charset="0"/>
-              </a:rPr>
-              <a:t>    return </a:t>
-            </a:r>
-            <a:r>
-              <a:rPr lang="en-US" sz="2400" dirty="0">
+              <a:t>if p is start: return True # we find start?</a:t>
+            </a:r>
+          </a:p>
+          <a:p>
+            <a:r>
+              <a:rPr lang="en-US" sz="2200" dirty="0">
                 <a:solidFill>
                   <a:schemeClr val="accent1"/>
                 </a:solidFill>
@@ -12325,52 +13063,116 @@
                 <a:ea typeface="Monaco" charset="0"/>
                 <a:cs typeface="Monaco" charset="0"/>
               </a:rPr>
+              <a:t>        return False # can't loop forever so stop</a:t>
+            </a:r>
+          </a:p>
+          <a:p>
+            <a:r>
+              <a:rPr lang="en-US" sz="2200" dirty="0">
+                <a:latin typeface="Monaco" charset="0"/>
+                <a:ea typeface="Monaco" charset="0"/>
+                <a:cs typeface="Monaco" charset="0"/>
+              </a:rPr>
+              <a:t>    </a:t>
+            </a:r>
+            <a:r>
+              <a:rPr lang="en-US" sz="2200" dirty="0" err="1">
+                <a:latin typeface="Monaco" charset="0"/>
+                <a:ea typeface="Monaco" charset="0"/>
+                <a:cs typeface="Monaco" charset="0"/>
+              </a:rPr>
+              <a:t>visited.add</a:t>
+            </a:r>
+            <a:r>
+              <a:rPr lang="en-US" sz="2200" dirty="0">
+                <a:latin typeface="Monaco" charset="0"/>
+                <a:ea typeface="Monaco" charset="0"/>
+                <a:cs typeface="Monaco" charset="0"/>
+              </a:rPr>
+              <a:t>(p)</a:t>
+            </a:r>
+          </a:p>
+          <a:p>
+            <a:r>
+              <a:rPr lang="en-US" sz="2200" dirty="0">
+                <a:latin typeface="Monaco" charset="0"/>
+                <a:ea typeface="Monaco" charset="0"/>
+                <a:cs typeface="Monaco" charset="0"/>
+              </a:rPr>
+              <a:t>    for q in </a:t>
+            </a:r>
+            <a:r>
+              <a:rPr lang="en-US" sz="2200" dirty="0" err="1">
+                <a:latin typeface="Monaco" charset="0"/>
+                <a:ea typeface="Monaco" charset="0"/>
+                <a:cs typeface="Monaco" charset="0"/>
+              </a:rPr>
+              <a:t>p.edges</a:t>
+            </a:r>
+            <a:r>
+              <a:rPr lang="en-US" sz="2200" dirty="0">
+                <a:latin typeface="Monaco" charset="0"/>
+                <a:ea typeface="Monaco" charset="0"/>
+                <a:cs typeface="Monaco" charset="0"/>
+              </a:rPr>
+              <a:t>:</a:t>
+            </a:r>
+          </a:p>
+          <a:p>
+            <a:r>
+              <a:rPr lang="en-US" sz="2200" dirty="0">
+                <a:latin typeface="Monaco" charset="0"/>
+                <a:ea typeface="Monaco" charset="0"/>
+                <a:cs typeface="Monaco" charset="0"/>
+              </a:rPr>
+              <a:t>        c = </a:t>
+            </a:r>
+            <a:r>
+              <a:rPr lang="en-US" sz="2200" dirty="0" err="1">
+                <a:latin typeface="Monaco" charset="0"/>
+                <a:ea typeface="Monaco" charset="0"/>
+                <a:cs typeface="Monaco" charset="0"/>
+              </a:rPr>
+              <a:t>iscyclic</a:t>
+            </a:r>
+            <a:r>
+              <a:rPr lang="en-US" sz="2200" dirty="0">
+                <a:latin typeface="Monaco" charset="0"/>
+                <a:ea typeface="Monaco" charset="0"/>
+                <a:cs typeface="Monaco" charset="0"/>
+              </a:rPr>
+              <a:t>_(start, q, visited)</a:t>
+            </a:r>
+          </a:p>
+          <a:p>
+            <a:r>
+              <a:rPr lang="en-US" sz="2200" dirty="0">
+                <a:latin typeface="Monaco" charset="0"/>
+                <a:ea typeface="Monaco" charset="0"/>
+                <a:cs typeface="Monaco" charset="0"/>
+              </a:rPr>
+              <a:t>        if c: return True # we can stop</a:t>
+            </a:r>
+          </a:p>
+          <a:p>
+            <a:r>
+              <a:rPr lang="en-US" sz="2200" dirty="0">
+                <a:latin typeface="Monaco" charset="0"/>
+                <a:ea typeface="Monaco" charset="0"/>
+                <a:cs typeface="Monaco" charset="0"/>
+              </a:rPr>
+              <a:t>    return </a:t>
+            </a:r>
+            <a:r>
+              <a:rPr lang="en-US" sz="2200" dirty="0">
+                <a:solidFill>
+                  <a:schemeClr val="accent1"/>
+                </a:solidFill>
+                <a:latin typeface="Monaco" charset="0"/>
+                <a:ea typeface="Monaco" charset="0"/>
+                <a:cs typeface="Monaco" charset="0"/>
+              </a:rPr>
               <a:t>False</a:t>
-            </a:r>
-          </a:p>
-        </p:txBody>
-      </p:sp>
-      <p:sp>
-        <p:nvSpPr>
-          <p:cNvPr id="5" name="TextBox 4"/>
-          <p:cNvSpPr txBox="1"/>
-          <p:nvPr/>
-        </p:nvSpPr>
-        <p:spPr>
-          <a:xfrm>
-            <a:off x="1076677" y="6176963"/>
-            <a:ext cx="5283819" cy="430887"/>
-          </a:xfrm>
-          <a:prstGeom prst="rect">
-            <a:avLst/>
-          </a:prstGeom>
-          <a:noFill/>
-        </p:spPr>
-        <p:txBody>
-          <a:bodyPr wrap="none" rtlCol="0">
-            <a:spAutoFit/>
-          </a:bodyPr>
-          <a:lstStyle/>
-          <a:p>
-            <a:r>
-              <a:rPr lang="en-US" sz="2200" dirty="0"/>
-              <a:t>Could also test “</a:t>
-            </a:r>
-            <a:r>
-              <a:rPr lang="en-US" sz="2200" dirty="0">
-                <a:latin typeface="Monaco" charset="0"/>
-                <a:ea typeface="Monaco" charset="0"/>
-                <a:cs typeface="Monaco" charset="0"/>
-              </a:rPr>
-              <a:t>p in reachable(p)</a:t>
-            </a:r>
-            <a:r>
-              <a:rPr lang="en-US" sz="2200" dirty="0">
-                <a:latin typeface="Arial" charset="0"/>
-                <a:ea typeface="Arial" charset="0"/>
-                <a:cs typeface="Arial" charset="0"/>
-              </a:rPr>
-              <a:t>”</a:t>
             </a:r>
           </a:p>
         </p:txBody>

--- a/notes/graphs.pptx
+++ b/notes/graphs.pptx
@@ -5,41 +5,42 @@
     <p:sldMasterId id="2147483672" r:id="rId1"/>
   </p:sldMasterIdLst>
   <p:notesMasterIdLst>
-    <p:notesMasterId r:id="rId31"/>
+    <p:notesMasterId r:id="rId32"/>
   </p:notesMasterIdLst>
   <p:handoutMasterIdLst>
-    <p:handoutMasterId r:id="rId32"/>
+    <p:handoutMasterId r:id="rId33"/>
   </p:handoutMasterIdLst>
   <p:sldIdLst>
     <p:sldId id="256" r:id="rId2"/>
     <p:sldId id="288" r:id="rId3"/>
-    <p:sldId id="290" r:id="rId4"/>
-    <p:sldId id="291" r:id="rId5"/>
-    <p:sldId id="294" r:id="rId6"/>
-    <p:sldId id="293" r:id="rId7"/>
-    <p:sldId id="299" r:id="rId8"/>
-    <p:sldId id="295" r:id="rId9"/>
-    <p:sldId id="296" r:id="rId10"/>
-    <p:sldId id="297" r:id="rId11"/>
-    <p:sldId id="303" r:id="rId12"/>
-    <p:sldId id="304" r:id="rId13"/>
-    <p:sldId id="298" r:id="rId14"/>
-    <p:sldId id="302" r:id="rId15"/>
-    <p:sldId id="300" r:id="rId16"/>
-    <p:sldId id="301" r:id="rId17"/>
-    <p:sldId id="309" r:id="rId18"/>
-    <p:sldId id="310" r:id="rId19"/>
-    <p:sldId id="317" r:id="rId20"/>
-    <p:sldId id="312" r:id="rId21"/>
-    <p:sldId id="311" r:id="rId22"/>
-    <p:sldId id="313" r:id="rId23"/>
-    <p:sldId id="315" r:id="rId24"/>
-    <p:sldId id="314" r:id="rId25"/>
-    <p:sldId id="308" r:id="rId26"/>
-    <p:sldId id="305" r:id="rId27"/>
-    <p:sldId id="316" r:id="rId28"/>
-    <p:sldId id="306" r:id="rId29"/>
-    <p:sldId id="307" r:id="rId30"/>
+    <p:sldId id="318" r:id="rId4"/>
+    <p:sldId id="290" r:id="rId5"/>
+    <p:sldId id="291" r:id="rId6"/>
+    <p:sldId id="294" r:id="rId7"/>
+    <p:sldId id="293" r:id="rId8"/>
+    <p:sldId id="299" r:id="rId9"/>
+    <p:sldId id="295" r:id="rId10"/>
+    <p:sldId id="296" r:id="rId11"/>
+    <p:sldId id="297" r:id="rId12"/>
+    <p:sldId id="303" r:id="rId13"/>
+    <p:sldId id="304" r:id="rId14"/>
+    <p:sldId id="298" r:id="rId15"/>
+    <p:sldId id="302" r:id="rId16"/>
+    <p:sldId id="300" r:id="rId17"/>
+    <p:sldId id="301" r:id="rId18"/>
+    <p:sldId id="309" r:id="rId19"/>
+    <p:sldId id="310" r:id="rId20"/>
+    <p:sldId id="317" r:id="rId21"/>
+    <p:sldId id="312" r:id="rId22"/>
+    <p:sldId id="311" r:id="rId23"/>
+    <p:sldId id="313" r:id="rId24"/>
+    <p:sldId id="315" r:id="rId25"/>
+    <p:sldId id="314" r:id="rId26"/>
+    <p:sldId id="308" r:id="rId27"/>
+    <p:sldId id="305" r:id="rId28"/>
+    <p:sldId id="316" r:id="rId29"/>
+    <p:sldId id="306" r:id="rId30"/>
+    <p:sldId id="307" r:id="rId31"/>
   </p:sldIdLst>
   <p:sldSz cx="12192000" cy="6858000"/>
   <p:notesSz cx="9144000" cy="6858000"/>
@@ -234,7 +235,7 @@
           <a:p>
             <a:fld id="{8A1B613A-EFF1-404F-BEE8-EFAE84A4E5E2}" type="datetimeFigureOut">
               <a:rPr lang="en-US" smtClean="0"/>
-              <a:t>2/26/19</a:t>
+              <a:t>2/28/19</a:t>
             </a:fld>
             <a:endParaRPr lang="en-US"/>
           </a:p>
@@ -399,7 +400,7 @@
           <a:p>
             <a:fld id="{690847EA-AC25-3D4E-89E1-FD3F6A9702B6}" type="datetimeFigureOut">
               <a:rPr lang="en-US" smtClean="0"/>
-              <a:t>2/26/19</a:t>
+              <a:t>2/28/19</a:t>
             </a:fld>
             <a:endParaRPr lang="en-US"/>
           </a:p>
@@ -813,7 +814,7 @@
           <a:p>
             <a:fld id="{BE5295ED-3BAF-1140-8495-3D368771D6B1}" type="datetimeFigureOut">
               <a:rPr lang="en-US" smtClean="0"/>
-              <a:t>2/26/19</a:t>
+              <a:t>2/28/19</a:t>
             </a:fld>
             <a:endParaRPr lang="en-US"/>
           </a:p>
@@ -1011,7 +1012,7 @@
           <a:p>
             <a:fld id="{BE5295ED-3BAF-1140-8495-3D368771D6B1}" type="datetimeFigureOut">
               <a:rPr lang="en-US" smtClean="0"/>
-              <a:t>2/26/19</a:t>
+              <a:t>2/28/19</a:t>
             </a:fld>
             <a:endParaRPr lang="en-US"/>
           </a:p>
@@ -1219,7 +1220,7 @@
           <a:p>
             <a:fld id="{BE5295ED-3BAF-1140-8495-3D368771D6B1}" type="datetimeFigureOut">
               <a:rPr lang="en-US" smtClean="0"/>
-              <a:t>2/26/19</a:t>
+              <a:t>2/28/19</a:t>
             </a:fld>
             <a:endParaRPr lang="en-US"/>
           </a:p>
@@ -1417,7 +1418,7 @@
           <a:p>
             <a:fld id="{BE5295ED-3BAF-1140-8495-3D368771D6B1}" type="datetimeFigureOut">
               <a:rPr lang="en-US" smtClean="0"/>
-              <a:t>2/26/19</a:t>
+              <a:t>2/28/19</a:t>
             </a:fld>
             <a:endParaRPr lang="en-US"/>
           </a:p>
@@ -1692,7 +1693,7 @@
           <a:p>
             <a:fld id="{BE5295ED-3BAF-1140-8495-3D368771D6B1}" type="datetimeFigureOut">
               <a:rPr lang="en-US" smtClean="0"/>
-              <a:t>2/26/19</a:t>
+              <a:t>2/28/19</a:t>
             </a:fld>
             <a:endParaRPr lang="en-US"/>
           </a:p>
@@ -1957,7 +1958,7 @@
           <a:p>
             <a:fld id="{BE5295ED-3BAF-1140-8495-3D368771D6B1}" type="datetimeFigureOut">
               <a:rPr lang="en-US" smtClean="0"/>
-              <a:t>2/26/19</a:t>
+              <a:t>2/28/19</a:t>
             </a:fld>
             <a:endParaRPr lang="en-US"/>
           </a:p>
@@ -2369,7 +2370,7 @@
           <a:p>
             <a:fld id="{BE5295ED-3BAF-1140-8495-3D368771D6B1}" type="datetimeFigureOut">
               <a:rPr lang="en-US" smtClean="0"/>
-              <a:t>2/26/19</a:t>
+              <a:t>2/28/19</a:t>
             </a:fld>
             <a:endParaRPr lang="en-US"/>
           </a:p>
@@ -2510,7 +2511,7 @@
           <a:p>
             <a:fld id="{BE5295ED-3BAF-1140-8495-3D368771D6B1}" type="datetimeFigureOut">
               <a:rPr lang="en-US" smtClean="0"/>
-              <a:t>2/26/19</a:t>
+              <a:t>2/28/19</a:t>
             </a:fld>
             <a:endParaRPr lang="en-US"/>
           </a:p>
@@ -2623,7 +2624,7 @@
           <a:p>
             <a:fld id="{BE5295ED-3BAF-1140-8495-3D368771D6B1}" type="datetimeFigureOut">
               <a:rPr lang="en-US" smtClean="0"/>
-              <a:t>2/26/19</a:t>
+              <a:t>2/28/19</a:t>
             </a:fld>
             <a:endParaRPr lang="en-US"/>
           </a:p>
@@ -2934,7 +2935,7 @@
           <a:p>
             <a:fld id="{BE5295ED-3BAF-1140-8495-3D368771D6B1}" type="datetimeFigureOut">
               <a:rPr lang="en-US" smtClean="0"/>
-              <a:t>2/26/19</a:t>
+              <a:t>2/28/19</a:t>
             </a:fld>
             <a:endParaRPr lang="en-US"/>
           </a:p>
@@ -3225,7 +3226,7 @@
           <a:p>
             <a:fld id="{BE5295ED-3BAF-1140-8495-3D368771D6B1}" type="datetimeFigureOut">
               <a:rPr lang="en-US" smtClean="0"/>
-              <a:t>2/26/19</a:t>
+              <a:t>2/28/19</a:t>
             </a:fld>
             <a:endParaRPr lang="en-US"/>
           </a:p>
@@ -3466,7 +3467,7 @@
           <a:p>
             <a:fld id="{BE5295ED-3BAF-1140-8495-3D368771D6B1}" type="datetimeFigureOut">
               <a:rPr lang="en-US" smtClean="0"/>
-              <a:t>2/26/19</a:t>
+              <a:t>2/28/19</a:t>
             </a:fld>
             <a:endParaRPr lang="en-US"/>
           </a:p>
@@ -4076,7 +4077,7 @@
           <a:p>
             <a:r>
               <a:rPr lang="en-US" dirty="0"/>
-              <a:t>Find set of nodes p can reach</a:t>
+              <a:t>Is there a cycle from p to p?</a:t>
             </a:r>
           </a:p>
         </p:txBody>
@@ -4091,19 +4092,14 @@
             <p:ph idx="1"/>
           </p:nvPr>
         </p:nvSpPr>
-        <p:spPr>
-          <a:xfrm>
-            <a:off x="838200" y="1825625"/>
-            <a:ext cx="10957560" cy="4351338"/>
-          </a:xfrm>
-        </p:spPr>
+        <p:spPr/>
         <p:txBody>
           <a:bodyPr/>
           <a:lstStyle/>
           <a:p>
             <a:r>
               <a:rPr lang="en-US" dirty="0"/>
-              <a:t>Need two sets, one for avoiding cycles, another for reached nodes</a:t>
+              <a:t>If we run into starting node in visited set, return True</a:t>
             </a:r>
           </a:p>
         </p:txBody>
@@ -4122,8 +4118,8 @@
         </p:nvSpPr>
         <p:spPr>
           <a:xfrm>
-            <a:off x="1964748" y="2495471"/>
-            <a:ext cx="8478116" cy="3816429"/>
+            <a:off x="1271631" y="2322255"/>
+            <a:ext cx="8981079" cy="4154984"/>
           </a:xfrm>
           <a:prstGeom prst="rect">
             <a:avLst/>
@@ -4142,20 +4138,28 @@
           <a:lstStyle/>
           <a:p>
             <a:r>
+              <a:rPr lang="en-US" sz="2200" dirty="0">
+                <a:latin typeface="Monaco" charset="0"/>
+                <a:ea typeface="Monaco" charset="0"/>
+                <a:cs typeface="Monaco" charset="0"/>
+              </a:rPr>
+              <a:t>def </a:t>
+            </a:r>
+            <a:r>
               <a:rPr lang="en-US" sz="2200" dirty="0" err="1">
                 <a:latin typeface="Monaco" charset="0"/>
                 <a:ea typeface="Monaco" charset="0"/>
                 <a:cs typeface="Monaco" charset="0"/>
               </a:rPr>
-              <a:t>def</a:t>
-            </a:r>
-            <a:r>
-              <a:rPr lang="en-US" sz="2200" dirty="0">
-                <a:latin typeface="Monaco" charset="0"/>
-                <a:ea typeface="Monaco" charset="0"/>
-                <a:cs typeface="Monaco" charset="0"/>
-              </a:rPr>
-              <a:t> reachable(</a:t>
+              <a:t>iscyclic</a:t>
+            </a:r>
+            <a:r>
+              <a:rPr lang="en-US" sz="2200" dirty="0">
+                <a:latin typeface="Monaco" charset="0"/>
+                <a:ea typeface="Monaco" charset="0"/>
+                <a:cs typeface="Monaco" charset="0"/>
+              </a:rPr>
+              <a:t>(</a:t>
             </a:r>
             <a:r>
               <a:rPr lang="en-US" sz="2200" dirty="0" err="1">
@@ -4171,118 +4175,49 @@
                 <a:ea typeface="Monaco" charset="0"/>
                 <a:cs typeface="Monaco" charset="0"/>
               </a:rPr>
-              <a:t>) -&gt; </a:t>
-            </a:r>
-            <a:r>
-              <a:rPr lang="en-US" sz="2200" dirty="0">
-                <a:solidFill>
-                  <a:schemeClr val="accent1"/>
-                </a:solidFill>
-                <a:latin typeface="Monaco" charset="0"/>
-                <a:ea typeface="Monaco" charset="0"/>
-                <a:cs typeface="Monaco" charset="0"/>
-              </a:rPr>
-              <a:t>set</a:t>
-            </a:r>
-            <a:r>
-              <a:rPr lang="en-US" sz="2200" dirty="0">
-                <a:latin typeface="Monaco" charset="0"/>
-                <a:ea typeface="Monaco" charset="0"/>
-                <a:cs typeface="Monaco" charset="0"/>
-              </a:rPr>
-              <a:t>:</a:t>
-            </a:r>
-          </a:p>
-          <a:p>
-            <a:r>
-              <a:rPr lang="mr-IN" sz="2200" dirty="0">
-                <a:latin typeface="Monaco" charset="0"/>
-                <a:ea typeface="Monaco" charset="0"/>
-                <a:cs typeface="Monaco" charset="0"/>
-              </a:rPr>
-              <a:t>    </a:t>
-            </a:r>
-            <a:r>
-              <a:rPr lang="mr-IN" sz="2200" dirty="0" err="1">
-                <a:latin typeface="Monaco" charset="0"/>
-                <a:ea typeface="Monaco" charset="0"/>
-                <a:cs typeface="Monaco" charset="0"/>
-              </a:rPr>
-              <a:t>reaches</a:t>
-            </a:r>
-            <a:r>
-              <a:rPr lang="mr-IN" sz="2200" dirty="0">
-                <a:latin typeface="Monaco" charset="0"/>
-                <a:ea typeface="Monaco" charset="0"/>
-                <a:cs typeface="Monaco" charset="0"/>
-              </a:rPr>
-              <a:t> = </a:t>
-            </a:r>
-            <a:r>
-              <a:rPr lang="mr-IN" sz="2200" dirty="0" err="1">
-                <a:latin typeface="Monaco" charset="0"/>
-                <a:ea typeface="Monaco" charset="0"/>
-                <a:cs typeface="Monaco" charset="0"/>
-              </a:rPr>
-              <a:t>set</a:t>
-            </a:r>
-            <a:r>
-              <a:rPr lang="mr-IN" sz="2200" dirty="0">
-                <a:latin typeface="Monaco" charset="0"/>
-                <a:ea typeface="Monaco" charset="0"/>
-                <a:cs typeface="Monaco" charset="0"/>
-              </a:rPr>
-              <a:t>();</a:t>
-            </a:r>
-          </a:p>
-          <a:p>
-            <a:r>
-              <a:rPr lang="en-US" sz="2200" dirty="0">
-                <a:latin typeface="Monaco" charset="0"/>
-                <a:ea typeface="Monaco" charset="0"/>
-                <a:cs typeface="Monaco" charset="0"/>
-              </a:rPr>
-              <a:t>    reachable_(p, </a:t>
-            </a:r>
-            <a:r>
-              <a:rPr lang="en-US" sz="2200" dirty="0">
-                <a:solidFill>
-                  <a:schemeClr val="accent1"/>
-                </a:solidFill>
-                <a:latin typeface="Monaco" charset="0"/>
-                <a:ea typeface="Monaco" charset="0"/>
-                <a:cs typeface="Monaco" charset="0"/>
-              </a:rPr>
-              <a:t>reaches</a:t>
-            </a:r>
-            <a:r>
-              <a:rPr lang="en-US" sz="2200" dirty="0">
-                <a:latin typeface="Monaco" charset="0"/>
-                <a:ea typeface="Monaco" charset="0"/>
-                <a:cs typeface="Monaco" charset="0"/>
-              </a:rPr>
-              <a:t>, set())</a:t>
-            </a:r>
-          </a:p>
-          <a:p>
-            <a:r>
-              <a:rPr lang="en-US" sz="2200" dirty="0">
-                <a:latin typeface="Monaco" charset="0"/>
-                <a:ea typeface="Monaco" charset="0"/>
-                <a:cs typeface="Monaco" charset="0"/>
-              </a:rPr>
-              <a:t>    </a:t>
-            </a:r>
-            <a:r>
-              <a:rPr lang="en-US" sz="2200" dirty="0">
-                <a:solidFill>
-                  <a:schemeClr val="accent1"/>
-                </a:solidFill>
-                <a:latin typeface="Monaco" charset="0"/>
-                <a:ea typeface="Monaco" charset="0"/>
-                <a:cs typeface="Monaco" charset="0"/>
-              </a:rPr>
-              <a:t>return reaches</a:t>
+              <a:t>) -&gt; bool:</a:t>
+            </a:r>
+          </a:p>
+          <a:p>
+            <a:r>
+              <a:rPr lang="en-US" sz="2200" dirty="0">
+                <a:latin typeface="Monaco" charset="0"/>
+                <a:ea typeface="Monaco" charset="0"/>
+                <a:cs typeface="Monaco" charset="0"/>
+              </a:rPr>
+              <a:t>    return </a:t>
+            </a:r>
+            <a:r>
+              <a:rPr lang="en-US" sz="2200" dirty="0" err="1">
+                <a:latin typeface="Monaco" charset="0"/>
+                <a:ea typeface="Monaco" charset="0"/>
+                <a:cs typeface="Monaco" charset="0"/>
+              </a:rPr>
+              <a:t>iscyclic</a:t>
+            </a:r>
+            <a:r>
+              <a:rPr lang="en-US" sz="2200" dirty="0">
+                <a:latin typeface="Monaco" charset="0"/>
+                <a:ea typeface="Monaco" charset="0"/>
+                <a:cs typeface="Monaco" charset="0"/>
+              </a:rPr>
+              <a:t>_(</a:t>
+            </a:r>
+            <a:r>
+              <a:rPr lang="en-US" sz="2200" dirty="0" err="1">
+                <a:latin typeface="Monaco" charset="0"/>
+                <a:ea typeface="Monaco" charset="0"/>
+                <a:cs typeface="Monaco" charset="0"/>
+              </a:rPr>
+              <a:t>p,p,set</a:t>
+            </a:r>
+            <a:r>
+              <a:rPr lang="en-US" sz="2200" dirty="0">
+                <a:latin typeface="Monaco" charset="0"/>
+                <a:ea typeface="Monaco" charset="0"/>
+                <a:cs typeface="Monaco" charset="0"/>
+              </a:rPr>
+              <a:t>())</a:t>
             </a:r>
           </a:p>
           <a:p>
@@ -4294,36 +4229,28 @@
           </a:p>
           <a:p>
             <a:r>
+              <a:rPr lang="en-US" sz="2200" dirty="0">
+                <a:latin typeface="Monaco" charset="0"/>
+                <a:ea typeface="Monaco" charset="0"/>
+                <a:cs typeface="Monaco" charset="0"/>
+              </a:rPr>
+              <a:t>def </a:t>
+            </a:r>
+            <a:r>
               <a:rPr lang="en-US" sz="2200" dirty="0" err="1">
                 <a:latin typeface="Monaco" charset="0"/>
                 <a:ea typeface="Monaco" charset="0"/>
                 <a:cs typeface="Monaco" charset="0"/>
               </a:rPr>
-              <a:t>def</a:t>
-            </a:r>
-            <a:r>
-              <a:rPr lang="en-US" sz="2200" dirty="0">
-                <a:latin typeface="Monaco" charset="0"/>
-                <a:ea typeface="Monaco" charset="0"/>
-                <a:cs typeface="Monaco" charset="0"/>
-              </a:rPr>
-              <a:t> reachable_(</a:t>
-            </a:r>
-            <a:r>
-              <a:rPr lang="en-US" sz="2200" dirty="0" err="1">
-                <a:latin typeface="Monaco" charset="0"/>
-                <a:ea typeface="Monaco" charset="0"/>
-                <a:cs typeface="Monaco" charset="0"/>
-              </a:rPr>
-              <a:t>p:Node</a:t>
-            </a:r>
-            <a:r>
-              <a:rPr lang="en-US" sz="2200" dirty="0">
-                <a:latin typeface="Monaco" charset="0"/>
-                <a:ea typeface="Monaco" charset="0"/>
-                <a:cs typeface="Monaco" charset="0"/>
-              </a:rPr>
-              <a:t>, </a:t>
+              <a:t>iscyclic</a:t>
+            </a:r>
+            <a:r>
+              <a:rPr lang="en-US" sz="2200" dirty="0">
+                <a:latin typeface="Monaco" charset="0"/>
+                <a:ea typeface="Monaco" charset="0"/>
+                <a:cs typeface="Monaco" charset="0"/>
+              </a:rPr>
+              <a:t>_(</a:t>
             </a:r>
             <a:r>
               <a:rPr lang="en-US" sz="2200" dirty="0" err="1">
@@ -4334,7 +4261,7 @@
                 <a:ea typeface="Monaco" charset="0"/>
                 <a:cs typeface="Monaco" charset="0"/>
               </a:rPr>
-              <a:t>reaches:set</a:t>
+              <a:t>start:Node</a:t>
             </a:r>
             <a:r>
               <a:rPr lang="en-US" sz="2200" dirty="0">
@@ -4345,143 +4272,35 @@
               <a:t>, </a:t>
             </a:r>
             <a:r>
-              <a:rPr lang="en-US" sz="2000" dirty="0" err="1">
-                <a:latin typeface="Monaco" charset="0"/>
-                <a:ea typeface="Monaco" charset="0"/>
-                <a:cs typeface="Monaco" charset="0"/>
-              </a:rPr>
-              <a:t>visited</a:t>
-            </a:r>
-            <a:r>
               <a:rPr lang="en-US" sz="2200" dirty="0" err="1">
                 <a:latin typeface="Monaco" charset="0"/>
                 <a:ea typeface="Monaco" charset="0"/>
                 <a:cs typeface="Monaco" charset="0"/>
               </a:rPr>
-              <a:t>:set</a:t>
-            </a:r>
-            <a:r>
-              <a:rPr lang="en-US" sz="2200" dirty="0">
-                <a:latin typeface="Monaco" charset="0"/>
-                <a:ea typeface="Monaco" charset="0"/>
-                <a:cs typeface="Monaco" charset="0"/>
-              </a:rPr>
-              <a:t>):</a:t>
-            </a:r>
-          </a:p>
-          <a:p>
-            <a:r>
-              <a:rPr lang="en-US" sz="2200" dirty="0">
-                <a:latin typeface="Monaco" charset="0"/>
-                <a:ea typeface="Monaco" charset="0"/>
-                <a:cs typeface="Monaco" charset="0"/>
-              </a:rPr>
-              <a:t>    if p in </a:t>
-            </a:r>
-            <a:r>
-              <a:rPr lang="en-US" sz="2000" dirty="0">
-                <a:latin typeface="Monaco" charset="0"/>
-                <a:ea typeface="Monaco" charset="0"/>
-                <a:cs typeface="Monaco" charset="0"/>
-              </a:rPr>
-              <a:t>visited</a:t>
-            </a:r>
-            <a:r>
-              <a:rPr lang="en-US" sz="2200" dirty="0">
-                <a:latin typeface="Monaco" charset="0"/>
-                <a:ea typeface="Monaco" charset="0"/>
-                <a:cs typeface="Monaco" charset="0"/>
-              </a:rPr>
-              <a:t>: return</a:t>
-            </a:r>
-          </a:p>
-          <a:p>
-            <a:r>
-              <a:rPr lang="mr-IN" sz="2200" dirty="0">
-                <a:latin typeface="Monaco" charset="0"/>
-                <a:ea typeface="Monaco" charset="0"/>
-                <a:cs typeface="Monaco" charset="0"/>
-              </a:rPr>
-              <a:t>    </a:t>
-            </a:r>
-            <a:r>
-              <a:rPr lang="en-US" sz="2000" dirty="0">
-                <a:latin typeface="Monaco" charset="0"/>
-                <a:ea typeface="Monaco" charset="0"/>
-                <a:cs typeface="Monaco" charset="0"/>
-              </a:rPr>
-              <a:t>visited</a:t>
-            </a:r>
-            <a:r>
-              <a:rPr lang="mr-IN" sz="2200" dirty="0">
-                <a:latin typeface="Monaco" charset="0"/>
-                <a:ea typeface="Monaco" charset="0"/>
-                <a:cs typeface="Monaco" charset="0"/>
-              </a:rPr>
-              <a:t>.</a:t>
-            </a:r>
-            <a:r>
-              <a:rPr lang="mr-IN" sz="2200" dirty="0" err="1">
-                <a:latin typeface="Monaco" charset="0"/>
-                <a:ea typeface="Monaco" charset="0"/>
-                <a:cs typeface="Monaco" charset="0"/>
-              </a:rPr>
-              <a:t>add</a:t>
-            </a:r>
-            <a:r>
-              <a:rPr lang="mr-IN" sz="2200" dirty="0">
-                <a:latin typeface="Monaco" charset="0"/>
-                <a:ea typeface="Monaco" charset="0"/>
-                <a:cs typeface="Monaco" charset="0"/>
-              </a:rPr>
-              <a:t>(</a:t>
-            </a:r>
-            <a:r>
-              <a:rPr lang="mr-IN" sz="2200" dirty="0" err="1">
-                <a:latin typeface="Monaco" charset="0"/>
-                <a:ea typeface="Monaco" charset="0"/>
-                <a:cs typeface="Monaco" charset="0"/>
-              </a:rPr>
-              <a:t>p</a:t>
-            </a:r>
-            <a:r>
-              <a:rPr lang="mr-IN" sz="2200" dirty="0">
-                <a:latin typeface="Monaco" charset="0"/>
-                <a:ea typeface="Monaco" charset="0"/>
-                <a:cs typeface="Monaco" charset="0"/>
-              </a:rPr>
-              <a:t>)</a:t>
-            </a:r>
-          </a:p>
-          <a:p>
-            <a:r>
-              <a:rPr lang="en-US" sz="2200" dirty="0">
-                <a:latin typeface="Monaco" charset="0"/>
-                <a:ea typeface="Monaco" charset="0"/>
-                <a:cs typeface="Monaco" charset="0"/>
-              </a:rPr>
-              <a:t>    for q in </a:t>
-            </a:r>
-            <a:r>
-              <a:rPr lang="en-US" sz="2200" dirty="0" err="1">
-                <a:latin typeface="Monaco" charset="0"/>
-                <a:ea typeface="Monaco" charset="0"/>
-                <a:cs typeface="Monaco" charset="0"/>
-              </a:rPr>
-              <a:t>p.edges</a:t>
-            </a:r>
-            <a:r>
-              <a:rPr lang="en-US" sz="2200" dirty="0">
-                <a:latin typeface="Monaco" charset="0"/>
-                <a:ea typeface="Monaco" charset="0"/>
-                <a:cs typeface="Monaco" charset="0"/>
-              </a:rPr>
-              <a:t>:</a:t>
-            </a:r>
-          </a:p>
-          <a:p>
-            <a:r>
-              <a:rPr lang="mr-IN" sz="2200" dirty="0">
+              <a:t>p:Node</a:t>
+            </a:r>
+            <a:r>
+              <a:rPr lang="en-US" sz="2200" dirty="0">
+                <a:latin typeface="Monaco" charset="0"/>
+                <a:ea typeface="Monaco" charset="0"/>
+                <a:cs typeface="Monaco" charset="0"/>
+              </a:rPr>
+              <a:t>, visited) -&gt; bool:</a:t>
+            </a:r>
+          </a:p>
+          <a:p>
+            <a:r>
+              <a:rPr lang="en-US" sz="2200" dirty="0">
+                <a:latin typeface="Monaco" charset="0"/>
+                <a:ea typeface="Monaco" charset="0"/>
+                <a:cs typeface="Monaco" charset="0"/>
+              </a:rPr>
+              <a:t>    if p in visited: </a:t>
+            </a:r>
+          </a:p>
+          <a:p>
+            <a:r>
+              <a:rPr lang="en-US" sz="2200" dirty="0">
                 <a:latin typeface="Monaco" charset="0"/>
                 <a:ea typeface="Monaco" charset="0"/>
                 <a:cs typeface="Monaco" charset="0"/>
@@ -4489,7 +4308,7 @@
               <a:t>        </a:t>
             </a:r>
             <a:r>
-              <a:rPr lang="mr-IN" sz="2200" dirty="0" err="1">
+              <a:rPr lang="en-US" sz="2200" dirty="0">
                 <a:solidFill>
                   <a:schemeClr val="accent1"/>
                 </a:solidFill>
@@ -4497,10 +4316,12 @@
                 <a:ea typeface="Monaco" charset="0"/>
                 <a:cs typeface="Monaco" charset="0"/>
               </a:rPr>
-              <a:t>reaches.add</a:t>
-            </a:r>
-            <a:r>
-              <a:rPr lang="mr-IN" sz="2200" dirty="0">
+              <a:t>if p is start: return True # we find start?</a:t>
+            </a:r>
+          </a:p>
+          <a:p>
+            <a:r>
+              <a:rPr lang="en-US" sz="2200" dirty="0">
                 <a:solidFill>
                   <a:schemeClr val="accent1"/>
                 </a:solidFill>
@@ -4508,10 +4329,108 @@
                 <a:ea typeface="Monaco" charset="0"/>
                 <a:cs typeface="Monaco" charset="0"/>
               </a:rPr>
-              <a:t>(</a:t>
-            </a:r>
-            <a:r>
-              <a:rPr lang="mr-IN" sz="2200" dirty="0" err="1">
+              <a:t>        return False # can't loop forever so stop</a:t>
+            </a:r>
+          </a:p>
+          <a:p>
+            <a:r>
+              <a:rPr lang="en-US" sz="2200" dirty="0">
+                <a:latin typeface="Monaco" charset="0"/>
+                <a:ea typeface="Monaco" charset="0"/>
+                <a:cs typeface="Monaco" charset="0"/>
+              </a:rPr>
+              <a:t>    </a:t>
+            </a:r>
+            <a:r>
+              <a:rPr lang="en-US" sz="2200" dirty="0" err="1">
+                <a:latin typeface="Monaco" charset="0"/>
+                <a:ea typeface="Monaco" charset="0"/>
+                <a:cs typeface="Monaco" charset="0"/>
+              </a:rPr>
+              <a:t>visited.add</a:t>
+            </a:r>
+            <a:r>
+              <a:rPr lang="en-US" sz="2200" dirty="0">
+                <a:latin typeface="Monaco" charset="0"/>
+                <a:ea typeface="Monaco" charset="0"/>
+                <a:cs typeface="Monaco" charset="0"/>
+              </a:rPr>
+              <a:t>(p)</a:t>
+            </a:r>
+          </a:p>
+          <a:p>
+            <a:r>
+              <a:rPr lang="en-US" sz="2200" dirty="0">
+                <a:latin typeface="Monaco" charset="0"/>
+                <a:ea typeface="Monaco" charset="0"/>
+                <a:cs typeface="Monaco" charset="0"/>
+              </a:rPr>
+              <a:t>    for q in </a:t>
+            </a:r>
+            <a:r>
+              <a:rPr lang="en-US" sz="2200" dirty="0" err="1">
+                <a:latin typeface="Monaco" charset="0"/>
+                <a:ea typeface="Monaco" charset="0"/>
+                <a:cs typeface="Monaco" charset="0"/>
+              </a:rPr>
+              <a:t>p.edges</a:t>
+            </a:r>
+            <a:r>
+              <a:rPr lang="en-US" sz="2200" dirty="0">
+                <a:latin typeface="Monaco" charset="0"/>
+                <a:ea typeface="Monaco" charset="0"/>
+                <a:cs typeface="Monaco" charset="0"/>
+              </a:rPr>
+              <a:t>:</a:t>
+            </a:r>
+          </a:p>
+          <a:p>
+            <a:r>
+              <a:rPr lang="en-US" sz="2200" dirty="0">
+                <a:latin typeface="Monaco" charset="0"/>
+                <a:ea typeface="Monaco" charset="0"/>
+                <a:cs typeface="Monaco" charset="0"/>
+              </a:rPr>
+              <a:t>        c = </a:t>
+            </a:r>
+            <a:r>
+              <a:rPr lang="en-US" sz="2200" dirty="0" err="1">
+                <a:latin typeface="Monaco" charset="0"/>
+                <a:ea typeface="Monaco" charset="0"/>
+                <a:cs typeface="Monaco" charset="0"/>
+              </a:rPr>
+              <a:t>iscyclic</a:t>
+            </a:r>
+            <a:r>
+              <a:rPr lang="en-US" sz="2200" dirty="0">
+                <a:latin typeface="Monaco" charset="0"/>
+                <a:ea typeface="Monaco" charset="0"/>
+                <a:cs typeface="Monaco" charset="0"/>
+              </a:rPr>
+              <a:t>_(start, q, visited)</a:t>
+            </a:r>
+          </a:p>
+          <a:p>
+            <a:r>
+              <a:rPr lang="en-US" sz="2200" dirty="0">
+                <a:latin typeface="Monaco" charset="0"/>
+                <a:ea typeface="Monaco" charset="0"/>
+                <a:cs typeface="Monaco" charset="0"/>
+              </a:rPr>
+              <a:t>        if c: return True # we can stop</a:t>
+            </a:r>
+          </a:p>
+          <a:p>
+            <a:r>
+              <a:rPr lang="en-US" sz="2200" dirty="0">
+                <a:latin typeface="Monaco" charset="0"/>
+                <a:ea typeface="Monaco" charset="0"/>
+                <a:cs typeface="Monaco" charset="0"/>
+              </a:rPr>
+              <a:t>    return </a:t>
+            </a:r>
+            <a:r>
+              <a:rPr lang="en-US" sz="2200" dirty="0">
                 <a:solidFill>
                   <a:schemeClr val="accent1"/>
                 </a:solidFill>
@@ -4519,102 +4438,15 @@
                 <a:ea typeface="Monaco" charset="0"/>
                 <a:cs typeface="Monaco" charset="0"/>
               </a:rPr>
-              <a:t>q</a:t>
-            </a:r>
-            <a:r>
-              <a:rPr lang="mr-IN" sz="2200" dirty="0">
-                <a:solidFill>
-                  <a:schemeClr val="accent1"/>
-                </a:solidFill>
-                <a:latin typeface="Monaco" charset="0"/>
-                <a:ea typeface="Monaco" charset="0"/>
-                <a:cs typeface="Monaco" charset="0"/>
-              </a:rPr>
-              <a:t>)</a:t>
-            </a:r>
-          </a:p>
-          <a:p>
-            <a:r>
-              <a:rPr lang="en-US" sz="2200" dirty="0">
-                <a:latin typeface="Monaco" charset="0"/>
-                <a:ea typeface="Monaco" charset="0"/>
-                <a:cs typeface="Monaco" charset="0"/>
-              </a:rPr>
-              <a:t>        reachable_(q, reaches, </a:t>
-            </a:r>
-            <a:r>
-              <a:rPr lang="en-US" sz="2000" dirty="0">
-                <a:latin typeface="Monaco" charset="0"/>
-                <a:ea typeface="Monaco" charset="0"/>
-                <a:cs typeface="Monaco" charset="0"/>
-              </a:rPr>
-              <a:t>visited</a:t>
-            </a:r>
-            <a:r>
-              <a:rPr lang="en-US" sz="2200" dirty="0">
-                <a:latin typeface="Monaco" charset="0"/>
-                <a:ea typeface="Monaco" charset="0"/>
-                <a:cs typeface="Monaco" charset="0"/>
-              </a:rPr>
-              <a:t>)</a:t>
-            </a:r>
-          </a:p>
-        </p:txBody>
-      </p:sp>
-      <p:sp>
-        <p:nvSpPr>
-          <p:cNvPr id="5" name="TextBox 4"/>
-          <p:cNvSpPr txBox="1"/>
-          <p:nvPr/>
-        </p:nvSpPr>
-        <p:spPr>
-          <a:xfrm>
-            <a:off x="838200" y="6390409"/>
-            <a:ext cx="6827510" cy="369332"/>
-          </a:xfrm>
-          <a:prstGeom prst="rect">
-            <a:avLst/>
-          </a:prstGeom>
-          <a:noFill/>
-        </p:spPr>
-        <p:txBody>
-          <a:bodyPr wrap="none" rtlCol="0">
-            <a:spAutoFit/>
-          </a:bodyPr>
-          <a:lstStyle/>
-          <a:p>
-            <a:r>
-              <a:rPr lang="en-US" dirty="0"/>
-              <a:t>https://</a:t>
-            </a:r>
-            <a:r>
-              <a:rPr lang="en-US" dirty="0" err="1"/>
-              <a:t>github.com</a:t>
-            </a:r>
-            <a:r>
-              <a:rPr lang="en-US" dirty="0"/>
-              <a:t>/</a:t>
-            </a:r>
-            <a:r>
-              <a:rPr lang="en-US" dirty="0" err="1"/>
-              <a:t>parrt</a:t>
-            </a:r>
-            <a:r>
-              <a:rPr lang="en-US" dirty="0"/>
-              <a:t>/msds689/blob/master/notes/</a:t>
-            </a:r>
-            <a:r>
-              <a:rPr lang="en-US" dirty="0" err="1"/>
-              <a:t>graphs.ipynb</a:t>
-            </a:r>
-            <a:endParaRPr lang="en-US" dirty="0"/>
+              <a:t>False</a:t>
+            </a:r>
           </a:p>
         </p:txBody>
       </p:sp>
     </p:spTree>
     <p:extLst>
       <p:ext uri="{BB962C8B-B14F-4D97-AF65-F5344CB8AC3E}">
-        <p14:creationId xmlns:p14="http://schemas.microsoft.com/office/powerpoint/2010/main" val="1619132646"/>
+        <p14:creationId xmlns:p14="http://schemas.microsoft.com/office/powerpoint/2010/main" val="2109500284"/>
       </p:ext>
     </p:extLst>
   </p:cSld>
@@ -4643,13 +4475,7 @@
       </p:grpSpPr>
       <p:sp>
         <p:nvSpPr>
-          <p:cNvPr id="2" name="Title 1">
-            <a:extLst>
-              <a:ext uri="{FF2B5EF4-FFF2-40B4-BE49-F238E27FC236}">
-                <a16:creationId xmlns:a16="http://schemas.microsoft.com/office/drawing/2014/main" id="{4E8D2E27-F029-8F4C-8809-06DDAF244719}"/>
-              </a:ext>
-            </a:extLst>
-          </p:cNvPr>
+          <p:cNvPr id="2" name="Title 1"/>
           <p:cNvSpPr>
             <a:spLocks noGrp="1"/>
           </p:cNvSpPr>
@@ -4657,32 +4483,21 @@
             <p:ph type="title"/>
           </p:nvPr>
         </p:nvSpPr>
-        <p:spPr>
-          <a:xfrm>
-            <a:off x="838200" y="365125"/>
-            <a:ext cx="11037570" cy="1325563"/>
-          </a:xfrm>
-        </p:spPr>
+        <p:spPr/>
         <p:txBody>
           <a:bodyPr/>
           <a:lstStyle/>
           <a:p>
             <a:r>
               <a:rPr lang="en-US" dirty="0"/>
-              <a:t>Find set of nodes p can reach, track depth</a:t>
-            </a:r>
-          </a:p>
-        </p:txBody>
-      </p:sp>
-      <p:sp>
-        <p:nvSpPr>
-          <p:cNvPr id="3" name="Content Placeholder 2">
-            <a:extLst>
-              <a:ext uri="{FF2B5EF4-FFF2-40B4-BE49-F238E27FC236}">
-                <a16:creationId xmlns:a16="http://schemas.microsoft.com/office/drawing/2014/main" id="{A960C7F7-ADF4-964C-94C6-A0E7937F16F0}"/>
-              </a:ext>
-            </a:extLst>
-          </p:cNvPr>
+              <a:t>Find set of nodes p can reach</a:t>
+            </a:r>
+          </a:p>
+        </p:txBody>
+      </p:sp>
+      <p:sp>
+        <p:nvSpPr>
+          <p:cNvPr id="3" name="Content Placeholder 2"/>
           <p:cNvSpPr>
             <a:spLocks noGrp="1"/>
           </p:cNvSpPr>
@@ -4690,14 +4505,19 @@
             <p:ph idx="1"/>
           </p:nvPr>
         </p:nvSpPr>
-        <p:spPr/>
+        <p:spPr>
+          <a:xfrm>
+            <a:off x="838200" y="1825625"/>
+            <a:ext cx="10957560" cy="4351338"/>
+          </a:xfrm>
+        </p:spPr>
         <p:txBody>
           <a:bodyPr/>
           <a:lstStyle/>
           <a:p>
             <a:r>
               <a:rPr lang="en-US" dirty="0"/>
-              <a:t>Track node-&gt;depth map, not just set of nodes</a:t>
+              <a:t>Need two sets, one for avoiding cycles, another for reached nodes</a:t>
             </a:r>
           </a:p>
         </p:txBody>
@@ -4707,7 +4527,7 @@
           <p:cNvPr id="4" name="TextBox 3">
             <a:extLst>
               <a:ext uri="{FF2B5EF4-FFF2-40B4-BE49-F238E27FC236}">
-                <a16:creationId xmlns:a16="http://schemas.microsoft.com/office/drawing/2014/main" id="{B5AF48A4-4564-CD45-B6F8-DC1214DADCFE}"/>
+                <a16:creationId xmlns:a16="http://schemas.microsoft.com/office/drawing/2014/main" id="{15368C9B-01DB-BD48-B437-681E9C29166D}"/>
               </a:ext>
             </a:extLst>
           </p:cNvPr>
@@ -4716,8 +4536,8 @@
         </p:nvSpPr>
         <p:spPr>
           <a:xfrm>
-            <a:off x="847687" y="2495471"/>
-            <a:ext cx="10506113" cy="3816429"/>
+            <a:off x="1964748" y="2495471"/>
+            <a:ext cx="8478116" cy="3816429"/>
           </a:xfrm>
           <a:prstGeom prst="rect">
             <a:avLst/>
@@ -4736,19 +4556,27 @@
           <a:lstStyle/>
           <a:p>
             <a:r>
-              <a:rPr lang="en-US" sz="2200" dirty="0">
-                <a:latin typeface="Monaco" charset="0"/>
-                <a:ea typeface="Monaco" charset="0"/>
-                <a:cs typeface="Monaco" charset="0"/>
-              </a:rPr>
-              <a:t>def reachable(</a:t>
-            </a:r>
-            <a:r>
               <a:rPr lang="en-US" sz="2200" dirty="0" err="1">
                 <a:latin typeface="Monaco" charset="0"/>
                 <a:ea typeface="Monaco" charset="0"/>
                 <a:cs typeface="Monaco" charset="0"/>
               </a:rPr>
+              <a:t>def</a:t>
+            </a:r>
+            <a:r>
+              <a:rPr lang="en-US" sz="2200" dirty="0">
+                <a:latin typeface="Monaco" charset="0"/>
+                <a:ea typeface="Monaco" charset="0"/>
+                <a:cs typeface="Monaco" charset="0"/>
+              </a:rPr>
+              <a:t> reachable(</a:t>
+            </a:r>
+            <a:r>
+              <a:rPr lang="en-US" sz="2200" dirty="0" err="1">
+                <a:latin typeface="Monaco" charset="0"/>
+                <a:ea typeface="Monaco" charset="0"/>
+                <a:cs typeface="Monaco" charset="0"/>
+              </a:rPr>
               <a:t>p:Node</a:t>
             </a:r>
             <a:r>
@@ -4760,33 +4588,7 @@
               <a:t>) -&gt; </a:t>
             </a:r>
             <a:r>
-              <a:rPr lang="en-US" sz="2200" dirty="0" err="1">
-                <a:latin typeface="Monaco" charset="0"/>
-                <a:ea typeface="Monaco" charset="0"/>
-                <a:cs typeface="Monaco" charset="0"/>
-              </a:rPr>
-              <a:t>dict</a:t>
-            </a:r>
-            <a:r>
-              <a:rPr lang="en-US" sz="2200" dirty="0">
-                <a:latin typeface="Monaco" charset="0"/>
-                <a:ea typeface="Monaco" charset="0"/>
-                <a:cs typeface="Monaco" charset="0"/>
-              </a:rPr>
-              <a:t>:</a:t>
-            </a:r>
-          </a:p>
-          <a:p>
-            <a:r>
-              <a:rPr lang="en-US" sz="2200" dirty="0">
-                <a:latin typeface="Monaco" charset="0"/>
-                <a:ea typeface="Monaco" charset="0"/>
-                <a:cs typeface="Monaco" charset="0"/>
-              </a:rPr>
-              <a:t>    reaches = </a:t>
-            </a:r>
-            <a:r>
-              <a:rPr lang="en-US" sz="2200" dirty="0" err="1">
+              <a:rPr lang="en-US" sz="2200" dirty="0">
                 <a:solidFill>
                   <a:schemeClr val="accent1"/>
                 </a:solidFill>
@@ -4794,7 +4596,67 @@
                 <a:ea typeface="Monaco" charset="0"/>
                 <a:cs typeface="Monaco" charset="0"/>
               </a:rPr>
-              <a:t>dict</a:t>
+              <a:t>set</a:t>
+            </a:r>
+            <a:r>
+              <a:rPr lang="en-US" sz="2200" dirty="0">
+                <a:latin typeface="Monaco" charset="0"/>
+                <a:ea typeface="Monaco" charset="0"/>
+                <a:cs typeface="Monaco" charset="0"/>
+              </a:rPr>
+              <a:t>:</a:t>
+            </a:r>
+          </a:p>
+          <a:p>
+            <a:r>
+              <a:rPr lang="mr-IN" sz="2200" dirty="0">
+                <a:latin typeface="Monaco" charset="0"/>
+                <a:ea typeface="Monaco" charset="0"/>
+                <a:cs typeface="Monaco" charset="0"/>
+              </a:rPr>
+              <a:t>    </a:t>
+            </a:r>
+            <a:r>
+              <a:rPr lang="mr-IN" sz="2200" dirty="0" err="1">
+                <a:latin typeface="Monaco" charset="0"/>
+                <a:ea typeface="Monaco" charset="0"/>
+                <a:cs typeface="Monaco" charset="0"/>
+              </a:rPr>
+              <a:t>reaches</a:t>
+            </a:r>
+            <a:r>
+              <a:rPr lang="mr-IN" sz="2200" dirty="0">
+                <a:latin typeface="Monaco" charset="0"/>
+                <a:ea typeface="Monaco" charset="0"/>
+                <a:cs typeface="Monaco" charset="0"/>
+              </a:rPr>
+              <a:t> = </a:t>
+            </a:r>
+            <a:r>
+              <a:rPr lang="mr-IN" sz="2200" dirty="0" err="1">
+                <a:latin typeface="Monaco" charset="0"/>
+                <a:ea typeface="Monaco" charset="0"/>
+                <a:cs typeface="Monaco" charset="0"/>
+              </a:rPr>
+              <a:t>set</a:t>
+            </a:r>
+            <a:r>
+              <a:rPr lang="mr-IN" sz="2200" dirty="0">
+                <a:latin typeface="Monaco" charset="0"/>
+                <a:ea typeface="Monaco" charset="0"/>
+                <a:cs typeface="Monaco" charset="0"/>
+              </a:rPr>
+              <a:t>();</a:t>
+            </a:r>
+          </a:p>
+          <a:p>
+            <a:r>
+              <a:rPr lang="en-US" sz="2200" dirty="0">
+                <a:latin typeface="Monaco" charset="0"/>
+                <a:ea typeface="Monaco" charset="0"/>
+                <a:cs typeface="Monaco" charset="0"/>
+              </a:rPr>
+              <a:t>    reachable_(p, </a:t>
             </a:r>
             <a:r>
               <a:rPr lang="en-US" sz="2200" dirty="0">
@@ -4805,8 +4667,39 @@
                 <a:ea typeface="Monaco" charset="0"/>
                 <a:cs typeface="Monaco" charset="0"/>
               </a:rPr>
-              <a:t>()</a:t>
-            </a:r>
+              <a:t>reaches</a:t>
+            </a:r>
+            <a:r>
+              <a:rPr lang="en-US" sz="2200" dirty="0">
+                <a:latin typeface="Monaco" charset="0"/>
+                <a:ea typeface="Monaco" charset="0"/>
+                <a:cs typeface="Monaco" charset="0"/>
+              </a:rPr>
+              <a:t>, set())</a:t>
+            </a:r>
+          </a:p>
+          <a:p>
+            <a:r>
+              <a:rPr lang="en-US" sz="2200" dirty="0">
+                <a:latin typeface="Monaco" charset="0"/>
+                <a:ea typeface="Monaco" charset="0"/>
+                <a:cs typeface="Monaco" charset="0"/>
+              </a:rPr>
+              <a:t>    </a:t>
+            </a:r>
+            <a:r>
+              <a:rPr lang="en-US" sz="2200" dirty="0">
+                <a:solidFill>
+                  <a:schemeClr val="accent1"/>
+                </a:solidFill>
+                <a:latin typeface="Monaco" charset="0"/>
+                <a:ea typeface="Monaco" charset="0"/>
+                <a:cs typeface="Monaco" charset="0"/>
+              </a:rPr>
+              <a:t>return reaches</a:t>
+            </a:r>
+          </a:p>
+          <a:p>
             <a:endParaRPr lang="en-US" sz="2200" dirty="0">
               <a:latin typeface="Monaco" charset="0"/>
               <a:ea typeface="Monaco" charset="0"/>
@@ -4815,98 +4708,28 @@
           </a:p>
           <a:p>
             <a:r>
-              <a:rPr lang="en-US" sz="2200" dirty="0">
-                <a:latin typeface="Monaco" charset="0"/>
-                <a:ea typeface="Monaco" charset="0"/>
-                <a:cs typeface="Monaco" charset="0"/>
-              </a:rPr>
-              <a:t>    reachable_(p, reaches, set(), </a:t>
-            </a:r>
-            <a:r>
-              <a:rPr lang="en-US" sz="2200" dirty="0">
-                <a:solidFill>
-                  <a:schemeClr val="accent1"/>
-                </a:solidFill>
-                <a:latin typeface="Monaco" charset="0"/>
-                <a:ea typeface="Monaco" charset="0"/>
-                <a:cs typeface="Monaco" charset="0"/>
-              </a:rPr>
-              <a:t>depth=0</a:t>
-            </a:r>
-            <a:r>
-              <a:rPr lang="en-US" sz="2200" dirty="0">
-                <a:latin typeface="Monaco" charset="0"/>
-                <a:ea typeface="Monaco" charset="0"/>
-                <a:cs typeface="Monaco" charset="0"/>
-              </a:rPr>
-              <a:t>)</a:t>
-            </a:r>
-          </a:p>
-          <a:p>
-            <a:r>
-              <a:rPr lang="en-US" sz="2200" dirty="0">
-                <a:latin typeface="Monaco" charset="0"/>
-                <a:ea typeface="Monaco" charset="0"/>
-                <a:cs typeface="Monaco" charset="0"/>
-              </a:rPr>
-              <a:t>    return reaches</a:t>
-            </a:r>
-          </a:p>
-          <a:p>
-            <a:endParaRPr lang="en-US" sz="2200" dirty="0">
-              <a:latin typeface="Monaco" charset="0"/>
-              <a:ea typeface="Monaco" charset="0"/>
-              <a:cs typeface="Monaco" charset="0"/>
-            </a:endParaRPr>
-          </a:p>
-          <a:p>
-            <a:r>
-              <a:rPr lang="en-US" sz="2200" dirty="0">
-                <a:latin typeface="Monaco" charset="0"/>
-                <a:ea typeface="Monaco" charset="0"/>
-                <a:cs typeface="Monaco" charset="0"/>
-              </a:rPr>
-              <a:t>def reachable_(</a:t>
-            </a:r>
-            <a:r>
               <a:rPr lang="en-US" sz="2200" dirty="0" err="1">
                 <a:latin typeface="Monaco" charset="0"/>
                 <a:ea typeface="Monaco" charset="0"/>
                 <a:cs typeface="Monaco" charset="0"/>
               </a:rPr>
+              <a:t>def</a:t>
+            </a:r>
+            <a:r>
+              <a:rPr lang="en-US" sz="2200" dirty="0">
+                <a:latin typeface="Monaco" charset="0"/>
+                <a:ea typeface="Monaco" charset="0"/>
+                <a:cs typeface="Monaco" charset="0"/>
+              </a:rPr>
+              <a:t> reachable_(</a:t>
+            </a:r>
+            <a:r>
+              <a:rPr lang="en-US" sz="2200" dirty="0" err="1">
+                <a:latin typeface="Monaco" charset="0"/>
+                <a:ea typeface="Monaco" charset="0"/>
+                <a:cs typeface="Monaco" charset="0"/>
+              </a:rPr>
               <a:t>p:Node</a:t>
-            </a:r>
-            <a:r>
-              <a:rPr lang="en-US" sz="2200" dirty="0">
-                <a:latin typeface="Monaco" charset="0"/>
-                <a:ea typeface="Monaco" charset="0"/>
-                <a:cs typeface="Monaco" charset="0"/>
-              </a:rPr>
-              <a:t>, </a:t>
-            </a:r>
-            <a:r>
-              <a:rPr lang="en-US" sz="2200" dirty="0" err="1">
-                <a:latin typeface="Monaco" charset="0"/>
-                <a:ea typeface="Monaco" charset="0"/>
-                <a:cs typeface="Monaco" charset="0"/>
-              </a:rPr>
-              <a:t>reaches:dict</a:t>
-            </a:r>
-            <a:r>
-              <a:rPr lang="en-US" sz="2200" dirty="0">
-                <a:latin typeface="Monaco" charset="0"/>
-                <a:ea typeface="Monaco" charset="0"/>
-                <a:cs typeface="Monaco" charset="0"/>
-              </a:rPr>
-              <a:t>, </a:t>
-            </a:r>
-            <a:r>
-              <a:rPr lang="en-US" sz="2200" dirty="0" err="1">
-                <a:latin typeface="Monaco" charset="0"/>
-                <a:ea typeface="Monaco" charset="0"/>
-                <a:cs typeface="Monaco" charset="0"/>
-              </a:rPr>
-              <a:t>visited:set</a:t>
             </a:r>
             <a:r>
               <a:rPr lang="en-US" sz="2200" dirty="0">
@@ -4925,7 +4748,31 @@
                 <a:ea typeface="Monaco" charset="0"/>
                 <a:cs typeface="Monaco" charset="0"/>
               </a:rPr>
-              <a:t>depth:int</a:t>
+              <a:t>reaches:set</a:t>
+            </a:r>
+            <a:r>
+              <a:rPr lang="en-US" sz="2200" dirty="0">
+                <a:latin typeface="Monaco" charset="0"/>
+                <a:ea typeface="Monaco" charset="0"/>
+                <a:cs typeface="Monaco" charset="0"/>
+              </a:rPr>
+              <a:t>, </a:t>
+            </a:r>
+            <a:r>
+              <a:rPr lang="en-US" sz="2000" dirty="0" err="1">
+                <a:latin typeface="Monaco" charset="0"/>
+                <a:ea typeface="Monaco" charset="0"/>
+                <a:cs typeface="Monaco" charset="0"/>
+              </a:rPr>
+              <a:t>visited</a:t>
+            </a:r>
+            <a:r>
+              <a:rPr lang="en-US" sz="2200" dirty="0" err="1">
+                <a:latin typeface="Monaco" charset="0"/>
+                <a:ea typeface="Monaco" charset="0"/>
+                <a:cs typeface="Monaco" charset="0"/>
+              </a:rPr>
+              <a:t>:set</a:t>
             </a:r>
             <a:r>
               <a:rPr lang="en-US" sz="2200" dirty="0">
@@ -4943,12 +4790,28 @@
                 <a:ea typeface="Monaco" charset="0"/>
                 <a:cs typeface="Monaco" charset="0"/>
               </a:rPr>
-              <a:t>    if p in visited: return</a:t>
-            </a:r>
-          </a:p>
-          <a:p>
-            <a:r>
-              <a:rPr lang="en-US" sz="2200" dirty="0">
+              <a:t>    if p in </a:t>
+            </a:r>
+            <a:r>
+              <a:rPr lang="en-US" sz="2000" dirty="0">
+                <a:latin typeface="Monaco" charset="0"/>
+                <a:ea typeface="Monaco" charset="0"/>
+                <a:cs typeface="Monaco" charset="0"/>
+              </a:rPr>
+              <a:t>visited</a:t>
+            </a:r>
+            <a:r>
+              <a:rPr lang="en-US" sz="2200" dirty="0">
+                <a:latin typeface="Monaco" charset="0"/>
+                <a:ea typeface="Monaco" charset="0"/>
+                <a:cs typeface="Monaco" charset="0"/>
+              </a:rPr>
+              <a:t>: return</a:t>
+            </a:r>
+          </a:p>
+          <a:p>
+            <a:r>
+              <a:rPr lang="mr-IN" sz="2200" dirty="0">
                 <a:latin typeface="Monaco" charset="0"/>
                 <a:ea typeface="Monaco" charset="0"/>
                 <a:cs typeface="Monaco" charset="0"/>
@@ -4956,33 +4819,91 @@
               <a:t>    </a:t>
             </a:r>
             <a:r>
+              <a:rPr lang="en-US" sz="2000" dirty="0">
+                <a:latin typeface="Monaco" charset="0"/>
+                <a:ea typeface="Monaco" charset="0"/>
+                <a:cs typeface="Monaco" charset="0"/>
+              </a:rPr>
+              <a:t>visited</a:t>
+            </a:r>
+            <a:r>
+              <a:rPr lang="mr-IN" sz="2200" dirty="0">
+                <a:latin typeface="Monaco" charset="0"/>
+                <a:ea typeface="Monaco" charset="0"/>
+                <a:cs typeface="Monaco" charset="0"/>
+              </a:rPr>
+              <a:t>.</a:t>
+            </a:r>
+            <a:r>
+              <a:rPr lang="mr-IN" sz="2200" dirty="0" err="1">
+                <a:latin typeface="Monaco" charset="0"/>
+                <a:ea typeface="Monaco" charset="0"/>
+                <a:cs typeface="Monaco" charset="0"/>
+              </a:rPr>
+              <a:t>add</a:t>
+            </a:r>
+            <a:r>
+              <a:rPr lang="mr-IN" sz="2200" dirty="0">
+                <a:latin typeface="Monaco" charset="0"/>
+                <a:ea typeface="Monaco" charset="0"/>
+                <a:cs typeface="Monaco" charset="0"/>
+              </a:rPr>
+              <a:t>(</a:t>
+            </a:r>
+            <a:r>
+              <a:rPr lang="mr-IN" sz="2200" dirty="0" err="1">
+                <a:latin typeface="Monaco" charset="0"/>
+                <a:ea typeface="Monaco" charset="0"/>
+                <a:cs typeface="Monaco" charset="0"/>
+              </a:rPr>
+              <a:t>p</a:t>
+            </a:r>
+            <a:r>
+              <a:rPr lang="mr-IN" sz="2200" dirty="0">
+                <a:latin typeface="Monaco" charset="0"/>
+                <a:ea typeface="Monaco" charset="0"/>
+                <a:cs typeface="Monaco" charset="0"/>
+              </a:rPr>
+              <a:t>)</a:t>
+            </a:r>
+          </a:p>
+          <a:p>
+            <a:r>
+              <a:rPr lang="en-US" sz="2200" dirty="0">
+                <a:latin typeface="Monaco" charset="0"/>
+                <a:ea typeface="Monaco" charset="0"/>
+                <a:cs typeface="Monaco" charset="0"/>
+              </a:rPr>
+              <a:t>    for q in </a:t>
+            </a:r>
+            <a:r>
               <a:rPr lang="en-US" sz="2200" dirty="0" err="1">
                 <a:latin typeface="Monaco" charset="0"/>
                 <a:ea typeface="Monaco" charset="0"/>
                 <a:cs typeface="Monaco" charset="0"/>
               </a:rPr>
-              <a:t>visited.add</a:t>
-            </a:r>
-            <a:r>
-              <a:rPr lang="en-US" sz="2200" dirty="0">
-                <a:latin typeface="Monaco" charset="0"/>
-                <a:ea typeface="Monaco" charset="0"/>
-                <a:cs typeface="Monaco" charset="0"/>
-              </a:rPr>
-              <a:t>(p)</a:t>
-            </a:r>
-          </a:p>
-          <a:p>
-            <a:r>
-              <a:rPr lang="en-US" sz="2200" dirty="0">
-                <a:latin typeface="Monaco" charset="0"/>
-                <a:ea typeface="Monaco" charset="0"/>
-                <a:cs typeface="Monaco" charset="0"/>
-              </a:rPr>
-              <a:t>    </a:t>
-            </a:r>
-            <a:r>
-              <a:rPr lang="en-US" sz="2200" dirty="0">
+              <a:t>p.edges</a:t>
+            </a:r>
+            <a:r>
+              <a:rPr lang="en-US" sz="2200" dirty="0">
+                <a:latin typeface="Monaco" charset="0"/>
+                <a:ea typeface="Monaco" charset="0"/>
+                <a:cs typeface="Monaco" charset="0"/>
+              </a:rPr>
+              <a:t>:</a:t>
+            </a:r>
+          </a:p>
+          <a:p>
+            <a:r>
+              <a:rPr lang="mr-IN" sz="2200" dirty="0">
+                <a:latin typeface="Monaco" charset="0"/>
+                <a:ea typeface="Monaco" charset="0"/>
+                <a:cs typeface="Monaco" charset="0"/>
+              </a:rPr>
+              <a:t>        </a:t>
+            </a:r>
+            <a:r>
+              <a:rPr lang="mr-IN" sz="2200" dirty="0" err="1">
                 <a:solidFill>
                   <a:schemeClr val="accent1"/>
                 </a:solidFill>
@@ -4990,46 +4911,10 @@
                 <a:ea typeface="Monaco" charset="0"/>
                 <a:cs typeface="Monaco" charset="0"/>
               </a:rPr>
-              <a:t>reaches[p] = depth</a:t>
-            </a:r>
-          </a:p>
-          <a:p>
-            <a:r>
-              <a:rPr lang="en-US" sz="2200" dirty="0">
-                <a:latin typeface="Monaco" charset="0"/>
-                <a:ea typeface="Monaco" charset="0"/>
-                <a:cs typeface="Monaco" charset="0"/>
-              </a:rPr>
-              <a:t>    for q in </a:t>
-            </a:r>
-            <a:r>
-              <a:rPr lang="en-US" sz="2200" dirty="0" err="1">
-                <a:latin typeface="Monaco" charset="0"/>
-                <a:ea typeface="Monaco" charset="0"/>
-                <a:cs typeface="Monaco" charset="0"/>
-              </a:rPr>
-              <a:t>p.edges</a:t>
-            </a:r>
-            <a:r>
-              <a:rPr lang="en-US" sz="2200" dirty="0">
-                <a:latin typeface="Monaco" charset="0"/>
-                <a:ea typeface="Monaco" charset="0"/>
-                <a:cs typeface="Monaco" charset="0"/>
-              </a:rPr>
-              <a:t>:</a:t>
-            </a:r>
-          </a:p>
-          <a:p>
-            <a:r>
-              <a:rPr lang="en-US" sz="2200" dirty="0">
-                <a:latin typeface="Monaco" charset="0"/>
-                <a:ea typeface="Monaco" charset="0"/>
-                <a:cs typeface="Monaco" charset="0"/>
-              </a:rPr>
-              <a:t>        reachable_(q, reaches, visited, </a:t>
-            </a:r>
-            <a:r>
-              <a:rPr lang="en-US" sz="2200" dirty="0">
+              <a:t>reaches.add</a:t>
+            </a:r>
+            <a:r>
+              <a:rPr lang="mr-IN" sz="2200" dirty="0">
                 <a:solidFill>
                   <a:schemeClr val="accent1"/>
                 </a:solidFill>
@@ -5037,10 +4922,24 @@
                 <a:ea typeface="Monaco" charset="0"/>
                 <a:cs typeface="Monaco" charset="0"/>
               </a:rPr>
-              <a:t>depth+1</a:t>
-            </a:r>
-            <a:r>
-              <a:rPr lang="en-US" sz="2200" dirty="0">
+              <a:t>(</a:t>
+            </a:r>
+            <a:r>
+              <a:rPr lang="mr-IN" sz="2200" dirty="0" err="1">
+                <a:solidFill>
+                  <a:schemeClr val="accent1"/>
+                </a:solidFill>
+                <a:latin typeface="Monaco" charset="0"/>
+                <a:ea typeface="Monaco" charset="0"/>
+                <a:cs typeface="Monaco" charset="0"/>
+              </a:rPr>
+              <a:t>q</a:t>
+            </a:r>
+            <a:r>
+              <a:rPr lang="mr-IN" sz="2200" dirty="0">
+                <a:solidFill>
+                  <a:schemeClr val="accent1"/>
+                </a:solidFill>
                 <a:latin typeface="Monaco" charset="0"/>
                 <a:ea typeface="Monaco" charset="0"/>
                 <a:cs typeface="Monaco" charset="0"/>
@@ -5048,17 +4947,37 @@
               <a:t>)</a:t>
             </a:r>
           </a:p>
-        </p:txBody>
-      </p:sp>
-      <p:sp>
-        <p:nvSpPr>
-          <p:cNvPr id="5" name="TextBox 4">
-            <a:extLst>
-              <a:ext uri="{FF2B5EF4-FFF2-40B4-BE49-F238E27FC236}">
-                <a16:creationId xmlns:a16="http://schemas.microsoft.com/office/drawing/2014/main" id="{1F623A79-3941-454E-B6B3-BD1A58A3ECA8}"/>
-              </a:ext>
-            </a:extLst>
-          </p:cNvPr>
+          <a:p>
+            <a:r>
+              <a:rPr lang="en-US" sz="2200" dirty="0">
+                <a:latin typeface="Monaco" charset="0"/>
+                <a:ea typeface="Monaco" charset="0"/>
+                <a:cs typeface="Monaco" charset="0"/>
+              </a:rPr>
+              <a:t>        reachable_(q, reaches, </a:t>
+            </a:r>
+            <a:r>
+              <a:rPr lang="en-US" sz="2000" dirty="0">
+                <a:latin typeface="Monaco" charset="0"/>
+                <a:ea typeface="Monaco" charset="0"/>
+                <a:cs typeface="Monaco" charset="0"/>
+              </a:rPr>
+              <a:t>visited</a:t>
+            </a:r>
+            <a:r>
+              <a:rPr lang="en-US" sz="2200" dirty="0">
+                <a:latin typeface="Monaco" charset="0"/>
+                <a:ea typeface="Monaco" charset="0"/>
+                <a:cs typeface="Monaco" charset="0"/>
+              </a:rPr>
+              <a:t>)</a:t>
+            </a:r>
+          </a:p>
+        </p:txBody>
+      </p:sp>
+      <p:sp>
+        <p:nvSpPr>
+          <p:cNvPr id="5" name="TextBox 4"/>
           <p:cNvSpPr txBox="1"/>
           <p:nvPr/>
         </p:nvSpPr>
@@ -5109,7 +5028,7 @@
     </p:spTree>
     <p:extLst>
       <p:ext uri="{BB962C8B-B14F-4D97-AF65-F5344CB8AC3E}">
-        <p14:creationId xmlns:p14="http://schemas.microsoft.com/office/powerpoint/2010/main" val="3698645081"/>
+        <p14:creationId xmlns:p14="http://schemas.microsoft.com/office/powerpoint/2010/main" val="1619132646"/>
       </p:ext>
     </p:extLst>
   </p:cSld>
@@ -5141,6 +5060,501 @@
           <p:cNvPr id="2" name="Title 1">
             <a:extLst>
               <a:ext uri="{FF2B5EF4-FFF2-40B4-BE49-F238E27FC236}">
+                <a16:creationId xmlns:a16="http://schemas.microsoft.com/office/drawing/2014/main" id="{4E8D2E27-F029-8F4C-8809-06DDAF244719}"/>
+              </a:ext>
+            </a:extLst>
+          </p:cNvPr>
+          <p:cNvSpPr>
+            <a:spLocks noGrp="1"/>
+          </p:cNvSpPr>
+          <p:nvPr>
+            <p:ph type="title"/>
+          </p:nvPr>
+        </p:nvSpPr>
+        <p:spPr>
+          <a:xfrm>
+            <a:off x="838200" y="365125"/>
+            <a:ext cx="11037570" cy="1325563"/>
+          </a:xfrm>
+        </p:spPr>
+        <p:txBody>
+          <a:bodyPr/>
+          <a:lstStyle/>
+          <a:p>
+            <a:r>
+              <a:rPr lang="en-US" dirty="0"/>
+              <a:t>Find set of nodes p can reach, track depth</a:t>
+            </a:r>
+          </a:p>
+        </p:txBody>
+      </p:sp>
+      <p:sp>
+        <p:nvSpPr>
+          <p:cNvPr id="3" name="Content Placeholder 2">
+            <a:extLst>
+              <a:ext uri="{FF2B5EF4-FFF2-40B4-BE49-F238E27FC236}">
+                <a16:creationId xmlns:a16="http://schemas.microsoft.com/office/drawing/2014/main" id="{A960C7F7-ADF4-964C-94C6-A0E7937F16F0}"/>
+              </a:ext>
+            </a:extLst>
+          </p:cNvPr>
+          <p:cNvSpPr>
+            <a:spLocks noGrp="1"/>
+          </p:cNvSpPr>
+          <p:nvPr>
+            <p:ph idx="1"/>
+          </p:nvPr>
+        </p:nvSpPr>
+        <p:spPr/>
+        <p:txBody>
+          <a:bodyPr/>
+          <a:lstStyle/>
+          <a:p>
+            <a:r>
+              <a:rPr lang="en-US" dirty="0"/>
+              <a:t>Track node-&gt;depth map, not just set of nodes</a:t>
+            </a:r>
+          </a:p>
+        </p:txBody>
+      </p:sp>
+      <p:sp>
+        <p:nvSpPr>
+          <p:cNvPr id="4" name="TextBox 3">
+            <a:extLst>
+              <a:ext uri="{FF2B5EF4-FFF2-40B4-BE49-F238E27FC236}">
+                <a16:creationId xmlns:a16="http://schemas.microsoft.com/office/drawing/2014/main" id="{B5AF48A4-4564-CD45-B6F8-DC1214DADCFE}"/>
+              </a:ext>
+            </a:extLst>
+          </p:cNvPr>
+          <p:cNvSpPr txBox="1"/>
+          <p:nvPr/>
+        </p:nvSpPr>
+        <p:spPr>
+          <a:xfrm>
+            <a:off x="847687" y="2495471"/>
+            <a:ext cx="10506113" cy="3816429"/>
+          </a:xfrm>
+          <a:prstGeom prst="rect">
+            <a:avLst/>
+          </a:prstGeom>
+          <a:noFill/>
+          <a:ln>
+            <a:solidFill>
+              <a:schemeClr val="accent1"/>
+            </a:solidFill>
+          </a:ln>
+        </p:spPr>
+        <p:txBody>
+          <a:bodyPr wrap="square" rtlCol="0">
+            <a:spAutoFit/>
+          </a:bodyPr>
+          <a:lstStyle/>
+          <a:p>
+            <a:r>
+              <a:rPr lang="en-US" sz="2200" dirty="0">
+                <a:latin typeface="Monaco" charset="0"/>
+                <a:ea typeface="Monaco" charset="0"/>
+                <a:cs typeface="Monaco" charset="0"/>
+              </a:rPr>
+              <a:t>def reachable(</a:t>
+            </a:r>
+            <a:r>
+              <a:rPr lang="en-US" sz="2200" dirty="0" err="1">
+                <a:latin typeface="Monaco" charset="0"/>
+                <a:ea typeface="Monaco" charset="0"/>
+                <a:cs typeface="Monaco" charset="0"/>
+              </a:rPr>
+              <a:t>p:Node</a:t>
+            </a:r>
+            <a:r>
+              <a:rPr lang="en-US" sz="2200" dirty="0">
+                <a:latin typeface="Monaco" charset="0"/>
+                <a:ea typeface="Monaco" charset="0"/>
+                <a:cs typeface="Monaco" charset="0"/>
+              </a:rPr>
+              <a:t>) -&gt; </a:t>
+            </a:r>
+            <a:r>
+              <a:rPr lang="en-US" sz="2200" dirty="0" err="1">
+                <a:latin typeface="Monaco" charset="0"/>
+                <a:ea typeface="Monaco" charset="0"/>
+                <a:cs typeface="Monaco" charset="0"/>
+              </a:rPr>
+              <a:t>dict</a:t>
+            </a:r>
+            <a:r>
+              <a:rPr lang="en-US" sz="2200" dirty="0">
+                <a:latin typeface="Monaco" charset="0"/>
+                <a:ea typeface="Monaco" charset="0"/>
+                <a:cs typeface="Monaco" charset="0"/>
+              </a:rPr>
+              <a:t>:</a:t>
+            </a:r>
+          </a:p>
+          <a:p>
+            <a:r>
+              <a:rPr lang="en-US" sz="2200" dirty="0">
+                <a:latin typeface="Monaco" charset="0"/>
+                <a:ea typeface="Monaco" charset="0"/>
+                <a:cs typeface="Monaco" charset="0"/>
+              </a:rPr>
+              <a:t>    reaches = </a:t>
+            </a:r>
+            <a:r>
+              <a:rPr lang="en-US" sz="2200" dirty="0" err="1">
+                <a:solidFill>
+                  <a:schemeClr val="accent1"/>
+                </a:solidFill>
+                <a:latin typeface="Monaco" charset="0"/>
+                <a:ea typeface="Monaco" charset="0"/>
+                <a:cs typeface="Monaco" charset="0"/>
+              </a:rPr>
+              <a:t>dict</a:t>
+            </a:r>
+            <a:r>
+              <a:rPr lang="en-US" sz="2200" dirty="0">
+                <a:solidFill>
+                  <a:schemeClr val="accent1"/>
+                </a:solidFill>
+                <a:latin typeface="Monaco" charset="0"/>
+                <a:ea typeface="Monaco" charset="0"/>
+                <a:cs typeface="Monaco" charset="0"/>
+              </a:rPr>
+              <a:t>()</a:t>
+            </a:r>
+            <a:endParaRPr lang="en-US" sz="2200" dirty="0">
+              <a:latin typeface="Monaco" charset="0"/>
+              <a:ea typeface="Monaco" charset="0"/>
+              <a:cs typeface="Monaco" charset="0"/>
+            </a:endParaRPr>
+          </a:p>
+          <a:p>
+            <a:r>
+              <a:rPr lang="en-US" sz="2200" dirty="0">
+                <a:latin typeface="Monaco" charset="0"/>
+                <a:ea typeface="Monaco" charset="0"/>
+                <a:cs typeface="Monaco" charset="0"/>
+              </a:rPr>
+              <a:t>    reachable_(p, reaches, set(), </a:t>
+            </a:r>
+            <a:r>
+              <a:rPr lang="en-US" sz="2200" dirty="0">
+                <a:solidFill>
+                  <a:schemeClr val="accent1"/>
+                </a:solidFill>
+                <a:latin typeface="Monaco" charset="0"/>
+                <a:ea typeface="Monaco" charset="0"/>
+                <a:cs typeface="Monaco" charset="0"/>
+              </a:rPr>
+              <a:t>depth=0</a:t>
+            </a:r>
+            <a:r>
+              <a:rPr lang="en-US" sz="2200" dirty="0">
+                <a:latin typeface="Monaco" charset="0"/>
+                <a:ea typeface="Monaco" charset="0"/>
+                <a:cs typeface="Monaco" charset="0"/>
+              </a:rPr>
+              <a:t>)</a:t>
+            </a:r>
+          </a:p>
+          <a:p>
+            <a:r>
+              <a:rPr lang="en-US" sz="2200" dirty="0">
+                <a:latin typeface="Monaco" charset="0"/>
+                <a:ea typeface="Monaco" charset="0"/>
+                <a:cs typeface="Monaco" charset="0"/>
+              </a:rPr>
+              <a:t>    return reaches</a:t>
+            </a:r>
+          </a:p>
+          <a:p>
+            <a:endParaRPr lang="en-US" sz="2200" dirty="0">
+              <a:latin typeface="Monaco" charset="0"/>
+              <a:ea typeface="Monaco" charset="0"/>
+              <a:cs typeface="Monaco" charset="0"/>
+            </a:endParaRPr>
+          </a:p>
+          <a:p>
+            <a:r>
+              <a:rPr lang="en-US" sz="2200" dirty="0">
+                <a:latin typeface="Monaco" charset="0"/>
+                <a:ea typeface="Monaco" charset="0"/>
+                <a:cs typeface="Monaco" charset="0"/>
+              </a:rPr>
+              <a:t>def reachable_(</a:t>
+            </a:r>
+            <a:r>
+              <a:rPr lang="en-US" sz="2200" dirty="0" err="1">
+                <a:latin typeface="Monaco" charset="0"/>
+                <a:ea typeface="Monaco" charset="0"/>
+                <a:cs typeface="Monaco" charset="0"/>
+              </a:rPr>
+              <a:t>p:Node</a:t>
+            </a:r>
+            <a:r>
+              <a:rPr lang="en-US" sz="2200" dirty="0">
+                <a:latin typeface="Monaco" charset="0"/>
+                <a:ea typeface="Monaco" charset="0"/>
+                <a:cs typeface="Monaco" charset="0"/>
+              </a:rPr>
+              <a:t>, </a:t>
+            </a:r>
+            <a:r>
+              <a:rPr lang="en-US" sz="2200" dirty="0" err="1">
+                <a:latin typeface="Monaco" charset="0"/>
+                <a:ea typeface="Monaco" charset="0"/>
+                <a:cs typeface="Monaco" charset="0"/>
+              </a:rPr>
+              <a:t>reaches:dict</a:t>
+            </a:r>
+            <a:r>
+              <a:rPr lang="en-US" sz="2200" dirty="0">
+                <a:latin typeface="Monaco" charset="0"/>
+                <a:ea typeface="Monaco" charset="0"/>
+                <a:cs typeface="Monaco" charset="0"/>
+              </a:rPr>
+              <a:t>, </a:t>
+            </a:r>
+            <a:r>
+              <a:rPr lang="en-US" sz="2200" dirty="0" err="1">
+                <a:latin typeface="Monaco" charset="0"/>
+                <a:ea typeface="Monaco" charset="0"/>
+                <a:cs typeface="Monaco" charset="0"/>
+              </a:rPr>
+              <a:t>visited:set</a:t>
+            </a:r>
+            <a:r>
+              <a:rPr lang="en-US" sz="2200" dirty="0">
+                <a:latin typeface="Monaco" charset="0"/>
+                <a:ea typeface="Monaco" charset="0"/>
+                <a:cs typeface="Monaco" charset="0"/>
+              </a:rPr>
+              <a:t>, </a:t>
+            </a:r>
+            <a:r>
+              <a:rPr lang="en-US" sz="2200" dirty="0" err="1">
+                <a:solidFill>
+                  <a:schemeClr val="accent1"/>
+                </a:solidFill>
+                <a:latin typeface="Monaco" charset="0"/>
+                <a:ea typeface="Monaco" charset="0"/>
+                <a:cs typeface="Monaco" charset="0"/>
+              </a:rPr>
+              <a:t>depth:int</a:t>
+            </a:r>
+            <a:r>
+              <a:rPr lang="en-US" sz="2200" dirty="0">
+                <a:latin typeface="Monaco" charset="0"/>
+                <a:ea typeface="Monaco" charset="0"/>
+                <a:cs typeface="Monaco" charset="0"/>
+              </a:rPr>
+              <a:t>):</a:t>
+            </a:r>
+          </a:p>
+          <a:p>
+            <a:r>
+              <a:rPr lang="en-US" sz="2200" dirty="0">
+                <a:latin typeface="Monaco" charset="0"/>
+                <a:ea typeface="Monaco" charset="0"/>
+                <a:cs typeface="Monaco" charset="0"/>
+              </a:rPr>
+              <a:t>    if p in visited: return</a:t>
+            </a:r>
+          </a:p>
+          <a:p>
+            <a:r>
+              <a:rPr lang="en-US" sz="2200" dirty="0">
+                <a:latin typeface="Monaco" charset="0"/>
+                <a:ea typeface="Monaco" charset="0"/>
+                <a:cs typeface="Monaco" charset="0"/>
+              </a:rPr>
+              <a:t>    </a:t>
+            </a:r>
+            <a:r>
+              <a:rPr lang="en-US" sz="2200" dirty="0" err="1">
+                <a:latin typeface="Monaco" charset="0"/>
+                <a:ea typeface="Monaco" charset="0"/>
+                <a:cs typeface="Monaco" charset="0"/>
+              </a:rPr>
+              <a:t>visited.add</a:t>
+            </a:r>
+            <a:r>
+              <a:rPr lang="en-US" sz="2200" dirty="0">
+                <a:latin typeface="Monaco" charset="0"/>
+                <a:ea typeface="Monaco" charset="0"/>
+                <a:cs typeface="Monaco" charset="0"/>
+              </a:rPr>
+              <a:t>(p)</a:t>
+            </a:r>
+          </a:p>
+          <a:p>
+            <a:r>
+              <a:rPr lang="en-US" sz="2200" dirty="0">
+                <a:latin typeface="Monaco" charset="0"/>
+                <a:ea typeface="Monaco" charset="0"/>
+                <a:cs typeface="Monaco" charset="0"/>
+              </a:rPr>
+              <a:t>    </a:t>
+            </a:r>
+            <a:r>
+              <a:rPr lang="en-US" sz="2200" dirty="0">
+                <a:solidFill>
+                  <a:schemeClr val="accent1"/>
+                </a:solidFill>
+                <a:latin typeface="Monaco" charset="0"/>
+                <a:ea typeface="Monaco" charset="0"/>
+                <a:cs typeface="Monaco" charset="0"/>
+              </a:rPr>
+              <a:t>reaches[p] = depth</a:t>
+            </a:r>
+          </a:p>
+          <a:p>
+            <a:r>
+              <a:rPr lang="en-US" sz="2200" dirty="0">
+                <a:latin typeface="Monaco" charset="0"/>
+                <a:ea typeface="Monaco" charset="0"/>
+                <a:cs typeface="Monaco" charset="0"/>
+              </a:rPr>
+              <a:t>    for q in </a:t>
+            </a:r>
+            <a:r>
+              <a:rPr lang="en-US" sz="2200" dirty="0" err="1">
+                <a:latin typeface="Monaco" charset="0"/>
+                <a:ea typeface="Monaco" charset="0"/>
+                <a:cs typeface="Monaco" charset="0"/>
+              </a:rPr>
+              <a:t>p.edges</a:t>
+            </a:r>
+            <a:r>
+              <a:rPr lang="en-US" sz="2200" dirty="0">
+                <a:latin typeface="Monaco" charset="0"/>
+                <a:ea typeface="Monaco" charset="0"/>
+                <a:cs typeface="Monaco" charset="0"/>
+              </a:rPr>
+              <a:t>:</a:t>
+            </a:r>
+          </a:p>
+          <a:p>
+            <a:r>
+              <a:rPr lang="en-US" sz="2200" dirty="0">
+                <a:latin typeface="Monaco" charset="0"/>
+                <a:ea typeface="Monaco" charset="0"/>
+                <a:cs typeface="Monaco" charset="0"/>
+              </a:rPr>
+              <a:t>        reachable_(q, reaches, visited, </a:t>
+            </a:r>
+            <a:r>
+              <a:rPr lang="en-US" sz="2200" dirty="0">
+                <a:solidFill>
+                  <a:schemeClr val="accent1"/>
+                </a:solidFill>
+                <a:latin typeface="Monaco" charset="0"/>
+                <a:ea typeface="Monaco" charset="0"/>
+                <a:cs typeface="Monaco" charset="0"/>
+              </a:rPr>
+              <a:t>depth+1</a:t>
+            </a:r>
+            <a:r>
+              <a:rPr lang="en-US" sz="2200" dirty="0">
+                <a:latin typeface="Monaco" charset="0"/>
+                <a:ea typeface="Monaco" charset="0"/>
+                <a:cs typeface="Monaco" charset="0"/>
+              </a:rPr>
+              <a:t>)</a:t>
+            </a:r>
+          </a:p>
+        </p:txBody>
+      </p:sp>
+      <p:sp>
+        <p:nvSpPr>
+          <p:cNvPr id="5" name="TextBox 4">
+            <a:extLst>
+              <a:ext uri="{FF2B5EF4-FFF2-40B4-BE49-F238E27FC236}">
+                <a16:creationId xmlns:a16="http://schemas.microsoft.com/office/drawing/2014/main" id="{1F623A79-3941-454E-B6B3-BD1A58A3ECA8}"/>
+              </a:ext>
+            </a:extLst>
+          </p:cNvPr>
+          <p:cNvSpPr txBox="1"/>
+          <p:nvPr/>
+        </p:nvSpPr>
+        <p:spPr>
+          <a:xfrm>
+            <a:off x="838200" y="6390409"/>
+            <a:ext cx="6827510" cy="369332"/>
+          </a:xfrm>
+          <a:prstGeom prst="rect">
+            <a:avLst/>
+          </a:prstGeom>
+          <a:noFill/>
+        </p:spPr>
+        <p:txBody>
+          <a:bodyPr wrap="none" rtlCol="0">
+            <a:spAutoFit/>
+          </a:bodyPr>
+          <a:lstStyle/>
+          <a:p>
+            <a:r>
+              <a:rPr lang="en-US" dirty="0"/>
+              <a:t>https://</a:t>
+            </a:r>
+            <a:r>
+              <a:rPr lang="en-US" dirty="0" err="1"/>
+              <a:t>github.com</a:t>
+            </a:r>
+            <a:r>
+              <a:rPr lang="en-US" dirty="0"/>
+              <a:t>/</a:t>
+            </a:r>
+            <a:r>
+              <a:rPr lang="en-US" dirty="0" err="1"/>
+              <a:t>parrt</a:t>
+            </a:r>
+            <a:r>
+              <a:rPr lang="en-US" dirty="0"/>
+              <a:t>/msds689/blob/master/notes/</a:t>
+            </a:r>
+            <a:r>
+              <a:rPr lang="en-US" dirty="0" err="1"/>
+              <a:t>graphs.ipynb</a:t>
+            </a:r>
+            <a:endParaRPr lang="en-US" dirty="0"/>
+          </a:p>
+        </p:txBody>
+      </p:sp>
+    </p:spTree>
+    <p:extLst>
+      <p:ext uri="{BB962C8B-B14F-4D97-AF65-F5344CB8AC3E}">
+        <p14:creationId xmlns:p14="http://schemas.microsoft.com/office/powerpoint/2010/main" val="3698645081"/>
+      </p:ext>
+    </p:extLst>
+  </p:cSld>
+  <p:clrMapOvr>
+    <a:masterClrMapping/>
+  </p:clrMapOvr>
+</p:sld>
+</file>
+
+<file path=ppt/slides/slide13.xml><?xml version="1.0" encoding="utf-8"?>
+<p:sld xmlns:a="http://schemas.openxmlformats.org/drawingml/2006/main" xmlns:r="http://schemas.openxmlformats.org/officeDocument/2006/relationships" xmlns:p="http://schemas.openxmlformats.org/presentationml/2006/main">
+  <p:cSld>
+    <p:spTree>
+      <p:nvGrpSpPr>
+        <p:cNvPr id="1" name=""/>
+        <p:cNvGrpSpPr/>
+        <p:nvPr/>
+      </p:nvGrpSpPr>
+      <p:grpSpPr>
+        <a:xfrm>
+          <a:off x="0" y="0"/>
+          <a:ext cx="0" cy="0"/>
+          <a:chOff x="0" y="0"/>
+          <a:chExt cx="0" cy="0"/>
+        </a:xfrm>
+      </p:grpSpPr>
+      <p:sp>
+        <p:nvSpPr>
+          <p:cNvPr id="2" name="Title 1">
+            <a:extLst>
+              <a:ext uri="{FF2B5EF4-FFF2-40B4-BE49-F238E27FC236}">
                 <a16:creationId xmlns:a16="http://schemas.microsoft.com/office/drawing/2014/main" id="{1D0CBCBA-DE92-6748-A759-28AD32F4DC28}"/>
               </a:ext>
             </a:extLst>
@@ -5574,7 +5988,7 @@
 </p:sld>
 </file>
 
-<file path=ppt/slides/slide13.xml><?xml version="1.0" encoding="utf-8"?>
+<file path=ppt/slides/slide14.xml><?xml version="1.0" encoding="utf-8"?>
 <p:sld xmlns:a="http://schemas.openxmlformats.org/drawingml/2006/main" xmlns:r="http://schemas.openxmlformats.org/officeDocument/2006/relationships" xmlns:p="http://schemas.openxmlformats.org/presentationml/2006/main">
   <p:cSld>
     <p:spTree>
@@ -6454,7 +6868,7 @@
 </p:sld>
 </file>
 
-<file path=ppt/slides/slide14.xml><?xml version="1.0" encoding="utf-8"?>
+<file path=ppt/slides/slide15.xml><?xml version="1.0" encoding="utf-8"?>
 <p:sld xmlns:a="http://schemas.openxmlformats.org/drawingml/2006/main" xmlns:r="http://schemas.openxmlformats.org/officeDocument/2006/relationships" xmlns:p="http://schemas.openxmlformats.org/presentationml/2006/main">
   <p:cSld>
     <p:spTree>
@@ -6617,6 +7031,71 @@
           </a:prstGeom>
         </p:spPr>
       </p:pic>
+      <p:pic>
+        <p:nvPicPr>
+          <p:cNvPr id="6" name="Picture 5">
+            <a:extLst>
+              <a:ext uri="{FF2B5EF4-FFF2-40B4-BE49-F238E27FC236}">
+                <a16:creationId xmlns:a16="http://schemas.microsoft.com/office/drawing/2014/main" id="{7E780400-D27D-BE4D-8147-B8AA7849AC5A}"/>
+              </a:ext>
+            </a:extLst>
+          </p:cNvPr>
+          <p:cNvPicPr>
+            <a:picLocks noChangeAspect="1"/>
+          </p:cNvPicPr>
+          <p:nvPr/>
+        </p:nvPicPr>
+        <p:blipFill>
+          <a:blip r:embed="rId5"/>
+          <a:stretch>
+            <a:fillRect/>
+          </a:stretch>
+        </p:blipFill>
+        <p:spPr>
+          <a:xfrm>
+            <a:off x="9973045" y="72286"/>
+            <a:ext cx="2087632" cy="2026679"/>
+          </a:xfrm>
+          <a:prstGeom prst="rect">
+            <a:avLst/>
+          </a:prstGeom>
+        </p:spPr>
+      </p:pic>
+      <p:sp>
+        <p:nvSpPr>
+          <p:cNvPr id="10" name="TextBox 9">
+            <a:extLst>
+              <a:ext uri="{FF2B5EF4-FFF2-40B4-BE49-F238E27FC236}">
+                <a16:creationId xmlns:a16="http://schemas.microsoft.com/office/drawing/2014/main" id="{DC44DF7A-068A-2143-AF6D-2A2A52F5D563}"/>
+              </a:ext>
+            </a:extLst>
+          </p:cNvPr>
+          <p:cNvSpPr txBox="1"/>
+          <p:nvPr/>
+        </p:nvSpPr>
+        <p:spPr>
+          <a:xfrm>
+            <a:off x="8951054" y="2069781"/>
+            <a:ext cx="3274999" cy="307777"/>
+          </a:xfrm>
+          <a:prstGeom prst="rect">
+            <a:avLst/>
+          </a:prstGeom>
+          <a:noFill/>
+        </p:spPr>
+        <p:txBody>
+          <a:bodyPr wrap="none" rtlCol="0">
+            <a:spAutoFit/>
+          </a:bodyPr>
+          <a:lstStyle/>
+          <a:p>
+            <a:r>
+              <a:rPr lang="en-US" sz="1400" dirty="0"/>
+              <a:t>Algorithms book by Sedgewick, Wayne</a:t>
+            </a:r>
+          </a:p>
+        </p:txBody>
+      </p:sp>
     </p:spTree>
     <p:extLst>
       <p:ext uri="{BB962C8B-B14F-4D97-AF65-F5344CB8AC3E}">
@@ -6630,7 +7109,7 @@
 </p:sld>
 </file>
 
-<file path=ppt/slides/slide15.xml><?xml version="1.0" encoding="utf-8"?>
+<file path=ppt/slides/slide16.xml><?xml version="1.0" encoding="utf-8"?>
 <p:sld xmlns:a="http://schemas.openxmlformats.org/drawingml/2006/main" xmlns:r="http://schemas.openxmlformats.org/officeDocument/2006/relationships" xmlns:p="http://schemas.openxmlformats.org/presentationml/2006/main">
   <p:cSld>
     <p:spTree>
@@ -7208,7 +7687,7 @@
 </p:sld>
 </file>
 
-<file path=ppt/slides/slide16.xml><?xml version="1.0" encoding="utf-8"?>
+<file path=ppt/slides/slide17.xml><?xml version="1.0" encoding="utf-8"?>
 <p:sld xmlns:a="http://schemas.openxmlformats.org/drawingml/2006/main" xmlns:r="http://schemas.openxmlformats.org/officeDocument/2006/relationships" xmlns:p="http://schemas.openxmlformats.org/presentationml/2006/main">
   <p:cSld>
     <p:spTree>
@@ -7843,7 +8322,7 @@
 </p:sld>
 </file>
 
-<file path=ppt/slides/slide17.xml><?xml version="1.0" encoding="utf-8"?>
+<file path=ppt/slides/slide18.xml><?xml version="1.0" encoding="utf-8"?>
 <p:sld xmlns:a="http://schemas.openxmlformats.org/drawingml/2006/main" xmlns:r="http://schemas.openxmlformats.org/officeDocument/2006/relationships" xmlns:p="http://schemas.openxmlformats.org/presentationml/2006/main">
   <p:cSld>
     <p:spTree>
@@ -8044,7 +8523,7 @@
 </p:sld>
 </file>
 
-<file path=ppt/slides/slide18.xml><?xml version="1.0" encoding="utf-8"?>
+<file path=ppt/slides/slide19.xml><?xml version="1.0" encoding="utf-8"?>
 <p:sld xmlns:a="http://schemas.openxmlformats.org/drawingml/2006/main" xmlns:r="http://schemas.openxmlformats.org/officeDocument/2006/relationships" xmlns:p="http://schemas.openxmlformats.org/presentationml/2006/main">
   <p:cSld>
     <p:spTree>
@@ -8198,152 +8677,6 @@
 </p:sld>
 </file>
 
-<file path=ppt/slides/slide19.xml><?xml version="1.0" encoding="utf-8"?>
-<p:sld xmlns:a="http://schemas.openxmlformats.org/drawingml/2006/main" xmlns:r="http://schemas.openxmlformats.org/officeDocument/2006/relationships" xmlns:p="http://schemas.openxmlformats.org/presentationml/2006/main">
-  <p:cSld>
-    <p:spTree>
-      <p:nvGrpSpPr>
-        <p:cNvPr id="1" name=""/>
-        <p:cNvGrpSpPr/>
-        <p:nvPr/>
-      </p:nvGrpSpPr>
-      <p:grpSpPr>
-        <a:xfrm>
-          <a:off x="0" y="0"/>
-          <a:ext cx="0" cy="0"/>
-          <a:chOff x="0" y="0"/>
-          <a:chExt cx="0" cy="0"/>
-        </a:xfrm>
-      </p:grpSpPr>
-      <p:sp>
-        <p:nvSpPr>
-          <p:cNvPr id="2" name="Title 1">
-            <a:extLst>
-              <a:ext uri="{FF2B5EF4-FFF2-40B4-BE49-F238E27FC236}">
-                <a16:creationId xmlns:a16="http://schemas.microsoft.com/office/drawing/2014/main" id="{744D4569-B70C-3B48-AB10-48228CF3FC27}"/>
-              </a:ext>
-            </a:extLst>
-          </p:cNvPr>
-          <p:cNvSpPr>
-            <a:spLocks noGrp="1"/>
-          </p:cNvSpPr>
-          <p:nvPr>
-            <p:ph type="title"/>
-          </p:nvPr>
-        </p:nvSpPr>
-        <p:spPr/>
-        <p:txBody>
-          <a:bodyPr/>
-          <a:lstStyle/>
-          <a:p>
-            <a:r>
-              <a:rPr lang="en-US" dirty="0"/>
-              <a:t>Example where u precedes v</a:t>
-            </a:r>
-          </a:p>
-        </p:txBody>
-      </p:sp>
-      <p:sp>
-        <p:nvSpPr>
-          <p:cNvPr id="3" name="Content Placeholder 2">
-            <a:extLst>
-              <a:ext uri="{FF2B5EF4-FFF2-40B4-BE49-F238E27FC236}">
-                <a16:creationId xmlns:a16="http://schemas.microsoft.com/office/drawing/2014/main" id="{4C600A38-85AF-774A-99D2-5F691A7D7CD6}"/>
-              </a:ext>
-            </a:extLst>
-          </p:cNvPr>
-          <p:cNvSpPr>
-            <a:spLocks noGrp="1"/>
-          </p:cNvSpPr>
-          <p:nvPr>
-            <p:ph idx="1"/>
-          </p:nvPr>
-        </p:nvSpPr>
-        <p:spPr/>
-        <p:txBody>
-          <a:bodyPr/>
-          <a:lstStyle/>
-          <a:p>
-            <a:r>
-              <a:rPr lang="en-US" dirty="0"/>
-              <a:t>In this case, edges must point to the right</a:t>
-            </a:r>
-          </a:p>
-        </p:txBody>
-      </p:sp>
-      <p:pic>
-        <p:nvPicPr>
-          <p:cNvPr id="5" name="Picture 4">
-            <a:extLst>
-              <a:ext uri="{FF2B5EF4-FFF2-40B4-BE49-F238E27FC236}">
-                <a16:creationId xmlns:a16="http://schemas.microsoft.com/office/drawing/2014/main" id="{92AEB621-D56B-2140-9A46-8FA25AED6183}"/>
-              </a:ext>
-            </a:extLst>
-          </p:cNvPr>
-          <p:cNvPicPr>
-            <a:picLocks noChangeAspect="1"/>
-          </p:cNvPicPr>
-          <p:nvPr/>
-        </p:nvPicPr>
-        <p:blipFill>
-          <a:blip r:embed="rId2"/>
-          <a:stretch>
-            <a:fillRect/>
-          </a:stretch>
-        </p:blipFill>
-        <p:spPr>
-          <a:xfrm>
-            <a:off x="8218171" y="64483"/>
-            <a:ext cx="3893820" cy="4542790"/>
-          </a:xfrm>
-          <a:prstGeom prst="rect">
-            <a:avLst/>
-          </a:prstGeom>
-        </p:spPr>
-      </p:pic>
-      <p:pic>
-        <p:nvPicPr>
-          <p:cNvPr id="6" name="Picture 5">
-            <a:extLst>
-              <a:ext uri="{FF2B5EF4-FFF2-40B4-BE49-F238E27FC236}">
-                <a16:creationId xmlns:a16="http://schemas.microsoft.com/office/drawing/2014/main" id="{6DCE205C-66A8-CE42-9D1B-9E9D451FC882}"/>
-              </a:ext>
-            </a:extLst>
-          </p:cNvPr>
-          <p:cNvPicPr>
-            <a:picLocks noChangeAspect="1"/>
-          </p:cNvPicPr>
-          <p:nvPr/>
-        </p:nvPicPr>
-        <p:blipFill>
-          <a:blip r:embed="rId3"/>
-          <a:stretch>
-            <a:fillRect/>
-          </a:stretch>
-        </p:blipFill>
-        <p:spPr>
-          <a:xfrm>
-            <a:off x="0" y="4742210"/>
-            <a:ext cx="12209318" cy="974148"/>
-          </a:xfrm>
-          <a:prstGeom prst="rect">
-            <a:avLst/>
-          </a:prstGeom>
-        </p:spPr>
-      </p:pic>
-    </p:spTree>
-    <p:extLst>
-      <p:ext uri="{BB962C8B-B14F-4D97-AF65-F5344CB8AC3E}">
-        <p14:creationId xmlns:p14="http://schemas.microsoft.com/office/powerpoint/2010/main" val="815255396"/>
-      </p:ext>
-    </p:extLst>
-  </p:cSld>
-  <p:clrMapOvr>
-    <a:masterClrMapping/>
-  </p:clrMapOvr>
-</p:sld>
-</file>
-
 <file path=ppt/slides/slide2.xml><?xml version="1.0" encoding="utf-8"?>
 <p:sld xmlns:a="http://schemas.openxmlformats.org/drawingml/2006/main" xmlns:r="http://schemas.openxmlformats.org/officeDocument/2006/relationships" xmlns:p="http://schemas.openxmlformats.org/presentationml/2006/main">
   <p:cSld>
@@ -8416,13 +8749,21 @@
               <a:p>
                 <a:r>
                   <a:rPr lang="en-US" dirty="0"/>
-                  <a:t>A graph is a collection of connected element pairs</a:t>
+                  <a:t>A graph is a collection of connected element pairs, </a:t>
+                </a:r>
+                <a:r>
+                  <a:rPr lang="en-US" dirty="0" err="1"/>
+                  <a:t>u⇾v</a:t>
+                </a:r>
+                <a:r>
+                  <a:rPr lang="en-US" dirty="0"/>
+                  <a:t> or u−v</a:t>
                 </a:r>
               </a:p>
               <a:p>
                 <a:r>
                   <a:rPr lang="en-US" dirty="0"/>
-                  <a:t>As with a tree, a graph is an aggregate of nodes</a:t>
+                  <a:t>As with a tree, a graph is the aggregate of nodes</a:t>
                 </a:r>
               </a:p>
               <a:p>
@@ -8620,7 +8961,7 @@
               <a:blipFill>
                 <a:blip r:embed="rId2"/>
                 <a:stretch>
-                  <a:fillRect l="-965" t="-3509" r="-1809" b="-585"/>
+                  <a:fillRect l="-965" t="-3801" r="-1809" b="-585"/>
                 </a:stretch>
               </a:blipFill>
             </p:spPr>
@@ -8653,6 +8994,152 @@
 </file>
 
 <file path=ppt/slides/slide20.xml><?xml version="1.0" encoding="utf-8"?>
+<p:sld xmlns:a="http://schemas.openxmlformats.org/drawingml/2006/main" xmlns:r="http://schemas.openxmlformats.org/officeDocument/2006/relationships" xmlns:p="http://schemas.openxmlformats.org/presentationml/2006/main">
+  <p:cSld>
+    <p:spTree>
+      <p:nvGrpSpPr>
+        <p:cNvPr id="1" name=""/>
+        <p:cNvGrpSpPr/>
+        <p:nvPr/>
+      </p:nvGrpSpPr>
+      <p:grpSpPr>
+        <a:xfrm>
+          <a:off x="0" y="0"/>
+          <a:ext cx="0" cy="0"/>
+          <a:chOff x="0" y="0"/>
+          <a:chExt cx="0" cy="0"/>
+        </a:xfrm>
+      </p:grpSpPr>
+      <p:sp>
+        <p:nvSpPr>
+          <p:cNvPr id="2" name="Title 1">
+            <a:extLst>
+              <a:ext uri="{FF2B5EF4-FFF2-40B4-BE49-F238E27FC236}">
+                <a16:creationId xmlns:a16="http://schemas.microsoft.com/office/drawing/2014/main" id="{744D4569-B70C-3B48-AB10-48228CF3FC27}"/>
+              </a:ext>
+            </a:extLst>
+          </p:cNvPr>
+          <p:cNvSpPr>
+            <a:spLocks noGrp="1"/>
+          </p:cNvSpPr>
+          <p:nvPr>
+            <p:ph type="title"/>
+          </p:nvPr>
+        </p:nvSpPr>
+        <p:spPr/>
+        <p:txBody>
+          <a:bodyPr/>
+          <a:lstStyle/>
+          <a:p>
+            <a:r>
+              <a:rPr lang="en-US" dirty="0"/>
+              <a:t>Example where u precedes v</a:t>
+            </a:r>
+          </a:p>
+        </p:txBody>
+      </p:sp>
+      <p:sp>
+        <p:nvSpPr>
+          <p:cNvPr id="3" name="Content Placeholder 2">
+            <a:extLst>
+              <a:ext uri="{FF2B5EF4-FFF2-40B4-BE49-F238E27FC236}">
+                <a16:creationId xmlns:a16="http://schemas.microsoft.com/office/drawing/2014/main" id="{4C600A38-85AF-774A-99D2-5F691A7D7CD6}"/>
+              </a:ext>
+            </a:extLst>
+          </p:cNvPr>
+          <p:cNvSpPr>
+            <a:spLocks noGrp="1"/>
+          </p:cNvSpPr>
+          <p:nvPr>
+            <p:ph idx="1"/>
+          </p:nvPr>
+        </p:nvSpPr>
+        <p:spPr/>
+        <p:txBody>
+          <a:bodyPr/>
+          <a:lstStyle/>
+          <a:p>
+            <a:r>
+              <a:rPr lang="en-US" dirty="0"/>
+              <a:t>In this case, edges must point to the right</a:t>
+            </a:r>
+          </a:p>
+        </p:txBody>
+      </p:sp>
+      <p:pic>
+        <p:nvPicPr>
+          <p:cNvPr id="5" name="Picture 4">
+            <a:extLst>
+              <a:ext uri="{FF2B5EF4-FFF2-40B4-BE49-F238E27FC236}">
+                <a16:creationId xmlns:a16="http://schemas.microsoft.com/office/drawing/2014/main" id="{92AEB621-D56B-2140-9A46-8FA25AED6183}"/>
+              </a:ext>
+            </a:extLst>
+          </p:cNvPr>
+          <p:cNvPicPr>
+            <a:picLocks noChangeAspect="1"/>
+          </p:cNvPicPr>
+          <p:nvPr/>
+        </p:nvPicPr>
+        <p:blipFill>
+          <a:blip r:embed="rId2"/>
+          <a:stretch>
+            <a:fillRect/>
+          </a:stretch>
+        </p:blipFill>
+        <p:spPr>
+          <a:xfrm>
+            <a:off x="8218171" y="64483"/>
+            <a:ext cx="3893820" cy="4542790"/>
+          </a:xfrm>
+          <a:prstGeom prst="rect">
+            <a:avLst/>
+          </a:prstGeom>
+        </p:spPr>
+      </p:pic>
+      <p:pic>
+        <p:nvPicPr>
+          <p:cNvPr id="6" name="Picture 5">
+            <a:extLst>
+              <a:ext uri="{FF2B5EF4-FFF2-40B4-BE49-F238E27FC236}">
+                <a16:creationId xmlns:a16="http://schemas.microsoft.com/office/drawing/2014/main" id="{6DCE205C-66A8-CE42-9D1B-9E9D451FC882}"/>
+              </a:ext>
+            </a:extLst>
+          </p:cNvPr>
+          <p:cNvPicPr>
+            <a:picLocks noChangeAspect="1"/>
+          </p:cNvPicPr>
+          <p:nvPr/>
+        </p:nvPicPr>
+        <p:blipFill>
+          <a:blip r:embed="rId3"/>
+          <a:stretch>
+            <a:fillRect/>
+          </a:stretch>
+        </p:blipFill>
+        <p:spPr>
+          <a:xfrm>
+            <a:off x="0" y="4742210"/>
+            <a:ext cx="12209318" cy="974148"/>
+          </a:xfrm>
+          <a:prstGeom prst="rect">
+            <a:avLst/>
+          </a:prstGeom>
+        </p:spPr>
+      </p:pic>
+    </p:spTree>
+    <p:extLst>
+      <p:ext uri="{BB962C8B-B14F-4D97-AF65-F5344CB8AC3E}">
+        <p14:creationId xmlns:p14="http://schemas.microsoft.com/office/powerpoint/2010/main" val="815255396"/>
+      </p:ext>
+    </p:extLst>
+  </p:cSld>
+  <p:clrMapOvr>
+    <a:masterClrMapping/>
+  </p:clrMapOvr>
+</p:sld>
+</file>
+
+<file path=ppt/slides/slide21.xml><?xml version="1.0" encoding="utf-8"?>
 <p:sld xmlns:a="http://schemas.openxmlformats.org/drawingml/2006/main" xmlns:r="http://schemas.openxmlformats.org/officeDocument/2006/relationships" xmlns:p="http://schemas.openxmlformats.org/presentationml/2006/main">
   <p:cSld>
     <p:spTree>
@@ -8880,7 +9367,7 @@
 </p:sld>
 </file>
 
-<file path=ppt/slides/slide21.xml><?xml version="1.0" encoding="utf-8"?>
+<file path=ppt/slides/slide22.xml><?xml version="1.0" encoding="utf-8"?>
 <p:sld xmlns:a="http://schemas.openxmlformats.org/drawingml/2006/main" xmlns:r="http://schemas.openxmlformats.org/officeDocument/2006/relationships" xmlns:p="http://schemas.openxmlformats.org/presentationml/2006/main">
   <p:cSld>
     <p:spTree>
@@ -8948,8 +9435,13 @@
           <a:p>
             <a:r>
               <a:rPr lang="en-US" dirty="0"/>
-              <a:t>Lots of very complex algorithms on the web</a:t>
-            </a:r>
+              <a:t>Lots of very complex algorithms on the web (</a:t>
+            </a:r>
+            <a:r>
+              <a:rPr lang="en-US"/>
+              <a:t>not sure why)</a:t>
+            </a:r>
+            <a:endParaRPr lang="en-US" dirty="0"/>
           </a:p>
           <a:p>
             <a:r>
@@ -9007,7 +9499,7 @@
 </p:sld>
 </file>
 
-<file path=ppt/slides/slide22.xml><?xml version="1.0" encoding="utf-8"?>
+<file path=ppt/slides/slide23.xml><?xml version="1.0" encoding="utf-8"?>
 <p:sld xmlns:a="http://schemas.openxmlformats.org/drawingml/2006/main" xmlns:r="http://schemas.openxmlformats.org/officeDocument/2006/relationships" xmlns:p="http://schemas.openxmlformats.org/presentationml/2006/main">
   <p:cSld>
     <p:spTree>
@@ -9239,7 +9731,7 @@
 </p:sld>
 </file>
 
-<file path=ppt/slides/slide23.xml><?xml version="1.0" encoding="utf-8"?>
+<file path=ppt/slides/slide24.xml><?xml version="1.0" encoding="utf-8"?>
 <p:sld xmlns:a="http://schemas.openxmlformats.org/drawingml/2006/main" xmlns:r="http://schemas.openxmlformats.org/officeDocument/2006/relationships" xmlns:p="http://schemas.openxmlformats.org/presentationml/2006/main">
   <p:cSld>
     <p:spTree>
@@ -9566,7 +10058,7 @@
 </p:sld>
 </file>
 
-<file path=ppt/slides/slide24.xml><?xml version="1.0" encoding="utf-8"?>
+<file path=ppt/slides/slide25.xml><?xml version="1.0" encoding="utf-8"?>
 <p:sld xmlns:a="http://schemas.openxmlformats.org/drawingml/2006/main" xmlns:r="http://schemas.openxmlformats.org/officeDocument/2006/relationships" xmlns:p="http://schemas.openxmlformats.org/presentationml/2006/main">
   <p:cSld>
     <p:spTree>
@@ -9927,182 +10419,6 @@
 </p:sld>
 </file>
 
-<file path=ppt/slides/slide25.xml><?xml version="1.0" encoding="utf-8"?>
-<p:sld xmlns:a="http://schemas.openxmlformats.org/drawingml/2006/main" xmlns:r="http://schemas.openxmlformats.org/officeDocument/2006/relationships" xmlns:p="http://schemas.openxmlformats.org/presentationml/2006/main">
-  <p:cSld>
-    <p:spTree>
-      <p:nvGrpSpPr>
-        <p:cNvPr id="1" name=""/>
-        <p:cNvGrpSpPr/>
-        <p:nvPr/>
-      </p:nvGrpSpPr>
-      <p:grpSpPr>
-        <a:xfrm>
-          <a:off x="0" y="0"/>
-          <a:ext cx="0" cy="0"/>
-          <a:chOff x="0" y="0"/>
-          <a:chExt cx="0" cy="0"/>
-        </a:xfrm>
-      </p:grpSpPr>
-      <p:sp>
-        <p:nvSpPr>
-          <p:cNvPr id="2" name="Title 1">
-            <a:extLst>
-              <a:ext uri="{FF2B5EF4-FFF2-40B4-BE49-F238E27FC236}">
-                <a16:creationId xmlns:a16="http://schemas.microsoft.com/office/drawing/2014/main" id="{1F2B352F-CE3D-7041-AD7E-CD17118D3037}"/>
-              </a:ext>
-            </a:extLst>
-          </p:cNvPr>
-          <p:cNvSpPr>
-            <a:spLocks noGrp="1"/>
-          </p:cNvSpPr>
-          <p:nvPr>
-            <p:ph type="title"/>
-          </p:nvPr>
-        </p:nvSpPr>
-        <p:spPr/>
-        <p:txBody>
-          <a:bodyPr/>
-          <a:lstStyle/>
-          <a:p>
-            <a:r>
-              <a:rPr lang="en-US" dirty="0"/>
-              <a:t>Summary</a:t>
-            </a:r>
-          </a:p>
-        </p:txBody>
-      </p:sp>
-      <p:sp>
-        <p:nvSpPr>
-          <p:cNvPr id="3" name="Content Placeholder 2">
-            <a:extLst>
-              <a:ext uri="{FF2B5EF4-FFF2-40B4-BE49-F238E27FC236}">
-                <a16:creationId xmlns:a16="http://schemas.microsoft.com/office/drawing/2014/main" id="{7879AF3B-7FE8-2941-A4F8-C0A6F984CEB2}"/>
-              </a:ext>
-            </a:extLst>
-          </p:cNvPr>
-          <p:cNvSpPr>
-            <a:spLocks noGrp="1"/>
-          </p:cNvSpPr>
-          <p:nvPr>
-            <p:ph idx="1"/>
-          </p:nvPr>
-        </p:nvSpPr>
-        <p:spPr/>
-        <p:txBody>
-          <a:bodyPr>
-            <a:normAutofit fontScale="92500" lnSpcReduction="20000"/>
-          </a:bodyPr>
-          <a:lstStyle/>
-          <a:p>
-            <a:r>
-              <a:rPr lang="en-US" dirty="0"/>
-              <a:t>Graphs are for showing relationships between elements</a:t>
-            </a:r>
-          </a:p>
-          <a:p>
-            <a:r>
-              <a:rPr lang="en-US" dirty="0"/>
-              <a:t>DFS for finding a path or multiple paths or cycles</a:t>
-            </a:r>
-          </a:p>
-          <a:p>
-            <a:r>
-              <a:rPr lang="en-US" dirty="0"/>
-              <a:t>BFS for find shortest (in edges) path or neighborhood</a:t>
-            </a:r>
-          </a:p>
-          <a:p>
-            <a:r>
-              <a:rPr lang="en-US" dirty="0"/>
-              <a:t>DFS </a:t>
-            </a:r>
-            <a:r>
-              <a:rPr lang="en-US" dirty="0" err="1"/>
-              <a:t>postorder</a:t>
-            </a:r>
-            <a:r>
-              <a:rPr lang="en-US" dirty="0"/>
-              <a:t> great for topo sort</a:t>
-            </a:r>
-          </a:p>
-          <a:p>
-            <a:r>
-              <a:rPr lang="en-US" dirty="0"/>
-              <a:t>Recursive </a:t>
-            </a:r>
-            <a:r>
-              <a:rPr lang="en-US" dirty="0" err="1"/>
-              <a:t>alg’s</a:t>
-            </a:r>
-            <a:r>
-              <a:rPr lang="en-US" dirty="0"/>
-              <a:t> all use </a:t>
-            </a:r>
-            <a:r>
-              <a:rPr lang="en-US" b="1" dirty="0"/>
-              <a:t>visited</a:t>
-            </a:r>
-            <a:r>
-              <a:rPr lang="en-US" dirty="0"/>
-              <a:t> set to avoid cycles</a:t>
-            </a:r>
-          </a:p>
-          <a:p>
-            <a:r>
-              <a:rPr lang="en-US" dirty="0"/>
-              <a:t>Non-recursive DFS: (use work list stack)</a:t>
-            </a:r>
-          </a:p>
-          <a:p>
-            <a:pPr lvl="1"/>
-            <a:r>
-              <a:rPr lang="en-US" dirty="0"/>
-              <a:t>push targets in reverse order onto work list</a:t>
-            </a:r>
-          </a:p>
-          <a:p>
-            <a:pPr lvl="1"/>
-            <a:r>
-              <a:rPr lang="en-US" dirty="0"/>
-              <a:t>pop last work list item for next node to process</a:t>
-            </a:r>
-          </a:p>
-          <a:p>
-            <a:r>
-              <a:rPr lang="en-US" dirty="0"/>
-              <a:t>Non-recursive BFS: (use work list queue)</a:t>
-            </a:r>
-          </a:p>
-          <a:p>
-            <a:pPr lvl="1"/>
-            <a:r>
-              <a:rPr lang="en-US" dirty="0"/>
-              <a:t>push targets in order onto work list</a:t>
-            </a:r>
-          </a:p>
-          <a:p>
-            <a:pPr lvl="1"/>
-            <a:r>
-              <a:rPr lang="en-US" dirty="0"/>
-              <a:t>pull from first position</a:t>
-            </a:r>
-          </a:p>
-        </p:txBody>
-      </p:sp>
-    </p:spTree>
-    <p:extLst>
-      <p:ext uri="{BB962C8B-B14F-4D97-AF65-F5344CB8AC3E}">
-        <p14:creationId xmlns:p14="http://schemas.microsoft.com/office/powerpoint/2010/main" val="1653462232"/>
-      </p:ext>
-    </p:extLst>
-  </p:cSld>
-  <p:clrMapOvr>
-    <a:masterClrMapping/>
-  </p:clrMapOvr>
-</p:sld>
-</file>
-
 <file path=ppt/slides/slide26.xml><?xml version="1.0" encoding="utf-8"?>
 <p:sld xmlns:a="http://schemas.openxmlformats.org/drawingml/2006/main" xmlns:r="http://schemas.openxmlformats.org/officeDocument/2006/relationships" xmlns:p="http://schemas.openxmlformats.org/presentationml/2006/main">
   <p:cSld>
@@ -10125,6 +10441,182 @@
           <p:cNvPr id="2" name="Title 1">
             <a:extLst>
               <a:ext uri="{FF2B5EF4-FFF2-40B4-BE49-F238E27FC236}">
+                <a16:creationId xmlns:a16="http://schemas.microsoft.com/office/drawing/2014/main" id="{1F2B352F-CE3D-7041-AD7E-CD17118D3037}"/>
+              </a:ext>
+            </a:extLst>
+          </p:cNvPr>
+          <p:cNvSpPr>
+            <a:spLocks noGrp="1"/>
+          </p:cNvSpPr>
+          <p:nvPr>
+            <p:ph type="title"/>
+          </p:nvPr>
+        </p:nvSpPr>
+        <p:spPr/>
+        <p:txBody>
+          <a:bodyPr/>
+          <a:lstStyle/>
+          <a:p>
+            <a:r>
+              <a:rPr lang="en-US" dirty="0"/>
+              <a:t>Summary</a:t>
+            </a:r>
+          </a:p>
+        </p:txBody>
+      </p:sp>
+      <p:sp>
+        <p:nvSpPr>
+          <p:cNvPr id="3" name="Content Placeholder 2">
+            <a:extLst>
+              <a:ext uri="{FF2B5EF4-FFF2-40B4-BE49-F238E27FC236}">
+                <a16:creationId xmlns:a16="http://schemas.microsoft.com/office/drawing/2014/main" id="{7879AF3B-7FE8-2941-A4F8-C0A6F984CEB2}"/>
+              </a:ext>
+            </a:extLst>
+          </p:cNvPr>
+          <p:cNvSpPr>
+            <a:spLocks noGrp="1"/>
+          </p:cNvSpPr>
+          <p:nvPr>
+            <p:ph idx="1"/>
+          </p:nvPr>
+        </p:nvSpPr>
+        <p:spPr/>
+        <p:txBody>
+          <a:bodyPr>
+            <a:normAutofit fontScale="92500" lnSpcReduction="20000"/>
+          </a:bodyPr>
+          <a:lstStyle/>
+          <a:p>
+            <a:r>
+              <a:rPr lang="en-US" dirty="0"/>
+              <a:t>Graphs are for showing relationships between elements</a:t>
+            </a:r>
+          </a:p>
+          <a:p>
+            <a:r>
+              <a:rPr lang="en-US" dirty="0"/>
+              <a:t>DFS for finding a path or multiple paths or cycles</a:t>
+            </a:r>
+          </a:p>
+          <a:p>
+            <a:r>
+              <a:rPr lang="en-US" dirty="0"/>
+              <a:t>BFS for find shortest (in edges) path or neighborhood</a:t>
+            </a:r>
+          </a:p>
+          <a:p>
+            <a:r>
+              <a:rPr lang="en-US" dirty="0"/>
+              <a:t>DFS </a:t>
+            </a:r>
+            <a:r>
+              <a:rPr lang="en-US" dirty="0" err="1"/>
+              <a:t>postorder</a:t>
+            </a:r>
+            <a:r>
+              <a:rPr lang="en-US" dirty="0"/>
+              <a:t> great for topo sort</a:t>
+            </a:r>
+          </a:p>
+          <a:p>
+            <a:r>
+              <a:rPr lang="en-US" dirty="0"/>
+              <a:t>Recursive </a:t>
+            </a:r>
+            <a:r>
+              <a:rPr lang="en-US" dirty="0" err="1"/>
+              <a:t>alg’s</a:t>
+            </a:r>
+            <a:r>
+              <a:rPr lang="en-US" dirty="0"/>
+              <a:t> all use </a:t>
+            </a:r>
+            <a:r>
+              <a:rPr lang="en-US" b="1" dirty="0"/>
+              <a:t>visited</a:t>
+            </a:r>
+            <a:r>
+              <a:rPr lang="en-US" dirty="0"/>
+              <a:t> set to avoid cycles</a:t>
+            </a:r>
+          </a:p>
+          <a:p>
+            <a:r>
+              <a:rPr lang="en-US" dirty="0"/>
+              <a:t>Non-recursive DFS: (use work list stack)</a:t>
+            </a:r>
+          </a:p>
+          <a:p>
+            <a:pPr lvl="1"/>
+            <a:r>
+              <a:rPr lang="en-US" dirty="0"/>
+              <a:t>push targets in reverse order onto work list</a:t>
+            </a:r>
+          </a:p>
+          <a:p>
+            <a:pPr lvl="1"/>
+            <a:r>
+              <a:rPr lang="en-US" dirty="0"/>
+              <a:t>pop last work list item for next node to process</a:t>
+            </a:r>
+          </a:p>
+          <a:p>
+            <a:r>
+              <a:rPr lang="en-US" dirty="0"/>
+              <a:t>Non-recursive BFS: (use work list queue)</a:t>
+            </a:r>
+          </a:p>
+          <a:p>
+            <a:pPr lvl="1"/>
+            <a:r>
+              <a:rPr lang="en-US" dirty="0"/>
+              <a:t>push targets in order onto work list</a:t>
+            </a:r>
+          </a:p>
+          <a:p>
+            <a:pPr lvl="1"/>
+            <a:r>
+              <a:rPr lang="en-US" dirty="0"/>
+              <a:t>pull from first position</a:t>
+            </a:r>
+          </a:p>
+        </p:txBody>
+      </p:sp>
+    </p:spTree>
+    <p:extLst>
+      <p:ext uri="{BB962C8B-B14F-4D97-AF65-F5344CB8AC3E}">
+        <p14:creationId xmlns:p14="http://schemas.microsoft.com/office/powerpoint/2010/main" val="1653462232"/>
+      </p:ext>
+    </p:extLst>
+  </p:cSld>
+  <p:clrMapOvr>
+    <a:masterClrMapping/>
+  </p:clrMapOvr>
+</p:sld>
+</file>
+
+<file path=ppt/slides/slide27.xml><?xml version="1.0" encoding="utf-8"?>
+<p:sld xmlns:a="http://schemas.openxmlformats.org/drawingml/2006/main" xmlns:r="http://schemas.openxmlformats.org/officeDocument/2006/relationships" xmlns:p="http://schemas.openxmlformats.org/presentationml/2006/main">
+  <p:cSld>
+    <p:spTree>
+      <p:nvGrpSpPr>
+        <p:cNvPr id="1" name=""/>
+        <p:cNvGrpSpPr/>
+        <p:nvPr/>
+      </p:nvGrpSpPr>
+      <p:grpSpPr>
+        <a:xfrm>
+          <a:off x="0" y="0"/>
+          <a:ext cx="0" cy="0"/>
+          <a:chOff x="0" y="0"/>
+          <a:chExt cx="0" cy="0"/>
+        </a:xfrm>
+      </p:grpSpPr>
+      <p:sp>
+        <p:nvSpPr>
+          <p:cNvPr id="2" name="Title 1">
+            <a:extLst>
+              <a:ext uri="{FF2B5EF4-FFF2-40B4-BE49-F238E27FC236}">
                 <a16:creationId xmlns:a16="http://schemas.microsoft.com/office/drawing/2014/main" id="{DDFD2E64-84D8-A048-BE5C-C06207FAC5F2}"/>
               </a:ext>
             </a:extLst>
@@ -10186,7 +10678,7 @@
 </p:sld>
 </file>
 
-<file path=ppt/slides/slide27.xml><?xml version="1.0" encoding="utf-8"?>
+<file path=ppt/slides/slide28.xml><?xml version="1.0" encoding="utf-8"?>
 <p:sld xmlns:a="http://schemas.openxmlformats.org/drawingml/2006/main" xmlns:r="http://schemas.openxmlformats.org/officeDocument/2006/relationships" xmlns:p="http://schemas.openxmlformats.org/presentationml/2006/main">
   <p:cSld>
     <p:spTree>
@@ -10371,7 +10863,7 @@
 </p:sld>
 </file>
 
-<file path=ppt/slides/slide28.xml><?xml version="1.0" encoding="utf-8"?>
+<file path=ppt/slides/slide29.xml><?xml version="1.0" encoding="utf-8"?>
 <p:sld xmlns:a="http://schemas.openxmlformats.org/drawingml/2006/main" xmlns:r="http://schemas.openxmlformats.org/officeDocument/2006/relationships" xmlns:p="http://schemas.openxmlformats.org/presentationml/2006/main">
   <p:cSld>
     <p:spTree>
@@ -10656,7 +11148,129 @@
 </p:sld>
 </file>
 
-<file path=ppt/slides/slide29.xml><?xml version="1.0" encoding="utf-8"?>
+<file path=ppt/slides/slide3.xml><?xml version="1.0" encoding="utf-8"?>
+<p:sld xmlns:a="http://schemas.openxmlformats.org/drawingml/2006/main" xmlns:r="http://schemas.openxmlformats.org/officeDocument/2006/relationships" xmlns:p="http://schemas.openxmlformats.org/presentationml/2006/main">
+  <p:cSld>
+    <p:spTree>
+      <p:nvGrpSpPr>
+        <p:cNvPr id="1" name=""/>
+        <p:cNvGrpSpPr/>
+        <p:nvPr/>
+      </p:nvGrpSpPr>
+      <p:grpSpPr>
+        <a:xfrm>
+          <a:off x="0" y="0"/>
+          <a:ext cx="0" cy="0"/>
+          <a:chOff x="0" y="0"/>
+          <a:chExt cx="0" cy="0"/>
+        </a:xfrm>
+      </p:grpSpPr>
+      <p:sp>
+        <p:nvSpPr>
+          <p:cNvPr id="2" name="Title 1">
+            <a:extLst>
+              <a:ext uri="{FF2B5EF4-FFF2-40B4-BE49-F238E27FC236}">
+                <a16:creationId xmlns:a16="http://schemas.microsoft.com/office/drawing/2014/main" id="{0BF9A356-C646-6D42-90F6-02B604AC271D}"/>
+              </a:ext>
+            </a:extLst>
+          </p:cNvPr>
+          <p:cNvSpPr>
+            <a:spLocks noGrp="1"/>
+          </p:cNvSpPr>
+          <p:nvPr>
+            <p:ph type="title"/>
+          </p:nvPr>
+        </p:nvSpPr>
+        <p:spPr/>
+        <p:txBody>
+          <a:bodyPr/>
+          <a:lstStyle/>
+          <a:p>
+            <a:r>
+              <a:rPr lang="en-US" dirty="0"/>
+              <a:t>Undirected graph, terms</a:t>
+            </a:r>
+          </a:p>
+        </p:txBody>
+      </p:sp>
+      <p:pic>
+        <p:nvPicPr>
+          <p:cNvPr id="5" name="Content Placeholder 4">
+            <a:extLst>
+              <a:ext uri="{FF2B5EF4-FFF2-40B4-BE49-F238E27FC236}">
+                <a16:creationId xmlns:a16="http://schemas.microsoft.com/office/drawing/2014/main" id="{2B83F4E4-8D04-6F4D-8D32-32ABFD141C3E}"/>
+              </a:ext>
+            </a:extLst>
+          </p:cNvPr>
+          <p:cNvPicPr>
+            <a:picLocks noGrp="1" noChangeAspect="1"/>
+          </p:cNvPicPr>
+          <p:nvPr>
+            <p:ph idx="1"/>
+          </p:nvPr>
+        </p:nvPicPr>
+        <p:blipFill>
+          <a:blip r:embed="rId2"/>
+          <a:stretch>
+            <a:fillRect/>
+          </a:stretch>
+        </p:blipFill>
+        <p:spPr>
+          <a:xfrm>
+            <a:off x="4205240" y="1825625"/>
+            <a:ext cx="3781519" cy="4351338"/>
+          </a:xfrm>
+        </p:spPr>
+      </p:pic>
+      <p:sp>
+        <p:nvSpPr>
+          <p:cNvPr id="6" name="TextBox 5">
+            <a:extLst>
+              <a:ext uri="{FF2B5EF4-FFF2-40B4-BE49-F238E27FC236}">
+                <a16:creationId xmlns:a16="http://schemas.microsoft.com/office/drawing/2014/main" id="{A03CB1D6-5194-9A4F-B63F-CA46A41F1EE4}"/>
+              </a:ext>
+            </a:extLst>
+          </p:cNvPr>
+          <p:cNvSpPr txBox="1"/>
+          <p:nvPr/>
+        </p:nvSpPr>
+        <p:spPr>
+          <a:xfrm>
+            <a:off x="838200" y="6311900"/>
+            <a:ext cx="5888407" cy="338554"/>
+          </a:xfrm>
+          <a:prstGeom prst="rect">
+            <a:avLst/>
+          </a:prstGeom>
+          <a:noFill/>
+        </p:spPr>
+        <p:txBody>
+          <a:bodyPr wrap="none" rtlCol="0">
+            <a:spAutoFit/>
+          </a:bodyPr>
+          <a:lstStyle/>
+          <a:p>
+            <a:r>
+              <a:rPr lang="en-US" sz="1600" dirty="0"/>
+              <a:t>From: Algorithms book by Robert Sedgewick and Kevin Wayne</a:t>
+            </a:r>
+          </a:p>
+        </p:txBody>
+      </p:sp>
+    </p:spTree>
+    <p:extLst>
+      <p:ext uri="{BB962C8B-B14F-4D97-AF65-F5344CB8AC3E}">
+        <p14:creationId xmlns:p14="http://schemas.microsoft.com/office/powerpoint/2010/main" val="753341366"/>
+      </p:ext>
+    </p:extLst>
+  </p:cSld>
+  <p:clrMapOvr>
+    <a:masterClrMapping/>
+  </p:clrMapOvr>
+</p:sld>
+</file>
+
+<file path=ppt/slides/slide30.xml><?xml version="1.0" encoding="utf-8"?>
 <p:sld xmlns:a="http://schemas.openxmlformats.org/drawingml/2006/main" xmlns:r="http://schemas.openxmlformats.org/officeDocument/2006/relationships" xmlns:p="http://schemas.openxmlformats.org/presentationml/2006/main">
   <p:cSld>
     <p:spTree>
@@ -11231,7 +11845,7 @@
 </p:sld>
 </file>
 
-<file path=ppt/slides/slide3.xml><?xml version="1.0" encoding="utf-8"?>
+<file path=ppt/slides/slide4.xml><?xml version="1.0" encoding="utf-8"?>
 <p:sld xmlns:a="http://schemas.openxmlformats.org/drawingml/2006/main" xmlns:r="http://schemas.openxmlformats.org/officeDocument/2006/relationships" xmlns:p="http://schemas.openxmlformats.org/presentationml/2006/main">
   <p:cSld>
     <p:spTree>
@@ -11360,7 +11974,7 @@
 </p:sld>
 </file>
 
-<file path=ppt/slides/slide4.xml><?xml version="1.0" encoding="utf-8"?>
+<file path=ppt/slides/slide5.xml><?xml version="1.0" encoding="utf-8"?>
 <p:sld xmlns:a="http://schemas.openxmlformats.org/drawingml/2006/main" xmlns:r="http://schemas.openxmlformats.org/officeDocument/2006/relationships" xmlns:p="http://schemas.openxmlformats.org/presentationml/2006/main">
   <p:cSld>
     <p:spTree>
@@ -11540,7 +12154,7 @@
 </p:sld>
 </file>
 
-<file path=ppt/slides/slide5.xml><?xml version="1.0" encoding="utf-8"?>
+<file path=ppt/slides/slide6.xml><?xml version="1.0" encoding="utf-8"?>
 <p:sld xmlns:a="http://schemas.openxmlformats.org/drawingml/2006/main" xmlns:r="http://schemas.openxmlformats.org/officeDocument/2006/relationships" xmlns:p="http://schemas.openxmlformats.org/presentationml/2006/main">
   <p:cSld>
     <p:spTree>
@@ -11712,7 +12326,7 @@
 </p:sld>
 </file>
 
-<file path=ppt/slides/slide6.xml><?xml version="1.0" encoding="utf-8"?>
+<file path=ppt/slides/slide7.xml><?xml version="1.0" encoding="utf-8"?>
 <p:sld xmlns:a="http://schemas.openxmlformats.org/drawingml/2006/main" xmlns:r="http://schemas.openxmlformats.org/officeDocument/2006/relationships" xmlns:p="http://schemas.openxmlformats.org/presentationml/2006/main">
   <p:cSld>
     <p:spTree>
@@ -12002,7 +12616,7 @@
 </p:sld>
 </file>
 
-<file path=ppt/slides/slide7.xml><?xml version="1.0" encoding="utf-8"?>
+<file path=ppt/slides/slide8.xml><?xml version="1.0" encoding="utf-8"?>
 <p:sld xmlns:a="http://schemas.openxmlformats.org/drawingml/2006/main" xmlns:r="http://schemas.openxmlformats.org/officeDocument/2006/relationships" xmlns:p="http://schemas.openxmlformats.org/presentationml/2006/main">
   <p:cSld>
     <p:spTree>
@@ -12465,7 +13079,7 @@
 </p:sld>
 </file>
 
-<file path=ppt/slides/slide8.xml><?xml version="1.0" encoding="utf-8"?>
+<file path=ppt/slides/slide9.xml><?xml version="1.0" encoding="utf-8"?>
 <p:sld xmlns:a="http://schemas.openxmlformats.org/drawingml/2006/main" xmlns:r="http://schemas.openxmlformats.org/officeDocument/2006/relationships" xmlns:p="http://schemas.openxmlformats.org/presentationml/2006/main">
   <p:cSld>
     <p:spTree>
@@ -12532,6 +13146,12 @@
               <a:t>Visits all reachable nodes from p, avoiding cycles</a:t>
             </a:r>
           </a:p>
+          <a:p>
+            <a:r>
+              <a:rPr lang="en-US" dirty="0"/>
+              <a:t>Go deep first</a:t>
+            </a:r>
+          </a:p>
         </p:txBody>
       </p:sp>
       <p:sp>
@@ -12548,8 +13168,8 @@
         </p:nvSpPr>
         <p:spPr>
           <a:xfrm>
-            <a:off x="2138796" y="3335944"/>
-            <a:ext cx="7914408" cy="1938992"/>
+            <a:off x="968684" y="3772738"/>
+            <a:ext cx="7221018" cy="1938992"/>
           </a:xfrm>
           <a:prstGeom prst="rect">
             <a:avLst/>
@@ -12764,86 +13384,42 @@
           </a:p>
         </p:txBody>
       </p:sp>
-    </p:spTree>
-    <p:extLst>
-      <p:ext uri="{BB962C8B-B14F-4D97-AF65-F5344CB8AC3E}">
-        <p14:creationId xmlns:p14="http://schemas.microsoft.com/office/powerpoint/2010/main" val="717105456"/>
-      </p:ext>
-    </p:extLst>
-  </p:cSld>
-  <p:clrMapOvr>
-    <a:masterClrMapping/>
-  </p:clrMapOvr>
-</p:sld>
-</file>
-
-<file path=ppt/slides/slide9.xml><?xml version="1.0" encoding="utf-8"?>
-<p:sld xmlns:a="http://schemas.openxmlformats.org/drawingml/2006/main" xmlns:r="http://schemas.openxmlformats.org/officeDocument/2006/relationships" xmlns:p="http://schemas.openxmlformats.org/presentationml/2006/main">
-  <p:cSld>
-    <p:spTree>
-      <p:nvGrpSpPr>
-        <p:cNvPr id="1" name=""/>
-        <p:cNvGrpSpPr/>
-        <p:nvPr/>
-      </p:nvGrpSpPr>
-      <p:grpSpPr>
-        <a:xfrm>
-          <a:off x="0" y="0"/>
-          <a:ext cx="0" cy="0"/>
-          <a:chOff x="0" y="0"/>
-          <a:chExt cx="0" cy="0"/>
-        </a:xfrm>
-      </p:grpSpPr>
-      <p:sp>
-        <p:nvSpPr>
-          <p:cNvPr id="2" name="Title 1"/>
-          <p:cNvSpPr>
-            <a:spLocks noGrp="1"/>
-          </p:cNvSpPr>
-          <p:nvPr>
-            <p:ph type="title"/>
-          </p:nvPr>
-        </p:nvSpPr>
-        <p:spPr/>
-        <p:txBody>
-          <a:bodyPr/>
-          <a:lstStyle/>
-          <a:p>
-            <a:r>
-              <a:rPr lang="en-US" dirty="0"/>
-              <a:t>Is there a cycle from p to p?</a:t>
-            </a:r>
-          </a:p>
-        </p:txBody>
-      </p:sp>
-      <p:sp>
-        <p:nvSpPr>
-          <p:cNvPr id="3" name="Content Placeholder 2"/>
-          <p:cNvSpPr>
-            <a:spLocks noGrp="1"/>
-          </p:cNvSpPr>
-          <p:nvPr>
-            <p:ph idx="1"/>
-          </p:nvPr>
-        </p:nvSpPr>
-        <p:spPr/>
-        <p:txBody>
-          <a:bodyPr/>
-          <a:lstStyle/>
-          <a:p>
-            <a:r>
-              <a:rPr lang="en-US" dirty="0"/>
-              <a:t>If we run into starting node in visited set, return True</a:t>
-            </a:r>
-          </a:p>
-        </p:txBody>
-      </p:sp>
-      <p:sp>
-        <p:nvSpPr>
-          <p:cNvPr id="4" name="TextBox 3">
+      <p:pic>
+        <p:nvPicPr>
+          <p:cNvPr id="8" name="Picture 7">
             <a:extLst>
               <a:ext uri="{FF2B5EF4-FFF2-40B4-BE49-F238E27FC236}">
-                <a16:creationId xmlns:a16="http://schemas.microsoft.com/office/drawing/2014/main" id="{15368C9B-01DB-BD48-B437-681E9C29166D}"/>
+                <a16:creationId xmlns:a16="http://schemas.microsoft.com/office/drawing/2014/main" id="{2898FC0D-9F7D-054E-9635-3361BCECD1DC}"/>
+              </a:ext>
+            </a:extLst>
+          </p:cNvPr>
+          <p:cNvPicPr>
+            <a:picLocks noChangeAspect="1"/>
+          </p:cNvPicPr>
+          <p:nvPr/>
+        </p:nvPicPr>
+        <p:blipFill>
+          <a:blip r:embed="rId3"/>
+          <a:stretch>
+            <a:fillRect/>
+          </a:stretch>
+        </p:blipFill>
+        <p:spPr>
+          <a:xfrm>
+            <a:off x="8893000" y="2743199"/>
+            <a:ext cx="3195089" cy="3111635"/>
+          </a:xfrm>
+          <a:prstGeom prst="rect">
+            <a:avLst/>
+          </a:prstGeom>
+        </p:spPr>
+      </p:pic>
+      <p:sp>
+        <p:nvSpPr>
+          <p:cNvPr id="9" name="TextBox 8">
+            <a:extLst>
+              <a:ext uri="{FF2B5EF4-FFF2-40B4-BE49-F238E27FC236}">
+                <a16:creationId xmlns:a16="http://schemas.microsoft.com/office/drawing/2014/main" id="{7C61774A-88F7-2543-8B09-6205FF68B00C}"/>
               </a:ext>
             </a:extLst>
           </p:cNvPr>
@@ -12852,327 +13428,23 @@
         </p:nvSpPr>
         <p:spPr>
           <a:xfrm>
-            <a:off x="1271631" y="2322255"/>
-            <a:ext cx="8981079" cy="4154984"/>
+            <a:off x="8493290" y="5973346"/>
+            <a:ext cx="3825343" cy="338554"/>
           </a:xfrm>
           <a:prstGeom prst="rect">
             <a:avLst/>
           </a:prstGeom>
           <a:noFill/>
-          <a:ln>
-            <a:solidFill>
-              <a:schemeClr val="accent1"/>
-            </a:solidFill>
-          </a:ln>
         </p:spPr>
         <p:txBody>
-          <a:bodyPr wrap="square" rtlCol="0">
+          <a:bodyPr wrap="none" rtlCol="0">
             <a:spAutoFit/>
           </a:bodyPr>
           <a:lstStyle/>
           <a:p>
             <a:r>
-              <a:rPr lang="en-US" sz="2200" dirty="0">
-                <a:latin typeface="Monaco" charset="0"/>
-                <a:ea typeface="Monaco" charset="0"/>
-                <a:cs typeface="Monaco" charset="0"/>
-              </a:rPr>
-              <a:t>def </a:t>
-            </a:r>
-            <a:r>
-              <a:rPr lang="en-US" sz="2200" dirty="0" err="1">
-                <a:latin typeface="Monaco" charset="0"/>
-                <a:ea typeface="Monaco" charset="0"/>
-                <a:cs typeface="Monaco" charset="0"/>
-              </a:rPr>
-              <a:t>iscyclic</a:t>
-            </a:r>
-            <a:r>
-              <a:rPr lang="en-US" sz="2200" dirty="0">
-                <a:latin typeface="Monaco" charset="0"/>
-                <a:ea typeface="Monaco" charset="0"/>
-                <a:cs typeface="Monaco" charset="0"/>
-              </a:rPr>
-              <a:t>(</a:t>
-            </a:r>
-            <a:r>
-              <a:rPr lang="en-US" sz="2200" dirty="0" err="1">
-                <a:latin typeface="Monaco" charset="0"/>
-                <a:ea typeface="Monaco" charset="0"/>
-                <a:cs typeface="Monaco" charset="0"/>
-              </a:rPr>
-              <a:t>p:Node</a:t>
-            </a:r>
-            <a:r>
-              <a:rPr lang="en-US" sz="2200" dirty="0">
-                <a:latin typeface="Monaco" charset="0"/>
-                <a:ea typeface="Monaco" charset="0"/>
-                <a:cs typeface="Monaco" charset="0"/>
-              </a:rPr>
-              <a:t>) -&gt; bool:</a:t>
-            </a:r>
-          </a:p>
-          <a:p>
-            <a:r>
-              <a:rPr lang="en-US" sz="2200" dirty="0">
-                <a:latin typeface="Monaco" charset="0"/>
-                <a:ea typeface="Monaco" charset="0"/>
-                <a:cs typeface="Monaco" charset="0"/>
-              </a:rPr>
-              <a:t>    return </a:t>
-            </a:r>
-            <a:r>
-              <a:rPr lang="en-US" sz="2200" dirty="0" err="1">
-                <a:latin typeface="Monaco" charset="0"/>
-                <a:ea typeface="Monaco" charset="0"/>
-                <a:cs typeface="Monaco" charset="0"/>
-              </a:rPr>
-              <a:t>iscyclic</a:t>
-            </a:r>
-            <a:r>
-              <a:rPr lang="en-US" sz="2200" dirty="0">
-                <a:latin typeface="Monaco" charset="0"/>
-                <a:ea typeface="Monaco" charset="0"/>
-                <a:cs typeface="Monaco" charset="0"/>
-              </a:rPr>
-              <a:t>_(</a:t>
-            </a:r>
-            <a:r>
-              <a:rPr lang="en-US" sz="2200" dirty="0" err="1">
-                <a:latin typeface="Monaco" charset="0"/>
-                <a:ea typeface="Monaco" charset="0"/>
-                <a:cs typeface="Monaco" charset="0"/>
-              </a:rPr>
-              <a:t>p,p,set</a:t>
-            </a:r>
-            <a:r>
-              <a:rPr lang="en-US" sz="2200" dirty="0">
-                <a:latin typeface="Monaco" charset="0"/>
-                <a:ea typeface="Monaco" charset="0"/>
-                <a:cs typeface="Monaco" charset="0"/>
-              </a:rPr>
-              <a:t>())</a:t>
-            </a:r>
-          </a:p>
-          <a:p>
-            <a:endParaRPr lang="en-US" sz="2200" dirty="0">
-              <a:latin typeface="Monaco" charset="0"/>
-              <a:ea typeface="Monaco" charset="0"/>
-              <a:cs typeface="Monaco" charset="0"/>
-            </a:endParaRPr>
-          </a:p>
-          <a:p>
-            <a:r>
-              <a:rPr lang="en-US" sz="2200" dirty="0">
-                <a:latin typeface="Monaco" charset="0"/>
-                <a:ea typeface="Monaco" charset="0"/>
-                <a:cs typeface="Monaco" charset="0"/>
-              </a:rPr>
-              <a:t>def </a:t>
-            </a:r>
-            <a:r>
-              <a:rPr lang="en-US" sz="2200" dirty="0" err="1">
-                <a:latin typeface="Monaco" charset="0"/>
-                <a:ea typeface="Monaco" charset="0"/>
-                <a:cs typeface="Monaco" charset="0"/>
-              </a:rPr>
-              <a:t>iscyclic</a:t>
-            </a:r>
-            <a:r>
-              <a:rPr lang="en-US" sz="2200" dirty="0">
-                <a:latin typeface="Monaco" charset="0"/>
-                <a:ea typeface="Monaco" charset="0"/>
-                <a:cs typeface="Monaco" charset="0"/>
-              </a:rPr>
-              <a:t>_(</a:t>
-            </a:r>
-            <a:r>
-              <a:rPr lang="en-US" sz="2200" dirty="0" err="1">
-                <a:solidFill>
-                  <a:schemeClr val="accent1"/>
-                </a:solidFill>
-                <a:latin typeface="Monaco" charset="0"/>
-                <a:ea typeface="Monaco" charset="0"/>
-                <a:cs typeface="Monaco" charset="0"/>
-              </a:rPr>
-              <a:t>start:Node</a:t>
-            </a:r>
-            <a:r>
-              <a:rPr lang="en-US" sz="2200" dirty="0">
-                <a:latin typeface="Monaco" charset="0"/>
-                <a:ea typeface="Monaco" charset="0"/>
-                <a:cs typeface="Monaco" charset="0"/>
-              </a:rPr>
-              <a:t>, </a:t>
-            </a:r>
-            <a:r>
-              <a:rPr lang="en-US" sz="2200" dirty="0" err="1">
-                <a:latin typeface="Monaco" charset="0"/>
-                <a:ea typeface="Monaco" charset="0"/>
-                <a:cs typeface="Monaco" charset="0"/>
-              </a:rPr>
-              <a:t>p:Node</a:t>
-            </a:r>
-            <a:r>
-              <a:rPr lang="en-US" sz="2200" dirty="0">
-                <a:latin typeface="Monaco" charset="0"/>
-                <a:ea typeface="Monaco" charset="0"/>
-                <a:cs typeface="Monaco" charset="0"/>
-              </a:rPr>
-              <a:t>, visited) -&gt; bool:</a:t>
-            </a:r>
-          </a:p>
-          <a:p>
-            <a:r>
-              <a:rPr lang="en-US" sz="2200" dirty="0">
-                <a:latin typeface="Monaco" charset="0"/>
-                <a:ea typeface="Monaco" charset="0"/>
-                <a:cs typeface="Monaco" charset="0"/>
-              </a:rPr>
-              <a:t>    if p in visited: </a:t>
-            </a:r>
-          </a:p>
-          <a:p>
-            <a:r>
-              <a:rPr lang="en-US" sz="2200" dirty="0">
-                <a:latin typeface="Monaco" charset="0"/>
-                <a:ea typeface="Monaco" charset="0"/>
-                <a:cs typeface="Monaco" charset="0"/>
-              </a:rPr>
-              <a:t>        </a:t>
-            </a:r>
-            <a:r>
-              <a:rPr lang="en-US" sz="2200" dirty="0">
-                <a:solidFill>
-                  <a:schemeClr val="accent1"/>
-                </a:solidFill>
-                <a:latin typeface="Monaco" charset="0"/>
-                <a:ea typeface="Monaco" charset="0"/>
-                <a:cs typeface="Monaco" charset="0"/>
-              </a:rPr>
-              <a:t>if p is start: return True # we find start?</a:t>
-            </a:r>
-          </a:p>
-          <a:p>
-            <a:r>
-              <a:rPr lang="en-US" sz="2200" dirty="0">
-                <a:solidFill>
-                  <a:schemeClr val="accent1"/>
-                </a:solidFill>
-                <a:latin typeface="Monaco" charset="0"/>
-                <a:ea typeface="Monaco" charset="0"/>
-                <a:cs typeface="Monaco" charset="0"/>
-              </a:rPr>
-              <a:t>        return False # can't loop forever so stop</a:t>
-            </a:r>
-          </a:p>
-          <a:p>
-            <a:r>
-              <a:rPr lang="en-US" sz="2200" dirty="0">
-                <a:latin typeface="Monaco" charset="0"/>
-                <a:ea typeface="Monaco" charset="0"/>
-                <a:cs typeface="Monaco" charset="0"/>
-              </a:rPr>
-              <a:t>    </a:t>
-            </a:r>
-            <a:r>
-              <a:rPr lang="en-US" sz="2200" dirty="0" err="1">
-                <a:latin typeface="Monaco" charset="0"/>
-                <a:ea typeface="Monaco" charset="0"/>
-                <a:cs typeface="Monaco" charset="0"/>
-              </a:rPr>
-              <a:t>visited.add</a:t>
-            </a:r>
-            <a:r>
-              <a:rPr lang="en-US" sz="2200" dirty="0">
-                <a:latin typeface="Monaco" charset="0"/>
-                <a:ea typeface="Monaco" charset="0"/>
-                <a:cs typeface="Monaco" charset="0"/>
-              </a:rPr>
-              <a:t>(p)</a:t>
-            </a:r>
-          </a:p>
-          <a:p>
-            <a:r>
-              <a:rPr lang="en-US" sz="2200" dirty="0">
-                <a:latin typeface="Monaco" charset="0"/>
-                <a:ea typeface="Monaco" charset="0"/>
-                <a:cs typeface="Monaco" charset="0"/>
-              </a:rPr>
-              <a:t>    for q in </a:t>
-            </a:r>
-            <a:r>
-              <a:rPr lang="en-US" sz="2200" dirty="0" err="1">
-                <a:latin typeface="Monaco" charset="0"/>
-                <a:ea typeface="Monaco" charset="0"/>
-                <a:cs typeface="Monaco" charset="0"/>
-              </a:rPr>
-              <a:t>p.edges</a:t>
-            </a:r>
-            <a:r>
-              <a:rPr lang="en-US" sz="2200" dirty="0">
-                <a:latin typeface="Monaco" charset="0"/>
-                <a:ea typeface="Monaco" charset="0"/>
-                <a:cs typeface="Monaco" charset="0"/>
-              </a:rPr>
-              <a:t>:</a:t>
-            </a:r>
-          </a:p>
-          <a:p>
-            <a:r>
-              <a:rPr lang="en-US" sz="2200" dirty="0">
-                <a:latin typeface="Monaco" charset="0"/>
-                <a:ea typeface="Monaco" charset="0"/>
-                <a:cs typeface="Monaco" charset="0"/>
-              </a:rPr>
-              <a:t>        c = </a:t>
-            </a:r>
-            <a:r>
-              <a:rPr lang="en-US" sz="2200" dirty="0" err="1">
-                <a:latin typeface="Monaco" charset="0"/>
-                <a:ea typeface="Monaco" charset="0"/>
-                <a:cs typeface="Monaco" charset="0"/>
-              </a:rPr>
-              <a:t>iscyclic</a:t>
-            </a:r>
-            <a:r>
-              <a:rPr lang="en-US" sz="2200" dirty="0">
-                <a:latin typeface="Monaco" charset="0"/>
-                <a:ea typeface="Monaco" charset="0"/>
-                <a:cs typeface="Monaco" charset="0"/>
-              </a:rPr>
-              <a:t>_(start, q, visited)</a:t>
-            </a:r>
-          </a:p>
-          <a:p>
-            <a:r>
-              <a:rPr lang="en-US" sz="2200" dirty="0">
-                <a:latin typeface="Monaco" charset="0"/>
-                <a:ea typeface="Monaco" charset="0"/>
-                <a:cs typeface="Monaco" charset="0"/>
-              </a:rPr>
-              <a:t>        if c: return True # we can stop</a:t>
-            </a:r>
-          </a:p>
-          <a:p>
-            <a:r>
-              <a:rPr lang="en-US" sz="2200" dirty="0">
-                <a:latin typeface="Monaco" charset="0"/>
-                <a:ea typeface="Monaco" charset="0"/>
-                <a:cs typeface="Monaco" charset="0"/>
-              </a:rPr>
-              <a:t>    return </a:t>
-            </a:r>
-            <a:r>
-              <a:rPr lang="en-US" sz="2200" dirty="0">
-                <a:solidFill>
-                  <a:schemeClr val="accent1"/>
-                </a:solidFill>
-                <a:latin typeface="Monaco" charset="0"/>
-                <a:ea typeface="Monaco" charset="0"/>
-                <a:cs typeface="Monaco" charset="0"/>
-              </a:rPr>
-              <a:t>False</a:t>
+              <a:rPr lang="en-US" sz="1600" dirty="0"/>
+              <a:t>Algorithms book by Sedgewick, Wayne</a:t>
             </a:r>
           </a:p>
         </p:txBody>
@@ -13180,7 +13452,7 @@
     </p:spTree>
     <p:extLst>
       <p:ext uri="{BB962C8B-B14F-4D97-AF65-F5344CB8AC3E}">
-        <p14:creationId xmlns:p14="http://schemas.microsoft.com/office/powerpoint/2010/main" val="2109500284"/>
+        <p14:creationId xmlns:p14="http://schemas.microsoft.com/office/powerpoint/2010/main" val="717105456"/>
       </p:ext>
     </p:extLst>
   </p:cSld>

--- a/notes/graphs.pptx
+++ b/notes/graphs.pptx
@@ -8396,7 +8396,7 @@
         </p:spPr>
         <p:txBody>
           <a:bodyPr>
-            <a:normAutofit/>
+            <a:normAutofit lnSpcReduction="10000"/>
           </a:bodyPr>
           <a:lstStyle/>
           <a:p>
@@ -8427,7 +8427,7 @@
             </a:br>
             <a:r>
               <a:rPr lang="en-US" dirty="0"/>
-              <a:t>v must come before u</a:t>
+              <a:t>v must come before u OR u-&gt;v mean u precedes v</a:t>
             </a:r>
           </a:p>
           <a:p>
@@ -8447,14 +8447,7 @@
           <a:p>
             <a:r>
               <a:rPr lang="en-US" dirty="0"/>
-              <a:t>Can also have u-&gt;v mean u precedes v. E.g.,</a:t>
-            </a:r>
-            <a:br>
-              <a:rPr lang="en-US" dirty="0"/>
-            </a:br>
-            <a:r>
-              <a:rPr lang="en-US" dirty="0"/>
-              <a:t>502 is </a:t>
+              <a:t>E.g., 502 is </a:t>
             </a:r>
             <a:r>
               <a:rPr lang="en-US" dirty="0" err="1"/>
@@ -8477,6 +8470,22 @@
               <a:rPr lang="en-US" dirty="0"/>
               <a:t>Sort is not usually unique</a:t>
             </a:r>
+          </a:p>
+          <a:p>
+            <a:r>
+              <a:rPr lang="en-US" dirty="0"/>
+              <a:t>Cycles are meaningless for dependencies;</a:t>
+            </a:r>
+            <a:br>
+              <a:rPr lang="en-US" dirty="0"/>
+            </a:br>
+            <a:r>
+              <a:rPr lang="en-US" dirty="0"/>
+              <a:t>how can 630-01 be attended before itself?</a:t>
+            </a:r>
+          </a:p>
+          <a:p>
+            <a:endParaRPr lang="en-US" dirty="0"/>
           </a:p>
         </p:txBody>
       </p:sp>
@@ -8504,6 +8513,36 @@
           <a:xfrm>
             <a:off x="8778241" y="629919"/>
             <a:ext cx="3413759" cy="3982719"/>
+          </a:xfrm>
+          <a:prstGeom prst="rect">
+            <a:avLst/>
+          </a:prstGeom>
+        </p:spPr>
+      </p:pic>
+      <p:pic>
+        <p:nvPicPr>
+          <p:cNvPr id="6" name="Picture 5">
+            <a:extLst>
+              <a:ext uri="{FF2B5EF4-FFF2-40B4-BE49-F238E27FC236}">
+                <a16:creationId xmlns:a16="http://schemas.microsoft.com/office/drawing/2014/main" id="{AA8172F1-2173-C749-AD58-1755721A528D}"/>
+              </a:ext>
+            </a:extLst>
+          </p:cNvPr>
+          <p:cNvPicPr>
+            <a:picLocks noChangeAspect="1"/>
+          </p:cNvPicPr>
+          <p:nvPr/>
+        </p:nvPicPr>
+        <p:blipFill>
+          <a:blip r:embed="rId3"/>
+          <a:stretch>
+            <a:fillRect/>
+          </a:stretch>
+        </p:blipFill>
+        <p:spPr>
+          <a:xfrm>
+            <a:off x="7787641" y="4877432"/>
+            <a:ext cx="990600" cy="1143000"/>
           </a:xfrm>
           <a:prstGeom prst="rect">
             <a:avLst/>
@@ -8563,7 +8602,7 @@
           <a:p>
             <a:r>
               <a:rPr lang="en-US" dirty="0"/>
-              <a:t>Example topological sort</a:t>
+              <a:t>Example topological sort u depends v</a:t>
             </a:r>
           </a:p>
         </p:txBody>
@@ -8860,7 +8899,7 @@
                 </a:r>
                 <a:r>
                   <a:rPr lang="en-US" dirty="0"/>
-                  <a:t> edges is &gt;=0 and &lt;= </a:t>
+                  <a:t> directed edges is &gt;=0 and &lt;= </a:t>
                 </a:r>
                 <a14:m>
                   <m:oMath xmlns:m="http://schemas.openxmlformats.org/officeDocument/2006/math">
@@ -9208,7 +9247,7 @@
         </p:spPr>
         <p:txBody>
           <a:bodyPr>
-            <a:normAutofit lnSpcReduction="10000"/>
+            <a:normAutofit/>
           </a:bodyPr>
           <a:lstStyle/>
           <a:p>
@@ -9241,26 +9280,6 @@
           </a:p>
           <a:p>
             <a:endParaRPr lang="en-US" dirty="0"/>
-          </a:p>
-          <a:p>
-            <a:r>
-              <a:rPr lang="en-US" dirty="0"/>
-              <a:t>BTW, cycles would cause trouble; are meaningless when</a:t>
-            </a:r>
-            <a:br>
-              <a:rPr lang="en-US" dirty="0"/>
-            </a:br>
-            <a:r>
-              <a:rPr lang="en-US" dirty="0"/>
-              <a:t>dealing with dependencies; how can 630-01 be</a:t>
-            </a:r>
-            <a:br>
-              <a:rPr lang="en-US" dirty="0"/>
-            </a:br>
-            <a:r>
-              <a:rPr lang="en-US" dirty="0"/>
-              <a:t>attended before itself?</a:t>
-            </a:r>
           </a:p>
         </p:txBody>
       </p:sp>
@@ -9296,36 +9315,6 @@
       </p:pic>
       <p:pic>
         <p:nvPicPr>
-          <p:cNvPr id="6" name="Picture 5">
-            <a:extLst>
-              <a:ext uri="{FF2B5EF4-FFF2-40B4-BE49-F238E27FC236}">
-                <a16:creationId xmlns:a16="http://schemas.microsoft.com/office/drawing/2014/main" id="{F95340B7-6B91-E143-8596-0A66A5344B66}"/>
-              </a:ext>
-            </a:extLst>
-          </p:cNvPr>
-          <p:cNvPicPr>
-            <a:picLocks noChangeAspect="1"/>
-          </p:cNvPicPr>
-          <p:nvPr/>
-        </p:nvPicPr>
-        <p:blipFill>
-          <a:blip r:embed="rId3"/>
-          <a:stretch>
-            <a:fillRect/>
-          </a:stretch>
-        </p:blipFill>
-        <p:spPr>
-          <a:xfrm>
-            <a:off x="9864090" y="5003801"/>
-            <a:ext cx="990600" cy="1143000"/>
-          </a:xfrm>
-          <a:prstGeom prst="rect">
-            <a:avLst/>
-          </a:prstGeom>
-        </p:spPr>
-      </p:pic>
-      <p:pic>
-        <p:nvPicPr>
           <p:cNvPr id="8" name="Picture 7">
             <a:extLst>
               <a:ext uri="{FF2B5EF4-FFF2-40B4-BE49-F238E27FC236}">
@@ -9339,7 +9328,7 @@
           <p:nvPr/>
         </p:nvPicPr>
         <p:blipFill>
-          <a:blip r:embed="rId4"/>
+          <a:blip r:embed="rId3"/>
           <a:stretch>
             <a:fillRect/>
           </a:stretch>
@@ -9435,13 +9424,8 @@
           <a:p>
             <a:r>
               <a:rPr lang="en-US" dirty="0"/>
-              <a:t>Lots of very complex algorithms on the web (</a:t>
-            </a:r>
-            <a:r>
-              <a:rPr lang="en-US"/>
-              <a:t>not sure why)</a:t>
-            </a:r>
-            <a:endParaRPr lang="en-US" dirty="0"/>
+              <a:t>Lots of very complex algorithms on the web (not sure why)</a:t>
+            </a:r>
           </a:p>
           <a:p>
             <a:r>
@@ -9458,7 +9442,14 @@
           <a:p>
             <a:r>
               <a:rPr lang="en-US" dirty="0"/>
-              <a:t>If u precedes v, reverse the post-order traversal</a:t>
+              <a:t>If u precedes v, reverse the result of post-order traversal;</a:t>
+            </a:r>
+            <a:br>
+              <a:rPr lang="en-US" dirty="0"/>
+            </a:br>
+            <a:r>
+              <a:rPr lang="en-US" dirty="0"/>
+              <a:t>See proof page 582 of Sedgewick/Wayne Algorithms book</a:t>
             </a:r>
           </a:p>
           <a:p>
@@ -10396,13 +10387,77 @@
                 <a:ea typeface="Monaco" charset="0"/>
                 <a:cs typeface="Monaco" charset="0"/>
               </a:rPr>
-              <a:t>    return sorted</a:t>
+              <a:t>    return </a:t>
+            </a:r>
+            <a:r>
+              <a:rPr lang="en-US" sz="2200" dirty="0">
+                <a:solidFill>
+                  <a:schemeClr val="accent2">
+                    <a:lumMod val="75000"/>
+                  </a:schemeClr>
+                </a:solidFill>
+                <a:latin typeface="Monaco" charset="0"/>
+                <a:ea typeface="Monaco" charset="0"/>
+                <a:cs typeface="Monaco" charset="0"/>
+              </a:rPr>
+              <a:t>reverse</a:t>
+            </a:r>
+            <a:r>
+              <a:rPr lang="en-US" sz="2200" dirty="0">
+                <a:latin typeface="Monaco" charset="0"/>
+                <a:ea typeface="Monaco" charset="0"/>
+                <a:cs typeface="Monaco" charset="0"/>
+              </a:rPr>
+              <a:t>(sorted)</a:t>
             </a:r>
             <a:endParaRPr lang="mr-IN" sz="2200" dirty="0">
               <a:latin typeface="Monaco" charset="0"/>
               <a:ea typeface="Monaco" charset="0"/>
               <a:cs typeface="Monaco" charset="0"/>
             </a:endParaRPr>
+          </a:p>
+        </p:txBody>
+      </p:sp>
+      <p:sp>
+        <p:nvSpPr>
+          <p:cNvPr id="3" name="TextBox 2">
+            <a:extLst>
+              <a:ext uri="{FF2B5EF4-FFF2-40B4-BE49-F238E27FC236}">
+                <a16:creationId xmlns:a16="http://schemas.microsoft.com/office/drawing/2014/main" id="{7DC2D073-87F5-7140-A3EB-D8151444B47B}"/>
+              </a:ext>
+            </a:extLst>
+          </p:cNvPr>
+          <p:cNvSpPr txBox="1"/>
+          <p:nvPr/>
+        </p:nvSpPr>
+        <p:spPr>
+          <a:xfrm>
+            <a:off x="220200" y="5612860"/>
+            <a:ext cx="6494920" cy="461665"/>
+          </a:xfrm>
+          <a:prstGeom prst="rect">
+            <a:avLst/>
+          </a:prstGeom>
+          <a:noFill/>
+        </p:spPr>
+        <p:txBody>
+          <a:bodyPr wrap="none" rtlCol="0">
+            <a:spAutoFit/>
+          </a:bodyPr>
+          <a:lstStyle/>
+          <a:p>
+            <a:r>
+              <a:rPr lang="en-US" sz="2400" dirty="0"/>
+              <a:t>We reverse </a:t>
+            </a:r>
+            <a:r>
+              <a:rPr lang="en-US" sz="2400" dirty="0" err="1"/>
+              <a:t>postorder</a:t>
+            </a:r>
+            <a:r>
+              <a:rPr lang="en-US" sz="2400" dirty="0"/>
+              <a:t> here since u precedes v</a:t>
+            </a:r>
           </a:p>
         </p:txBody>
       </p:sp>

--- a/notes/graphs.pptx
+++ b/notes/graphs.pptx
@@ -235,7 +235,7 @@
           <a:p>
             <a:fld id="{8A1B613A-EFF1-404F-BEE8-EFAE84A4E5E2}" type="datetimeFigureOut">
               <a:rPr lang="en-US" smtClean="0"/>
-              <a:t>2/28/19</a:t>
+              <a:t>3/1/19</a:t>
             </a:fld>
             <a:endParaRPr lang="en-US"/>
           </a:p>
@@ -400,7 +400,7 @@
           <a:p>
             <a:fld id="{690847EA-AC25-3D4E-89E1-FD3F6A9702B6}" type="datetimeFigureOut">
               <a:rPr lang="en-US" smtClean="0"/>
-              <a:t>2/28/19</a:t>
+              <a:t>3/1/19</a:t>
             </a:fld>
             <a:endParaRPr lang="en-US"/>
           </a:p>
@@ -814,7 +814,7 @@
           <a:p>
             <a:fld id="{BE5295ED-3BAF-1140-8495-3D368771D6B1}" type="datetimeFigureOut">
               <a:rPr lang="en-US" smtClean="0"/>
-              <a:t>2/28/19</a:t>
+              <a:t>3/1/19</a:t>
             </a:fld>
             <a:endParaRPr lang="en-US"/>
           </a:p>
@@ -1012,7 +1012,7 @@
           <a:p>
             <a:fld id="{BE5295ED-3BAF-1140-8495-3D368771D6B1}" type="datetimeFigureOut">
               <a:rPr lang="en-US" smtClean="0"/>
-              <a:t>2/28/19</a:t>
+              <a:t>3/1/19</a:t>
             </a:fld>
             <a:endParaRPr lang="en-US"/>
           </a:p>
@@ -1220,7 +1220,7 @@
           <a:p>
             <a:fld id="{BE5295ED-3BAF-1140-8495-3D368771D6B1}" type="datetimeFigureOut">
               <a:rPr lang="en-US" smtClean="0"/>
-              <a:t>2/28/19</a:t>
+              <a:t>3/1/19</a:t>
             </a:fld>
             <a:endParaRPr lang="en-US"/>
           </a:p>
@@ -1418,7 +1418,7 @@
           <a:p>
             <a:fld id="{BE5295ED-3BAF-1140-8495-3D368771D6B1}" type="datetimeFigureOut">
               <a:rPr lang="en-US" smtClean="0"/>
-              <a:t>2/28/19</a:t>
+              <a:t>3/1/19</a:t>
             </a:fld>
             <a:endParaRPr lang="en-US"/>
           </a:p>
@@ -1693,7 +1693,7 @@
           <a:p>
             <a:fld id="{BE5295ED-3BAF-1140-8495-3D368771D6B1}" type="datetimeFigureOut">
               <a:rPr lang="en-US" smtClean="0"/>
-              <a:t>2/28/19</a:t>
+              <a:t>3/1/19</a:t>
             </a:fld>
             <a:endParaRPr lang="en-US"/>
           </a:p>
@@ -1958,7 +1958,7 @@
           <a:p>
             <a:fld id="{BE5295ED-3BAF-1140-8495-3D368771D6B1}" type="datetimeFigureOut">
               <a:rPr lang="en-US" smtClean="0"/>
-              <a:t>2/28/19</a:t>
+              <a:t>3/1/19</a:t>
             </a:fld>
             <a:endParaRPr lang="en-US"/>
           </a:p>
@@ -2370,7 +2370,7 @@
           <a:p>
             <a:fld id="{BE5295ED-3BAF-1140-8495-3D368771D6B1}" type="datetimeFigureOut">
               <a:rPr lang="en-US" smtClean="0"/>
-              <a:t>2/28/19</a:t>
+              <a:t>3/1/19</a:t>
             </a:fld>
             <a:endParaRPr lang="en-US"/>
           </a:p>
@@ -2511,7 +2511,7 @@
           <a:p>
             <a:fld id="{BE5295ED-3BAF-1140-8495-3D368771D6B1}" type="datetimeFigureOut">
               <a:rPr lang="en-US" smtClean="0"/>
-              <a:t>2/28/19</a:t>
+              <a:t>3/1/19</a:t>
             </a:fld>
             <a:endParaRPr lang="en-US"/>
           </a:p>
@@ -2624,7 +2624,7 @@
           <a:p>
             <a:fld id="{BE5295ED-3BAF-1140-8495-3D368771D6B1}" type="datetimeFigureOut">
               <a:rPr lang="en-US" smtClean="0"/>
-              <a:t>2/28/19</a:t>
+              <a:t>3/1/19</a:t>
             </a:fld>
             <a:endParaRPr lang="en-US"/>
           </a:p>
@@ -2935,7 +2935,7 @@
           <a:p>
             <a:fld id="{BE5295ED-3BAF-1140-8495-3D368771D6B1}" type="datetimeFigureOut">
               <a:rPr lang="en-US" smtClean="0"/>
-              <a:t>2/28/19</a:t>
+              <a:t>3/1/19</a:t>
             </a:fld>
             <a:endParaRPr lang="en-US"/>
           </a:p>
@@ -3226,7 +3226,7 @@
           <a:p>
             <a:fld id="{BE5295ED-3BAF-1140-8495-3D368771D6B1}" type="datetimeFigureOut">
               <a:rPr lang="en-US" smtClean="0"/>
-              <a:t>2/28/19</a:t>
+              <a:t>3/1/19</a:t>
             </a:fld>
             <a:endParaRPr lang="en-US"/>
           </a:p>
@@ -3467,7 +3467,7 @@
           <a:p>
             <a:fld id="{BE5295ED-3BAF-1140-8495-3D368771D6B1}" type="datetimeFigureOut">
               <a:rPr lang="en-US" smtClean="0"/>
-              <a:t>2/28/19</a:t>
+              <a:t>3/1/19</a:t>
             </a:fld>
             <a:endParaRPr lang="en-US"/>
           </a:p>
@@ -8761,8 +8761,8 @@
           </a:p>
         </p:txBody>
       </p:sp>
-      <mc:AlternateContent xmlns:mc="http://schemas.openxmlformats.org/markup-compatibility/2006">
-        <mc:Choice xmlns:a14="http://schemas.microsoft.com/office/drawing/2010/main" Requires="a14">
+      <mc:AlternateContent xmlns:mc="http://schemas.openxmlformats.org/markup-compatibility/2006" xmlns:a14="http://schemas.microsoft.com/office/drawing/2010/main">
+        <mc:Choice Requires="a14">
           <p:sp>
             <p:nvSpPr>
               <p:cNvPr id="3" name="Content Placeholder 2">
@@ -8979,7 +8979,7 @@
             </p:txBody>
           </p:sp>
         </mc:Choice>
-        <mc:Fallback>
+        <mc:Fallback xmlns="">
           <p:sp>
             <p:nvSpPr>
               <p:cNvPr id="3" name="Content Placeholder 2">
@@ -9814,8 +9814,8 @@
         </p:nvSpPr>
         <p:spPr>
           <a:xfrm>
-            <a:off x="1786370" y="2630289"/>
-            <a:ext cx="8912110" cy="2308324"/>
+            <a:off x="1786369" y="2630289"/>
+            <a:ext cx="9131839" cy="2308324"/>
           </a:xfrm>
           <a:prstGeom prst="rect">
             <a:avLst/>
@@ -9879,7 +9879,7 @@
                 <a:ea typeface="Monaco" charset="0"/>
                 <a:cs typeface="Monaco" charset="0"/>
               </a:rPr>
-              <a:t>sorted:set</a:t>
+              <a:t>sorted:list</a:t>
             </a:r>
             <a:r>
               <a:rPr lang="en-US" sz="2400" dirty="0">

--- a/notes/graphs.pptx
+++ b/notes/graphs.pptx
@@ -5,42 +5,44 @@
     <p:sldMasterId id="2147483672" r:id="rId1"/>
   </p:sldMasterIdLst>
   <p:notesMasterIdLst>
-    <p:notesMasterId r:id="rId32"/>
+    <p:notesMasterId r:id="rId34"/>
   </p:notesMasterIdLst>
   <p:handoutMasterIdLst>
-    <p:handoutMasterId r:id="rId33"/>
+    <p:handoutMasterId r:id="rId35"/>
   </p:handoutMasterIdLst>
   <p:sldIdLst>
     <p:sldId id="256" r:id="rId2"/>
     <p:sldId id="288" r:id="rId3"/>
     <p:sldId id="318" r:id="rId4"/>
-    <p:sldId id="290" r:id="rId5"/>
-    <p:sldId id="291" r:id="rId6"/>
-    <p:sldId id="294" r:id="rId7"/>
-    <p:sldId id="293" r:id="rId8"/>
-    <p:sldId id="299" r:id="rId9"/>
-    <p:sldId id="295" r:id="rId10"/>
-    <p:sldId id="296" r:id="rId11"/>
-    <p:sldId id="297" r:id="rId12"/>
-    <p:sldId id="303" r:id="rId13"/>
-    <p:sldId id="304" r:id="rId14"/>
-    <p:sldId id="298" r:id="rId15"/>
-    <p:sldId id="302" r:id="rId16"/>
-    <p:sldId id="300" r:id="rId17"/>
-    <p:sldId id="301" r:id="rId18"/>
-    <p:sldId id="309" r:id="rId19"/>
-    <p:sldId id="310" r:id="rId20"/>
-    <p:sldId id="317" r:id="rId21"/>
-    <p:sldId id="312" r:id="rId22"/>
-    <p:sldId id="311" r:id="rId23"/>
-    <p:sldId id="313" r:id="rId24"/>
-    <p:sldId id="315" r:id="rId25"/>
-    <p:sldId id="314" r:id="rId26"/>
-    <p:sldId id="308" r:id="rId27"/>
-    <p:sldId id="305" r:id="rId28"/>
-    <p:sldId id="316" r:id="rId29"/>
-    <p:sldId id="306" r:id="rId30"/>
-    <p:sldId id="307" r:id="rId31"/>
+    <p:sldId id="319" r:id="rId5"/>
+    <p:sldId id="290" r:id="rId6"/>
+    <p:sldId id="291" r:id="rId7"/>
+    <p:sldId id="294" r:id="rId8"/>
+    <p:sldId id="293" r:id="rId9"/>
+    <p:sldId id="299" r:id="rId10"/>
+    <p:sldId id="295" r:id="rId11"/>
+    <p:sldId id="296" r:id="rId12"/>
+    <p:sldId id="297" r:id="rId13"/>
+    <p:sldId id="303" r:id="rId14"/>
+    <p:sldId id="304" r:id="rId15"/>
+    <p:sldId id="298" r:id="rId16"/>
+    <p:sldId id="302" r:id="rId17"/>
+    <p:sldId id="300" r:id="rId18"/>
+    <p:sldId id="301" r:id="rId19"/>
+    <p:sldId id="309" r:id="rId20"/>
+    <p:sldId id="310" r:id="rId21"/>
+    <p:sldId id="317" r:id="rId22"/>
+    <p:sldId id="312" r:id="rId23"/>
+    <p:sldId id="311" r:id="rId24"/>
+    <p:sldId id="313" r:id="rId25"/>
+    <p:sldId id="315" r:id="rId26"/>
+    <p:sldId id="314" r:id="rId27"/>
+    <p:sldId id="308" r:id="rId28"/>
+    <p:sldId id="305" r:id="rId29"/>
+    <p:sldId id="320" r:id="rId30"/>
+    <p:sldId id="316" r:id="rId31"/>
+    <p:sldId id="306" r:id="rId32"/>
+    <p:sldId id="307" r:id="rId33"/>
   </p:sldIdLst>
   <p:sldSz cx="12192000" cy="6858000"/>
   <p:notesSz cx="9144000" cy="6858000"/>
@@ -235,7 +237,7 @@
           <a:p>
             <a:fld id="{8A1B613A-EFF1-404F-BEE8-EFAE84A4E5E2}" type="datetimeFigureOut">
               <a:rPr lang="en-US" smtClean="0"/>
-              <a:t>3/1/19</a:t>
+              <a:t>2/20/20</a:t>
             </a:fld>
             <a:endParaRPr lang="en-US"/>
           </a:p>
@@ -400,7 +402,7 @@
           <a:p>
             <a:fld id="{690847EA-AC25-3D4E-89E1-FD3F6A9702B6}" type="datetimeFigureOut">
               <a:rPr lang="en-US" smtClean="0"/>
-              <a:t>3/1/19</a:t>
+              <a:t>2/20/20</a:t>
             </a:fld>
             <a:endParaRPr lang="en-US"/>
           </a:p>
@@ -814,7 +816,7 @@
           <a:p>
             <a:fld id="{BE5295ED-3BAF-1140-8495-3D368771D6B1}" type="datetimeFigureOut">
               <a:rPr lang="en-US" smtClean="0"/>
-              <a:t>3/1/19</a:t>
+              <a:t>2/20/20</a:t>
             </a:fld>
             <a:endParaRPr lang="en-US"/>
           </a:p>
@@ -1012,7 +1014,7 @@
           <a:p>
             <a:fld id="{BE5295ED-3BAF-1140-8495-3D368771D6B1}" type="datetimeFigureOut">
               <a:rPr lang="en-US" smtClean="0"/>
-              <a:t>3/1/19</a:t>
+              <a:t>2/20/20</a:t>
             </a:fld>
             <a:endParaRPr lang="en-US"/>
           </a:p>
@@ -1220,7 +1222,7 @@
           <a:p>
             <a:fld id="{BE5295ED-3BAF-1140-8495-3D368771D6B1}" type="datetimeFigureOut">
               <a:rPr lang="en-US" smtClean="0"/>
-              <a:t>3/1/19</a:t>
+              <a:t>2/20/20</a:t>
             </a:fld>
             <a:endParaRPr lang="en-US"/>
           </a:p>
@@ -1418,7 +1420,7 @@
           <a:p>
             <a:fld id="{BE5295ED-3BAF-1140-8495-3D368771D6B1}" type="datetimeFigureOut">
               <a:rPr lang="en-US" smtClean="0"/>
-              <a:t>3/1/19</a:t>
+              <a:t>2/20/20</a:t>
             </a:fld>
             <a:endParaRPr lang="en-US"/>
           </a:p>
@@ -1693,7 +1695,7 @@
           <a:p>
             <a:fld id="{BE5295ED-3BAF-1140-8495-3D368771D6B1}" type="datetimeFigureOut">
               <a:rPr lang="en-US" smtClean="0"/>
-              <a:t>3/1/19</a:t>
+              <a:t>2/20/20</a:t>
             </a:fld>
             <a:endParaRPr lang="en-US"/>
           </a:p>
@@ -1958,7 +1960,7 @@
           <a:p>
             <a:fld id="{BE5295ED-3BAF-1140-8495-3D368771D6B1}" type="datetimeFigureOut">
               <a:rPr lang="en-US" smtClean="0"/>
-              <a:t>3/1/19</a:t>
+              <a:t>2/20/20</a:t>
             </a:fld>
             <a:endParaRPr lang="en-US"/>
           </a:p>
@@ -2370,7 +2372,7 @@
           <a:p>
             <a:fld id="{BE5295ED-3BAF-1140-8495-3D368771D6B1}" type="datetimeFigureOut">
               <a:rPr lang="en-US" smtClean="0"/>
-              <a:t>3/1/19</a:t>
+              <a:t>2/20/20</a:t>
             </a:fld>
             <a:endParaRPr lang="en-US"/>
           </a:p>
@@ -2511,7 +2513,7 @@
           <a:p>
             <a:fld id="{BE5295ED-3BAF-1140-8495-3D368771D6B1}" type="datetimeFigureOut">
               <a:rPr lang="en-US" smtClean="0"/>
-              <a:t>3/1/19</a:t>
+              <a:t>2/20/20</a:t>
             </a:fld>
             <a:endParaRPr lang="en-US"/>
           </a:p>
@@ -2624,7 +2626,7 @@
           <a:p>
             <a:fld id="{BE5295ED-3BAF-1140-8495-3D368771D6B1}" type="datetimeFigureOut">
               <a:rPr lang="en-US" smtClean="0"/>
-              <a:t>3/1/19</a:t>
+              <a:t>2/20/20</a:t>
             </a:fld>
             <a:endParaRPr lang="en-US"/>
           </a:p>
@@ -2935,7 +2937,7 @@
           <a:p>
             <a:fld id="{BE5295ED-3BAF-1140-8495-3D368771D6B1}" type="datetimeFigureOut">
               <a:rPr lang="en-US" smtClean="0"/>
-              <a:t>3/1/19</a:t>
+              <a:t>2/20/20</a:t>
             </a:fld>
             <a:endParaRPr lang="en-US"/>
           </a:p>
@@ -3226,7 +3228,7 @@
           <a:p>
             <a:fld id="{BE5295ED-3BAF-1140-8495-3D368771D6B1}" type="datetimeFigureOut">
               <a:rPr lang="en-US" smtClean="0"/>
-              <a:t>3/1/19</a:t>
+              <a:t>2/20/20</a:t>
             </a:fld>
             <a:endParaRPr lang="en-US"/>
           </a:p>
@@ -3467,7 +3469,7 @@
           <a:p>
             <a:fld id="{BE5295ED-3BAF-1140-8495-3D368771D6B1}" type="datetimeFigureOut">
               <a:rPr lang="en-US" smtClean="0"/>
-              <a:t>3/1/19</a:t>
+              <a:t>2/20/20</a:t>
             </a:fld>
             <a:endParaRPr lang="en-US"/>
           </a:p>
@@ -4077,7 +4079,7 @@
           <a:p>
             <a:r>
               <a:rPr lang="en-US" dirty="0"/>
-              <a:t>Is there a cycle from p to p?</a:t>
+              <a:t>Depth-first search (review)</a:t>
             </a:r>
           </a:p>
         </p:txBody>
@@ -4094,12 +4096,26 @@
         </p:nvSpPr>
         <p:spPr/>
         <p:txBody>
-          <a:bodyPr/>
+          <a:bodyPr>
+            <a:normAutofit/>
+          </a:bodyPr>
           <a:lstStyle/>
           <a:p>
             <a:r>
               <a:rPr lang="en-US" dirty="0"/>
-              <a:t>If we run into starting node in visited set, return True</a:t>
+              <a:t>The fundamental algorithm for answering graph questions</a:t>
+            </a:r>
+          </a:p>
+          <a:p>
+            <a:r>
+              <a:rPr lang="en-US" dirty="0"/>
+              <a:t>Visits all reachable nodes from p, avoiding cycles</a:t>
+            </a:r>
+          </a:p>
+          <a:p>
+            <a:r>
+              <a:rPr lang="en-US" dirty="0"/>
+              <a:t>Go deep first</a:t>
             </a:r>
           </a:p>
         </p:txBody>
@@ -4118,8 +4134,8 @@
         </p:nvSpPr>
         <p:spPr>
           <a:xfrm>
-            <a:off x="1271631" y="2322255"/>
-            <a:ext cx="8981079" cy="4154984"/>
+            <a:off x="968684" y="3772738"/>
+            <a:ext cx="7221018" cy="1938992"/>
           </a:xfrm>
           <a:prstGeom prst="rect">
             <a:avLst/>
@@ -4138,7 +4154,7 @@
           <a:lstStyle/>
           <a:p>
             <a:r>
-              <a:rPr lang="en-US" sz="2200" dirty="0">
+              <a:rPr lang="en-US" sz="2400" dirty="0">
                 <a:latin typeface="Monaco" charset="0"/>
                 <a:ea typeface="Monaco" charset="0"/>
                 <a:cs typeface="Monaco" charset="0"/>
@@ -4146,15 +4162,15 @@
               <a:t>def </a:t>
             </a:r>
             <a:r>
-              <a:rPr lang="en-US" sz="2200" dirty="0" err="1">
-                <a:latin typeface="Monaco" charset="0"/>
-                <a:ea typeface="Monaco" charset="0"/>
-                <a:cs typeface="Monaco" charset="0"/>
-              </a:rPr>
-              <a:t>iscyclic</a:t>
-            </a:r>
-            <a:r>
-              <a:rPr lang="en-US" sz="2200" dirty="0">
+              <a:rPr lang="en-US" sz="2400" dirty="0" err="1">
+                <a:latin typeface="Monaco" charset="0"/>
+                <a:ea typeface="Monaco" charset="0"/>
+                <a:cs typeface="Monaco" charset="0"/>
+              </a:rPr>
+              <a:t>walk_graph</a:t>
+            </a:r>
+            <a:r>
+              <a:rPr lang="en-US" sz="2400" dirty="0">
                 <a:latin typeface="Monaco" charset="0"/>
                 <a:ea typeface="Monaco" charset="0"/>
                 <a:cs typeface="Monaco" charset="0"/>
@@ -4162,7 +4178,7 @@
               <a:t>(</a:t>
             </a:r>
             <a:r>
-              <a:rPr lang="en-US" sz="2200" dirty="0" err="1">
+              <a:rPr lang="en-US" sz="2400" dirty="0" err="1">
                 <a:latin typeface="Monaco" charset="0"/>
                 <a:ea typeface="Monaco" charset="0"/>
                 <a:cs typeface="Monaco" charset="0"/>
@@ -4170,137 +4186,79 @@
               <a:t>p:Node</a:t>
             </a:r>
             <a:r>
-              <a:rPr lang="en-US" sz="2200" dirty="0">
-                <a:latin typeface="Monaco" charset="0"/>
-                <a:ea typeface="Monaco" charset="0"/>
-                <a:cs typeface="Monaco" charset="0"/>
-              </a:rPr>
-              <a:t>) -&gt; bool:</a:t>
-            </a:r>
-          </a:p>
-          <a:p>
-            <a:r>
-              <a:rPr lang="en-US" sz="2200" dirty="0">
-                <a:latin typeface="Monaco" charset="0"/>
-                <a:ea typeface="Monaco" charset="0"/>
-                <a:cs typeface="Monaco" charset="0"/>
-              </a:rPr>
-              <a:t>    return </a:t>
-            </a:r>
-            <a:r>
-              <a:rPr lang="en-US" sz="2200" dirty="0" err="1">
-                <a:latin typeface="Monaco" charset="0"/>
-                <a:ea typeface="Monaco" charset="0"/>
-                <a:cs typeface="Monaco" charset="0"/>
-              </a:rPr>
-              <a:t>iscyclic</a:t>
-            </a:r>
-            <a:r>
-              <a:rPr lang="en-US" sz="2200" dirty="0">
-                <a:latin typeface="Monaco" charset="0"/>
-                <a:ea typeface="Monaco" charset="0"/>
-                <a:cs typeface="Monaco" charset="0"/>
-              </a:rPr>
-              <a:t>_(</a:t>
-            </a:r>
-            <a:r>
-              <a:rPr lang="en-US" sz="2200" dirty="0" err="1">
-                <a:latin typeface="Monaco" charset="0"/>
-                <a:ea typeface="Monaco" charset="0"/>
-                <a:cs typeface="Monaco" charset="0"/>
-              </a:rPr>
-              <a:t>p,p,set</a:t>
-            </a:r>
-            <a:r>
-              <a:rPr lang="en-US" sz="2200" dirty="0">
-                <a:latin typeface="Monaco" charset="0"/>
-                <a:ea typeface="Monaco" charset="0"/>
-                <a:cs typeface="Monaco" charset="0"/>
-              </a:rPr>
-              <a:t>())</a:t>
-            </a:r>
-          </a:p>
-          <a:p>
-            <a:endParaRPr lang="en-US" sz="2200" dirty="0">
-              <a:latin typeface="Monaco" charset="0"/>
-              <a:ea typeface="Monaco" charset="0"/>
-              <a:cs typeface="Monaco" charset="0"/>
-            </a:endParaRPr>
-          </a:p>
-          <a:p>
-            <a:r>
-              <a:rPr lang="en-US" sz="2200" dirty="0">
-                <a:latin typeface="Monaco" charset="0"/>
-                <a:ea typeface="Monaco" charset="0"/>
-                <a:cs typeface="Monaco" charset="0"/>
-              </a:rPr>
-              <a:t>def </a:t>
-            </a:r>
-            <a:r>
-              <a:rPr lang="en-US" sz="2200" dirty="0" err="1">
-                <a:latin typeface="Monaco" charset="0"/>
-                <a:ea typeface="Monaco" charset="0"/>
-                <a:cs typeface="Monaco" charset="0"/>
-              </a:rPr>
-              <a:t>iscyclic</a:t>
-            </a:r>
-            <a:r>
-              <a:rPr lang="en-US" sz="2200" dirty="0">
-                <a:latin typeface="Monaco" charset="0"/>
-                <a:ea typeface="Monaco" charset="0"/>
-                <a:cs typeface="Monaco" charset="0"/>
-              </a:rPr>
-              <a:t>_(</a:t>
-            </a:r>
-            <a:r>
-              <a:rPr lang="en-US" sz="2200" dirty="0" err="1">
-                <a:solidFill>
-                  <a:schemeClr val="accent1"/>
-                </a:solidFill>
-                <a:latin typeface="Monaco" charset="0"/>
-                <a:ea typeface="Monaco" charset="0"/>
-                <a:cs typeface="Monaco" charset="0"/>
-              </a:rPr>
-              <a:t>start:Node</a:t>
-            </a:r>
-            <a:r>
-              <a:rPr lang="en-US" sz="2200" dirty="0">
-                <a:latin typeface="Monaco" charset="0"/>
-                <a:ea typeface="Monaco" charset="0"/>
-                <a:cs typeface="Monaco" charset="0"/>
-              </a:rPr>
-              <a:t>, </a:t>
-            </a:r>
-            <a:r>
-              <a:rPr lang="en-US" sz="2200" dirty="0" err="1">
-                <a:latin typeface="Monaco" charset="0"/>
-                <a:ea typeface="Monaco" charset="0"/>
-                <a:cs typeface="Monaco" charset="0"/>
-              </a:rPr>
-              <a:t>p:Node</a:t>
-            </a:r>
-            <a:r>
-              <a:rPr lang="en-US" sz="2200" dirty="0">
-                <a:latin typeface="Monaco" charset="0"/>
-                <a:ea typeface="Monaco" charset="0"/>
-                <a:cs typeface="Monaco" charset="0"/>
-              </a:rPr>
-              <a:t>, visited) -&gt; bool:</a:t>
-            </a:r>
-          </a:p>
-          <a:p>
-            <a:r>
-              <a:rPr lang="en-US" sz="2200" dirty="0">
-                <a:latin typeface="Monaco" charset="0"/>
-                <a:ea typeface="Monaco" charset="0"/>
-                <a:cs typeface="Monaco" charset="0"/>
-              </a:rPr>
-              <a:t>    if p in visited: </a:t>
-            </a:r>
-          </a:p>
-          <a:p>
-            <a:r>
-              <a:rPr lang="en-US" sz="2200" dirty="0">
+              <a:rPr lang="en-US" sz="2400" dirty="0">
+                <a:latin typeface="Monaco" charset="0"/>
+                <a:ea typeface="Monaco" charset="0"/>
+                <a:cs typeface="Monaco" charset="0"/>
+              </a:rPr>
+              <a:t>, visited=set()):</a:t>
+            </a:r>
+          </a:p>
+          <a:p>
+            <a:r>
+              <a:rPr lang="en-US" sz="2400" dirty="0">
+                <a:latin typeface="Monaco" charset="0"/>
+                <a:ea typeface="Monaco" charset="0"/>
+                <a:cs typeface="Monaco" charset="0"/>
+              </a:rPr>
+              <a:t>    if p in visited: return</a:t>
+            </a:r>
+          </a:p>
+          <a:p>
+            <a:r>
+              <a:rPr lang="en-US" sz="2400" dirty="0">
+                <a:latin typeface="Monaco" charset="0"/>
+                <a:ea typeface="Monaco" charset="0"/>
+                <a:cs typeface="Monaco" charset="0"/>
+              </a:rPr>
+              <a:t>    </a:t>
+            </a:r>
+            <a:r>
+              <a:rPr lang="en-US" sz="2400" dirty="0" err="1">
+                <a:latin typeface="Monaco" charset="0"/>
+                <a:ea typeface="Monaco" charset="0"/>
+                <a:cs typeface="Monaco" charset="0"/>
+              </a:rPr>
+              <a:t>visited.add</a:t>
+            </a:r>
+            <a:r>
+              <a:rPr lang="en-US" sz="2400" dirty="0">
+                <a:latin typeface="Monaco" charset="0"/>
+                <a:ea typeface="Monaco" charset="0"/>
+                <a:cs typeface="Monaco" charset="0"/>
+              </a:rPr>
+              <a:t>(p)</a:t>
+            </a:r>
+          </a:p>
+          <a:p>
+            <a:r>
+              <a:rPr lang="en-US" sz="2400" dirty="0">
+                <a:latin typeface="Monaco" charset="0"/>
+                <a:ea typeface="Monaco" charset="0"/>
+                <a:cs typeface="Monaco" charset="0"/>
+              </a:rPr>
+              <a:t>    for q in </a:t>
+            </a:r>
+            <a:r>
+              <a:rPr lang="en-US" sz="2400" dirty="0" err="1">
+                <a:latin typeface="Monaco" charset="0"/>
+                <a:ea typeface="Monaco" charset="0"/>
+                <a:cs typeface="Monaco" charset="0"/>
+              </a:rPr>
+              <a:t>p.edges</a:t>
+            </a:r>
+            <a:r>
+              <a:rPr lang="en-US" sz="2400" dirty="0">
+                <a:latin typeface="Monaco" charset="0"/>
+                <a:ea typeface="Monaco" charset="0"/>
+                <a:cs typeface="Monaco" charset="0"/>
+              </a:rPr>
+              <a:t>:</a:t>
+            </a:r>
+          </a:p>
+          <a:p>
+            <a:r>
+              <a:rPr lang="en-US" sz="2400" dirty="0">
                 <a:latin typeface="Monaco" charset="0"/>
                 <a:ea typeface="Monaco" charset="0"/>
                 <a:cs typeface="Monaco" charset="0"/>
@@ -4308,137 +4266,151 @@
               <a:t>        </a:t>
             </a:r>
             <a:r>
-              <a:rPr lang="en-US" sz="2200" dirty="0">
-                <a:solidFill>
-                  <a:schemeClr val="accent1"/>
-                </a:solidFill>
-                <a:latin typeface="Monaco" charset="0"/>
-                <a:ea typeface="Monaco" charset="0"/>
-                <a:cs typeface="Monaco" charset="0"/>
-              </a:rPr>
-              <a:t>if p is start: return True # we find start?</a:t>
-            </a:r>
-          </a:p>
-          <a:p>
-            <a:r>
-              <a:rPr lang="en-US" sz="2200" dirty="0">
-                <a:solidFill>
-                  <a:schemeClr val="accent1"/>
-                </a:solidFill>
-                <a:latin typeface="Monaco" charset="0"/>
-                <a:ea typeface="Monaco" charset="0"/>
-                <a:cs typeface="Monaco" charset="0"/>
-              </a:rPr>
-              <a:t>        return False # can't loop forever so stop</a:t>
-            </a:r>
-          </a:p>
-          <a:p>
-            <a:r>
-              <a:rPr lang="en-US" sz="2200" dirty="0">
-                <a:latin typeface="Monaco" charset="0"/>
-                <a:ea typeface="Monaco" charset="0"/>
-                <a:cs typeface="Monaco" charset="0"/>
-              </a:rPr>
-              <a:t>    </a:t>
-            </a:r>
-            <a:r>
-              <a:rPr lang="en-US" sz="2200" dirty="0" err="1">
-                <a:latin typeface="Monaco" charset="0"/>
-                <a:ea typeface="Monaco" charset="0"/>
-                <a:cs typeface="Monaco" charset="0"/>
-              </a:rPr>
-              <a:t>visited.add</a:t>
-            </a:r>
-            <a:r>
-              <a:rPr lang="en-US" sz="2200" dirty="0">
-                <a:latin typeface="Monaco" charset="0"/>
-                <a:ea typeface="Monaco" charset="0"/>
-                <a:cs typeface="Monaco" charset="0"/>
-              </a:rPr>
-              <a:t>(p)</a:t>
-            </a:r>
-          </a:p>
-          <a:p>
-            <a:r>
-              <a:rPr lang="en-US" sz="2200" dirty="0">
-                <a:latin typeface="Monaco" charset="0"/>
-                <a:ea typeface="Monaco" charset="0"/>
-                <a:cs typeface="Monaco" charset="0"/>
-              </a:rPr>
-              <a:t>    for q in </a:t>
-            </a:r>
-            <a:r>
-              <a:rPr lang="en-US" sz="2200" dirty="0" err="1">
-                <a:latin typeface="Monaco" charset="0"/>
-                <a:ea typeface="Monaco" charset="0"/>
-                <a:cs typeface="Monaco" charset="0"/>
-              </a:rPr>
-              <a:t>p.edges</a:t>
-            </a:r>
-            <a:r>
-              <a:rPr lang="en-US" sz="2200" dirty="0">
-                <a:latin typeface="Monaco" charset="0"/>
-                <a:ea typeface="Monaco" charset="0"/>
-                <a:cs typeface="Monaco" charset="0"/>
-              </a:rPr>
-              <a:t>:</a:t>
-            </a:r>
-          </a:p>
-          <a:p>
-            <a:r>
-              <a:rPr lang="en-US" sz="2200" dirty="0">
-                <a:latin typeface="Monaco" charset="0"/>
-                <a:ea typeface="Monaco" charset="0"/>
-                <a:cs typeface="Monaco" charset="0"/>
-              </a:rPr>
-              <a:t>        c = </a:t>
-            </a:r>
-            <a:r>
-              <a:rPr lang="en-US" sz="2200" dirty="0" err="1">
-                <a:latin typeface="Monaco" charset="0"/>
-                <a:ea typeface="Monaco" charset="0"/>
-                <a:cs typeface="Monaco" charset="0"/>
-              </a:rPr>
-              <a:t>iscyclic</a:t>
-            </a:r>
-            <a:r>
-              <a:rPr lang="en-US" sz="2200" dirty="0">
-                <a:latin typeface="Monaco" charset="0"/>
-                <a:ea typeface="Monaco" charset="0"/>
-                <a:cs typeface="Monaco" charset="0"/>
-              </a:rPr>
-              <a:t>_(start, q, visited)</a:t>
-            </a:r>
-          </a:p>
-          <a:p>
-            <a:r>
-              <a:rPr lang="en-US" sz="2200" dirty="0">
-                <a:latin typeface="Monaco" charset="0"/>
-                <a:ea typeface="Monaco" charset="0"/>
-                <a:cs typeface="Monaco" charset="0"/>
-              </a:rPr>
-              <a:t>        if c: return True # we can stop</a:t>
-            </a:r>
-          </a:p>
-          <a:p>
-            <a:r>
-              <a:rPr lang="en-US" sz="2200" dirty="0">
-                <a:latin typeface="Monaco" charset="0"/>
-                <a:ea typeface="Monaco" charset="0"/>
-                <a:cs typeface="Monaco" charset="0"/>
-              </a:rPr>
-              <a:t>    return </a:t>
-            </a:r>
-            <a:r>
-              <a:rPr lang="en-US" sz="2200" dirty="0">
-                <a:solidFill>
-                  <a:schemeClr val="accent1"/>
-                </a:solidFill>
-                <a:latin typeface="Monaco" charset="0"/>
-                <a:ea typeface="Monaco" charset="0"/>
-                <a:cs typeface="Monaco" charset="0"/>
-              </a:rPr>
-              <a:t>False</a:t>
+              <a:rPr lang="en-US" sz="2400" dirty="0" err="1">
+                <a:latin typeface="Monaco" charset="0"/>
+                <a:ea typeface="Monaco" charset="0"/>
+                <a:cs typeface="Monaco" charset="0"/>
+              </a:rPr>
+              <a:t>walk_graph</a:t>
+            </a:r>
+            <a:r>
+              <a:rPr lang="en-US" sz="2400" dirty="0">
+                <a:latin typeface="Monaco" charset="0"/>
+                <a:ea typeface="Monaco" charset="0"/>
+                <a:cs typeface="Monaco" charset="0"/>
+              </a:rPr>
+              <a:t>(q, visited)</a:t>
+            </a:r>
+          </a:p>
+        </p:txBody>
+      </p:sp>
+      <p:pic>
+        <p:nvPicPr>
+          <p:cNvPr id="5" name="Picture 4"/>
+          <p:cNvPicPr>
+            <a:picLocks noChangeAspect="1"/>
+          </p:cNvPicPr>
+          <p:nvPr/>
+        </p:nvPicPr>
+        <p:blipFill>
+          <a:blip r:embed="rId2">
+            <a:extLst>
+              <a:ext uri="{28A0092B-C50C-407E-A947-70E740481C1C}">
+                <a14:useLocalDpi xmlns:a14="http://schemas.microsoft.com/office/drawing/2010/main" val="0"/>
+              </a:ext>
+            </a:extLst>
+          </a:blip>
+          <a:stretch>
+            <a:fillRect/>
+          </a:stretch>
+        </p:blipFill>
+        <p:spPr>
+          <a:xfrm>
+            <a:off x="8723835" y="130897"/>
+            <a:ext cx="3364255" cy="1559791"/>
+          </a:xfrm>
+          <a:prstGeom prst="rect">
+            <a:avLst/>
+          </a:prstGeom>
+        </p:spPr>
+      </p:pic>
+      <p:sp>
+        <p:nvSpPr>
+          <p:cNvPr id="6" name="Rectangle 5"/>
+          <p:cNvSpPr/>
+          <p:nvPr/>
+        </p:nvSpPr>
+        <p:spPr>
+          <a:xfrm>
+            <a:off x="968684" y="6311900"/>
+            <a:ext cx="6758581" cy="430887"/>
+          </a:xfrm>
+          <a:prstGeom prst="rect">
+            <a:avLst/>
+          </a:prstGeom>
+        </p:spPr>
+        <p:txBody>
+          <a:bodyPr wrap="none">
+            <a:spAutoFit/>
+          </a:bodyPr>
+          <a:lstStyle/>
+          <a:p>
+            <a:r>
+              <a:rPr lang="en-US" sz="2200" dirty="0"/>
+              <a:t>O(</a:t>
+            </a:r>
+            <a:r>
+              <a:rPr lang="en-US" sz="2200" dirty="0" err="1"/>
+              <a:t>n,m</a:t>
+            </a:r>
+            <a:r>
+              <a:rPr lang="en-US" sz="2200" dirty="0"/>
+              <a:t>) = n + m, for n nodes, m edges; m can be n^2</a:t>
+            </a:r>
+          </a:p>
+        </p:txBody>
+      </p:sp>
+      <p:pic>
+        <p:nvPicPr>
+          <p:cNvPr id="8" name="Picture 7">
+            <a:extLst>
+              <a:ext uri="{FF2B5EF4-FFF2-40B4-BE49-F238E27FC236}">
+                <a16:creationId xmlns:a16="http://schemas.microsoft.com/office/drawing/2014/main" id="{2898FC0D-9F7D-054E-9635-3361BCECD1DC}"/>
+              </a:ext>
+            </a:extLst>
+          </p:cNvPr>
+          <p:cNvPicPr>
+            <a:picLocks noChangeAspect="1"/>
+          </p:cNvPicPr>
+          <p:nvPr/>
+        </p:nvPicPr>
+        <p:blipFill>
+          <a:blip r:embed="rId3"/>
+          <a:stretch>
+            <a:fillRect/>
+          </a:stretch>
+        </p:blipFill>
+        <p:spPr>
+          <a:xfrm>
+            <a:off x="8893000" y="2743199"/>
+            <a:ext cx="3195089" cy="3111635"/>
+          </a:xfrm>
+          <a:prstGeom prst="rect">
+            <a:avLst/>
+          </a:prstGeom>
+        </p:spPr>
+      </p:pic>
+      <p:sp>
+        <p:nvSpPr>
+          <p:cNvPr id="9" name="TextBox 8">
+            <a:extLst>
+              <a:ext uri="{FF2B5EF4-FFF2-40B4-BE49-F238E27FC236}">
+                <a16:creationId xmlns:a16="http://schemas.microsoft.com/office/drawing/2014/main" id="{7C61774A-88F7-2543-8B09-6205FF68B00C}"/>
+              </a:ext>
+            </a:extLst>
+          </p:cNvPr>
+          <p:cNvSpPr txBox="1"/>
+          <p:nvPr/>
+        </p:nvSpPr>
+        <p:spPr>
+          <a:xfrm>
+            <a:off x="8493290" y="5973346"/>
+            <a:ext cx="3825343" cy="338554"/>
+          </a:xfrm>
+          <a:prstGeom prst="rect">
+            <a:avLst/>
+          </a:prstGeom>
+          <a:noFill/>
+        </p:spPr>
+        <p:txBody>
+          <a:bodyPr wrap="none" rtlCol="0">
+            <a:spAutoFit/>
+          </a:bodyPr>
+          <a:lstStyle/>
+          <a:p>
+            <a:r>
+              <a:rPr lang="en-US" sz="1600" dirty="0"/>
+              <a:t>Algorithms book by Sedgewick, Wayne</a:t>
             </a:r>
           </a:p>
         </p:txBody>
@@ -4446,7 +4418,7 @@
     </p:spTree>
     <p:extLst>
       <p:ext uri="{BB962C8B-B14F-4D97-AF65-F5344CB8AC3E}">
-        <p14:creationId xmlns:p14="http://schemas.microsoft.com/office/powerpoint/2010/main" val="2109500284"/>
+        <p14:creationId xmlns:p14="http://schemas.microsoft.com/office/powerpoint/2010/main" val="717105456"/>
       </p:ext>
     </p:extLst>
   </p:cSld>
@@ -4483,14 +4455,19 @@
             <p:ph type="title"/>
           </p:nvPr>
         </p:nvSpPr>
-        <p:spPr/>
+        <p:spPr>
+          <a:xfrm>
+            <a:off x="838200" y="365126"/>
+            <a:ext cx="10515600" cy="909198"/>
+          </a:xfrm>
+        </p:spPr>
         <p:txBody>
           <a:bodyPr/>
           <a:lstStyle/>
           <a:p>
             <a:r>
               <a:rPr lang="en-US" dirty="0"/>
-              <a:t>Find set of nodes p can reach</a:t>
+              <a:t>Is there a cycle from p to p?</a:t>
             </a:r>
           </a:p>
         </p:txBody>
@@ -4507,8 +4484,8 @@
         </p:nvSpPr>
         <p:spPr>
           <a:xfrm>
-            <a:off x="838200" y="1825625"/>
-            <a:ext cx="10957560" cy="4351338"/>
+            <a:off x="838200" y="1400783"/>
+            <a:ext cx="10515600" cy="4776180"/>
           </a:xfrm>
         </p:spPr>
         <p:txBody>
@@ -4517,7 +4494,22 @@
           <a:p>
             <a:r>
               <a:rPr lang="en-US" dirty="0"/>
-              <a:t>Need two sets, one for avoiding cycles, another for reached nodes</a:t>
+              <a:t>If we run into starting node in visited set, return True;</a:t>
+            </a:r>
+            <a:br>
+              <a:rPr lang="en-US" dirty="0"/>
+            </a:br>
+            <a:r>
+              <a:rPr lang="en-US" dirty="0">
+                <a:solidFill>
+                  <a:schemeClr val="accent5"/>
+                </a:solidFill>
+              </a:rPr>
+              <a:t>blue</a:t>
+            </a:r>
+            <a:r>
+              <a:rPr lang="en-US" dirty="0"/>
+              <a:t> means different than plain walk</a:t>
             </a:r>
           </a:p>
         </p:txBody>
@@ -4536,8 +4528,8 @@
         </p:nvSpPr>
         <p:spPr>
           <a:xfrm>
-            <a:off x="1964748" y="2495471"/>
-            <a:ext cx="8478116" cy="3816429"/>
+            <a:off x="1271631" y="2322255"/>
+            <a:ext cx="8981079" cy="4154984"/>
           </a:xfrm>
           <a:prstGeom prst="rect">
             <a:avLst/>
@@ -4556,20 +4548,28 @@
           <a:lstStyle/>
           <a:p>
             <a:r>
+              <a:rPr lang="en-US" sz="2200" dirty="0">
+                <a:latin typeface="Monaco" charset="0"/>
+                <a:ea typeface="Monaco" charset="0"/>
+                <a:cs typeface="Monaco" charset="0"/>
+              </a:rPr>
+              <a:t>def </a:t>
+            </a:r>
+            <a:r>
               <a:rPr lang="en-US" sz="2200" dirty="0" err="1">
                 <a:latin typeface="Monaco" charset="0"/>
                 <a:ea typeface="Monaco" charset="0"/>
                 <a:cs typeface="Monaco" charset="0"/>
               </a:rPr>
-              <a:t>def</a:t>
-            </a:r>
-            <a:r>
-              <a:rPr lang="en-US" sz="2200" dirty="0">
-                <a:latin typeface="Monaco" charset="0"/>
-                <a:ea typeface="Monaco" charset="0"/>
-                <a:cs typeface="Monaco" charset="0"/>
-              </a:rPr>
-              <a:t> reachable(</a:t>
+              <a:t>iscyclic</a:t>
+            </a:r>
+            <a:r>
+              <a:rPr lang="en-US" sz="2200" dirty="0">
+                <a:latin typeface="Monaco" charset="0"/>
+                <a:ea typeface="Monaco" charset="0"/>
+                <a:cs typeface="Monaco" charset="0"/>
+              </a:rPr>
+              <a:t>(</a:t>
             </a:r>
             <a:r>
               <a:rPr lang="en-US" sz="2200" dirty="0" err="1">
@@ -4585,118 +4585,49 @@
                 <a:ea typeface="Monaco" charset="0"/>
                 <a:cs typeface="Monaco" charset="0"/>
               </a:rPr>
-              <a:t>) -&gt; </a:t>
-            </a:r>
-            <a:r>
-              <a:rPr lang="en-US" sz="2200" dirty="0">
-                <a:solidFill>
-                  <a:schemeClr val="accent1"/>
-                </a:solidFill>
-                <a:latin typeface="Monaco" charset="0"/>
-                <a:ea typeface="Monaco" charset="0"/>
-                <a:cs typeface="Monaco" charset="0"/>
-              </a:rPr>
-              <a:t>set</a:t>
-            </a:r>
-            <a:r>
-              <a:rPr lang="en-US" sz="2200" dirty="0">
-                <a:latin typeface="Monaco" charset="0"/>
-                <a:ea typeface="Monaco" charset="0"/>
-                <a:cs typeface="Monaco" charset="0"/>
-              </a:rPr>
-              <a:t>:</a:t>
-            </a:r>
-          </a:p>
-          <a:p>
-            <a:r>
-              <a:rPr lang="mr-IN" sz="2200" dirty="0">
-                <a:latin typeface="Monaco" charset="0"/>
-                <a:ea typeface="Monaco" charset="0"/>
-                <a:cs typeface="Monaco" charset="0"/>
-              </a:rPr>
-              <a:t>    </a:t>
-            </a:r>
-            <a:r>
-              <a:rPr lang="mr-IN" sz="2200" dirty="0" err="1">
-                <a:latin typeface="Monaco" charset="0"/>
-                <a:ea typeface="Monaco" charset="0"/>
-                <a:cs typeface="Monaco" charset="0"/>
-              </a:rPr>
-              <a:t>reaches</a:t>
-            </a:r>
-            <a:r>
-              <a:rPr lang="mr-IN" sz="2200" dirty="0">
-                <a:latin typeface="Monaco" charset="0"/>
-                <a:ea typeface="Monaco" charset="0"/>
-                <a:cs typeface="Monaco" charset="0"/>
-              </a:rPr>
-              <a:t> = </a:t>
-            </a:r>
-            <a:r>
-              <a:rPr lang="mr-IN" sz="2200" dirty="0" err="1">
-                <a:latin typeface="Monaco" charset="0"/>
-                <a:ea typeface="Monaco" charset="0"/>
-                <a:cs typeface="Monaco" charset="0"/>
-              </a:rPr>
-              <a:t>set</a:t>
-            </a:r>
-            <a:r>
-              <a:rPr lang="mr-IN" sz="2200" dirty="0">
-                <a:latin typeface="Monaco" charset="0"/>
-                <a:ea typeface="Monaco" charset="0"/>
-                <a:cs typeface="Monaco" charset="0"/>
-              </a:rPr>
-              <a:t>();</a:t>
-            </a:r>
-          </a:p>
-          <a:p>
-            <a:r>
-              <a:rPr lang="en-US" sz="2200" dirty="0">
-                <a:latin typeface="Monaco" charset="0"/>
-                <a:ea typeface="Monaco" charset="0"/>
-                <a:cs typeface="Monaco" charset="0"/>
-              </a:rPr>
-              <a:t>    reachable_(p, </a:t>
-            </a:r>
-            <a:r>
-              <a:rPr lang="en-US" sz="2200" dirty="0">
-                <a:solidFill>
-                  <a:schemeClr val="accent1"/>
-                </a:solidFill>
-                <a:latin typeface="Monaco" charset="0"/>
-                <a:ea typeface="Monaco" charset="0"/>
-                <a:cs typeface="Monaco" charset="0"/>
-              </a:rPr>
-              <a:t>reaches</a:t>
-            </a:r>
-            <a:r>
-              <a:rPr lang="en-US" sz="2200" dirty="0">
-                <a:latin typeface="Monaco" charset="0"/>
-                <a:ea typeface="Monaco" charset="0"/>
-                <a:cs typeface="Monaco" charset="0"/>
-              </a:rPr>
-              <a:t>, set())</a:t>
-            </a:r>
-          </a:p>
-          <a:p>
-            <a:r>
-              <a:rPr lang="en-US" sz="2200" dirty="0">
-                <a:latin typeface="Monaco" charset="0"/>
-                <a:ea typeface="Monaco" charset="0"/>
-                <a:cs typeface="Monaco" charset="0"/>
-              </a:rPr>
-              <a:t>    </a:t>
-            </a:r>
-            <a:r>
-              <a:rPr lang="en-US" sz="2200" dirty="0">
-                <a:solidFill>
-                  <a:schemeClr val="accent1"/>
-                </a:solidFill>
-                <a:latin typeface="Monaco" charset="0"/>
-                <a:ea typeface="Monaco" charset="0"/>
-                <a:cs typeface="Monaco" charset="0"/>
-              </a:rPr>
-              <a:t>return reaches</a:t>
+              <a:t>) -&gt; bool:</a:t>
+            </a:r>
+          </a:p>
+          <a:p>
+            <a:r>
+              <a:rPr lang="en-US" sz="2200" dirty="0">
+                <a:latin typeface="Monaco" charset="0"/>
+                <a:ea typeface="Monaco" charset="0"/>
+                <a:cs typeface="Monaco" charset="0"/>
+              </a:rPr>
+              <a:t>    return </a:t>
+            </a:r>
+            <a:r>
+              <a:rPr lang="en-US" sz="2200" dirty="0" err="1">
+                <a:latin typeface="Monaco" charset="0"/>
+                <a:ea typeface="Monaco" charset="0"/>
+                <a:cs typeface="Monaco" charset="0"/>
+              </a:rPr>
+              <a:t>iscyclic</a:t>
+            </a:r>
+            <a:r>
+              <a:rPr lang="en-US" sz="2200" dirty="0">
+                <a:latin typeface="Monaco" charset="0"/>
+                <a:ea typeface="Monaco" charset="0"/>
+                <a:cs typeface="Monaco" charset="0"/>
+              </a:rPr>
+              <a:t>_(</a:t>
+            </a:r>
+            <a:r>
+              <a:rPr lang="en-US" sz="2200" dirty="0" err="1">
+                <a:latin typeface="Monaco" charset="0"/>
+                <a:ea typeface="Monaco" charset="0"/>
+                <a:cs typeface="Monaco" charset="0"/>
+              </a:rPr>
+              <a:t>p,p,set</a:t>
+            </a:r>
+            <a:r>
+              <a:rPr lang="en-US" sz="2200" dirty="0">
+                <a:latin typeface="Monaco" charset="0"/>
+                <a:ea typeface="Monaco" charset="0"/>
+                <a:cs typeface="Monaco" charset="0"/>
+              </a:rPr>
+              <a:t>())</a:t>
             </a:r>
           </a:p>
           <a:p>
@@ -4708,47 +4639,39 @@
           </a:p>
           <a:p>
             <a:r>
+              <a:rPr lang="en-US" sz="2200" dirty="0">
+                <a:latin typeface="Monaco" charset="0"/>
+                <a:ea typeface="Monaco" charset="0"/>
+                <a:cs typeface="Monaco" charset="0"/>
+              </a:rPr>
+              <a:t>def </a:t>
+            </a:r>
+            <a:r>
               <a:rPr lang="en-US" sz="2200" dirty="0" err="1">
                 <a:latin typeface="Monaco" charset="0"/>
                 <a:ea typeface="Monaco" charset="0"/>
                 <a:cs typeface="Monaco" charset="0"/>
               </a:rPr>
-              <a:t>def</a:t>
-            </a:r>
-            <a:r>
-              <a:rPr lang="en-US" sz="2200" dirty="0">
-                <a:latin typeface="Monaco" charset="0"/>
-                <a:ea typeface="Monaco" charset="0"/>
-                <a:cs typeface="Monaco" charset="0"/>
-              </a:rPr>
-              <a:t> reachable_(</a:t>
-            </a:r>
-            <a:r>
-              <a:rPr lang="en-US" sz="2200" dirty="0" err="1">
-                <a:latin typeface="Monaco" charset="0"/>
-                <a:ea typeface="Monaco" charset="0"/>
-                <a:cs typeface="Monaco" charset="0"/>
-              </a:rPr>
-              <a:t>p:Node</a:t>
-            </a:r>
-            <a:r>
-              <a:rPr lang="en-US" sz="2200" dirty="0">
-                <a:latin typeface="Monaco" charset="0"/>
-                <a:ea typeface="Monaco" charset="0"/>
-                <a:cs typeface="Monaco" charset="0"/>
-              </a:rPr>
-              <a:t>, </a:t>
+              <a:t>iscyclic</a:t>
+            </a:r>
+            <a:r>
+              <a:rPr lang="en-US" sz="2200" dirty="0">
+                <a:latin typeface="Monaco" charset="0"/>
+                <a:ea typeface="Monaco" charset="0"/>
+                <a:cs typeface="Monaco" charset="0"/>
+              </a:rPr>
+              <a:t>_(</a:t>
             </a:r>
             <a:r>
               <a:rPr lang="en-US" sz="2200" dirty="0" err="1">
                 <a:solidFill>
-                  <a:schemeClr val="accent1"/>
+                  <a:schemeClr val="accent5"/>
                 </a:solidFill>
                 <a:latin typeface="Monaco" charset="0"/>
                 <a:ea typeface="Monaco" charset="0"/>
                 <a:cs typeface="Monaco" charset="0"/>
               </a:rPr>
-              <a:t>reaches:set</a:t>
+              <a:t>start:Node</a:t>
             </a:r>
             <a:r>
               <a:rPr lang="en-US" sz="2200" dirty="0">
@@ -4759,59 +4682,69 @@
               <a:t>, </a:t>
             </a:r>
             <a:r>
-              <a:rPr lang="en-US" sz="2000" dirty="0" err="1">
-                <a:latin typeface="Monaco" charset="0"/>
-                <a:ea typeface="Monaco" charset="0"/>
-                <a:cs typeface="Monaco" charset="0"/>
-              </a:rPr>
-              <a:t>visited</a:t>
-            </a:r>
-            <a:r>
               <a:rPr lang="en-US" sz="2200" dirty="0" err="1">
                 <a:latin typeface="Monaco" charset="0"/>
                 <a:ea typeface="Monaco" charset="0"/>
                 <a:cs typeface="Monaco" charset="0"/>
               </a:rPr>
-              <a:t>:set</a:t>
-            </a:r>
-            <a:r>
-              <a:rPr lang="en-US" sz="2200" dirty="0">
-                <a:latin typeface="Monaco" charset="0"/>
-                <a:ea typeface="Monaco" charset="0"/>
-                <a:cs typeface="Monaco" charset="0"/>
-              </a:rPr>
-              <a:t>):</a:t>
-            </a:r>
-          </a:p>
-          <a:p>
-            <a:r>
-              <a:rPr lang="en-US" sz="2200" dirty="0">
-                <a:latin typeface="Monaco" charset="0"/>
-                <a:ea typeface="Monaco" charset="0"/>
-                <a:cs typeface="Monaco" charset="0"/>
-              </a:rPr>
-              <a:t>    if p in </a:t>
-            </a:r>
-            <a:r>
-              <a:rPr lang="en-US" sz="2000" dirty="0">
-                <a:latin typeface="Monaco" charset="0"/>
-                <a:ea typeface="Monaco" charset="0"/>
-                <a:cs typeface="Monaco" charset="0"/>
-              </a:rPr>
-              <a:t>visited</a:t>
-            </a:r>
-            <a:r>
-              <a:rPr lang="en-US" sz="2200" dirty="0">
-                <a:latin typeface="Monaco" charset="0"/>
-                <a:ea typeface="Monaco" charset="0"/>
-                <a:cs typeface="Monaco" charset="0"/>
-              </a:rPr>
-              <a:t>: return</a:t>
-            </a:r>
-          </a:p>
-          <a:p>
-            <a:r>
-              <a:rPr lang="mr-IN" sz="2200" dirty="0">
+              <a:t>p:Node</a:t>
+            </a:r>
+            <a:r>
+              <a:rPr lang="en-US" sz="2200" dirty="0">
+                <a:latin typeface="Monaco" charset="0"/>
+                <a:ea typeface="Monaco" charset="0"/>
+                <a:cs typeface="Monaco" charset="0"/>
+              </a:rPr>
+              <a:t>, visited) -&gt; bool:</a:t>
+            </a:r>
+          </a:p>
+          <a:p>
+            <a:r>
+              <a:rPr lang="en-US" sz="2200" dirty="0">
+                <a:latin typeface="Monaco" charset="0"/>
+                <a:ea typeface="Monaco" charset="0"/>
+                <a:cs typeface="Monaco" charset="0"/>
+              </a:rPr>
+              <a:t>    if p in visited: </a:t>
+            </a:r>
+          </a:p>
+          <a:p>
+            <a:r>
+              <a:rPr lang="en-US" sz="2200" dirty="0">
+                <a:latin typeface="Monaco" charset="0"/>
+                <a:ea typeface="Monaco" charset="0"/>
+                <a:cs typeface="Monaco" charset="0"/>
+              </a:rPr>
+              <a:t>        </a:t>
+            </a:r>
+            <a:r>
+              <a:rPr lang="en-US" sz="2200" dirty="0">
+                <a:solidFill>
+                  <a:schemeClr val="accent5"/>
+                </a:solidFill>
+                <a:latin typeface="Monaco" charset="0"/>
+                <a:ea typeface="Monaco" charset="0"/>
+                <a:cs typeface="Monaco" charset="0"/>
+              </a:rPr>
+              <a:t>if p is start: return True # we find start?</a:t>
+            </a:r>
+          </a:p>
+          <a:p>
+            <a:r>
+              <a:rPr lang="en-US" sz="2200" dirty="0">
+                <a:solidFill>
+                  <a:schemeClr val="accent5"/>
+                </a:solidFill>
+                <a:latin typeface="Monaco" charset="0"/>
+                <a:ea typeface="Monaco" charset="0"/>
+                <a:cs typeface="Monaco" charset="0"/>
+              </a:rPr>
+              <a:t>        return False # can't loop forever so stop</a:t>
+            </a:r>
+          </a:p>
+          <a:p>
+            <a:r>
+              <a:rPr lang="en-US" sz="2200" dirty="0">
                 <a:latin typeface="Monaco" charset="0"/>
                 <a:ea typeface="Monaco" charset="0"/>
                 <a:cs typeface="Monaco" charset="0"/>
@@ -4819,52 +4752,20 @@
               <a:t>    </a:t>
             </a:r>
             <a:r>
-              <a:rPr lang="en-US" sz="2000" dirty="0">
-                <a:latin typeface="Monaco" charset="0"/>
-                <a:ea typeface="Monaco" charset="0"/>
-                <a:cs typeface="Monaco" charset="0"/>
-              </a:rPr>
-              <a:t>visited</a:t>
-            </a:r>
-            <a:r>
-              <a:rPr lang="mr-IN" sz="2200" dirty="0">
-                <a:latin typeface="Monaco" charset="0"/>
-                <a:ea typeface="Monaco" charset="0"/>
-                <a:cs typeface="Monaco" charset="0"/>
-              </a:rPr>
-              <a:t>.</a:t>
-            </a:r>
-            <a:r>
-              <a:rPr lang="mr-IN" sz="2200" dirty="0" err="1">
-                <a:latin typeface="Monaco" charset="0"/>
-                <a:ea typeface="Monaco" charset="0"/>
-                <a:cs typeface="Monaco" charset="0"/>
-              </a:rPr>
-              <a:t>add</a:t>
-            </a:r>
-            <a:r>
-              <a:rPr lang="mr-IN" sz="2200" dirty="0">
-                <a:latin typeface="Monaco" charset="0"/>
-                <a:ea typeface="Monaco" charset="0"/>
-                <a:cs typeface="Monaco" charset="0"/>
-              </a:rPr>
-              <a:t>(</a:t>
-            </a:r>
-            <a:r>
-              <a:rPr lang="mr-IN" sz="2200" dirty="0" err="1">
-                <a:latin typeface="Monaco" charset="0"/>
-                <a:ea typeface="Monaco" charset="0"/>
-                <a:cs typeface="Monaco" charset="0"/>
-              </a:rPr>
-              <a:t>p</a:t>
-            </a:r>
-            <a:r>
-              <a:rPr lang="mr-IN" sz="2200" dirty="0">
-                <a:latin typeface="Monaco" charset="0"/>
-                <a:ea typeface="Monaco" charset="0"/>
-                <a:cs typeface="Monaco" charset="0"/>
-              </a:rPr>
-              <a:t>)</a:t>
+              <a:rPr lang="en-US" sz="2200" dirty="0" err="1">
+                <a:latin typeface="Monaco" charset="0"/>
+                <a:ea typeface="Monaco" charset="0"/>
+                <a:cs typeface="Monaco" charset="0"/>
+              </a:rPr>
+              <a:t>visited.add</a:t>
+            </a:r>
+            <a:r>
+              <a:rPr lang="en-US" sz="2200" dirty="0">
+                <a:latin typeface="Monaco" charset="0"/>
+                <a:ea typeface="Monaco" charset="0"/>
+                <a:cs typeface="Monaco" charset="0"/>
+              </a:rPr>
+              <a:t>(p)</a:t>
             </a:r>
           </a:p>
           <a:p>
@@ -4895,7 +4796,52 @@
           </a:p>
           <a:p>
             <a:r>
-              <a:rPr lang="mr-IN" sz="2200" dirty="0">
+              <a:rPr lang="en-US" sz="2200" dirty="0">
+                <a:latin typeface="Monaco" charset="0"/>
+                <a:ea typeface="Monaco" charset="0"/>
+                <a:cs typeface="Monaco" charset="0"/>
+              </a:rPr>
+              <a:t>        c = </a:t>
+            </a:r>
+            <a:r>
+              <a:rPr lang="en-US" sz="2200" dirty="0" err="1">
+                <a:latin typeface="Monaco" charset="0"/>
+                <a:ea typeface="Monaco" charset="0"/>
+                <a:cs typeface="Monaco" charset="0"/>
+              </a:rPr>
+              <a:t>iscyclic</a:t>
+            </a:r>
+            <a:r>
+              <a:rPr lang="en-US" sz="2200" dirty="0">
+                <a:latin typeface="Monaco" charset="0"/>
+                <a:ea typeface="Monaco" charset="0"/>
+                <a:cs typeface="Monaco" charset="0"/>
+              </a:rPr>
+              <a:t>_(</a:t>
+            </a:r>
+            <a:r>
+              <a:rPr lang="en-US" sz="2200" dirty="0">
+                <a:solidFill>
+                  <a:schemeClr val="accent5"/>
+                </a:solidFill>
+                <a:latin typeface="Monaco" charset="0"/>
+                <a:ea typeface="Monaco" charset="0"/>
+                <a:cs typeface="Monaco" charset="0"/>
+              </a:rPr>
+              <a:t>start</a:t>
+            </a:r>
+            <a:r>
+              <a:rPr lang="en-US" sz="2200" dirty="0">
+                <a:latin typeface="Monaco" charset="0"/>
+                <a:ea typeface="Monaco" charset="0"/>
+                <a:cs typeface="Monaco" charset="0"/>
+              </a:rPr>
+              <a:t>, q, visited)</a:t>
+            </a:r>
+          </a:p>
+          <a:p>
+            <a:r>
+              <a:rPr lang="en-US" sz="2200" dirty="0">
                 <a:latin typeface="Monaco" charset="0"/>
                 <a:ea typeface="Monaco" charset="0"/>
                 <a:cs typeface="Monaco" charset="0"/>
@@ -4903,132 +4849,44 @@
               <a:t>        </a:t>
             </a:r>
             <a:r>
-              <a:rPr lang="mr-IN" sz="2200" dirty="0" err="1">
+              <a:rPr lang="en-US" sz="2200" dirty="0">
                 <a:solidFill>
-                  <a:schemeClr val="accent1"/>
+                  <a:schemeClr val="accent5"/>
                 </a:solidFill>
                 <a:latin typeface="Monaco" charset="0"/>
                 <a:ea typeface="Monaco" charset="0"/>
                 <a:cs typeface="Monaco" charset="0"/>
               </a:rPr>
-              <a:t>reaches.add</a:t>
-            </a:r>
-            <a:r>
-              <a:rPr lang="mr-IN" sz="2200" dirty="0">
+              <a:t>if c: return True # found it, we can stop</a:t>
+            </a:r>
+          </a:p>
+          <a:p>
+            <a:r>
+              <a:rPr lang="en-US" sz="2200" dirty="0">
+                <a:latin typeface="Monaco" charset="0"/>
+                <a:ea typeface="Monaco" charset="0"/>
+                <a:cs typeface="Monaco" charset="0"/>
+              </a:rPr>
+              <a:t>    </a:t>
+            </a:r>
+            <a:r>
+              <a:rPr lang="en-US" sz="2200" dirty="0">
                 <a:solidFill>
-                  <a:schemeClr val="accent1"/>
+                  <a:schemeClr val="accent5"/>
                 </a:solidFill>
                 <a:latin typeface="Monaco" charset="0"/>
                 <a:ea typeface="Monaco" charset="0"/>
                 <a:cs typeface="Monaco" charset="0"/>
               </a:rPr>
-              <a:t>(</a:t>
-            </a:r>
-            <a:r>
-              <a:rPr lang="mr-IN" sz="2200" dirty="0" err="1">
-                <a:solidFill>
-                  <a:schemeClr val="accent1"/>
-                </a:solidFill>
-                <a:latin typeface="Monaco" charset="0"/>
-                <a:ea typeface="Monaco" charset="0"/>
-                <a:cs typeface="Monaco" charset="0"/>
-              </a:rPr>
-              <a:t>q</a:t>
-            </a:r>
-            <a:r>
-              <a:rPr lang="mr-IN" sz="2200" dirty="0">
-                <a:solidFill>
-                  <a:schemeClr val="accent1"/>
-                </a:solidFill>
-                <a:latin typeface="Monaco" charset="0"/>
-                <a:ea typeface="Monaco" charset="0"/>
-                <a:cs typeface="Monaco" charset="0"/>
-              </a:rPr>
-              <a:t>)</a:t>
-            </a:r>
-          </a:p>
-          <a:p>
-            <a:r>
-              <a:rPr lang="en-US" sz="2200" dirty="0">
-                <a:latin typeface="Monaco" charset="0"/>
-                <a:ea typeface="Monaco" charset="0"/>
-                <a:cs typeface="Monaco" charset="0"/>
-              </a:rPr>
-              <a:t>        reachable_(q, reaches, </a:t>
-            </a:r>
-            <a:r>
-              <a:rPr lang="en-US" sz="2000" dirty="0">
-                <a:latin typeface="Monaco" charset="0"/>
-                <a:ea typeface="Monaco" charset="0"/>
-                <a:cs typeface="Monaco" charset="0"/>
-              </a:rPr>
-              <a:t>visited</a:t>
-            </a:r>
-            <a:r>
-              <a:rPr lang="en-US" sz="2200" dirty="0">
-                <a:latin typeface="Monaco" charset="0"/>
-                <a:ea typeface="Monaco" charset="0"/>
-                <a:cs typeface="Monaco" charset="0"/>
-              </a:rPr>
-              <a:t>)</a:t>
-            </a:r>
-          </a:p>
-        </p:txBody>
-      </p:sp>
-      <p:sp>
-        <p:nvSpPr>
-          <p:cNvPr id="5" name="TextBox 4"/>
-          <p:cNvSpPr txBox="1"/>
-          <p:nvPr/>
-        </p:nvSpPr>
-        <p:spPr>
-          <a:xfrm>
-            <a:off x="838200" y="6390409"/>
-            <a:ext cx="6827510" cy="369332"/>
-          </a:xfrm>
-          <a:prstGeom prst="rect">
-            <a:avLst/>
-          </a:prstGeom>
-          <a:noFill/>
-        </p:spPr>
-        <p:txBody>
-          <a:bodyPr wrap="none" rtlCol="0">
-            <a:spAutoFit/>
-          </a:bodyPr>
-          <a:lstStyle/>
-          <a:p>
-            <a:r>
-              <a:rPr lang="en-US" dirty="0"/>
-              <a:t>https://</a:t>
-            </a:r>
-            <a:r>
-              <a:rPr lang="en-US" dirty="0" err="1"/>
-              <a:t>github.com</a:t>
-            </a:r>
-            <a:r>
-              <a:rPr lang="en-US" dirty="0"/>
-              <a:t>/</a:t>
-            </a:r>
-            <a:r>
-              <a:rPr lang="en-US" dirty="0" err="1"/>
-              <a:t>parrt</a:t>
-            </a:r>
-            <a:r>
-              <a:rPr lang="en-US" dirty="0"/>
-              <a:t>/msds689/blob/master/notes/</a:t>
-            </a:r>
-            <a:r>
-              <a:rPr lang="en-US" dirty="0" err="1"/>
-              <a:t>graphs.ipynb</a:t>
-            </a:r>
-            <a:endParaRPr lang="en-US" dirty="0"/>
+              <a:t>return False</a:t>
+            </a:r>
           </a:p>
         </p:txBody>
       </p:sp>
     </p:spTree>
     <p:extLst>
       <p:ext uri="{BB962C8B-B14F-4D97-AF65-F5344CB8AC3E}">
-        <p14:creationId xmlns:p14="http://schemas.microsoft.com/office/powerpoint/2010/main" val="1619132646"/>
+        <p14:creationId xmlns:p14="http://schemas.microsoft.com/office/powerpoint/2010/main" val="2109500284"/>
       </p:ext>
     </p:extLst>
   </p:cSld>
@@ -5057,13 +4915,7 @@
       </p:grpSpPr>
       <p:sp>
         <p:nvSpPr>
-          <p:cNvPr id="2" name="Title 1">
-            <a:extLst>
-              <a:ext uri="{FF2B5EF4-FFF2-40B4-BE49-F238E27FC236}">
-                <a16:creationId xmlns:a16="http://schemas.microsoft.com/office/drawing/2014/main" id="{4E8D2E27-F029-8F4C-8809-06DDAF244719}"/>
-              </a:ext>
-            </a:extLst>
-          </p:cNvPr>
+          <p:cNvPr id="2" name="Title 1"/>
           <p:cNvSpPr>
             <a:spLocks noGrp="1"/>
           </p:cNvSpPr>
@@ -5071,32 +4923,21 @@
             <p:ph type="title"/>
           </p:nvPr>
         </p:nvSpPr>
-        <p:spPr>
-          <a:xfrm>
-            <a:off x="838200" y="365125"/>
-            <a:ext cx="11037570" cy="1325563"/>
-          </a:xfrm>
-        </p:spPr>
+        <p:spPr/>
         <p:txBody>
           <a:bodyPr/>
           <a:lstStyle/>
           <a:p>
             <a:r>
               <a:rPr lang="en-US" dirty="0"/>
-              <a:t>Find set of nodes p can reach, track depth</a:t>
-            </a:r>
-          </a:p>
-        </p:txBody>
-      </p:sp>
-      <p:sp>
-        <p:nvSpPr>
-          <p:cNvPr id="3" name="Content Placeholder 2">
-            <a:extLst>
-              <a:ext uri="{FF2B5EF4-FFF2-40B4-BE49-F238E27FC236}">
-                <a16:creationId xmlns:a16="http://schemas.microsoft.com/office/drawing/2014/main" id="{A960C7F7-ADF4-964C-94C6-A0E7937F16F0}"/>
-              </a:ext>
-            </a:extLst>
-          </p:cNvPr>
+              <a:t>Find set of nodes p can reach</a:t>
+            </a:r>
+          </a:p>
+        </p:txBody>
+      </p:sp>
+      <p:sp>
+        <p:nvSpPr>
+          <p:cNvPr id="3" name="Content Placeholder 2"/>
           <p:cNvSpPr>
             <a:spLocks noGrp="1"/>
           </p:cNvSpPr>
@@ -5104,14 +4945,19 @@
             <p:ph idx="1"/>
           </p:nvPr>
         </p:nvSpPr>
-        <p:spPr/>
+        <p:spPr>
+          <a:xfrm>
+            <a:off x="838200" y="1825625"/>
+            <a:ext cx="10957560" cy="4351338"/>
+          </a:xfrm>
+        </p:spPr>
         <p:txBody>
           <a:bodyPr/>
           <a:lstStyle/>
           <a:p>
             <a:r>
               <a:rPr lang="en-US" dirty="0"/>
-              <a:t>Track node-&gt;depth map, not just set of nodes</a:t>
+              <a:t>Need two sets, one for avoiding cycles, another for reached nodes</a:t>
             </a:r>
           </a:p>
         </p:txBody>
@@ -5121,7 +4967,7 @@
           <p:cNvPr id="4" name="TextBox 3">
             <a:extLst>
               <a:ext uri="{FF2B5EF4-FFF2-40B4-BE49-F238E27FC236}">
-                <a16:creationId xmlns:a16="http://schemas.microsoft.com/office/drawing/2014/main" id="{B5AF48A4-4564-CD45-B6F8-DC1214DADCFE}"/>
+                <a16:creationId xmlns:a16="http://schemas.microsoft.com/office/drawing/2014/main" id="{15368C9B-01DB-BD48-B437-681E9C29166D}"/>
               </a:ext>
             </a:extLst>
           </p:cNvPr>
@@ -5130,8 +4976,8 @@
         </p:nvSpPr>
         <p:spPr>
           <a:xfrm>
-            <a:off x="847687" y="2495471"/>
-            <a:ext cx="10506113" cy="3816429"/>
+            <a:off x="1964748" y="2495471"/>
+            <a:ext cx="8478116" cy="3816429"/>
           </a:xfrm>
           <a:prstGeom prst="rect">
             <a:avLst/>
@@ -5150,19 +4996,27 @@
           <a:lstStyle/>
           <a:p>
             <a:r>
-              <a:rPr lang="en-US" sz="2200" dirty="0">
-                <a:latin typeface="Monaco" charset="0"/>
-                <a:ea typeface="Monaco" charset="0"/>
-                <a:cs typeface="Monaco" charset="0"/>
-              </a:rPr>
-              <a:t>def reachable(</a:t>
-            </a:r>
-            <a:r>
               <a:rPr lang="en-US" sz="2200" dirty="0" err="1">
                 <a:latin typeface="Monaco" charset="0"/>
                 <a:ea typeface="Monaco" charset="0"/>
                 <a:cs typeface="Monaco" charset="0"/>
               </a:rPr>
+              <a:t>def</a:t>
+            </a:r>
+            <a:r>
+              <a:rPr lang="en-US" sz="2200" dirty="0">
+                <a:latin typeface="Monaco" charset="0"/>
+                <a:ea typeface="Monaco" charset="0"/>
+                <a:cs typeface="Monaco" charset="0"/>
+              </a:rPr>
+              <a:t> reachable(</a:t>
+            </a:r>
+            <a:r>
+              <a:rPr lang="en-US" sz="2200" dirty="0" err="1">
+                <a:latin typeface="Monaco" charset="0"/>
+                <a:ea typeface="Monaco" charset="0"/>
+                <a:cs typeface="Monaco" charset="0"/>
+              </a:rPr>
               <a:t>p:Node</a:t>
             </a:r>
             <a:r>
@@ -5174,33 +5028,7 @@
               <a:t>) -&gt; </a:t>
             </a:r>
             <a:r>
-              <a:rPr lang="en-US" sz="2200" dirty="0" err="1">
-                <a:latin typeface="Monaco" charset="0"/>
-                <a:ea typeface="Monaco" charset="0"/>
-                <a:cs typeface="Monaco" charset="0"/>
-              </a:rPr>
-              <a:t>dict</a:t>
-            </a:r>
-            <a:r>
-              <a:rPr lang="en-US" sz="2200" dirty="0">
-                <a:latin typeface="Monaco" charset="0"/>
-                <a:ea typeface="Monaco" charset="0"/>
-                <a:cs typeface="Monaco" charset="0"/>
-              </a:rPr>
-              <a:t>:</a:t>
-            </a:r>
-          </a:p>
-          <a:p>
-            <a:r>
-              <a:rPr lang="en-US" sz="2200" dirty="0">
-                <a:latin typeface="Monaco" charset="0"/>
-                <a:ea typeface="Monaco" charset="0"/>
-                <a:cs typeface="Monaco" charset="0"/>
-              </a:rPr>
-              <a:t>    reaches = </a:t>
-            </a:r>
-            <a:r>
-              <a:rPr lang="en-US" sz="2200" dirty="0" err="1">
+              <a:rPr lang="en-US" sz="2200" dirty="0">
                 <a:solidFill>
                   <a:schemeClr val="accent1"/>
                 </a:solidFill>
@@ -5208,7 +5036,67 @@
                 <a:ea typeface="Monaco" charset="0"/>
                 <a:cs typeface="Monaco" charset="0"/>
               </a:rPr>
-              <a:t>dict</a:t>
+              <a:t>set</a:t>
+            </a:r>
+            <a:r>
+              <a:rPr lang="en-US" sz="2200" dirty="0">
+                <a:latin typeface="Monaco" charset="0"/>
+                <a:ea typeface="Monaco" charset="0"/>
+                <a:cs typeface="Monaco" charset="0"/>
+              </a:rPr>
+              <a:t>:</a:t>
+            </a:r>
+          </a:p>
+          <a:p>
+            <a:r>
+              <a:rPr lang="mr-IN" sz="2200" dirty="0">
+                <a:latin typeface="Monaco" charset="0"/>
+                <a:ea typeface="Monaco" charset="0"/>
+                <a:cs typeface="Monaco" charset="0"/>
+              </a:rPr>
+              <a:t>    </a:t>
+            </a:r>
+            <a:r>
+              <a:rPr lang="mr-IN" sz="2200" dirty="0" err="1">
+                <a:latin typeface="Monaco" charset="0"/>
+                <a:ea typeface="Monaco" charset="0"/>
+                <a:cs typeface="Monaco" charset="0"/>
+              </a:rPr>
+              <a:t>reaches</a:t>
+            </a:r>
+            <a:r>
+              <a:rPr lang="mr-IN" sz="2200" dirty="0">
+                <a:latin typeface="Monaco" charset="0"/>
+                <a:ea typeface="Monaco" charset="0"/>
+                <a:cs typeface="Monaco" charset="0"/>
+              </a:rPr>
+              <a:t> = </a:t>
+            </a:r>
+            <a:r>
+              <a:rPr lang="mr-IN" sz="2200" dirty="0" err="1">
+                <a:latin typeface="Monaco" charset="0"/>
+                <a:ea typeface="Monaco" charset="0"/>
+                <a:cs typeface="Monaco" charset="0"/>
+              </a:rPr>
+              <a:t>set</a:t>
+            </a:r>
+            <a:r>
+              <a:rPr lang="mr-IN" sz="2200" dirty="0">
+                <a:latin typeface="Monaco" charset="0"/>
+                <a:ea typeface="Monaco" charset="0"/>
+                <a:cs typeface="Monaco" charset="0"/>
+              </a:rPr>
+              <a:t>();</a:t>
+            </a:r>
+          </a:p>
+          <a:p>
+            <a:r>
+              <a:rPr lang="en-US" sz="2200" dirty="0">
+                <a:latin typeface="Monaco" charset="0"/>
+                <a:ea typeface="Monaco" charset="0"/>
+                <a:cs typeface="Monaco" charset="0"/>
+              </a:rPr>
+              <a:t>    reachable_(p, </a:t>
             </a:r>
             <a:r>
               <a:rPr lang="en-US" sz="2200" dirty="0">
@@ -5219,8 +5107,39 @@
                 <a:ea typeface="Monaco" charset="0"/>
                 <a:cs typeface="Monaco" charset="0"/>
               </a:rPr>
-              <a:t>()</a:t>
-            </a:r>
+              <a:t>reaches</a:t>
+            </a:r>
+            <a:r>
+              <a:rPr lang="en-US" sz="2200" dirty="0">
+                <a:latin typeface="Monaco" charset="0"/>
+                <a:ea typeface="Monaco" charset="0"/>
+                <a:cs typeface="Monaco" charset="0"/>
+              </a:rPr>
+              <a:t>, set())</a:t>
+            </a:r>
+          </a:p>
+          <a:p>
+            <a:r>
+              <a:rPr lang="en-US" sz="2200" dirty="0">
+                <a:latin typeface="Monaco" charset="0"/>
+                <a:ea typeface="Monaco" charset="0"/>
+                <a:cs typeface="Monaco" charset="0"/>
+              </a:rPr>
+              <a:t>    </a:t>
+            </a:r>
+            <a:r>
+              <a:rPr lang="en-US" sz="2200" dirty="0">
+                <a:solidFill>
+                  <a:schemeClr val="accent1"/>
+                </a:solidFill>
+                <a:latin typeface="Monaco" charset="0"/>
+                <a:ea typeface="Monaco" charset="0"/>
+                <a:cs typeface="Monaco" charset="0"/>
+              </a:rPr>
+              <a:t>return reaches</a:t>
+            </a:r>
+          </a:p>
+          <a:p>
             <a:endParaRPr lang="en-US" sz="2200" dirty="0">
               <a:latin typeface="Monaco" charset="0"/>
               <a:ea typeface="Monaco" charset="0"/>
@@ -5229,98 +5148,28 @@
           </a:p>
           <a:p>
             <a:r>
-              <a:rPr lang="en-US" sz="2200" dirty="0">
-                <a:latin typeface="Monaco" charset="0"/>
-                <a:ea typeface="Monaco" charset="0"/>
-                <a:cs typeface="Monaco" charset="0"/>
-              </a:rPr>
-              <a:t>    reachable_(p, reaches, set(), </a:t>
-            </a:r>
-            <a:r>
-              <a:rPr lang="en-US" sz="2200" dirty="0">
-                <a:solidFill>
-                  <a:schemeClr val="accent1"/>
-                </a:solidFill>
-                <a:latin typeface="Monaco" charset="0"/>
-                <a:ea typeface="Monaco" charset="0"/>
-                <a:cs typeface="Monaco" charset="0"/>
-              </a:rPr>
-              <a:t>depth=0</a:t>
-            </a:r>
-            <a:r>
-              <a:rPr lang="en-US" sz="2200" dirty="0">
-                <a:latin typeface="Monaco" charset="0"/>
-                <a:ea typeface="Monaco" charset="0"/>
-                <a:cs typeface="Monaco" charset="0"/>
-              </a:rPr>
-              <a:t>)</a:t>
-            </a:r>
-          </a:p>
-          <a:p>
-            <a:r>
-              <a:rPr lang="en-US" sz="2200" dirty="0">
-                <a:latin typeface="Monaco" charset="0"/>
-                <a:ea typeface="Monaco" charset="0"/>
-                <a:cs typeface="Monaco" charset="0"/>
-              </a:rPr>
-              <a:t>    return reaches</a:t>
-            </a:r>
-          </a:p>
-          <a:p>
-            <a:endParaRPr lang="en-US" sz="2200" dirty="0">
-              <a:latin typeface="Monaco" charset="0"/>
-              <a:ea typeface="Monaco" charset="0"/>
-              <a:cs typeface="Monaco" charset="0"/>
-            </a:endParaRPr>
-          </a:p>
-          <a:p>
-            <a:r>
-              <a:rPr lang="en-US" sz="2200" dirty="0">
-                <a:latin typeface="Monaco" charset="0"/>
-                <a:ea typeface="Monaco" charset="0"/>
-                <a:cs typeface="Monaco" charset="0"/>
-              </a:rPr>
-              <a:t>def reachable_(</a:t>
-            </a:r>
-            <a:r>
               <a:rPr lang="en-US" sz="2200" dirty="0" err="1">
                 <a:latin typeface="Monaco" charset="0"/>
                 <a:ea typeface="Monaco" charset="0"/>
                 <a:cs typeface="Monaco" charset="0"/>
               </a:rPr>
+              <a:t>def</a:t>
+            </a:r>
+            <a:r>
+              <a:rPr lang="en-US" sz="2200" dirty="0">
+                <a:latin typeface="Monaco" charset="0"/>
+                <a:ea typeface="Monaco" charset="0"/>
+                <a:cs typeface="Monaco" charset="0"/>
+              </a:rPr>
+              <a:t> reachable_(</a:t>
+            </a:r>
+            <a:r>
+              <a:rPr lang="en-US" sz="2200" dirty="0" err="1">
+                <a:latin typeface="Monaco" charset="0"/>
+                <a:ea typeface="Monaco" charset="0"/>
+                <a:cs typeface="Monaco" charset="0"/>
+              </a:rPr>
               <a:t>p:Node</a:t>
-            </a:r>
-            <a:r>
-              <a:rPr lang="en-US" sz="2200" dirty="0">
-                <a:latin typeface="Monaco" charset="0"/>
-                <a:ea typeface="Monaco" charset="0"/>
-                <a:cs typeface="Monaco" charset="0"/>
-              </a:rPr>
-              <a:t>, </a:t>
-            </a:r>
-            <a:r>
-              <a:rPr lang="en-US" sz="2200" dirty="0" err="1">
-                <a:latin typeface="Monaco" charset="0"/>
-                <a:ea typeface="Monaco" charset="0"/>
-                <a:cs typeface="Monaco" charset="0"/>
-              </a:rPr>
-              <a:t>reaches:dict</a:t>
-            </a:r>
-            <a:r>
-              <a:rPr lang="en-US" sz="2200" dirty="0">
-                <a:latin typeface="Monaco" charset="0"/>
-                <a:ea typeface="Monaco" charset="0"/>
-                <a:cs typeface="Monaco" charset="0"/>
-              </a:rPr>
-              <a:t>, </a:t>
-            </a:r>
-            <a:r>
-              <a:rPr lang="en-US" sz="2200" dirty="0" err="1">
-                <a:latin typeface="Monaco" charset="0"/>
-                <a:ea typeface="Monaco" charset="0"/>
-                <a:cs typeface="Monaco" charset="0"/>
-              </a:rPr>
-              <a:t>visited:set</a:t>
             </a:r>
             <a:r>
               <a:rPr lang="en-US" sz="2200" dirty="0">
@@ -5339,7 +5188,31 @@
                 <a:ea typeface="Monaco" charset="0"/>
                 <a:cs typeface="Monaco" charset="0"/>
               </a:rPr>
-              <a:t>depth:int</a:t>
+              <a:t>reaches:set</a:t>
+            </a:r>
+            <a:r>
+              <a:rPr lang="en-US" sz="2200" dirty="0">
+                <a:latin typeface="Monaco" charset="0"/>
+                <a:ea typeface="Monaco" charset="0"/>
+                <a:cs typeface="Monaco" charset="0"/>
+              </a:rPr>
+              <a:t>, </a:t>
+            </a:r>
+            <a:r>
+              <a:rPr lang="en-US" sz="2000" dirty="0" err="1">
+                <a:latin typeface="Monaco" charset="0"/>
+                <a:ea typeface="Monaco" charset="0"/>
+                <a:cs typeface="Monaco" charset="0"/>
+              </a:rPr>
+              <a:t>visited</a:t>
+            </a:r>
+            <a:r>
+              <a:rPr lang="en-US" sz="2200" dirty="0" err="1">
+                <a:latin typeface="Monaco" charset="0"/>
+                <a:ea typeface="Monaco" charset="0"/>
+                <a:cs typeface="Monaco" charset="0"/>
+              </a:rPr>
+              <a:t>:set</a:t>
             </a:r>
             <a:r>
               <a:rPr lang="en-US" sz="2200" dirty="0">
@@ -5357,12 +5230,28 @@
                 <a:ea typeface="Monaco" charset="0"/>
                 <a:cs typeface="Monaco" charset="0"/>
               </a:rPr>
-              <a:t>    if p in visited: return</a:t>
-            </a:r>
-          </a:p>
-          <a:p>
-            <a:r>
-              <a:rPr lang="en-US" sz="2200" dirty="0">
+              <a:t>    if p in </a:t>
+            </a:r>
+            <a:r>
+              <a:rPr lang="en-US" sz="2000" dirty="0">
+                <a:latin typeface="Monaco" charset="0"/>
+                <a:ea typeface="Monaco" charset="0"/>
+                <a:cs typeface="Monaco" charset="0"/>
+              </a:rPr>
+              <a:t>visited</a:t>
+            </a:r>
+            <a:r>
+              <a:rPr lang="en-US" sz="2200" dirty="0">
+                <a:latin typeface="Monaco" charset="0"/>
+                <a:ea typeface="Monaco" charset="0"/>
+                <a:cs typeface="Monaco" charset="0"/>
+              </a:rPr>
+              <a:t>: return</a:t>
+            </a:r>
+          </a:p>
+          <a:p>
+            <a:r>
+              <a:rPr lang="mr-IN" sz="2200" dirty="0">
                 <a:latin typeface="Monaco" charset="0"/>
                 <a:ea typeface="Monaco" charset="0"/>
                 <a:cs typeface="Monaco" charset="0"/>
@@ -5370,33 +5259,91 @@
               <a:t>    </a:t>
             </a:r>
             <a:r>
+              <a:rPr lang="en-US" sz="2000" dirty="0">
+                <a:latin typeface="Monaco" charset="0"/>
+                <a:ea typeface="Monaco" charset="0"/>
+                <a:cs typeface="Monaco" charset="0"/>
+              </a:rPr>
+              <a:t>visited</a:t>
+            </a:r>
+            <a:r>
+              <a:rPr lang="mr-IN" sz="2200" dirty="0">
+                <a:latin typeface="Monaco" charset="0"/>
+                <a:ea typeface="Monaco" charset="0"/>
+                <a:cs typeface="Monaco" charset="0"/>
+              </a:rPr>
+              <a:t>.</a:t>
+            </a:r>
+            <a:r>
+              <a:rPr lang="mr-IN" sz="2200" dirty="0" err="1">
+                <a:latin typeface="Monaco" charset="0"/>
+                <a:ea typeface="Monaco" charset="0"/>
+                <a:cs typeface="Monaco" charset="0"/>
+              </a:rPr>
+              <a:t>add</a:t>
+            </a:r>
+            <a:r>
+              <a:rPr lang="mr-IN" sz="2200" dirty="0">
+                <a:latin typeface="Monaco" charset="0"/>
+                <a:ea typeface="Monaco" charset="0"/>
+                <a:cs typeface="Monaco" charset="0"/>
+              </a:rPr>
+              <a:t>(</a:t>
+            </a:r>
+            <a:r>
+              <a:rPr lang="mr-IN" sz="2200" dirty="0" err="1">
+                <a:latin typeface="Monaco" charset="0"/>
+                <a:ea typeface="Monaco" charset="0"/>
+                <a:cs typeface="Monaco" charset="0"/>
+              </a:rPr>
+              <a:t>p</a:t>
+            </a:r>
+            <a:r>
+              <a:rPr lang="mr-IN" sz="2200" dirty="0">
+                <a:latin typeface="Monaco" charset="0"/>
+                <a:ea typeface="Monaco" charset="0"/>
+                <a:cs typeface="Monaco" charset="0"/>
+              </a:rPr>
+              <a:t>)</a:t>
+            </a:r>
+          </a:p>
+          <a:p>
+            <a:r>
+              <a:rPr lang="en-US" sz="2200" dirty="0">
+                <a:latin typeface="Monaco" charset="0"/>
+                <a:ea typeface="Monaco" charset="0"/>
+                <a:cs typeface="Monaco" charset="0"/>
+              </a:rPr>
+              <a:t>    for q in </a:t>
+            </a:r>
+            <a:r>
               <a:rPr lang="en-US" sz="2200" dirty="0" err="1">
                 <a:latin typeface="Monaco" charset="0"/>
                 <a:ea typeface="Monaco" charset="0"/>
                 <a:cs typeface="Monaco" charset="0"/>
               </a:rPr>
-              <a:t>visited.add</a:t>
-            </a:r>
-            <a:r>
-              <a:rPr lang="en-US" sz="2200" dirty="0">
-                <a:latin typeface="Monaco" charset="0"/>
-                <a:ea typeface="Monaco" charset="0"/>
-                <a:cs typeface="Monaco" charset="0"/>
-              </a:rPr>
-              <a:t>(p)</a:t>
-            </a:r>
-          </a:p>
-          <a:p>
-            <a:r>
-              <a:rPr lang="en-US" sz="2200" dirty="0">
-                <a:latin typeface="Monaco" charset="0"/>
-                <a:ea typeface="Monaco" charset="0"/>
-                <a:cs typeface="Monaco" charset="0"/>
-              </a:rPr>
-              <a:t>    </a:t>
-            </a:r>
-            <a:r>
-              <a:rPr lang="en-US" sz="2200" dirty="0">
+              <a:t>p.edges</a:t>
+            </a:r>
+            <a:r>
+              <a:rPr lang="en-US" sz="2200" dirty="0">
+                <a:latin typeface="Monaco" charset="0"/>
+                <a:ea typeface="Monaco" charset="0"/>
+                <a:cs typeface="Monaco" charset="0"/>
+              </a:rPr>
+              <a:t>:</a:t>
+            </a:r>
+          </a:p>
+          <a:p>
+            <a:r>
+              <a:rPr lang="mr-IN" sz="2200" dirty="0">
+                <a:latin typeface="Monaco" charset="0"/>
+                <a:ea typeface="Monaco" charset="0"/>
+                <a:cs typeface="Monaco" charset="0"/>
+              </a:rPr>
+              <a:t>        </a:t>
+            </a:r>
+            <a:r>
+              <a:rPr lang="mr-IN" sz="2200" dirty="0" err="1">
                 <a:solidFill>
                   <a:schemeClr val="accent1"/>
                 </a:solidFill>
@@ -5404,46 +5351,10 @@
                 <a:ea typeface="Monaco" charset="0"/>
                 <a:cs typeface="Monaco" charset="0"/>
               </a:rPr>
-              <a:t>reaches[p] = depth</a:t>
-            </a:r>
-          </a:p>
-          <a:p>
-            <a:r>
-              <a:rPr lang="en-US" sz="2200" dirty="0">
-                <a:latin typeface="Monaco" charset="0"/>
-                <a:ea typeface="Monaco" charset="0"/>
-                <a:cs typeface="Monaco" charset="0"/>
-              </a:rPr>
-              <a:t>    for q in </a:t>
-            </a:r>
-            <a:r>
-              <a:rPr lang="en-US" sz="2200" dirty="0" err="1">
-                <a:latin typeface="Monaco" charset="0"/>
-                <a:ea typeface="Monaco" charset="0"/>
-                <a:cs typeface="Monaco" charset="0"/>
-              </a:rPr>
-              <a:t>p.edges</a:t>
-            </a:r>
-            <a:r>
-              <a:rPr lang="en-US" sz="2200" dirty="0">
-                <a:latin typeface="Monaco" charset="0"/>
-                <a:ea typeface="Monaco" charset="0"/>
-                <a:cs typeface="Monaco" charset="0"/>
-              </a:rPr>
-              <a:t>:</a:t>
-            </a:r>
-          </a:p>
-          <a:p>
-            <a:r>
-              <a:rPr lang="en-US" sz="2200" dirty="0">
-                <a:latin typeface="Monaco" charset="0"/>
-                <a:ea typeface="Monaco" charset="0"/>
-                <a:cs typeface="Monaco" charset="0"/>
-              </a:rPr>
-              <a:t>        reachable_(q, reaches, visited, </a:t>
-            </a:r>
-            <a:r>
-              <a:rPr lang="en-US" sz="2200" dirty="0">
+              <a:t>reaches.add</a:t>
+            </a:r>
+            <a:r>
+              <a:rPr lang="mr-IN" sz="2200" dirty="0">
                 <a:solidFill>
                   <a:schemeClr val="accent1"/>
                 </a:solidFill>
@@ -5451,10 +5362,24 @@
                 <a:ea typeface="Monaco" charset="0"/>
                 <a:cs typeface="Monaco" charset="0"/>
               </a:rPr>
-              <a:t>depth+1</a:t>
-            </a:r>
-            <a:r>
-              <a:rPr lang="en-US" sz="2200" dirty="0">
+              <a:t>(</a:t>
+            </a:r>
+            <a:r>
+              <a:rPr lang="mr-IN" sz="2200" dirty="0" err="1">
+                <a:solidFill>
+                  <a:schemeClr val="accent1"/>
+                </a:solidFill>
+                <a:latin typeface="Monaco" charset="0"/>
+                <a:ea typeface="Monaco" charset="0"/>
+                <a:cs typeface="Monaco" charset="0"/>
+              </a:rPr>
+              <a:t>q</a:t>
+            </a:r>
+            <a:r>
+              <a:rPr lang="mr-IN" sz="2200" dirty="0">
+                <a:solidFill>
+                  <a:schemeClr val="accent1"/>
+                </a:solidFill>
                 <a:latin typeface="Monaco" charset="0"/>
                 <a:ea typeface="Monaco" charset="0"/>
                 <a:cs typeface="Monaco" charset="0"/>
@@ -5462,17 +5387,37 @@
               <a:t>)</a:t>
             </a:r>
           </a:p>
-        </p:txBody>
-      </p:sp>
-      <p:sp>
-        <p:nvSpPr>
-          <p:cNvPr id="5" name="TextBox 4">
-            <a:extLst>
-              <a:ext uri="{FF2B5EF4-FFF2-40B4-BE49-F238E27FC236}">
-                <a16:creationId xmlns:a16="http://schemas.microsoft.com/office/drawing/2014/main" id="{1F623A79-3941-454E-B6B3-BD1A58A3ECA8}"/>
-              </a:ext>
-            </a:extLst>
-          </p:cNvPr>
+          <a:p>
+            <a:r>
+              <a:rPr lang="en-US" sz="2200" dirty="0">
+                <a:latin typeface="Monaco" charset="0"/>
+                <a:ea typeface="Monaco" charset="0"/>
+                <a:cs typeface="Monaco" charset="0"/>
+              </a:rPr>
+              <a:t>        reachable_(q, reaches, </a:t>
+            </a:r>
+            <a:r>
+              <a:rPr lang="en-US" sz="2000" dirty="0">
+                <a:latin typeface="Monaco" charset="0"/>
+                <a:ea typeface="Monaco" charset="0"/>
+                <a:cs typeface="Monaco" charset="0"/>
+              </a:rPr>
+              <a:t>visited</a:t>
+            </a:r>
+            <a:r>
+              <a:rPr lang="en-US" sz="2200" dirty="0">
+                <a:latin typeface="Monaco" charset="0"/>
+                <a:ea typeface="Monaco" charset="0"/>
+                <a:cs typeface="Monaco" charset="0"/>
+              </a:rPr>
+              <a:t>)</a:t>
+            </a:r>
+          </a:p>
+        </p:txBody>
+      </p:sp>
+      <p:sp>
+        <p:nvSpPr>
+          <p:cNvPr id="5" name="TextBox 4"/>
           <p:cNvSpPr txBox="1"/>
           <p:nvPr/>
         </p:nvSpPr>
@@ -5523,7 +5468,7 @@
     </p:spTree>
     <p:extLst>
       <p:ext uri="{BB962C8B-B14F-4D97-AF65-F5344CB8AC3E}">
-        <p14:creationId xmlns:p14="http://schemas.microsoft.com/office/powerpoint/2010/main" val="3698645081"/>
+        <p14:creationId xmlns:p14="http://schemas.microsoft.com/office/powerpoint/2010/main" val="1619132646"/>
       </p:ext>
     </p:extLst>
   </p:cSld>
@@ -5555,6 +5500,501 @@
           <p:cNvPr id="2" name="Title 1">
             <a:extLst>
               <a:ext uri="{FF2B5EF4-FFF2-40B4-BE49-F238E27FC236}">
+                <a16:creationId xmlns:a16="http://schemas.microsoft.com/office/drawing/2014/main" id="{4E8D2E27-F029-8F4C-8809-06DDAF244719}"/>
+              </a:ext>
+            </a:extLst>
+          </p:cNvPr>
+          <p:cNvSpPr>
+            <a:spLocks noGrp="1"/>
+          </p:cNvSpPr>
+          <p:nvPr>
+            <p:ph type="title"/>
+          </p:nvPr>
+        </p:nvSpPr>
+        <p:spPr>
+          <a:xfrm>
+            <a:off x="838200" y="365125"/>
+            <a:ext cx="11037570" cy="1325563"/>
+          </a:xfrm>
+        </p:spPr>
+        <p:txBody>
+          <a:bodyPr/>
+          <a:lstStyle/>
+          <a:p>
+            <a:r>
+              <a:rPr lang="en-US" dirty="0"/>
+              <a:t>Find set of nodes p can reach, track depth</a:t>
+            </a:r>
+          </a:p>
+        </p:txBody>
+      </p:sp>
+      <p:sp>
+        <p:nvSpPr>
+          <p:cNvPr id="3" name="Content Placeholder 2">
+            <a:extLst>
+              <a:ext uri="{FF2B5EF4-FFF2-40B4-BE49-F238E27FC236}">
+                <a16:creationId xmlns:a16="http://schemas.microsoft.com/office/drawing/2014/main" id="{A960C7F7-ADF4-964C-94C6-A0E7937F16F0}"/>
+              </a:ext>
+            </a:extLst>
+          </p:cNvPr>
+          <p:cNvSpPr>
+            <a:spLocks noGrp="1"/>
+          </p:cNvSpPr>
+          <p:nvPr>
+            <p:ph idx="1"/>
+          </p:nvPr>
+        </p:nvSpPr>
+        <p:spPr/>
+        <p:txBody>
+          <a:bodyPr/>
+          <a:lstStyle/>
+          <a:p>
+            <a:r>
+              <a:rPr lang="en-US" dirty="0"/>
+              <a:t>Track node-&gt;depth map, not just set of nodes</a:t>
+            </a:r>
+          </a:p>
+        </p:txBody>
+      </p:sp>
+      <p:sp>
+        <p:nvSpPr>
+          <p:cNvPr id="4" name="TextBox 3">
+            <a:extLst>
+              <a:ext uri="{FF2B5EF4-FFF2-40B4-BE49-F238E27FC236}">
+                <a16:creationId xmlns:a16="http://schemas.microsoft.com/office/drawing/2014/main" id="{B5AF48A4-4564-CD45-B6F8-DC1214DADCFE}"/>
+              </a:ext>
+            </a:extLst>
+          </p:cNvPr>
+          <p:cNvSpPr txBox="1"/>
+          <p:nvPr/>
+        </p:nvSpPr>
+        <p:spPr>
+          <a:xfrm>
+            <a:off x="847687" y="2495471"/>
+            <a:ext cx="10506113" cy="3816429"/>
+          </a:xfrm>
+          <a:prstGeom prst="rect">
+            <a:avLst/>
+          </a:prstGeom>
+          <a:noFill/>
+          <a:ln>
+            <a:solidFill>
+              <a:schemeClr val="accent1"/>
+            </a:solidFill>
+          </a:ln>
+        </p:spPr>
+        <p:txBody>
+          <a:bodyPr wrap="square" rtlCol="0">
+            <a:spAutoFit/>
+          </a:bodyPr>
+          <a:lstStyle/>
+          <a:p>
+            <a:r>
+              <a:rPr lang="en-US" sz="2200" dirty="0">
+                <a:latin typeface="Monaco" charset="0"/>
+                <a:ea typeface="Monaco" charset="0"/>
+                <a:cs typeface="Monaco" charset="0"/>
+              </a:rPr>
+              <a:t>def reachable(</a:t>
+            </a:r>
+            <a:r>
+              <a:rPr lang="en-US" sz="2200" dirty="0" err="1">
+                <a:latin typeface="Monaco" charset="0"/>
+                <a:ea typeface="Monaco" charset="0"/>
+                <a:cs typeface="Monaco" charset="0"/>
+              </a:rPr>
+              <a:t>p:Node</a:t>
+            </a:r>
+            <a:r>
+              <a:rPr lang="en-US" sz="2200" dirty="0">
+                <a:latin typeface="Monaco" charset="0"/>
+                <a:ea typeface="Monaco" charset="0"/>
+                <a:cs typeface="Monaco" charset="0"/>
+              </a:rPr>
+              <a:t>) -&gt; </a:t>
+            </a:r>
+            <a:r>
+              <a:rPr lang="en-US" sz="2200" dirty="0" err="1">
+                <a:latin typeface="Monaco" charset="0"/>
+                <a:ea typeface="Monaco" charset="0"/>
+                <a:cs typeface="Monaco" charset="0"/>
+              </a:rPr>
+              <a:t>dict</a:t>
+            </a:r>
+            <a:r>
+              <a:rPr lang="en-US" sz="2200" dirty="0">
+                <a:latin typeface="Monaco" charset="0"/>
+                <a:ea typeface="Monaco" charset="0"/>
+                <a:cs typeface="Monaco" charset="0"/>
+              </a:rPr>
+              <a:t>:</a:t>
+            </a:r>
+          </a:p>
+          <a:p>
+            <a:r>
+              <a:rPr lang="en-US" sz="2200" dirty="0">
+                <a:latin typeface="Monaco" charset="0"/>
+                <a:ea typeface="Monaco" charset="0"/>
+                <a:cs typeface="Monaco" charset="0"/>
+              </a:rPr>
+              <a:t>    reaches = </a:t>
+            </a:r>
+            <a:r>
+              <a:rPr lang="en-US" sz="2200" dirty="0" err="1">
+                <a:solidFill>
+                  <a:schemeClr val="accent1"/>
+                </a:solidFill>
+                <a:latin typeface="Monaco" charset="0"/>
+                <a:ea typeface="Monaco" charset="0"/>
+                <a:cs typeface="Monaco" charset="0"/>
+              </a:rPr>
+              <a:t>dict</a:t>
+            </a:r>
+            <a:r>
+              <a:rPr lang="en-US" sz="2200" dirty="0">
+                <a:solidFill>
+                  <a:schemeClr val="accent1"/>
+                </a:solidFill>
+                <a:latin typeface="Monaco" charset="0"/>
+                <a:ea typeface="Monaco" charset="0"/>
+                <a:cs typeface="Monaco" charset="0"/>
+              </a:rPr>
+              <a:t>()</a:t>
+            </a:r>
+            <a:endParaRPr lang="en-US" sz="2200" dirty="0">
+              <a:latin typeface="Monaco" charset="0"/>
+              <a:ea typeface="Monaco" charset="0"/>
+              <a:cs typeface="Monaco" charset="0"/>
+            </a:endParaRPr>
+          </a:p>
+          <a:p>
+            <a:r>
+              <a:rPr lang="en-US" sz="2200" dirty="0">
+                <a:latin typeface="Monaco" charset="0"/>
+                <a:ea typeface="Monaco" charset="0"/>
+                <a:cs typeface="Monaco" charset="0"/>
+              </a:rPr>
+              <a:t>    reachable_(p, reaches, set(), </a:t>
+            </a:r>
+            <a:r>
+              <a:rPr lang="en-US" sz="2200" dirty="0">
+                <a:solidFill>
+                  <a:schemeClr val="accent1"/>
+                </a:solidFill>
+                <a:latin typeface="Monaco" charset="0"/>
+                <a:ea typeface="Monaco" charset="0"/>
+                <a:cs typeface="Monaco" charset="0"/>
+              </a:rPr>
+              <a:t>depth=0</a:t>
+            </a:r>
+            <a:r>
+              <a:rPr lang="en-US" sz="2200" dirty="0">
+                <a:latin typeface="Monaco" charset="0"/>
+                <a:ea typeface="Monaco" charset="0"/>
+                <a:cs typeface="Monaco" charset="0"/>
+              </a:rPr>
+              <a:t>)</a:t>
+            </a:r>
+          </a:p>
+          <a:p>
+            <a:r>
+              <a:rPr lang="en-US" sz="2200" dirty="0">
+                <a:latin typeface="Monaco" charset="0"/>
+                <a:ea typeface="Monaco" charset="0"/>
+                <a:cs typeface="Monaco" charset="0"/>
+              </a:rPr>
+              <a:t>    return reaches</a:t>
+            </a:r>
+          </a:p>
+          <a:p>
+            <a:endParaRPr lang="en-US" sz="2200" dirty="0">
+              <a:latin typeface="Monaco" charset="0"/>
+              <a:ea typeface="Monaco" charset="0"/>
+              <a:cs typeface="Monaco" charset="0"/>
+            </a:endParaRPr>
+          </a:p>
+          <a:p>
+            <a:r>
+              <a:rPr lang="en-US" sz="2200" dirty="0">
+                <a:latin typeface="Monaco" charset="0"/>
+                <a:ea typeface="Monaco" charset="0"/>
+                <a:cs typeface="Monaco" charset="0"/>
+              </a:rPr>
+              <a:t>def reachable_(</a:t>
+            </a:r>
+            <a:r>
+              <a:rPr lang="en-US" sz="2200" dirty="0" err="1">
+                <a:latin typeface="Monaco" charset="0"/>
+                <a:ea typeface="Monaco" charset="0"/>
+                <a:cs typeface="Monaco" charset="0"/>
+              </a:rPr>
+              <a:t>p:Node</a:t>
+            </a:r>
+            <a:r>
+              <a:rPr lang="en-US" sz="2200" dirty="0">
+                <a:latin typeface="Monaco" charset="0"/>
+                <a:ea typeface="Monaco" charset="0"/>
+                <a:cs typeface="Monaco" charset="0"/>
+              </a:rPr>
+              <a:t>, </a:t>
+            </a:r>
+            <a:r>
+              <a:rPr lang="en-US" sz="2200" dirty="0" err="1">
+                <a:latin typeface="Monaco" charset="0"/>
+                <a:ea typeface="Monaco" charset="0"/>
+                <a:cs typeface="Monaco" charset="0"/>
+              </a:rPr>
+              <a:t>reaches:dict</a:t>
+            </a:r>
+            <a:r>
+              <a:rPr lang="en-US" sz="2200" dirty="0">
+                <a:latin typeface="Monaco" charset="0"/>
+                <a:ea typeface="Monaco" charset="0"/>
+                <a:cs typeface="Monaco" charset="0"/>
+              </a:rPr>
+              <a:t>, </a:t>
+            </a:r>
+            <a:r>
+              <a:rPr lang="en-US" sz="2200" dirty="0" err="1">
+                <a:latin typeface="Monaco" charset="0"/>
+                <a:ea typeface="Monaco" charset="0"/>
+                <a:cs typeface="Monaco" charset="0"/>
+              </a:rPr>
+              <a:t>visited:set</a:t>
+            </a:r>
+            <a:r>
+              <a:rPr lang="en-US" sz="2200" dirty="0">
+                <a:latin typeface="Monaco" charset="0"/>
+                <a:ea typeface="Monaco" charset="0"/>
+                <a:cs typeface="Monaco" charset="0"/>
+              </a:rPr>
+              <a:t>, </a:t>
+            </a:r>
+            <a:r>
+              <a:rPr lang="en-US" sz="2200" dirty="0" err="1">
+                <a:solidFill>
+                  <a:schemeClr val="accent1"/>
+                </a:solidFill>
+                <a:latin typeface="Monaco" charset="0"/>
+                <a:ea typeface="Monaco" charset="0"/>
+                <a:cs typeface="Monaco" charset="0"/>
+              </a:rPr>
+              <a:t>depth:int</a:t>
+            </a:r>
+            <a:r>
+              <a:rPr lang="en-US" sz="2200" dirty="0">
+                <a:latin typeface="Monaco" charset="0"/>
+                <a:ea typeface="Monaco" charset="0"/>
+                <a:cs typeface="Monaco" charset="0"/>
+              </a:rPr>
+              <a:t>):</a:t>
+            </a:r>
+          </a:p>
+          <a:p>
+            <a:r>
+              <a:rPr lang="en-US" sz="2200" dirty="0">
+                <a:latin typeface="Monaco" charset="0"/>
+                <a:ea typeface="Monaco" charset="0"/>
+                <a:cs typeface="Monaco" charset="0"/>
+              </a:rPr>
+              <a:t>    if p in visited: return</a:t>
+            </a:r>
+          </a:p>
+          <a:p>
+            <a:r>
+              <a:rPr lang="en-US" sz="2200" dirty="0">
+                <a:latin typeface="Monaco" charset="0"/>
+                <a:ea typeface="Monaco" charset="0"/>
+                <a:cs typeface="Monaco" charset="0"/>
+              </a:rPr>
+              <a:t>    </a:t>
+            </a:r>
+            <a:r>
+              <a:rPr lang="en-US" sz="2200" dirty="0" err="1">
+                <a:latin typeface="Monaco" charset="0"/>
+                <a:ea typeface="Monaco" charset="0"/>
+                <a:cs typeface="Monaco" charset="0"/>
+              </a:rPr>
+              <a:t>visited.add</a:t>
+            </a:r>
+            <a:r>
+              <a:rPr lang="en-US" sz="2200" dirty="0">
+                <a:latin typeface="Monaco" charset="0"/>
+                <a:ea typeface="Monaco" charset="0"/>
+                <a:cs typeface="Monaco" charset="0"/>
+              </a:rPr>
+              <a:t>(p)</a:t>
+            </a:r>
+          </a:p>
+          <a:p>
+            <a:r>
+              <a:rPr lang="en-US" sz="2200" dirty="0">
+                <a:latin typeface="Monaco" charset="0"/>
+                <a:ea typeface="Monaco" charset="0"/>
+                <a:cs typeface="Monaco" charset="0"/>
+              </a:rPr>
+              <a:t>    </a:t>
+            </a:r>
+            <a:r>
+              <a:rPr lang="en-US" sz="2200" dirty="0">
+                <a:solidFill>
+                  <a:schemeClr val="accent1"/>
+                </a:solidFill>
+                <a:latin typeface="Monaco" charset="0"/>
+                <a:ea typeface="Monaco" charset="0"/>
+                <a:cs typeface="Monaco" charset="0"/>
+              </a:rPr>
+              <a:t>reaches[p] = depth</a:t>
+            </a:r>
+          </a:p>
+          <a:p>
+            <a:r>
+              <a:rPr lang="en-US" sz="2200" dirty="0">
+                <a:latin typeface="Monaco" charset="0"/>
+                <a:ea typeface="Monaco" charset="0"/>
+                <a:cs typeface="Monaco" charset="0"/>
+              </a:rPr>
+              <a:t>    for q in </a:t>
+            </a:r>
+            <a:r>
+              <a:rPr lang="en-US" sz="2200" dirty="0" err="1">
+                <a:latin typeface="Monaco" charset="0"/>
+                <a:ea typeface="Monaco" charset="0"/>
+                <a:cs typeface="Monaco" charset="0"/>
+              </a:rPr>
+              <a:t>p.edges</a:t>
+            </a:r>
+            <a:r>
+              <a:rPr lang="en-US" sz="2200" dirty="0">
+                <a:latin typeface="Monaco" charset="0"/>
+                <a:ea typeface="Monaco" charset="0"/>
+                <a:cs typeface="Monaco" charset="0"/>
+              </a:rPr>
+              <a:t>:</a:t>
+            </a:r>
+          </a:p>
+          <a:p>
+            <a:r>
+              <a:rPr lang="en-US" sz="2200" dirty="0">
+                <a:latin typeface="Monaco" charset="0"/>
+                <a:ea typeface="Monaco" charset="0"/>
+                <a:cs typeface="Monaco" charset="0"/>
+              </a:rPr>
+              <a:t>        reachable_(q, reaches, visited, </a:t>
+            </a:r>
+            <a:r>
+              <a:rPr lang="en-US" sz="2200" dirty="0">
+                <a:solidFill>
+                  <a:schemeClr val="accent1"/>
+                </a:solidFill>
+                <a:latin typeface="Monaco" charset="0"/>
+                <a:ea typeface="Monaco" charset="0"/>
+                <a:cs typeface="Monaco" charset="0"/>
+              </a:rPr>
+              <a:t>depth+1</a:t>
+            </a:r>
+            <a:r>
+              <a:rPr lang="en-US" sz="2200" dirty="0">
+                <a:latin typeface="Monaco" charset="0"/>
+                <a:ea typeface="Monaco" charset="0"/>
+                <a:cs typeface="Monaco" charset="0"/>
+              </a:rPr>
+              <a:t>)</a:t>
+            </a:r>
+          </a:p>
+        </p:txBody>
+      </p:sp>
+      <p:sp>
+        <p:nvSpPr>
+          <p:cNvPr id="5" name="TextBox 4">
+            <a:extLst>
+              <a:ext uri="{FF2B5EF4-FFF2-40B4-BE49-F238E27FC236}">
+                <a16:creationId xmlns:a16="http://schemas.microsoft.com/office/drawing/2014/main" id="{1F623A79-3941-454E-B6B3-BD1A58A3ECA8}"/>
+              </a:ext>
+            </a:extLst>
+          </p:cNvPr>
+          <p:cNvSpPr txBox="1"/>
+          <p:nvPr/>
+        </p:nvSpPr>
+        <p:spPr>
+          <a:xfrm>
+            <a:off x="838200" y="6390409"/>
+            <a:ext cx="6827510" cy="369332"/>
+          </a:xfrm>
+          <a:prstGeom prst="rect">
+            <a:avLst/>
+          </a:prstGeom>
+          <a:noFill/>
+        </p:spPr>
+        <p:txBody>
+          <a:bodyPr wrap="none" rtlCol="0">
+            <a:spAutoFit/>
+          </a:bodyPr>
+          <a:lstStyle/>
+          <a:p>
+            <a:r>
+              <a:rPr lang="en-US" dirty="0"/>
+              <a:t>https://</a:t>
+            </a:r>
+            <a:r>
+              <a:rPr lang="en-US" dirty="0" err="1"/>
+              <a:t>github.com</a:t>
+            </a:r>
+            <a:r>
+              <a:rPr lang="en-US" dirty="0"/>
+              <a:t>/</a:t>
+            </a:r>
+            <a:r>
+              <a:rPr lang="en-US" dirty="0" err="1"/>
+              <a:t>parrt</a:t>
+            </a:r>
+            <a:r>
+              <a:rPr lang="en-US" dirty="0"/>
+              <a:t>/msds689/blob/master/notes/</a:t>
+            </a:r>
+            <a:r>
+              <a:rPr lang="en-US" dirty="0" err="1"/>
+              <a:t>graphs.ipynb</a:t>
+            </a:r>
+            <a:endParaRPr lang="en-US" dirty="0"/>
+          </a:p>
+        </p:txBody>
+      </p:sp>
+    </p:spTree>
+    <p:extLst>
+      <p:ext uri="{BB962C8B-B14F-4D97-AF65-F5344CB8AC3E}">
+        <p14:creationId xmlns:p14="http://schemas.microsoft.com/office/powerpoint/2010/main" val="3698645081"/>
+      </p:ext>
+    </p:extLst>
+  </p:cSld>
+  <p:clrMapOvr>
+    <a:masterClrMapping/>
+  </p:clrMapOvr>
+</p:sld>
+</file>
+
+<file path=ppt/slides/slide14.xml><?xml version="1.0" encoding="utf-8"?>
+<p:sld xmlns:a="http://schemas.openxmlformats.org/drawingml/2006/main" xmlns:r="http://schemas.openxmlformats.org/officeDocument/2006/relationships" xmlns:p="http://schemas.openxmlformats.org/presentationml/2006/main">
+  <p:cSld>
+    <p:spTree>
+      <p:nvGrpSpPr>
+        <p:cNvPr id="1" name=""/>
+        <p:cNvGrpSpPr/>
+        <p:nvPr/>
+      </p:nvGrpSpPr>
+      <p:grpSpPr>
+        <a:xfrm>
+          <a:off x="0" y="0"/>
+          <a:ext cx="0" cy="0"/>
+          <a:chOff x="0" y="0"/>
+          <a:chExt cx="0" cy="0"/>
+        </a:xfrm>
+      </p:grpSpPr>
+      <p:sp>
+        <p:nvSpPr>
+          <p:cNvPr id="2" name="Title 1">
+            <a:extLst>
+              <a:ext uri="{FF2B5EF4-FFF2-40B4-BE49-F238E27FC236}">
                 <a16:creationId xmlns:a16="http://schemas.microsoft.com/office/drawing/2014/main" id="{1D0CBCBA-DE92-6748-A759-28AD32F4DC28}"/>
               </a:ext>
             </a:extLst>
@@ -5988,7 +6428,7 @@
 </p:sld>
 </file>
 
-<file path=ppt/slides/slide14.xml><?xml version="1.0" encoding="utf-8"?>
+<file path=ppt/slides/slide15.xml><?xml version="1.0" encoding="utf-8"?>
 <p:sld xmlns:a="http://schemas.openxmlformats.org/drawingml/2006/main" xmlns:r="http://schemas.openxmlformats.org/officeDocument/2006/relationships" xmlns:p="http://schemas.openxmlformats.org/presentationml/2006/main">
   <p:cSld>
     <p:spTree>
@@ -6868,7 +7308,7 @@
 </p:sld>
 </file>
 
-<file path=ppt/slides/slide15.xml><?xml version="1.0" encoding="utf-8"?>
+<file path=ppt/slides/slide16.xml><?xml version="1.0" encoding="utf-8"?>
 <p:sld xmlns:a="http://schemas.openxmlformats.org/drawingml/2006/main" xmlns:r="http://schemas.openxmlformats.org/officeDocument/2006/relationships" xmlns:p="http://schemas.openxmlformats.org/presentationml/2006/main">
   <p:cSld>
     <p:spTree>
@@ -7109,7 +7549,7 @@
 </p:sld>
 </file>
 
-<file path=ppt/slides/slide16.xml><?xml version="1.0" encoding="utf-8"?>
+<file path=ppt/slides/slide17.xml><?xml version="1.0" encoding="utf-8"?>
 <p:sld xmlns:a="http://schemas.openxmlformats.org/drawingml/2006/main" xmlns:r="http://schemas.openxmlformats.org/officeDocument/2006/relationships" xmlns:p="http://schemas.openxmlformats.org/presentationml/2006/main">
   <p:cSld>
     <p:spTree>
@@ -7687,7 +8127,7 @@
 </p:sld>
 </file>
 
-<file path=ppt/slides/slide17.xml><?xml version="1.0" encoding="utf-8"?>
+<file path=ppt/slides/slide18.xml><?xml version="1.0" encoding="utf-8"?>
 <p:sld xmlns:a="http://schemas.openxmlformats.org/drawingml/2006/main" xmlns:r="http://schemas.openxmlformats.org/officeDocument/2006/relationships" xmlns:p="http://schemas.openxmlformats.org/presentationml/2006/main">
   <p:cSld>
     <p:spTree>
@@ -8322,7 +8762,7 @@
 </p:sld>
 </file>
 
-<file path=ppt/slides/slide18.xml><?xml version="1.0" encoding="utf-8"?>
+<file path=ppt/slides/slide19.xml><?xml version="1.0" encoding="utf-8"?>
 <p:sld xmlns:a="http://schemas.openxmlformats.org/drawingml/2006/main" xmlns:r="http://schemas.openxmlformats.org/officeDocument/2006/relationships" xmlns:p="http://schemas.openxmlformats.org/presentationml/2006/main">
   <p:cSld>
     <p:spTree>
@@ -8562,160 +9002,6 @@
 </p:sld>
 </file>
 
-<file path=ppt/slides/slide19.xml><?xml version="1.0" encoding="utf-8"?>
-<p:sld xmlns:a="http://schemas.openxmlformats.org/drawingml/2006/main" xmlns:r="http://schemas.openxmlformats.org/officeDocument/2006/relationships" xmlns:p="http://schemas.openxmlformats.org/presentationml/2006/main">
-  <p:cSld>
-    <p:spTree>
-      <p:nvGrpSpPr>
-        <p:cNvPr id="1" name=""/>
-        <p:cNvGrpSpPr/>
-        <p:nvPr/>
-      </p:nvGrpSpPr>
-      <p:grpSpPr>
-        <a:xfrm>
-          <a:off x="0" y="0"/>
-          <a:ext cx="0" cy="0"/>
-          <a:chOff x="0" y="0"/>
-          <a:chExt cx="0" cy="0"/>
-        </a:xfrm>
-      </p:grpSpPr>
-      <p:sp>
-        <p:nvSpPr>
-          <p:cNvPr id="2" name="Title 1">
-            <a:extLst>
-              <a:ext uri="{FF2B5EF4-FFF2-40B4-BE49-F238E27FC236}">
-                <a16:creationId xmlns:a16="http://schemas.microsoft.com/office/drawing/2014/main" id="{04CD735A-84E7-A744-9442-203477FBE0A2}"/>
-              </a:ext>
-            </a:extLst>
-          </p:cNvPr>
-          <p:cNvSpPr>
-            <a:spLocks noGrp="1"/>
-          </p:cNvSpPr>
-          <p:nvPr>
-            <p:ph type="title"/>
-          </p:nvPr>
-        </p:nvSpPr>
-        <p:spPr/>
-        <p:txBody>
-          <a:bodyPr/>
-          <a:lstStyle/>
-          <a:p>
-            <a:r>
-              <a:rPr lang="en-US" dirty="0"/>
-              <a:t>Example topological sort u depends v</a:t>
-            </a:r>
-          </a:p>
-        </p:txBody>
-      </p:sp>
-      <p:pic>
-        <p:nvPicPr>
-          <p:cNvPr id="6" name="Content Placeholder 5">
-            <a:extLst>
-              <a:ext uri="{FF2B5EF4-FFF2-40B4-BE49-F238E27FC236}">
-                <a16:creationId xmlns:a16="http://schemas.microsoft.com/office/drawing/2014/main" id="{C67A868B-0390-3743-BAE3-BDEA1E3AB385}"/>
-              </a:ext>
-            </a:extLst>
-          </p:cNvPr>
-          <p:cNvPicPr>
-            <a:picLocks noGrp="1" noChangeAspect="1"/>
-          </p:cNvPicPr>
-          <p:nvPr>
-            <p:ph idx="1"/>
-          </p:nvPr>
-        </p:nvPicPr>
-        <p:blipFill>
-          <a:blip r:embed="rId2"/>
-          <a:stretch>
-            <a:fillRect/>
-          </a:stretch>
-        </p:blipFill>
-        <p:spPr>
-          <a:xfrm>
-            <a:off x="500380" y="1729731"/>
-            <a:ext cx="3556000" cy="3149600"/>
-          </a:xfrm>
-          <a:prstGeom prst="rect">
-            <a:avLst/>
-          </a:prstGeom>
-        </p:spPr>
-      </p:pic>
-      <p:pic>
-        <p:nvPicPr>
-          <p:cNvPr id="7" name="Picture 6">
-            <a:extLst>
-              <a:ext uri="{FF2B5EF4-FFF2-40B4-BE49-F238E27FC236}">
-                <a16:creationId xmlns:a16="http://schemas.microsoft.com/office/drawing/2014/main" id="{531DB8F9-2854-9443-89FC-2B201812F5D7}"/>
-              </a:ext>
-            </a:extLst>
-          </p:cNvPr>
-          <p:cNvPicPr>
-            <a:picLocks noChangeAspect="1"/>
-          </p:cNvPicPr>
-          <p:nvPr/>
-        </p:nvPicPr>
-        <p:blipFill>
-          <a:blip r:embed="rId3"/>
-          <a:stretch>
-            <a:fillRect/>
-          </a:stretch>
-        </p:blipFill>
-        <p:spPr>
-          <a:xfrm>
-            <a:off x="4602480" y="2129229"/>
-            <a:ext cx="7429500" cy="1371600"/>
-          </a:xfrm>
-          <a:prstGeom prst="rect">
-            <a:avLst/>
-          </a:prstGeom>
-        </p:spPr>
-      </p:pic>
-      <p:sp>
-        <p:nvSpPr>
-          <p:cNvPr id="10" name="Rectangle 9">
-            <a:extLst>
-              <a:ext uri="{FF2B5EF4-FFF2-40B4-BE49-F238E27FC236}">
-                <a16:creationId xmlns:a16="http://schemas.microsoft.com/office/drawing/2014/main" id="{9697E53A-728F-8B49-8F8D-479021E15088}"/>
-              </a:ext>
-            </a:extLst>
-          </p:cNvPr>
-          <p:cNvSpPr/>
-          <p:nvPr/>
-        </p:nvSpPr>
-        <p:spPr>
-          <a:xfrm>
-            <a:off x="1243415" y="5310971"/>
-            <a:ext cx="10142135" cy="461665"/>
-          </a:xfrm>
-          <a:prstGeom prst="rect">
-            <a:avLst/>
-          </a:prstGeom>
-        </p:spPr>
-        <p:txBody>
-          <a:bodyPr wrap="none">
-            <a:spAutoFit/>
-          </a:bodyPr>
-          <a:lstStyle/>
-          <a:p>
-            <a:r>
-              <a:rPr lang="en-US" sz="2400" dirty="0"/>
-              <a:t>If u depends on v, any linear ordering where edges point to left is solution</a:t>
-            </a:r>
-          </a:p>
-        </p:txBody>
-      </p:sp>
-    </p:spTree>
-    <p:extLst>
-      <p:ext uri="{BB962C8B-B14F-4D97-AF65-F5344CB8AC3E}">
-        <p14:creationId xmlns:p14="http://schemas.microsoft.com/office/powerpoint/2010/main" val="1688965789"/>
-      </p:ext>
-    </p:extLst>
-  </p:cSld>
-  <p:clrMapOvr>
-    <a:masterClrMapping/>
-  </p:clrMapOvr>
-</p:sld>
-</file>
-
 <file path=ppt/slides/slide2.xml><?xml version="1.0" encoding="utf-8"?>
 <p:sld xmlns:a="http://schemas.openxmlformats.org/drawingml/2006/main" xmlns:r="http://schemas.openxmlformats.org/officeDocument/2006/relationships" xmlns:p="http://schemas.openxmlformats.org/presentationml/2006/main">
   <p:cSld>
@@ -8761,8 +9047,8 @@
           </a:p>
         </p:txBody>
       </p:sp>
-      <mc:AlternateContent xmlns:mc="http://schemas.openxmlformats.org/markup-compatibility/2006" xmlns:a14="http://schemas.microsoft.com/office/drawing/2010/main">
-        <mc:Choice Requires="a14">
+      <mc:AlternateContent xmlns:mc="http://schemas.openxmlformats.org/markup-compatibility/2006">
+        <mc:Choice xmlns:a14="http://schemas.microsoft.com/office/drawing/2010/main" Requires="a14">
           <p:sp>
             <p:nvSpPr>
               <p:cNvPr id="3" name="Content Placeholder 2">
@@ -8779,7 +9065,12 @@
                 <p:ph idx="1"/>
               </p:nvPr>
             </p:nvSpPr>
-            <p:spPr/>
+            <p:spPr>
+              <a:xfrm>
+                <a:off x="838199" y="1825625"/>
+                <a:ext cx="10679349" cy="4351338"/>
+              </a:xfrm>
+            </p:spPr>
             <p:txBody>
               <a:bodyPr>
                 <a:normAutofit lnSpcReduction="10000"/>
@@ -8802,13 +9093,13 @@
               <a:p>
                 <a:r>
                   <a:rPr lang="en-US" dirty="0"/>
-                  <a:t>As with a tree, a graph is the aggregate of nodes</a:t>
+                  <a:t>As with a tree, a graph is the aggregate of nodes/edges</a:t>
                 </a:r>
               </a:p>
               <a:p>
                 <a:r>
                   <a:rPr lang="en-US" dirty="0"/>
-                  <a:t>Elements/nodes are email addresses, map locations, documents, tasks to perform, URLs on the web, customers, computers on a network, friends, observations, sensors, states in </a:t>
+                  <a:t>Nodes can be email addresses, map locations, documents, tasks to perform, URLs on the web, customers, computers on network, friends, observations, sensors, states in </a:t>
                 </a:r>
                 <a:r>
                   <a:rPr lang="en-US" dirty="0" err="1"/>
@@ -8974,12 +9265,19 @@
                   <a:rPr lang="mr-IN" i="1" dirty="0"/>
                   <a:t>/2</a:t>
                 </a:r>
+                <a:br>
+                  <a:rPr lang="en-US" i="1" dirty="0"/>
+                </a:br>
+                <a:r>
+                  <a:rPr lang="en-US" dirty="0"/>
+                  <a:t>since n nodes can connect to n-1 other nodes</a:t>
+                </a:r>
                 <a:endParaRPr lang="en-US" i="1" dirty="0"/>
               </a:p>
             </p:txBody>
           </p:sp>
         </mc:Choice>
-        <mc:Fallback xmlns="">
+        <mc:Fallback>
           <p:sp>
             <p:nvSpPr>
               <p:cNvPr id="3" name="Content Placeholder 2">
@@ -8997,10 +9295,14 @@
               </p:nvPr>
             </p:nvSpPr>
             <p:spPr>
+              <a:xfrm>
+                <a:off x="838199" y="1825625"/>
+                <a:ext cx="10679349" cy="4351338"/>
+              </a:xfrm>
               <a:blipFill>
                 <a:blip r:embed="rId2"/>
                 <a:stretch>
-                  <a:fillRect l="-965" t="-3801" r="-1809" b="-585"/>
+                  <a:fillRect l="-950" t="-3801" r="-1900" b="-292"/>
                 </a:stretch>
               </a:blipFill>
             </p:spPr>
@@ -9054,6 +9356,160 @@
           <p:cNvPr id="2" name="Title 1">
             <a:extLst>
               <a:ext uri="{FF2B5EF4-FFF2-40B4-BE49-F238E27FC236}">
+                <a16:creationId xmlns:a16="http://schemas.microsoft.com/office/drawing/2014/main" id="{04CD735A-84E7-A744-9442-203477FBE0A2}"/>
+              </a:ext>
+            </a:extLst>
+          </p:cNvPr>
+          <p:cNvSpPr>
+            <a:spLocks noGrp="1"/>
+          </p:cNvSpPr>
+          <p:nvPr>
+            <p:ph type="title"/>
+          </p:nvPr>
+        </p:nvSpPr>
+        <p:spPr/>
+        <p:txBody>
+          <a:bodyPr/>
+          <a:lstStyle/>
+          <a:p>
+            <a:r>
+              <a:rPr lang="en-US" dirty="0"/>
+              <a:t>Example topological sort u depends v</a:t>
+            </a:r>
+          </a:p>
+        </p:txBody>
+      </p:sp>
+      <p:pic>
+        <p:nvPicPr>
+          <p:cNvPr id="6" name="Content Placeholder 5">
+            <a:extLst>
+              <a:ext uri="{FF2B5EF4-FFF2-40B4-BE49-F238E27FC236}">
+                <a16:creationId xmlns:a16="http://schemas.microsoft.com/office/drawing/2014/main" id="{C67A868B-0390-3743-BAE3-BDEA1E3AB385}"/>
+              </a:ext>
+            </a:extLst>
+          </p:cNvPr>
+          <p:cNvPicPr>
+            <a:picLocks noGrp="1" noChangeAspect="1"/>
+          </p:cNvPicPr>
+          <p:nvPr>
+            <p:ph idx="1"/>
+          </p:nvPr>
+        </p:nvPicPr>
+        <p:blipFill>
+          <a:blip r:embed="rId2"/>
+          <a:stretch>
+            <a:fillRect/>
+          </a:stretch>
+        </p:blipFill>
+        <p:spPr>
+          <a:xfrm>
+            <a:off x="500380" y="1729731"/>
+            <a:ext cx="3556000" cy="3149600"/>
+          </a:xfrm>
+          <a:prstGeom prst="rect">
+            <a:avLst/>
+          </a:prstGeom>
+        </p:spPr>
+      </p:pic>
+      <p:pic>
+        <p:nvPicPr>
+          <p:cNvPr id="7" name="Picture 6">
+            <a:extLst>
+              <a:ext uri="{FF2B5EF4-FFF2-40B4-BE49-F238E27FC236}">
+                <a16:creationId xmlns:a16="http://schemas.microsoft.com/office/drawing/2014/main" id="{531DB8F9-2854-9443-89FC-2B201812F5D7}"/>
+              </a:ext>
+            </a:extLst>
+          </p:cNvPr>
+          <p:cNvPicPr>
+            <a:picLocks noChangeAspect="1"/>
+          </p:cNvPicPr>
+          <p:nvPr/>
+        </p:nvPicPr>
+        <p:blipFill>
+          <a:blip r:embed="rId3"/>
+          <a:stretch>
+            <a:fillRect/>
+          </a:stretch>
+        </p:blipFill>
+        <p:spPr>
+          <a:xfrm>
+            <a:off x="4602480" y="2129229"/>
+            <a:ext cx="7429500" cy="1371600"/>
+          </a:xfrm>
+          <a:prstGeom prst="rect">
+            <a:avLst/>
+          </a:prstGeom>
+        </p:spPr>
+      </p:pic>
+      <p:sp>
+        <p:nvSpPr>
+          <p:cNvPr id="10" name="Rectangle 9">
+            <a:extLst>
+              <a:ext uri="{FF2B5EF4-FFF2-40B4-BE49-F238E27FC236}">
+                <a16:creationId xmlns:a16="http://schemas.microsoft.com/office/drawing/2014/main" id="{9697E53A-728F-8B49-8F8D-479021E15088}"/>
+              </a:ext>
+            </a:extLst>
+          </p:cNvPr>
+          <p:cNvSpPr/>
+          <p:nvPr/>
+        </p:nvSpPr>
+        <p:spPr>
+          <a:xfrm>
+            <a:off x="1243415" y="5310971"/>
+            <a:ext cx="10142135" cy="461665"/>
+          </a:xfrm>
+          <a:prstGeom prst="rect">
+            <a:avLst/>
+          </a:prstGeom>
+        </p:spPr>
+        <p:txBody>
+          <a:bodyPr wrap="none">
+            <a:spAutoFit/>
+          </a:bodyPr>
+          <a:lstStyle/>
+          <a:p>
+            <a:r>
+              <a:rPr lang="en-US" sz="2400" dirty="0"/>
+              <a:t>If u depends on v, any linear ordering where edges point to left is solution</a:t>
+            </a:r>
+          </a:p>
+        </p:txBody>
+      </p:sp>
+    </p:spTree>
+    <p:extLst>
+      <p:ext uri="{BB962C8B-B14F-4D97-AF65-F5344CB8AC3E}">
+        <p14:creationId xmlns:p14="http://schemas.microsoft.com/office/powerpoint/2010/main" val="1688965789"/>
+      </p:ext>
+    </p:extLst>
+  </p:cSld>
+  <p:clrMapOvr>
+    <a:masterClrMapping/>
+  </p:clrMapOvr>
+</p:sld>
+</file>
+
+<file path=ppt/slides/slide21.xml><?xml version="1.0" encoding="utf-8"?>
+<p:sld xmlns:a="http://schemas.openxmlformats.org/drawingml/2006/main" xmlns:r="http://schemas.openxmlformats.org/officeDocument/2006/relationships" xmlns:p="http://schemas.openxmlformats.org/presentationml/2006/main">
+  <p:cSld>
+    <p:spTree>
+      <p:nvGrpSpPr>
+        <p:cNvPr id="1" name=""/>
+        <p:cNvGrpSpPr/>
+        <p:nvPr/>
+      </p:nvGrpSpPr>
+      <p:grpSpPr>
+        <a:xfrm>
+          <a:off x="0" y="0"/>
+          <a:ext cx="0" cy="0"/>
+          <a:chOff x="0" y="0"/>
+          <a:chExt cx="0" cy="0"/>
+        </a:xfrm>
+      </p:grpSpPr>
+      <p:sp>
+        <p:nvSpPr>
+          <p:cNvPr id="2" name="Title 1">
+            <a:extLst>
+              <a:ext uri="{FF2B5EF4-FFF2-40B4-BE49-F238E27FC236}">
                 <a16:creationId xmlns:a16="http://schemas.microsoft.com/office/drawing/2014/main" id="{744D4569-B70C-3B48-AB10-48228CF3FC27}"/>
               </a:ext>
             </a:extLst>
@@ -9178,7 +9634,7 @@
 </p:sld>
 </file>
 
-<file path=ppt/slides/slide21.xml><?xml version="1.0" encoding="utf-8"?>
+<file path=ppt/slides/slide22.xml><?xml version="1.0" encoding="utf-8"?>
 <p:sld xmlns:a="http://schemas.openxmlformats.org/drawingml/2006/main" xmlns:r="http://schemas.openxmlformats.org/officeDocument/2006/relationships" xmlns:p="http://schemas.openxmlformats.org/presentationml/2006/main">
   <p:cSld>
     <p:spTree>
@@ -9356,140 +9812,6 @@
 </p:sld>
 </file>
 
-<file path=ppt/slides/slide22.xml><?xml version="1.0" encoding="utf-8"?>
-<p:sld xmlns:a="http://schemas.openxmlformats.org/drawingml/2006/main" xmlns:r="http://schemas.openxmlformats.org/officeDocument/2006/relationships" xmlns:p="http://schemas.openxmlformats.org/presentationml/2006/main">
-  <p:cSld>
-    <p:spTree>
-      <p:nvGrpSpPr>
-        <p:cNvPr id="1" name=""/>
-        <p:cNvGrpSpPr/>
-        <p:nvPr/>
-      </p:nvGrpSpPr>
-      <p:grpSpPr>
-        <a:xfrm>
-          <a:off x="0" y="0"/>
-          <a:ext cx="0" cy="0"/>
-          <a:chOff x="0" y="0"/>
-          <a:chExt cx="0" cy="0"/>
-        </a:xfrm>
-      </p:grpSpPr>
-      <p:sp>
-        <p:nvSpPr>
-          <p:cNvPr id="2" name="Title 1">
-            <a:extLst>
-              <a:ext uri="{FF2B5EF4-FFF2-40B4-BE49-F238E27FC236}">
-                <a16:creationId xmlns:a16="http://schemas.microsoft.com/office/drawing/2014/main" id="{D923F8B9-AF0B-514B-82D1-85ABBEE15D9A}"/>
-              </a:ext>
-            </a:extLst>
-          </p:cNvPr>
-          <p:cNvSpPr>
-            <a:spLocks noGrp="1"/>
-          </p:cNvSpPr>
-          <p:nvPr>
-            <p:ph type="title"/>
-          </p:nvPr>
-        </p:nvSpPr>
-        <p:spPr/>
-        <p:txBody>
-          <a:bodyPr/>
-          <a:lstStyle/>
-          <a:p>
-            <a:r>
-              <a:rPr lang="en-US" dirty="0"/>
-              <a:t>DFS-based topo sort implementation</a:t>
-            </a:r>
-          </a:p>
-        </p:txBody>
-      </p:sp>
-      <p:sp>
-        <p:nvSpPr>
-          <p:cNvPr id="3" name="Content Placeholder 2">
-            <a:extLst>
-              <a:ext uri="{FF2B5EF4-FFF2-40B4-BE49-F238E27FC236}">
-                <a16:creationId xmlns:a16="http://schemas.microsoft.com/office/drawing/2014/main" id="{795773DF-8C82-FB4E-81C4-2102CD70483E}"/>
-              </a:ext>
-            </a:extLst>
-          </p:cNvPr>
-          <p:cNvSpPr>
-            <a:spLocks noGrp="1"/>
-          </p:cNvSpPr>
-          <p:nvPr>
-            <p:ph idx="1"/>
-          </p:nvPr>
-        </p:nvSpPr>
-        <p:spPr/>
-        <p:txBody>
-          <a:bodyPr/>
-          <a:lstStyle/>
-          <a:p>
-            <a:r>
-              <a:rPr lang="en-US" dirty="0"/>
-              <a:t>Lots of very complex algorithms on the web (not sure why)</a:t>
-            </a:r>
-          </a:p>
-          <a:p>
-            <a:r>
-              <a:rPr lang="en-US" dirty="0"/>
-              <a:t>Simplest solution: DFS-based topological sort</a:t>
-            </a:r>
-          </a:p>
-          <a:p>
-            <a:r>
-              <a:rPr lang="en-US" dirty="0"/>
-              <a:t>A valid sort is just the post-order graph traversal if u depends v!</a:t>
-            </a:r>
-          </a:p>
-          <a:p>
-            <a:r>
-              <a:rPr lang="en-US" dirty="0"/>
-              <a:t>If u precedes v, reverse the result of post-order traversal;</a:t>
-            </a:r>
-            <a:br>
-              <a:rPr lang="en-US" dirty="0"/>
-            </a:br>
-            <a:r>
-              <a:rPr lang="en-US" dirty="0"/>
-              <a:t>See proof page 582 of Sedgewick/Wayne Algorithms book</a:t>
-            </a:r>
-          </a:p>
-          <a:p>
-            <a:r>
-              <a:rPr lang="en-US" dirty="0"/>
-              <a:t>Well, we have to make sure to do DFS on all root nodes (nodes w/o incoming edges) but core is just DFS</a:t>
-            </a:r>
-          </a:p>
-          <a:p>
-            <a:r>
-              <a:rPr lang="en-US" dirty="0"/>
-              <a:t>With one root, it’s just </a:t>
-            </a:r>
-            <a:r>
-              <a:rPr lang="en-US" dirty="0" err="1"/>
-              <a:t>postorder</a:t>
-            </a:r>
-            <a:r>
-              <a:rPr lang="en-US" dirty="0"/>
-              <a:t> traversal via DFS</a:t>
-            </a:r>
-          </a:p>
-          <a:p>
-            <a:endParaRPr lang="en-US" dirty="0"/>
-          </a:p>
-        </p:txBody>
-      </p:sp>
-    </p:spTree>
-    <p:extLst>
-      <p:ext uri="{BB962C8B-B14F-4D97-AF65-F5344CB8AC3E}">
-        <p14:creationId xmlns:p14="http://schemas.microsoft.com/office/powerpoint/2010/main" val="3446848248"/>
-      </p:ext>
-    </p:extLst>
-  </p:cSld>
-  <p:clrMapOvr>
-    <a:masterClrMapping/>
-  </p:clrMapOvr>
-</p:sld>
-</file>
-
 <file path=ppt/slides/slide23.xml><?xml version="1.0" encoding="utf-8"?>
 <p:sld xmlns:a="http://schemas.openxmlformats.org/drawingml/2006/main" xmlns:r="http://schemas.openxmlformats.org/officeDocument/2006/relationships" xmlns:p="http://schemas.openxmlformats.org/presentationml/2006/main">
   <p:cSld>
@@ -9512,7 +9834,7 @@
           <p:cNvPr id="2" name="Title 1">
             <a:extLst>
               <a:ext uri="{FF2B5EF4-FFF2-40B4-BE49-F238E27FC236}">
-                <a16:creationId xmlns:a16="http://schemas.microsoft.com/office/drawing/2014/main" id="{E08C6E45-1E02-BE40-A272-B806C5DFC4A4}"/>
+                <a16:creationId xmlns:a16="http://schemas.microsoft.com/office/drawing/2014/main" id="{D923F8B9-AF0B-514B-82D1-85ABBEE15D9A}"/>
               </a:ext>
             </a:extLst>
           </p:cNvPr>
@@ -9530,7 +9852,7 @@
           <a:p>
             <a:r>
               <a:rPr lang="en-US" dirty="0"/>
-              <a:t>Example walk through</a:t>
+              <a:t>DFS-based topo sort implementation</a:t>
             </a:r>
           </a:p>
         </p:txBody>
@@ -9540,7 +9862,7 @@
           <p:cNvPr id="3" name="Content Placeholder 2">
             <a:extLst>
               <a:ext uri="{FF2B5EF4-FFF2-40B4-BE49-F238E27FC236}">
-                <a16:creationId xmlns:a16="http://schemas.microsoft.com/office/drawing/2014/main" id="{CCB0AB97-0977-514C-A2D1-A6D30362D7AF}"/>
+                <a16:creationId xmlns:a16="http://schemas.microsoft.com/office/drawing/2014/main" id="{795773DF-8C82-FB4E-81C4-2102CD70483E}"/>
               </a:ext>
             </a:extLst>
           </p:cNvPr>
@@ -9558,153 +9880,55 @@
           <a:p>
             <a:r>
               <a:rPr lang="en-US" dirty="0"/>
-              <a:t>DFS starting with party:</a:t>
+              <a:t>Lots of very complex algorithms on the web (not sure why)</a:t>
+            </a:r>
+          </a:p>
+          <a:p>
+            <a:r>
+              <a:rPr lang="en-US" dirty="0"/>
+              <a:t>Simplest solution: DFS-based topological sort</a:t>
+            </a:r>
+          </a:p>
+          <a:p>
+            <a:r>
+              <a:rPr lang="en-US" dirty="0"/>
+              <a:t>A valid sort is just the post-order graph traversal if u depends v!</a:t>
+            </a:r>
+          </a:p>
+          <a:p>
+            <a:r>
+              <a:rPr lang="en-US" dirty="0"/>
+              <a:t>If u precedes v, reverse the result of post-order traversal;</a:t>
             </a:r>
             <a:br>
               <a:rPr lang="en-US" dirty="0"/>
             </a:br>
             <a:r>
               <a:rPr lang="en-US" dirty="0"/>
-              <a:t>party -&gt; 628 -&gt; 630</a:t>
-            </a:r>
-            <a:br>
-              <a:rPr lang="en-US" dirty="0"/>
-            </a:br>
-            <a:r>
-              <a:rPr lang="en-US" dirty="0"/>
-              <a:t>back out then hit 689 then lunch</a:t>
-            </a:r>
-            <a:br>
-              <a:rPr lang="en-US" dirty="0"/>
-            </a:br>
-            <a:r>
-              <a:rPr lang="en-US" dirty="0"/>
-              <a:t>back out and hit seminar</a:t>
-            </a:r>
-          </a:p>
-          <a:p>
+              <a:t>See proof page 582 of Sedgewick/Wayne Algorithms book</a:t>
+            </a:r>
+          </a:p>
+          <a:p>
+            <a:r>
+              <a:rPr lang="en-US" dirty="0"/>
+              <a:t>Well, we have to make sure to do DFS on all root nodes (nodes w/o incoming edges) but core is just DFS</a:t>
+            </a:r>
+          </a:p>
+          <a:p>
+            <a:r>
+              <a:rPr lang="en-US" dirty="0"/>
+              <a:t>With one root, it’s just </a:t>
+            </a:r>
             <a:r>
               <a:rPr lang="en-US" dirty="0" err="1"/>
-              <a:t>Postorder</a:t>
-            </a:r>
-            <a:r>
-              <a:rPr lang="en-US" dirty="0"/>
-              <a:t> traversal processes </a:t>
-            </a:r>
-            <a:r>
-              <a:rPr lang="en-US" b="1" dirty="0"/>
-              <a:t>after</a:t>
-            </a:r>
-            <a:r>
-              <a:rPr lang="en-US" dirty="0"/>
-              <a:t> visiting children:</a:t>
-            </a:r>
-            <a:br>
-              <a:rPr lang="en-US" dirty="0"/>
-            </a:br>
-            <a:r>
-              <a:rPr lang="en-US" dirty="0"/>
-              <a:t>630, lunch, seminar, 689, 628, party</a:t>
-            </a:r>
-          </a:p>
-          <a:p>
-            <a:r>
-              <a:rPr lang="en-US" dirty="0"/>
-              <a:t>Solution: 630-01, lunch, seminar, 689-02, 628 </a:t>
-            </a:r>
-            <a:r>
-              <a:rPr lang="en-US" dirty="0" err="1"/>
-              <a:t>hw</a:t>
-            </a:r>
-            <a:r>
-              <a:rPr lang="en-US" dirty="0"/>
-              <a:t>, party</a:t>
-            </a:r>
-          </a:p>
-        </p:txBody>
-      </p:sp>
-      <p:pic>
-        <p:nvPicPr>
-          <p:cNvPr id="4" name="Content Placeholder 5">
-            <a:extLst>
-              <a:ext uri="{FF2B5EF4-FFF2-40B4-BE49-F238E27FC236}">
-                <a16:creationId xmlns:a16="http://schemas.microsoft.com/office/drawing/2014/main" id="{A09425AA-673D-C043-A2A6-D4BEF587D45F}"/>
-              </a:ext>
-            </a:extLst>
-          </p:cNvPr>
-          <p:cNvPicPr>
-            <a:picLocks noChangeAspect="1"/>
-          </p:cNvPicPr>
-          <p:nvPr/>
-        </p:nvPicPr>
-        <p:blipFill>
-          <a:blip r:embed="rId2"/>
-          <a:stretch>
-            <a:fillRect/>
-          </a:stretch>
-        </p:blipFill>
-        <p:spPr>
-          <a:xfrm>
-            <a:off x="8467090" y="115888"/>
-            <a:ext cx="3556000" cy="3149600"/>
-          </a:xfrm>
-          <a:prstGeom prst="rect">
-            <a:avLst/>
-          </a:prstGeom>
-        </p:spPr>
-      </p:pic>
-      <p:sp>
-        <p:nvSpPr>
-          <p:cNvPr id="5" name="TextBox 4">
-            <a:extLst>
-              <a:ext uri="{FF2B5EF4-FFF2-40B4-BE49-F238E27FC236}">
-                <a16:creationId xmlns:a16="http://schemas.microsoft.com/office/drawing/2014/main" id="{9BA726A5-1BAF-EF4C-BDD7-00AEC7A791D3}"/>
-              </a:ext>
-            </a:extLst>
-          </p:cNvPr>
-          <p:cNvSpPr txBox="1"/>
-          <p:nvPr/>
-        </p:nvSpPr>
-        <p:spPr>
-          <a:xfrm>
-            <a:off x="838200" y="6390409"/>
-            <a:ext cx="6827510" cy="369332"/>
-          </a:xfrm>
-          <a:prstGeom prst="rect">
-            <a:avLst/>
-          </a:prstGeom>
-          <a:noFill/>
-        </p:spPr>
-        <p:txBody>
-          <a:bodyPr wrap="none" rtlCol="0">
-            <a:spAutoFit/>
-          </a:bodyPr>
-          <a:lstStyle/>
-          <a:p>
-            <a:r>
-              <a:rPr lang="en-US" dirty="0"/>
-              <a:t>https://</a:t>
-            </a:r>
-            <a:r>
-              <a:rPr lang="en-US" dirty="0" err="1"/>
-              <a:t>github.com</a:t>
-            </a:r>
-            <a:r>
-              <a:rPr lang="en-US" dirty="0"/>
-              <a:t>/</a:t>
-            </a:r>
-            <a:r>
-              <a:rPr lang="en-US" dirty="0" err="1"/>
-              <a:t>parrt</a:t>
-            </a:r>
-            <a:r>
-              <a:rPr lang="en-US" dirty="0"/>
-              <a:t>/msds689/blob/master/notes/</a:t>
-            </a:r>
-            <a:r>
-              <a:rPr lang="en-US" dirty="0" err="1"/>
-              <a:t>graphs.ipynb</a:t>
-            </a:r>
+              <a:t>postorder</a:t>
+            </a:r>
+            <a:r>
+              <a:rPr lang="en-US" dirty="0"/>
+              <a:t> traversal via DFS</a:t>
+            </a:r>
+          </a:p>
+          <a:p>
             <a:endParaRPr lang="en-US" dirty="0"/>
           </a:p>
         </p:txBody>
@@ -9712,7 +9936,7 @@
     </p:spTree>
     <p:extLst>
       <p:ext uri="{BB962C8B-B14F-4D97-AF65-F5344CB8AC3E}">
-        <p14:creationId xmlns:p14="http://schemas.microsoft.com/office/powerpoint/2010/main" val="138614496"/>
+        <p14:creationId xmlns:p14="http://schemas.microsoft.com/office/powerpoint/2010/main" val="3446848248"/>
       </p:ext>
     </p:extLst>
   </p:cSld>
@@ -9744,7 +9968,7 @@
           <p:cNvPr id="2" name="Title 1">
             <a:extLst>
               <a:ext uri="{FF2B5EF4-FFF2-40B4-BE49-F238E27FC236}">
-                <a16:creationId xmlns:a16="http://schemas.microsoft.com/office/drawing/2014/main" id="{CCE599E5-27E7-0447-A843-8A42CAB292A7}"/>
+                <a16:creationId xmlns:a16="http://schemas.microsoft.com/office/drawing/2014/main" id="{E08C6E45-1E02-BE40-A272-B806C5DFC4A4}"/>
               </a:ext>
             </a:extLst>
           </p:cNvPr>
@@ -9762,15 +9986,7 @@
           <a:p>
             <a:r>
               <a:rPr lang="en-US" dirty="0"/>
-              <a:t>DFS </a:t>
-            </a:r>
-            <a:r>
-              <a:rPr lang="en-US" dirty="0" err="1"/>
-              <a:t>postorder</a:t>
-            </a:r>
-            <a:r>
-              <a:rPr lang="en-US" dirty="0"/>
-              <a:t> traversal</a:t>
+              <a:t>Example walk through</a:t>
             </a:r>
           </a:p>
         </p:txBody>
@@ -9780,7 +9996,7 @@
           <p:cNvPr id="3" name="Content Placeholder 2">
             <a:extLst>
               <a:ext uri="{FF2B5EF4-FFF2-40B4-BE49-F238E27FC236}">
-                <a16:creationId xmlns:a16="http://schemas.microsoft.com/office/drawing/2014/main" id="{520E9730-CE42-BF41-BC18-638A93B47599}"/>
+                <a16:creationId xmlns:a16="http://schemas.microsoft.com/office/drawing/2014/main" id="{CCB0AB97-0977-514C-A2D1-A6D30362D7AF}"/>
               </a:ext>
             </a:extLst>
           </p:cNvPr>
@@ -9796,16 +10012,109 @@
           <a:bodyPr/>
           <a:lstStyle/>
           <a:p>
-            <a:endParaRPr lang="en-US"/>
-          </a:p>
-        </p:txBody>
-      </p:sp>
-      <p:sp>
-        <p:nvSpPr>
-          <p:cNvPr id="4" name="TextBox 3">
+            <a:r>
+              <a:rPr lang="en-US" dirty="0"/>
+              <a:t>DFS starting with party:</a:t>
+            </a:r>
+            <a:br>
+              <a:rPr lang="en-US" dirty="0"/>
+            </a:br>
+            <a:r>
+              <a:rPr lang="en-US" dirty="0"/>
+              <a:t>party -&gt; 628 -&gt; 630</a:t>
+            </a:r>
+            <a:br>
+              <a:rPr lang="en-US" dirty="0"/>
+            </a:br>
+            <a:r>
+              <a:rPr lang="en-US" dirty="0"/>
+              <a:t>back out then hit 689 then lunch</a:t>
+            </a:r>
+            <a:br>
+              <a:rPr lang="en-US" dirty="0"/>
+            </a:br>
+            <a:r>
+              <a:rPr lang="en-US" dirty="0"/>
+              <a:t>back out and hit seminar</a:t>
+            </a:r>
+          </a:p>
+          <a:p>
+            <a:r>
+              <a:rPr lang="en-US" dirty="0" err="1"/>
+              <a:t>Postorder</a:t>
+            </a:r>
+            <a:r>
+              <a:rPr lang="en-US" dirty="0"/>
+              <a:t> traversal processes </a:t>
+            </a:r>
+            <a:r>
+              <a:rPr lang="en-US" b="1" dirty="0"/>
+              <a:t>after</a:t>
+            </a:r>
+            <a:r>
+              <a:rPr lang="en-US" dirty="0"/>
+              <a:t> visiting children:</a:t>
+            </a:r>
+            <a:br>
+              <a:rPr lang="en-US" dirty="0"/>
+            </a:br>
+            <a:r>
+              <a:rPr lang="en-US" dirty="0"/>
+              <a:t>630, lunch, seminar, 689, 628, party</a:t>
+            </a:r>
+          </a:p>
+          <a:p>
+            <a:r>
+              <a:rPr lang="en-US" dirty="0"/>
+              <a:t>Solution: 630-01, lunch, seminar, 689-02, 628 </a:t>
+            </a:r>
+            <a:r>
+              <a:rPr lang="en-US" dirty="0" err="1"/>
+              <a:t>hw</a:t>
+            </a:r>
+            <a:r>
+              <a:rPr lang="en-US" dirty="0"/>
+              <a:t>, party</a:t>
+            </a:r>
+          </a:p>
+        </p:txBody>
+      </p:sp>
+      <p:pic>
+        <p:nvPicPr>
+          <p:cNvPr id="4" name="Content Placeholder 5">
             <a:extLst>
               <a:ext uri="{FF2B5EF4-FFF2-40B4-BE49-F238E27FC236}">
-                <a16:creationId xmlns:a16="http://schemas.microsoft.com/office/drawing/2014/main" id="{712EE956-E443-F049-95B4-CF1AF3003A1D}"/>
+                <a16:creationId xmlns:a16="http://schemas.microsoft.com/office/drawing/2014/main" id="{A09425AA-673D-C043-A2A6-D4BEF587D45F}"/>
+              </a:ext>
+            </a:extLst>
+          </p:cNvPr>
+          <p:cNvPicPr>
+            <a:picLocks noChangeAspect="1"/>
+          </p:cNvPicPr>
+          <p:nvPr/>
+        </p:nvPicPr>
+        <p:blipFill>
+          <a:blip r:embed="rId2"/>
+          <a:stretch>
+            <a:fillRect/>
+          </a:stretch>
+        </p:blipFill>
+        <p:spPr>
+          <a:xfrm>
+            <a:off x="8467090" y="115888"/>
+            <a:ext cx="3556000" cy="3149600"/>
+          </a:xfrm>
+          <a:prstGeom prst="rect">
+            <a:avLst/>
+          </a:prstGeom>
+        </p:spPr>
+      </p:pic>
+      <p:sp>
+        <p:nvSpPr>
+          <p:cNvPr id="5" name="TextBox 4">
+            <a:extLst>
+              <a:ext uri="{FF2B5EF4-FFF2-40B4-BE49-F238E27FC236}">
+                <a16:creationId xmlns:a16="http://schemas.microsoft.com/office/drawing/2014/main" id="{9BA726A5-1BAF-EF4C-BDD7-00AEC7A791D3}"/>
               </a:ext>
             </a:extLst>
           </p:cNvPr>
@@ -9814,232 +10123,52 @@
         </p:nvSpPr>
         <p:spPr>
           <a:xfrm>
-            <a:off x="1786369" y="2630289"/>
-            <a:ext cx="9131839" cy="2308324"/>
+            <a:off x="838200" y="6390409"/>
+            <a:ext cx="6827510" cy="369332"/>
           </a:xfrm>
           <a:prstGeom prst="rect">
             <a:avLst/>
           </a:prstGeom>
           <a:noFill/>
-          <a:ln>
-            <a:solidFill>
-              <a:schemeClr val="accent1"/>
-            </a:solidFill>
-          </a:ln>
         </p:spPr>
         <p:txBody>
-          <a:bodyPr wrap="square" rtlCol="0">
+          <a:bodyPr wrap="none" rtlCol="0">
             <a:spAutoFit/>
           </a:bodyPr>
           <a:lstStyle/>
           <a:p>
             <a:r>
-              <a:rPr lang="en-US" sz="2400" dirty="0">
-                <a:latin typeface="Monaco" charset="0"/>
-                <a:ea typeface="Monaco" charset="0"/>
-                <a:cs typeface="Monaco" charset="0"/>
-              </a:rPr>
-              <a:t>def </a:t>
-            </a:r>
-            <a:r>
-              <a:rPr lang="en-US" sz="2400" dirty="0" err="1">
-                <a:latin typeface="Monaco" charset="0"/>
-                <a:ea typeface="Monaco" charset="0"/>
-                <a:cs typeface="Monaco" charset="0"/>
-              </a:rPr>
-              <a:t>postorder</a:t>
-            </a:r>
-            <a:r>
-              <a:rPr lang="en-US" sz="2400" dirty="0">
-                <a:latin typeface="Monaco" charset="0"/>
-                <a:ea typeface="Monaco" charset="0"/>
-                <a:cs typeface="Monaco" charset="0"/>
-              </a:rPr>
-              <a:t>(</a:t>
-            </a:r>
-            <a:r>
-              <a:rPr lang="en-US" sz="2400" dirty="0" err="1">
-                <a:latin typeface="Monaco" charset="0"/>
-                <a:ea typeface="Monaco" charset="0"/>
-                <a:cs typeface="Monaco" charset="0"/>
-              </a:rPr>
-              <a:t>p:Node</a:t>
-            </a:r>
-            <a:r>
-              <a:rPr lang="en-US" sz="2400" dirty="0">
-                <a:latin typeface="Monaco" charset="0"/>
-                <a:ea typeface="Monaco" charset="0"/>
-                <a:cs typeface="Monaco" charset="0"/>
-              </a:rPr>
-              <a:t>, </a:t>
-            </a:r>
-            <a:r>
-              <a:rPr lang="en-US" sz="2400" dirty="0" err="1">
-                <a:latin typeface="Monaco" charset="0"/>
-                <a:ea typeface="Monaco" charset="0"/>
-                <a:cs typeface="Monaco" charset="0"/>
-              </a:rPr>
-              <a:t>sorted:list</a:t>
-            </a:r>
-            <a:r>
-              <a:rPr lang="en-US" sz="2400" dirty="0">
-                <a:latin typeface="Monaco" charset="0"/>
-                <a:ea typeface="Monaco" charset="0"/>
-                <a:cs typeface="Monaco" charset="0"/>
-              </a:rPr>
-              <a:t>, </a:t>
-            </a:r>
-            <a:r>
-              <a:rPr lang="en-US" sz="2400" dirty="0" err="1">
-                <a:latin typeface="Monaco" charset="0"/>
-                <a:ea typeface="Monaco" charset="0"/>
-                <a:cs typeface="Monaco" charset="0"/>
-              </a:rPr>
-              <a:t>visited:set</a:t>
-            </a:r>
-            <a:r>
-              <a:rPr lang="en-US" sz="2400" dirty="0">
-                <a:latin typeface="Monaco" charset="0"/>
-                <a:ea typeface="Monaco" charset="0"/>
-                <a:cs typeface="Monaco" charset="0"/>
-              </a:rPr>
-              <a:t>):</a:t>
-            </a:r>
-          </a:p>
-          <a:p>
-            <a:r>
-              <a:rPr lang="en-US" sz="2400" dirty="0">
-                <a:latin typeface="Monaco" charset="0"/>
-                <a:ea typeface="Monaco" charset="0"/>
-                <a:cs typeface="Monaco" charset="0"/>
-              </a:rPr>
-              <a:t>    if p in visited: return</a:t>
-            </a:r>
-          </a:p>
-          <a:p>
-            <a:r>
-              <a:rPr lang="en-US" sz="2400" dirty="0">
-                <a:latin typeface="Monaco" charset="0"/>
-                <a:ea typeface="Monaco" charset="0"/>
-                <a:cs typeface="Monaco" charset="0"/>
-              </a:rPr>
-              <a:t>    </a:t>
-            </a:r>
-            <a:r>
-              <a:rPr lang="en-US" sz="2400" dirty="0" err="1">
-                <a:latin typeface="Monaco" charset="0"/>
-                <a:ea typeface="Monaco" charset="0"/>
-                <a:cs typeface="Monaco" charset="0"/>
-              </a:rPr>
-              <a:t>visited.add</a:t>
-            </a:r>
-            <a:r>
-              <a:rPr lang="en-US" sz="2400" dirty="0">
-                <a:latin typeface="Monaco" charset="0"/>
-                <a:ea typeface="Monaco" charset="0"/>
-                <a:cs typeface="Monaco" charset="0"/>
-              </a:rPr>
-              <a:t>(p)</a:t>
-            </a:r>
-          </a:p>
-          <a:p>
-            <a:r>
-              <a:rPr lang="en-US" sz="2400" dirty="0">
-                <a:latin typeface="Monaco" charset="0"/>
-                <a:ea typeface="Monaco" charset="0"/>
-                <a:cs typeface="Monaco" charset="0"/>
-              </a:rPr>
-              <a:t>    for q in </a:t>
-            </a:r>
-            <a:r>
-              <a:rPr lang="en-US" sz="2400" dirty="0" err="1">
-                <a:latin typeface="Monaco" charset="0"/>
-                <a:ea typeface="Monaco" charset="0"/>
-                <a:cs typeface="Monaco" charset="0"/>
-              </a:rPr>
-              <a:t>p.edges</a:t>
-            </a:r>
-            <a:r>
-              <a:rPr lang="en-US" sz="2400" dirty="0">
-                <a:latin typeface="Monaco" charset="0"/>
-                <a:ea typeface="Monaco" charset="0"/>
-                <a:cs typeface="Monaco" charset="0"/>
-              </a:rPr>
-              <a:t>:</a:t>
-            </a:r>
-          </a:p>
-          <a:p>
-            <a:r>
-              <a:rPr lang="en-US" sz="2400" dirty="0">
-                <a:latin typeface="Monaco" charset="0"/>
-                <a:ea typeface="Monaco" charset="0"/>
-                <a:cs typeface="Monaco" charset="0"/>
-              </a:rPr>
-              <a:t>        </a:t>
-            </a:r>
-            <a:r>
-              <a:rPr lang="en-US" sz="2400" dirty="0" err="1">
-                <a:latin typeface="Monaco" charset="0"/>
-                <a:ea typeface="Monaco" charset="0"/>
-                <a:cs typeface="Monaco" charset="0"/>
-              </a:rPr>
-              <a:t>postorder</a:t>
-            </a:r>
-            <a:r>
-              <a:rPr lang="en-US" sz="2400" dirty="0">
-                <a:latin typeface="Monaco" charset="0"/>
-                <a:ea typeface="Monaco" charset="0"/>
-                <a:cs typeface="Monaco" charset="0"/>
-              </a:rPr>
-              <a:t>(q, sorted, visited)</a:t>
-            </a:r>
-          </a:p>
-          <a:p>
-            <a:r>
-              <a:rPr lang="en-US" sz="2400" dirty="0">
-                <a:latin typeface="Monaco" charset="0"/>
-                <a:ea typeface="Monaco" charset="0"/>
-                <a:cs typeface="Monaco" charset="0"/>
-              </a:rPr>
-              <a:t>    </a:t>
-            </a:r>
-            <a:r>
-              <a:rPr lang="en-US" sz="2400" dirty="0" err="1">
-                <a:solidFill>
-                  <a:schemeClr val="accent1"/>
-                </a:solidFill>
-                <a:latin typeface="Monaco" charset="0"/>
-                <a:ea typeface="Monaco" charset="0"/>
-                <a:cs typeface="Monaco" charset="0"/>
-              </a:rPr>
-              <a:t>sorted.append</a:t>
-            </a:r>
-            <a:r>
-              <a:rPr lang="en-US" sz="2400" dirty="0">
-                <a:solidFill>
-                  <a:schemeClr val="accent1"/>
-                </a:solidFill>
-                <a:latin typeface="Monaco" charset="0"/>
-                <a:ea typeface="Monaco" charset="0"/>
-                <a:cs typeface="Monaco" charset="0"/>
-              </a:rPr>
-              <a:t>(p)</a:t>
-            </a:r>
-            <a:endParaRPr lang="mr-IN" sz="2400" dirty="0">
-              <a:solidFill>
-                <a:schemeClr val="accent1"/>
-              </a:solidFill>
-              <a:latin typeface="Monaco" charset="0"/>
-              <a:ea typeface="Monaco" charset="0"/>
-              <a:cs typeface="Monaco" charset="0"/>
-            </a:endParaRPr>
+              <a:rPr lang="en-US" dirty="0"/>
+              <a:t>https://</a:t>
+            </a:r>
+            <a:r>
+              <a:rPr lang="en-US" dirty="0" err="1"/>
+              <a:t>github.com</a:t>
+            </a:r>
+            <a:r>
+              <a:rPr lang="en-US" dirty="0"/>
+              <a:t>/</a:t>
+            </a:r>
+            <a:r>
+              <a:rPr lang="en-US" dirty="0" err="1"/>
+              <a:t>parrt</a:t>
+            </a:r>
+            <a:r>
+              <a:rPr lang="en-US" dirty="0"/>
+              <a:t>/msds689/blob/master/notes/</a:t>
+            </a:r>
+            <a:r>
+              <a:rPr lang="en-US" dirty="0" err="1"/>
+              <a:t>graphs.ipynb</a:t>
+            </a:r>
+            <a:endParaRPr lang="en-US" dirty="0"/>
           </a:p>
         </p:txBody>
       </p:sp>
     </p:spTree>
     <p:extLst>
       <p:ext uri="{BB962C8B-B14F-4D97-AF65-F5344CB8AC3E}">
-        <p14:creationId xmlns:p14="http://schemas.microsoft.com/office/powerpoint/2010/main" val="1541564467"/>
+        <p14:creationId xmlns:p14="http://schemas.microsoft.com/office/powerpoint/2010/main" val="138614496"/>
       </p:ext>
     </p:extLst>
   </p:cSld>
@@ -10071,7 +10200,7 @@
           <p:cNvPr id="2" name="Title 1">
             <a:extLst>
               <a:ext uri="{FF2B5EF4-FFF2-40B4-BE49-F238E27FC236}">
-                <a16:creationId xmlns:a16="http://schemas.microsoft.com/office/drawing/2014/main" id="{B4BFD031-F900-244E-9173-BC71EA251890}"/>
+                <a16:creationId xmlns:a16="http://schemas.microsoft.com/office/drawing/2014/main" id="{CCE599E5-27E7-0447-A843-8A42CAB292A7}"/>
               </a:ext>
             </a:extLst>
           </p:cNvPr>
@@ -10089,47 +10218,50 @@
           <a:p>
             <a:r>
               <a:rPr lang="en-US" dirty="0"/>
-              <a:t>With multiple roots, hit them all</a:t>
-            </a:r>
-          </a:p>
-        </p:txBody>
-      </p:sp>
-      <p:pic>
-        <p:nvPicPr>
-          <p:cNvPr id="4" name="Picture 3">
+              <a:t>DFS </a:t>
+            </a:r>
+            <a:r>
+              <a:rPr lang="en-US" dirty="0" err="1"/>
+              <a:t>postorder</a:t>
+            </a:r>
+            <a:r>
+              <a:rPr lang="en-US" dirty="0"/>
+              <a:t> traversal</a:t>
+            </a:r>
+          </a:p>
+        </p:txBody>
+      </p:sp>
+      <p:sp>
+        <p:nvSpPr>
+          <p:cNvPr id="3" name="Content Placeholder 2">
             <a:extLst>
               <a:ext uri="{FF2B5EF4-FFF2-40B4-BE49-F238E27FC236}">
-                <a16:creationId xmlns:a16="http://schemas.microsoft.com/office/drawing/2014/main" id="{93A77130-306B-E044-AE01-0FC15CC22F46}"/>
+                <a16:creationId xmlns:a16="http://schemas.microsoft.com/office/drawing/2014/main" id="{520E9730-CE42-BF41-BC18-638A93B47599}"/>
               </a:ext>
             </a:extLst>
           </p:cNvPr>
-          <p:cNvPicPr>
-            <a:picLocks noChangeAspect="1"/>
-          </p:cNvPicPr>
-          <p:nvPr/>
-        </p:nvPicPr>
-        <p:blipFill>
-          <a:blip r:embed="rId2"/>
-          <a:stretch>
-            <a:fillRect/>
-          </a:stretch>
-        </p:blipFill>
-        <p:spPr>
-          <a:xfrm>
-            <a:off x="8778241" y="1545649"/>
-            <a:ext cx="3413759" cy="3982719"/>
-          </a:xfrm>
-          <a:prstGeom prst="rect">
-            <a:avLst/>
-          </a:prstGeom>
-        </p:spPr>
-      </p:pic>
-      <p:sp>
-        <p:nvSpPr>
-          <p:cNvPr id="5" name="TextBox 4">
+          <p:cNvSpPr>
+            <a:spLocks noGrp="1"/>
+          </p:cNvSpPr>
+          <p:nvPr>
+            <p:ph idx="1"/>
+          </p:nvPr>
+        </p:nvSpPr>
+        <p:spPr/>
+        <p:txBody>
+          <a:bodyPr/>
+          <a:lstStyle/>
+          <a:p>
+            <a:endParaRPr lang="en-US"/>
+          </a:p>
+        </p:txBody>
+      </p:sp>
+      <p:sp>
+        <p:nvSpPr>
+          <p:cNvPr id="4" name="TextBox 3">
             <a:extLst>
               <a:ext uri="{FF2B5EF4-FFF2-40B4-BE49-F238E27FC236}">
-                <a16:creationId xmlns:a16="http://schemas.microsoft.com/office/drawing/2014/main" id="{59796E16-26E5-4D42-94C1-C870B629D3B1}"/>
+                <a16:creationId xmlns:a16="http://schemas.microsoft.com/office/drawing/2014/main" id="{712EE956-E443-F049-95B4-CF1AF3003A1D}"/>
               </a:ext>
             </a:extLst>
           </p:cNvPr>
@@ -10138,8 +10270,8 @@
         </p:nvSpPr>
         <p:spPr>
           <a:xfrm>
-            <a:off x="220200" y="1967349"/>
-            <a:ext cx="8260600" cy="3139321"/>
+            <a:off x="1786369" y="2630289"/>
+            <a:ext cx="9131839" cy="2308324"/>
           </a:xfrm>
           <a:prstGeom prst="rect">
             <a:avLst/>
@@ -10158,7 +10290,7 @@
           <a:lstStyle/>
           <a:p>
             <a:r>
-              <a:rPr lang="en-US" sz="2200" dirty="0">
+              <a:rPr lang="en-US" sz="2400" dirty="0">
                 <a:latin typeface="Monaco" charset="0"/>
                 <a:ea typeface="Monaco" charset="0"/>
                 <a:cs typeface="Monaco" charset="0"/>
@@ -10166,87 +10298,135 @@
               <a:t>def </a:t>
             </a:r>
             <a:r>
-              <a:rPr lang="en-US" sz="2200" dirty="0" err="1">
-                <a:latin typeface="Monaco" charset="0"/>
-                <a:ea typeface="Monaco" charset="0"/>
-                <a:cs typeface="Monaco" charset="0"/>
-              </a:rPr>
-              <a:t>toposort</a:t>
-            </a:r>
-            <a:r>
-              <a:rPr lang="en-US" sz="2200" dirty="0">
-                <a:latin typeface="Monaco" charset="0"/>
-                <a:ea typeface="Monaco" charset="0"/>
-                <a:cs typeface="Monaco" charset="0"/>
-              </a:rPr>
-              <a:t>(nodes):</a:t>
-            </a:r>
-          </a:p>
-          <a:p>
-            <a:r>
-              <a:rPr lang="en-US" sz="2200" dirty="0">
-                <a:latin typeface="Monaco" charset="0"/>
-                <a:ea typeface="Monaco" charset="0"/>
-                <a:cs typeface="Monaco" charset="0"/>
-              </a:rPr>
-              <a:t>    sorted = []</a:t>
-            </a:r>
-          </a:p>
-          <a:p>
-            <a:r>
-              <a:rPr lang="en-US" sz="2200" dirty="0">
-                <a:latin typeface="Monaco" charset="0"/>
-                <a:ea typeface="Monaco" charset="0"/>
-                <a:cs typeface="Monaco" charset="0"/>
-              </a:rPr>
-              <a:t>    visited = set()</a:t>
-            </a:r>
-          </a:p>
-          <a:p>
-            <a:r>
-              <a:rPr lang="en-US" sz="2200" dirty="0">
-                <a:latin typeface="Monaco" charset="0"/>
-                <a:ea typeface="Monaco" charset="0"/>
-                <a:cs typeface="Monaco" charset="0"/>
-              </a:rPr>
-              <a:t>    while </a:t>
-            </a:r>
-            <a:r>
-              <a:rPr lang="en-US" sz="2200" dirty="0" err="1">
-                <a:latin typeface="Monaco" charset="0"/>
-                <a:ea typeface="Monaco" charset="0"/>
-                <a:cs typeface="Monaco" charset="0"/>
-              </a:rPr>
-              <a:t>len</a:t>
-            </a:r>
-            <a:r>
-              <a:rPr lang="en-US" sz="2200" dirty="0">
-                <a:latin typeface="Monaco" charset="0"/>
-                <a:ea typeface="Monaco" charset="0"/>
-                <a:cs typeface="Monaco" charset="0"/>
-              </a:rPr>
-              <a:t>(visited) &lt; </a:t>
-            </a:r>
-            <a:r>
-              <a:rPr lang="en-US" sz="2200" dirty="0" err="1">
-                <a:latin typeface="Monaco" charset="0"/>
-                <a:ea typeface="Monaco" charset="0"/>
-                <a:cs typeface="Monaco" charset="0"/>
-              </a:rPr>
-              <a:t>len</a:t>
-            </a:r>
-            <a:r>
-              <a:rPr lang="en-US" sz="2200" dirty="0">
-                <a:latin typeface="Monaco" charset="0"/>
-                <a:ea typeface="Monaco" charset="0"/>
-                <a:cs typeface="Monaco" charset="0"/>
-              </a:rPr>
-              <a:t>(nodes):</a:t>
-            </a:r>
-          </a:p>
-          <a:p>
-            <a:r>
-              <a:rPr lang="en-US" sz="2200" dirty="0">
+              <a:rPr lang="en-US" sz="2400" dirty="0" err="1">
+                <a:latin typeface="Monaco" charset="0"/>
+                <a:ea typeface="Monaco" charset="0"/>
+                <a:cs typeface="Monaco" charset="0"/>
+              </a:rPr>
+              <a:t>postorder</a:t>
+            </a:r>
+            <a:r>
+              <a:rPr lang="en-US" sz="2400" dirty="0">
+                <a:latin typeface="Monaco" charset="0"/>
+                <a:ea typeface="Monaco" charset="0"/>
+                <a:cs typeface="Monaco" charset="0"/>
+              </a:rPr>
+              <a:t>(</a:t>
+            </a:r>
+            <a:r>
+              <a:rPr lang="en-US" sz="2400" dirty="0" err="1">
+                <a:latin typeface="Monaco" charset="0"/>
+                <a:ea typeface="Monaco" charset="0"/>
+                <a:cs typeface="Monaco" charset="0"/>
+              </a:rPr>
+              <a:t>p:Node</a:t>
+            </a:r>
+            <a:r>
+              <a:rPr lang="en-US" sz="2400" dirty="0">
+                <a:latin typeface="Monaco" charset="0"/>
+                <a:ea typeface="Monaco" charset="0"/>
+                <a:cs typeface="Monaco" charset="0"/>
+              </a:rPr>
+              <a:t>, </a:t>
+            </a:r>
+            <a:r>
+              <a:rPr lang="en-US" sz="2400" dirty="0" err="1">
+                <a:latin typeface="Monaco" charset="0"/>
+                <a:ea typeface="Monaco" charset="0"/>
+                <a:cs typeface="Monaco" charset="0"/>
+              </a:rPr>
+              <a:t>sorted:list</a:t>
+            </a:r>
+            <a:r>
+              <a:rPr lang="en-US" sz="2400" dirty="0">
+                <a:latin typeface="Monaco" charset="0"/>
+                <a:ea typeface="Monaco" charset="0"/>
+                <a:cs typeface="Monaco" charset="0"/>
+              </a:rPr>
+              <a:t>, </a:t>
+            </a:r>
+            <a:r>
+              <a:rPr lang="en-US" sz="2400" dirty="0" err="1">
+                <a:latin typeface="Monaco" charset="0"/>
+                <a:ea typeface="Monaco" charset="0"/>
+                <a:cs typeface="Monaco" charset="0"/>
+              </a:rPr>
+              <a:t>visited:set</a:t>
+            </a:r>
+            <a:r>
+              <a:rPr lang="en-US" sz="2400" dirty="0">
+                <a:latin typeface="Monaco" charset="0"/>
+                <a:ea typeface="Monaco" charset="0"/>
+                <a:cs typeface="Monaco" charset="0"/>
+              </a:rPr>
+              <a:t>):</a:t>
+            </a:r>
+          </a:p>
+          <a:p>
+            <a:r>
+              <a:rPr lang="en-US" sz="2400" dirty="0">
+                <a:latin typeface="Monaco" charset="0"/>
+                <a:ea typeface="Monaco" charset="0"/>
+                <a:cs typeface="Monaco" charset="0"/>
+              </a:rPr>
+              <a:t>    if p in visited: return</a:t>
+            </a:r>
+          </a:p>
+          <a:p>
+            <a:r>
+              <a:rPr lang="en-US" sz="2400" dirty="0">
+                <a:latin typeface="Monaco" charset="0"/>
+                <a:ea typeface="Monaco" charset="0"/>
+                <a:cs typeface="Monaco" charset="0"/>
+              </a:rPr>
+              <a:t>    </a:t>
+            </a:r>
+            <a:r>
+              <a:rPr lang="en-US" sz="2400" dirty="0" err="1">
+                <a:latin typeface="Monaco" charset="0"/>
+                <a:ea typeface="Monaco" charset="0"/>
+                <a:cs typeface="Monaco" charset="0"/>
+              </a:rPr>
+              <a:t>visited.add</a:t>
+            </a:r>
+            <a:r>
+              <a:rPr lang="en-US" sz="2400" dirty="0">
+                <a:latin typeface="Monaco" charset="0"/>
+                <a:ea typeface="Monaco" charset="0"/>
+                <a:cs typeface="Monaco" charset="0"/>
+              </a:rPr>
+              <a:t>(p)</a:t>
+            </a:r>
+          </a:p>
+          <a:p>
+            <a:r>
+              <a:rPr lang="en-US" sz="2400" dirty="0">
+                <a:latin typeface="Monaco" charset="0"/>
+                <a:ea typeface="Monaco" charset="0"/>
+                <a:cs typeface="Monaco" charset="0"/>
+              </a:rPr>
+              <a:t>    for q in </a:t>
+            </a:r>
+            <a:r>
+              <a:rPr lang="en-US" sz="2400" dirty="0" err="1">
+                <a:latin typeface="Monaco" charset="0"/>
+                <a:ea typeface="Monaco" charset="0"/>
+                <a:cs typeface="Monaco" charset="0"/>
+              </a:rPr>
+              <a:t>p.edges</a:t>
+            </a:r>
+            <a:r>
+              <a:rPr lang="en-US" sz="2400" dirty="0">
+                <a:latin typeface="Monaco" charset="0"/>
+                <a:ea typeface="Monaco" charset="0"/>
+                <a:cs typeface="Monaco" charset="0"/>
+              </a:rPr>
+              <a:t>:</a:t>
+            </a:r>
+          </a:p>
+          <a:p>
+            <a:r>
+              <a:rPr lang="en-US" sz="2400" dirty="0">
                 <a:latin typeface="Monaco" charset="0"/>
                 <a:ea typeface="Monaco" charset="0"/>
                 <a:cs typeface="Monaco" charset="0"/>
@@ -10254,101 +10434,7 @@
               <a:t>        </a:t>
             </a:r>
             <a:r>
-              <a:rPr lang="en-US" sz="2200" dirty="0" err="1">
-                <a:latin typeface="Monaco" charset="0"/>
-                <a:ea typeface="Monaco" charset="0"/>
-                <a:cs typeface="Monaco" charset="0"/>
-              </a:rPr>
-              <a:t>todo</a:t>
-            </a:r>
-            <a:r>
-              <a:rPr lang="en-US" sz="2200" dirty="0">
-                <a:latin typeface="Monaco" charset="0"/>
-                <a:ea typeface="Monaco" charset="0"/>
-                <a:cs typeface="Monaco" charset="0"/>
-              </a:rPr>
-              <a:t> = [node for node in </a:t>
-            </a:r>
-            <a:r>
-              <a:rPr lang="en-US" sz="2200" dirty="0" err="1">
-                <a:latin typeface="Monaco" charset="0"/>
-                <a:ea typeface="Monaco" charset="0"/>
-                <a:cs typeface="Monaco" charset="0"/>
-              </a:rPr>
-              <a:t>nodes.values</a:t>
-            </a:r>
-            <a:r>
-              <a:rPr lang="en-US" sz="2200" dirty="0">
-                <a:latin typeface="Monaco" charset="0"/>
-                <a:ea typeface="Monaco" charset="0"/>
-                <a:cs typeface="Monaco" charset="0"/>
-              </a:rPr>
-              <a:t>()</a:t>
-            </a:r>
-          </a:p>
-          <a:p>
-            <a:r>
-              <a:rPr lang="en-US" sz="2200" dirty="0">
-                <a:latin typeface="Monaco" charset="0"/>
-                <a:ea typeface="Monaco" charset="0"/>
-                <a:cs typeface="Monaco" charset="0"/>
-              </a:rPr>
-              <a:t>                if node not in visited]</a:t>
-            </a:r>
-          </a:p>
-          <a:p>
-            <a:r>
-              <a:rPr lang="en-US" sz="2200" dirty="0">
-                <a:latin typeface="Monaco" charset="0"/>
-                <a:ea typeface="Monaco" charset="0"/>
-                <a:cs typeface="Monaco" charset="0"/>
-              </a:rPr>
-              <a:t>        if </a:t>
-            </a:r>
-            <a:r>
-              <a:rPr lang="en-US" sz="2200" dirty="0" err="1">
-                <a:latin typeface="Monaco" charset="0"/>
-                <a:ea typeface="Monaco" charset="0"/>
-                <a:cs typeface="Monaco" charset="0"/>
-              </a:rPr>
-              <a:t>len</a:t>
-            </a:r>
-            <a:r>
-              <a:rPr lang="en-US" sz="2200" dirty="0">
-                <a:latin typeface="Monaco" charset="0"/>
-                <a:ea typeface="Monaco" charset="0"/>
-                <a:cs typeface="Monaco" charset="0"/>
-              </a:rPr>
-              <a:t>(</a:t>
-            </a:r>
-            <a:r>
-              <a:rPr lang="en-US" sz="2200" dirty="0" err="1">
-                <a:latin typeface="Monaco" charset="0"/>
-                <a:ea typeface="Monaco" charset="0"/>
-                <a:cs typeface="Monaco" charset="0"/>
-              </a:rPr>
-              <a:t>todo</a:t>
-            </a:r>
-            <a:r>
-              <a:rPr lang="en-US" sz="2200" dirty="0">
-                <a:latin typeface="Monaco" charset="0"/>
-                <a:ea typeface="Monaco" charset="0"/>
-                <a:cs typeface="Monaco" charset="0"/>
-              </a:rPr>
-              <a:t>)&gt;0:</a:t>
-            </a:r>
-          </a:p>
-          <a:p>
-            <a:r>
-              <a:rPr lang="en-US" sz="2200" dirty="0">
-                <a:latin typeface="Monaco" charset="0"/>
-                <a:ea typeface="Monaco" charset="0"/>
-                <a:cs typeface="Monaco" charset="0"/>
-              </a:rPr>
-              <a:t>            </a:t>
-            </a:r>
-            <a:r>
-              <a:rPr lang="en-US" sz="2200" dirty="0" err="1">
+              <a:rPr lang="en-US" sz="2400" dirty="0" err="1">
                 <a:latin typeface="Monaco" charset="0"/>
                 <a:ea typeface="Monaco" charset="0"/>
                 <a:cs typeface="Monaco" charset="0"/>
@@ -10356,61 +10442,49 @@
               <a:t>postorder</a:t>
             </a:r>
             <a:r>
-              <a:rPr lang="en-US" sz="2200" dirty="0">
-                <a:latin typeface="Monaco" charset="0"/>
-                <a:ea typeface="Monaco" charset="0"/>
-                <a:cs typeface="Monaco" charset="0"/>
-              </a:rPr>
-              <a:t>(</a:t>
-            </a:r>
-            <a:r>
-              <a:rPr lang="en-US" sz="2200" dirty="0" err="1">
-                <a:latin typeface="Monaco" charset="0"/>
-                <a:ea typeface="Monaco" charset="0"/>
-                <a:cs typeface="Monaco" charset="0"/>
-              </a:rPr>
-              <a:t>todo</a:t>
-            </a:r>
-            <a:r>
-              <a:rPr lang="en-US" sz="2200" dirty="0">
-                <a:latin typeface="Monaco" charset="0"/>
-                <a:ea typeface="Monaco" charset="0"/>
-                <a:cs typeface="Monaco" charset="0"/>
-              </a:rPr>
-              <a:t>[0], sorted, visited)</a:t>
-            </a:r>
-          </a:p>
-          <a:p>
-            <a:r>
-              <a:rPr lang="en-US" sz="2200" dirty="0">
-                <a:latin typeface="Monaco" charset="0"/>
-                <a:ea typeface="Monaco" charset="0"/>
-                <a:cs typeface="Monaco" charset="0"/>
-              </a:rPr>
-              <a:t>    return </a:t>
-            </a:r>
-            <a:r>
-              <a:rPr lang="en-US" sz="2200" dirty="0">
+              <a:rPr lang="en-US" sz="2400" dirty="0">
+                <a:latin typeface="Monaco" charset="0"/>
+                <a:ea typeface="Monaco" charset="0"/>
+                <a:cs typeface="Monaco" charset="0"/>
+              </a:rPr>
+              <a:t>(q, sorted, visited)</a:t>
+            </a:r>
+          </a:p>
+          <a:p>
+            <a:r>
+              <a:rPr lang="en-US" sz="2400" dirty="0">
+                <a:latin typeface="Monaco" charset="0"/>
+                <a:ea typeface="Monaco" charset="0"/>
+                <a:cs typeface="Monaco" charset="0"/>
+              </a:rPr>
+              <a:t>    </a:t>
+            </a:r>
+            <a:r>
+              <a:rPr lang="en-US" sz="2400" dirty="0" err="1">
                 <a:solidFill>
-                  <a:schemeClr val="accent2">
-                    <a:lumMod val="75000"/>
-                  </a:schemeClr>
+                  <a:schemeClr val="accent1"/>
                 </a:solidFill>
                 <a:latin typeface="Monaco" charset="0"/>
                 <a:ea typeface="Monaco" charset="0"/>
                 <a:cs typeface="Monaco" charset="0"/>
               </a:rPr>
-              <a:t>reverse</a:t>
-            </a:r>
-            <a:r>
-              <a:rPr lang="en-US" sz="2200" dirty="0">
-                <a:latin typeface="Monaco" charset="0"/>
-                <a:ea typeface="Monaco" charset="0"/>
-                <a:cs typeface="Monaco" charset="0"/>
-              </a:rPr>
-              <a:t>(sorted)</a:t>
-            </a:r>
-            <a:endParaRPr lang="mr-IN" sz="2200" dirty="0">
+              <a:t>sorted.append</a:t>
+            </a:r>
+            <a:r>
+              <a:rPr lang="en-US" sz="2400" dirty="0">
+                <a:solidFill>
+                  <a:schemeClr val="accent1"/>
+                </a:solidFill>
+                <a:latin typeface="Monaco" charset="0"/>
+                <a:ea typeface="Monaco" charset="0"/>
+                <a:cs typeface="Monaco" charset="0"/>
+              </a:rPr>
+              <a:t>(p)</a:t>
+            </a:r>
+            <a:endParaRPr lang="mr-IN" sz="2400" dirty="0">
+              <a:solidFill>
+                <a:schemeClr val="accent1"/>
+              </a:solidFill>
               <a:latin typeface="Monaco" charset="0"/>
               <a:ea typeface="Monaco" charset="0"/>
               <a:cs typeface="Monaco" charset="0"/>
@@ -10418,53 +10492,10 @@
           </a:p>
         </p:txBody>
       </p:sp>
-      <p:sp>
-        <p:nvSpPr>
-          <p:cNvPr id="3" name="TextBox 2">
-            <a:extLst>
-              <a:ext uri="{FF2B5EF4-FFF2-40B4-BE49-F238E27FC236}">
-                <a16:creationId xmlns:a16="http://schemas.microsoft.com/office/drawing/2014/main" id="{7DC2D073-87F5-7140-A3EB-D8151444B47B}"/>
-              </a:ext>
-            </a:extLst>
-          </p:cNvPr>
-          <p:cNvSpPr txBox="1"/>
-          <p:nvPr/>
-        </p:nvSpPr>
-        <p:spPr>
-          <a:xfrm>
-            <a:off x="220200" y="5612860"/>
-            <a:ext cx="6494920" cy="461665"/>
-          </a:xfrm>
-          <a:prstGeom prst="rect">
-            <a:avLst/>
-          </a:prstGeom>
-          <a:noFill/>
-        </p:spPr>
-        <p:txBody>
-          <a:bodyPr wrap="none" rtlCol="0">
-            <a:spAutoFit/>
-          </a:bodyPr>
-          <a:lstStyle/>
-          <a:p>
-            <a:r>
-              <a:rPr lang="en-US" sz="2400" dirty="0"/>
-              <a:t>We reverse </a:t>
-            </a:r>
-            <a:r>
-              <a:rPr lang="en-US" sz="2400" dirty="0" err="1"/>
-              <a:t>postorder</a:t>
-            </a:r>
-            <a:r>
-              <a:rPr lang="en-US" sz="2400" dirty="0"/>
-              <a:t> here since u precedes v</a:t>
-            </a:r>
-          </a:p>
-        </p:txBody>
-      </p:sp>
     </p:spTree>
     <p:extLst>
       <p:ext uri="{BB962C8B-B14F-4D97-AF65-F5344CB8AC3E}">
-        <p14:creationId xmlns:p14="http://schemas.microsoft.com/office/powerpoint/2010/main" val="4052054853"/>
+        <p14:creationId xmlns:p14="http://schemas.microsoft.com/office/powerpoint/2010/main" val="1541564467"/>
       </p:ext>
     </p:extLst>
   </p:cSld>
@@ -10496,7 +10527,7 @@
           <p:cNvPr id="2" name="Title 1">
             <a:extLst>
               <a:ext uri="{FF2B5EF4-FFF2-40B4-BE49-F238E27FC236}">
-                <a16:creationId xmlns:a16="http://schemas.microsoft.com/office/drawing/2014/main" id="{1F2B352F-CE3D-7041-AD7E-CD17118D3037}"/>
+                <a16:creationId xmlns:a16="http://schemas.microsoft.com/office/drawing/2014/main" id="{B4BFD031-F900-244E-9173-BC71EA251890}"/>
               </a:ext>
             </a:extLst>
           </p:cNvPr>
@@ -10514,125 +10545,374 @@
           <a:p>
             <a:r>
               <a:rPr lang="en-US" dirty="0"/>
-              <a:t>Summary</a:t>
-            </a:r>
-          </a:p>
-        </p:txBody>
-      </p:sp>
-      <p:sp>
-        <p:nvSpPr>
-          <p:cNvPr id="3" name="Content Placeholder 2">
+              <a:t>With multiple roots, hit them all</a:t>
+            </a:r>
+          </a:p>
+        </p:txBody>
+      </p:sp>
+      <p:pic>
+        <p:nvPicPr>
+          <p:cNvPr id="4" name="Picture 3">
             <a:extLst>
               <a:ext uri="{FF2B5EF4-FFF2-40B4-BE49-F238E27FC236}">
-                <a16:creationId xmlns:a16="http://schemas.microsoft.com/office/drawing/2014/main" id="{7879AF3B-7FE8-2941-A4F8-C0A6F984CEB2}"/>
+                <a16:creationId xmlns:a16="http://schemas.microsoft.com/office/drawing/2014/main" id="{93A77130-306B-E044-AE01-0FC15CC22F46}"/>
               </a:ext>
             </a:extLst>
           </p:cNvPr>
-          <p:cNvSpPr>
-            <a:spLocks noGrp="1"/>
-          </p:cNvSpPr>
-          <p:nvPr>
-            <p:ph idx="1"/>
-          </p:nvPr>
-        </p:nvSpPr>
-        <p:spPr/>
-        <p:txBody>
-          <a:bodyPr>
-            <a:normAutofit fontScale="92500" lnSpcReduction="20000"/>
+          <p:cNvPicPr>
+            <a:picLocks noChangeAspect="1"/>
+          </p:cNvPicPr>
+          <p:nvPr/>
+        </p:nvPicPr>
+        <p:blipFill>
+          <a:blip r:embed="rId2"/>
+          <a:stretch>
+            <a:fillRect/>
+          </a:stretch>
+        </p:blipFill>
+        <p:spPr>
+          <a:xfrm>
+            <a:off x="8778241" y="1545649"/>
+            <a:ext cx="3413759" cy="3982719"/>
+          </a:xfrm>
+          <a:prstGeom prst="rect">
+            <a:avLst/>
+          </a:prstGeom>
+        </p:spPr>
+      </p:pic>
+      <p:sp>
+        <p:nvSpPr>
+          <p:cNvPr id="5" name="TextBox 4">
+            <a:extLst>
+              <a:ext uri="{FF2B5EF4-FFF2-40B4-BE49-F238E27FC236}">
+                <a16:creationId xmlns:a16="http://schemas.microsoft.com/office/drawing/2014/main" id="{59796E16-26E5-4D42-94C1-C870B629D3B1}"/>
+              </a:ext>
+            </a:extLst>
+          </p:cNvPr>
+          <p:cNvSpPr txBox="1"/>
+          <p:nvPr/>
+        </p:nvSpPr>
+        <p:spPr>
+          <a:xfrm>
+            <a:off x="220200" y="1967349"/>
+            <a:ext cx="8260600" cy="3139321"/>
+          </a:xfrm>
+          <a:prstGeom prst="rect">
+            <a:avLst/>
+          </a:prstGeom>
+          <a:noFill/>
+          <a:ln>
+            <a:solidFill>
+              <a:schemeClr val="accent1"/>
+            </a:solidFill>
+          </a:ln>
+        </p:spPr>
+        <p:txBody>
+          <a:bodyPr wrap="square" rtlCol="0">
+            <a:spAutoFit/>
           </a:bodyPr>
           <a:lstStyle/>
           <a:p>
             <a:r>
-              <a:rPr lang="en-US" dirty="0"/>
-              <a:t>Graphs are for showing relationships between elements</a:t>
-            </a:r>
-          </a:p>
-          <a:p>
-            <a:r>
-              <a:rPr lang="en-US" dirty="0"/>
-              <a:t>DFS for finding a path or multiple paths or cycles</a:t>
-            </a:r>
-          </a:p>
-          <a:p>
-            <a:r>
-              <a:rPr lang="en-US" dirty="0"/>
-              <a:t>BFS for find shortest (in edges) path or neighborhood</a:t>
-            </a:r>
-          </a:p>
-          <a:p>
-            <a:r>
-              <a:rPr lang="en-US" dirty="0"/>
-              <a:t>DFS </a:t>
-            </a:r>
-            <a:r>
-              <a:rPr lang="en-US" dirty="0" err="1"/>
+              <a:rPr lang="en-US" sz="2200" dirty="0">
+                <a:latin typeface="Monaco" charset="0"/>
+                <a:ea typeface="Monaco" charset="0"/>
+                <a:cs typeface="Monaco" charset="0"/>
+              </a:rPr>
+              <a:t>def </a:t>
+            </a:r>
+            <a:r>
+              <a:rPr lang="en-US" sz="2200" dirty="0" err="1">
+                <a:latin typeface="Monaco" charset="0"/>
+                <a:ea typeface="Monaco" charset="0"/>
+                <a:cs typeface="Monaco" charset="0"/>
+              </a:rPr>
+              <a:t>toposort</a:t>
+            </a:r>
+            <a:r>
+              <a:rPr lang="en-US" sz="2200" dirty="0">
+                <a:latin typeface="Monaco" charset="0"/>
+                <a:ea typeface="Monaco" charset="0"/>
+                <a:cs typeface="Monaco" charset="0"/>
+              </a:rPr>
+              <a:t>(nodes):</a:t>
+            </a:r>
+          </a:p>
+          <a:p>
+            <a:r>
+              <a:rPr lang="en-US" sz="2200" dirty="0">
+                <a:latin typeface="Monaco" charset="0"/>
+                <a:ea typeface="Monaco" charset="0"/>
+                <a:cs typeface="Monaco" charset="0"/>
+              </a:rPr>
+              <a:t>    sorted = []</a:t>
+            </a:r>
+          </a:p>
+          <a:p>
+            <a:r>
+              <a:rPr lang="en-US" sz="2200" dirty="0">
+                <a:latin typeface="Monaco" charset="0"/>
+                <a:ea typeface="Monaco" charset="0"/>
+                <a:cs typeface="Monaco" charset="0"/>
+              </a:rPr>
+              <a:t>    visited = set()</a:t>
+            </a:r>
+          </a:p>
+          <a:p>
+            <a:r>
+              <a:rPr lang="en-US" sz="2200" dirty="0">
+                <a:latin typeface="Monaco" charset="0"/>
+                <a:ea typeface="Monaco" charset="0"/>
+                <a:cs typeface="Monaco" charset="0"/>
+              </a:rPr>
+              <a:t>    while </a:t>
+            </a:r>
+            <a:r>
+              <a:rPr lang="en-US" sz="2200" dirty="0" err="1">
+                <a:latin typeface="Monaco" charset="0"/>
+                <a:ea typeface="Monaco" charset="0"/>
+                <a:cs typeface="Monaco" charset="0"/>
+              </a:rPr>
+              <a:t>len</a:t>
+            </a:r>
+            <a:r>
+              <a:rPr lang="en-US" sz="2200" dirty="0">
+                <a:latin typeface="Monaco" charset="0"/>
+                <a:ea typeface="Monaco" charset="0"/>
+                <a:cs typeface="Monaco" charset="0"/>
+              </a:rPr>
+              <a:t>(visited) &lt; </a:t>
+            </a:r>
+            <a:r>
+              <a:rPr lang="en-US" sz="2200" dirty="0" err="1">
+                <a:latin typeface="Monaco" charset="0"/>
+                <a:ea typeface="Monaco" charset="0"/>
+                <a:cs typeface="Monaco" charset="0"/>
+              </a:rPr>
+              <a:t>len</a:t>
+            </a:r>
+            <a:r>
+              <a:rPr lang="en-US" sz="2200" dirty="0">
+                <a:latin typeface="Monaco" charset="0"/>
+                <a:ea typeface="Monaco" charset="0"/>
+                <a:cs typeface="Monaco" charset="0"/>
+              </a:rPr>
+              <a:t>(nodes):</a:t>
+            </a:r>
+          </a:p>
+          <a:p>
+            <a:r>
+              <a:rPr lang="en-US" sz="2200" dirty="0">
+                <a:latin typeface="Monaco" charset="0"/>
+                <a:ea typeface="Monaco" charset="0"/>
+                <a:cs typeface="Monaco" charset="0"/>
+              </a:rPr>
+              <a:t>        </a:t>
+            </a:r>
+            <a:r>
+              <a:rPr lang="en-US" sz="2200" dirty="0" err="1">
+                <a:latin typeface="Monaco" charset="0"/>
+                <a:ea typeface="Monaco" charset="0"/>
+                <a:cs typeface="Monaco" charset="0"/>
+              </a:rPr>
+              <a:t>todo</a:t>
+            </a:r>
+            <a:r>
+              <a:rPr lang="en-US" sz="2200" dirty="0">
+                <a:latin typeface="Monaco" charset="0"/>
+                <a:ea typeface="Monaco" charset="0"/>
+                <a:cs typeface="Monaco" charset="0"/>
+              </a:rPr>
+              <a:t> = [node for node in </a:t>
+            </a:r>
+            <a:r>
+              <a:rPr lang="en-US" sz="2200" dirty="0" err="1">
+                <a:latin typeface="Monaco" charset="0"/>
+                <a:ea typeface="Monaco" charset="0"/>
+                <a:cs typeface="Monaco" charset="0"/>
+              </a:rPr>
+              <a:t>nodes.values</a:t>
+            </a:r>
+            <a:r>
+              <a:rPr lang="en-US" sz="2200" dirty="0">
+                <a:latin typeface="Monaco" charset="0"/>
+                <a:ea typeface="Monaco" charset="0"/>
+                <a:cs typeface="Monaco" charset="0"/>
+              </a:rPr>
+              <a:t>()</a:t>
+            </a:r>
+          </a:p>
+          <a:p>
+            <a:r>
+              <a:rPr lang="en-US" sz="2200" dirty="0">
+                <a:latin typeface="Monaco" charset="0"/>
+                <a:ea typeface="Monaco" charset="0"/>
+                <a:cs typeface="Monaco" charset="0"/>
+              </a:rPr>
+              <a:t>                if node not in visited]</a:t>
+            </a:r>
+          </a:p>
+          <a:p>
+            <a:r>
+              <a:rPr lang="en-US" sz="2200" dirty="0">
+                <a:latin typeface="Monaco" charset="0"/>
+                <a:ea typeface="Monaco" charset="0"/>
+                <a:cs typeface="Monaco" charset="0"/>
+              </a:rPr>
+              <a:t>        if </a:t>
+            </a:r>
+            <a:r>
+              <a:rPr lang="en-US" sz="2200" dirty="0" err="1">
+                <a:latin typeface="Monaco" charset="0"/>
+                <a:ea typeface="Monaco" charset="0"/>
+                <a:cs typeface="Monaco" charset="0"/>
+              </a:rPr>
+              <a:t>len</a:t>
+            </a:r>
+            <a:r>
+              <a:rPr lang="en-US" sz="2200" dirty="0">
+                <a:latin typeface="Monaco" charset="0"/>
+                <a:ea typeface="Monaco" charset="0"/>
+                <a:cs typeface="Monaco" charset="0"/>
+              </a:rPr>
+              <a:t>(</a:t>
+            </a:r>
+            <a:r>
+              <a:rPr lang="en-US" sz="2200" dirty="0" err="1">
+                <a:latin typeface="Monaco" charset="0"/>
+                <a:ea typeface="Monaco" charset="0"/>
+                <a:cs typeface="Monaco" charset="0"/>
+              </a:rPr>
+              <a:t>todo</a:t>
+            </a:r>
+            <a:r>
+              <a:rPr lang="en-US" sz="2200" dirty="0">
+                <a:latin typeface="Monaco" charset="0"/>
+                <a:ea typeface="Monaco" charset="0"/>
+                <a:cs typeface="Monaco" charset="0"/>
+              </a:rPr>
+              <a:t>)&gt;0:</a:t>
+            </a:r>
+          </a:p>
+          <a:p>
+            <a:r>
+              <a:rPr lang="en-US" sz="2200" dirty="0">
+                <a:latin typeface="Monaco" charset="0"/>
+                <a:ea typeface="Monaco" charset="0"/>
+                <a:cs typeface="Monaco" charset="0"/>
+              </a:rPr>
+              <a:t>            </a:t>
+            </a:r>
+            <a:r>
+              <a:rPr lang="en-US" sz="2200" dirty="0" err="1">
+                <a:latin typeface="Monaco" charset="0"/>
+                <a:ea typeface="Monaco" charset="0"/>
+                <a:cs typeface="Monaco" charset="0"/>
+              </a:rPr>
               <a:t>postorder</a:t>
             </a:r>
             <a:r>
-              <a:rPr lang="en-US" dirty="0"/>
-              <a:t> great for topo sort</a:t>
-            </a:r>
-          </a:p>
-          <a:p>
-            <a:r>
-              <a:rPr lang="en-US" dirty="0"/>
-              <a:t>Recursive </a:t>
-            </a:r>
-            <a:r>
-              <a:rPr lang="en-US" dirty="0" err="1"/>
-              <a:t>alg’s</a:t>
-            </a:r>
-            <a:r>
-              <a:rPr lang="en-US" dirty="0"/>
-              <a:t> all use </a:t>
-            </a:r>
-            <a:r>
-              <a:rPr lang="en-US" b="1" dirty="0"/>
-              <a:t>visited</a:t>
-            </a:r>
-            <a:r>
-              <a:rPr lang="en-US" dirty="0"/>
-              <a:t> set to avoid cycles</a:t>
-            </a:r>
-          </a:p>
-          <a:p>
-            <a:r>
-              <a:rPr lang="en-US" dirty="0"/>
-              <a:t>Non-recursive DFS: (use work list stack)</a:t>
-            </a:r>
-          </a:p>
-          <a:p>
-            <a:pPr lvl="1"/>
-            <a:r>
-              <a:rPr lang="en-US" dirty="0"/>
-              <a:t>push targets in reverse order onto work list</a:t>
-            </a:r>
-          </a:p>
-          <a:p>
-            <a:pPr lvl="1"/>
-            <a:r>
-              <a:rPr lang="en-US" dirty="0"/>
-              <a:t>pop last work list item for next node to process</a:t>
-            </a:r>
-          </a:p>
-          <a:p>
-            <a:r>
-              <a:rPr lang="en-US" dirty="0"/>
-              <a:t>Non-recursive BFS: (use work list queue)</a:t>
-            </a:r>
-          </a:p>
-          <a:p>
-            <a:pPr lvl="1"/>
-            <a:r>
-              <a:rPr lang="en-US" dirty="0"/>
-              <a:t>push targets in order onto work list</a:t>
-            </a:r>
-          </a:p>
-          <a:p>
-            <a:pPr lvl="1"/>
-            <a:r>
-              <a:rPr lang="en-US" dirty="0"/>
-              <a:t>pull from first position</a:t>
+              <a:rPr lang="en-US" sz="2200" dirty="0">
+                <a:latin typeface="Monaco" charset="0"/>
+                <a:ea typeface="Monaco" charset="0"/>
+                <a:cs typeface="Monaco" charset="0"/>
+              </a:rPr>
+              <a:t>(</a:t>
+            </a:r>
+            <a:r>
+              <a:rPr lang="en-US" sz="2200" dirty="0" err="1">
+                <a:latin typeface="Monaco" charset="0"/>
+                <a:ea typeface="Monaco" charset="0"/>
+                <a:cs typeface="Monaco" charset="0"/>
+              </a:rPr>
+              <a:t>todo</a:t>
+            </a:r>
+            <a:r>
+              <a:rPr lang="en-US" sz="2200" dirty="0">
+                <a:latin typeface="Monaco" charset="0"/>
+                <a:ea typeface="Monaco" charset="0"/>
+                <a:cs typeface="Monaco" charset="0"/>
+              </a:rPr>
+              <a:t>[0], sorted, visited)</a:t>
+            </a:r>
+          </a:p>
+          <a:p>
+            <a:r>
+              <a:rPr lang="en-US" sz="2200" dirty="0">
+                <a:latin typeface="Monaco" charset="0"/>
+                <a:ea typeface="Monaco" charset="0"/>
+                <a:cs typeface="Monaco" charset="0"/>
+              </a:rPr>
+              <a:t>    return </a:t>
+            </a:r>
+            <a:r>
+              <a:rPr lang="en-US" sz="2200" dirty="0">
+                <a:solidFill>
+                  <a:schemeClr val="accent2">
+                    <a:lumMod val="75000"/>
+                  </a:schemeClr>
+                </a:solidFill>
+                <a:latin typeface="Monaco" charset="0"/>
+                <a:ea typeface="Monaco" charset="0"/>
+                <a:cs typeface="Monaco" charset="0"/>
+              </a:rPr>
+              <a:t>reverse</a:t>
+            </a:r>
+            <a:r>
+              <a:rPr lang="en-US" sz="2200" dirty="0">
+                <a:latin typeface="Monaco" charset="0"/>
+                <a:ea typeface="Monaco" charset="0"/>
+                <a:cs typeface="Monaco" charset="0"/>
+              </a:rPr>
+              <a:t>(sorted)</a:t>
+            </a:r>
+            <a:endParaRPr lang="mr-IN" sz="2200" dirty="0">
+              <a:latin typeface="Monaco" charset="0"/>
+              <a:ea typeface="Monaco" charset="0"/>
+              <a:cs typeface="Monaco" charset="0"/>
+            </a:endParaRPr>
+          </a:p>
+        </p:txBody>
+      </p:sp>
+      <p:sp>
+        <p:nvSpPr>
+          <p:cNvPr id="3" name="TextBox 2">
+            <a:extLst>
+              <a:ext uri="{FF2B5EF4-FFF2-40B4-BE49-F238E27FC236}">
+                <a16:creationId xmlns:a16="http://schemas.microsoft.com/office/drawing/2014/main" id="{7DC2D073-87F5-7140-A3EB-D8151444B47B}"/>
+              </a:ext>
+            </a:extLst>
+          </p:cNvPr>
+          <p:cNvSpPr txBox="1"/>
+          <p:nvPr/>
+        </p:nvSpPr>
+        <p:spPr>
+          <a:xfrm>
+            <a:off x="220200" y="5612860"/>
+            <a:ext cx="6494920" cy="461665"/>
+          </a:xfrm>
+          <a:prstGeom prst="rect">
+            <a:avLst/>
+          </a:prstGeom>
+          <a:noFill/>
+        </p:spPr>
+        <p:txBody>
+          <a:bodyPr wrap="none" rtlCol="0">
+            <a:spAutoFit/>
+          </a:bodyPr>
+          <a:lstStyle/>
+          <a:p>
+            <a:r>
+              <a:rPr lang="en-US" sz="2400" dirty="0"/>
+              <a:t>We reverse </a:t>
+            </a:r>
+            <a:r>
+              <a:rPr lang="en-US" sz="2400" dirty="0" err="1"/>
+              <a:t>postorder</a:t>
+            </a:r>
+            <a:r>
+              <a:rPr lang="en-US" sz="2400" dirty="0"/>
+              <a:t> here since u precedes v</a:t>
             </a:r>
           </a:p>
         </p:txBody>
@@ -10640,7 +10920,7 @@
     </p:spTree>
     <p:extLst>
       <p:ext uri="{BB962C8B-B14F-4D97-AF65-F5344CB8AC3E}">
-        <p14:creationId xmlns:p14="http://schemas.microsoft.com/office/powerpoint/2010/main" val="1653462232"/>
+        <p14:creationId xmlns:p14="http://schemas.microsoft.com/office/powerpoint/2010/main" val="4052054853"/>
       </p:ext>
     </p:extLst>
   </p:cSld>
@@ -10672,6 +10952,182 @@
           <p:cNvPr id="2" name="Title 1">
             <a:extLst>
               <a:ext uri="{FF2B5EF4-FFF2-40B4-BE49-F238E27FC236}">
+                <a16:creationId xmlns:a16="http://schemas.microsoft.com/office/drawing/2014/main" id="{1F2B352F-CE3D-7041-AD7E-CD17118D3037}"/>
+              </a:ext>
+            </a:extLst>
+          </p:cNvPr>
+          <p:cNvSpPr>
+            <a:spLocks noGrp="1"/>
+          </p:cNvSpPr>
+          <p:nvPr>
+            <p:ph type="title"/>
+          </p:nvPr>
+        </p:nvSpPr>
+        <p:spPr/>
+        <p:txBody>
+          <a:bodyPr/>
+          <a:lstStyle/>
+          <a:p>
+            <a:r>
+              <a:rPr lang="en-US" dirty="0"/>
+              <a:t>Summary</a:t>
+            </a:r>
+          </a:p>
+        </p:txBody>
+      </p:sp>
+      <p:sp>
+        <p:nvSpPr>
+          <p:cNvPr id="3" name="Content Placeholder 2">
+            <a:extLst>
+              <a:ext uri="{FF2B5EF4-FFF2-40B4-BE49-F238E27FC236}">
+                <a16:creationId xmlns:a16="http://schemas.microsoft.com/office/drawing/2014/main" id="{7879AF3B-7FE8-2941-A4F8-C0A6F984CEB2}"/>
+              </a:ext>
+            </a:extLst>
+          </p:cNvPr>
+          <p:cNvSpPr>
+            <a:spLocks noGrp="1"/>
+          </p:cNvSpPr>
+          <p:nvPr>
+            <p:ph idx="1"/>
+          </p:nvPr>
+        </p:nvSpPr>
+        <p:spPr/>
+        <p:txBody>
+          <a:bodyPr>
+            <a:normAutofit fontScale="92500" lnSpcReduction="20000"/>
+          </a:bodyPr>
+          <a:lstStyle/>
+          <a:p>
+            <a:r>
+              <a:rPr lang="en-US" dirty="0"/>
+              <a:t>Graphs are for showing relationships between elements</a:t>
+            </a:r>
+          </a:p>
+          <a:p>
+            <a:r>
+              <a:rPr lang="en-US" dirty="0"/>
+              <a:t>DFS for finding a path or multiple paths or cycles</a:t>
+            </a:r>
+          </a:p>
+          <a:p>
+            <a:r>
+              <a:rPr lang="en-US" dirty="0"/>
+              <a:t>BFS for find shortest (in edges) path or neighborhood</a:t>
+            </a:r>
+          </a:p>
+          <a:p>
+            <a:r>
+              <a:rPr lang="en-US" dirty="0"/>
+              <a:t>DFS </a:t>
+            </a:r>
+            <a:r>
+              <a:rPr lang="en-US" dirty="0" err="1"/>
+              <a:t>postorder</a:t>
+            </a:r>
+            <a:r>
+              <a:rPr lang="en-US" dirty="0"/>
+              <a:t> great for topo sort</a:t>
+            </a:r>
+          </a:p>
+          <a:p>
+            <a:r>
+              <a:rPr lang="en-US" dirty="0"/>
+              <a:t>Recursive </a:t>
+            </a:r>
+            <a:r>
+              <a:rPr lang="en-US" dirty="0" err="1"/>
+              <a:t>alg’s</a:t>
+            </a:r>
+            <a:r>
+              <a:rPr lang="en-US" dirty="0"/>
+              <a:t> all use </a:t>
+            </a:r>
+            <a:r>
+              <a:rPr lang="en-US" b="1" dirty="0"/>
+              <a:t>visited</a:t>
+            </a:r>
+            <a:r>
+              <a:rPr lang="en-US" dirty="0"/>
+              <a:t> set to avoid cycles</a:t>
+            </a:r>
+          </a:p>
+          <a:p>
+            <a:r>
+              <a:rPr lang="en-US" dirty="0"/>
+              <a:t>Non-recursive DFS: (use work list stack)</a:t>
+            </a:r>
+          </a:p>
+          <a:p>
+            <a:pPr lvl="1"/>
+            <a:r>
+              <a:rPr lang="en-US" dirty="0"/>
+              <a:t>push targets in reverse order onto work list</a:t>
+            </a:r>
+          </a:p>
+          <a:p>
+            <a:pPr lvl="1"/>
+            <a:r>
+              <a:rPr lang="en-US" dirty="0"/>
+              <a:t>pop last work list item for next node to process</a:t>
+            </a:r>
+          </a:p>
+          <a:p>
+            <a:r>
+              <a:rPr lang="en-US" dirty="0"/>
+              <a:t>Non-recursive BFS: (use work list queue)</a:t>
+            </a:r>
+          </a:p>
+          <a:p>
+            <a:pPr lvl="1"/>
+            <a:r>
+              <a:rPr lang="en-US" dirty="0"/>
+              <a:t>push targets in order onto work list</a:t>
+            </a:r>
+          </a:p>
+          <a:p>
+            <a:pPr lvl="1"/>
+            <a:r>
+              <a:rPr lang="en-US" dirty="0"/>
+              <a:t>pull from first position</a:t>
+            </a:r>
+          </a:p>
+        </p:txBody>
+      </p:sp>
+    </p:spTree>
+    <p:extLst>
+      <p:ext uri="{BB962C8B-B14F-4D97-AF65-F5344CB8AC3E}">
+        <p14:creationId xmlns:p14="http://schemas.microsoft.com/office/powerpoint/2010/main" val="1653462232"/>
+      </p:ext>
+    </p:extLst>
+  </p:cSld>
+  <p:clrMapOvr>
+    <a:masterClrMapping/>
+  </p:clrMapOvr>
+</p:sld>
+</file>
+
+<file path=ppt/slides/slide28.xml><?xml version="1.0" encoding="utf-8"?>
+<p:sld xmlns:a="http://schemas.openxmlformats.org/drawingml/2006/main" xmlns:r="http://schemas.openxmlformats.org/officeDocument/2006/relationships" xmlns:p="http://schemas.openxmlformats.org/presentationml/2006/main">
+  <p:cSld>
+    <p:spTree>
+      <p:nvGrpSpPr>
+        <p:cNvPr id="1" name=""/>
+        <p:cNvGrpSpPr/>
+        <p:nvPr/>
+      </p:nvGrpSpPr>
+      <p:grpSpPr>
+        <a:xfrm>
+          <a:off x="0" y="0"/>
+          <a:ext cx="0" cy="0"/>
+          <a:chOff x="0" y="0"/>
+          <a:chExt cx="0" cy="0"/>
+        </a:xfrm>
+      </p:grpSpPr>
+      <p:sp>
+        <p:nvSpPr>
+          <p:cNvPr id="2" name="Title 1">
+            <a:extLst>
+              <a:ext uri="{FF2B5EF4-FFF2-40B4-BE49-F238E27FC236}">
                 <a16:creationId xmlns:a16="http://schemas.microsoft.com/office/drawing/2014/main" id="{DDFD2E64-84D8-A048-BE5C-C06207FAC5F2}"/>
               </a:ext>
             </a:extLst>
@@ -10733,7 +11189,391 @@
 </p:sld>
 </file>
 
-<file path=ppt/slides/slide28.xml><?xml version="1.0" encoding="utf-8"?>
+<file path=ppt/slides/slide29.xml><?xml version="1.0" encoding="utf-8"?>
+<p:sld xmlns:a="http://schemas.openxmlformats.org/drawingml/2006/main" xmlns:r="http://schemas.openxmlformats.org/officeDocument/2006/relationships" xmlns:p="http://schemas.openxmlformats.org/presentationml/2006/main">
+  <p:cSld>
+    <p:spTree>
+      <p:nvGrpSpPr>
+        <p:cNvPr id="1" name=""/>
+        <p:cNvGrpSpPr/>
+        <p:nvPr/>
+      </p:nvGrpSpPr>
+      <p:grpSpPr>
+        <a:xfrm>
+          <a:off x="0" y="0"/>
+          <a:ext cx="0" cy="0"/>
+          <a:chOff x="0" y="0"/>
+          <a:chExt cx="0" cy="0"/>
+        </a:xfrm>
+      </p:grpSpPr>
+      <p:sp>
+        <p:nvSpPr>
+          <p:cNvPr id="2" name="Title 1">
+            <a:extLst>
+              <a:ext uri="{FF2B5EF4-FFF2-40B4-BE49-F238E27FC236}">
+                <a16:creationId xmlns:a16="http://schemas.microsoft.com/office/drawing/2014/main" id="{CEF7392B-B4AF-5A41-A493-CC872B19F3F8}"/>
+              </a:ext>
+            </a:extLst>
+          </p:cNvPr>
+          <p:cNvSpPr>
+            <a:spLocks noGrp="1"/>
+          </p:cNvSpPr>
+          <p:nvPr>
+            <p:ph type="title"/>
+          </p:nvPr>
+        </p:nvSpPr>
+        <p:spPr/>
+        <p:txBody>
+          <a:bodyPr/>
+          <a:lstStyle/>
+          <a:p>
+            <a:r>
+              <a:rPr lang="en-US" dirty="0"/>
+              <a:t>Visualize FB friend graph with </a:t>
+            </a:r>
+            <a:r>
+              <a:rPr lang="en-US" dirty="0" err="1"/>
+              <a:t>networkx</a:t>
+            </a:r>
+            <a:endParaRPr lang="en-US" dirty="0"/>
+          </a:p>
+        </p:txBody>
+      </p:sp>
+      <p:sp>
+        <p:nvSpPr>
+          <p:cNvPr id="3" name="Content Placeholder 2">
+            <a:extLst>
+              <a:ext uri="{FF2B5EF4-FFF2-40B4-BE49-F238E27FC236}">
+                <a16:creationId xmlns:a16="http://schemas.microsoft.com/office/drawing/2014/main" id="{972FAC02-7FD9-2440-8917-423893768B1F}"/>
+              </a:ext>
+            </a:extLst>
+          </p:cNvPr>
+          <p:cNvSpPr>
+            <a:spLocks noGrp="1"/>
+          </p:cNvSpPr>
+          <p:nvPr>
+            <p:ph idx="1"/>
+          </p:nvPr>
+        </p:nvSpPr>
+        <p:spPr>
+          <a:xfrm>
+            <a:off x="838199" y="1556426"/>
+            <a:ext cx="10893357" cy="4620537"/>
+          </a:xfrm>
+        </p:spPr>
+        <p:txBody>
+          <a:bodyPr>
+            <a:normAutofit/>
+          </a:bodyPr>
+          <a:lstStyle/>
+          <a:p>
+            <a:r>
+              <a:rPr lang="en-US" sz="2200" dirty="0"/>
+              <a:t>pip install </a:t>
+            </a:r>
+            <a:r>
+              <a:rPr lang="en-US" sz="2200" dirty="0" err="1"/>
+              <a:t>networkx</a:t>
+            </a:r>
+            <a:endParaRPr lang="en-US" sz="2200" dirty="0"/>
+          </a:p>
+          <a:p>
+            <a:r>
+              <a:rPr lang="en-US" sz="2200" dirty="0"/>
+              <a:t>download and </a:t>
+            </a:r>
+            <a:r>
+              <a:rPr lang="en-US" sz="2200" dirty="0" err="1"/>
+              <a:t>uncompress</a:t>
+            </a:r>
+            <a:r>
+              <a:rPr lang="en-US" sz="2200" dirty="0"/>
+              <a:t> </a:t>
+            </a:r>
+            <a:r>
+              <a:rPr lang="en-US" sz="2200" i="1" dirty="0">
+                <a:hlinkClick r:id="rId2"/>
+              </a:rPr>
+              <a:t>https://snap.stanford.edu/data/facebook_combined.txt.gz</a:t>
+            </a:r>
+            <a:endParaRPr lang="en-US" sz="2200" i="1" dirty="0"/>
+          </a:p>
+          <a:p>
+            <a:r>
+              <a:rPr lang="en-US" sz="2200" dirty="0"/>
+              <a:t>Get small sample of edges then do </a:t>
+            </a:r>
+            <a:r>
+              <a:rPr lang="en-US" sz="2200" dirty="0" err="1"/>
+              <a:t>edge_subgraph</a:t>
+            </a:r>
+            <a:r>
+              <a:rPr lang="en-US" sz="2200" dirty="0"/>
+              <a:t>(), </a:t>
+            </a:r>
+            <a:r>
+              <a:rPr lang="en-US" sz="2200" dirty="0" err="1"/>
+              <a:t>draw_networkx_edges</a:t>
+            </a:r>
+            <a:r>
+              <a:rPr lang="en-US" sz="2200" dirty="0"/>
+              <a:t>(), </a:t>
+            </a:r>
+            <a:r>
+              <a:rPr lang="en-US" sz="2200" dirty="0" err="1"/>
+              <a:t>draw_networkx_nodes</a:t>
+            </a:r>
+            <a:r>
+              <a:rPr lang="en-US" sz="2200" dirty="0"/>
+              <a:t>()</a:t>
+            </a:r>
+          </a:p>
+          <a:p>
+            <a:r>
+              <a:rPr lang="en-US" sz="2200" dirty="0"/>
+              <a:t>Need to pass positions of nodes for layout, such as </a:t>
+            </a:r>
+            <a:r>
+              <a:rPr lang="en-US" sz="2200" dirty="0" err="1"/>
+              <a:t>circular_layout</a:t>
+            </a:r>
+            <a:r>
+              <a:rPr lang="en-US" sz="2200"/>
+              <a:t>()</a:t>
+            </a:r>
+            <a:endParaRPr lang="en-US" sz="2200" dirty="0"/>
+          </a:p>
+          <a:p>
+            <a:endParaRPr lang="en-US" sz="2200" dirty="0"/>
+          </a:p>
+        </p:txBody>
+      </p:sp>
+      <p:pic>
+        <p:nvPicPr>
+          <p:cNvPr id="4" name="Picture 3">
+            <a:extLst>
+              <a:ext uri="{FF2B5EF4-FFF2-40B4-BE49-F238E27FC236}">
+                <a16:creationId xmlns:a16="http://schemas.microsoft.com/office/drawing/2014/main" id="{EDE4877A-B291-EA4B-8EB8-11E2B794DD11}"/>
+              </a:ext>
+            </a:extLst>
+          </p:cNvPr>
+          <p:cNvPicPr>
+            <a:picLocks noChangeAspect="1"/>
+          </p:cNvPicPr>
+          <p:nvPr/>
+        </p:nvPicPr>
+        <p:blipFill>
+          <a:blip r:embed="rId3"/>
+          <a:stretch>
+            <a:fillRect/>
+          </a:stretch>
+        </p:blipFill>
+        <p:spPr>
+          <a:xfrm>
+            <a:off x="142267" y="4105071"/>
+            <a:ext cx="3396255" cy="2530543"/>
+          </a:xfrm>
+          <a:prstGeom prst="rect">
+            <a:avLst/>
+          </a:prstGeom>
+        </p:spPr>
+      </p:pic>
+      <p:pic>
+        <p:nvPicPr>
+          <p:cNvPr id="5" name="Picture 4">
+            <a:extLst>
+              <a:ext uri="{FF2B5EF4-FFF2-40B4-BE49-F238E27FC236}">
+                <a16:creationId xmlns:a16="http://schemas.microsoft.com/office/drawing/2014/main" id="{25D98871-EEAB-DD49-8D54-182A832AA457}"/>
+              </a:ext>
+            </a:extLst>
+          </p:cNvPr>
+          <p:cNvPicPr>
+            <a:picLocks noChangeAspect="1"/>
+          </p:cNvPicPr>
+          <p:nvPr/>
+        </p:nvPicPr>
+        <p:blipFill>
+          <a:blip r:embed="rId4"/>
+          <a:stretch>
+            <a:fillRect/>
+          </a:stretch>
+        </p:blipFill>
+        <p:spPr>
+          <a:xfrm>
+            <a:off x="3829050" y="3827896"/>
+            <a:ext cx="3768252" cy="2807717"/>
+          </a:xfrm>
+          <a:prstGeom prst="rect">
+            <a:avLst/>
+          </a:prstGeom>
+        </p:spPr>
+      </p:pic>
+      <p:pic>
+        <p:nvPicPr>
+          <p:cNvPr id="6" name="Picture 5">
+            <a:extLst>
+              <a:ext uri="{FF2B5EF4-FFF2-40B4-BE49-F238E27FC236}">
+                <a16:creationId xmlns:a16="http://schemas.microsoft.com/office/drawing/2014/main" id="{B71ADF4D-B43C-234D-9639-464938EA652D}"/>
+              </a:ext>
+            </a:extLst>
+          </p:cNvPr>
+          <p:cNvPicPr>
+            <a:picLocks noChangeAspect="1"/>
+          </p:cNvPicPr>
+          <p:nvPr/>
+        </p:nvPicPr>
+        <p:blipFill>
+          <a:blip r:embed="rId5"/>
+          <a:stretch>
+            <a:fillRect/>
+          </a:stretch>
+        </p:blipFill>
+        <p:spPr>
+          <a:xfrm>
+            <a:off x="7311552" y="3479800"/>
+            <a:ext cx="4533900" cy="3378200"/>
+          </a:xfrm>
+          <a:prstGeom prst="rect">
+            <a:avLst/>
+          </a:prstGeom>
+        </p:spPr>
+      </p:pic>
+    </p:spTree>
+    <p:extLst>
+      <p:ext uri="{BB962C8B-B14F-4D97-AF65-F5344CB8AC3E}">
+        <p14:creationId xmlns:p14="http://schemas.microsoft.com/office/powerpoint/2010/main" val="1298373597"/>
+      </p:ext>
+    </p:extLst>
+  </p:cSld>
+  <p:clrMapOvr>
+    <a:masterClrMapping/>
+  </p:clrMapOvr>
+</p:sld>
+</file>
+
+<file path=ppt/slides/slide3.xml><?xml version="1.0" encoding="utf-8"?>
+<p:sld xmlns:a="http://schemas.openxmlformats.org/drawingml/2006/main" xmlns:r="http://schemas.openxmlformats.org/officeDocument/2006/relationships" xmlns:p="http://schemas.openxmlformats.org/presentationml/2006/main">
+  <p:cSld>
+    <p:spTree>
+      <p:nvGrpSpPr>
+        <p:cNvPr id="1" name=""/>
+        <p:cNvGrpSpPr/>
+        <p:nvPr/>
+      </p:nvGrpSpPr>
+      <p:grpSpPr>
+        <a:xfrm>
+          <a:off x="0" y="0"/>
+          <a:ext cx="0" cy="0"/>
+          <a:chOff x="0" y="0"/>
+          <a:chExt cx="0" cy="0"/>
+        </a:xfrm>
+      </p:grpSpPr>
+      <p:sp>
+        <p:nvSpPr>
+          <p:cNvPr id="2" name="Title 1">
+            <a:extLst>
+              <a:ext uri="{FF2B5EF4-FFF2-40B4-BE49-F238E27FC236}">
+                <a16:creationId xmlns:a16="http://schemas.microsoft.com/office/drawing/2014/main" id="{0BF9A356-C646-6D42-90F6-02B604AC271D}"/>
+              </a:ext>
+            </a:extLst>
+          </p:cNvPr>
+          <p:cNvSpPr>
+            <a:spLocks noGrp="1"/>
+          </p:cNvSpPr>
+          <p:nvPr>
+            <p:ph type="title"/>
+          </p:nvPr>
+        </p:nvSpPr>
+        <p:spPr/>
+        <p:txBody>
+          <a:bodyPr/>
+          <a:lstStyle/>
+          <a:p>
+            <a:r>
+              <a:rPr lang="en-US" dirty="0"/>
+              <a:t>Undirected graph, terms</a:t>
+            </a:r>
+          </a:p>
+        </p:txBody>
+      </p:sp>
+      <p:pic>
+        <p:nvPicPr>
+          <p:cNvPr id="5" name="Content Placeholder 4">
+            <a:extLst>
+              <a:ext uri="{FF2B5EF4-FFF2-40B4-BE49-F238E27FC236}">
+                <a16:creationId xmlns:a16="http://schemas.microsoft.com/office/drawing/2014/main" id="{2B83F4E4-8D04-6F4D-8D32-32ABFD141C3E}"/>
+              </a:ext>
+            </a:extLst>
+          </p:cNvPr>
+          <p:cNvPicPr>
+            <a:picLocks noGrp="1" noChangeAspect="1"/>
+          </p:cNvPicPr>
+          <p:nvPr>
+            <p:ph idx="1"/>
+          </p:nvPr>
+        </p:nvPicPr>
+        <p:blipFill>
+          <a:blip r:embed="rId2"/>
+          <a:stretch>
+            <a:fillRect/>
+          </a:stretch>
+        </p:blipFill>
+        <p:spPr>
+          <a:xfrm>
+            <a:off x="4205240" y="1825625"/>
+            <a:ext cx="3781519" cy="4351338"/>
+          </a:xfrm>
+        </p:spPr>
+      </p:pic>
+      <p:sp>
+        <p:nvSpPr>
+          <p:cNvPr id="6" name="TextBox 5">
+            <a:extLst>
+              <a:ext uri="{FF2B5EF4-FFF2-40B4-BE49-F238E27FC236}">
+                <a16:creationId xmlns:a16="http://schemas.microsoft.com/office/drawing/2014/main" id="{A03CB1D6-5194-9A4F-B63F-CA46A41F1EE4}"/>
+              </a:ext>
+            </a:extLst>
+          </p:cNvPr>
+          <p:cNvSpPr txBox="1"/>
+          <p:nvPr/>
+        </p:nvSpPr>
+        <p:spPr>
+          <a:xfrm>
+            <a:off x="838200" y="6311900"/>
+            <a:ext cx="5888407" cy="338554"/>
+          </a:xfrm>
+          <a:prstGeom prst="rect">
+            <a:avLst/>
+          </a:prstGeom>
+          <a:noFill/>
+        </p:spPr>
+        <p:txBody>
+          <a:bodyPr wrap="none" rtlCol="0">
+            <a:spAutoFit/>
+          </a:bodyPr>
+          <a:lstStyle/>
+          <a:p>
+            <a:r>
+              <a:rPr lang="en-US" sz="1600" dirty="0"/>
+              <a:t>From: Algorithms book by Robert Sedgewick and Kevin Wayne</a:t>
+            </a:r>
+          </a:p>
+        </p:txBody>
+      </p:sp>
+    </p:spTree>
+    <p:extLst>
+      <p:ext uri="{BB962C8B-B14F-4D97-AF65-F5344CB8AC3E}">
+        <p14:creationId xmlns:p14="http://schemas.microsoft.com/office/powerpoint/2010/main" val="753341366"/>
+      </p:ext>
+    </p:extLst>
+  </p:cSld>
+  <p:clrMapOvr>
+    <a:masterClrMapping/>
+  </p:clrMapOvr>
+</p:sld>
+</file>
+
+<file path=ppt/slides/slide30.xml><?xml version="1.0" encoding="utf-8"?>
 <p:sld xmlns:a="http://schemas.openxmlformats.org/drawingml/2006/main" xmlns:r="http://schemas.openxmlformats.org/officeDocument/2006/relationships" xmlns:p="http://schemas.openxmlformats.org/presentationml/2006/main">
   <p:cSld>
     <p:spTree>
@@ -10918,7 +11758,7 @@
 </p:sld>
 </file>
 
-<file path=ppt/slides/slide29.xml><?xml version="1.0" encoding="utf-8"?>
+<file path=ppt/slides/slide31.xml><?xml version="1.0" encoding="utf-8"?>
 <p:sld xmlns:a="http://schemas.openxmlformats.org/drawingml/2006/main" xmlns:r="http://schemas.openxmlformats.org/officeDocument/2006/relationships" xmlns:p="http://schemas.openxmlformats.org/presentationml/2006/main">
   <p:cSld>
     <p:spTree>
@@ -11203,129 +12043,7 @@
 </p:sld>
 </file>
 
-<file path=ppt/slides/slide3.xml><?xml version="1.0" encoding="utf-8"?>
-<p:sld xmlns:a="http://schemas.openxmlformats.org/drawingml/2006/main" xmlns:r="http://schemas.openxmlformats.org/officeDocument/2006/relationships" xmlns:p="http://schemas.openxmlformats.org/presentationml/2006/main">
-  <p:cSld>
-    <p:spTree>
-      <p:nvGrpSpPr>
-        <p:cNvPr id="1" name=""/>
-        <p:cNvGrpSpPr/>
-        <p:nvPr/>
-      </p:nvGrpSpPr>
-      <p:grpSpPr>
-        <a:xfrm>
-          <a:off x="0" y="0"/>
-          <a:ext cx="0" cy="0"/>
-          <a:chOff x="0" y="0"/>
-          <a:chExt cx="0" cy="0"/>
-        </a:xfrm>
-      </p:grpSpPr>
-      <p:sp>
-        <p:nvSpPr>
-          <p:cNvPr id="2" name="Title 1">
-            <a:extLst>
-              <a:ext uri="{FF2B5EF4-FFF2-40B4-BE49-F238E27FC236}">
-                <a16:creationId xmlns:a16="http://schemas.microsoft.com/office/drawing/2014/main" id="{0BF9A356-C646-6D42-90F6-02B604AC271D}"/>
-              </a:ext>
-            </a:extLst>
-          </p:cNvPr>
-          <p:cNvSpPr>
-            <a:spLocks noGrp="1"/>
-          </p:cNvSpPr>
-          <p:nvPr>
-            <p:ph type="title"/>
-          </p:nvPr>
-        </p:nvSpPr>
-        <p:spPr/>
-        <p:txBody>
-          <a:bodyPr/>
-          <a:lstStyle/>
-          <a:p>
-            <a:r>
-              <a:rPr lang="en-US" dirty="0"/>
-              <a:t>Undirected graph, terms</a:t>
-            </a:r>
-          </a:p>
-        </p:txBody>
-      </p:sp>
-      <p:pic>
-        <p:nvPicPr>
-          <p:cNvPr id="5" name="Content Placeholder 4">
-            <a:extLst>
-              <a:ext uri="{FF2B5EF4-FFF2-40B4-BE49-F238E27FC236}">
-                <a16:creationId xmlns:a16="http://schemas.microsoft.com/office/drawing/2014/main" id="{2B83F4E4-8D04-6F4D-8D32-32ABFD141C3E}"/>
-              </a:ext>
-            </a:extLst>
-          </p:cNvPr>
-          <p:cNvPicPr>
-            <a:picLocks noGrp="1" noChangeAspect="1"/>
-          </p:cNvPicPr>
-          <p:nvPr>
-            <p:ph idx="1"/>
-          </p:nvPr>
-        </p:nvPicPr>
-        <p:blipFill>
-          <a:blip r:embed="rId2"/>
-          <a:stretch>
-            <a:fillRect/>
-          </a:stretch>
-        </p:blipFill>
-        <p:spPr>
-          <a:xfrm>
-            <a:off x="4205240" y="1825625"/>
-            <a:ext cx="3781519" cy="4351338"/>
-          </a:xfrm>
-        </p:spPr>
-      </p:pic>
-      <p:sp>
-        <p:nvSpPr>
-          <p:cNvPr id="6" name="TextBox 5">
-            <a:extLst>
-              <a:ext uri="{FF2B5EF4-FFF2-40B4-BE49-F238E27FC236}">
-                <a16:creationId xmlns:a16="http://schemas.microsoft.com/office/drawing/2014/main" id="{A03CB1D6-5194-9A4F-B63F-CA46A41F1EE4}"/>
-              </a:ext>
-            </a:extLst>
-          </p:cNvPr>
-          <p:cNvSpPr txBox="1"/>
-          <p:nvPr/>
-        </p:nvSpPr>
-        <p:spPr>
-          <a:xfrm>
-            <a:off x="838200" y="6311900"/>
-            <a:ext cx="5888407" cy="338554"/>
-          </a:xfrm>
-          <a:prstGeom prst="rect">
-            <a:avLst/>
-          </a:prstGeom>
-          <a:noFill/>
-        </p:spPr>
-        <p:txBody>
-          <a:bodyPr wrap="none" rtlCol="0">
-            <a:spAutoFit/>
-          </a:bodyPr>
-          <a:lstStyle/>
-          <a:p>
-            <a:r>
-              <a:rPr lang="en-US" sz="1600" dirty="0"/>
-              <a:t>From: Algorithms book by Robert Sedgewick and Kevin Wayne</a:t>
-            </a:r>
-          </a:p>
-        </p:txBody>
-      </p:sp>
-    </p:spTree>
-    <p:extLst>
-      <p:ext uri="{BB962C8B-B14F-4D97-AF65-F5344CB8AC3E}">
-        <p14:creationId xmlns:p14="http://schemas.microsoft.com/office/powerpoint/2010/main" val="753341366"/>
-      </p:ext>
-    </p:extLst>
-  </p:cSld>
-  <p:clrMapOvr>
-    <a:masterClrMapping/>
-  </p:clrMapOvr>
-</p:sld>
-</file>
-
-<file path=ppt/slides/slide30.xml><?xml version="1.0" encoding="utf-8"?>
+<file path=ppt/slides/slide32.xml><?xml version="1.0" encoding="utf-8"?>
 <p:sld xmlns:a="http://schemas.openxmlformats.org/drawingml/2006/main" xmlns:r="http://schemas.openxmlformats.org/officeDocument/2006/relationships" xmlns:p="http://schemas.openxmlformats.org/presentationml/2006/main">
   <p:cSld>
     <p:spTree>
@@ -11919,7 +12637,13 @@
       </p:grpSpPr>
       <p:sp>
         <p:nvSpPr>
-          <p:cNvPr id="2" name="Title 1"/>
+          <p:cNvPr id="2" name="Title 1">
+            <a:extLst>
+              <a:ext uri="{FF2B5EF4-FFF2-40B4-BE49-F238E27FC236}">
+                <a16:creationId xmlns:a16="http://schemas.microsoft.com/office/drawing/2014/main" id="{D5611D3A-9021-5847-9FBF-F952C032E0D8}"/>
+              </a:ext>
+            </a:extLst>
+          </p:cNvPr>
           <p:cNvSpPr>
             <a:spLocks noGrp="1"/>
           </p:cNvSpPr>
@@ -11927,21 +12651,32 @@
             <p:ph type="title"/>
           </p:nvPr>
         </p:nvSpPr>
-        <p:spPr/>
+        <p:spPr>
+          <a:xfrm>
+            <a:off x="838199" y="365125"/>
+            <a:ext cx="10737715" cy="1325563"/>
+          </a:xfrm>
+        </p:spPr>
         <p:txBody>
           <a:bodyPr/>
           <a:lstStyle/>
           <a:p>
             <a:r>
               <a:rPr lang="en-US" dirty="0"/>
-              <a:t>Common questions</a:t>
-            </a:r>
-          </a:p>
-        </p:txBody>
-      </p:sp>
-      <p:sp>
-        <p:nvSpPr>
-          <p:cNvPr id="3" name="Content Placeholder 2"/>
+              <a:t>Facebook friend network, different layouts</a:t>
+            </a:r>
+          </a:p>
+        </p:txBody>
+      </p:sp>
+      <p:sp>
+        <p:nvSpPr>
+          <p:cNvPr id="3" name="Content Placeholder 2">
+            <a:extLst>
+              <a:ext uri="{FF2B5EF4-FFF2-40B4-BE49-F238E27FC236}">
+                <a16:creationId xmlns:a16="http://schemas.microsoft.com/office/drawing/2014/main" id="{68718D14-4082-B645-B5CF-B1C529BFC499}"/>
+              </a:ext>
+            </a:extLst>
+          </p:cNvPr>
           <p:cNvSpPr>
             <a:spLocks noGrp="1"/>
           </p:cNvSpPr>
@@ -11949,77 +12684,79 @@
             <p:ph idx="1"/>
           </p:nvPr>
         </p:nvSpPr>
+        <p:spPr/>
+        <p:txBody>
+          <a:bodyPr/>
+          <a:lstStyle/>
+          <a:p>
+            <a:endParaRPr lang="en-US"/>
+          </a:p>
+        </p:txBody>
+      </p:sp>
+      <p:pic>
+        <p:nvPicPr>
+          <p:cNvPr id="5" name="Picture 4">
+            <a:extLst>
+              <a:ext uri="{FF2B5EF4-FFF2-40B4-BE49-F238E27FC236}">
+                <a16:creationId xmlns:a16="http://schemas.microsoft.com/office/drawing/2014/main" id="{1593B2BD-6EB7-E440-8C59-ADA7AAF1EC01}"/>
+              </a:ext>
+            </a:extLst>
+          </p:cNvPr>
+          <p:cNvPicPr>
+            <a:picLocks noChangeAspect="1"/>
+          </p:cNvPicPr>
+          <p:nvPr/>
+        </p:nvPicPr>
+        <p:blipFill>
+          <a:blip r:embed="rId2"/>
+          <a:stretch>
+            <a:fillRect/>
+          </a:stretch>
+        </p:blipFill>
         <p:spPr>
           <a:xfrm>
-            <a:off x="838200" y="1825625"/>
-            <a:ext cx="10763250" cy="4351338"/>
+            <a:off x="119570" y="1717399"/>
+            <a:ext cx="5976430" cy="4453026"/>
           </a:xfrm>
+          <a:prstGeom prst="rect">
+            <a:avLst/>
+          </a:prstGeom>
         </p:spPr>
-        <p:txBody>
-          <a:bodyPr/>
-          <a:lstStyle/>
-          <a:p>
-            <a:r>
-              <a:rPr lang="en-US" dirty="0"/>
-              <a:t>Is q reachable from p?</a:t>
-            </a:r>
-          </a:p>
-          <a:p>
-            <a:r>
-              <a:rPr lang="en-US" dirty="0"/>
-              <a:t>How many edges are on paths between p and q?</a:t>
-            </a:r>
-          </a:p>
-          <a:p>
-            <a:r>
-              <a:rPr lang="en-US" dirty="0"/>
-              <a:t>Is graph connected? (reach any p from any q)</a:t>
-            </a:r>
-          </a:p>
-          <a:p>
-            <a:r>
-              <a:rPr lang="en-US" dirty="0"/>
-              <a:t>Is graph cyclic? (p reaches p traversing at least one edge)</a:t>
-            </a:r>
-          </a:p>
-          <a:p>
-            <a:r>
-              <a:rPr lang="en-US" dirty="0"/>
-              <a:t>Which nodes are within k edges of node p? (neighborhood)</a:t>
-            </a:r>
-          </a:p>
-          <a:p>
-            <a:r>
-              <a:rPr lang="en-US" dirty="0"/>
-              <a:t>What is shortest path (</a:t>
-            </a:r>
-            <a:r>
-              <a:rPr lang="en-US" dirty="0" err="1"/>
-              <a:t>num</a:t>
-            </a:r>
-            <a:r>
-              <a:rPr lang="en-US" dirty="0"/>
-              <a:t> edges) from p to q?</a:t>
-            </a:r>
-          </a:p>
-          <a:p>
-            <a:r>
-              <a:rPr lang="en-US" dirty="0"/>
-              <a:t>What is shortest path using edge weights? [beyond scope of 689]</a:t>
-            </a:r>
-          </a:p>
-          <a:p>
-            <a:r>
-              <a:rPr lang="en-US" dirty="0"/>
-              <a:t>Traveling salesman problem [beyond scope of 689]</a:t>
-            </a:r>
-          </a:p>
-        </p:txBody>
-      </p:sp>
+      </p:pic>
+      <p:pic>
+        <p:nvPicPr>
+          <p:cNvPr id="6" name="Picture 5">
+            <a:extLst>
+              <a:ext uri="{FF2B5EF4-FFF2-40B4-BE49-F238E27FC236}">
+                <a16:creationId xmlns:a16="http://schemas.microsoft.com/office/drawing/2014/main" id="{A14FB7D0-13A4-1144-B52E-9BF062AC3B10}"/>
+              </a:ext>
+            </a:extLst>
+          </p:cNvPr>
+          <p:cNvPicPr>
+            <a:picLocks noChangeAspect="1"/>
+          </p:cNvPicPr>
+          <p:nvPr/>
+        </p:nvPicPr>
+        <p:blipFill>
+          <a:blip r:embed="rId3"/>
+          <a:stretch>
+            <a:fillRect/>
+          </a:stretch>
+        </p:blipFill>
+        <p:spPr>
+          <a:xfrm>
+            <a:off x="6095999" y="1690687"/>
+            <a:ext cx="6021053" cy="4486275"/>
+          </a:xfrm>
+          <a:prstGeom prst="rect">
+            <a:avLst/>
+          </a:prstGeom>
+        </p:spPr>
+      </p:pic>
     </p:spTree>
     <p:extLst>
       <p:ext uri="{BB962C8B-B14F-4D97-AF65-F5344CB8AC3E}">
-        <p14:creationId xmlns:p14="http://schemas.microsoft.com/office/powerpoint/2010/main" val="1283671356"/>
+        <p14:creationId xmlns:p14="http://schemas.microsoft.com/office/powerpoint/2010/main" val="405993767"/>
       </p:ext>
     </p:extLst>
   </p:cSld>
@@ -12063,7 +12800,7 @@
           <a:p>
             <a:r>
               <a:rPr lang="en-US" dirty="0"/>
-              <a:t>Adjacency matrix implementations</a:t>
+              <a:t>Common questions</a:t>
             </a:r>
           </a:p>
         </p:txBody>
@@ -12078,120 +12815,69 @@
             <p:ph idx="1"/>
           </p:nvPr>
         </p:nvSpPr>
-        <p:spPr/>
+        <p:spPr>
+          <a:xfrm>
+            <a:off x="838200" y="1825625"/>
+            <a:ext cx="10763250" cy="4351338"/>
+          </a:xfrm>
+        </p:spPr>
         <p:txBody>
           <a:bodyPr/>
           <a:lstStyle/>
           <a:p>
             <a:r>
               <a:rPr lang="en-US" dirty="0"/>
-              <a:t>Adjacency matrix, n x n matrix of {0,1} if unlabeled or {labels} if edges are labeled; undirected matrices are symmetric</a:t>
-            </a:r>
-          </a:p>
-          <a:p>
-            <a:r>
-              <a:rPr lang="en-US" dirty="0"/>
-              <a:t>Wastes space for</a:t>
-            </a:r>
-            <a:br>
-              <a:rPr lang="en-US" dirty="0"/>
-            </a:br>
-            <a:r>
-              <a:rPr lang="en-US" dirty="0"/>
-              <a:t>sparse edges; use</a:t>
-            </a:r>
-            <a:br>
-              <a:rPr lang="en-US" dirty="0"/>
-            </a:br>
-            <a:r>
-              <a:rPr lang="en-US" dirty="0"/>
-              <a:t>sparse matrix</a:t>
-            </a:r>
-          </a:p>
-          <a:p>
-            <a:r>
-              <a:rPr lang="en-US" dirty="0"/>
-              <a:t>Fast to access</a:t>
-            </a:r>
-            <a:br>
-              <a:rPr lang="en-US" dirty="0"/>
-            </a:br>
-            <a:r>
-              <a:rPr lang="en-US" dirty="0"/>
-              <a:t>arbitrary node’s</a:t>
-            </a:r>
-            <a:br>
-              <a:rPr lang="en-US" dirty="0"/>
-            </a:br>
-            <a:r>
-              <a:rPr lang="en-US" dirty="0"/>
-              <a:t>edges</a:t>
-            </a:r>
-          </a:p>
-        </p:txBody>
-      </p:sp>
-      <p:pic>
-        <p:nvPicPr>
-          <p:cNvPr id="4" name="Picture 3"/>
-          <p:cNvPicPr>
-            <a:picLocks noChangeAspect="1"/>
-          </p:cNvPicPr>
-          <p:nvPr/>
-        </p:nvPicPr>
-        <p:blipFill>
-          <a:blip r:embed="rId2">
-            <a:extLst>
-              <a:ext uri="{28A0092B-C50C-407E-A947-70E740481C1C}">
-                <a14:useLocalDpi xmlns:a14="http://schemas.microsoft.com/office/drawing/2010/main" val="0"/>
-              </a:ext>
-            </a:extLst>
-          </a:blip>
-          <a:stretch>
-            <a:fillRect/>
-          </a:stretch>
-        </p:blipFill>
-        <p:spPr>
-          <a:xfrm>
-            <a:off x="4391889" y="2768241"/>
-            <a:ext cx="7293839" cy="3387436"/>
-          </a:xfrm>
-          <a:prstGeom prst="rect">
-            <a:avLst/>
-          </a:prstGeom>
-        </p:spPr>
-      </p:pic>
-      <p:sp>
-        <p:nvSpPr>
-          <p:cNvPr id="5" name="Rectangle 4"/>
-          <p:cNvSpPr/>
-          <p:nvPr/>
-        </p:nvSpPr>
-        <p:spPr>
-          <a:xfrm>
-            <a:off x="838200" y="6311900"/>
-            <a:ext cx="6096000" cy="338554"/>
-          </a:xfrm>
-          <a:prstGeom prst="rect">
-            <a:avLst/>
-          </a:prstGeom>
-        </p:spPr>
-        <p:txBody>
-          <a:bodyPr>
-            <a:spAutoFit/>
-          </a:bodyPr>
-          <a:lstStyle/>
-          <a:p>
-            <a:r>
-              <a:rPr lang="en-US" sz="1600" dirty="0"/>
-              <a:t>http://</a:t>
-            </a:r>
-            <a:r>
-              <a:rPr lang="en-US" sz="1600" dirty="0" err="1"/>
-              <a:t>jeffe.cs.illinois.edu</a:t>
-            </a:r>
-            <a:r>
-              <a:rPr lang="en-US" sz="1600" dirty="0"/>
-              <a:t>/teaching/algorithms/book/05-graphs.pdf</a:t>
+              <a:t>Is q reachable from p?</a:t>
+            </a:r>
+          </a:p>
+          <a:p>
+            <a:r>
+              <a:rPr lang="en-US" dirty="0"/>
+              <a:t>How many edges are on paths between p and q?</a:t>
+            </a:r>
+          </a:p>
+          <a:p>
+            <a:r>
+              <a:rPr lang="en-US" dirty="0"/>
+              <a:t>Is graph connected? (reach any p from any q)</a:t>
+            </a:r>
+          </a:p>
+          <a:p>
+            <a:r>
+              <a:rPr lang="en-US" dirty="0"/>
+              <a:t>Is graph cyclic? (p reaches p traversing at least one edge)</a:t>
+            </a:r>
+          </a:p>
+          <a:p>
+            <a:r>
+              <a:rPr lang="en-US" dirty="0"/>
+              <a:t>Which nodes are within k edges of node p? (neighborhood)</a:t>
+            </a:r>
+          </a:p>
+          <a:p>
+            <a:r>
+              <a:rPr lang="en-US" dirty="0"/>
+              <a:t>What is shortest path (</a:t>
+            </a:r>
+            <a:r>
+              <a:rPr lang="en-US" dirty="0" err="1"/>
+              <a:t>num</a:t>
+            </a:r>
+            <a:r>
+              <a:rPr lang="en-US" dirty="0"/>
+              <a:t> edges) from p to q?</a:t>
+            </a:r>
+          </a:p>
+          <a:p>
+            <a:r>
+              <a:rPr lang="en-US" dirty="0"/>
+              <a:t>What is shortest path using edge weights? [beyond scope of 689]</a:t>
+            </a:r>
+          </a:p>
+          <a:p>
+            <a:r>
+              <a:rPr lang="en-US" dirty="0"/>
+              <a:t>Traveling salesman problem [beyond scope of 689]</a:t>
             </a:r>
           </a:p>
         </p:txBody>
@@ -12199,7 +12885,7 @@
     </p:spTree>
     <p:extLst>
       <p:ext uri="{BB962C8B-B14F-4D97-AF65-F5344CB8AC3E}">
-        <p14:creationId xmlns:p14="http://schemas.microsoft.com/office/powerpoint/2010/main" val="1776355914"/>
+        <p14:creationId xmlns:p14="http://schemas.microsoft.com/office/powerpoint/2010/main" val="1283671356"/>
       </p:ext>
     </p:extLst>
   </p:cSld>
@@ -12228,6 +12914,28 @@
       </p:grpSpPr>
       <p:sp>
         <p:nvSpPr>
+          <p:cNvPr id="2" name="Title 1"/>
+          <p:cNvSpPr>
+            <a:spLocks noGrp="1"/>
+          </p:cNvSpPr>
+          <p:nvPr>
+            <p:ph type="title"/>
+          </p:nvPr>
+        </p:nvSpPr>
+        <p:spPr/>
+        <p:txBody>
+          <a:bodyPr/>
+          <a:lstStyle/>
+          <a:p>
+            <a:r>
+              <a:rPr lang="en-US" dirty="0"/>
+              <a:t>Adjacency matrix implementations</a:t>
+            </a:r>
+          </a:p>
+        </p:txBody>
+      </p:sp>
+      <p:sp>
+        <p:nvSpPr>
           <p:cNvPr id="3" name="Content Placeholder 2"/>
           <p:cNvSpPr>
             <a:spLocks noGrp="1"/>
@@ -12243,68 +12951,54 @@
           <a:p>
             <a:r>
               <a:rPr lang="en-US" dirty="0"/>
-              <a:t>List of edge lists for nodes</a:t>
-            </a:r>
-          </a:p>
-          <a:p>
-            <a:r>
-              <a:rPr lang="en-US" dirty="0"/>
-              <a:t>Fast arbitrary node access for numbered nodes, space efficient</a:t>
-            </a:r>
-          </a:p>
-        </p:txBody>
-      </p:sp>
-      <p:sp>
-        <p:nvSpPr>
-          <p:cNvPr id="4" name="Title 1"/>
-          <p:cNvSpPr txBox="1">
-            <a:spLocks/>
-          </p:cNvSpPr>
-          <p:nvPr/>
-        </p:nvSpPr>
-        <p:spPr>
-          <a:xfrm>
-            <a:off x="838200" y="365125"/>
-            <a:ext cx="10103428" cy="1325563"/>
-          </a:xfrm>
-          <a:prstGeom prst="rect">
-            <a:avLst/>
-          </a:prstGeom>
-        </p:spPr>
-        <p:txBody>
-          <a:bodyPr vert="horz" lIns="91440" tIns="45720" rIns="91440" bIns="45720" rtlCol="0" anchor="ctr">
-            <a:normAutofit/>
-          </a:bodyPr>
-          <a:lstStyle>
-            <a:lvl1pPr algn="l" defTabSz="914400" rtl="0" eaLnBrk="1" latinLnBrk="0" hangingPunct="1">
-              <a:lnSpc>
-                <a:spcPct val="90000"/>
-              </a:lnSpc>
-              <a:spcBef>
-                <a:spcPct val="0"/>
-              </a:spcBef>
-              <a:buNone/>
-              <a:defRPr sz="4400" kern="1200">
-                <a:solidFill>
-                  <a:schemeClr val="tx1"/>
-                </a:solidFill>
-                <a:latin typeface="+mj-lt"/>
-                <a:ea typeface="+mj-ea"/>
-                <a:cs typeface="+mj-cs"/>
-              </a:defRPr>
-            </a:lvl1pPr>
-          </a:lstStyle>
-          <a:p>
-            <a:r>
-              <a:rPr lang="en-US" dirty="0"/>
-              <a:t>Adjacency list implementations</a:t>
+              <a:t>Adjacency matrix, n x n matrix of {0,1} if unlabeled or {labels} if edges are labeled; undirected matrices are symmetric</a:t>
+            </a:r>
+          </a:p>
+          <a:p>
+            <a:r>
+              <a:rPr lang="en-US" dirty="0"/>
+              <a:t>Wastes space for</a:t>
+            </a:r>
+            <a:br>
+              <a:rPr lang="en-US" dirty="0"/>
+            </a:br>
+            <a:r>
+              <a:rPr lang="en-US" dirty="0"/>
+              <a:t>sparse edges; use</a:t>
+            </a:r>
+            <a:br>
+              <a:rPr lang="en-US" dirty="0"/>
+            </a:br>
+            <a:r>
+              <a:rPr lang="en-US" dirty="0"/>
+              <a:t>sparse matrix</a:t>
+            </a:r>
+          </a:p>
+          <a:p>
+            <a:r>
+              <a:rPr lang="en-US" dirty="0"/>
+              <a:t>Fast to access</a:t>
+            </a:r>
+            <a:br>
+              <a:rPr lang="en-US" dirty="0"/>
+            </a:br>
+            <a:r>
+              <a:rPr lang="en-US" dirty="0"/>
+              <a:t>arbitrary node’s</a:t>
+            </a:r>
+            <a:br>
+              <a:rPr lang="en-US" dirty="0"/>
+            </a:br>
+            <a:r>
+              <a:rPr lang="en-US" dirty="0"/>
+              <a:t>edges</a:t>
             </a:r>
           </a:p>
         </p:txBody>
       </p:sp>
       <p:pic>
         <p:nvPicPr>
-          <p:cNvPr id="5" name="Content Placeholder 3"/>
+          <p:cNvPr id="4" name="Picture 3"/>
           <p:cNvPicPr>
             <a:picLocks noChangeAspect="1"/>
           </p:cNvPicPr>
@@ -12324,8 +13018,8 @@
         </p:blipFill>
         <p:spPr>
           <a:xfrm>
-            <a:off x="1782625" y="2876911"/>
-            <a:ext cx="8626750" cy="2946761"/>
+            <a:off x="4391889" y="2768241"/>
+            <a:ext cx="7293839" cy="3387436"/>
           </a:xfrm>
           <a:prstGeom prst="rect">
             <a:avLst/>
@@ -12334,7 +13028,7 @@
       </p:pic>
       <p:sp>
         <p:nvSpPr>
-          <p:cNvPr id="6" name="Rectangle 5"/>
+          <p:cNvPr id="5" name="Rectangle 4"/>
           <p:cNvSpPr/>
           <p:nvPr/>
         </p:nvSpPr>
@@ -12371,7 +13065,7 @@
     </p:spTree>
     <p:extLst>
       <p:ext uri="{BB962C8B-B14F-4D97-AF65-F5344CB8AC3E}">
-        <p14:creationId xmlns:p14="http://schemas.microsoft.com/office/powerpoint/2010/main" val="747701227"/>
+        <p14:creationId xmlns:p14="http://schemas.microsoft.com/office/powerpoint/2010/main" val="1776355914"/>
       </p:ext>
     </p:extLst>
   </p:cSld>
@@ -12400,6 +13094,178 @@
       </p:grpSpPr>
       <p:sp>
         <p:nvSpPr>
+          <p:cNvPr id="3" name="Content Placeholder 2"/>
+          <p:cNvSpPr>
+            <a:spLocks noGrp="1"/>
+          </p:cNvSpPr>
+          <p:nvPr>
+            <p:ph idx="1"/>
+          </p:nvPr>
+        </p:nvSpPr>
+        <p:spPr/>
+        <p:txBody>
+          <a:bodyPr/>
+          <a:lstStyle/>
+          <a:p>
+            <a:r>
+              <a:rPr lang="en-US" dirty="0"/>
+              <a:t>List of edge lists for nodes</a:t>
+            </a:r>
+          </a:p>
+          <a:p>
+            <a:r>
+              <a:rPr lang="en-US" dirty="0"/>
+              <a:t>Fast arbitrary node access for numbered nodes, space efficient</a:t>
+            </a:r>
+          </a:p>
+        </p:txBody>
+      </p:sp>
+      <p:sp>
+        <p:nvSpPr>
+          <p:cNvPr id="4" name="Title 1"/>
+          <p:cNvSpPr txBox="1">
+            <a:spLocks/>
+          </p:cNvSpPr>
+          <p:nvPr/>
+        </p:nvSpPr>
+        <p:spPr>
+          <a:xfrm>
+            <a:off x="838200" y="365125"/>
+            <a:ext cx="10103428" cy="1325563"/>
+          </a:xfrm>
+          <a:prstGeom prst="rect">
+            <a:avLst/>
+          </a:prstGeom>
+        </p:spPr>
+        <p:txBody>
+          <a:bodyPr vert="horz" lIns="91440" tIns="45720" rIns="91440" bIns="45720" rtlCol="0" anchor="ctr">
+            <a:normAutofit/>
+          </a:bodyPr>
+          <a:lstStyle>
+            <a:lvl1pPr algn="l" defTabSz="914400" rtl="0" eaLnBrk="1" latinLnBrk="0" hangingPunct="1">
+              <a:lnSpc>
+                <a:spcPct val="90000"/>
+              </a:lnSpc>
+              <a:spcBef>
+                <a:spcPct val="0"/>
+              </a:spcBef>
+              <a:buNone/>
+              <a:defRPr sz="4400" kern="1200">
+                <a:solidFill>
+                  <a:schemeClr val="tx1"/>
+                </a:solidFill>
+                <a:latin typeface="+mj-lt"/>
+                <a:ea typeface="+mj-ea"/>
+                <a:cs typeface="+mj-cs"/>
+              </a:defRPr>
+            </a:lvl1pPr>
+          </a:lstStyle>
+          <a:p>
+            <a:r>
+              <a:rPr lang="en-US" dirty="0"/>
+              <a:t>Adjacency list implementations</a:t>
+            </a:r>
+          </a:p>
+        </p:txBody>
+      </p:sp>
+      <p:pic>
+        <p:nvPicPr>
+          <p:cNvPr id="5" name="Content Placeholder 3"/>
+          <p:cNvPicPr>
+            <a:picLocks noChangeAspect="1"/>
+          </p:cNvPicPr>
+          <p:nvPr/>
+        </p:nvPicPr>
+        <p:blipFill>
+          <a:blip r:embed="rId2">
+            <a:extLst>
+              <a:ext uri="{28A0092B-C50C-407E-A947-70E740481C1C}">
+                <a14:useLocalDpi xmlns:a14="http://schemas.microsoft.com/office/drawing/2010/main" val="0"/>
+              </a:ext>
+            </a:extLst>
+          </a:blip>
+          <a:stretch>
+            <a:fillRect/>
+          </a:stretch>
+        </p:blipFill>
+        <p:spPr>
+          <a:xfrm>
+            <a:off x="1782625" y="2876911"/>
+            <a:ext cx="8626750" cy="2946761"/>
+          </a:xfrm>
+          <a:prstGeom prst="rect">
+            <a:avLst/>
+          </a:prstGeom>
+        </p:spPr>
+      </p:pic>
+      <p:sp>
+        <p:nvSpPr>
+          <p:cNvPr id="6" name="Rectangle 5"/>
+          <p:cNvSpPr/>
+          <p:nvPr/>
+        </p:nvSpPr>
+        <p:spPr>
+          <a:xfrm>
+            <a:off x="838200" y="6311900"/>
+            <a:ext cx="6096000" cy="338554"/>
+          </a:xfrm>
+          <a:prstGeom prst="rect">
+            <a:avLst/>
+          </a:prstGeom>
+        </p:spPr>
+        <p:txBody>
+          <a:bodyPr>
+            <a:spAutoFit/>
+          </a:bodyPr>
+          <a:lstStyle/>
+          <a:p>
+            <a:r>
+              <a:rPr lang="en-US" sz="1600" dirty="0"/>
+              <a:t>http://</a:t>
+            </a:r>
+            <a:r>
+              <a:rPr lang="en-US" sz="1600" dirty="0" err="1"/>
+              <a:t>jeffe.cs.illinois.edu</a:t>
+            </a:r>
+            <a:r>
+              <a:rPr lang="en-US" sz="1600" dirty="0"/>
+              <a:t>/teaching/algorithms/book/05-graphs.pdf</a:t>
+            </a:r>
+          </a:p>
+        </p:txBody>
+      </p:sp>
+    </p:spTree>
+    <p:extLst>
+      <p:ext uri="{BB962C8B-B14F-4D97-AF65-F5344CB8AC3E}">
+        <p14:creationId xmlns:p14="http://schemas.microsoft.com/office/powerpoint/2010/main" val="747701227"/>
+      </p:ext>
+    </p:extLst>
+  </p:cSld>
+  <p:clrMapOvr>
+    <a:masterClrMapping/>
+  </p:clrMapOvr>
+</p:sld>
+</file>
+
+<file path=ppt/slides/slide8.xml><?xml version="1.0" encoding="utf-8"?>
+<p:sld xmlns:a="http://schemas.openxmlformats.org/drawingml/2006/main" xmlns:r="http://schemas.openxmlformats.org/officeDocument/2006/relationships" xmlns:p="http://schemas.openxmlformats.org/presentationml/2006/main">
+  <p:cSld>
+    <p:spTree>
+      <p:nvGrpSpPr>
+        <p:cNvPr id="1" name=""/>
+        <p:cNvGrpSpPr/>
+        <p:nvPr/>
+      </p:nvGrpSpPr>
+      <p:grpSpPr>
+        <a:xfrm>
+          <a:off x="0" y="0"/>
+          <a:ext cx="0" cy="0"/>
+          <a:chOff x="0" y="0"/>
+          <a:chExt cx="0" cy="0"/>
+        </a:xfrm>
+      </p:grpSpPr>
+      <p:sp>
+        <p:nvSpPr>
           <p:cNvPr id="2" name="Title 1"/>
           <p:cNvSpPr>
             <a:spLocks noGrp="1"/>
@@ -12437,7 +13303,7 @@
           <a:p>
             <a:r>
               <a:rPr lang="en-US" dirty="0"/>
-              <a:t>Most common implementation due to nice mapping to objects</a:t>
+              <a:t>Common implementation due to nice mapping to objects</a:t>
             </a:r>
           </a:p>
           <a:p>
@@ -12671,469 +13537,6 @@
 </p:sld>
 </file>
 
-<file path=ppt/slides/slide8.xml><?xml version="1.0" encoding="utf-8"?>
-<p:sld xmlns:a="http://schemas.openxmlformats.org/drawingml/2006/main" xmlns:r="http://schemas.openxmlformats.org/officeDocument/2006/relationships" xmlns:p="http://schemas.openxmlformats.org/presentationml/2006/main">
-  <p:cSld>
-    <p:spTree>
-      <p:nvGrpSpPr>
-        <p:cNvPr id="1" name=""/>
-        <p:cNvGrpSpPr/>
-        <p:nvPr/>
-      </p:nvGrpSpPr>
-      <p:grpSpPr>
-        <a:xfrm>
-          <a:off x="0" y="0"/>
-          <a:ext cx="0" cy="0"/>
-          <a:chOff x="0" y="0"/>
-          <a:chExt cx="0" cy="0"/>
-        </a:xfrm>
-      </p:grpSpPr>
-      <p:sp>
-        <p:nvSpPr>
-          <p:cNvPr id="2" name="Title 1"/>
-          <p:cNvSpPr>
-            <a:spLocks noGrp="1"/>
-          </p:cNvSpPr>
-          <p:nvPr>
-            <p:ph type="title"/>
-          </p:nvPr>
-        </p:nvSpPr>
-        <p:spPr/>
-        <p:txBody>
-          <a:bodyPr/>
-          <a:lstStyle/>
-          <a:p>
-            <a:r>
-              <a:rPr lang="en-US" dirty="0"/>
-              <a:t>Implementation with labels</a:t>
-            </a:r>
-          </a:p>
-        </p:txBody>
-      </p:sp>
-      <p:pic>
-        <p:nvPicPr>
-          <p:cNvPr id="5" name="Content Placeholder 4"/>
-          <p:cNvPicPr>
-            <a:picLocks noGrp="1" noChangeAspect="1"/>
-          </p:cNvPicPr>
-          <p:nvPr>
-            <p:ph idx="1"/>
-          </p:nvPr>
-        </p:nvPicPr>
-        <p:blipFill>
-          <a:blip r:embed="rId2">
-            <a:extLst>
-              <a:ext uri="{28A0092B-C50C-407E-A947-70E740481C1C}">
-                <a14:useLocalDpi xmlns:a14="http://schemas.microsoft.com/office/drawing/2010/main" val="0"/>
-              </a:ext>
-            </a:extLst>
-          </a:blip>
-          <a:stretch>
-            <a:fillRect/>
-          </a:stretch>
-        </p:blipFill>
-        <p:spPr>
-          <a:xfrm>
-            <a:off x="609600" y="4592782"/>
-            <a:ext cx="11372919" cy="1779379"/>
-          </a:xfrm>
-        </p:spPr>
-      </p:pic>
-      <p:sp>
-        <p:nvSpPr>
-          <p:cNvPr id="6" name="TextBox 5">
-            <a:extLst>
-              <a:ext uri="{FF2B5EF4-FFF2-40B4-BE49-F238E27FC236}">
-                <a16:creationId xmlns:a16="http://schemas.microsoft.com/office/drawing/2014/main" id="{5E0D579F-9116-314E-A31B-3D37BB7398D6}"/>
-              </a:ext>
-            </a:extLst>
-          </p:cNvPr>
-          <p:cNvSpPr txBox="1"/>
-          <p:nvPr/>
-        </p:nvSpPr>
-        <p:spPr>
-          <a:xfrm>
-            <a:off x="609600" y="1646542"/>
-            <a:ext cx="5562600" cy="2123658"/>
-          </a:xfrm>
-          <a:prstGeom prst="rect">
-            <a:avLst/>
-          </a:prstGeom>
-          <a:noFill/>
-          <a:ln>
-            <a:solidFill>
-              <a:schemeClr val="accent1"/>
-            </a:solidFill>
-          </a:ln>
-        </p:spPr>
-        <p:txBody>
-          <a:bodyPr wrap="square" rtlCol="0">
-            <a:spAutoFit/>
-          </a:bodyPr>
-          <a:lstStyle/>
-          <a:p>
-            <a:r>
-              <a:rPr lang="en-US" sz="2200" dirty="0">
-                <a:latin typeface="Monaco" charset="0"/>
-                <a:ea typeface="Monaco" charset="0"/>
-                <a:cs typeface="Monaco" charset="0"/>
-              </a:rPr>
-              <a:t>class </a:t>
-            </a:r>
-            <a:r>
-              <a:rPr lang="en-US" sz="2200" dirty="0" err="1">
-                <a:latin typeface="Monaco" charset="0"/>
-                <a:ea typeface="Monaco" charset="0"/>
-                <a:cs typeface="Monaco" charset="0"/>
-              </a:rPr>
-              <a:t>LNode</a:t>
-            </a:r>
-            <a:r>
-              <a:rPr lang="en-US" sz="2200" dirty="0">
-                <a:latin typeface="Monaco" charset="0"/>
-                <a:ea typeface="Monaco" charset="0"/>
-                <a:cs typeface="Monaco" charset="0"/>
-              </a:rPr>
-              <a:t>:</a:t>
-            </a:r>
-          </a:p>
-          <a:p>
-            <a:r>
-              <a:rPr lang="en-US" sz="2200" dirty="0">
-                <a:latin typeface="Monaco" charset="0"/>
-                <a:ea typeface="Monaco" charset="0"/>
-                <a:cs typeface="Monaco" charset="0"/>
-              </a:rPr>
-              <a:t>  </a:t>
-            </a:r>
-            <a:r>
-              <a:rPr lang="en-US" sz="2200" dirty="0" err="1">
-                <a:latin typeface="Monaco" charset="0"/>
-                <a:ea typeface="Monaco" charset="0"/>
-                <a:cs typeface="Monaco" charset="0"/>
-              </a:rPr>
-              <a:t>def</a:t>
-            </a:r>
-            <a:r>
-              <a:rPr lang="en-US" sz="2200" dirty="0">
-                <a:latin typeface="Monaco" charset="0"/>
-                <a:ea typeface="Monaco" charset="0"/>
-                <a:cs typeface="Monaco" charset="0"/>
-              </a:rPr>
-              <a:t> __</a:t>
-            </a:r>
-            <a:r>
-              <a:rPr lang="en-US" sz="2200" dirty="0" err="1">
-                <a:latin typeface="Monaco" charset="0"/>
-                <a:ea typeface="Monaco" charset="0"/>
-                <a:cs typeface="Monaco" charset="0"/>
-              </a:rPr>
-              <a:t>init</a:t>
-            </a:r>
-            <a:r>
-              <a:rPr lang="en-US" sz="2200" dirty="0">
-                <a:latin typeface="Monaco" charset="0"/>
-                <a:ea typeface="Monaco" charset="0"/>
-                <a:cs typeface="Monaco" charset="0"/>
-              </a:rPr>
-              <a:t>__(self, value):</a:t>
-            </a:r>
-          </a:p>
-          <a:p>
-            <a:r>
-              <a:rPr lang="en-US" sz="2200" dirty="0">
-                <a:latin typeface="Monaco" charset="0"/>
-                <a:ea typeface="Monaco" charset="0"/>
-                <a:cs typeface="Monaco" charset="0"/>
-              </a:rPr>
-              <a:t>    </a:t>
-            </a:r>
-            <a:r>
-              <a:rPr lang="en-US" sz="2200" dirty="0" err="1">
-                <a:latin typeface="Monaco" charset="0"/>
-                <a:ea typeface="Monaco" charset="0"/>
-                <a:cs typeface="Monaco" charset="0"/>
-              </a:rPr>
-              <a:t>self.value</a:t>
-            </a:r>
-            <a:r>
-              <a:rPr lang="en-US" sz="2200" dirty="0">
-                <a:latin typeface="Monaco" charset="0"/>
-                <a:ea typeface="Monaco" charset="0"/>
-                <a:cs typeface="Monaco" charset="0"/>
-              </a:rPr>
-              <a:t> = value</a:t>
-            </a:r>
-          </a:p>
-          <a:p>
-            <a:r>
-              <a:rPr lang="en-US" sz="2200" dirty="0">
-                <a:latin typeface="Monaco" charset="0"/>
-                <a:ea typeface="Monaco" charset="0"/>
-                <a:cs typeface="Monaco" charset="0"/>
-              </a:rPr>
-              <a:t>    </a:t>
-            </a:r>
-            <a:r>
-              <a:rPr lang="en-US" sz="2200" dirty="0" err="1">
-                <a:latin typeface="Monaco" charset="0"/>
-                <a:ea typeface="Monaco" charset="0"/>
-                <a:cs typeface="Monaco" charset="0"/>
-              </a:rPr>
-              <a:t>self.edges</a:t>
-            </a:r>
-            <a:r>
-              <a:rPr lang="en-US" sz="2200" dirty="0">
-                <a:latin typeface="Monaco" charset="0"/>
-                <a:ea typeface="Monaco" charset="0"/>
-                <a:cs typeface="Monaco" charset="0"/>
-              </a:rPr>
-              <a:t> = </a:t>
-            </a:r>
-            <a:r>
-              <a:rPr lang="en-US" sz="2200" dirty="0">
-                <a:solidFill>
-                  <a:schemeClr val="accent1"/>
-                </a:solidFill>
-                <a:latin typeface="Monaco" charset="0"/>
-                <a:ea typeface="Monaco" charset="0"/>
-                <a:cs typeface="Monaco" charset="0"/>
-              </a:rPr>
-              <a:t>{}</a:t>
-            </a:r>
-          </a:p>
-          <a:p>
-            <a:r>
-              <a:rPr lang="en-US" sz="2200" dirty="0">
-                <a:latin typeface="Monaco" charset="0"/>
-                <a:ea typeface="Monaco" charset="0"/>
-                <a:cs typeface="Monaco" charset="0"/>
-              </a:rPr>
-              <a:t>  </a:t>
-            </a:r>
-            <a:r>
-              <a:rPr lang="en-US" sz="2200" dirty="0" err="1">
-                <a:latin typeface="Monaco" charset="0"/>
-                <a:ea typeface="Monaco" charset="0"/>
-                <a:cs typeface="Monaco" charset="0"/>
-              </a:rPr>
-              <a:t>def</a:t>
-            </a:r>
-            <a:r>
-              <a:rPr lang="en-US" sz="2200" dirty="0">
-                <a:latin typeface="Monaco" charset="0"/>
-                <a:ea typeface="Monaco" charset="0"/>
-                <a:cs typeface="Monaco" charset="0"/>
-              </a:rPr>
-              <a:t> add(self, </a:t>
-            </a:r>
-            <a:r>
-              <a:rPr lang="en-US" sz="2200" dirty="0">
-                <a:solidFill>
-                  <a:schemeClr val="accent1"/>
-                </a:solidFill>
-                <a:latin typeface="Monaco" charset="0"/>
-                <a:ea typeface="Monaco" charset="0"/>
-                <a:cs typeface="Monaco" charset="0"/>
-              </a:rPr>
-              <a:t>label</a:t>
-            </a:r>
-            <a:r>
-              <a:rPr lang="en-US" sz="2200" dirty="0">
-                <a:latin typeface="Monaco" charset="0"/>
-                <a:ea typeface="Monaco" charset="0"/>
-                <a:cs typeface="Monaco" charset="0"/>
-              </a:rPr>
-              <a:t>, target):</a:t>
-            </a:r>
-          </a:p>
-          <a:p>
-            <a:r>
-              <a:rPr lang="en-US" sz="2200" dirty="0">
-                <a:latin typeface="Monaco" charset="0"/>
-                <a:ea typeface="Monaco" charset="0"/>
-                <a:cs typeface="Monaco" charset="0"/>
-              </a:rPr>
-              <a:t>    </a:t>
-            </a:r>
-            <a:r>
-              <a:rPr lang="en-US" sz="2200" dirty="0" err="1">
-                <a:solidFill>
-                  <a:schemeClr val="accent1"/>
-                </a:solidFill>
-                <a:latin typeface="Monaco" charset="0"/>
-                <a:ea typeface="Monaco" charset="0"/>
-                <a:cs typeface="Monaco" charset="0"/>
-              </a:rPr>
-              <a:t>self.edges</a:t>
-            </a:r>
-            <a:r>
-              <a:rPr lang="en-US" sz="2200" dirty="0">
-                <a:solidFill>
-                  <a:schemeClr val="accent1"/>
-                </a:solidFill>
-                <a:latin typeface="Monaco" charset="0"/>
-                <a:ea typeface="Monaco" charset="0"/>
-                <a:cs typeface="Monaco" charset="0"/>
-              </a:rPr>
-              <a:t>[label] = target</a:t>
-            </a:r>
-          </a:p>
-        </p:txBody>
-      </p:sp>
-      <p:sp>
-        <p:nvSpPr>
-          <p:cNvPr id="7" name="TextBox 6"/>
-          <p:cNvSpPr txBox="1"/>
-          <p:nvPr/>
-        </p:nvSpPr>
-        <p:spPr>
-          <a:xfrm>
-            <a:off x="6630058" y="1690688"/>
-            <a:ext cx="4313681" cy="461665"/>
-          </a:xfrm>
-          <a:prstGeom prst="rect">
-            <a:avLst/>
-          </a:prstGeom>
-          <a:noFill/>
-        </p:spPr>
-        <p:txBody>
-          <a:bodyPr wrap="none" rtlCol="0">
-            <a:spAutoFit/>
-          </a:bodyPr>
-          <a:lstStyle/>
-          <a:p>
-            <a:r>
-              <a:rPr lang="en-US" sz="2400" dirty="0"/>
-              <a:t>Edge-&gt;node dictionary, not list</a:t>
-            </a:r>
-          </a:p>
-        </p:txBody>
-      </p:sp>
-      <p:sp>
-        <p:nvSpPr>
-          <p:cNvPr id="8" name="Rectangle 7"/>
-          <p:cNvSpPr/>
-          <p:nvPr/>
-        </p:nvSpPr>
-        <p:spPr>
-          <a:xfrm>
-            <a:off x="7250259" y="2338755"/>
-            <a:ext cx="3073277" cy="1107996"/>
-          </a:xfrm>
-          <a:prstGeom prst="rect">
-            <a:avLst/>
-          </a:prstGeom>
-        </p:spPr>
-        <p:txBody>
-          <a:bodyPr wrap="none">
-            <a:spAutoFit/>
-          </a:bodyPr>
-          <a:lstStyle/>
-          <a:p>
-            <a:r>
-              <a:rPr lang="en-US" sz="2200" dirty="0" err="1">
-                <a:latin typeface="Monaco" charset="0"/>
-                <a:ea typeface="Monaco" charset="0"/>
-                <a:cs typeface="Monaco" charset="0"/>
-              </a:rPr>
-              <a:t>sf.add</a:t>
-            </a:r>
-            <a:r>
-              <a:rPr lang="en-US" sz="2200" dirty="0">
-                <a:latin typeface="Monaco" charset="0"/>
-                <a:ea typeface="Monaco" charset="0"/>
-                <a:cs typeface="Monaco" charset="0"/>
-              </a:rPr>
-              <a:t>(</a:t>
-            </a:r>
-            <a:r>
-              <a:rPr lang="en-US" sz="2200" dirty="0">
-                <a:solidFill>
-                  <a:schemeClr val="accent1"/>
-                </a:solidFill>
-                <a:latin typeface="Monaco" charset="0"/>
-                <a:ea typeface="Monaco" charset="0"/>
-                <a:cs typeface="Monaco" charset="0"/>
-              </a:rPr>
-              <a:t>100</a:t>
-            </a:r>
-            <a:r>
-              <a:rPr lang="en-US" sz="2200" dirty="0">
-                <a:latin typeface="Monaco" charset="0"/>
-                <a:ea typeface="Monaco" charset="0"/>
-                <a:cs typeface="Monaco" charset="0"/>
-              </a:rPr>
-              <a:t>,sj)</a:t>
-            </a:r>
-          </a:p>
-          <a:p>
-            <a:r>
-              <a:rPr lang="en-US" sz="2200" dirty="0" err="1">
-                <a:latin typeface="Monaco" charset="0"/>
-                <a:ea typeface="Monaco" charset="0"/>
-                <a:cs typeface="Monaco" charset="0"/>
-              </a:rPr>
-              <a:t>sj.add</a:t>
-            </a:r>
-            <a:r>
-              <a:rPr lang="en-US" sz="2200" dirty="0">
-                <a:latin typeface="Monaco" charset="0"/>
-                <a:ea typeface="Monaco" charset="0"/>
-                <a:cs typeface="Monaco" charset="0"/>
-              </a:rPr>
-              <a:t>(</a:t>
-            </a:r>
-            <a:r>
-              <a:rPr lang="en-US" sz="2200" dirty="0">
-                <a:solidFill>
-                  <a:schemeClr val="accent1"/>
-                </a:solidFill>
-                <a:latin typeface="Monaco" charset="0"/>
-                <a:ea typeface="Monaco" charset="0"/>
-                <a:cs typeface="Monaco" charset="0"/>
-              </a:rPr>
-              <a:t>150</a:t>
-            </a:r>
-            <a:r>
-              <a:rPr lang="en-US" sz="2200" dirty="0">
-                <a:latin typeface="Monaco" charset="0"/>
-                <a:ea typeface="Monaco" charset="0"/>
-                <a:cs typeface="Monaco" charset="0"/>
-              </a:rPr>
-              <a:t>,baker)</a:t>
-            </a:r>
-          </a:p>
-          <a:p>
-            <a:r>
-              <a:rPr lang="mr-IN" sz="2200" dirty="0">
-                <a:latin typeface="Monaco" charset="0"/>
-                <a:ea typeface="Monaco" charset="0"/>
-                <a:cs typeface="Monaco" charset="0"/>
-              </a:rPr>
-              <a:t>…</a:t>
-            </a:r>
-            <a:endParaRPr lang="en-US" sz="2200" dirty="0">
-              <a:latin typeface="Monaco" charset="0"/>
-              <a:ea typeface="Monaco" charset="0"/>
-              <a:cs typeface="Monaco" charset="0"/>
-            </a:endParaRPr>
-          </a:p>
-        </p:txBody>
-      </p:sp>
-    </p:spTree>
-    <p:extLst>
-      <p:ext uri="{BB962C8B-B14F-4D97-AF65-F5344CB8AC3E}">
-        <p14:creationId xmlns:p14="http://schemas.microsoft.com/office/powerpoint/2010/main" val="571002868"/>
-      </p:ext>
-    </p:extLst>
-  </p:cSld>
-  <p:clrMapOvr>
-    <a:masterClrMapping/>
-  </p:clrMapOvr>
-</p:sld>
-</file>
-
 <file path=ppt/slides/slide9.xml><?xml version="1.0" encoding="utf-8"?>
 <p:sld xmlns:a="http://schemas.openxmlformats.org/drawingml/2006/main" xmlns:r="http://schemas.openxmlformats.org/officeDocument/2006/relationships" xmlns:p="http://schemas.openxmlformats.org/presentationml/2006/main">
   <p:cSld>
@@ -13168,53 +13571,46 @@
           <a:p>
             <a:r>
               <a:rPr lang="en-US" dirty="0"/>
-              <a:t>Depth-first search (review)</a:t>
-            </a:r>
-          </a:p>
-        </p:txBody>
-      </p:sp>
-      <p:sp>
-        <p:nvSpPr>
-          <p:cNvPr id="3" name="Content Placeholder 2"/>
-          <p:cNvSpPr>
-            <a:spLocks noGrp="1"/>
-          </p:cNvSpPr>
+              <a:t>Implementation with labels</a:t>
+            </a:r>
+          </a:p>
+        </p:txBody>
+      </p:sp>
+      <p:pic>
+        <p:nvPicPr>
+          <p:cNvPr id="5" name="Content Placeholder 4"/>
+          <p:cNvPicPr>
+            <a:picLocks noGrp="1" noChangeAspect="1"/>
+          </p:cNvPicPr>
           <p:nvPr>
             <p:ph idx="1"/>
           </p:nvPr>
-        </p:nvSpPr>
-        <p:spPr/>
-        <p:txBody>
-          <a:bodyPr>
-            <a:normAutofit/>
-          </a:bodyPr>
-          <a:lstStyle/>
-          <a:p>
-            <a:r>
-              <a:rPr lang="en-US" dirty="0"/>
-              <a:t>The fundamental algorithm for answering graph questions</a:t>
-            </a:r>
-          </a:p>
-          <a:p>
-            <a:r>
-              <a:rPr lang="en-US" dirty="0"/>
-              <a:t>Visits all reachable nodes from p, avoiding cycles</a:t>
-            </a:r>
-          </a:p>
-          <a:p>
-            <a:r>
-              <a:rPr lang="en-US" dirty="0"/>
-              <a:t>Go deep first</a:t>
-            </a:r>
-          </a:p>
-        </p:txBody>
-      </p:sp>
-      <p:sp>
-        <p:nvSpPr>
-          <p:cNvPr id="4" name="TextBox 3">
+        </p:nvPicPr>
+        <p:blipFill>
+          <a:blip r:embed="rId2">
+            <a:extLst>
+              <a:ext uri="{28A0092B-C50C-407E-A947-70E740481C1C}">
+                <a14:useLocalDpi xmlns:a14="http://schemas.microsoft.com/office/drawing/2010/main" val="0"/>
+              </a:ext>
+            </a:extLst>
+          </a:blip>
+          <a:stretch>
+            <a:fillRect/>
+          </a:stretch>
+        </p:blipFill>
+        <p:spPr>
+          <a:xfrm>
+            <a:off x="609600" y="4592782"/>
+            <a:ext cx="11372919" cy="1779379"/>
+          </a:xfrm>
+        </p:spPr>
+      </p:pic>
+      <p:sp>
+        <p:nvSpPr>
+          <p:cNvPr id="6" name="TextBox 5">
             <a:extLst>
               <a:ext uri="{FF2B5EF4-FFF2-40B4-BE49-F238E27FC236}">
-                <a16:creationId xmlns:a16="http://schemas.microsoft.com/office/drawing/2014/main" id="{15368C9B-01DB-BD48-B437-681E9C29166D}"/>
+                <a16:creationId xmlns:a16="http://schemas.microsoft.com/office/drawing/2014/main" id="{5E0D579F-9116-314E-A31B-3D37BB7398D6}"/>
               </a:ext>
             </a:extLst>
           </p:cNvPr>
@@ -13223,8 +13619,8 @@
         </p:nvSpPr>
         <p:spPr>
           <a:xfrm>
-            <a:off x="968684" y="3772738"/>
-            <a:ext cx="7221018" cy="1938992"/>
+            <a:off x="609600" y="1646542"/>
+            <a:ext cx="5562600" cy="2123658"/>
           </a:xfrm>
           <a:prstGeom prst="rect">
             <a:avLst/>
@@ -13243,59 +13639,75 @@
           <a:lstStyle/>
           <a:p>
             <a:r>
-              <a:rPr lang="en-US" sz="2400" dirty="0">
-                <a:latin typeface="Monaco" charset="0"/>
-                <a:ea typeface="Monaco" charset="0"/>
-                <a:cs typeface="Monaco" charset="0"/>
-              </a:rPr>
-              <a:t>def </a:t>
-            </a:r>
-            <a:r>
-              <a:rPr lang="en-US" sz="2400" dirty="0" err="1">
-                <a:latin typeface="Monaco" charset="0"/>
-                <a:ea typeface="Monaco" charset="0"/>
-                <a:cs typeface="Monaco" charset="0"/>
-              </a:rPr>
-              <a:t>walk_graph</a:t>
-            </a:r>
-            <a:r>
-              <a:rPr lang="en-US" sz="2400" dirty="0">
-                <a:latin typeface="Monaco" charset="0"/>
-                <a:ea typeface="Monaco" charset="0"/>
-                <a:cs typeface="Monaco" charset="0"/>
-              </a:rPr>
-              <a:t>(</a:t>
-            </a:r>
-            <a:r>
-              <a:rPr lang="en-US" sz="2400" dirty="0" err="1">
-                <a:latin typeface="Monaco" charset="0"/>
-                <a:ea typeface="Monaco" charset="0"/>
-                <a:cs typeface="Monaco" charset="0"/>
-              </a:rPr>
-              <a:t>p:Node</a:t>
-            </a:r>
-            <a:r>
-              <a:rPr lang="en-US" sz="2400" dirty="0">
-                <a:latin typeface="Monaco" charset="0"/>
-                <a:ea typeface="Monaco" charset="0"/>
-                <a:cs typeface="Monaco" charset="0"/>
-              </a:rPr>
-              <a:t>, visited=set()):</a:t>
-            </a:r>
-          </a:p>
-          <a:p>
-            <a:r>
-              <a:rPr lang="en-US" sz="2400" dirty="0">
-                <a:latin typeface="Monaco" charset="0"/>
-                <a:ea typeface="Monaco" charset="0"/>
-                <a:cs typeface="Monaco" charset="0"/>
-              </a:rPr>
-              <a:t>    if p in visited: return</a:t>
-            </a:r>
-          </a:p>
-          <a:p>
-            <a:r>
-              <a:rPr lang="en-US" sz="2400" dirty="0">
+              <a:rPr lang="en-US" sz="2200" dirty="0">
+                <a:latin typeface="Monaco" charset="0"/>
+                <a:ea typeface="Monaco" charset="0"/>
+                <a:cs typeface="Monaco" charset="0"/>
+              </a:rPr>
+              <a:t>class </a:t>
+            </a:r>
+            <a:r>
+              <a:rPr lang="en-US" sz="2200" dirty="0" err="1">
+                <a:latin typeface="Monaco" charset="0"/>
+                <a:ea typeface="Monaco" charset="0"/>
+                <a:cs typeface="Monaco" charset="0"/>
+              </a:rPr>
+              <a:t>LNode</a:t>
+            </a:r>
+            <a:r>
+              <a:rPr lang="en-US" sz="2200" dirty="0">
+                <a:latin typeface="Monaco" charset="0"/>
+                <a:ea typeface="Monaco" charset="0"/>
+                <a:cs typeface="Monaco" charset="0"/>
+              </a:rPr>
+              <a:t>:</a:t>
+            </a:r>
+          </a:p>
+          <a:p>
+            <a:r>
+              <a:rPr lang="en-US" sz="2200" dirty="0">
+                <a:latin typeface="Monaco" charset="0"/>
+                <a:ea typeface="Monaco" charset="0"/>
+                <a:cs typeface="Monaco" charset="0"/>
+              </a:rPr>
+              <a:t>  </a:t>
+            </a:r>
+            <a:r>
+              <a:rPr lang="en-US" sz="2200" dirty="0" err="1">
+                <a:latin typeface="Monaco" charset="0"/>
+                <a:ea typeface="Monaco" charset="0"/>
+                <a:cs typeface="Monaco" charset="0"/>
+              </a:rPr>
+              <a:t>def</a:t>
+            </a:r>
+            <a:r>
+              <a:rPr lang="en-US" sz="2200" dirty="0">
+                <a:latin typeface="Monaco" charset="0"/>
+                <a:ea typeface="Monaco" charset="0"/>
+                <a:cs typeface="Monaco" charset="0"/>
+              </a:rPr>
+              <a:t> __</a:t>
+            </a:r>
+            <a:r>
+              <a:rPr lang="en-US" sz="2200" dirty="0" err="1">
+                <a:latin typeface="Monaco" charset="0"/>
+                <a:ea typeface="Monaco" charset="0"/>
+                <a:cs typeface="Monaco" charset="0"/>
+              </a:rPr>
+              <a:t>init</a:t>
+            </a:r>
+            <a:r>
+              <a:rPr lang="en-US" sz="2200" dirty="0">
+                <a:latin typeface="Monaco" charset="0"/>
+                <a:ea typeface="Monaco" charset="0"/>
+                <a:cs typeface="Monaco" charset="0"/>
+              </a:rPr>
+              <a:t>__(self, value):</a:t>
+            </a:r>
+          </a:p>
+          <a:p>
+            <a:r>
+              <a:rPr lang="en-US" sz="2200" dirty="0">
                 <a:latin typeface="Monaco" charset="0"/>
                 <a:ea typeface="Monaco" charset="0"/>
                 <a:cs typeface="Monaco" charset="0"/>
@@ -13303,188 +13715,148 @@
               <a:t>    </a:t>
             </a:r>
             <a:r>
-              <a:rPr lang="en-US" sz="2400" dirty="0" err="1">
-                <a:latin typeface="Monaco" charset="0"/>
-                <a:ea typeface="Monaco" charset="0"/>
-                <a:cs typeface="Monaco" charset="0"/>
-              </a:rPr>
-              <a:t>visited.add</a:t>
-            </a:r>
-            <a:r>
-              <a:rPr lang="en-US" sz="2400" dirty="0">
-                <a:latin typeface="Monaco" charset="0"/>
-                <a:ea typeface="Monaco" charset="0"/>
-                <a:cs typeface="Monaco" charset="0"/>
-              </a:rPr>
-              <a:t>(p)</a:t>
-            </a:r>
-          </a:p>
-          <a:p>
-            <a:r>
-              <a:rPr lang="en-US" sz="2400" dirty="0">
-                <a:latin typeface="Monaco" charset="0"/>
-                <a:ea typeface="Monaco" charset="0"/>
-                <a:cs typeface="Monaco" charset="0"/>
-              </a:rPr>
-              <a:t>    for q in </a:t>
-            </a:r>
-            <a:r>
-              <a:rPr lang="en-US" sz="2400" dirty="0" err="1">
-                <a:latin typeface="Monaco" charset="0"/>
-                <a:ea typeface="Monaco" charset="0"/>
-                <a:cs typeface="Monaco" charset="0"/>
-              </a:rPr>
-              <a:t>p.edges</a:t>
-            </a:r>
-            <a:r>
-              <a:rPr lang="en-US" sz="2400" dirty="0">
-                <a:latin typeface="Monaco" charset="0"/>
-                <a:ea typeface="Monaco" charset="0"/>
-                <a:cs typeface="Monaco" charset="0"/>
-              </a:rPr>
-              <a:t>:</a:t>
-            </a:r>
-          </a:p>
-          <a:p>
-            <a:r>
-              <a:rPr lang="en-US" sz="2400" dirty="0">
-                <a:latin typeface="Monaco" charset="0"/>
-                <a:ea typeface="Monaco" charset="0"/>
-                <a:cs typeface="Monaco" charset="0"/>
-              </a:rPr>
-              <a:t>        </a:t>
-            </a:r>
-            <a:r>
-              <a:rPr lang="en-US" sz="2400" dirty="0" err="1">
-                <a:latin typeface="Monaco" charset="0"/>
-                <a:ea typeface="Monaco" charset="0"/>
-                <a:cs typeface="Monaco" charset="0"/>
-              </a:rPr>
-              <a:t>walk_graph</a:t>
-            </a:r>
-            <a:r>
-              <a:rPr lang="en-US" sz="2400" dirty="0">
-                <a:latin typeface="Monaco" charset="0"/>
-                <a:ea typeface="Monaco" charset="0"/>
-                <a:cs typeface="Monaco" charset="0"/>
-              </a:rPr>
-              <a:t>(q, visited)</a:t>
-            </a:r>
-          </a:p>
-        </p:txBody>
-      </p:sp>
-      <p:pic>
-        <p:nvPicPr>
-          <p:cNvPr id="5" name="Picture 4"/>
-          <p:cNvPicPr>
-            <a:picLocks noChangeAspect="1"/>
-          </p:cNvPicPr>
+              <a:rPr lang="en-US" sz="2200" dirty="0" err="1">
+                <a:latin typeface="Monaco" charset="0"/>
+                <a:ea typeface="Monaco" charset="0"/>
+                <a:cs typeface="Monaco" charset="0"/>
+              </a:rPr>
+              <a:t>self.value</a:t>
+            </a:r>
+            <a:r>
+              <a:rPr lang="en-US" sz="2200" dirty="0">
+                <a:latin typeface="Monaco" charset="0"/>
+                <a:ea typeface="Monaco" charset="0"/>
+                <a:cs typeface="Monaco" charset="0"/>
+              </a:rPr>
+              <a:t> = value</a:t>
+            </a:r>
+          </a:p>
+          <a:p>
+            <a:r>
+              <a:rPr lang="en-US" sz="2200" dirty="0">
+                <a:latin typeface="Monaco" charset="0"/>
+                <a:ea typeface="Monaco" charset="0"/>
+                <a:cs typeface="Monaco" charset="0"/>
+              </a:rPr>
+              <a:t>    </a:t>
+            </a:r>
+            <a:r>
+              <a:rPr lang="en-US" sz="2200" dirty="0" err="1">
+                <a:latin typeface="Monaco" charset="0"/>
+                <a:ea typeface="Monaco" charset="0"/>
+                <a:cs typeface="Monaco" charset="0"/>
+              </a:rPr>
+              <a:t>self.edges</a:t>
+            </a:r>
+            <a:r>
+              <a:rPr lang="en-US" sz="2200" dirty="0">
+                <a:latin typeface="Monaco" charset="0"/>
+                <a:ea typeface="Monaco" charset="0"/>
+                <a:cs typeface="Monaco" charset="0"/>
+              </a:rPr>
+              <a:t> = </a:t>
+            </a:r>
+            <a:r>
+              <a:rPr lang="en-US" sz="2200" dirty="0">
+                <a:solidFill>
+                  <a:schemeClr val="accent1"/>
+                </a:solidFill>
+                <a:latin typeface="Monaco" charset="0"/>
+                <a:ea typeface="Monaco" charset="0"/>
+                <a:cs typeface="Monaco" charset="0"/>
+              </a:rPr>
+              <a:t>{}</a:t>
+            </a:r>
+          </a:p>
+          <a:p>
+            <a:r>
+              <a:rPr lang="en-US" sz="2200" dirty="0">
+                <a:latin typeface="Monaco" charset="0"/>
+                <a:ea typeface="Monaco" charset="0"/>
+                <a:cs typeface="Monaco" charset="0"/>
+              </a:rPr>
+              <a:t>  </a:t>
+            </a:r>
+            <a:r>
+              <a:rPr lang="en-US" sz="2200" dirty="0" err="1">
+                <a:latin typeface="Monaco" charset="0"/>
+                <a:ea typeface="Monaco" charset="0"/>
+                <a:cs typeface="Monaco" charset="0"/>
+              </a:rPr>
+              <a:t>def</a:t>
+            </a:r>
+            <a:r>
+              <a:rPr lang="en-US" sz="2200" dirty="0">
+                <a:latin typeface="Monaco" charset="0"/>
+                <a:ea typeface="Monaco" charset="0"/>
+                <a:cs typeface="Monaco" charset="0"/>
+              </a:rPr>
+              <a:t> add(self, </a:t>
+            </a:r>
+            <a:r>
+              <a:rPr lang="en-US" sz="2200" dirty="0">
+                <a:solidFill>
+                  <a:schemeClr val="accent1"/>
+                </a:solidFill>
+                <a:latin typeface="Monaco" charset="0"/>
+                <a:ea typeface="Monaco" charset="0"/>
+                <a:cs typeface="Monaco" charset="0"/>
+              </a:rPr>
+              <a:t>label</a:t>
+            </a:r>
+            <a:r>
+              <a:rPr lang="en-US" sz="2200" dirty="0">
+                <a:latin typeface="Monaco" charset="0"/>
+                <a:ea typeface="Monaco" charset="0"/>
+                <a:cs typeface="Monaco" charset="0"/>
+              </a:rPr>
+              <a:t>, target):</a:t>
+            </a:r>
+          </a:p>
+          <a:p>
+            <a:r>
+              <a:rPr lang="en-US" sz="2200" dirty="0">
+                <a:latin typeface="Monaco" charset="0"/>
+                <a:ea typeface="Monaco" charset="0"/>
+                <a:cs typeface="Monaco" charset="0"/>
+              </a:rPr>
+              <a:t>    </a:t>
+            </a:r>
+            <a:r>
+              <a:rPr lang="en-US" sz="2200" dirty="0" err="1">
+                <a:solidFill>
+                  <a:schemeClr val="accent1"/>
+                </a:solidFill>
+                <a:latin typeface="Monaco" charset="0"/>
+                <a:ea typeface="Monaco" charset="0"/>
+                <a:cs typeface="Monaco" charset="0"/>
+              </a:rPr>
+              <a:t>self.edges</a:t>
+            </a:r>
+            <a:r>
+              <a:rPr lang="en-US" sz="2200" dirty="0">
+                <a:solidFill>
+                  <a:schemeClr val="accent1"/>
+                </a:solidFill>
+                <a:latin typeface="Monaco" charset="0"/>
+                <a:ea typeface="Monaco" charset="0"/>
+                <a:cs typeface="Monaco" charset="0"/>
+              </a:rPr>
+              <a:t>[label] = target</a:t>
+            </a:r>
+          </a:p>
+        </p:txBody>
+      </p:sp>
+      <p:sp>
+        <p:nvSpPr>
+          <p:cNvPr id="7" name="TextBox 6"/>
+          <p:cNvSpPr txBox="1"/>
           <p:nvPr/>
-        </p:nvPicPr>
-        <p:blipFill>
-          <a:blip r:embed="rId2">
-            <a:extLst>
-              <a:ext uri="{28A0092B-C50C-407E-A947-70E740481C1C}">
-                <a14:useLocalDpi xmlns:a14="http://schemas.microsoft.com/office/drawing/2010/main" val="0"/>
-              </a:ext>
-            </a:extLst>
-          </a:blip>
-          <a:stretch>
-            <a:fillRect/>
-          </a:stretch>
-        </p:blipFill>
+        </p:nvSpPr>
         <p:spPr>
           <a:xfrm>
-            <a:off x="8723835" y="130897"/>
-            <a:ext cx="3364255" cy="1559791"/>
-          </a:xfrm>
-          <a:prstGeom prst="rect">
-            <a:avLst/>
-          </a:prstGeom>
-        </p:spPr>
-      </p:pic>
-      <p:sp>
-        <p:nvSpPr>
-          <p:cNvPr id="6" name="Rectangle 5"/>
-          <p:cNvSpPr/>
-          <p:nvPr/>
-        </p:nvSpPr>
-        <p:spPr>
-          <a:xfrm>
-            <a:off x="968684" y="6311900"/>
-            <a:ext cx="6758581" cy="430887"/>
-          </a:xfrm>
-          <a:prstGeom prst="rect">
-            <a:avLst/>
-          </a:prstGeom>
-        </p:spPr>
-        <p:txBody>
-          <a:bodyPr wrap="none">
-            <a:spAutoFit/>
-          </a:bodyPr>
-          <a:lstStyle/>
-          <a:p>
-            <a:r>
-              <a:rPr lang="en-US" sz="2200" dirty="0"/>
-              <a:t>O(</a:t>
-            </a:r>
-            <a:r>
-              <a:rPr lang="en-US" sz="2200" dirty="0" err="1"/>
-              <a:t>n,m</a:t>
-            </a:r>
-            <a:r>
-              <a:rPr lang="en-US" sz="2200" dirty="0"/>
-              <a:t>) = n + m, for n nodes, m edges; m can be n^2</a:t>
-            </a:r>
-          </a:p>
-        </p:txBody>
-      </p:sp>
-      <p:pic>
-        <p:nvPicPr>
-          <p:cNvPr id="8" name="Picture 7">
-            <a:extLst>
-              <a:ext uri="{FF2B5EF4-FFF2-40B4-BE49-F238E27FC236}">
-                <a16:creationId xmlns:a16="http://schemas.microsoft.com/office/drawing/2014/main" id="{2898FC0D-9F7D-054E-9635-3361BCECD1DC}"/>
-              </a:ext>
-            </a:extLst>
-          </p:cNvPr>
-          <p:cNvPicPr>
-            <a:picLocks noChangeAspect="1"/>
-          </p:cNvPicPr>
-          <p:nvPr/>
-        </p:nvPicPr>
-        <p:blipFill>
-          <a:blip r:embed="rId3"/>
-          <a:stretch>
-            <a:fillRect/>
-          </a:stretch>
-        </p:blipFill>
-        <p:spPr>
-          <a:xfrm>
-            <a:off x="8893000" y="2743199"/>
-            <a:ext cx="3195089" cy="3111635"/>
-          </a:xfrm>
-          <a:prstGeom prst="rect">
-            <a:avLst/>
-          </a:prstGeom>
-        </p:spPr>
-      </p:pic>
-      <p:sp>
-        <p:nvSpPr>
-          <p:cNvPr id="9" name="TextBox 8">
-            <a:extLst>
-              <a:ext uri="{FF2B5EF4-FFF2-40B4-BE49-F238E27FC236}">
-                <a16:creationId xmlns:a16="http://schemas.microsoft.com/office/drawing/2014/main" id="{7C61774A-88F7-2543-8B09-6205FF68B00C}"/>
-              </a:ext>
-            </a:extLst>
-          </p:cNvPr>
-          <p:cNvSpPr txBox="1"/>
-          <p:nvPr/>
-        </p:nvSpPr>
-        <p:spPr>
-          <a:xfrm>
-            <a:off x="8493290" y="5973346"/>
-            <a:ext cx="3825343" cy="338554"/>
+            <a:off x="6630058" y="1690688"/>
+            <a:ext cx="4313681" cy="461665"/>
           </a:xfrm>
           <a:prstGeom prst="rect">
             <a:avLst/>
@@ -13498,16 +13870,127 @@
           <a:lstStyle/>
           <a:p>
             <a:r>
-              <a:rPr lang="en-US" sz="1600" dirty="0"/>
-              <a:t>Algorithms book by Sedgewick, Wayne</a:t>
-            </a:r>
+              <a:rPr lang="en-US" sz="2400" dirty="0"/>
+              <a:t>Edge-&gt;node dictionary, not list</a:t>
+            </a:r>
+          </a:p>
+        </p:txBody>
+      </p:sp>
+      <p:sp>
+        <p:nvSpPr>
+          <p:cNvPr id="8" name="Rectangle 7"/>
+          <p:cNvSpPr/>
+          <p:nvPr/>
+        </p:nvSpPr>
+        <p:spPr>
+          <a:xfrm>
+            <a:off x="7250259" y="2338755"/>
+            <a:ext cx="3073277" cy="1107996"/>
+          </a:xfrm>
+          <a:prstGeom prst="rect">
+            <a:avLst/>
+          </a:prstGeom>
+        </p:spPr>
+        <p:txBody>
+          <a:bodyPr wrap="none">
+            <a:spAutoFit/>
+          </a:bodyPr>
+          <a:lstStyle/>
+          <a:p>
+            <a:r>
+              <a:rPr lang="en-US" sz="2200" dirty="0" err="1">
+                <a:latin typeface="Monaco" charset="0"/>
+                <a:ea typeface="Monaco" charset="0"/>
+                <a:cs typeface="Monaco" charset="0"/>
+              </a:rPr>
+              <a:t>sf.add</a:t>
+            </a:r>
+            <a:r>
+              <a:rPr lang="en-US" sz="2200" dirty="0">
+                <a:latin typeface="Monaco" charset="0"/>
+                <a:ea typeface="Monaco" charset="0"/>
+                <a:cs typeface="Monaco" charset="0"/>
+              </a:rPr>
+              <a:t>(</a:t>
+            </a:r>
+            <a:r>
+              <a:rPr lang="en-US" sz="2200" dirty="0">
+                <a:solidFill>
+                  <a:schemeClr val="accent1"/>
+                </a:solidFill>
+                <a:latin typeface="Monaco" charset="0"/>
+                <a:ea typeface="Monaco" charset="0"/>
+                <a:cs typeface="Monaco" charset="0"/>
+              </a:rPr>
+              <a:t>100</a:t>
+            </a:r>
+            <a:r>
+              <a:rPr lang="en-US" sz="2200" dirty="0">
+                <a:latin typeface="Monaco" charset="0"/>
+                <a:ea typeface="Monaco" charset="0"/>
+                <a:cs typeface="Monaco" charset="0"/>
+              </a:rPr>
+              <a:t>,sj)</a:t>
+            </a:r>
+          </a:p>
+          <a:p>
+            <a:r>
+              <a:rPr lang="en-US" sz="2200" dirty="0" err="1">
+                <a:latin typeface="Monaco" charset="0"/>
+                <a:ea typeface="Monaco" charset="0"/>
+                <a:cs typeface="Monaco" charset="0"/>
+              </a:rPr>
+              <a:t>sj.add</a:t>
+            </a:r>
+            <a:r>
+              <a:rPr lang="en-US" sz="2200" dirty="0">
+                <a:latin typeface="Monaco" charset="0"/>
+                <a:ea typeface="Monaco" charset="0"/>
+                <a:cs typeface="Monaco" charset="0"/>
+              </a:rPr>
+              <a:t>(</a:t>
+            </a:r>
+            <a:r>
+              <a:rPr lang="en-US" sz="2200" dirty="0">
+                <a:solidFill>
+                  <a:schemeClr val="accent1"/>
+                </a:solidFill>
+                <a:latin typeface="Monaco" charset="0"/>
+                <a:ea typeface="Monaco" charset="0"/>
+                <a:cs typeface="Monaco" charset="0"/>
+              </a:rPr>
+              <a:t>150</a:t>
+            </a:r>
+            <a:r>
+              <a:rPr lang="en-US" sz="2200" dirty="0">
+                <a:latin typeface="Monaco" charset="0"/>
+                <a:ea typeface="Monaco" charset="0"/>
+                <a:cs typeface="Monaco" charset="0"/>
+              </a:rPr>
+              <a:t>,baker)</a:t>
+            </a:r>
+          </a:p>
+          <a:p>
+            <a:r>
+              <a:rPr lang="mr-IN" sz="2200" dirty="0">
+                <a:latin typeface="Monaco" charset="0"/>
+                <a:ea typeface="Monaco" charset="0"/>
+                <a:cs typeface="Monaco" charset="0"/>
+              </a:rPr>
+              <a:t>…</a:t>
+            </a:r>
+            <a:endParaRPr lang="en-US" sz="2200" dirty="0">
+              <a:latin typeface="Monaco" charset="0"/>
+              <a:ea typeface="Monaco" charset="0"/>
+              <a:cs typeface="Monaco" charset="0"/>
+            </a:endParaRPr>
           </a:p>
         </p:txBody>
       </p:sp>
     </p:spTree>
     <p:extLst>
       <p:ext uri="{BB962C8B-B14F-4D97-AF65-F5344CB8AC3E}">
-        <p14:creationId xmlns:p14="http://schemas.microsoft.com/office/powerpoint/2010/main" val="717105456"/>
+        <p14:creationId xmlns:p14="http://schemas.microsoft.com/office/powerpoint/2010/main" val="571002868"/>
       </p:ext>
     </p:extLst>
   </p:cSld>

--- a/notes/graphs.pptx
+++ b/notes/graphs.pptx
@@ -11206,6 +11206,36 @@
           <a:chExt cx="0" cy="0"/>
         </a:xfrm>
       </p:grpSpPr>
+      <p:pic>
+        <p:nvPicPr>
+          <p:cNvPr id="6" name="Picture 5">
+            <a:extLst>
+              <a:ext uri="{FF2B5EF4-FFF2-40B4-BE49-F238E27FC236}">
+                <a16:creationId xmlns:a16="http://schemas.microsoft.com/office/drawing/2014/main" id="{B71ADF4D-B43C-234D-9639-464938EA652D}"/>
+              </a:ext>
+            </a:extLst>
+          </p:cNvPr>
+          <p:cNvPicPr>
+            <a:picLocks noChangeAspect="1"/>
+          </p:cNvPicPr>
+          <p:nvPr/>
+        </p:nvPicPr>
+        <p:blipFill>
+          <a:blip r:embed="rId2"/>
+          <a:stretch>
+            <a:fillRect/>
+          </a:stretch>
+        </p:blipFill>
+        <p:spPr>
+          <a:xfrm>
+            <a:off x="7311552" y="3314424"/>
+            <a:ext cx="4533900" cy="3378200"/>
+          </a:xfrm>
+          <a:prstGeom prst="rect">
+            <a:avLst/>
+          </a:prstGeom>
+        </p:spPr>
+      </p:pic>
       <p:sp>
         <p:nvSpPr>
           <p:cNvPr id="2" name="Title 1">
@@ -11229,7 +11259,7 @@
           <a:p>
             <a:r>
               <a:rPr lang="en-US" dirty="0"/>
-              <a:t>Visualize FB friend graph with </a:t>
+              <a:t>Visualize: FB friend graph with </a:t>
             </a:r>
             <a:r>
               <a:rPr lang="en-US" dirty="0" err="1"/>
@@ -11268,14 +11298,20 @@
           <a:lstStyle/>
           <a:p>
             <a:r>
-              <a:rPr lang="en-US" sz="2200" dirty="0"/>
+              <a:rPr lang="en-US" sz="2200" dirty="0">
+                <a:latin typeface="Monaco" pitchFamily="2" charset="77"/>
+              </a:rPr>
               <a:t>pip install </a:t>
             </a:r>
             <a:r>
-              <a:rPr lang="en-US" sz="2200" dirty="0" err="1"/>
+              <a:rPr lang="en-US" sz="2200" dirty="0" err="1">
+                <a:latin typeface="Monaco" pitchFamily="2" charset="77"/>
+              </a:rPr>
               <a:t>networkx</a:t>
             </a:r>
-            <a:endParaRPr lang="en-US" sz="2200" dirty="0"/>
+            <a:endParaRPr lang="en-US" sz="2200" dirty="0">
+              <a:latin typeface="Monaco" pitchFamily="2" charset="77"/>
+            </a:endParaRPr>
           </a:p>
           <a:p>
             <a:r>
@@ -11292,7 +11328,7 @@
             </a:r>
             <a:r>
               <a:rPr lang="en-US" sz="2200" i="1" dirty="0">
-                <a:hlinkClick r:id="rId2"/>
+                <a:hlinkClick r:id="rId3"/>
               </a:rPr>
               <a:t>https://snap.stanford.edu/data/facebook_combined.txt.gz</a:t>
             </a:r>
@@ -11338,10 +11374,9 @@
               <a:t>circular_layout</a:t>
             </a:r>
             <a:r>
-              <a:rPr lang="en-US" sz="2200"/>
+              <a:rPr lang="en-US" sz="2200" dirty="0"/>
               <a:t>()</a:t>
             </a:r>
-            <a:endParaRPr lang="en-US" sz="2200" dirty="0"/>
           </a:p>
           <a:p>
             <a:endParaRPr lang="en-US" sz="2200" dirty="0"/>
@@ -11354,36 +11389,6 @@
             <a:extLst>
               <a:ext uri="{FF2B5EF4-FFF2-40B4-BE49-F238E27FC236}">
                 <a16:creationId xmlns:a16="http://schemas.microsoft.com/office/drawing/2014/main" id="{EDE4877A-B291-EA4B-8EB8-11E2B794DD11}"/>
-              </a:ext>
-            </a:extLst>
-          </p:cNvPr>
-          <p:cNvPicPr>
-            <a:picLocks noChangeAspect="1"/>
-          </p:cNvPicPr>
-          <p:nvPr/>
-        </p:nvPicPr>
-        <p:blipFill>
-          <a:blip r:embed="rId3"/>
-          <a:stretch>
-            <a:fillRect/>
-          </a:stretch>
-        </p:blipFill>
-        <p:spPr>
-          <a:xfrm>
-            <a:off x="142267" y="4105071"/>
-            <a:ext cx="3396255" cy="2530543"/>
-          </a:xfrm>
-          <a:prstGeom prst="rect">
-            <a:avLst/>
-          </a:prstGeom>
-        </p:spPr>
-      </p:pic>
-      <p:pic>
-        <p:nvPicPr>
-          <p:cNvPr id="5" name="Picture 4">
-            <a:extLst>
-              <a:ext uri="{FF2B5EF4-FFF2-40B4-BE49-F238E27FC236}">
-                <a16:creationId xmlns:a16="http://schemas.microsoft.com/office/drawing/2014/main" id="{25D98871-EEAB-DD49-8D54-182A832AA457}"/>
               </a:ext>
             </a:extLst>
           </p:cNvPr>
@@ -11400,8 +11405,8 @@
         </p:blipFill>
         <p:spPr>
           <a:xfrm>
-            <a:off x="3829050" y="3827896"/>
-            <a:ext cx="3768252" cy="2807717"/>
+            <a:off x="142267" y="3784047"/>
+            <a:ext cx="3396255" cy="2530543"/>
           </a:xfrm>
           <a:prstGeom prst="rect">
             <a:avLst/>
@@ -11410,10 +11415,10 @@
       </p:pic>
       <p:pic>
         <p:nvPicPr>
-          <p:cNvPr id="6" name="Picture 5">
+          <p:cNvPr id="5" name="Picture 4">
             <a:extLst>
               <a:ext uri="{FF2B5EF4-FFF2-40B4-BE49-F238E27FC236}">
-                <a16:creationId xmlns:a16="http://schemas.microsoft.com/office/drawing/2014/main" id="{B71ADF4D-B43C-234D-9639-464938EA652D}"/>
+                <a16:creationId xmlns:a16="http://schemas.microsoft.com/office/drawing/2014/main" id="{25D98871-EEAB-DD49-8D54-182A832AA457}"/>
               </a:ext>
             </a:extLst>
           </p:cNvPr>
@@ -11430,14 +11435,56 @@
         </p:blipFill>
         <p:spPr>
           <a:xfrm>
-            <a:off x="7311552" y="3479800"/>
-            <a:ext cx="4533900" cy="3378200"/>
+            <a:off x="3829050" y="3662520"/>
+            <a:ext cx="3768252" cy="2807717"/>
           </a:xfrm>
           <a:prstGeom prst="rect">
             <a:avLst/>
           </a:prstGeom>
         </p:spPr>
       </p:pic>
+      <p:sp>
+        <p:nvSpPr>
+          <p:cNvPr id="7" name="TextBox 6">
+            <a:extLst>
+              <a:ext uri="{FF2B5EF4-FFF2-40B4-BE49-F238E27FC236}">
+                <a16:creationId xmlns:a16="http://schemas.microsoft.com/office/drawing/2014/main" id="{BF1C6248-9868-8340-B3FA-30D598B85C81}"/>
+              </a:ext>
+            </a:extLst>
+          </p:cNvPr>
+          <p:cNvSpPr txBox="1"/>
+          <p:nvPr/>
+        </p:nvSpPr>
+        <p:spPr>
+          <a:xfrm>
+            <a:off x="0" y="6359683"/>
+            <a:ext cx="7318029" cy="338554"/>
+          </a:xfrm>
+          <a:prstGeom prst="rect">
+            <a:avLst/>
+          </a:prstGeom>
+          <a:noFill/>
+        </p:spPr>
+        <p:txBody>
+          <a:bodyPr wrap="none" rtlCol="0">
+            <a:spAutoFit/>
+          </a:bodyPr>
+          <a:lstStyle/>
+          <a:p>
+            <a:r>
+              <a:rPr lang="en-US" sz="1600" dirty="0"/>
+              <a:t>See </a:t>
+            </a:r>
+            <a:r>
+              <a:rPr lang="en-US" sz="1600" dirty="0">
+                <a:hlinkClick r:id="rId6"/>
+              </a:rPr>
+              <a:t>https://github.com/parrt/msds689/blob/master/notes/code/viz_facebook.py</a:t>
+            </a:r>
+            <a:endParaRPr lang="en-US" sz="1600" dirty="0"/>
+          </a:p>
+        </p:txBody>
+      </p:sp>
     </p:spTree>
     <p:extLst>
       <p:ext uri="{BB962C8B-B14F-4D97-AF65-F5344CB8AC3E}">
@@ -12322,7 +12369,7 @@
           <a:p>
             <a:r>
               <a:rPr lang="en-US" dirty="0"/>
-              <a:t>For a specific starting node p, perform DFS; at each node, look up word consisting of all letters on path from p</a:t>
+              <a:t>For a specific starting node p, perform DFS; at each node, look up word consisting of all letters on path from p, checking for dup letters</a:t>
             </a:r>
           </a:p>
         </p:txBody>

--- a/notes/graphs.pptx
+++ b/notes/graphs.pptx
@@ -4484,13 +4484,19 @@
         </p:nvSpPr>
         <p:spPr>
           <a:xfrm>
-            <a:off x="838200" y="1400783"/>
-            <a:ext cx="10515600" cy="4776180"/>
+            <a:off x="838200" y="1099226"/>
+            <a:ext cx="10515600" cy="5077737"/>
           </a:xfrm>
         </p:spPr>
         <p:txBody>
           <a:bodyPr/>
           <a:lstStyle/>
+          <a:p>
+            <a:r>
+              <a:rPr lang="en-US" dirty="0"/>
+              <a:t>E.g., can I get back to start via one-way streets?</a:t>
+            </a:r>
+          </a:p>
           <a:p>
             <a:r>
               <a:rPr lang="en-US" dirty="0"/>
@@ -4528,7 +4534,7 @@
         </p:nvSpPr>
         <p:spPr>
           <a:xfrm>
-            <a:off x="1271631" y="2322255"/>
+            <a:off x="1271631" y="2468171"/>
             <a:ext cx="8981079" cy="4154984"/>
           </a:xfrm>
           <a:prstGeom prst="rect">
@@ -4947,8 +4953,8 @@
         </p:nvSpPr>
         <p:spPr>
           <a:xfrm>
-            <a:off x="838200" y="1825625"/>
-            <a:ext cx="10957560" cy="4351338"/>
+            <a:off x="838199" y="1352145"/>
+            <a:ext cx="11243553" cy="4824818"/>
           </a:xfrm>
         </p:spPr>
         <p:txBody>
@@ -4957,7 +4963,19 @@
           <a:p>
             <a:r>
               <a:rPr lang="en-US" dirty="0"/>
+              <a:t>E.g., can we reach city y from city x (hint: Juneau not accessible)?</a:t>
+            </a:r>
+          </a:p>
+          <a:p>
+            <a:r>
+              <a:rPr lang="en-US" dirty="0"/>
               <a:t>Need two sets, one for avoiding cycles, another for reached nodes</a:t>
+            </a:r>
+          </a:p>
+          <a:p>
+            <a:r>
+              <a:rPr lang="en-US" dirty="0"/>
+              <a:t>If used seen only, then p would be in reach, but maybe no cycle to p</a:t>
             </a:r>
           </a:p>
         </p:txBody>
@@ -4976,7 +4994,7 @@
         </p:nvSpPr>
         <p:spPr>
           <a:xfrm>
-            <a:off x="1964748" y="2495471"/>
+            <a:off x="1125432" y="2847018"/>
             <a:ext cx="8478116" cy="3816429"/>
           </a:xfrm>
           <a:prstGeom prst="rect">
@@ -5335,7 +5353,10 @@
           </a:p>
           <a:p>
             <a:r>
-              <a:rPr lang="mr-IN" sz="2200" dirty="0">
+              <a:rPr lang="en-US" sz="2200" dirty="0">
+                <a:solidFill>
+                  <a:schemeClr val="accent1"/>
+                </a:solidFill>
                 <a:latin typeface="Monaco" charset="0"/>
                 <a:ea typeface="Monaco" charset="0"/>
                 <a:cs typeface="Monaco" charset="0"/>
@@ -5386,6 +5407,17 @@
               </a:rPr>
               <a:t>)</a:t>
             </a:r>
+            <a:r>
+              <a:rPr lang="en-US" sz="2200" dirty="0">
+                <a:solidFill>
+                  <a:schemeClr val="accent1"/>
+                </a:solidFill>
+                <a:latin typeface="Monaco" charset="0"/>
+                <a:ea typeface="Monaco" charset="0"/>
+                <a:cs typeface="Monaco" charset="0"/>
+              </a:rPr>
+              <a:t> # add only if we traverse</a:t>
+            </a:r>
           </a:p>
           <a:p>
             <a:r>
@@ -5423,7 +5455,7 @@
         </p:nvSpPr>
         <p:spPr>
           <a:xfrm>
-            <a:off x="838200" y="6390409"/>
+            <a:off x="5364490" y="0"/>
             <a:ext cx="6827510" cy="369332"/>
           </a:xfrm>
           <a:prstGeom prst="rect">
@@ -5438,28 +5470,10 @@
           <a:lstStyle/>
           <a:p>
             <a:r>
-              <a:rPr lang="en-US" dirty="0"/>
-              <a:t>https://</a:t>
-            </a:r>
-            <a:r>
-              <a:rPr lang="en-US" dirty="0" err="1"/>
-              <a:t>github.com</a:t>
-            </a:r>
-            <a:r>
-              <a:rPr lang="en-US" dirty="0"/>
-              <a:t>/</a:t>
-            </a:r>
-            <a:r>
-              <a:rPr lang="en-US" dirty="0" err="1"/>
-              <a:t>parrt</a:t>
-            </a:r>
-            <a:r>
-              <a:rPr lang="en-US" dirty="0"/>
-              <a:t>/msds689/blob/master/notes/</a:t>
-            </a:r>
-            <a:r>
-              <a:rPr lang="en-US" dirty="0" err="1"/>
-              <a:t>graphs.ipynb</a:t>
+              <a:rPr lang="en-US" dirty="0">
+                <a:hlinkClick r:id="rId2"/>
+              </a:rPr>
+              <a:t>https://github.com/parrt/msds689/blob/master/notes/graphs.ipynb</a:t>
             </a:r>
             <a:endParaRPr lang="en-US" dirty="0"/>
           </a:p>
@@ -5544,10 +5558,21 @@
             <p:ph idx="1"/>
           </p:nvPr>
         </p:nvSpPr>
-        <p:spPr/>
+        <p:spPr>
+          <a:xfrm>
+            <a:off x="838200" y="1400783"/>
+            <a:ext cx="10515600" cy="4776180"/>
+          </a:xfrm>
+        </p:spPr>
         <p:txBody>
           <a:bodyPr/>
           <a:lstStyle/>
+          <a:p>
+            <a:r>
+              <a:rPr lang="en-US" dirty="0"/>
+              <a:t>E.g., how many hops from person A to B on social network?</a:t>
+            </a:r>
+          </a:p>
           <a:p>
             <a:r>
               <a:rPr lang="en-US" dirty="0"/>
@@ -5571,7 +5596,7 @@
         <p:spPr>
           <a:xfrm>
             <a:off x="847687" y="2495471"/>
-            <a:ext cx="10506113" cy="3816429"/>
+            <a:ext cx="10737956" cy="3816429"/>
           </a:xfrm>
           <a:prstGeom prst="rect">
             <a:avLst/>
@@ -5844,7 +5869,7 @@
                 <a:ea typeface="Monaco" charset="0"/>
                 <a:cs typeface="Monaco" charset="0"/>
               </a:rPr>
-              <a:t>reaches[p] = depth</a:t>
+              <a:t>reaches[p] = depth # distance to p from start (could be 0)</a:t>
             </a:r>
           </a:p>
           <a:p>
@@ -6034,10 +6059,21 @@
             <p:ph idx="1"/>
           </p:nvPr>
         </p:nvSpPr>
-        <p:spPr/>
+        <p:spPr>
+          <a:xfrm>
+            <a:off x="838200" y="1303506"/>
+            <a:ext cx="10515600" cy="4873457"/>
+          </a:xfrm>
+        </p:spPr>
         <p:txBody>
           <a:bodyPr/>
           <a:lstStyle/>
+          <a:p>
+            <a:r>
+              <a:rPr lang="en-US" dirty="0"/>
+              <a:t>E.g., find all friends with k friend hops</a:t>
+            </a:r>
+          </a:p>
           <a:p>
             <a:r>
               <a:rPr lang="en-US" dirty="0"/>
@@ -6319,7 +6355,7 @@
                 <a:ea typeface="Monaco" charset="0"/>
                 <a:cs typeface="Monaco" charset="0"/>
               </a:rPr>
-              <a:t>: return</a:t>
+              <a:t>: return # terminate at depth</a:t>
             </a:r>
           </a:p>
           <a:p>
@@ -6462,7 +6498,7 @@
           <a:p>
             <a:r>
               <a:rPr lang="en-US" dirty="0"/>
-              <a:t>Find path from p to q</a:t>
+              <a:t>Find first path from p to q</a:t>
             </a:r>
           </a:p>
         </p:txBody>
@@ -6817,7 +6853,7 @@
                 <a:ea typeface="Monaco" charset="0"/>
                 <a:cs typeface="Monaco" charset="0"/>
               </a:rPr>
-              <a:t>if p is q: return path</a:t>
+              <a:t>if p is q: return path       # found q!</a:t>
             </a:r>
           </a:p>
           <a:p>
@@ -6854,7 +6890,7 @@
                 <a:ea typeface="Monaco" charset="0"/>
                 <a:cs typeface="Monaco" charset="0"/>
               </a:rPr>
-              <a:t>None</a:t>
+              <a:t>None  # avoid cycle</a:t>
             </a:r>
           </a:p>
           <a:p>
@@ -7672,6 +7708,13 @@
               <a:t>from front (queue)</a:t>
             </a:r>
           </a:p>
+          <a:p>
+            <a:r>
+              <a:rPr lang="en-US" i="1" dirty="0" err="1"/>
+              <a:t>Nonrecursive</a:t>
+            </a:r>
+            <a:endParaRPr lang="en-US" i="1" dirty="0"/>
+          </a:p>
         </p:txBody>
       </p:sp>
       <p:sp>
@@ -7689,7 +7732,7 @@
         <p:spPr>
           <a:xfrm>
             <a:off x="5190259" y="2409804"/>
-            <a:ext cx="6163541" cy="3477875"/>
+            <a:ext cx="6560754" cy="3477875"/>
           </a:xfrm>
           <a:prstGeom prst="rect">
             <a:avLst/>
@@ -7827,11 +7870,14 @@
               </a:rPr>
               <a:t>(0)</a:t>
             </a:r>
-            <a:endParaRPr lang="en-US" sz="2200" dirty="0">
-              <a:latin typeface="Monaco" charset="0"/>
-              <a:ea typeface="Monaco" charset="0"/>
-              <a:cs typeface="Monaco" charset="0"/>
-            </a:endParaRPr>
+            <a:r>
+              <a:rPr lang="en-US" sz="2200" dirty="0">
+                <a:latin typeface="Monaco" charset="0"/>
+                <a:ea typeface="Monaco" charset="0"/>
+                <a:cs typeface="Monaco" charset="0"/>
+              </a:rPr>
+              <a:t> # dequeue</a:t>
+            </a:r>
           </a:p>
           <a:p>
             <a:r>
@@ -8321,6 +8367,9 @@
             </a:r>
             <a:r>
               <a:rPr lang="en-US" sz="2200" dirty="0">
+                <a:solidFill>
+                  <a:schemeClr val="accent5"/>
+                </a:solidFill>
                 <a:latin typeface="Monaco" charset="0"/>
                 <a:ea typeface="Monaco" charset="0"/>
                 <a:cs typeface="Monaco" charset="0"/>
@@ -8329,6 +8378,9 @@
             </a:r>
             <a:r>
               <a:rPr lang="en-US" sz="2200" dirty="0" err="1">
+                <a:solidFill>
+                  <a:schemeClr val="accent5"/>
+                </a:solidFill>
                 <a:latin typeface="Monaco" charset="0"/>
                 <a:ea typeface="Monaco" charset="0"/>
                 <a:cs typeface="Monaco" charset="0"/>
@@ -8361,7 +8413,26 @@
                 <a:ea typeface="Monaco" charset="0"/>
                 <a:cs typeface="Monaco" charset="0"/>
               </a:rPr>
-              <a:t>    worklist = [[root]]</a:t>
+              <a:t>    worklist = [</a:t>
+            </a:r>
+            <a:r>
+              <a:rPr lang="en-US" sz="2200" dirty="0">
+                <a:solidFill>
+                  <a:schemeClr val="accent5"/>
+                </a:solidFill>
+                <a:latin typeface="Monaco" charset="0"/>
+                <a:ea typeface="Monaco" charset="0"/>
+                <a:cs typeface="Monaco" charset="0"/>
+              </a:rPr>
+              <a:t>[root]</a:t>
+            </a:r>
+            <a:r>
+              <a:rPr lang="en-US" sz="2200" dirty="0">
+                <a:latin typeface="Monaco" charset="0"/>
+                <a:ea typeface="Monaco" charset="0"/>
+                <a:cs typeface="Monaco" charset="0"/>
+              </a:rPr>
+              <a:t>] # list of paths</a:t>
             </a:r>
           </a:p>
           <a:p>
@@ -8439,20 +8510,45 @@
                 <a:ea typeface="Monaco" charset="0"/>
                 <a:cs typeface="Monaco" charset="0"/>
               </a:rPr>
-              <a:t>        p = path[-1] # tail of path</a:t>
-            </a:r>
-          </a:p>
-          <a:p>
-            <a:r>
-              <a:rPr lang="en-US" sz="2200" dirty="0">
-                <a:latin typeface="Monaco" charset="0"/>
-                <a:ea typeface="Monaco" charset="0"/>
-                <a:cs typeface="Monaco" charset="0"/>
-              </a:rPr>
-              <a:t>        if p is target:</a:t>
+              <a:t>        </a:t>
+            </a:r>
+            <a:r>
+              <a:rPr lang="en-US" sz="2200" dirty="0">
+                <a:solidFill>
+                  <a:schemeClr val="accent5"/>
+                </a:solidFill>
+                <a:latin typeface="Monaco" charset="0"/>
+                <a:ea typeface="Monaco" charset="0"/>
+                <a:cs typeface="Monaco" charset="0"/>
+              </a:rPr>
+              <a:t>p = path[-1] # tail of path</a:t>
+            </a:r>
+          </a:p>
+          <a:p>
+            <a:r>
+              <a:rPr lang="en-US" sz="2200" dirty="0">
+                <a:latin typeface="Monaco" charset="0"/>
+                <a:ea typeface="Monaco" charset="0"/>
+                <a:cs typeface="Monaco" charset="0"/>
+              </a:rPr>
+              <a:t>        </a:t>
+            </a:r>
+            <a:r>
+              <a:rPr lang="en-US" sz="2200" dirty="0">
+                <a:solidFill>
+                  <a:schemeClr val="accent5"/>
+                </a:solidFill>
+                <a:latin typeface="Monaco" charset="0"/>
+                <a:ea typeface="Monaco" charset="0"/>
+                <a:cs typeface="Monaco" charset="0"/>
+              </a:rPr>
+              <a:t>if p is target:</a:t>
             </a:r>
             <a:r>
               <a:rPr lang="mr-IN" sz="2200" dirty="0">
+                <a:solidFill>
+                  <a:schemeClr val="accent5"/>
+                </a:solidFill>
                 <a:latin typeface="Monaco" charset="0"/>
                 <a:ea typeface="Monaco" charset="0"/>
                 <a:cs typeface="Monaco" charset="0"/>
@@ -8461,6 +8557,9 @@
             </a:r>
             <a:r>
               <a:rPr lang="mr-IN" sz="2200" dirty="0" err="1">
+                <a:solidFill>
+                  <a:schemeClr val="accent5"/>
+                </a:solidFill>
                 <a:latin typeface="Monaco" charset="0"/>
                 <a:ea typeface="Monaco" charset="0"/>
                 <a:cs typeface="Monaco" charset="0"/>
@@ -8469,6 +8568,9 @@
             </a:r>
             <a:r>
               <a:rPr lang="mr-IN" sz="2200" dirty="0">
+                <a:solidFill>
+                  <a:schemeClr val="accent5"/>
+                </a:solidFill>
                 <a:latin typeface="Monaco" charset="0"/>
                 <a:ea typeface="Monaco" charset="0"/>
                 <a:cs typeface="Monaco" charset="0"/>
@@ -8477,6 +8579,9 @@
             </a:r>
             <a:r>
               <a:rPr lang="mr-IN" sz="2200" dirty="0" err="1">
+                <a:solidFill>
+                  <a:schemeClr val="accent5"/>
+                </a:solidFill>
                 <a:latin typeface="Monaco" charset="0"/>
                 <a:ea typeface="Monaco" charset="0"/>
                 <a:cs typeface="Monaco" charset="0"/>
@@ -8484,6 +8589,9 @@
               <a:t>path</a:t>
             </a:r>
             <a:endParaRPr lang="mr-IN" sz="2200" dirty="0">
+              <a:solidFill>
+                <a:schemeClr val="accent5"/>
+              </a:solidFill>
               <a:latin typeface="Monaco" charset="0"/>
               <a:ea typeface="Monaco" charset="0"/>
               <a:cs typeface="Monaco" charset="0"/>
@@ -8608,6 +8716,9 @@
             </a:r>
             <a:r>
               <a:rPr lang="mr-IN" sz="2200" dirty="0">
+                <a:solidFill>
+                  <a:schemeClr val="accent5"/>
+                </a:solidFill>
                 <a:latin typeface="Monaco" charset="0"/>
                 <a:ea typeface="Monaco" charset="0"/>
                 <a:cs typeface="Monaco" charset="0"/>
@@ -8616,6 +8727,9 @@
             </a:r>
             <a:r>
               <a:rPr lang="mr-IN" sz="2200" dirty="0" err="1">
+                <a:solidFill>
+                  <a:schemeClr val="accent5"/>
+                </a:solidFill>
                 <a:latin typeface="Monaco" charset="0"/>
                 <a:ea typeface="Monaco" charset="0"/>
                 <a:cs typeface="Monaco" charset="0"/>
@@ -8624,11 +8738,22 @@
             </a:r>
             <a:r>
               <a:rPr lang="mr-IN" sz="2200" dirty="0">
-                <a:latin typeface="Monaco" charset="0"/>
-                <a:ea typeface="Monaco" charset="0"/>
-                <a:cs typeface="Monaco" charset="0"/>
-              </a:rPr>
-              <a:t>])</a:t>
+                <a:solidFill>
+                  <a:schemeClr val="accent5"/>
+                </a:solidFill>
+                <a:latin typeface="Monaco" charset="0"/>
+                <a:ea typeface="Monaco" charset="0"/>
+                <a:cs typeface="Monaco" charset="0"/>
+              </a:rPr>
+              <a:t>]</a:t>
+            </a:r>
+            <a:r>
+              <a:rPr lang="mr-IN" sz="2200" dirty="0">
+                <a:latin typeface="Monaco" charset="0"/>
+                <a:ea typeface="Monaco" charset="0"/>
+                <a:cs typeface="Monaco" charset="0"/>
+              </a:rPr>
+              <a:t>)</a:t>
             </a:r>
           </a:p>
           <a:p>
@@ -10045,7 +10170,7 @@
             </a:r>
             <a:r>
               <a:rPr lang="en-US" dirty="0"/>
-              <a:t> traversal processes </a:t>
+              <a:t> traversal processes/prints </a:t>
             </a:r>
             <a:r>
               <a:rPr lang="en-US" b="1" dirty="0"/>
@@ -10479,7 +10604,29 @@
                 <a:ea typeface="Monaco" charset="0"/>
                 <a:cs typeface="Monaco" charset="0"/>
               </a:rPr>
-              <a:t>(p)</a:t>
+              <a:t>(p) # </a:t>
+            </a:r>
+            <a:r>
+              <a:rPr lang="en-US" sz="2400" dirty="0" err="1">
+                <a:solidFill>
+                  <a:schemeClr val="accent1"/>
+                </a:solidFill>
+                <a:latin typeface="Monaco" charset="0"/>
+                <a:ea typeface="Monaco" charset="0"/>
+                <a:cs typeface="Monaco" charset="0"/>
+              </a:rPr>
+              <a:t>postorder</a:t>
+            </a:r>
+            <a:r>
+              <a:rPr lang="en-US" sz="2400" dirty="0">
+                <a:solidFill>
+                  <a:schemeClr val="accent1"/>
+                </a:solidFill>
+                <a:latin typeface="Monaco" charset="0"/>
+                <a:ea typeface="Monaco" charset="0"/>
+                <a:cs typeface="Monaco" charset="0"/>
+              </a:rPr>
+              <a:t> done after kids</a:t>
             </a:r>
             <a:endParaRPr lang="mr-IN" sz="2400" dirty="0">
               <a:solidFill>
@@ -10572,7 +10719,7 @@
         </p:blipFill>
         <p:spPr>
           <a:xfrm>
-            <a:off x="8778241" y="1545649"/>
+            <a:off x="8778241" y="2275224"/>
             <a:ext cx="3413759" cy="3982719"/>
           </a:xfrm>
           <a:prstGeom prst="rect">
@@ -10595,7 +10742,7 @@
         <p:spPr>
           <a:xfrm>
             <a:off x="220200" y="1967349"/>
-            <a:ext cx="8260600" cy="3139321"/>
+            <a:ext cx="8260600" cy="3477875"/>
           </a:xfrm>
           <a:prstGeom prst="rect">
             <a:avLst/>
@@ -10619,6 +10766,32 @@
                 <a:ea typeface="Monaco" charset="0"/>
                 <a:cs typeface="Monaco" charset="0"/>
               </a:rPr>
+              <a:t># nodes is </a:t>
+            </a:r>
+            <a:r>
+              <a:rPr lang="en-US" sz="2200" dirty="0" err="1">
+                <a:latin typeface="Monaco" charset="0"/>
+                <a:ea typeface="Monaco" charset="0"/>
+                <a:cs typeface="Monaco" charset="0"/>
+              </a:rPr>
+              <a:t>dict</a:t>
+            </a:r>
+            <a:r>
+              <a:rPr lang="en-US" sz="2200" dirty="0">
+                <a:latin typeface="Monaco" charset="0"/>
+                <a:ea typeface="Monaco" charset="0"/>
+                <a:cs typeface="Monaco" charset="0"/>
+              </a:rPr>
+              <a:t> edge list mapping from-&gt;to</a:t>
+            </a:r>
+          </a:p>
+          <a:p>
+            <a:r>
+              <a:rPr lang="en-US" sz="2200" dirty="0">
+                <a:latin typeface="Monaco" charset="0"/>
+                <a:ea typeface="Monaco" charset="0"/>
+                <a:cs typeface="Monaco" charset="0"/>
+              </a:rPr>
               <a:t>def </a:t>
             </a:r>
             <a:r>
@@ -10635,17 +10808,33 @@
                 <a:ea typeface="Monaco" charset="0"/>
                 <a:cs typeface="Monaco" charset="0"/>
               </a:rPr>
-              <a:t>(nodes):</a:t>
-            </a:r>
-          </a:p>
-          <a:p>
-            <a:r>
-              <a:rPr lang="en-US" sz="2200" dirty="0">
-                <a:latin typeface="Monaco" charset="0"/>
-                <a:ea typeface="Monaco" charset="0"/>
-                <a:cs typeface="Monaco" charset="0"/>
-              </a:rPr>
-              <a:t>    sorted = []</a:t>
+              <a:t>(</a:t>
+            </a:r>
+            <a:r>
+              <a:rPr lang="en-US" sz="2200" dirty="0" err="1">
+                <a:latin typeface="Monaco" charset="0"/>
+                <a:ea typeface="Monaco" charset="0"/>
+                <a:cs typeface="Monaco" charset="0"/>
+              </a:rPr>
+              <a:t>nodes:dict</a:t>
+            </a:r>
+            <a:r>
+              <a:rPr lang="en-US" sz="2200" dirty="0">
+                <a:latin typeface="Monaco" charset="0"/>
+                <a:ea typeface="Monaco" charset="0"/>
+                <a:cs typeface="Monaco" charset="0"/>
+              </a:rPr>
+              <a:t>):</a:t>
+            </a:r>
+          </a:p>
+          <a:p>
+            <a:r>
+              <a:rPr lang="en-US" sz="2200" dirty="0">
+                <a:latin typeface="Monaco" charset="0"/>
+                <a:ea typeface="Monaco" charset="0"/>
+                <a:cs typeface="Monaco" charset="0"/>
+              </a:rPr>
+              <a:t>sorted = []</a:t>
             </a:r>
           </a:p>
           <a:p>
@@ -10913,6 +11102,74 @@
             <a:r>
               <a:rPr lang="en-US" sz="2400" dirty="0"/>
               <a:t> here since u precedes v</a:t>
+            </a:r>
+          </a:p>
+        </p:txBody>
+      </p:sp>
+      <p:sp>
+        <p:nvSpPr>
+          <p:cNvPr id="6" name="Rectangle 5">
+            <a:extLst>
+              <a:ext uri="{FF2B5EF4-FFF2-40B4-BE49-F238E27FC236}">
+                <a16:creationId xmlns:a16="http://schemas.microsoft.com/office/drawing/2014/main" id="{FC9BE97A-A20E-134E-AA79-85CB43B697DB}"/>
+              </a:ext>
+            </a:extLst>
+          </p:cNvPr>
+          <p:cNvSpPr/>
+          <p:nvPr/>
+        </p:nvSpPr>
+        <p:spPr>
+          <a:xfrm>
+            <a:off x="8904701" y="107919"/>
+            <a:ext cx="3021410" cy="1477328"/>
+          </a:xfrm>
+          <a:prstGeom prst="rect">
+            <a:avLst/>
+          </a:prstGeom>
+        </p:spPr>
+        <p:txBody>
+          <a:bodyPr wrap="square">
+            <a:spAutoFit/>
+          </a:bodyPr>
+          <a:lstStyle/>
+          <a:p>
+            <a:r>
+              <a:rPr lang="en-US" dirty="0">
+                <a:latin typeface="Monaco" pitchFamily="2" charset="77"/>
+              </a:rPr>
+              <a:t>MSDS = """501-&gt;690 </a:t>
+            </a:r>
+          </a:p>
+          <a:p>
+            <a:r>
+              <a:rPr lang="en-US" dirty="0">
+                <a:latin typeface="Monaco" pitchFamily="2" charset="77"/>
+              </a:rPr>
+              <a:t>502,504,693-&gt;601</a:t>
+            </a:r>
+          </a:p>
+          <a:p>
+            <a:r>
+              <a:rPr lang="en-US" dirty="0">
+                <a:latin typeface="Monaco" pitchFamily="2" charset="77"/>
+              </a:rPr>
+              <a:t>601-&gt;604 </a:t>
+            </a:r>
+          </a:p>
+          <a:p>
+            <a:r>
+              <a:rPr lang="en-US" dirty="0">
+                <a:latin typeface="Monaco" pitchFamily="2" charset="77"/>
+              </a:rPr>
+              <a:t>601,604-&gt;623</a:t>
+            </a:r>
+          </a:p>
+          <a:p>
+            <a:r>
+              <a:rPr lang="en-US" dirty="0">
+                <a:latin typeface="Monaco" pitchFamily="2" charset="77"/>
+              </a:rPr>
+              <a:t>…"""</a:t>
             </a:r>
           </a:p>
         </p:txBody>
@@ -11008,6 +11265,18 @@
               <a:rPr lang="en-US" dirty="0"/>
               <a:t>DFS for finding a path or multiple paths or cycles</a:t>
             </a:r>
+            <a:br>
+              <a:rPr lang="en-US" dirty="0"/>
+            </a:br>
+            <a:r>
+              <a:rPr lang="en-US" dirty="0"/>
+              <a:t>(</a:t>
+            </a:r>
+            <a:r>
+              <a:rPr lang="en-US"/>
+              <a:t>recursive backtracking to find all nodes)</a:t>
+            </a:r>
+            <a:endParaRPr lang="en-US" dirty="0"/>
           </a:p>
           <a:p>
             <a:r>
